--- a/doc/Paper Images.pptx
+++ b/doc/Paper Images.pptx
@@ -85,10 +85,19 @@
     <p:sldId id="344" r:id="rId79"/>
     <p:sldId id="345" r:id="rId80"/>
     <p:sldId id="395" r:id="rId81"/>
-    <p:sldId id="394" r:id="rId82"/>
-    <p:sldId id="396" r:id="rId83"/>
-    <p:sldId id="397" r:id="rId84"/>
-    <p:sldId id="398" r:id="rId85"/>
+    <p:sldId id="409" r:id="rId82"/>
+    <p:sldId id="394" r:id="rId83"/>
+    <p:sldId id="400" r:id="rId84"/>
+    <p:sldId id="396" r:id="rId85"/>
+    <p:sldId id="397" r:id="rId86"/>
+    <p:sldId id="398" r:id="rId87"/>
+    <p:sldId id="402" r:id="rId88"/>
+    <p:sldId id="403" r:id="rId89"/>
+    <p:sldId id="404" r:id="rId90"/>
+    <p:sldId id="405" r:id="rId91"/>
+    <p:sldId id="406" r:id="rId92"/>
+    <p:sldId id="407" r:id="rId93"/>
+    <p:sldId id="408" r:id="rId94"/>
   </p:sldIdLst>
   <p:sldSz cx="12192000" cy="6858000"/>
   <p:notesSz cx="6858000" cy="9144000"/>
@@ -344,7 +353,7 @@
           <a:p>
             <a:fld id="{69EF58AE-A150-436C-A66E-79C9DB882BA4}" type="datetimeFigureOut">
               <a:rPr lang="en-US" smtClean="0"/>
-              <a:t>6/15/2020</a:t>
+              <a:t>6/18/2020</a:t>
             </a:fld>
             <a:endParaRPr lang="en-US"/>
           </a:p>
@@ -544,7 +553,7 @@
           <a:p>
             <a:fld id="{69EF58AE-A150-436C-A66E-79C9DB882BA4}" type="datetimeFigureOut">
               <a:rPr lang="en-US" smtClean="0"/>
-              <a:t>6/15/2020</a:t>
+              <a:t>6/18/2020</a:t>
             </a:fld>
             <a:endParaRPr lang="en-US"/>
           </a:p>
@@ -754,7 +763,7 @@
           <a:p>
             <a:fld id="{69EF58AE-A150-436C-A66E-79C9DB882BA4}" type="datetimeFigureOut">
               <a:rPr lang="en-US" smtClean="0"/>
-              <a:t>6/15/2020</a:t>
+              <a:t>6/18/2020</a:t>
             </a:fld>
             <a:endParaRPr lang="en-US"/>
           </a:p>
@@ -954,7 +963,7 @@
           <a:p>
             <a:fld id="{69EF58AE-A150-436C-A66E-79C9DB882BA4}" type="datetimeFigureOut">
               <a:rPr lang="en-US" smtClean="0"/>
-              <a:t>6/15/2020</a:t>
+              <a:t>6/18/2020</a:t>
             </a:fld>
             <a:endParaRPr lang="en-US"/>
           </a:p>
@@ -1230,7 +1239,7 @@
           <a:p>
             <a:fld id="{69EF58AE-A150-436C-A66E-79C9DB882BA4}" type="datetimeFigureOut">
               <a:rPr lang="en-US" smtClean="0"/>
-              <a:t>6/15/2020</a:t>
+              <a:t>6/18/2020</a:t>
             </a:fld>
             <a:endParaRPr lang="en-US"/>
           </a:p>
@@ -1498,7 +1507,7 @@
           <a:p>
             <a:fld id="{69EF58AE-A150-436C-A66E-79C9DB882BA4}" type="datetimeFigureOut">
               <a:rPr lang="en-US" smtClean="0"/>
-              <a:t>6/15/2020</a:t>
+              <a:t>6/18/2020</a:t>
             </a:fld>
             <a:endParaRPr lang="en-US"/>
           </a:p>
@@ -1913,7 +1922,7 @@
           <a:p>
             <a:fld id="{69EF58AE-A150-436C-A66E-79C9DB882BA4}" type="datetimeFigureOut">
               <a:rPr lang="en-US" smtClean="0"/>
-              <a:t>6/15/2020</a:t>
+              <a:t>6/18/2020</a:t>
             </a:fld>
             <a:endParaRPr lang="en-US"/>
           </a:p>
@@ -2055,7 +2064,7 @@
           <a:p>
             <a:fld id="{69EF58AE-A150-436C-A66E-79C9DB882BA4}" type="datetimeFigureOut">
               <a:rPr lang="en-US" smtClean="0"/>
-              <a:t>6/15/2020</a:t>
+              <a:t>6/18/2020</a:t>
             </a:fld>
             <a:endParaRPr lang="en-US"/>
           </a:p>
@@ -2168,7 +2177,7 @@
           <a:p>
             <a:fld id="{69EF58AE-A150-436C-A66E-79C9DB882BA4}" type="datetimeFigureOut">
               <a:rPr lang="en-US" smtClean="0"/>
-              <a:t>6/15/2020</a:t>
+              <a:t>6/18/2020</a:t>
             </a:fld>
             <a:endParaRPr lang="en-US"/>
           </a:p>
@@ -2481,7 +2490,7 @@
           <a:p>
             <a:fld id="{69EF58AE-A150-436C-A66E-79C9DB882BA4}" type="datetimeFigureOut">
               <a:rPr lang="en-US" smtClean="0"/>
-              <a:t>6/15/2020</a:t>
+              <a:t>6/18/2020</a:t>
             </a:fld>
             <a:endParaRPr lang="en-US"/>
           </a:p>
@@ -2770,7 +2779,7 @@
           <a:p>
             <a:fld id="{69EF58AE-A150-436C-A66E-79C9DB882BA4}" type="datetimeFigureOut">
               <a:rPr lang="en-US" smtClean="0"/>
-              <a:t>6/15/2020</a:t>
+              <a:t>6/18/2020</a:t>
             </a:fld>
             <a:endParaRPr lang="en-US"/>
           </a:p>
@@ -3013,7 +3022,7 @@
           <a:p>
             <a:fld id="{69EF58AE-A150-436C-A66E-79C9DB882BA4}" type="datetimeFigureOut">
               <a:rPr lang="en-US" smtClean="0"/>
-              <a:t>6/15/2020</a:t>
+              <a:t>6/18/2020</a:t>
             </a:fld>
             <a:endParaRPr lang="en-US"/>
           </a:p>
@@ -3600,47 +3609,91 @@
               <a:buAutoNum type="arabicPeriod"/>
             </a:pPr>
             <a:r>
-              <a:rPr lang="en-US" sz="2000" b="1" u="sng" dirty="0"/>
+              <a:rPr lang="en-US" sz="2000" b="1" u="sng" dirty="0">
+                <a:highlight>
+                  <a:srgbClr val="C0C0C0"/>
+                </a:highlight>
+              </a:rPr>
               <a:t>B</a:t>
             </a:r>
             <a:r>
-              <a:rPr lang="ko-KR" altLang="en-US" sz="2000" b="1" u="sng" dirty="0"/>
+              <a:rPr lang="ko-KR" altLang="en-US" sz="2000" b="1" u="sng" dirty="0">
+                <a:highlight>
+                  <a:srgbClr val="C0C0C0"/>
+                </a:highlight>
+              </a:rPr>
               <a:t>지역</a:t>
             </a:r>
             <a:r>
-              <a:rPr lang="en-US" altLang="ko-KR" sz="2000" b="1" dirty="0"/>
+              <a:rPr lang="en-US" altLang="ko-KR" sz="2000" b="1" dirty="0">
+                <a:highlight>
+                  <a:srgbClr val="C0C0C0"/>
+                </a:highlight>
+              </a:rPr>
               <a:t>(e.g., </a:t>
             </a:r>
             <a:r>
-              <a:rPr lang="ko-KR" altLang="en-US" sz="2000" b="1" dirty="0"/>
+              <a:rPr lang="ko-KR" altLang="en-US" sz="2000" b="1" dirty="0">
+                <a:highlight>
+                  <a:srgbClr val="C0C0C0"/>
+                </a:highlight>
+              </a:rPr>
               <a:t>서울</a:t>
             </a:r>
             <a:r>
-              <a:rPr lang="en-US" altLang="ko-KR" sz="2000" b="1" dirty="0"/>
+              <a:rPr lang="en-US" altLang="ko-KR" sz="2000" b="1" dirty="0">
+                <a:highlight>
+                  <a:srgbClr val="C0C0C0"/>
+                </a:highlight>
+              </a:rPr>
               <a:t>)</a:t>
             </a:r>
             <a:r>
-              <a:rPr lang="ko-KR" altLang="en-US" sz="2000" b="1" u="sng" dirty="0"/>
+              <a:rPr lang="ko-KR" altLang="en-US" sz="2000" b="1" u="sng" dirty="0">
+                <a:highlight>
+                  <a:srgbClr val="C0C0C0"/>
+                </a:highlight>
+              </a:rPr>
               <a:t>에서 최초 </a:t>
             </a:r>
             <a:r>
-              <a:rPr lang="ko-KR" altLang="en-US" sz="2000" b="1" u="sng" dirty="0" err="1"/>
+              <a:rPr lang="ko-KR" altLang="en-US" sz="2000" b="1" u="sng" dirty="0" err="1">
+                <a:highlight>
+                  <a:srgbClr val="C0C0C0"/>
+                </a:highlight>
+              </a:rPr>
               <a:t>확진자가</a:t>
             </a:r>
             <a:r>
-              <a:rPr lang="ko-KR" altLang="en-US" sz="2000" b="1" u="sng" dirty="0"/>
+              <a:rPr lang="ko-KR" altLang="en-US" sz="2000" b="1" u="sng" dirty="0">
+                <a:highlight>
+                  <a:srgbClr val="C0C0C0"/>
+                </a:highlight>
+              </a:rPr>
               <a:t> 나온 후 다음 날은 몇 명의 </a:t>
             </a:r>
             <a:r>
-              <a:rPr lang="ko-KR" altLang="en-US" sz="2000" b="1" u="sng" dirty="0" err="1"/>
+              <a:rPr lang="ko-KR" altLang="en-US" sz="2000" b="1" u="sng" dirty="0" err="1">
+                <a:highlight>
+                  <a:srgbClr val="C0C0C0"/>
+                </a:highlight>
+              </a:rPr>
               <a:t>확진자가</a:t>
             </a:r>
             <a:r>
-              <a:rPr lang="ko-KR" altLang="en-US" sz="2000" b="1" u="sng" dirty="0"/>
+              <a:rPr lang="ko-KR" altLang="en-US" sz="2000" b="1" u="sng" dirty="0">
+                <a:highlight>
+                  <a:srgbClr val="C0C0C0"/>
+                </a:highlight>
+              </a:rPr>
               <a:t> 나올 것인가</a:t>
             </a:r>
             <a:r>
-              <a:rPr lang="en-US" altLang="ko-KR" sz="2000" b="1" u="sng" dirty="0"/>
+              <a:rPr lang="en-US" altLang="ko-KR" sz="2000" b="1" u="sng" dirty="0">
+                <a:highlight>
+                  <a:srgbClr val="C0C0C0"/>
+                </a:highlight>
+              </a:rPr>
               <a:t>?</a:t>
             </a:r>
           </a:p>
@@ -35622,8 +35675,8 @@
         </p:nvSpPr>
         <p:spPr>
           <a:xfrm>
-            <a:off x="0" y="0"/>
-            <a:ext cx="12192000" cy="2377440"/>
+            <a:off x="0" y="1"/>
+            <a:ext cx="12192000" cy="531222"/>
           </a:xfrm>
         </p:spPr>
         <p:txBody>
@@ -35632,24 +35685,1351 @@
           </a:bodyPr>
           <a:lstStyle/>
           <a:p>
+            <a:r>
+              <a:rPr lang="en-US" altLang="ko-KR" sz="2400" b="1" dirty="0"/>
+              <a:t>Multi States LSTM </a:t>
+            </a:r>
+            <a:r>
+              <a:rPr lang="ko-KR" altLang="en-US" sz="2400" b="1" dirty="0"/>
+              <a:t>실험</a:t>
+            </a:r>
+            <a:r>
+              <a:rPr lang="en-US" altLang="ko-KR" sz="2400" b="1" dirty="0"/>
+              <a:t> </a:t>
+            </a:r>
+            <a:endParaRPr lang="en-US" sz="2400" b="1" dirty="0"/>
+          </a:p>
+        </p:txBody>
+      </p:sp>
+      <p:sp>
+        <p:nvSpPr>
+          <p:cNvPr id="2" name="TextBox 1">
+            <a:extLst>
+              <a:ext uri="{FF2B5EF4-FFF2-40B4-BE49-F238E27FC236}">
+                <a16:creationId xmlns:a16="http://schemas.microsoft.com/office/drawing/2014/main" id="{2CBD3F1A-77FE-4F07-96E3-F84F5D065CBB}"/>
+              </a:ext>
+            </a:extLst>
+          </p:cNvPr>
+          <p:cNvSpPr txBox="1"/>
+          <p:nvPr/>
+        </p:nvSpPr>
+        <p:spPr>
+          <a:xfrm>
+            <a:off x="339634" y="1672046"/>
+            <a:ext cx="2025491" cy="369332"/>
+          </a:xfrm>
+          <a:prstGeom prst="rect">
+            <a:avLst/>
+          </a:prstGeom>
+          <a:noFill/>
+        </p:spPr>
+        <p:txBody>
+          <a:bodyPr wrap="none" rtlCol="0">
+            <a:spAutoFit/>
+          </a:bodyPr>
+          <a:lstStyle/>
+          <a:p>
+            <a:r>
+              <a:rPr lang="en-US" dirty="0">
+                <a:latin typeface="Times New Roman" panose="02020603050405020304" pitchFamily="18" charset="0"/>
+                <a:cs typeface="Times New Roman" panose="02020603050405020304" pitchFamily="18" charset="0"/>
+              </a:rPr>
+              <a:t>Experiment Process</a:t>
+            </a:r>
+          </a:p>
+        </p:txBody>
+      </p:sp>
+      <p:sp>
+        <p:nvSpPr>
+          <p:cNvPr id="3" name="직사각형 2">
+            <a:extLst>
+              <a:ext uri="{FF2B5EF4-FFF2-40B4-BE49-F238E27FC236}">
+                <a16:creationId xmlns:a16="http://schemas.microsoft.com/office/drawing/2014/main" id="{C6B272A0-BE5F-49FE-B985-AA2D23F5E044}"/>
+              </a:ext>
+            </a:extLst>
+          </p:cNvPr>
+          <p:cNvSpPr/>
+          <p:nvPr/>
+        </p:nvSpPr>
+        <p:spPr>
+          <a:xfrm>
+            <a:off x="1424602" y="2183674"/>
+            <a:ext cx="2025491" cy="1295400"/>
+          </a:xfrm>
+          <a:prstGeom prst="rect">
+            <a:avLst/>
+          </a:prstGeom>
+          <a:ln>
+            <a:solidFill>
+              <a:schemeClr val="tx1"/>
+            </a:solidFill>
+          </a:ln>
+        </p:spPr>
+        <p:style>
+          <a:lnRef idx="2">
+            <a:schemeClr val="accent1"/>
+          </a:lnRef>
+          <a:fillRef idx="1">
+            <a:schemeClr val="lt1"/>
+          </a:fillRef>
+          <a:effectRef idx="0">
+            <a:schemeClr val="accent1"/>
+          </a:effectRef>
+          <a:fontRef idx="minor">
+            <a:schemeClr val="dk1"/>
+          </a:fontRef>
+        </p:style>
+        <p:txBody>
+          <a:bodyPr rtlCol="0" anchor="ctr"/>
+          <a:lstStyle/>
+          <a:p>
             <a:pPr algn="ctr"/>
             <a:r>
-              <a:rPr lang="en-US" altLang="ko-KR" sz="5400" b="1" dirty="0"/>
-              <a:t>Multi States-LSTM </a:t>
-            </a:r>
-            <a:r>
-              <a:rPr lang="ko-KR" altLang="en-US" sz="5400" b="1" dirty="0"/>
-              <a:t>예측 결과</a:t>
-            </a:r>
-            <a:r>
-              <a:rPr lang="en-US" altLang="ko-KR" sz="5400" b="1" dirty="0"/>
-              <a:t>: Montana</a:t>
-            </a:r>
-            <a:r>
-              <a:rPr lang="ko-KR" altLang="en-US" sz="5400" b="1" dirty="0"/>
+              <a:rPr lang="en-US" altLang="ko-KR" dirty="0">
+                <a:latin typeface="Times New Roman" panose="02020603050405020304" pitchFamily="18" charset="0"/>
+                <a:cs typeface="Times New Roman" panose="02020603050405020304" pitchFamily="18" charset="0"/>
+              </a:rPr>
+              <a:t>Perform</a:t>
+            </a:r>
+          </a:p>
+          <a:p>
+            <a:pPr algn="ctr"/>
+            <a:r>
+              <a:rPr lang="en-US" altLang="ko-KR" dirty="0">
+                <a:latin typeface="Times New Roman" panose="02020603050405020304" pitchFamily="18" charset="0"/>
+                <a:cs typeface="Times New Roman" panose="02020603050405020304" pitchFamily="18" charset="0"/>
+              </a:rPr>
+              <a:t>Sensitivity</a:t>
+            </a:r>
+            <a:r>
+              <a:rPr lang="ko-KR" altLang="en-US" dirty="0">
+                <a:latin typeface="Times New Roman" panose="02020603050405020304" pitchFamily="18" charset="0"/>
+                <a:cs typeface="Times New Roman" panose="02020603050405020304" pitchFamily="18" charset="0"/>
+              </a:rPr>
               <a:t> </a:t>
             </a:r>
-            <a:endParaRPr lang="en-US" sz="5400" b="1" dirty="0"/>
+            <a:r>
+              <a:rPr lang="en-US" altLang="ko-KR" dirty="0">
+                <a:latin typeface="Times New Roman" panose="02020603050405020304" pitchFamily="18" charset="0"/>
+                <a:cs typeface="Times New Roman" panose="02020603050405020304" pitchFamily="18" charset="0"/>
+              </a:rPr>
+              <a:t>Analysis to Find Predictor Variables</a:t>
+            </a:r>
+            <a:endParaRPr lang="en-US" dirty="0">
+              <a:latin typeface="Times New Roman" panose="02020603050405020304" pitchFamily="18" charset="0"/>
+              <a:cs typeface="Times New Roman" panose="02020603050405020304" pitchFamily="18" charset="0"/>
+            </a:endParaRPr>
+          </a:p>
+        </p:txBody>
+      </p:sp>
+      <p:sp>
+        <p:nvSpPr>
+          <p:cNvPr id="4" name="TextBox 3">
+            <a:extLst>
+              <a:ext uri="{FF2B5EF4-FFF2-40B4-BE49-F238E27FC236}">
+                <a16:creationId xmlns:a16="http://schemas.microsoft.com/office/drawing/2014/main" id="{FB6CE045-8EDC-43BB-AF82-5D7C13A4F2DD}"/>
+              </a:ext>
+            </a:extLst>
+          </p:cNvPr>
+          <p:cNvSpPr txBox="1"/>
+          <p:nvPr/>
+        </p:nvSpPr>
+        <p:spPr>
+          <a:xfrm>
+            <a:off x="339634" y="740229"/>
+            <a:ext cx="11652069" cy="923330"/>
+          </a:xfrm>
+          <a:prstGeom prst="rect">
+            <a:avLst/>
+          </a:prstGeom>
+          <a:noFill/>
+        </p:spPr>
+        <p:txBody>
+          <a:bodyPr wrap="square" rtlCol="0">
+            <a:spAutoFit/>
+          </a:bodyPr>
+          <a:lstStyle/>
+          <a:p>
+            <a:r>
+              <a:rPr lang="en-US" dirty="0">
+                <a:latin typeface="Times New Roman" panose="02020603050405020304" pitchFamily="18" charset="0"/>
+                <a:cs typeface="Times New Roman" panose="02020603050405020304" pitchFamily="18" charset="0"/>
+              </a:rPr>
+              <a:t>Goal: In this paper, out goal is to predict the number of confirmed cases on the next day. </a:t>
+            </a:r>
+          </a:p>
+          <a:p>
+            <a:r>
+              <a:rPr lang="en-US" dirty="0">
+                <a:latin typeface="Times New Roman" panose="02020603050405020304" pitchFamily="18" charset="0"/>
+                <a:cs typeface="Times New Roman" panose="02020603050405020304" pitchFamily="18" charset="0"/>
+              </a:rPr>
+              <a:t>Conditions: confirmed case data  of U.S. 52 States from 03/10/2020 to 05/09/2020</a:t>
+            </a:r>
+          </a:p>
+          <a:p>
+            <a:r>
+              <a:rPr lang="en-US" dirty="0">
+                <a:latin typeface="Times New Roman" panose="02020603050405020304" pitchFamily="18" charset="0"/>
+                <a:cs typeface="Times New Roman" panose="02020603050405020304" pitchFamily="18" charset="0"/>
+              </a:rPr>
+              <a:t>Target Variable: The rate of increase of CC (</a:t>
+            </a:r>
+            <a:r>
+              <a:rPr lang="en-US" dirty="0" err="1">
+                <a:latin typeface="Times New Roman" panose="02020603050405020304" pitchFamily="18" charset="0"/>
+                <a:cs typeface="Times New Roman" panose="02020603050405020304" pitchFamily="18" charset="0"/>
+              </a:rPr>
+              <a:t>CC_today</a:t>
+            </a:r>
+            <a:r>
+              <a:rPr lang="en-US" dirty="0">
+                <a:latin typeface="Times New Roman" panose="02020603050405020304" pitchFamily="18" charset="0"/>
+                <a:cs typeface="Times New Roman" panose="02020603050405020304" pitchFamily="18" charset="0"/>
+              </a:rPr>
+              <a:t>/</a:t>
+            </a:r>
+            <a:r>
+              <a:rPr lang="en-US" dirty="0" err="1">
+                <a:latin typeface="Times New Roman" panose="02020603050405020304" pitchFamily="18" charset="0"/>
+                <a:cs typeface="Times New Roman" panose="02020603050405020304" pitchFamily="18" charset="0"/>
+              </a:rPr>
+              <a:t>CC_yesterday</a:t>
+            </a:r>
+            <a:r>
+              <a:rPr lang="en-US" dirty="0">
+                <a:latin typeface="Times New Roman" panose="02020603050405020304" pitchFamily="18" charset="0"/>
+                <a:cs typeface="Times New Roman" panose="02020603050405020304" pitchFamily="18" charset="0"/>
+              </a:rPr>
+              <a:t>, where No-CC is 1)</a:t>
+            </a:r>
+          </a:p>
+        </p:txBody>
+      </p:sp>
+      <p:sp>
+        <p:nvSpPr>
+          <p:cNvPr id="7" name="직사각형 6">
+            <a:extLst>
+              <a:ext uri="{FF2B5EF4-FFF2-40B4-BE49-F238E27FC236}">
+                <a16:creationId xmlns:a16="http://schemas.microsoft.com/office/drawing/2014/main" id="{4EA58907-DA73-49F6-9B35-26F6A7D32B27}"/>
+              </a:ext>
+            </a:extLst>
+          </p:cNvPr>
+          <p:cNvSpPr/>
+          <p:nvPr/>
+        </p:nvSpPr>
+        <p:spPr>
+          <a:xfrm>
+            <a:off x="3760301" y="2183674"/>
+            <a:ext cx="2025491" cy="1295400"/>
+          </a:xfrm>
+          <a:prstGeom prst="rect">
+            <a:avLst/>
+          </a:prstGeom>
+          <a:ln>
+            <a:solidFill>
+              <a:schemeClr val="tx1"/>
+            </a:solidFill>
+          </a:ln>
+        </p:spPr>
+        <p:style>
+          <a:lnRef idx="2">
+            <a:schemeClr val="accent1"/>
+          </a:lnRef>
+          <a:fillRef idx="1">
+            <a:schemeClr val="lt1"/>
+          </a:fillRef>
+          <a:effectRef idx="0">
+            <a:schemeClr val="accent1"/>
+          </a:effectRef>
+          <a:fontRef idx="minor">
+            <a:schemeClr val="dk1"/>
+          </a:fontRef>
+        </p:style>
+        <p:txBody>
+          <a:bodyPr rtlCol="0" anchor="ctr"/>
+          <a:lstStyle/>
+          <a:p>
+            <a:pPr algn="ctr"/>
+            <a:r>
+              <a:rPr lang="en-US" altLang="ko-KR" dirty="0">
+                <a:latin typeface="Times New Roman" panose="02020603050405020304" pitchFamily="18" charset="0"/>
+                <a:cs typeface="Times New Roman" panose="02020603050405020304" pitchFamily="18" charset="0"/>
+              </a:rPr>
+              <a:t>Perform</a:t>
+            </a:r>
+          </a:p>
+          <a:p>
+            <a:pPr algn="ctr"/>
+            <a:r>
+              <a:rPr lang="en-US" altLang="ko-KR" dirty="0">
+                <a:latin typeface="Times New Roman" panose="02020603050405020304" pitchFamily="18" charset="0"/>
+                <a:cs typeface="Times New Roman" panose="02020603050405020304" pitchFamily="18" charset="0"/>
+              </a:rPr>
+              <a:t>Data Clustering to Improve Prediction Accuracy</a:t>
+            </a:r>
+            <a:endParaRPr lang="en-US" dirty="0">
+              <a:latin typeface="Times New Roman" panose="02020603050405020304" pitchFamily="18" charset="0"/>
+              <a:cs typeface="Times New Roman" panose="02020603050405020304" pitchFamily="18" charset="0"/>
+            </a:endParaRPr>
+          </a:p>
+        </p:txBody>
+      </p:sp>
+      <p:sp>
+        <p:nvSpPr>
+          <p:cNvPr id="8" name="직사각형 7">
+            <a:extLst>
+              <a:ext uri="{FF2B5EF4-FFF2-40B4-BE49-F238E27FC236}">
+                <a16:creationId xmlns:a16="http://schemas.microsoft.com/office/drawing/2014/main" id="{896C7A99-FA60-4907-B4D8-EDA8EA122432}"/>
+              </a:ext>
+            </a:extLst>
+          </p:cNvPr>
+          <p:cNvSpPr/>
+          <p:nvPr/>
+        </p:nvSpPr>
+        <p:spPr>
+          <a:xfrm>
+            <a:off x="6096000" y="2183674"/>
+            <a:ext cx="2025491" cy="1295400"/>
+          </a:xfrm>
+          <a:prstGeom prst="rect">
+            <a:avLst/>
+          </a:prstGeom>
+          <a:ln>
+            <a:solidFill>
+              <a:schemeClr val="tx1"/>
+            </a:solidFill>
+          </a:ln>
+        </p:spPr>
+        <p:style>
+          <a:lnRef idx="2">
+            <a:schemeClr val="accent1"/>
+          </a:lnRef>
+          <a:fillRef idx="1">
+            <a:schemeClr val="lt1"/>
+          </a:fillRef>
+          <a:effectRef idx="0">
+            <a:schemeClr val="accent1"/>
+          </a:effectRef>
+          <a:fontRef idx="minor">
+            <a:schemeClr val="dk1"/>
+          </a:fontRef>
+        </p:style>
+        <p:txBody>
+          <a:bodyPr rtlCol="0" anchor="ctr"/>
+          <a:lstStyle/>
+          <a:p>
+            <a:pPr algn="ctr"/>
+            <a:r>
+              <a:rPr lang="en-US" altLang="ko-KR" dirty="0">
+                <a:latin typeface="Times New Roman" panose="02020603050405020304" pitchFamily="18" charset="0"/>
+                <a:cs typeface="Times New Roman" panose="02020603050405020304" pitchFamily="18" charset="0"/>
+              </a:rPr>
+              <a:t>Perform</a:t>
+            </a:r>
+          </a:p>
+          <a:p>
+            <a:pPr algn="ctr"/>
+            <a:r>
+              <a:rPr lang="en-US" altLang="ko-KR" dirty="0">
+                <a:latin typeface="Times New Roman" panose="02020603050405020304" pitchFamily="18" charset="0"/>
+                <a:cs typeface="Times New Roman" panose="02020603050405020304" pitchFamily="18" charset="0"/>
+              </a:rPr>
+              <a:t>Machine Learning to Find Predictive Models</a:t>
+            </a:r>
+            <a:endParaRPr lang="en-US" dirty="0">
+              <a:latin typeface="Times New Roman" panose="02020603050405020304" pitchFamily="18" charset="0"/>
+              <a:cs typeface="Times New Roman" panose="02020603050405020304" pitchFamily="18" charset="0"/>
+            </a:endParaRPr>
+          </a:p>
+        </p:txBody>
+      </p:sp>
+      <p:sp>
+        <p:nvSpPr>
+          <p:cNvPr id="9" name="직사각형 8">
+            <a:extLst>
+              <a:ext uri="{FF2B5EF4-FFF2-40B4-BE49-F238E27FC236}">
+                <a16:creationId xmlns:a16="http://schemas.microsoft.com/office/drawing/2014/main" id="{AD81B78B-E19A-46ED-BF0D-00EF1109B189}"/>
+              </a:ext>
+            </a:extLst>
+          </p:cNvPr>
+          <p:cNvSpPr/>
+          <p:nvPr/>
+        </p:nvSpPr>
+        <p:spPr>
+          <a:xfrm>
+            <a:off x="8431699" y="2183674"/>
+            <a:ext cx="2025491" cy="1295400"/>
+          </a:xfrm>
+          <a:prstGeom prst="rect">
+            <a:avLst/>
+          </a:prstGeom>
+          <a:ln>
+            <a:solidFill>
+              <a:schemeClr val="tx1"/>
+            </a:solidFill>
+          </a:ln>
+        </p:spPr>
+        <p:style>
+          <a:lnRef idx="2">
+            <a:schemeClr val="accent1"/>
+          </a:lnRef>
+          <a:fillRef idx="1">
+            <a:schemeClr val="lt1"/>
+          </a:fillRef>
+          <a:effectRef idx="0">
+            <a:schemeClr val="accent1"/>
+          </a:effectRef>
+          <a:fontRef idx="minor">
+            <a:schemeClr val="dk1"/>
+          </a:fontRef>
+        </p:style>
+        <p:txBody>
+          <a:bodyPr rtlCol="0" anchor="ctr"/>
+          <a:lstStyle/>
+          <a:p>
+            <a:pPr algn="ctr"/>
+            <a:r>
+              <a:rPr lang="en-US" altLang="ko-KR" dirty="0">
+                <a:latin typeface="Times New Roman" panose="02020603050405020304" pitchFamily="18" charset="0"/>
+                <a:cs typeface="Times New Roman" panose="02020603050405020304" pitchFamily="18" charset="0"/>
+              </a:rPr>
+              <a:t>Evaluate</a:t>
+            </a:r>
+          </a:p>
+          <a:p>
+            <a:pPr algn="ctr"/>
+            <a:r>
+              <a:rPr lang="en-US" altLang="ko-KR" dirty="0">
+                <a:latin typeface="Times New Roman" panose="02020603050405020304" pitchFamily="18" charset="0"/>
+                <a:cs typeface="Times New Roman" panose="02020603050405020304" pitchFamily="18" charset="0"/>
+              </a:rPr>
+              <a:t>Predictive Models to Select a Bast Model</a:t>
+            </a:r>
+            <a:endParaRPr lang="en-US" dirty="0">
+              <a:latin typeface="Times New Roman" panose="02020603050405020304" pitchFamily="18" charset="0"/>
+              <a:cs typeface="Times New Roman" panose="02020603050405020304" pitchFamily="18" charset="0"/>
+            </a:endParaRPr>
+          </a:p>
+        </p:txBody>
+      </p:sp>
+      <p:cxnSp>
+        <p:nvCxnSpPr>
+          <p:cNvPr id="11" name="직선 화살표 연결선 10">
+            <a:extLst>
+              <a:ext uri="{FF2B5EF4-FFF2-40B4-BE49-F238E27FC236}">
+                <a16:creationId xmlns:a16="http://schemas.microsoft.com/office/drawing/2014/main" id="{DE4CC2A2-732A-40DF-A124-CE11C9452F4A}"/>
+              </a:ext>
+            </a:extLst>
+          </p:cNvPr>
+          <p:cNvCxnSpPr>
+            <a:stCxn id="3" idx="3"/>
+            <a:endCxn id="7" idx="1"/>
+          </p:cNvCxnSpPr>
+          <p:nvPr/>
+        </p:nvCxnSpPr>
+        <p:spPr>
+          <a:xfrm>
+            <a:off x="3450093" y="2831374"/>
+            <a:ext cx="310208" cy="0"/>
+          </a:xfrm>
+          <a:prstGeom prst="straightConnector1">
+            <a:avLst/>
+          </a:prstGeom>
+          <a:ln w="28575">
+            <a:solidFill>
+              <a:schemeClr val="bg1">
+                <a:lumMod val="65000"/>
+              </a:schemeClr>
+            </a:solidFill>
+            <a:tailEnd type="triangle" w="lg" len="lg"/>
+          </a:ln>
+        </p:spPr>
+        <p:style>
+          <a:lnRef idx="1">
+            <a:schemeClr val="accent1"/>
+          </a:lnRef>
+          <a:fillRef idx="0">
+            <a:schemeClr val="accent1"/>
+          </a:fillRef>
+          <a:effectRef idx="0">
+            <a:schemeClr val="accent1"/>
+          </a:effectRef>
+          <a:fontRef idx="minor">
+            <a:schemeClr val="tx1"/>
+          </a:fontRef>
+        </p:style>
+      </p:cxnSp>
+      <p:cxnSp>
+        <p:nvCxnSpPr>
+          <p:cNvPr id="12" name="직선 화살표 연결선 11">
+            <a:extLst>
+              <a:ext uri="{FF2B5EF4-FFF2-40B4-BE49-F238E27FC236}">
+                <a16:creationId xmlns:a16="http://schemas.microsoft.com/office/drawing/2014/main" id="{1053ADEC-F230-4510-B7E9-34F5DFAE85C2}"/>
+              </a:ext>
+            </a:extLst>
+          </p:cNvPr>
+          <p:cNvCxnSpPr>
+            <a:cxnSpLocks/>
+            <a:stCxn id="8" idx="3"/>
+            <a:endCxn id="9" idx="1"/>
+          </p:cNvCxnSpPr>
+          <p:nvPr/>
+        </p:nvCxnSpPr>
+        <p:spPr>
+          <a:xfrm>
+            <a:off x="8121491" y="2831374"/>
+            <a:ext cx="310208" cy="0"/>
+          </a:xfrm>
+          <a:prstGeom prst="straightConnector1">
+            <a:avLst/>
+          </a:prstGeom>
+          <a:ln w="28575">
+            <a:solidFill>
+              <a:schemeClr val="bg1">
+                <a:lumMod val="65000"/>
+              </a:schemeClr>
+            </a:solidFill>
+            <a:tailEnd type="triangle" w="lg" len="lg"/>
+          </a:ln>
+        </p:spPr>
+        <p:style>
+          <a:lnRef idx="1">
+            <a:schemeClr val="accent1"/>
+          </a:lnRef>
+          <a:fillRef idx="0">
+            <a:schemeClr val="accent1"/>
+          </a:fillRef>
+          <a:effectRef idx="0">
+            <a:schemeClr val="accent1"/>
+          </a:effectRef>
+          <a:fontRef idx="minor">
+            <a:schemeClr val="tx1"/>
+          </a:fontRef>
+        </p:style>
+      </p:cxnSp>
+      <p:cxnSp>
+        <p:nvCxnSpPr>
+          <p:cNvPr id="13" name="직선 화살표 연결선 12">
+            <a:extLst>
+              <a:ext uri="{FF2B5EF4-FFF2-40B4-BE49-F238E27FC236}">
+                <a16:creationId xmlns:a16="http://schemas.microsoft.com/office/drawing/2014/main" id="{4F11C974-0C50-4AF1-BEA3-1A891AF7F236}"/>
+              </a:ext>
+            </a:extLst>
+          </p:cNvPr>
+          <p:cNvCxnSpPr>
+            <a:cxnSpLocks/>
+            <a:stCxn id="7" idx="3"/>
+            <a:endCxn id="8" idx="1"/>
+          </p:cNvCxnSpPr>
+          <p:nvPr/>
+        </p:nvCxnSpPr>
+        <p:spPr>
+          <a:xfrm>
+            <a:off x="5785792" y="2831374"/>
+            <a:ext cx="310208" cy="0"/>
+          </a:xfrm>
+          <a:prstGeom prst="straightConnector1">
+            <a:avLst/>
+          </a:prstGeom>
+          <a:ln w="28575">
+            <a:solidFill>
+              <a:schemeClr val="bg1">
+                <a:lumMod val="65000"/>
+              </a:schemeClr>
+            </a:solidFill>
+            <a:tailEnd type="triangle" w="lg" len="lg"/>
+          </a:ln>
+        </p:spPr>
+        <p:style>
+          <a:lnRef idx="1">
+            <a:schemeClr val="accent1"/>
+          </a:lnRef>
+          <a:fillRef idx="0">
+            <a:schemeClr val="accent1"/>
+          </a:fillRef>
+          <a:effectRef idx="0">
+            <a:schemeClr val="accent1"/>
+          </a:effectRef>
+          <a:fontRef idx="minor">
+            <a:schemeClr val="tx1"/>
+          </a:fontRef>
+        </p:style>
+      </p:cxnSp>
+      <p:sp>
+        <p:nvSpPr>
+          <p:cNvPr id="18" name="TextBox 17">
+            <a:extLst>
+              <a:ext uri="{FF2B5EF4-FFF2-40B4-BE49-F238E27FC236}">
+                <a16:creationId xmlns:a16="http://schemas.microsoft.com/office/drawing/2014/main" id="{9C7322B3-39C8-4FEE-B859-338F0184472D}"/>
+              </a:ext>
+            </a:extLst>
+          </p:cNvPr>
+          <p:cNvSpPr txBox="1"/>
+          <p:nvPr/>
+        </p:nvSpPr>
+        <p:spPr>
+          <a:xfrm>
+            <a:off x="271560" y="3754793"/>
+            <a:ext cx="6538970" cy="2862322"/>
+          </a:xfrm>
+          <a:prstGeom prst="rect">
+            <a:avLst/>
+          </a:prstGeom>
+          <a:noFill/>
+        </p:spPr>
+        <p:txBody>
+          <a:bodyPr wrap="none" rtlCol="0">
+            <a:spAutoFit/>
+          </a:bodyPr>
+          <a:lstStyle/>
+          <a:p>
+            <a:r>
+              <a:rPr lang="en-US" dirty="0">
+                <a:latin typeface="Times New Roman" panose="02020603050405020304" pitchFamily="18" charset="0"/>
+                <a:cs typeface="Times New Roman" panose="02020603050405020304" pitchFamily="18" charset="0"/>
+              </a:rPr>
+              <a:t>Comparison</a:t>
+            </a:r>
+          </a:p>
+          <a:p>
+            <a:r>
+              <a:rPr lang="en-US" dirty="0">
+                <a:latin typeface="Times New Roman" panose="02020603050405020304" pitchFamily="18" charset="0"/>
+                <a:cs typeface="Times New Roman" panose="02020603050405020304" pitchFamily="18" charset="0"/>
+              </a:rPr>
+              <a:t>-    State-Clustered model vs State-Non-Clustered model</a:t>
+            </a:r>
+          </a:p>
+          <a:p>
+            <a:pPr marL="285750" indent="-285750">
+              <a:buFontTx/>
+              <a:buChar char="-"/>
+            </a:pPr>
+            <a:r>
+              <a:rPr lang="en-US" dirty="0">
+                <a:latin typeface="Times New Roman" panose="02020603050405020304" pitchFamily="18" charset="0"/>
+                <a:cs typeface="Times New Roman" panose="02020603050405020304" pitchFamily="18" charset="0"/>
+              </a:rPr>
+              <a:t>One-Factor model vs Multi-Factor model</a:t>
+            </a:r>
+          </a:p>
+          <a:p>
+            <a:pPr marL="285750" indent="-285750">
+              <a:buFontTx/>
+              <a:buChar char="-"/>
+            </a:pPr>
+            <a:endParaRPr lang="en-US" dirty="0">
+              <a:latin typeface="Times New Roman" panose="02020603050405020304" pitchFamily="18" charset="0"/>
+              <a:cs typeface="Times New Roman" panose="02020603050405020304" pitchFamily="18" charset="0"/>
+            </a:endParaRPr>
+          </a:p>
+          <a:p>
+            <a:pPr marL="285750" indent="-285750">
+              <a:buFontTx/>
+              <a:buChar char="-"/>
+            </a:pPr>
+            <a:endParaRPr lang="en-US" dirty="0">
+              <a:latin typeface="Times New Roman" panose="02020603050405020304" pitchFamily="18" charset="0"/>
+              <a:cs typeface="Times New Roman" panose="02020603050405020304" pitchFamily="18" charset="0"/>
+            </a:endParaRPr>
+          </a:p>
+          <a:p>
+            <a:pPr marL="285750" indent="-285750">
+              <a:buFontTx/>
+              <a:buChar char="-"/>
+            </a:pPr>
+            <a:endParaRPr lang="en-US" dirty="0">
+              <a:latin typeface="Times New Roman" panose="02020603050405020304" pitchFamily="18" charset="0"/>
+              <a:cs typeface="Times New Roman" panose="02020603050405020304" pitchFamily="18" charset="0"/>
+            </a:endParaRPr>
+          </a:p>
+          <a:p>
+            <a:pPr marL="285750" indent="-285750">
+              <a:buFontTx/>
+              <a:buChar char="-"/>
+            </a:pPr>
+            <a:endParaRPr lang="en-US" dirty="0">
+              <a:latin typeface="Times New Roman" panose="02020603050405020304" pitchFamily="18" charset="0"/>
+              <a:cs typeface="Times New Roman" panose="02020603050405020304" pitchFamily="18" charset="0"/>
+            </a:endParaRPr>
+          </a:p>
+          <a:p>
+            <a:pPr marL="285750" indent="-285750">
+              <a:buFontTx/>
+              <a:buChar char="-"/>
+            </a:pPr>
+            <a:endParaRPr lang="en-US" dirty="0">
+              <a:latin typeface="Times New Roman" panose="02020603050405020304" pitchFamily="18" charset="0"/>
+              <a:cs typeface="Times New Roman" panose="02020603050405020304" pitchFamily="18" charset="0"/>
+            </a:endParaRPr>
+          </a:p>
+          <a:p>
+            <a:pPr marL="285750" indent="-285750">
+              <a:buFontTx/>
+              <a:buChar char="-"/>
+            </a:pPr>
+            <a:r>
+              <a:rPr lang="en-US" dirty="0">
+                <a:latin typeface="Times New Roman" panose="02020603050405020304" pitchFamily="18" charset="0"/>
+                <a:cs typeface="Times New Roman" panose="02020603050405020304" pitchFamily="18" charset="0"/>
+              </a:rPr>
+              <a:t>From the best approach above-&gt;</a:t>
+            </a:r>
+          </a:p>
+          <a:p>
+            <a:pPr marL="285750" indent="-285750">
+              <a:buFontTx/>
+              <a:buChar char="-"/>
+            </a:pPr>
+            <a:r>
+              <a:rPr lang="en-US" dirty="0" err="1">
+                <a:latin typeface="Times New Roman" panose="02020603050405020304" pitchFamily="18" charset="0"/>
+                <a:cs typeface="Times New Roman" panose="02020603050405020304" pitchFamily="18" charset="0"/>
+              </a:rPr>
+              <a:t>LockDown</a:t>
+            </a:r>
+            <a:r>
+              <a:rPr lang="en-US" dirty="0">
+                <a:latin typeface="Times New Roman" panose="02020603050405020304" pitchFamily="18" charset="0"/>
+                <a:cs typeface="Times New Roman" panose="02020603050405020304" pitchFamily="18" charset="0"/>
+              </a:rPr>
+              <a:t>-Clustered model vs </a:t>
+            </a:r>
+            <a:r>
+              <a:rPr lang="en-US" dirty="0" err="1">
+                <a:latin typeface="Times New Roman" panose="02020603050405020304" pitchFamily="18" charset="0"/>
+                <a:cs typeface="Times New Roman" panose="02020603050405020304" pitchFamily="18" charset="0"/>
+              </a:rPr>
+              <a:t>LockDown</a:t>
+            </a:r>
+            <a:r>
+              <a:rPr lang="en-US" dirty="0">
+                <a:latin typeface="Times New Roman" panose="02020603050405020304" pitchFamily="18" charset="0"/>
+                <a:cs typeface="Times New Roman" panose="02020603050405020304" pitchFamily="18" charset="0"/>
+              </a:rPr>
+              <a:t>-Non-Clustered model</a:t>
+            </a:r>
+          </a:p>
+        </p:txBody>
+      </p:sp>
+      <p:graphicFrame>
+        <p:nvGraphicFramePr>
+          <p:cNvPr id="19" name="표 19">
+            <a:extLst>
+              <a:ext uri="{FF2B5EF4-FFF2-40B4-BE49-F238E27FC236}">
+                <a16:creationId xmlns:a16="http://schemas.microsoft.com/office/drawing/2014/main" id="{621CD47A-EA2E-4D26-9272-B6B604F90CCA}"/>
+              </a:ext>
+            </a:extLst>
+          </p:cNvPr>
+          <p:cNvGraphicFramePr>
+            <a:graphicFrameLocks noGrp="1"/>
+          </p:cNvGraphicFramePr>
+          <p:nvPr>
+            <p:extLst>
+              <p:ext uri="{D42A27DB-BD31-4B8C-83A1-F6EECF244321}">
+                <p14:modId xmlns:p14="http://schemas.microsoft.com/office/powerpoint/2010/main" val="3784323210"/>
+              </p:ext>
+            </p:extLst>
+          </p:nvPr>
+        </p:nvGraphicFramePr>
+        <p:xfrm>
+          <a:off x="758197" y="4683288"/>
+          <a:ext cx="5250717" cy="1163320"/>
+        </p:xfrm>
+        <a:graphic>
+          <a:graphicData uri="http://schemas.openxmlformats.org/drawingml/2006/table">
+            <a:tbl>
+              <a:tblPr firstRow="1" bandRow="1">
+                <a:tableStyleId>{5C22544A-7EE6-4342-B048-85BDC9FD1C3A}</a:tableStyleId>
+              </a:tblPr>
+              <a:tblGrid>
+                <a:gridCol w="1750239">
+                  <a:extLst>
+                    <a:ext uri="{9D8B030D-6E8A-4147-A177-3AD203B41FA5}">
+                      <a16:colId xmlns:a16="http://schemas.microsoft.com/office/drawing/2014/main" val="3607827015"/>
+                    </a:ext>
+                  </a:extLst>
+                </a:gridCol>
+                <a:gridCol w="1750239">
+                  <a:extLst>
+                    <a:ext uri="{9D8B030D-6E8A-4147-A177-3AD203B41FA5}">
+                      <a16:colId xmlns:a16="http://schemas.microsoft.com/office/drawing/2014/main" val="611523198"/>
+                    </a:ext>
+                  </a:extLst>
+                </a:gridCol>
+                <a:gridCol w="1750239">
+                  <a:extLst>
+                    <a:ext uri="{9D8B030D-6E8A-4147-A177-3AD203B41FA5}">
+                      <a16:colId xmlns:a16="http://schemas.microsoft.com/office/drawing/2014/main" val="2741459369"/>
+                    </a:ext>
+                  </a:extLst>
+                </a:gridCol>
+              </a:tblGrid>
+              <a:tr h="370840">
+                <a:tc>
+                  <a:txBody>
+                    <a:bodyPr/>
+                    <a:lstStyle/>
+                    <a:p>
+                      <a:pPr algn="ctr"/>
+                      <a:endParaRPr lang="en-US"/>
+                    </a:p>
+                  </a:txBody>
+                  <a:tcPr anchor="ctr"/>
+                </a:tc>
+                <a:tc>
+                  <a:txBody>
+                    <a:bodyPr/>
+                    <a:lstStyle/>
+                    <a:p>
+                      <a:pPr algn="ctr"/>
+                      <a:r>
+                        <a:rPr lang="en-US" dirty="0"/>
+                        <a:t>Non-Clustered</a:t>
+                      </a:r>
+                    </a:p>
+                  </a:txBody>
+                  <a:tcPr anchor="ctr"/>
+                </a:tc>
+                <a:tc>
+                  <a:txBody>
+                    <a:bodyPr/>
+                    <a:lstStyle/>
+                    <a:p>
+                      <a:pPr algn="ctr"/>
+                      <a:r>
+                        <a:rPr lang="en-US" dirty="0"/>
+                        <a:t>Clustered</a:t>
+                      </a:r>
+                    </a:p>
+                  </a:txBody>
+                  <a:tcPr anchor="ctr"/>
+                </a:tc>
+                <a:extLst>
+                  <a:ext uri="{0D108BD9-81ED-4DB2-BD59-A6C34878D82A}">
+                    <a16:rowId xmlns:a16="http://schemas.microsoft.com/office/drawing/2014/main" val="539668029"/>
+                  </a:ext>
+                </a:extLst>
+              </a:tr>
+              <a:tr h="370840">
+                <a:tc>
+                  <a:txBody>
+                    <a:bodyPr/>
+                    <a:lstStyle/>
+                    <a:p>
+                      <a:pPr algn="ctr"/>
+                      <a:r>
+                        <a:rPr lang="en-US" dirty="0"/>
+                        <a:t>One-Factor</a:t>
+                      </a:r>
+                    </a:p>
+                  </a:txBody>
+                  <a:tcPr anchor="ctr"/>
+                </a:tc>
+                <a:tc>
+                  <a:txBody>
+                    <a:bodyPr/>
+                    <a:lstStyle/>
+                    <a:p>
+                      <a:pPr marL="0" marR="0" lvl="0" indent="0" algn="ctr" defTabSz="914400" rtl="0" eaLnBrk="1" fontAlgn="auto" latinLnBrk="0" hangingPunct="1">
+                        <a:lnSpc>
+                          <a:spcPct val="100000"/>
+                        </a:lnSpc>
+                        <a:spcBef>
+                          <a:spcPts val="0"/>
+                        </a:spcBef>
+                        <a:spcAft>
+                          <a:spcPts val="0"/>
+                        </a:spcAft>
+                        <a:buClrTx/>
+                        <a:buSzTx/>
+                        <a:buFontTx/>
+                        <a:buNone/>
+                        <a:tabLst/>
+                        <a:defRPr/>
+                      </a:pPr>
+                      <a:r>
+                        <a:rPr kumimoji="0" lang="en-US" sz="1000" b="0" i="0" u="none" strike="noStrike" kern="1200" cap="none" spc="0" normalizeH="0" baseline="0" noProof="0" dirty="0">
+                          <a:ln>
+                            <a:noFill/>
+                          </a:ln>
+                          <a:solidFill>
+                            <a:prstClr val="black"/>
+                          </a:solidFill>
+                          <a:effectLst/>
+                          <a:uLnTx/>
+                          <a:uFillTx/>
+                          <a:latin typeface="Calibri" panose="020F0502020204030204"/>
+                          <a:ea typeface="+mn-ea"/>
+                          <a:cs typeface="+mn-cs"/>
+                        </a:rPr>
+                        <a:t>AVG-MAE</a:t>
+                      </a:r>
+                    </a:p>
+                    <a:p>
+                      <a:pPr marL="0" marR="0" lvl="0" indent="0" algn="ctr" defTabSz="914400" rtl="0" eaLnBrk="1" fontAlgn="auto" latinLnBrk="0" hangingPunct="1">
+                        <a:lnSpc>
+                          <a:spcPct val="100000"/>
+                        </a:lnSpc>
+                        <a:spcBef>
+                          <a:spcPts val="0"/>
+                        </a:spcBef>
+                        <a:spcAft>
+                          <a:spcPts val="0"/>
+                        </a:spcAft>
+                        <a:buClrTx/>
+                        <a:buSzTx/>
+                        <a:buFontTx/>
+                        <a:buNone/>
+                        <a:tabLst/>
+                        <a:defRPr/>
+                      </a:pPr>
+                      <a:r>
+                        <a:rPr kumimoji="0" lang="en-US" sz="1000" b="0" i="0" u="none" strike="noStrike" kern="1200" cap="none" spc="0" normalizeH="0" baseline="0" noProof="0" dirty="0">
+                          <a:ln>
+                            <a:noFill/>
+                          </a:ln>
+                          <a:solidFill>
+                            <a:prstClr val="black"/>
+                          </a:solidFill>
+                          <a:effectLst/>
+                          <a:uLnTx/>
+                          <a:uFillTx/>
+                          <a:latin typeface="Calibri" panose="020F0502020204030204"/>
+                          <a:ea typeface="+mn-ea"/>
+                          <a:cs typeface="+mn-cs"/>
+                        </a:rPr>
+                        <a:t>(STD-MAE)</a:t>
+                      </a:r>
+                    </a:p>
+                  </a:txBody>
+                  <a:tcPr anchor="ctr"/>
+                </a:tc>
+                <a:tc>
+                  <a:txBody>
+                    <a:bodyPr/>
+                    <a:lstStyle/>
+                    <a:p>
+                      <a:pPr marL="0" marR="0" lvl="0" indent="0" algn="ctr" defTabSz="914400" rtl="0" eaLnBrk="1" fontAlgn="auto" latinLnBrk="0" hangingPunct="1">
+                        <a:lnSpc>
+                          <a:spcPct val="100000"/>
+                        </a:lnSpc>
+                        <a:spcBef>
+                          <a:spcPts val="0"/>
+                        </a:spcBef>
+                        <a:spcAft>
+                          <a:spcPts val="0"/>
+                        </a:spcAft>
+                        <a:buClrTx/>
+                        <a:buSzTx/>
+                        <a:buFontTx/>
+                        <a:buNone/>
+                        <a:tabLst/>
+                        <a:defRPr/>
+                      </a:pPr>
+                      <a:r>
+                        <a:rPr kumimoji="0" lang="en-US" sz="1000" b="0" i="0" u="none" strike="noStrike" kern="1200" cap="none" spc="0" normalizeH="0" baseline="0" noProof="0" dirty="0">
+                          <a:ln>
+                            <a:noFill/>
+                          </a:ln>
+                          <a:solidFill>
+                            <a:prstClr val="black"/>
+                          </a:solidFill>
+                          <a:effectLst/>
+                          <a:uLnTx/>
+                          <a:uFillTx/>
+                          <a:latin typeface="Calibri" panose="020F0502020204030204"/>
+                          <a:ea typeface="+mn-ea"/>
+                          <a:cs typeface="+mn-cs"/>
+                        </a:rPr>
+                        <a:t>AVG-MAE</a:t>
+                      </a:r>
+                    </a:p>
+                    <a:p>
+                      <a:pPr marL="0" marR="0" lvl="0" indent="0" algn="ctr" defTabSz="914400" rtl="0" eaLnBrk="1" fontAlgn="auto" latinLnBrk="0" hangingPunct="1">
+                        <a:lnSpc>
+                          <a:spcPct val="100000"/>
+                        </a:lnSpc>
+                        <a:spcBef>
+                          <a:spcPts val="0"/>
+                        </a:spcBef>
+                        <a:spcAft>
+                          <a:spcPts val="0"/>
+                        </a:spcAft>
+                        <a:buClrTx/>
+                        <a:buSzTx/>
+                        <a:buFontTx/>
+                        <a:buNone/>
+                        <a:tabLst/>
+                        <a:defRPr/>
+                      </a:pPr>
+                      <a:r>
+                        <a:rPr kumimoji="0" lang="en-US" sz="1000" b="0" i="0" u="none" strike="noStrike" kern="1200" cap="none" spc="0" normalizeH="0" baseline="0" noProof="0" dirty="0">
+                          <a:ln>
+                            <a:noFill/>
+                          </a:ln>
+                          <a:solidFill>
+                            <a:prstClr val="black"/>
+                          </a:solidFill>
+                          <a:effectLst/>
+                          <a:uLnTx/>
+                          <a:uFillTx/>
+                          <a:latin typeface="Calibri" panose="020F0502020204030204"/>
+                          <a:ea typeface="+mn-ea"/>
+                          <a:cs typeface="+mn-cs"/>
+                        </a:rPr>
+                        <a:t>(STD-MAE)</a:t>
+                      </a:r>
+                    </a:p>
+                  </a:txBody>
+                  <a:tcPr anchor="ctr"/>
+                </a:tc>
+                <a:extLst>
+                  <a:ext uri="{0D108BD9-81ED-4DB2-BD59-A6C34878D82A}">
+                    <a16:rowId xmlns:a16="http://schemas.microsoft.com/office/drawing/2014/main" val="3112425652"/>
+                  </a:ext>
+                </a:extLst>
+              </a:tr>
+              <a:tr h="370840">
+                <a:tc>
+                  <a:txBody>
+                    <a:bodyPr/>
+                    <a:lstStyle/>
+                    <a:p>
+                      <a:pPr algn="ctr"/>
+                      <a:r>
+                        <a:rPr lang="en-US" dirty="0"/>
+                        <a:t>Multi-Factor</a:t>
+                      </a:r>
+                    </a:p>
+                  </a:txBody>
+                  <a:tcPr anchor="ctr"/>
+                </a:tc>
+                <a:tc>
+                  <a:txBody>
+                    <a:bodyPr/>
+                    <a:lstStyle/>
+                    <a:p>
+                      <a:pPr marL="0" marR="0" lvl="0" indent="0" algn="ctr" defTabSz="914400" rtl="0" eaLnBrk="1" fontAlgn="auto" latinLnBrk="0" hangingPunct="1">
+                        <a:lnSpc>
+                          <a:spcPct val="100000"/>
+                        </a:lnSpc>
+                        <a:spcBef>
+                          <a:spcPts val="0"/>
+                        </a:spcBef>
+                        <a:spcAft>
+                          <a:spcPts val="0"/>
+                        </a:spcAft>
+                        <a:buClrTx/>
+                        <a:buSzTx/>
+                        <a:buFontTx/>
+                        <a:buNone/>
+                        <a:tabLst/>
+                        <a:defRPr/>
+                      </a:pPr>
+                      <a:r>
+                        <a:rPr kumimoji="0" lang="en-US" sz="1000" b="0" i="0" u="none" strike="noStrike" kern="1200" cap="none" spc="0" normalizeH="0" baseline="0" noProof="0">
+                          <a:ln>
+                            <a:noFill/>
+                          </a:ln>
+                          <a:solidFill>
+                            <a:prstClr val="black"/>
+                          </a:solidFill>
+                          <a:effectLst/>
+                          <a:uLnTx/>
+                          <a:uFillTx/>
+                          <a:latin typeface="Calibri" panose="020F0502020204030204"/>
+                          <a:ea typeface="+mn-ea"/>
+                          <a:cs typeface="+mn-cs"/>
+                        </a:rPr>
+                        <a:t>AVG-MAE</a:t>
+                      </a:r>
+                    </a:p>
+                    <a:p>
+                      <a:pPr marL="0" marR="0" lvl="0" indent="0" algn="ctr" defTabSz="914400" rtl="0" eaLnBrk="1" fontAlgn="auto" latinLnBrk="0" hangingPunct="1">
+                        <a:lnSpc>
+                          <a:spcPct val="100000"/>
+                        </a:lnSpc>
+                        <a:spcBef>
+                          <a:spcPts val="0"/>
+                        </a:spcBef>
+                        <a:spcAft>
+                          <a:spcPts val="0"/>
+                        </a:spcAft>
+                        <a:buClrTx/>
+                        <a:buSzTx/>
+                        <a:buFontTx/>
+                        <a:buNone/>
+                        <a:tabLst/>
+                        <a:defRPr/>
+                      </a:pPr>
+                      <a:r>
+                        <a:rPr kumimoji="0" lang="en-US" sz="1000" b="0" i="0" u="none" strike="noStrike" kern="1200" cap="none" spc="0" normalizeH="0" baseline="0" noProof="0">
+                          <a:ln>
+                            <a:noFill/>
+                          </a:ln>
+                          <a:solidFill>
+                            <a:prstClr val="black"/>
+                          </a:solidFill>
+                          <a:effectLst/>
+                          <a:uLnTx/>
+                          <a:uFillTx/>
+                          <a:latin typeface="Calibri" panose="020F0502020204030204"/>
+                          <a:ea typeface="+mn-ea"/>
+                          <a:cs typeface="+mn-cs"/>
+                        </a:rPr>
+                        <a:t>(STD-MAE)</a:t>
+                      </a:r>
+                      <a:endParaRPr kumimoji="0" lang="en-US" sz="1000" b="0" i="0" u="none" strike="noStrike" kern="1200" cap="none" spc="0" normalizeH="0" baseline="0" noProof="0" dirty="0">
+                        <a:ln>
+                          <a:noFill/>
+                        </a:ln>
+                        <a:solidFill>
+                          <a:prstClr val="black"/>
+                        </a:solidFill>
+                        <a:effectLst/>
+                        <a:uLnTx/>
+                        <a:uFillTx/>
+                        <a:latin typeface="Calibri" panose="020F0502020204030204"/>
+                        <a:ea typeface="+mn-ea"/>
+                        <a:cs typeface="+mn-cs"/>
+                      </a:endParaRPr>
+                    </a:p>
+                  </a:txBody>
+                  <a:tcPr anchor="ctr"/>
+                </a:tc>
+                <a:tc>
+                  <a:txBody>
+                    <a:bodyPr/>
+                    <a:lstStyle/>
+                    <a:p>
+                      <a:pPr marL="0" marR="0" lvl="0" indent="0" algn="ctr" defTabSz="914400" rtl="0" eaLnBrk="1" fontAlgn="auto" latinLnBrk="0" hangingPunct="1">
+                        <a:lnSpc>
+                          <a:spcPct val="100000"/>
+                        </a:lnSpc>
+                        <a:spcBef>
+                          <a:spcPts val="0"/>
+                        </a:spcBef>
+                        <a:spcAft>
+                          <a:spcPts val="0"/>
+                        </a:spcAft>
+                        <a:buClrTx/>
+                        <a:buSzTx/>
+                        <a:buFontTx/>
+                        <a:buNone/>
+                        <a:tabLst/>
+                        <a:defRPr/>
+                      </a:pPr>
+                      <a:r>
+                        <a:rPr kumimoji="0" lang="en-US" sz="1000" b="0" i="0" u="none" strike="noStrike" kern="1200" cap="none" spc="0" normalizeH="0" baseline="0" noProof="0" dirty="0">
+                          <a:ln>
+                            <a:noFill/>
+                          </a:ln>
+                          <a:solidFill>
+                            <a:prstClr val="black"/>
+                          </a:solidFill>
+                          <a:effectLst/>
+                          <a:uLnTx/>
+                          <a:uFillTx/>
+                          <a:latin typeface="Calibri" panose="020F0502020204030204"/>
+                          <a:ea typeface="+mn-ea"/>
+                          <a:cs typeface="+mn-cs"/>
+                        </a:rPr>
+                        <a:t>AVG-MAE</a:t>
+                      </a:r>
+                    </a:p>
+                    <a:p>
+                      <a:pPr marL="0" marR="0" lvl="0" indent="0" algn="ctr" defTabSz="914400" rtl="0" eaLnBrk="1" fontAlgn="auto" latinLnBrk="0" hangingPunct="1">
+                        <a:lnSpc>
+                          <a:spcPct val="100000"/>
+                        </a:lnSpc>
+                        <a:spcBef>
+                          <a:spcPts val="0"/>
+                        </a:spcBef>
+                        <a:spcAft>
+                          <a:spcPts val="0"/>
+                        </a:spcAft>
+                        <a:buClrTx/>
+                        <a:buSzTx/>
+                        <a:buFontTx/>
+                        <a:buNone/>
+                        <a:tabLst/>
+                        <a:defRPr/>
+                      </a:pPr>
+                      <a:r>
+                        <a:rPr kumimoji="0" lang="en-US" sz="1000" b="0" i="0" u="none" strike="noStrike" kern="1200" cap="none" spc="0" normalizeH="0" baseline="0" noProof="0" dirty="0">
+                          <a:ln>
+                            <a:noFill/>
+                          </a:ln>
+                          <a:solidFill>
+                            <a:prstClr val="black"/>
+                          </a:solidFill>
+                          <a:effectLst/>
+                          <a:uLnTx/>
+                          <a:uFillTx/>
+                          <a:latin typeface="Calibri" panose="020F0502020204030204"/>
+                          <a:ea typeface="+mn-ea"/>
+                          <a:cs typeface="+mn-cs"/>
+                        </a:rPr>
+                        <a:t>(STD-MAE)</a:t>
+                      </a:r>
+                    </a:p>
+                  </a:txBody>
+                  <a:tcPr anchor="ctr"/>
+                </a:tc>
+                <a:extLst>
+                  <a:ext uri="{0D108BD9-81ED-4DB2-BD59-A6C34878D82A}">
+                    <a16:rowId xmlns:a16="http://schemas.microsoft.com/office/drawing/2014/main" val="713442216"/>
+                  </a:ext>
+                </a:extLst>
+              </a:tr>
+            </a:tbl>
+          </a:graphicData>
+        </a:graphic>
+      </p:graphicFrame>
+      <p:sp>
+        <p:nvSpPr>
+          <p:cNvPr id="21" name="직사각형 20">
+            <a:extLst>
+              <a:ext uri="{FF2B5EF4-FFF2-40B4-BE49-F238E27FC236}">
+                <a16:creationId xmlns:a16="http://schemas.microsoft.com/office/drawing/2014/main" id="{F4B0FEFB-732C-4256-9FEB-AFD2E3D292D5}"/>
+              </a:ext>
+            </a:extLst>
+          </p:cNvPr>
+          <p:cNvSpPr/>
+          <p:nvPr/>
+        </p:nvSpPr>
+        <p:spPr>
+          <a:xfrm>
+            <a:off x="8545668" y="5146809"/>
+            <a:ext cx="3488741" cy="430887"/>
+          </a:xfrm>
+          <a:prstGeom prst="rect">
+            <a:avLst/>
+          </a:prstGeom>
+        </p:spPr>
+        <p:txBody>
+          <a:bodyPr wrap="square">
+            <a:spAutoFit/>
+          </a:bodyPr>
+          <a:lstStyle/>
+          <a:p>
+            <a:r>
+              <a:rPr lang="en-US" altLang="ko-KR" sz="1050" b="1" dirty="0">
+                <a:latin typeface="Times New Roman" panose="02020603050405020304" pitchFamily="18" charset="0"/>
+                <a:cs typeface="Times New Roman" panose="02020603050405020304" pitchFamily="18" charset="0"/>
+              </a:rPr>
+              <a:t>-&gt; paired t-test: </a:t>
+            </a:r>
+            <a:r>
+              <a:rPr lang="ko-KR" altLang="en-US" sz="1050" b="1" dirty="0">
+                <a:latin typeface="Times New Roman" panose="02020603050405020304" pitchFamily="18" charset="0"/>
+                <a:cs typeface="Times New Roman" panose="02020603050405020304" pitchFamily="18" charset="0"/>
+              </a:rPr>
+              <a:t>두 그룹의 차이를 비교 </a:t>
+            </a:r>
+            <a:r>
+              <a:rPr lang="en-US" altLang="ko-KR" sz="1050" b="1" dirty="0">
+                <a:latin typeface="Times New Roman" panose="02020603050405020304" pitchFamily="18" charset="0"/>
+                <a:cs typeface="Times New Roman" panose="02020603050405020304" pitchFamily="18" charset="0"/>
+              </a:rPr>
+              <a:t>(</a:t>
+            </a:r>
+            <a:r>
+              <a:rPr lang="ko-KR" altLang="en-US" sz="1050" b="1" dirty="0">
+                <a:latin typeface="Times New Roman" panose="02020603050405020304" pitchFamily="18" charset="0"/>
+                <a:cs typeface="Times New Roman" panose="02020603050405020304" pitchFamily="18" charset="0"/>
+              </a:rPr>
+              <a:t>예</a:t>
+            </a:r>
+            <a:r>
+              <a:rPr lang="en-US" altLang="ko-KR" sz="1050" b="1" dirty="0">
+                <a:latin typeface="Times New Roman" panose="02020603050405020304" pitchFamily="18" charset="0"/>
+                <a:cs typeface="Times New Roman" panose="02020603050405020304" pitchFamily="18" charset="0"/>
+              </a:rPr>
+              <a:t>, Lockdown </a:t>
+            </a:r>
+            <a:r>
+              <a:rPr lang="ko-KR" altLang="en-US" sz="1050" b="1" dirty="0">
+                <a:latin typeface="Times New Roman" panose="02020603050405020304" pitchFamily="18" charset="0"/>
+                <a:cs typeface="Times New Roman" panose="02020603050405020304" pitchFamily="18" charset="0"/>
+              </a:rPr>
+              <a:t>의 영향으로 전과 후가 </a:t>
+            </a:r>
+            <a:endParaRPr lang="en-US" sz="1050" dirty="0">
+              <a:latin typeface="Times New Roman" panose="02020603050405020304" pitchFamily="18" charset="0"/>
+              <a:cs typeface="Times New Roman" panose="02020603050405020304" pitchFamily="18" charset="0"/>
+            </a:endParaRPr>
+          </a:p>
+        </p:txBody>
+      </p:sp>
+      <p:sp>
+        <p:nvSpPr>
+          <p:cNvPr id="22" name="직사각형 21">
+            <a:extLst>
+              <a:ext uri="{FF2B5EF4-FFF2-40B4-BE49-F238E27FC236}">
+                <a16:creationId xmlns:a16="http://schemas.microsoft.com/office/drawing/2014/main" id="{B5787949-C9DE-4A05-8B4B-21522CFE1E45}"/>
+              </a:ext>
+            </a:extLst>
+          </p:cNvPr>
+          <p:cNvSpPr/>
+          <p:nvPr/>
+        </p:nvSpPr>
+        <p:spPr>
+          <a:xfrm>
+            <a:off x="8431698" y="3719229"/>
+            <a:ext cx="2025491" cy="1295400"/>
+          </a:xfrm>
+          <a:prstGeom prst="rect">
+            <a:avLst/>
+          </a:prstGeom>
+          <a:ln>
+            <a:solidFill>
+              <a:schemeClr val="tx1"/>
+            </a:solidFill>
+          </a:ln>
+        </p:spPr>
+        <p:style>
+          <a:lnRef idx="2">
+            <a:schemeClr val="accent1"/>
+          </a:lnRef>
+          <a:fillRef idx="1">
+            <a:schemeClr val="lt1"/>
+          </a:fillRef>
+          <a:effectRef idx="0">
+            <a:schemeClr val="accent1"/>
+          </a:effectRef>
+          <a:fontRef idx="minor">
+            <a:schemeClr val="dk1"/>
+          </a:fontRef>
+        </p:style>
+        <p:txBody>
+          <a:bodyPr rtlCol="0" anchor="ctr"/>
+          <a:lstStyle/>
+          <a:p>
+            <a:pPr algn="ctr"/>
+            <a:r>
+              <a:rPr lang="en-US" altLang="ko-KR" dirty="0">
+                <a:latin typeface="Times New Roman" panose="02020603050405020304" pitchFamily="18" charset="0"/>
+                <a:cs typeface="Times New Roman" panose="02020603050405020304" pitchFamily="18" charset="0"/>
+              </a:rPr>
+              <a:t>Perform</a:t>
+            </a:r>
+          </a:p>
+          <a:p>
+            <a:pPr algn="ctr"/>
+            <a:r>
+              <a:rPr lang="en-US" altLang="ko-KR" dirty="0">
+                <a:latin typeface="Times New Roman" panose="02020603050405020304" pitchFamily="18" charset="0"/>
+                <a:cs typeface="Times New Roman" panose="02020603050405020304" pitchFamily="18" charset="0"/>
+              </a:rPr>
+              <a:t>Statistical Analysis to Understand Data</a:t>
+            </a:r>
+            <a:endParaRPr lang="en-US" dirty="0">
+              <a:latin typeface="Times New Roman" panose="02020603050405020304" pitchFamily="18" charset="0"/>
+              <a:cs typeface="Times New Roman" panose="02020603050405020304" pitchFamily="18" charset="0"/>
+            </a:endParaRPr>
           </a:p>
         </p:txBody>
       </p:sp>
@@ -35683,168 +37063,58 @@
           <a:chExt cx="0" cy="0"/>
         </a:xfrm>
       </p:grpSpPr>
-      <p:pic>
-        <p:nvPicPr>
-          <p:cNvPr id="4" name="그림 3">
-            <a:extLst>
-              <a:ext uri="{FF2B5EF4-FFF2-40B4-BE49-F238E27FC236}">
-                <a16:creationId xmlns:a16="http://schemas.microsoft.com/office/drawing/2014/main" id="{8FC7A27C-1C8B-4583-BCC2-300AE4297336}"/>
-              </a:ext>
-            </a:extLst>
-          </p:cNvPr>
-          <p:cNvPicPr>
-            <a:picLocks noChangeAspect="1"/>
-          </p:cNvPicPr>
-          <p:nvPr/>
-        </p:nvPicPr>
-        <p:blipFill>
-          <a:blip r:embed="rId2"/>
-          <a:stretch>
-            <a:fillRect/>
-          </a:stretch>
-        </p:blipFill>
+      <p:sp>
+        <p:nvSpPr>
+          <p:cNvPr id="5" name="제목 1">
+            <a:extLst>
+              <a:ext uri="{FF2B5EF4-FFF2-40B4-BE49-F238E27FC236}">
+                <a16:creationId xmlns:a16="http://schemas.microsoft.com/office/drawing/2014/main" id="{F7B6FC2E-6CAD-4EF5-A572-670156BB8A38}"/>
+              </a:ext>
+            </a:extLst>
+          </p:cNvPr>
+          <p:cNvSpPr>
+            <a:spLocks noGrp="1"/>
+          </p:cNvSpPr>
+          <p:nvPr>
+            <p:ph type="title"/>
+          </p:nvPr>
+        </p:nvSpPr>
         <p:spPr>
           <a:xfrm>
-            <a:off x="1522314" y="827314"/>
-            <a:ext cx="9147371" cy="5478930"/>
+            <a:off x="0" y="1"/>
+            <a:ext cx="12192000" cy="531222"/>
           </a:xfrm>
-          <a:prstGeom prst="rect">
-            <a:avLst/>
-          </a:prstGeom>
-        </p:spPr>
-      </p:pic>
-      <p:sp>
-        <p:nvSpPr>
-          <p:cNvPr id="6" name="Rectangle 2">
-            <a:extLst>
-              <a:ext uri="{FF2B5EF4-FFF2-40B4-BE49-F238E27FC236}">
-                <a16:creationId xmlns:a16="http://schemas.microsoft.com/office/drawing/2014/main" id="{E2729A29-EBBF-4747-BF0A-8A9A55FBA0F8}"/>
-              </a:ext>
-            </a:extLst>
-          </p:cNvPr>
-          <p:cNvSpPr>
-            <a:spLocks noChangeArrowheads="1"/>
-          </p:cNvSpPr>
-          <p:nvPr/>
-        </p:nvSpPr>
-        <p:spPr bwMode="auto">
-          <a:xfrm>
-            <a:off x="0" y="82406"/>
-            <a:ext cx="1829347" cy="292388"/>
-          </a:xfrm>
-          <a:prstGeom prst="rect">
-            <a:avLst/>
-          </a:prstGeom>
-          <a:solidFill>
-            <a:srgbClr val="FFFFFF"/>
-          </a:solidFill>
-          <a:ln>
-            <a:noFill/>
-          </a:ln>
-          <a:effectLst/>
-          <a:extLst>
-            <a:ext uri="{91240B29-F687-4F45-9708-019B960494DF}">
-              <a14:hiddenLine xmlns:a14="http://schemas.microsoft.com/office/drawing/2010/main" w="9525">
-                <a:solidFill>
-                  <a:schemeClr val="tx1"/>
-                </a:solidFill>
-                <a:miter lim="800000"/>
-                <a:headEnd/>
-                <a:tailEnd/>
-              </a14:hiddenLine>
-            </a:ext>
-            <a:ext uri="{AF507438-7753-43E0-B8FC-AC1667EBCBE1}">
-              <a14:hiddenEffects xmlns:a14="http://schemas.microsoft.com/office/drawing/2010/main">
-                <a:effectLst>
-                  <a:outerShdw dist="35921" dir="2700000" algn="ctr" rotWithShape="0">
-                    <a:schemeClr val="bg2"/>
-                  </a:outerShdw>
-                </a:effectLst>
-              </a14:hiddenEffects>
-            </a:ext>
-          </a:extLst>
         </p:spPr>
         <p:txBody>
-          <a:bodyPr vert="horz" wrap="none" lIns="91440" tIns="45720" rIns="91440" bIns="45720" numCol="1" anchor="ctr" anchorCtr="0" compatLnSpc="1">
-            <a:prstTxWarp prst="textNoShape">
-              <a:avLst/>
-            </a:prstTxWarp>
-            <a:spAutoFit/>
+          <a:bodyPr>
+            <a:noAutofit/>
           </a:bodyPr>
           <a:lstStyle/>
           <a:p>
-            <a:pPr marL="0" marR="0" lvl="0" indent="0" algn="l" defTabSz="914400" rtl="0" eaLnBrk="0" fontAlgn="base" latinLnBrk="0" hangingPunct="0">
-              <a:lnSpc>
-                <a:spcPct val="100000"/>
-              </a:lnSpc>
-              <a:spcBef>
-                <a:spcPct val="0"/>
-              </a:spcBef>
-              <a:spcAft>
-                <a:spcPct val="0"/>
-              </a:spcAft>
-              <a:buClrTx/>
-              <a:buSzTx/>
-              <a:buFontTx/>
-              <a:buNone/>
-              <a:tabLst/>
-            </a:pPr>
-            <a:r>
-              <a:rPr kumimoji="0" lang="en-US" altLang="en-US" sz="1300" b="1" i="0" u="none" strike="noStrike" cap="none" normalizeH="0" baseline="0" dirty="0">
-                <a:ln>
-                  <a:noFill/>
-                </a:ln>
-                <a:solidFill>
-                  <a:srgbClr val="008080"/>
-                </a:solidFill>
-                <a:effectLst/>
-                <a:latin typeface="Consolas" panose="020B0609020204030204" pitchFamily="49" charset="0"/>
-              </a:rPr>
-              <a:t>"Alaska"</a:t>
-            </a:r>
-            <a:r>
-              <a:rPr kumimoji="0" lang="en-US" altLang="en-US" sz="1300" b="0" i="0" u="none" strike="noStrike" cap="none" normalizeH="0" baseline="0" dirty="0">
-                <a:ln>
-                  <a:noFill/>
-                </a:ln>
-                <a:solidFill>
-                  <a:srgbClr val="000000"/>
-                </a:solidFill>
-                <a:effectLst/>
-                <a:latin typeface="Consolas" panose="020B0609020204030204" pitchFamily="49" charset="0"/>
-              </a:rPr>
-              <a:t>, </a:t>
-            </a:r>
-            <a:r>
-              <a:rPr kumimoji="0" lang="en-US" altLang="en-US" sz="1300" b="1" i="0" u="none" strike="noStrike" cap="none" normalizeH="0" baseline="0" dirty="0">
-                <a:ln>
-                  <a:noFill/>
-                </a:ln>
-                <a:solidFill>
-                  <a:srgbClr val="008080"/>
-                </a:solidFill>
-                <a:effectLst/>
-                <a:latin typeface="Consolas" panose="020B0609020204030204" pitchFamily="49" charset="0"/>
-              </a:rPr>
-              <a:t>"Hawaii"</a:t>
-            </a:r>
-            <a:endParaRPr kumimoji="0" lang="en-US" altLang="en-US" sz="1800" b="0" i="0" u="none" strike="noStrike" cap="none" normalizeH="0" baseline="0" dirty="0">
-              <a:ln>
-                <a:noFill/>
-              </a:ln>
-              <a:solidFill>
-                <a:schemeClr val="tx1"/>
-              </a:solidFill>
-              <a:effectLst/>
-              <a:latin typeface="Arial" panose="020B0604020202020204" pitchFamily="34" charset="0"/>
-            </a:endParaRPr>
+            <a:r>
+              <a:rPr lang="en-US" altLang="ko-KR" sz="2400" b="1" dirty="0"/>
+              <a:t>Multi States-LSTM </a:t>
+            </a:r>
+            <a:r>
+              <a:rPr lang="ko-KR" altLang="en-US" sz="2400" b="1" dirty="0"/>
+              <a:t>예측 결과</a:t>
+            </a:r>
+            <a:r>
+              <a:rPr lang="en-US" altLang="ko-KR" sz="2400" b="1" dirty="0"/>
+              <a:t>: Montana</a:t>
+            </a:r>
+            <a:r>
+              <a:rPr lang="ko-KR" altLang="en-US" sz="2400" b="1" dirty="0"/>
+              <a:t> </a:t>
+            </a:r>
+            <a:endParaRPr lang="en-US" sz="2400" b="1" dirty="0"/>
           </a:p>
         </p:txBody>
       </p:sp>
     </p:spTree>
     <p:extLst>
       <p:ext uri="{BB962C8B-B14F-4D97-AF65-F5344CB8AC3E}">
-        <p14:creationId xmlns:p14="http://schemas.microsoft.com/office/powerpoint/2010/main" val="706353839"/>
+        <p14:creationId xmlns:p14="http://schemas.microsoft.com/office/powerpoint/2010/main" val="1721749481"/>
       </p:ext>
     </p:extLst>
   </p:cSld>
@@ -35871,42 +37141,12 @@
           <a:chExt cx="0" cy="0"/>
         </a:xfrm>
       </p:grpSpPr>
-      <p:pic>
-        <p:nvPicPr>
-          <p:cNvPr id="4" name="그림 3">
-            <a:extLst>
-              <a:ext uri="{FF2B5EF4-FFF2-40B4-BE49-F238E27FC236}">
-                <a16:creationId xmlns:a16="http://schemas.microsoft.com/office/drawing/2014/main" id="{C78D2C02-988F-470E-AA41-A3979D783756}"/>
-              </a:ext>
-            </a:extLst>
-          </p:cNvPr>
-          <p:cNvPicPr>
-            <a:picLocks noChangeAspect="1"/>
-          </p:cNvPicPr>
-          <p:nvPr/>
-        </p:nvPicPr>
-        <p:blipFill>
-          <a:blip r:embed="rId2"/>
-          <a:stretch>
-            <a:fillRect/>
-          </a:stretch>
-        </p:blipFill>
-        <p:spPr>
-          <a:xfrm>
-            <a:off x="752067" y="626008"/>
-            <a:ext cx="10687865" cy="6231992"/>
-          </a:xfrm>
-          <a:prstGeom prst="rect">
-            <a:avLst/>
-          </a:prstGeom>
-        </p:spPr>
-      </p:pic>
       <p:sp>
         <p:nvSpPr>
-          <p:cNvPr id="5" name="Rectangle 1">
-            <a:extLst>
-              <a:ext uri="{FF2B5EF4-FFF2-40B4-BE49-F238E27FC236}">
-                <a16:creationId xmlns:a16="http://schemas.microsoft.com/office/drawing/2014/main" id="{46088877-563A-48D0-95FE-A71A4F0FD250}"/>
+          <p:cNvPr id="6" name="Rectangle 2">
+            <a:extLst>
+              <a:ext uri="{FF2B5EF4-FFF2-40B4-BE49-F238E27FC236}">
+                <a16:creationId xmlns:a16="http://schemas.microsoft.com/office/drawing/2014/main" id="{E2729A29-EBBF-4747-BF0A-8A9A55FBA0F8}"/>
               </a:ext>
             </a:extLst>
           </p:cNvPr>
@@ -35917,8 +37157,8 @@
         </p:nvSpPr>
         <p:spPr bwMode="auto">
           <a:xfrm>
-            <a:off x="0" y="0"/>
-            <a:ext cx="12192000" cy="457200"/>
+            <a:off x="0" y="82406"/>
+            <a:ext cx="1920719" cy="292388"/>
           </a:xfrm>
           <a:prstGeom prst="rect">
             <a:avLst/>
@@ -36014,59 +37254,7 @@
                 <a:effectLst/>
                 <a:latin typeface="Consolas" panose="020B0609020204030204" pitchFamily="49" charset="0"/>
               </a:rPr>
-              <a:t>"Hawaii"</a:t>
-            </a:r>
-            <a:r>
-              <a:rPr kumimoji="0" lang="en-US" altLang="en-US" sz="1300" b="0" i="0" u="none" strike="noStrike" cap="none" normalizeH="0" baseline="0" dirty="0">
-                <a:ln>
-                  <a:noFill/>
-                </a:ln>
-                <a:solidFill>
-                  <a:srgbClr val="000000"/>
-                </a:solidFill>
-                <a:effectLst/>
-                <a:latin typeface="Consolas" panose="020B0609020204030204" pitchFamily="49" charset="0"/>
-              </a:rPr>
-              <a:t>, </a:t>
-            </a:r>
-            <a:r>
-              <a:rPr kumimoji="0" lang="en-US" altLang="en-US" sz="1300" b="1" i="0" u="none" strike="noStrike" cap="none" normalizeH="0" baseline="0" dirty="0">
-                <a:ln>
-                  <a:noFill/>
-                </a:ln>
-                <a:solidFill>
-                  <a:srgbClr val="008080"/>
-                </a:solidFill>
-                <a:effectLst/>
-                <a:latin typeface="Consolas" panose="020B0609020204030204" pitchFamily="49" charset="0"/>
-              </a:rPr>
-              <a:t>"Louisiana"</a:t>
-            </a:r>
-            <a:r>
-              <a:rPr kumimoji="0" lang="en-US" altLang="en-US" sz="1300" b="0" i="0" u="none" strike="noStrike" cap="none" normalizeH="0" baseline="0" dirty="0">
-                <a:ln>
-                  <a:noFill/>
-                </a:ln>
-                <a:solidFill>
-                  <a:srgbClr val="000000"/>
-                </a:solidFill>
-                <a:effectLst/>
-                <a:latin typeface="Consolas" panose="020B0609020204030204" pitchFamily="49" charset="0"/>
-              </a:rPr>
-              <a:t>, </a:t>
-            </a:r>
-            <a:r>
-              <a:rPr kumimoji="0" lang="en-US" altLang="en-US" sz="1300" b="1" i="0" u="none" strike="noStrike" cap="none" normalizeH="0" baseline="0" dirty="0">
-                <a:ln>
-                  <a:noFill/>
-                </a:ln>
-                <a:solidFill>
-                  <a:srgbClr val="008080"/>
-                </a:solidFill>
-                <a:effectLst/>
-                <a:latin typeface="Consolas" panose="020B0609020204030204" pitchFamily="49" charset="0"/>
-              </a:rPr>
-              <a:t>"Vermont"</a:t>
+              <a:t>"Hawaii" </a:t>
             </a:r>
             <a:endParaRPr kumimoji="0" lang="en-US" altLang="en-US" sz="1800" b="0" i="0" u="none" strike="noStrike" cap="none" normalizeH="0" baseline="0" dirty="0">
               <a:ln>
@@ -36083,10 +37271,40 @@
       </p:sp>
       <p:pic>
         <p:nvPicPr>
-          <p:cNvPr id="6" name="그림 5">
-            <a:extLst>
-              <a:ext uri="{FF2B5EF4-FFF2-40B4-BE49-F238E27FC236}">
-                <a16:creationId xmlns:a16="http://schemas.microsoft.com/office/drawing/2014/main" id="{B4231BE4-14D3-4E86-9F80-5F73F9A2D660}"/>
+          <p:cNvPr id="2" name="그림 1">
+            <a:extLst>
+              <a:ext uri="{FF2B5EF4-FFF2-40B4-BE49-F238E27FC236}">
+                <a16:creationId xmlns:a16="http://schemas.microsoft.com/office/drawing/2014/main" id="{75B4C1B3-2699-41BD-B4EB-9CD17A7BF04D}"/>
+              </a:ext>
+            </a:extLst>
+          </p:cNvPr>
+          <p:cNvPicPr>
+            <a:picLocks noChangeAspect="1"/>
+          </p:cNvPicPr>
+          <p:nvPr/>
+        </p:nvPicPr>
+        <p:blipFill>
+          <a:blip r:embed="rId2"/>
+          <a:stretch>
+            <a:fillRect/>
+          </a:stretch>
+        </p:blipFill>
+        <p:spPr>
+          <a:xfrm>
+            <a:off x="1724297" y="846425"/>
+            <a:ext cx="10338377" cy="6011575"/>
+          </a:xfrm>
+          <a:prstGeom prst="rect">
+            <a:avLst/>
+          </a:prstGeom>
+        </p:spPr>
+      </p:pic>
+      <p:pic>
+        <p:nvPicPr>
+          <p:cNvPr id="3" name="그림 2">
+            <a:extLst>
+              <a:ext uri="{FF2B5EF4-FFF2-40B4-BE49-F238E27FC236}">
+                <a16:creationId xmlns:a16="http://schemas.microsoft.com/office/drawing/2014/main" id="{E3421DE7-4A19-4D8C-9DB6-3F26D68B5CD8}"/>
               </a:ext>
             </a:extLst>
           </p:cNvPr>
@@ -36103,8 +37321,8 @@
         </p:blipFill>
         <p:spPr>
           <a:xfrm>
-            <a:off x="8100442" y="1785257"/>
-            <a:ext cx="3802190" cy="2142309"/>
+            <a:off x="3506333" y="0"/>
+            <a:ext cx="5390484" cy="3091543"/>
           </a:xfrm>
           <a:prstGeom prst="rect">
             <a:avLst/>
@@ -36114,7 +37332,7 @@
     </p:spTree>
     <p:extLst>
       <p:ext uri="{BB962C8B-B14F-4D97-AF65-F5344CB8AC3E}">
-        <p14:creationId xmlns:p14="http://schemas.microsoft.com/office/powerpoint/2010/main" val="892345511"/>
+        <p14:creationId xmlns:p14="http://schemas.microsoft.com/office/powerpoint/2010/main" val="706353839"/>
       </p:ext>
     </p:extLst>
   </p:cSld>
@@ -36143,10 +37361,10 @@
       </p:grpSpPr>
       <p:sp>
         <p:nvSpPr>
-          <p:cNvPr id="2" name="Rectangle 1">
-            <a:extLst>
-              <a:ext uri="{FF2B5EF4-FFF2-40B4-BE49-F238E27FC236}">
-                <a16:creationId xmlns:a16="http://schemas.microsoft.com/office/drawing/2014/main" id="{71A78220-93AE-4644-8260-A8791251B8D3}"/>
+          <p:cNvPr id="3" name="Rectangle 2">
+            <a:extLst>
+              <a:ext uri="{FF2B5EF4-FFF2-40B4-BE49-F238E27FC236}">
+                <a16:creationId xmlns:a16="http://schemas.microsoft.com/office/drawing/2014/main" id="{9BA71344-28C8-4ABE-BEB2-93260D04BEC9}"/>
               </a:ext>
             </a:extLst>
           </p:cNvPr>
@@ -36282,58 +37500,6 @@
               </a:rPr>
               <a:t>"Idaho"</a:t>
             </a:r>
-            <a:r>
-              <a:rPr kumimoji="0" lang="en-US" altLang="en-US" sz="1300" b="0" i="0" u="none" strike="noStrike" cap="none" normalizeH="0" baseline="0">
-                <a:ln>
-                  <a:noFill/>
-                </a:ln>
-                <a:solidFill>
-                  <a:srgbClr val="000000"/>
-                </a:solidFill>
-                <a:effectLst/>
-                <a:latin typeface="Consolas" panose="020B0609020204030204" pitchFamily="49" charset="0"/>
-              </a:rPr>
-              <a:t>, </a:t>
-            </a:r>
-            <a:r>
-              <a:rPr kumimoji="0" lang="en-US" altLang="en-US" sz="1300" b="1" i="0" u="none" strike="noStrike" cap="none" normalizeH="0" baseline="0">
-                <a:ln>
-                  <a:noFill/>
-                </a:ln>
-                <a:solidFill>
-                  <a:srgbClr val="008080"/>
-                </a:solidFill>
-                <a:effectLst/>
-                <a:latin typeface="Consolas" panose="020B0609020204030204" pitchFamily="49" charset="0"/>
-              </a:rPr>
-              <a:t>"Louisiana"</a:t>
-            </a:r>
-            <a:r>
-              <a:rPr kumimoji="0" lang="en-US" altLang="en-US" sz="1300" b="0" i="0" u="none" strike="noStrike" cap="none" normalizeH="0" baseline="0">
-                <a:ln>
-                  <a:noFill/>
-                </a:ln>
-                <a:solidFill>
-                  <a:srgbClr val="000000"/>
-                </a:solidFill>
-                <a:effectLst/>
-                <a:latin typeface="Consolas" panose="020B0609020204030204" pitchFamily="49" charset="0"/>
-              </a:rPr>
-              <a:t>, </a:t>
-            </a:r>
-            <a:r>
-              <a:rPr kumimoji="0" lang="en-US" altLang="en-US" sz="1300" b="1" i="0" u="none" strike="noStrike" cap="none" normalizeH="0" baseline="0">
-                <a:ln>
-                  <a:noFill/>
-                </a:ln>
-                <a:solidFill>
-                  <a:srgbClr val="008080"/>
-                </a:solidFill>
-                <a:effectLst/>
-                <a:latin typeface="Consolas" panose="020B0609020204030204" pitchFamily="49" charset="0"/>
-              </a:rPr>
-              <a:t>"Vermont"</a:t>
-            </a:r>
             <a:endParaRPr kumimoji="0" lang="en-US" altLang="en-US" sz="1800" b="0" i="0" u="none" strike="noStrike" cap="none" normalizeH="0" baseline="0">
               <a:ln>
                 <a:noFill/>
@@ -36349,10 +37515,10 @@
       </p:sp>
       <p:pic>
         <p:nvPicPr>
-          <p:cNvPr id="3" name="그림 2">
-            <a:extLst>
-              <a:ext uri="{FF2B5EF4-FFF2-40B4-BE49-F238E27FC236}">
-                <a16:creationId xmlns:a16="http://schemas.microsoft.com/office/drawing/2014/main" id="{F64674E0-231A-4D85-8288-CC2E5E96691C}"/>
+          <p:cNvPr id="4" name="그림 3">
+            <a:extLst>
+              <a:ext uri="{FF2B5EF4-FFF2-40B4-BE49-F238E27FC236}">
+                <a16:creationId xmlns:a16="http://schemas.microsoft.com/office/drawing/2014/main" id="{0032080C-7A19-4B49-9FF1-259530C4CA2D}"/>
               </a:ext>
             </a:extLst>
           </p:cNvPr>
@@ -36369,8 +37535,8 @@
         </p:blipFill>
         <p:spPr>
           <a:xfrm>
-            <a:off x="722812" y="457200"/>
-            <a:ext cx="11094876" cy="6368066"/>
+            <a:off x="1439430" y="601527"/>
+            <a:ext cx="10752570" cy="6256473"/>
           </a:xfrm>
           <a:prstGeom prst="rect">
             <a:avLst/>
@@ -36379,10 +37545,10 @@
       </p:pic>
       <p:pic>
         <p:nvPicPr>
-          <p:cNvPr id="7" name="그림 6">
-            <a:extLst>
-              <a:ext uri="{FF2B5EF4-FFF2-40B4-BE49-F238E27FC236}">
-                <a16:creationId xmlns:a16="http://schemas.microsoft.com/office/drawing/2014/main" id="{6E066DE1-FE97-496E-B596-039AA31A15EA}"/>
+          <p:cNvPr id="6" name="그림 5">
+            <a:extLst>
+              <a:ext uri="{FF2B5EF4-FFF2-40B4-BE49-F238E27FC236}">
+                <a16:creationId xmlns:a16="http://schemas.microsoft.com/office/drawing/2014/main" id="{F7552246-6779-43FE-8DC3-D2DE185F47E5}"/>
               </a:ext>
             </a:extLst>
           </p:cNvPr>
@@ -36399,8 +37565,8 @@
         </p:blipFill>
         <p:spPr>
           <a:xfrm>
-            <a:off x="7434371" y="914400"/>
-            <a:ext cx="4461008" cy="2538549"/>
+            <a:off x="3441264" y="69667"/>
+            <a:ext cx="5807516" cy="3359333"/>
           </a:xfrm>
           <a:prstGeom prst="rect">
             <a:avLst/>
@@ -36410,7 +37576,7 @@
     </p:spTree>
     <p:extLst>
       <p:ext uri="{BB962C8B-B14F-4D97-AF65-F5344CB8AC3E}">
-        <p14:creationId xmlns:p14="http://schemas.microsoft.com/office/powerpoint/2010/main" val="1572338118"/>
+        <p14:creationId xmlns:p14="http://schemas.microsoft.com/office/powerpoint/2010/main" val="2552930049"/>
       </p:ext>
     </p:extLst>
   </p:cSld>
@@ -36439,6 +37605,572 @@
       </p:grpSpPr>
       <p:sp>
         <p:nvSpPr>
+          <p:cNvPr id="5" name="Rectangle 1">
+            <a:extLst>
+              <a:ext uri="{FF2B5EF4-FFF2-40B4-BE49-F238E27FC236}">
+                <a16:creationId xmlns:a16="http://schemas.microsoft.com/office/drawing/2014/main" id="{46088877-563A-48D0-95FE-A71A4F0FD250}"/>
+              </a:ext>
+            </a:extLst>
+          </p:cNvPr>
+          <p:cNvSpPr>
+            <a:spLocks noChangeArrowheads="1"/>
+          </p:cNvSpPr>
+          <p:nvPr/>
+        </p:nvSpPr>
+        <p:spPr bwMode="auto">
+          <a:xfrm>
+            <a:off x="0" y="0"/>
+            <a:ext cx="12192000" cy="457200"/>
+          </a:xfrm>
+          <a:prstGeom prst="rect">
+            <a:avLst/>
+          </a:prstGeom>
+          <a:solidFill>
+            <a:srgbClr val="FFFFFF"/>
+          </a:solidFill>
+          <a:ln>
+            <a:noFill/>
+          </a:ln>
+          <a:effectLst/>
+          <a:extLst>
+            <a:ext uri="{91240B29-F687-4F45-9708-019B960494DF}">
+              <a14:hiddenLine xmlns:a14="http://schemas.microsoft.com/office/drawing/2010/main" w="9525">
+                <a:solidFill>
+                  <a:schemeClr val="tx1"/>
+                </a:solidFill>
+                <a:miter lim="800000"/>
+                <a:headEnd/>
+                <a:tailEnd/>
+              </a14:hiddenLine>
+            </a:ext>
+            <a:ext uri="{AF507438-7753-43E0-B8FC-AC1667EBCBE1}">
+              <a14:hiddenEffects xmlns:a14="http://schemas.microsoft.com/office/drawing/2010/main">
+                <a:effectLst>
+                  <a:outerShdw dist="35921" dir="2700000" algn="ctr" rotWithShape="0">
+                    <a:schemeClr val="bg2"/>
+                  </a:outerShdw>
+                </a:effectLst>
+              </a14:hiddenEffects>
+            </a:ext>
+          </a:extLst>
+        </p:spPr>
+        <p:txBody>
+          <a:bodyPr vert="horz" wrap="none" lIns="91440" tIns="45720" rIns="91440" bIns="45720" numCol="1" anchor="ctr" anchorCtr="0" compatLnSpc="1">
+            <a:prstTxWarp prst="textNoShape">
+              <a:avLst/>
+            </a:prstTxWarp>
+            <a:spAutoFit/>
+          </a:bodyPr>
+          <a:lstStyle/>
+          <a:p>
+            <a:pPr marL="0" marR="0" lvl="0" indent="0" algn="l" defTabSz="914400" rtl="0" eaLnBrk="0" fontAlgn="base" latinLnBrk="0" hangingPunct="0">
+              <a:lnSpc>
+                <a:spcPct val="100000"/>
+              </a:lnSpc>
+              <a:spcBef>
+                <a:spcPct val="0"/>
+              </a:spcBef>
+              <a:spcAft>
+                <a:spcPct val="0"/>
+              </a:spcAft>
+              <a:buClrTx/>
+              <a:buSzTx/>
+              <a:buFontTx/>
+              <a:buNone/>
+              <a:tabLst/>
+            </a:pPr>
+            <a:r>
+              <a:rPr kumimoji="0" lang="en-US" altLang="en-US" sz="1300" b="1" i="0" u="none" strike="noStrike" cap="none" normalizeH="0" baseline="0" dirty="0">
+                <a:ln>
+                  <a:noFill/>
+                </a:ln>
+                <a:solidFill>
+                  <a:srgbClr val="008080"/>
+                </a:solidFill>
+                <a:effectLst/>
+                <a:latin typeface="Consolas" panose="020B0609020204030204" pitchFamily="49" charset="0"/>
+              </a:rPr>
+              <a:t>"Alaska"</a:t>
+            </a:r>
+            <a:r>
+              <a:rPr kumimoji="0" lang="en-US" altLang="en-US" sz="1300" b="0" i="0" u="none" strike="noStrike" cap="none" normalizeH="0" baseline="0" dirty="0">
+                <a:ln>
+                  <a:noFill/>
+                </a:ln>
+                <a:solidFill>
+                  <a:srgbClr val="000000"/>
+                </a:solidFill>
+                <a:effectLst/>
+                <a:latin typeface="Consolas" panose="020B0609020204030204" pitchFamily="49" charset="0"/>
+              </a:rPr>
+              <a:t>, </a:t>
+            </a:r>
+            <a:r>
+              <a:rPr kumimoji="0" lang="en-US" altLang="en-US" sz="1300" b="1" i="0" u="none" strike="noStrike" cap="none" normalizeH="0" baseline="0" dirty="0">
+                <a:ln>
+                  <a:noFill/>
+                </a:ln>
+                <a:solidFill>
+                  <a:srgbClr val="008080"/>
+                </a:solidFill>
+                <a:effectLst/>
+                <a:latin typeface="Consolas" panose="020B0609020204030204" pitchFamily="49" charset="0"/>
+              </a:rPr>
+              <a:t>"Hawaii"</a:t>
+            </a:r>
+            <a:r>
+              <a:rPr kumimoji="0" lang="en-US" altLang="en-US" sz="1300" b="0" i="0" u="none" strike="noStrike" cap="none" normalizeH="0" baseline="0" dirty="0">
+                <a:ln>
+                  <a:noFill/>
+                </a:ln>
+                <a:solidFill>
+                  <a:srgbClr val="000000"/>
+                </a:solidFill>
+                <a:effectLst/>
+                <a:latin typeface="Consolas" panose="020B0609020204030204" pitchFamily="49" charset="0"/>
+              </a:rPr>
+              <a:t>, </a:t>
+            </a:r>
+            <a:r>
+              <a:rPr kumimoji="0" lang="en-US" altLang="en-US" sz="1300" b="1" i="0" u="none" strike="noStrike" cap="none" normalizeH="0" baseline="0" dirty="0">
+                <a:ln>
+                  <a:noFill/>
+                </a:ln>
+                <a:solidFill>
+                  <a:srgbClr val="008080"/>
+                </a:solidFill>
+                <a:effectLst/>
+                <a:latin typeface="Consolas" panose="020B0609020204030204" pitchFamily="49" charset="0"/>
+              </a:rPr>
+              <a:t>"Louisiana"</a:t>
+            </a:r>
+            <a:r>
+              <a:rPr kumimoji="0" lang="en-US" altLang="en-US" sz="1300" b="0" i="0" u="none" strike="noStrike" cap="none" normalizeH="0" baseline="0" dirty="0">
+                <a:ln>
+                  <a:noFill/>
+                </a:ln>
+                <a:solidFill>
+                  <a:srgbClr val="000000"/>
+                </a:solidFill>
+                <a:effectLst/>
+                <a:latin typeface="Consolas" panose="020B0609020204030204" pitchFamily="49" charset="0"/>
+              </a:rPr>
+              <a:t>, </a:t>
+            </a:r>
+            <a:r>
+              <a:rPr kumimoji="0" lang="en-US" altLang="en-US" sz="1300" b="1" i="0" u="none" strike="noStrike" cap="none" normalizeH="0" baseline="0" dirty="0">
+                <a:ln>
+                  <a:noFill/>
+                </a:ln>
+                <a:solidFill>
+                  <a:srgbClr val="008080"/>
+                </a:solidFill>
+                <a:effectLst/>
+                <a:latin typeface="Consolas" panose="020B0609020204030204" pitchFamily="49" charset="0"/>
+              </a:rPr>
+              <a:t>"Vermont"</a:t>
+            </a:r>
+            <a:endParaRPr kumimoji="0" lang="en-US" altLang="en-US" sz="1800" b="0" i="0" u="none" strike="noStrike" cap="none" normalizeH="0" baseline="0" dirty="0">
+              <a:ln>
+                <a:noFill/>
+              </a:ln>
+              <a:solidFill>
+                <a:schemeClr val="tx1"/>
+              </a:solidFill>
+              <a:effectLst/>
+              <a:latin typeface="Arial" panose="020B0604020202020204" pitchFamily="34" charset="0"/>
+            </a:endParaRPr>
+          </a:p>
+        </p:txBody>
+      </p:sp>
+      <p:pic>
+        <p:nvPicPr>
+          <p:cNvPr id="3" name="그림 2">
+            <a:extLst>
+              <a:ext uri="{FF2B5EF4-FFF2-40B4-BE49-F238E27FC236}">
+                <a16:creationId xmlns:a16="http://schemas.microsoft.com/office/drawing/2014/main" id="{5D11233D-60AB-4D3E-A05E-C73015A07969}"/>
+              </a:ext>
+            </a:extLst>
+          </p:cNvPr>
+          <p:cNvPicPr>
+            <a:picLocks noChangeAspect="1"/>
+          </p:cNvPicPr>
+          <p:nvPr/>
+        </p:nvPicPr>
+        <p:blipFill>
+          <a:blip r:embed="rId2"/>
+          <a:stretch>
+            <a:fillRect/>
+          </a:stretch>
+        </p:blipFill>
+        <p:spPr>
+          <a:xfrm>
+            <a:off x="1479613" y="637648"/>
+            <a:ext cx="10712387" cy="6220352"/>
+          </a:xfrm>
+          <a:prstGeom prst="rect">
+            <a:avLst/>
+          </a:prstGeom>
+        </p:spPr>
+      </p:pic>
+      <p:pic>
+        <p:nvPicPr>
+          <p:cNvPr id="7" name="그림 6">
+            <a:extLst>
+              <a:ext uri="{FF2B5EF4-FFF2-40B4-BE49-F238E27FC236}">
+                <a16:creationId xmlns:a16="http://schemas.microsoft.com/office/drawing/2014/main" id="{64969CB3-06C0-4831-B815-FFE2F69DF4C8}"/>
+              </a:ext>
+            </a:extLst>
+          </p:cNvPr>
+          <p:cNvPicPr>
+            <a:picLocks noChangeAspect="1"/>
+          </p:cNvPicPr>
+          <p:nvPr/>
+        </p:nvPicPr>
+        <p:blipFill>
+          <a:blip r:embed="rId3"/>
+          <a:stretch>
+            <a:fillRect/>
+          </a:stretch>
+        </p:blipFill>
+        <p:spPr>
+          <a:xfrm>
+            <a:off x="3274423" y="457200"/>
+            <a:ext cx="6641713" cy="3836457"/>
+          </a:xfrm>
+          <a:prstGeom prst="rect">
+            <a:avLst/>
+          </a:prstGeom>
+        </p:spPr>
+      </p:pic>
+    </p:spTree>
+    <p:extLst>
+      <p:ext uri="{BB962C8B-B14F-4D97-AF65-F5344CB8AC3E}">
+        <p14:creationId xmlns:p14="http://schemas.microsoft.com/office/powerpoint/2010/main" val="892345511"/>
+      </p:ext>
+    </p:extLst>
+  </p:cSld>
+  <p:clrMapOvr>
+    <a:masterClrMapping/>
+  </p:clrMapOvr>
+</p:sld>
+</file>
+
+<file path=ppt/slides/slide85.xml><?xml version="1.0" encoding="utf-8"?>
+<p:sld xmlns:a="http://schemas.openxmlformats.org/drawingml/2006/main" xmlns:r="http://schemas.openxmlformats.org/officeDocument/2006/relationships" xmlns:p="http://schemas.openxmlformats.org/presentationml/2006/main">
+  <p:cSld>
+    <p:spTree>
+      <p:nvGrpSpPr>
+        <p:cNvPr id="1" name=""/>
+        <p:cNvGrpSpPr/>
+        <p:nvPr/>
+      </p:nvGrpSpPr>
+      <p:grpSpPr>
+        <a:xfrm>
+          <a:off x="0" y="0"/>
+          <a:ext cx="0" cy="0"/>
+          <a:chOff x="0" y="0"/>
+          <a:chExt cx="0" cy="0"/>
+        </a:xfrm>
+      </p:grpSpPr>
+      <p:sp>
+        <p:nvSpPr>
+          <p:cNvPr id="2" name="Rectangle 1">
+            <a:extLst>
+              <a:ext uri="{FF2B5EF4-FFF2-40B4-BE49-F238E27FC236}">
+                <a16:creationId xmlns:a16="http://schemas.microsoft.com/office/drawing/2014/main" id="{71A78220-93AE-4644-8260-A8791251B8D3}"/>
+              </a:ext>
+            </a:extLst>
+          </p:cNvPr>
+          <p:cNvSpPr>
+            <a:spLocks noChangeArrowheads="1"/>
+          </p:cNvSpPr>
+          <p:nvPr/>
+        </p:nvSpPr>
+        <p:spPr bwMode="auto">
+          <a:xfrm>
+            <a:off x="0" y="0"/>
+            <a:ext cx="12192000" cy="457200"/>
+          </a:xfrm>
+          <a:prstGeom prst="rect">
+            <a:avLst/>
+          </a:prstGeom>
+          <a:solidFill>
+            <a:srgbClr val="FFFFFF"/>
+          </a:solidFill>
+          <a:ln>
+            <a:noFill/>
+          </a:ln>
+          <a:effectLst/>
+          <a:extLst>
+            <a:ext uri="{91240B29-F687-4F45-9708-019B960494DF}">
+              <a14:hiddenLine xmlns:a14="http://schemas.microsoft.com/office/drawing/2010/main" w="9525">
+                <a:solidFill>
+                  <a:schemeClr val="tx1"/>
+                </a:solidFill>
+                <a:miter lim="800000"/>
+                <a:headEnd/>
+                <a:tailEnd/>
+              </a14:hiddenLine>
+            </a:ext>
+            <a:ext uri="{AF507438-7753-43E0-B8FC-AC1667EBCBE1}">
+              <a14:hiddenEffects xmlns:a14="http://schemas.microsoft.com/office/drawing/2010/main">
+                <a:effectLst>
+                  <a:outerShdw dist="35921" dir="2700000" algn="ctr" rotWithShape="0">
+                    <a:schemeClr val="bg2"/>
+                  </a:outerShdw>
+                </a:effectLst>
+              </a14:hiddenEffects>
+            </a:ext>
+          </a:extLst>
+        </p:spPr>
+        <p:txBody>
+          <a:bodyPr vert="horz" wrap="none" lIns="91440" tIns="45720" rIns="91440" bIns="45720" numCol="1" anchor="ctr" anchorCtr="0" compatLnSpc="1">
+            <a:prstTxWarp prst="textNoShape">
+              <a:avLst/>
+            </a:prstTxWarp>
+            <a:spAutoFit/>
+          </a:bodyPr>
+          <a:lstStyle/>
+          <a:p>
+            <a:pPr marL="0" marR="0" lvl="0" indent="0" algn="l" defTabSz="914400" rtl="0" eaLnBrk="0" fontAlgn="base" latinLnBrk="0" hangingPunct="0">
+              <a:lnSpc>
+                <a:spcPct val="100000"/>
+              </a:lnSpc>
+              <a:spcBef>
+                <a:spcPct val="0"/>
+              </a:spcBef>
+              <a:spcAft>
+                <a:spcPct val="0"/>
+              </a:spcAft>
+              <a:buClrTx/>
+              <a:buSzTx/>
+              <a:buFontTx/>
+              <a:buNone/>
+              <a:tabLst/>
+            </a:pPr>
+            <a:r>
+              <a:rPr kumimoji="0" lang="en-US" altLang="en-US" sz="1300" b="1" i="0" u="none" strike="noStrike" cap="none" normalizeH="0" baseline="0" dirty="0">
+                <a:ln>
+                  <a:noFill/>
+                </a:ln>
+                <a:solidFill>
+                  <a:srgbClr val="008080"/>
+                </a:solidFill>
+                <a:effectLst/>
+                <a:latin typeface="Consolas" panose="020B0609020204030204" pitchFamily="49" charset="0"/>
+              </a:rPr>
+              <a:t>"Alaska"</a:t>
+            </a:r>
+            <a:r>
+              <a:rPr kumimoji="0" lang="en-US" altLang="en-US" sz="1300" b="0" i="0" u="none" strike="noStrike" cap="none" normalizeH="0" baseline="0" dirty="0">
+                <a:ln>
+                  <a:noFill/>
+                </a:ln>
+                <a:solidFill>
+                  <a:srgbClr val="000000"/>
+                </a:solidFill>
+                <a:effectLst/>
+                <a:latin typeface="Consolas" panose="020B0609020204030204" pitchFamily="49" charset="0"/>
+              </a:rPr>
+              <a:t>, </a:t>
+            </a:r>
+            <a:r>
+              <a:rPr kumimoji="0" lang="en-US" altLang="en-US" sz="1300" b="1" i="0" u="none" strike="noStrike" cap="none" normalizeH="0" baseline="0" dirty="0">
+                <a:ln>
+                  <a:noFill/>
+                </a:ln>
+                <a:solidFill>
+                  <a:srgbClr val="008080"/>
+                </a:solidFill>
+                <a:effectLst/>
+                <a:latin typeface="Consolas" panose="020B0609020204030204" pitchFamily="49" charset="0"/>
+              </a:rPr>
+              <a:t>"Hawaii"</a:t>
+            </a:r>
+            <a:r>
+              <a:rPr kumimoji="0" lang="en-US" altLang="en-US" sz="1300" b="0" i="0" u="none" strike="noStrike" cap="none" normalizeH="0" baseline="0" dirty="0">
+                <a:ln>
+                  <a:noFill/>
+                </a:ln>
+                <a:solidFill>
+                  <a:srgbClr val="000000"/>
+                </a:solidFill>
+                <a:effectLst/>
+                <a:latin typeface="Consolas" panose="020B0609020204030204" pitchFamily="49" charset="0"/>
+              </a:rPr>
+              <a:t>, </a:t>
+            </a:r>
+            <a:r>
+              <a:rPr kumimoji="0" lang="en-US" altLang="en-US" sz="1300" b="1" i="0" u="none" strike="noStrike" cap="none" normalizeH="0" baseline="0" dirty="0">
+                <a:ln>
+                  <a:noFill/>
+                </a:ln>
+                <a:solidFill>
+                  <a:srgbClr val="008080"/>
+                </a:solidFill>
+                <a:effectLst/>
+                <a:latin typeface="Consolas" panose="020B0609020204030204" pitchFamily="49" charset="0"/>
+              </a:rPr>
+              <a:t>"Idaho"</a:t>
+            </a:r>
+            <a:r>
+              <a:rPr kumimoji="0" lang="en-US" altLang="en-US" sz="1300" b="0" i="0" u="none" strike="noStrike" cap="none" normalizeH="0" baseline="0" dirty="0">
+                <a:ln>
+                  <a:noFill/>
+                </a:ln>
+                <a:solidFill>
+                  <a:srgbClr val="000000"/>
+                </a:solidFill>
+                <a:effectLst/>
+                <a:latin typeface="Consolas" panose="020B0609020204030204" pitchFamily="49" charset="0"/>
+              </a:rPr>
+              <a:t>, </a:t>
+            </a:r>
+            <a:r>
+              <a:rPr kumimoji="0" lang="en-US" altLang="en-US" sz="1300" b="1" i="0" u="none" strike="noStrike" cap="none" normalizeH="0" baseline="0" dirty="0">
+                <a:ln>
+                  <a:noFill/>
+                </a:ln>
+                <a:solidFill>
+                  <a:srgbClr val="008080"/>
+                </a:solidFill>
+                <a:effectLst/>
+                <a:latin typeface="Consolas" panose="020B0609020204030204" pitchFamily="49" charset="0"/>
+              </a:rPr>
+              <a:t>"Louisiana"</a:t>
+            </a:r>
+            <a:r>
+              <a:rPr kumimoji="0" lang="en-US" altLang="en-US" sz="1300" b="0" i="0" u="none" strike="noStrike" cap="none" normalizeH="0" baseline="0" dirty="0">
+                <a:ln>
+                  <a:noFill/>
+                </a:ln>
+                <a:solidFill>
+                  <a:srgbClr val="000000"/>
+                </a:solidFill>
+                <a:effectLst/>
+                <a:latin typeface="Consolas" panose="020B0609020204030204" pitchFamily="49" charset="0"/>
+              </a:rPr>
+              <a:t>, </a:t>
+            </a:r>
+            <a:r>
+              <a:rPr kumimoji="0" lang="en-US" altLang="en-US" sz="1300" b="1" i="0" u="none" strike="noStrike" cap="none" normalizeH="0" baseline="0" dirty="0">
+                <a:ln>
+                  <a:noFill/>
+                </a:ln>
+                <a:solidFill>
+                  <a:srgbClr val="008080"/>
+                </a:solidFill>
+                <a:effectLst/>
+                <a:latin typeface="Consolas" panose="020B0609020204030204" pitchFamily="49" charset="0"/>
+              </a:rPr>
+              <a:t>"Vermont"</a:t>
+            </a:r>
+            <a:endParaRPr kumimoji="0" lang="en-US" altLang="en-US" sz="1800" b="0" i="0" u="none" strike="noStrike" cap="none" normalizeH="0" baseline="0" dirty="0">
+              <a:ln>
+                <a:noFill/>
+              </a:ln>
+              <a:solidFill>
+                <a:schemeClr val="tx1"/>
+              </a:solidFill>
+              <a:effectLst/>
+              <a:latin typeface="Arial" panose="020B0604020202020204" pitchFamily="34" charset="0"/>
+            </a:endParaRPr>
+          </a:p>
+        </p:txBody>
+      </p:sp>
+      <p:pic>
+        <p:nvPicPr>
+          <p:cNvPr id="6" name="그림 5">
+            <a:extLst>
+              <a:ext uri="{FF2B5EF4-FFF2-40B4-BE49-F238E27FC236}">
+                <a16:creationId xmlns:a16="http://schemas.microsoft.com/office/drawing/2014/main" id="{A8D7A89F-F1B2-42EE-919D-1DC63BF6143A}"/>
+              </a:ext>
+            </a:extLst>
+          </p:cNvPr>
+          <p:cNvPicPr>
+            <a:picLocks noChangeAspect="1"/>
+          </p:cNvPicPr>
+          <p:nvPr/>
+        </p:nvPicPr>
+        <p:blipFill>
+          <a:blip r:embed="rId2"/>
+          <a:stretch>
+            <a:fillRect/>
+          </a:stretch>
+        </p:blipFill>
+        <p:spPr>
+          <a:xfrm>
+            <a:off x="1686185" y="760110"/>
+            <a:ext cx="10505815" cy="6097890"/>
+          </a:xfrm>
+          <a:prstGeom prst="rect">
+            <a:avLst/>
+          </a:prstGeom>
+        </p:spPr>
+      </p:pic>
+      <p:pic>
+        <p:nvPicPr>
+          <p:cNvPr id="8" name="그림 7">
+            <a:extLst>
+              <a:ext uri="{FF2B5EF4-FFF2-40B4-BE49-F238E27FC236}">
+                <a16:creationId xmlns:a16="http://schemas.microsoft.com/office/drawing/2014/main" id="{475211AB-20B5-474C-8CDE-57862F9B2D92}"/>
+              </a:ext>
+            </a:extLst>
+          </p:cNvPr>
+          <p:cNvPicPr>
+            <a:picLocks noChangeAspect="1"/>
+          </p:cNvPicPr>
+          <p:nvPr/>
+        </p:nvPicPr>
+        <p:blipFill>
+          <a:blip r:embed="rId3"/>
+          <a:stretch>
+            <a:fillRect/>
+          </a:stretch>
+        </p:blipFill>
+        <p:spPr>
+          <a:xfrm>
+            <a:off x="6240617" y="228600"/>
+            <a:ext cx="5489978" cy="3158452"/>
+          </a:xfrm>
+          <a:prstGeom prst="rect">
+            <a:avLst/>
+          </a:prstGeom>
+        </p:spPr>
+      </p:pic>
+    </p:spTree>
+    <p:extLst>
+      <p:ext uri="{BB962C8B-B14F-4D97-AF65-F5344CB8AC3E}">
+        <p14:creationId xmlns:p14="http://schemas.microsoft.com/office/powerpoint/2010/main" val="1572338118"/>
+      </p:ext>
+    </p:extLst>
+  </p:cSld>
+  <p:clrMapOvr>
+    <a:masterClrMapping/>
+  </p:clrMapOvr>
+</p:sld>
+</file>
+
+<file path=ppt/slides/slide86.xml><?xml version="1.0" encoding="utf-8"?>
+<p:sld xmlns:a="http://schemas.openxmlformats.org/drawingml/2006/main" xmlns:r="http://schemas.openxmlformats.org/officeDocument/2006/relationships" xmlns:p="http://schemas.openxmlformats.org/presentationml/2006/main">
+  <p:cSld>
+    <p:spTree>
+      <p:nvGrpSpPr>
+        <p:cNvPr id="1" name=""/>
+        <p:cNvGrpSpPr/>
+        <p:nvPr/>
+      </p:nvGrpSpPr>
+      <p:grpSpPr>
+        <a:xfrm>
+          <a:off x="0" y="0"/>
+          <a:ext cx="0" cy="0"/>
+          <a:chOff x="0" y="0"/>
+          <a:chExt cx="0" cy="0"/>
+        </a:xfrm>
+      </p:grpSpPr>
+      <p:sp>
+        <p:nvSpPr>
           <p:cNvPr id="5" name="Rectangle 2">
             <a:extLst>
               <a:ext uri="{FF2B5EF4-FFF2-40B4-BE49-F238E27FC236}">
@@ -37817,6 +39549,2990 @@
     <p:extLst>
       <p:ext uri="{BB962C8B-B14F-4D97-AF65-F5344CB8AC3E}">
         <p14:creationId xmlns:p14="http://schemas.microsoft.com/office/powerpoint/2010/main" val="3970836129"/>
+      </p:ext>
+    </p:extLst>
+  </p:cSld>
+  <p:clrMapOvr>
+    <a:masterClrMapping/>
+  </p:clrMapOvr>
+</p:sld>
+</file>
+
+<file path=ppt/slides/slide87.xml><?xml version="1.0" encoding="utf-8"?>
+<p:sld xmlns:a="http://schemas.openxmlformats.org/drawingml/2006/main" xmlns:r="http://schemas.openxmlformats.org/officeDocument/2006/relationships" xmlns:p="http://schemas.openxmlformats.org/presentationml/2006/main">
+  <p:cSld>
+    <p:spTree>
+      <p:nvGrpSpPr>
+        <p:cNvPr id="1" name=""/>
+        <p:cNvGrpSpPr/>
+        <p:nvPr/>
+      </p:nvGrpSpPr>
+      <p:grpSpPr>
+        <a:xfrm>
+          <a:off x="0" y="0"/>
+          <a:ext cx="0" cy="0"/>
+          <a:chOff x="0" y="0"/>
+          <a:chExt cx="0" cy="0"/>
+        </a:xfrm>
+      </p:grpSpPr>
+      <p:pic>
+        <p:nvPicPr>
+          <p:cNvPr id="8" name="그림 7">
+            <a:extLst>
+              <a:ext uri="{FF2B5EF4-FFF2-40B4-BE49-F238E27FC236}">
+                <a16:creationId xmlns:a16="http://schemas.microsoft.com/office/drawing/2014/main" id="{22616384-4AF2-4B61-84BC-7FA11E0E16FD}"/>
+              </a:ext>
+            </a:extLst>
+          </p:cNvPr>
+          <p:cNvPicPr>
+            <a:picLocks noChangeAspect="1"/>
+          </p:cNvPicPr>
+          <p:nvPr/>
+        </p:nvPicPr>
+        <p:blipFill>
+          <a:blip r:embed="rId2"/>
+          <a:stretch>
+            <a:fillRect/>
+          </a:stretch>
+        </p:blipFill>
+        <p:spPr>
+          <a:xfrm>
+            <a:off x="1532709" y="1935176"/>
+            <a:ext cx="8377646" cy="4922824"/>
+          </a:xfrm>
+          <a:prstGeom prst="rect">
+            <a:avLst/>
+          </a:prstGeom>
+        </p:spPr>
+      </p:pic>
+      <p:sp>
+        <p:nvSpPr>
+          <p:cNvPr id="5" name="제목 1">
+            <a:extLst>
+              <a:ext uri="{FF2B5EF4-FFF2-40B4-BE49-F238E27FC236}">
+                <a16:creationId xmlns:a16="http://schemas.microsoft.com/office/drawing/2014/main" id="{F7B6FC2E-6CAD-4EF5-A572-670156BB8A38}"/>
+              </a:ext>
+            </a:extLst>
+          </p:cNvPr>
+          <p:cNvSpPr>
+            <a:spLocks noGrp="1"/>
+          </p:cNvSpPr>
+          <p:nvPr>
+            <p:ph type="title"/>
+          </p:nvPr>
+        </p:nvSpPr>
+        <p:spPr>
+          <a:xfrm>
+            <a:off x="0" y="0"/>
+            <a:ext cx="12192000" cy="323273"/>
+          </a:xfrm>
+        </p:spPr>
+        <p:txBody>
+          <a:bodyPr>
+            <a:noAutofit/>
+          </a:bodyPr>
+          <a:lstStyle/>
+          <a:p>
+            <a:r>
+              <a:rPr lang="en-US" altLang="ko-KR" sz="2000" b="1" dirty="0"/>
+              <a:t>Montana</a:t>
+            </a:r>
+            <a:r>
+              <a:rPr lang="ko-KR" altLang="en-US" sz="2000" b="1" dirty="0"/>
+              <a:t> </a:t>
+            </a:r>
+            <a:endParaRPr lang="en-US" sz="2000" b="1" dirty="0"/>
+          </a:p>
+        </p:txBody>
+      </p:sp>
+      <p:pic>
+        <p:nvPicPr>
+          <p:cNvPr id="7" name="그림 6">
+            <a:extLst>
+              <a:ext uri="{FF2B5EF4-FFF2-40B4-BE49-F238E27FC236}">
+                <a16:creationId xmlns:a16="http://schemas.microsoft.com/office/drawing/2014/main" id="{6594CF2B-5E25-40CE-ACE6-68B807D29648}"/>
+              </a:ext>
+            </a:extLst>
+          </p:cNvPr>
+          <p:cNvPicPr>
+            <a:picLocks noChangeAspect="1"/>
+          </p:cNvPicPr>
+          <p:nvPr/>
+        </p:nvPicPr>
+        <p:blipFill>
+          <a:blip r:embed="rId3"/>
+          <a:stretch>
+            <a:fillRect/>
+          </a:stretch>
+        </p:blipFill>
+        <p:spPr>
+          <a:xfrm>
+            <a:off x="1532709" y="7344"/>
+            <a:ext cx="8377646" cy="4862637"/>
+          </a:xfrm>
+          <a:prstGeom prst="rect">
+            <a:avLst/>
+          </a:prstGeom>
+        </p:spPr>
+      </p:pic>
+      <p:sp>
+        <p:nvSpPr>
+          <p:cNvPr id="4" name="직사각형 3">
+            <a:extLst>
+              <a:ext uri="{FF2B5EF4-FFF2-40B4-BE49-F238E27FC236}">
+                <a16:creationId xmlns:a16="http://schemas.microsoft.com/office/drawing/2014/main" id="{E2A88821-2FB9-4C9E-87B9-2E032209D0D6}"/>
+              </a:ext>
+            </a:extLst>
+          </p:cNvPr>
+          <p:cNvSpPr/>
+          <p:nvPr/>
+        </p:nvSpPr>
+        <p:spPr>
+          <a:xfrm>
+            <a:off x="4380411" y="5826560"/>
+            <a:ext cx="269966" cy="286857"/>
+          </a:xfrm>
+          <a:prstGeom prst="rect">
+            <a:avLst/>
+          </a:prstGeom>
+          <a:noFill/>
+          <a:ln>
+            <a:solidFill>
+              <a:srgbClr val="FF0000"/>
+            </a:solidFill>
+          </a:ln>
+        </p:spPr>
+        <p:style>
+          <a:lnRef idx="2">
+            <a:schemeClr val="accent1">
+              <a:shade val="50000"/>
+            </a:schemeClr>
+          </a:lnRef>
+          <a:fillRef idx="1">
+            <a:schemeClr val="accent1"/>
+          </a:fillRef>
+          <a:effectRef idx="0">
+            <a:schemeClr val="accent1"/>
+          </a:effectRef>
+          <a:fontRef idx="minor">
+            <a:schemeClr val="lt1"/>
+          </a:fontRef>
+        </p:style>
+        <p:txBody>
+          <a:bodyPr rtlCol="0" anchor="ctr"/>
+          <a:lstStyle/>
+          <a:p>
+            <a:pPr algn="ctr"/>
+            <a:endParaRPr lang="en-US"/>
+          </a:p>
+        </p:txBody>
+      </p:sp>
+      <p:sp>
+        <p:nvSpPr>
+          <p:cNvPr id="9" name="Rectangle 1">
+            <a:extLst>
+              <a:ext uri="{FF2B5EF4-FFF2-40B4-BE49-F238E27FC236}">
+                <a16:creationId xmlns:a16="http://schemas.microsoft.com/office/drawing/2014/main" id="{C27033DE-36A9-4D89-B57B-C666001D931F}"/>
+              </a:ext>
+            </a:extLst>
+          </p:cNvPr>
+          <p:cNvSpPr>
+            <a:spLocks noChangeArrowheads="1"/>
+          </p:cNvSpPr>
+          <p:nvPr/>
+        </p:nvSpPr>
+        <p:spPr bwMode="auto">
+          <a:xfrm>
+            <a:off x="9971315" y="5123503"/>
+            <a:ext cx="1576251" cy="1092607"/>
+          </a:xfrm>
+          <a:prstGeom prst="rect">
+            <a:avLst/>
+          </a:prstGeom>
+          <a:solidFill>
+            <a:srgbClr val="FFFFFF"/>
+          </a:solidFill>
+          <a:ln>
+            <a:noFill/>
+          </a:ln>
+          <a:effectLst/>
+          <a:extLst>
+            <a:ext uri="{91240B29-F687-4F45-9708-019B960494DF}">
+              <a14:hiddenLine xmlns:a14="http://schemas.microsoft.com/office/drawing/2010/main" w="9525">
+                <a:solidFill>
+                  <a:schemeClr val="tx1"/>
+                </a:solidFill>
+                <a:miter lim="800000"/>
+                <a:headEnd/>
+                <a:tailEnd/>
+              </a14:hiddenLine>
+            </a:ext>
+            <a:ext uri="{AF507438-7753-43E0-B8FC-AC1667EBCBE1}">
+              <a14:hiddenEffects xmlns:a14="http://schemas.microsoft.com/office/drawing/2010/main">
+                <a:effectLst>
+                  <a:outerShdw dist="35921" dir="2700000" algn="ctr" rotWithShape="0">
+                    <a:schemeClr val="bg2"/>
+                  </a:outerShdw>
+                </a:effectLst>
+              </a14:hiddenEffects>
+            </a:ext>
+          </a:extLst>
+        </p:spPr>
+        <p:txBody>
+          <a:bodyPr vert="horz" wrap="square" lIns="91440" tIns="45720" rIns="91440" bIns="45720" numCol="1" anchor="ctr" anchorCtr="0" compatLnSpc="1">
+            <a:prstTxWarp prst="textNoShape">
+              <a:avLst/>
+            </a:prstTxWarp>
+            <a:spAutoFit/>
+          </a:bodyPr>
+          <a:lstStyle/>
+          <a:p>
+            <a:pPr marL="0" marR="0" lvl="0" indent="0" algn="l" defTabSz="914400" rtl="0" eaLnBrk="0" fontAlgn="base" latinLnBrk="0" hangingPunct="0">
+              <a:lnSpc>
+                <a:spcPct val="100000"/>
+              </a:lnSpc>
+              <a:spcBef>
+                <a:spcPct val="0"/>
+              </a:spcBef>
+              <a:spcAft>
+                <a:spcPct val="0"/>
+              </a:spcAft>
+              <a:buClrTx/>
+              <a:buSzTx/>
+              <a:buFontTx/>
+              <a:buNone/>
+              <a:tabLst/>
+            </a:pPr>
+            <a:r>
+              <a:rPr kumimoji="0" lang="en-US" altLang="en-US" sz="1300" b="1" i="0" u="none" strike="noStrike" cap="none" normalizeH="0" baseline="0">
+                <a:ln>
+                  <a:noFill/>
+                </a:ln>
+                <a:solidFill>
+                  <a:srgbClr val="008080"/>
+                </a:solidFill>
+                <a:effectLst/>
+                <a:latin typeface="Consolas" panose="020B0609020204030204" pitchFamily="49" charset="0"/>
+              </a:rPr>
+              <a:t>"Iowa"</a:t>
+            </a:r>
+            <a:r>
+              <a:rPr kumimoji="0" lang="en-US" altLang="en-US" sz="1300" b="0" i="0" u="none" strike="noStrike" cap="none" normalizeH="0" baseline="0">
+                <a:ln>
+                  <a:noFill/>
+                </a:ln>
+                <a:solidFill>
+                  <a:srgbClr val="000000"/>
+                </a:solidFill>
+                <a:effectLst/>
+                <a:latin typeface="Consolas" panose="020B0609020204030204" pitchFamily="49" charset="0"/>
+              </a:rPr>
+              <a:t>, </a:t>
+            </a:r>
+            <a:r>
+              <a:rPr kumimoji="0" lang="en-US" altLang="en-US" sz="1300" b="1" i="0" u="none" strike="noStrike" cap="none" normalizeH="0" baseline="0">
+                <a:ln>
+                  <a:noFill/>
+                </a:ln>
+                <a:solidFill>
+                  <a:srgbClr val="008080"/>
+                </a:solidFill>
+                <a:effectLst/>
+                <a:latin typeface="Consolas" panose="020B0609020204030204" pitchFamily="49" charset="0"/>
+              </a:rPr>
+              <a:t>"Illinois"</a:t>
+            </a:r>
+            <a:r>
+              <a:rPr kumimoji="0" lang="en-US" altLang="en-US" sz="1300" b="0" i="0" u="none" strike="noStrike" cap="none" normalizeH="0" baseline="0">
+                <a:ln>
+                  <a:noFill/>
+                </a:ln>
+                <a:solidFill>
+                  <a:srgbClr val="000000"/>
+                </a:solidFill>
+                <a:effectLst/>
+                <a:latin typeface="Consolas" panose="020B0609020204030204" pitchFamily="49" charset="0"/>
+              </a:rPr>
+              <a:t>, </a:t>
+            </a:r>
+            <a:r>
+              <a:rPr kumimoji="0" lang="en-US" altLang="en-US" sz="1300" b="1" i="0" u="none" strike="noStrike" cap="none" normalizeH="0" baseline="0">
+                <a:ln>
+                  <a:noFill/>
+                </a:ln>
+                <a:solidFill>
+                  <a:srgbClr val="008080"/>
+                </a:solidFill>
+                <a:effectLst/>
+                <a:latin typeface="Consolas" panose="020B0609020204030204" pitchFamily="49" charset="0"/>
+              </a:rPr>
+              <a:t>"Maryland"</a:t>
+            </a:r>
+            <a:r>
+              <a:rPr kumimoji="0" lang="en-US" altLang="en-US" sz="1300" b="0" i="0" u="none" strike="noStrike" cap="none" normalizeH="0" baseline="0">
+                <a:ln>
+                  <a:noFill/>
+                </a:ln>
+                <a:solidFill>
+                  <a:srgbClr val="000000"/>
+                </a:solidFill>
+                <a:effectLst/>
+                <a:latin typeface="Consolas" panose="020B0609020204030204" pitchFamily="49" charset="0"/>
+              </a:rPr>
+              <a:t>, </a:t>
+            </a:r>
+            <a:r>
+              <a:rPr kumimoji="0" lang="en-US" altLang="en-US" sz="1300" b="1" i="0" u="none" strike="noStrike" cap="none" normalizeH="0" baseline="0">
+                <a:ln>
+                  <a:noFill/>
+                </a:ln>
+                <a:solidFill>
+                  <a:srgbClr val="008080"/>
+                </a:solidFill>
+                <a:effectLst/>
+                <a:latin typeface="Consolas" panose="020B0609020204030204" pitchFamily="49" charset="0"/>
+              </a:rPr>
+              <a:t>"Minnesota"</a:t>
+            </a:r>
+            <a:r>
+              <a:rPr kumimoji="0" lang="en-US" altLang="en-US" sz="1300" b="0" i="0" u="none" strike="noStrike" cap="none" normalizeH="0" baseline="0">
+                <a:ln>
+                  <a:noFill/>
+                </a:ln>
+                <a:solidFill>
+                  <a:srgbClr val="000000"/>
+                </a:solidFill>
+                <a:effectLst/>
+                <a:latin typeface="Consolas" panose="020B0609020204030204" pitchFamily="49" charset="0"/>
+              </a:rPr>
+              <a:t>, </a:t>
+            </a:r>
+            <a:r>
+              <a:rPr kumimoji="0" lang="en-US" altLang="en-US" sz="1300" b="1" i="0" u="none" strike="noStrike" cap="none" normalizeH="0" baseline="0">
+                <a:ln>
+                  <a:noFill/>
+                </a:ln>
+                <a:solidFill>
+                  <a:srgbClr val="008080"/>
+                </a:solidFill>
+                <a:effectLst/>
+                <a:latin typeface="Consolas" panose="020B0609020204030204" pitchFamily="49" charset="0"/>
+              </a:rPr>
+              <a:t>"Kansas"</a:t>
+            </a:r>
+            <a:endParaRPr kumimoji="0" lang="en-US" altLang="en-US" sz="1800" b="0" i="0" u="none" strike="noStrike" cap="none" normalizeH="0" baseline="0">
+              <a:ln>
+                <a:noFill/>
+              </a:ln>
+              <a:solidFill>
+                <a:schemeClr val="tx1"/>
+              </a:solidFill>
+              <a:effectLst/>
+              <a:latin typeface="Arial" panose="020B0604020202020204" pitchFamily="34" charset="0"/>
+            </a:endParaRPr>
+          </a:p>
+        </p:txBody>
+      </p:sp>
+      <p:sp>
+        <p:nvSpPr>
+          <p:cNvPr id="10" name="Rectangle 1">
+            <a:extLst>
+              <a:ext uri="{FF2B5EF4-FFF2-40B4-BE49-F238E27FC236}">
+                <a16:creationId xmlns:a16="http://schemas.microsoft.com/office/drawing/2014/main" id="{AD33D2AE-BF2D-40D7-8E7F-0BA202D5000A}"/>
+              </a:ext>
+            </a:extLst>
+          </p:cNvPr>
+          <p:cNvSpPr>
+            <a:spLocks noChangeArrowheads="1"/>
+          </p:cNvSpPr>
+          <p:nvPr/>
+        </p:nvSpPr>
+        <p:spPr bwMode="auto">
+          <a:xfrm>
+            <a:off x="9910355" y="2882696"/>
+            <a:ext cx="1402079" cy="1092607"/>
+          </a:xfrm>
+          <a:prstGeom prst="rect">
+            <a:avLst/>
+          </a:prstGeom>
+          <a:solidFill>
+            <a:srgbClr val="FFFFFF"/>
+          </a:solidFill>
+          <a:ln>
+            <a:noFill/>
+          </a:ln>
+          <a:effectLst/>
+          <a:extLst>
+            <a:ext uri="{91240B29-F687-4F45-9708-019B960494DF}">
+              <a14:hiddenLine xmlns:a14="http://schemas.microsoft.com/office/drawing/2010/main" w="9525">
+                <a:solidFill>
+                  <a:schemeClr val="tx1"/>
+                </a:solidFill>
+                <a:miter lim="800000"/>
+                <a:headEnd/>
+                <a:tailEnd/>
+              </a14:hiddenLine>
+            </a:ext>
+            <a:ext uri="{AF507438-7753-43E0-B8FC-AC1667EBCBE1}">
+              <a14:hiddenEffects xmlns:a14="http://schemas.microsoft.com/office/drawing/2010/main">
+                <a:effectLst>
+                  <a:outerShdw dist="35921" dir="2700000" algn="ctr" rotWithShape="0">
+                    <a:schemeClr val="bg2"/>
+                  </a:outerShdw>
+                </a:effectLst>
+              </a14:hiddenEffects>
+            </a:ext>
+          </a:extLst>
+        </p:spPr>
+        <p:txBody>
+          <a:bodyPr vert="horz" wrap="square" lIns="91440" tIns="45720" rIns="91440" bIns="45720" numCol="1" anchor="ctr" anchorCtr="0" compatLnSpc="1">
+            <a:prstTxWarp prst="textNoShape">
+              <a:avLst/>
+            </a:prstTxWarp>
+            <a:spAutoFit/>
+          </a:bodyPr>
+          <a:lstStyle/>
+          <a:p>
+            <a:pPr marL="0" marR="0" lvl="0" indent="0" algn="l" defTabSz="914400" rtl="0" eaLnBrk="0" fontAlgn="base" latinLnBrk="0" hangingPunct="0">
+              <a:lnSpc>
+                <a:spcPct val="100000"/>
+              </a:lnSpc>
+              <a:spcBef>
+                <a:spcPct val="0"/>
+              </a:spcBef>
+              <a:spcAft>
+                <a:spcPct val="0"/>
+              </a:spcAft>
+              <a:buClrTx/>
+              <a:buSzTx/>
+              <a:buFontTx/>
+              <a:buNone/>
+              <a:tabLst/>
+            </a:pPr>
+            <a:r>
+              <a:rPr kumimoji="0" lang="en-US" altLang="en-US" sz="1300" b="1" i="0" u="none" strike="noStrike" cap="none" normalizeH="0" baseline="0" dirty="0">
+                <a:ln>
+                  <a:noFill/>
+                </a:ln>
+                <a:solidFill>
+                  <a:srgbClr val="008080"/>
+                </a:solidFill>
+                <a:effectLst/>
+                <a:latin typeface="Consolas" panose="020B0609020204030204" pitchFamily="49" charset="0"/>
+              </a:rPr>
+              <a:t>"Alaska"</a:t>
+            </a:r>
+            <a:r>
+              <a:rPr kumimoji="0" lang="en-US" altLang="en-US" sz="1300" b="0" i="0" u="none" strike="noStrike" cap="none" normalizeH="0" baseline="0" dirty="0">
+                <a:ln>
+                  <a:noFill/>
+                </a:ln>
+                <a:solidFill>
+                  <a:srgbClr val="000000"/>
+                </a:solidFill>
+                <a:effectLst/>
+                <a:latin typeface="Consolas" panose="020B0609020204030204" pitchFamily="49" charset="0"/>
+              </a:rPr>
+              <a:t>, </a:t>
+            </a:r>
+            <a:r>
+              <a:rPr kumimoji="0" lang="en-US" altLang="en-US" sz="1300" b="1" i="0" u="none" strike="noStrike" cap="none" normalizeH="0" baseline="0" dirty="0">
+                <a:ln>
+                  <a:noFill/>
+                </a:ln>
+                <a:solidFill>
+                  <a:srgbClr val="008080"/>
+                </a:solidFill>
+                <a:effectLst/>
+                <a:latin typeface="Consolas" panose="020B0609020204030204" pitchFamily="49" charset="0"/>
+              </a:rPr>
+              <a:t>"Hawaii"</a:t>
+            </a:r>
+            <a:r>
+              <a:rPr kumimoji="0" lang="en-US" altLang="en-US" sz="1300" b="0" i="0" u="none" strike="noStrike" cap="none" normalizeH="0" baseline="0" dirty="0">
+                <a:ln>
+                  <a:noFill/>
+                </a:ln>
+                <a:solidFill>
+                  <a:srgbClr val="000000"/>
+                </a:solidFill>
+                <a:effectLst/>
+                <a:latin typeface="Consolas" panose="020B0609020204030204" pitchFamily="49" charset="0"/>
+              </a:rPr>
+              <a:t>, </a:t>
+            </a:r>
+            <a:r>
+              <a:rPr kumimoji="0" lang="en-US" altLang="en-US" sz="1300" b="1" i="0" u="none" strike="noStrike" cap="none" normalizeH="0" baseline="0" dirty="0">
+                <a:ln>
+                  <a:noFill/>
+                </a:ln>
+                <a:solidFill>
+                  <a:srgbClr val="008080"/>
+                </a:solidFill>
+                <a:effectLst/>
+                <a:latin typeface="Consolas" panose="020B0609020204030204" pitchFamily="49" charset="0"/>
+              </a:rPr>
+              <a:t>"Idaho"</a:t>
+            </a:r>
+            <a:r>
+              <a:rPr kumimoji="0" lang="en-US" altLang="en-US" sz="1300" b="0" i="0" u="none" strike="noStrike" cap="none" normalizeH="0" baseline="0" dirty="0">
+                <a:ln>
+                  <a:noFill/>
+                </a:ln>
+                <a:solidFill>
+                  <a:srgbClr val="000000"/>
+                </a:solidFill>
+                <a:effectLst/>
+                <a:latin typeface="Consolas" panose="020B0609020204030204" pitchFamily="49" charset="0"/>
+              </a:rPr>
+              <a:t>, </a:t>
+            </a:r>
+            <a:r>
+              <a:rPr kumimoji="0" lang="en-US" altLang="en-US" sz="1300" b="1" i="0" u="none" strike="noStrike" cap="none" normalizeH="0" baseline="0" dirty="0">
+                <a:ln>
+                  <a:noFill/>
+                </a:ln>
+                <a:solidFill>
+                  <a:srgbClr val="008080"/>
+                </a:solidFill>
+                <a:effectLst/>
+                <a:latin typeface="Consolas" panose="020B0609020204030204" pitchFamily="49" charset="0"/>
+              </a:rPr>
+              <a:t>"Louisiana"</a:t>
+            </a:r>
+            <a:r>
+              <a:rPr kumimoji="0" lang="en-US" altLang="en-US" sz="1300" b="0" i="0" u="none" strike="noStrike" cap="none" normalizeH="0" baseline="0" dirty="0">
+                <a:ln>
+                  <a:noFill/>
+                </a:ln>
+                <a:solidFill>
+                  <a:srgbClr val="000000"/>
+                </a:solidFill>
+                <a:effectLst/>
+                <a:latin typeface="Consolas" panose="020B0609020204030204" pitchFamily="49" charset="0"/>
+              </a:rPr>
+              <a:t>, </a:t>
+            </a:r>
+            <a:r>
+              <a:rPr kumimoji="0" lang="en-US" altLang="en-US" sz="1300" b="1" i="0" u="none" strike="noStrike" cap="none" normalizeH="0" baseline="0" dirty="0">
+                <a:ln>
+                  <a:noFill/>
+                </a:ln>
+                <a:solidFill>
+                  <a:srgbClr val="008080"/>
+                </a:solidFill>
+                <a:effectLst/>
+                <a:latin typeface="Consolas" panose="020B0609020204030204" pitchFamily="49" charset="0"/>
+              </a:rPr>
+              <a:t>"Vermont"</a:t>
+            </a:r>
+            <a:endParaRPr kumimoji="0" lang="en-US" altLang="en-US" sz="1800" b="0" i="0" u="none" strike="noStrike" cap="none" normalizeH="0" baseline="0" dirty="0">
+              <a:ln>
+                <a:noFill/>
+              </a:ln>
+              <a:solidFill>
+                <a:schemeClr val="tx1"/>
+              </a:solidFill>
+              <a:effectLst/>
+              <a:latin typeface="Arial" panose="020B0604020202020204" pitchFamily="34" charset="0"/>
+            </a:endParaRPr>
+          </a:p>
+        </p:txBody>
+      </p:sp>
+    </p:spTree>
+    <p:extLst>
+      <p:ext uri="{BB962C8B-B14F-4D97-AF65-F5344CB8AC3E}">
+        <p14:creationId xmlns:p14="http://schemas.microsoft.com/office/powerpoint/2010/main" val="4294339958"/>
+      </p:ext>
+    </p:extLst>
+  </p:cSld>
+  <p:clrMapOvr>
+    <a:masterClrMapping/>
+  </p:clrMapOvr>
+</p:sld>
+</file>
+
+<file path=ppt/slides/slide88.xml><?xml version="1.0" encoding="utf-8"?>
+<p:sld xmlns:a="http://schemas.openxmlformats.org/drawingml/2006/main" xmlns:r="http://schemas.openxmlformats.org/officeDocument/2006/relationships" xmlns:p="http://schemas.openxmlformats.org/presentationml/2006/main">
+  <p:cSld>
+    <p:spTree>
+      <p:nvGrpSpPr>
+        <p:cNvPr id="1" name=""/>
+        <p:cNvGrpSpPr/>
+        <p:nvPr/>
+      </p:nvGrpSpPr>
+      <p:grpSpPr>
+        <a:xfrm>
+          <a:off x="0" y="0"/>
+          <a:ext cx="0" cy="0"/>
+          <a:chOff x="0" y="0"/>
+          <a:chExt cx="0" cy="0"/>
+        </a:xfrm>
+      </p:grpSpPr>
+      <p:sp>
+        <p:nvSpPr>
+          <p:cNvPr id="6" name="Rectangle 1">
+            <a:extLst>
+              <a:ext uri="{FF2B5EF4-FFF2-40B4-BE49-F238E27FC236}">
+                <a16:creationId xmlns:a16="http://schemas.microsoft.com/office/drawing/2014/main" id="{0AC73A60-5044-4961-A63C-017631B92414}"/>
+              </a:ext>
+            </a:extLst>
+          </p:cNvPr>
+          <p:cNvSpPr>
+            <a:spLocks noChangeArrowheads="1"/>
+          </p:cNvSpPr>
+          <p:nvPr/>
+        </p:nvSpPr>
+        <p:spPr bwMode="auto">
+          <a:xfrm>
+            <a:off x="6593115" y="4934206"/>
+            <a:ext cx="1576251" cy="1092607"/>
+          </a:xfrm>
+          <a:prstGeom prst="rect">
+            <a:avLst/>
+          </a:prstGeom>
+          <a:solidFill>
+            <a:srgbClr val="FFFFFF"/>
+          </a:solidFill>
+          <a:ln>
+            <a:noFill/>
+          </a:ln>
+          <a:effectLst/>
+          <a:extLst>
+            <a:ext uri="{91240B29-F687-4F45-9708-019B960494DF}">
+              <a14:hiddenLine xmlns:a14="http://schemas.microsoft.com/office/drawing/2010/main" w="9525">
+                <a:solidFill>
+                  <a:schemeClr val="tx1"/>
+                </a:solidFill>
+                <a:miter lim="800000"/>
+                <a:headEnd/>
+                <a:tailEnd/>
+              </a14:hiddenLine>
+            </a:ext>
+            <a:ext uri="{AF507438-7753-43E0-B8FC-AC1667EBCBE1}">
+              <a14:hiddenEffects xmlns:a14="http://schemas.microsoft.com/office/drawing/2010/main">
+                <a:effectLst>
+                  <a:outerShdw dist="35921" dir="2700000" algn="ctr" rotWithShape="0">
+                    <a:schemeClr val="bg2"/>
+                  </a:outerShdw>
+                </a:effectLst>
+              </a14:hiddenEffects>
+            </a:ext>
+          </a:extLst>
+        </p:spPr>
+        <p:txBody>
+          <a:bodyPr vert="horz" wrap="square" lIns="91440" tIns="45720" rIns="91440" bIns="45720" numCol="1" anchor="ctr" anchorCtr="0" compatLnSpc="1">
+            <a:prstTxWarp prst="textNoShape">
+              <a:avLst/>
+            </a:prstTxWarp>
+            <a:spAutoFit/>
+          </a:bodyPr>
+          <a:lstStyle/>
+          <a:p>
+            <a:pPr marL="0" marR="0" lvl="0" indent="0" algn="l" defTabSz="914400" rtl="0" eaLnBrk="0" fontAlgn="base" latinLnBrk="0" hangingPunct="0">
+              <a:lnSpc>
+                <a:spcPct val="100000"/>
+              </a:lnSpc>
+              <a:spcBef>
+                <a:spcPct val="0"/>
+              </a:spcBef>
+              <a:spcAft>
+                <a:spcPct val="0"/>
+              </a:spcAft>
+              <a:buClrTx/>
+              <a:buSzTx/>
+              <a:buFontTx/>
+              <a:buNone/>
+              <a:tabLst/>
+            </a:pPr>
+            <a:r>
+              <a:rPr kumimoji="0" lang="en-US" altLang="en-US" sz="1300" b="1" i="0" u="none" strike="noStrike" cap="none" normalizeH="0" baseline="0" dirty="0">
+                <a:ln>
+                  <a:noFill/>
+                </a:ln>
+                <a:solidFill>
+                  <a:srgbClr val="008080"/>
+                </a:solidFill>
+                <a:effectLst/>
+                <a:latin typeface="Consolas" panose="020B0609020204030204" pitchFamily="49" charset="0"/>
+              </a:rPr>
+              <a:t>"Iowa"</a:t>
+            </a:r>
+            <a:r>
+              <a:rPr kumimoji="0" lang="en-US" altLang="en-US" sz="1300" b="0" i="0" u="none" strike="noStrike" cap="none" normalizeH="0" baseline="0" dirty="0">
+                <a:ln>
+                  <a:noFill/>
+                </a:ln>
+                <a:solidFill>
+                  <a:srgbClr val="000000"/>
+                </a:solidFill>
+                <a:effectLst/>
+                <a:latin typeface="Consolas" panose="020B0609020204030204" pitchFamily="49" charset="0"/>
+              </a:rPr>
+              <a:t>, </a:t>
+            </a:r>
+            <a:r>
+              <a:rPr kumimoji="0" lang="en-US" altLang="en-US" sz="1300" b="1" i="0" u="none" strike="noStrike" cap="none" normalizeH="0" baseline="0" dirty="0">
+                <a:ln>
+                  <a:noFill/>
+                </a:ln>
+                <a:solidFill>
+                  <a:srgbClr val="008080"/>
+                </a:solidFill>
+                <a:effectLst/>
+                <a:latin typeface="Consolas" panose="020B0609020204030204" pitchFamily="49" charset="0"/>
+              </a:rPr>
+              <a:t>"Illinois"</a:t>
+            </a:r>
+            <a:r>
+              <a:rPr kumimoji="0" lang="en-US" altLang="en-US" sz="1300" b="0" i="0" u="none" strike="noStrike" cap="none" normalizeH="0" baseline="0" dirty="0">
+                <a:ln>
+                  <a:noFill/>
+                </a:ln>
+                <a:solidFill>
+                  <a:srgbClr val="000000"/>
+                </a:solidFill>
+                <a:effectLst/>
+                <a:latin typeface="Consolas" panose="020B0609020204030204" pitchFamily="49" charset="0"/>
+              </a:rPr>
+              <a:t>, </a:t>
+            </a:r>
+            <a:r>
+              <a:rPr kumimoji="0" lang="en-US" altLang="en-US" sz="1300" b="1" i="0" u="none" strike="noStrike" cap="none" normalizeH="0" baseline="0" dirty="0">
+                <a:ln>
+                  <a:noFill/>
+                </a:ln>
+                <a:solidFill>
+                  <a:srgbClr val="008080"/>
+                </a:solidFill>
+                <a:effectLst/>
+                <a:latin typeface="Consolas" panose="020B0609020204030204" pitchFamily="49" charset="0"/>
+              </a:rPr>
+              <a:t>"Maryland"</a:t>
+            </a:r>
+            <a:r>
+              <a:rPr kumimoji="0" lang="en-US" altLang="en-US" sz="1300" b="0" i="0" u="none" strike="noStrike" cap="none" normalizeH="0" baseline="0" dirty="0">
+                <a:ln>
+                  <a:noFill/>
+                </a:ln>
+                <a:solidFill>
+                  <a:srgbClr val="000000"/>
+                </a:solidFill>
+                <a:effectLst/>
+                <a:latin typeface="Consolas" panose="020B0609020204030204" pitchFamily="49" charset="0"/>
+              </a:rPr>
+              <a:t>, </a:t>
+            </a:r>
+            <a:r>
+              <a:rPr kumimoji="0" lang="en-US" altLang="en-US" sz="1300" b="1" i="0" u="none" strike="noStrike" cap="none" normalizeH="0" baseline="0" dirty="0">
+                <a:ln>
+                  <a:noFill/>
+                </a:ln>
+                <a:solidFill>
+                  <a:srgbClr val="008080"/>
+                </a:solidFill>
+                <a:effectLst/>
+                <a:latin typeface="Consolas" panose="020B0609020204030204" pitchFamily="49" charset="0"/>
+              </a:rPr>
+              <a:t>"Minnesota"</a:t>
+            </a:r>
+            <a:r>
+              <a:rPr kumimoji="0" lang="en-US" altLang="en-US" sz="1300" b="0" i="0" u="none" strike="noStrike" cap="none" normalizeH="0" baseline="0" dirty="0">
+                <a:ln>
+                  <a:noFill/>
+                </a:ln>
+                <a:solidFill>
+                  <a:srgbClr val="000000"/>
+                </a:solidFill>
+                <a:effectLst/>
+                <a:latin typeface="Consolas" panose="020B0609020204030204" pitchFamily="49" charset="0"/>
+              </a:rPr>
+              <a:t>, </a:t>
+            </a:r>
+            <a:r>
+              <a:rPr kumimoji="0" lang="en-US" altLang="en-US" sz="1300" b="1" i="0" u="none" strike="noStrike" cap="none" normalizeH="0" baseline="0" dirty="0">
+                <a:ln>
+                  <a:noFill/>
+                </a:ln>
+                <a:solidFill>
+                  <a:srgbClr val="008080"/>
+                </a:solidFill>
+                <a:effectLst/>
+                <a:latin typeface="Consolas" panose="020B0609020204030204" pitchFamily="49" charset="0"/>
+              </a:rPr>
+              <a:t>"Kansas"</a:t>
+            </a:r>
+            <a:endParaRPr kumimoji="0" lang="en-US" altLang="en-US" sz="1800" b="0" i="0" u="none" strike="noStrike" cap="none" normalizeH="0" baseline="0" dirty="0">
+              <a:ln>
+                <a:noFill/>
+              </a:ln>
+              <a:solidFill>
+                <a:schemeClr val="tx1"/>
+              </a:solidFill>
+              <a:effectLst/>
+              <a:latin typeface="Arial" panose="020B0604020202020204" pitchFamily="34" charset="0"/>
+            </a:endParaRPr>
+          </a:p>
+        </p:txBody>
+      </p:sp>
+      <p:sp>
+        <p:nvSpPr>
+          <p:cNvPr id="7" name="Rectangle 1">
+            <a:extLst>
+              <a:ext uri="{FF2B5EF4-FFF2-40B4-BE49-F238E27FC236}">
+                <a16:creationId xmlns:a16="http://schemas.microsoft.com/office/drawing/2014/main" id="{3ADE789E-D301-42CC-A287-809B0DF15CC8}"/>
+              </a:ext>
+            </a:extLst>
+          </p:cNvPr>
+          <p:cNvSpPr>
+            <a:spLocks noChangeArrowheads="1"/>
+          </p:cNvSpPr>
+          <p:nvPr/>
+        </p:nvSpPr>
+        <p:spPr bwMode="auto">
+          <a:xfrm>
+            <a:off x="6593115" y="2066382"/>
+            <a:ext cx="1402079" cy="1092607"/>
+          </a:xfrm>
+          <a:prstGeom prst="rect">
+            <a:avLst/>
+          </a:prstGeom>
+          <a:solidFill>
+            <a:srgbClr val="FFFFFF"/>
+          </a:solidFill>
+          <a:ln>
+            <a:noFill/>
+          </a:ln>
+          <a:effectLst/>
+          <a:extLst>
+            <a:ext uri="{91240B29-F687-4F45-9708-019B960494DF}">
+              <a14:hiddenLine xmlns:a14="http://schemas.microsoft.com/office/drawing/2010/main" w="9525">
+                <a:solidFill>
+                  <a:schemeClr val="tx1"/>
+                </a:solidFill>
+                <a:miter lim="800000"/>
+                <a:headEnd/>
+                <a:tailEnd/>
+              </a14:hiddenLine>
+            </a:ext>
+            <a:ext uri="{AF507438-7753-43E0-B8FC-AC1667EBCBE1}">
+              <a14:hiddenEffects xmlns:a14="http://schemas.microsoft.com/office/drawing/2010/main">
+                <a:effectLst>
+                  <a:outerShdw dist="35921" dir="2700000" algn="ctr" rotWithShape="0">
+                    <a:schemeClr val="bg2"/>
+                  </a:outerShdw>
+                </a:effectLst>
+              </a14:hiddenEffects>
+            </a:ext>
+          </a:extLst>
+        </p:spPr>
+        <p:txBody>
+          <a:bodyPr vert="horz" wrap="square" lIns="91440" tIns="45720" rIns="91440" bIns="45720" numCol="1" anchor="ctr" anchorCtr="0" compatLnSpc="1">
+            <a:prstTxWarp prst="textNoShape">
+              <a:avLst/>
+            </a:prstTxWarp>
+            <a:spAutoFit/>
+          </a:bodyPr>
+          <a:lstStyle/>
+          <a:p>
+            <a:pPr marL="0" marR="0" lvl="0" indent="0" algn="l" defTabSz="914400" rtl="0" eaLnBrk="0" fontAlgn="base" latinLnBrk="0" hangingPunct="0">
+              <a:lnSpc>
+                <a:spcPct val="100000"/>
+              </a:lnSpc>
+              <a:spcBef>
+                <a:spcPct val="0"/>
+              </a:spcBef>
+              <a:spcAft>
+                <a:spcPct val="0"/>
+              </a:spcAft>
+              <a:buClrTx/>
+              <a:buSzTx/>
+              <a:buFontTx/>
+              <a:buNone/>
+              <a:tabLst/>
+            </a:pPr>
+            <a:r>
+              <a:rPr kumimoji="0" lang="en-US" altLang="en-US" sz="1300" b="1" i="0" u="none" strike="noStrike" cap="none" normalizeH="0" baseline="0" dirty="0">
+                <a:ln>
+                  <a:noFill/>
+                </a:ln>
+                <a:solidFill>
+                  <a:srgbClr val="008080"/>
+                </a:solidFill>
+                <a:effectLst/>
+                <a:latin typeface="Consolas" panose="020B0609020204030204" pitchFamily="49" charset="0"/>
+              </a:rPr>
+              <a:t>"Alaska"</a:t>
+            </a:r>
+            <a:r>
+              <a:rPr kumimoji="0" lang="en-US" altLang="en-US" sz="1300" b="0" i="0" u="none" strike="noStrike" cap="none" normalizeH="0" baseline="0" dirty="0">
+                <a:ln>
+                  <a:noFill/>
+                </a:ln>
+                <a:solidFill>
+                  <a:srgbClr val="000000"/>
+                </a:solidFill>
+                <a:effectLst/>
+                <a:latin typeface="Consolas" panose="020B0609020204030204" pitchFamily="49" charset="0"/>
+              </a:rPr>
+              <a:t>, </a:t>
+            </a:r>
+            <a:r>
+              <a:rPr kumimoji="0" lang="en-US" altLang="en-US" sz="1300" b="1" i="0" u="none" strike="noStrike" cap="none" normalizeH="0" baseline="0" dirty="0">
+                <a:ln>
+                  <a:noFill/>
+                </a:ln>
+                <a:solidFill>
+                  <a:srgbClr val="008080"/>
+                </a:solidFill>
+                <a:effectLst/>
+                <a:latin typeface="Consolas" panose="020B0609020204030204" pitchFamily="49" charset="0"/>
+              </a:rPr>
+              <a:t>"Hawaii"</a:t>
+            </a:r>
+            <a:r>
+              <a:rPr kumimoji="0" lang="en-US" altLang="en-US" sz="1300" b="0" i="0" u="none" strike="noStrike" cap="none" normalizeH="0" baseline="0" dirty="0">
+                <a:ln>
+                  <a:noFill/>
+                </a:ln>
+                <a:solidFill>
+                  <a:srgbClr val="000000"/>
+                </a:solidFill>
+                <a:effectLst/>
+                <a:latin typeface="Consolas" panose="020B0609020204030204" pitchFamily="49" charset="0"/>
+              </a:rPr>
+              <a:t>, </a:t>
+            </a:r>
+            <a:r>
+              <a:rPr kumimoji="0" lang="en-US" altLang="en-US" sz="1300" b="1" i="0" u="none" strike="noStrike" cap="none" normalizeH="0" baseline="0" dirty="0">
+                <a:ln>
+                  <a:noFill/>
+                </a:ln>
+                <a:solidFill>
+                  <a:srgbClr val="008080"/>
+                </a:solidFill>
+                <a:effectLst/>
+                <a:latin typeface="Consolas" panose="020B0609020204030204" pitchFamily="49" charset="0"/>
+              </a:rPr>
+              <a:t>"Idaho"</a:t>
+            </a:r>
+            <a:r>
+              <a:rPr kumimoji="0" lang="en-US" altLang="en-US" sz="1300" b="0" i="0" u="none" strike="noStrike" cap="none" normalizeH="0" baseline="0" dirty="0">
+                <a:ln>
+                  <a:noFill/>
+                </a:ln>
+                <a:solidFill>
+                  <a:srgbClr val="000000"/>
+                </a:solidFill>
+                <a:effectLst/>
+                <a:latin typeface="Consolas" panose="020B0609020204030204" pitchFamily="49" charset="0"/>
+              </a:rPr>
+              <a:t>, </a:t>
+            </a:r>
+            <a:r>
+              <a:rPr kumimoji="0" lang="en-US" altLang="en-US" sz="1300" b="1" i="0" u="none" strike="noStrike" cap="none" normalizeH="0" baseline="0" dirty="0">
+                <a:ln>
+                  <a:noFill/>
+                </a:ln>
+                <a:solidFill>
+                  <a:srgbClr val="008080"/>
+                </a:solidFill>
+                <a:effectLst/>
+                <a:latin typeface="Consolas" panose="020B0609020204030204" pitchFamily="49" charset="0"/>
+              </a:rPr>
+              <a:t>"Louisiana"</a:t>
+            </a:r>
+            <a:r>
+              <a:rPr kumimoji="0" lang="en-US" altLang="en-US" sz="1300" b="0" i="0" u="none" strike="noStrike" cap="none" normalizeH="0" baseline="0" dirty="0">
+                <a:ln>
+                  <a:noFill/>
+                </a:ln>
+                <a:solidFill>
+                  <a:srgbClr val="000000"/>
+                </a:solidFill>
+                <a:effectLst/>
+                <a:latin typeface="Consolas" panose="020B0609020204030204" pitchFamily="49" charset="0"/>
+              </a:rPr>
+              <a:t>, </a:t>
+            </a:r>
+            <a:r>
+              <a:rPr kumimoji="0" lang="en-US" altLang="en-US" sz="1300" b="1" i="0" u="none" strike="noStrike" cap="none" normalizeH="0" baseline="0" dirty="0">
+                <a:ln>
+                  <a:noFill/>
+                </a:ln>
+                <a:solidFill>
+                  <a:srgbClr val="008080"/>
+                </a:solidFill>
+                <a:effectLst/>
+                <a:latin typeface="Consolas" panose="020B0609020204030204" pitchFamily="49" charset="0"/>
+              </a:rPr>
+              <a:t>"Vermont"</a:t>
+            </a:r>
+            <a:endParaRPr kumimoji="0" lang="en-US" altLang="en-US" sz="1800" b="0" i="0" u="none" strike="noStrike" cap="none" normalizeH="0" baseline="0" dirty="0">
+              <a:ln>
+                <a:noFill/>
+              </a:ln>
+              <a:solidFill>
+                <a:schemeClr val="tx1"/>
+              </a:solidFill>
+              <a:effectLst/>
+              <a:latin typeface="Arial" panose="020B0604020202020204" pitchFamily="34" charset="0"/>
+            </a:endParaRPr>
+          </a:p>
+        </p:txBody>
+      </p:sp>
+      <p:pic>
+        <p:nvPicPr>
+          <p:cNvPr id="8" name="그림 7">
+            <a:extLst>
+              <a:ext uri="{FF2B5EF4-FFF2-40B4-BE49-F238E27FC236}">
+                <a16:creationId xmlns:a16="http://schemas.microsoft.com/office/drawing/2014/main" id="{D02E2F9D-B6AA-4020-A55C-D52C792996D6}"/>
+              </a:ext>
+            </a:extLst>
+          </p:cNvPr>
+          <p:cNvPicPr>
+            <a:picLocks noChangeAspect="1"/>
+          </p:cNvPicPr>
+          <p:nvPr/>
+        </p:nvPicPr>
+        <p:blipFill>
+          <a:blip r:embed="rId2"/>
+          <a:stretch>
+            <a:fillRect/>
+          </a:stretch>
+        </p:blipFill>
+        <p:spPr>
+          <a:xfrm>
+            <a:off x="238664" y="3158989"/>
+            <a:ext cx="6354451" cy="3720021"/>
+          </a:xfrm>
+          <a:prstGeom prst="rect">
+            <a:avLst/>
+          </a:prstGeom>
+        </p:spPr>
+      </p:pic>
+      <p:sp>
+        <p:nvSpPr>
+          <p:cNvPr id="9" name="직사각형 8">
+            <a:extLst>
+              <a:ext uri="{FF2B5EF4-FFF2-40B4-BE49-F238E27FC236}">
+                <a16:creationId xmlns:a16="http://schemas.microsoft.com/office/drawing/2014/main" id="{123B83D5-30FB-4E53-BB36-9D756B3D3752}"/>
+              </a:ext>
+            </a:extLst>
+          </p:cNvPr>
+          <p:cNvSpPr/>
+          <p:nvPr/>
+        </p:nvSpPr>
+        <p:spPr>
+          <a:xfrm>
+            <a:off x="7846423" y="3634349"/>
+            <a:ext cx="4345577" cy="3016210"/>
+          </a:xfrm>
+          <a:prstGeom prst="rect">
+            <a:avLst/>
+          </a:prstGeom>
+        </p:spPr>
+        <p:txBody>
+          <a:bodyPr wrap="square">
+            <a:spAutoFit/>
+          </a:bodyPr>
+          <a:lstStyle/>
+          <a:p>
+            <a:r>
+              <a:rPr lang="en-US" sz="1000" dirty="0"/>
+              <a:t>[1.4        1.         1.28571429 1.22222222 1.         1.36363636</a:t>
+            </a:r>
+          </a:p>
+          <a:p>
+            <a:r>
+              <a:rPr lang="en-US" sz="1000" dirty="0"/>
+              <a:t> 1.4        1.61904762 1.         1.5        1.2745098  1.38461538</a:t>
+            </a:r>
+          </a:p>
+          <a:p>
+            <a:r>
+              <a:rPr lang="en-US" sz="1000" dirty="0"/>
+              <a:t> 1.21111111 1.18348624 1.19379845 1.11038961 1.15789474 1.05050505</a:t>
+            </a:r>
+          </a:p>
+          <a:p>
+            <a:r>
+              <a:rPr lang="en-US" sz="1000" dirty="0"/>
+              <a:t> 1.15865385 1.00829876 1.09053498 1.07924528 1.04545455 1.06688963</a:t>
+            </a:r>
+          </a:p>
+          <a:p>
+            <a:r>
+              <a:rPr lang="en-US" sz="1000" dirty="0"/>
+              <a:t> 1.04075235 1.06626506 1.03107345 1.03287671 1.0265252  1.01808786</a:t>
+            </a:r>
+          </a:p>
+          <a:p>
+            <a:r>
+              <a:rPr lang="en-US" sz="1000" dirty="0"/>
+              <a:t> 1.01269036 1.01253133 1.02722772 1.01686747 1.00947867 1.01643192</a:t>
+            </a:r>
+          </a:p>
+          <a:p>
+            <a:r>
+              <a:rPr lang="en-US" sz="1000" dirty="0"/>
+              <a:t> 1.         1.00923788 1.00457666 1.00683371 1.00452489 1.00225225</a:t>
+            </a:r>
+          </a:p>
+          <a:p>
+            <a:r>
+              <a:rPr lang="en-US" sz="1000" dirty="0"/>
+              <a:t> 1.00674157 1.00223214 1.00445434 1.         1.00443459 1.</a:t>
+            </a:r>
+          </a:p>
+          <a:p>
+            <a:r>
+              <a:rPr lang="en-US" sz="1000" dirty="0"/>
+              <a:t> 1.00441501 1.         1.0043956  1.         1.         1.00438596]</a:t>
+            </a:r>
+          </a:p>
+          <a:p>
+            <a:endParaRPr lang="en-US" sz="1000" dirty="0"/>
+          </a:p>
+          <a:p>
+            <a:r>
+              <a:rPr lang="en-US" sz="1000" dirty="0"/>
+              <a:t>[1.37003309 1.17827247 1.15730305 1.17031498 1.16503189 1.14678034</a:t>
+            </a:r>
+          </a:p>
+          <a:p>
+            <a:r>
+              <a:rPr lang="en-US" sz="1000" dirty="0"/>
+              <a:t> 1.16097351 1.15965406 1.16985613 1.13050176 1.15367434 1.13988705</a:t>
+            </a:r>
+          </a:p>
+          <a:p>
+            <a:r>
+              <a:rPr lang="en-US" sz="1000" dirty="0"/>
+              <a:t> 1.14437001 1.13335792 1.1296816  1.12878163 1.12248281 1.12361874</a:t>
+            </a:r>
+          </a:p>
+          <a:p>
+            <a:r>
+              <a:rPr lang="en-US" sz="1000" dirty="0"/>
+              <a:t> 1.11595747 1.12067619 1.11114959 1.11349692 1.11172624 1.10868705</a:t>
+            </a:r>
+          </a:p>
+          <a:p>
+            <a:r>
+              <a:rPr lang="en-US" sz="1000" dirty="0"/>
+              <a:t> 1.10907336 1.10711116 1.1083461  1.10626884 1.10612414 1.10556437</a:t>
+            </a:r>
+          </a:p>
+          <a:p>
+            <a:r>
+              <a:rPr lang="en-US" sz="1000" dirty="0"/>
+              <a:t> 1.10490201 1.10431813 1.10404497 1.10474086 1.10409089 1.10350518</a:t>
+            </a:r>
+          </a:p>
+          <a:p>
+            <a:r>
+              <a:rPr lang="en-US" sz="1000" dirty="0"/>
+              <a:t> 1.10378786 1.10273411 1.10310041 1.10277786 1.10282614 1.10265791</a:t>
+            </a:r>
+          </a:p>
+          <a:p>
+            <a:r>
+              <a:rPr lang="en-US" sz="1000" dirty="0"/>
+              <a:t> 1.10246971 1.10269834 1.10243518 1.10253777 1.10226288 1.10249163</a:t>
+            </a:r>
+          </a:p>
+          <a:p>
+            <a:r>
+              <a:rPr lang="en-US" sz="1000" dirty="0"/>
+              <a:t> 1.10223139 1.10247089 1.10222069 1.10246759 1.10222609 1.10219765]</a:t>
+            </a:r>
+          </a:p>
+        </p:txBody>
+      </p:sp>
+      <p:sp>
+        <p:nvSpPr>
+          <p:cNvPr id="10" name="직사각형 9">
+            <a:extLst>
+              <a:ext uri="{FF2B5EF4-FFF2-40B4-BE49-F238E27FC236}">
+                <a16:creationId xmlns:a16="http://schemas.microsoft.com/office/drawing/2014/main" id="{35572514-D835-482F-9446-08EC788BDCD4}"/>
+              </a:ext>
+            </a:extLst>
+          </p:cNvPr>
+          <p:cNvSpPr/>
+          <p:nvPr/>
+        </p:nvSpPr>
+        <p:spPr>
+          <a:xfrm>
+            <a:off x="7846423" y="207441"/>
+            <a:ext cx="4249783" cy="3016210"/>
+          </a:xfrm>
+          <a:prstGeom prst="rect">
+            <a:avLst/>
+          </a:prstGeom>
+        </p:spPr>
+        <p:txBody>
+          <a:bodyPr wrap="square">
+            <a:spAutoFit/>
+          </a:bodyPr>
+          <a:lstStyle/>
+          <a:p>
+            <a:r>
+              <a:rPr lang="en-US" sz="1000" dirty="0"/>
+              <a:t>[1.4        1.         1.28571429 1.22222222 1.         1.36363636</a:t>
+            </a:r>
+          </a:p>
+          <a:p>
+            <a:r>
+              <a:rPr lang="en-US" sz="1000" dirty="0"/>
+              <a:t> 1.4        1.61904762 1.         1.5        1.2745098  1.38461538</a:t>
+            </a:r>
+          </a:p>
+          <a:p>
+            <a:r>
+              <a:rPr lang="en-US" sz="1000" dirty="0"/>
+              <a:t> 1.21111111 1.18348624 1.19379845 1.11038961 1.15789474 1.05050505</a:t>
+            </a:r>
+          </a:p>
+          <a:p>
+            <a:r>
+              <a:rPr lang="en-US" sz="1000" dirty="0"/>
+              <a:t> 1.15865385 1.00829876 1.09053498 1.07924528 1.04545455 1.06688963</a:t>
+            </a:r>
+          </a:p>
+          <a:p>
+            <a:r>
+              <a:rPr lang="en-US" sz="1000" dirty="0"/>
+              <a:t> 1.04075235 1.06626506 1.03107345 1.03287671 1.0265252  1.01808786</a:t>
+            </a:r>
+          </a:p>
+          <a:p>
+            <a:r>
+              <a:rPr lang="en-US" sz="1000" dirty="0"/>
+              <a:t> 1.01269036 1.01253133 1.02722772 1.01686747 1.00947867 1.01643192</a:t>
+            </a:r>
+          </a:p>
+          <a:p>
+            <a:r>
+              <a:rPr lang="en-US" sz="1000" dirty="0"/>
+              <a:t> 1.         1.00923788 1.00457666 1.00683371 1.00452489 1.00225225</a:t>
+            </a:r>
+          </a:p>
+          <a:p>
+            <a:r>
+              <a:rPr lang="en-US" sz="1000" dirty="0"/>
+              <a:t> 1.00674157 1.00223214 1.00445434 1.         1.00443459 1.</a:t>
+            </a:r>
+          </a:p>
+          <a:p>
+            <a:r>
+              <a:rPr lang="en-US" sz="1000" dirty="0"/>
+              <a:t> 1.00441501 1.         1.0043956  1.         1.         1.00438596]</a:t>
+            </a:r>
+          </a:p>
+          <a:p>
+            <a:endParaRPr lang="en-US" sz="1000" dirty="0"/>
+          </a:p>
+          <a:p>
+            <a:r>
+              <a:rPr lang="en-US" sz="1000" dirty="0"/>
+              <a:t>[2.60038039 1.53930011 1.38008664 1.33035532 1.29077739 1.21172192</a:t>
+            </a:r>
+          </a:p>
+          <a:p>
+            <a:r>
+              <a:rPr lang="en-US" sz="1000" dirty="0"/>
+              <a:t> 1.26682852 1.27709868 1.33205725 1.17035361 1.25497973 1.19910581</a:t>
+            </a:r>
+          </a:p>
+          <a:p>
+            <a:r>
+              <a:rPr lang="en-US" sz="1000" dirty="0"/>
+              <a:t> 1.21227993 1.15823215 1.13083685 1.12113713 1.08866922 1.09213753</a:t>
+            </a:r>
+          </a:p>
+          <a:p>
+            <a:r>
+              <a:rPr lang="en-US" sz="1000" dirty="0"/>
+              <a:t> 1.05725739 1.08215371 1.03913755 1.04342668 1.03540605 1.01919237</a:t>
+            </a:r>
+          </a:p>
+          <a:p>
+            <a:r>
+              <a:rPr lang="en-US" sz="1000" dirty="0"/>
+              <a:t> 1.02135875 1.0163177  1.02689618 1.02165519 1.02197581 1.02663995</a:t>
+            </a:r>
+          </a:p>
+          <a:p>
+            <a:r>
+              <a:rPr lang="en-US" sz="1000" dirty="0"/>
+              <a:t> 1.02583079 1.02619747 1.02561653 1.0311341  1.02996928 1.02751094</a:t>
+            </a:r>
+          </a:p>
+          <a:p>
+            <a:r>
+              <a:rPr lang="en-US" sz="1000" dirty="0"/>
+              <a:t> 1.03025121 1.02546348 1.02871509 1.02720268 1.02956925 1.02968342</a:t>
+            </a:r>
+          </a:p>
+          <a:p>
+            <a:r>
+              <a:rPr lang="en-US" sz="1000" dirty="0"/>
+              <a:t> 1.02940661 1.031644   1.03099136 1.03214601 1.030798   1.0322214</a:t>
+            </a:r>
+          </a:p>
+          <a:p>
+            <a:r>
+              <a:rPr lang="en-US" sz="1000" dirty="0"/>
+              <a:t> 1.0312663  1.03263061 1.03184935 1.03343703 1.03274906 1.03247417]</a:t>
+            </a:r>
+          </a:p>
+        </p:txBody>
+      </p:sp>
+      <p:pic>
+        <p:nvPicPr>
+          <p:cNvPr id="11" name="그림 10">
+            <a:extLst>
+              <a:ext uri="{FF2B5EF4-FFF2-40B4-BE49-F238E27FC236}">
+                <a16:creationId xmlns:a16="http://schemas.microsoft.com/office/drawing/2014/main" id="{0AA6582D-1C92-43B3-9C3C-048B1D4D926A}"/>
+              </a:ext>
+            </a:extLst>
+          </p:cNvPr>
+          <p:cNvPicPr>
+            <a:picLocks noChangeAspect="1"/>
+          </p:cNvPicPr>
+          <p:nvPr/>
+        </p:nvPicPr>
+        <p:blipFill>
+          <a:blip r:embed="rId3"/>
+          <a:stretch>
+            <a:fillRect/>
+          </a:stretch>
+        </p:blipFill>
+        <p:spPr>
+          <a:xfrm>
+            <a:off x="82062" y="0"/>
+            <a:ext cx="6511054" cy="3712443"/>
+          </a:xfrm>
+          <a:prstGeom prst="rect">
+            <a:avLst/>
+          </a:prstGeom>
+        </p:spPr>
+      </p:pic>
+      <p:sp>
+        <p:nvSpPr>
+          <p:cNvPr id="12" name="직사각형 11">
+            <a:extLst>
+              <a:ext uri="{FF2B5EF4-FFF2-40B4-BE49-F238E27FC236}">
+                <a16:creationId xmlns:a16="http://schemas.microsoft.com/office/drawing/2014/main" id="{98E7CAC1-D220-47AC-B04B-77DC1380426D}"/>
+              </a:ext>
+            </a:extLst>
+          </p:cNvPr>
+          <p:cNvSpPr/>
+          <p:nvPr/>
+        </p:nvSpPr>
+        <p:spPr>
+          <a:xfrm>
+            <a:off x="3553097" y="308568"/>
+            <a:ext cx="2299063" cy="1200329"/>
+          </a:xfrm>
+          <a:prstGeom prst="rect">
+            <a:avLst/>
+          </a:prstGeom>
+        </p:spPr>
+        <p:style>
+          <a:lnRef idx="2">
+            <a:schemeClr val="dk1"/>
+          </a:lnRef>
+          <a:fillRef idx="1">
+            <a:schemeClr val="lt1"/>
+          </a:fillRef>
+          <a:effectRef idx="0">
+            <a:schemeClr val="dk1"/>
+          </a:effectRef>
+          <a:fontRef idx="minor">
+            <a:schemeClr val="dk1"/>
+          </a:fontRef>
+        </p:style>
+        <p:txBody>
+          <a:bodyPr wrap="square">
+            <a:spAutoFit/>
+          </a:bodyPr>
+          <a:lstStyle/>
+          <a:p>
+            <a:r>
+              <a:rPr lang="en-US" dirty="0"/>
+              <a:t>Train Length[372]  Prediction Length[54]  Input Windows[20]  MAE Score[0.0908]</a:t>
+            </a:r>
+          </a:p>
+        </p:txBody>
+      </p:sp>
+      <p:sp>
+        <p:nvSpPr>
+          <p:cNvPr id="13" name="직사각형 12">
+            <a:extLst>
+              <a:ext uri="{FF2B5EF4-FFF2-40B4-BE49-F238E27FC236}">
+                <a16:creationId xmlns:a16="http://schemas.microsoft.com/office/drawing/2014/main" id="{D3530EC0-E6BF-4F46-9141-E3A23EEC7AD5}"/>
+              </a:ext>
+            </a:extLst>
+          </p:cNvPr>
+          <p:cNvSpPr/>
+          <p:nvPr/>
+        </p:nvSpPr>
+        <p:spPr>
+          <a:xfrm>
+            <a:off x="3553097" y="4021011"/>
+            <a:ext cx="2368731" cy="1200329"/>
+          </a:xfrm>
+          <a:prstGeom prst="rect">
+            <a:avLst/>
+          </a:prstGeom>
+        </p:spPr>
+        <p:style>
+          <a:lnRef idx="2">
+            <a:schemeClr val="dk1"/>
+          </a:lnRef>
+          <a:fillRef idx="1">
+            <a:schemeClr val="lt1"/>
+          </a:fillRef>
+          <a:effectRef idx="0">
+            <a:schemeClr val="dk1"/>
+          </a:effectRef>
+          <a:fontRef idx="minor">
+            <a:schemeClr val="dk1"/>
+          </a:fontRef>
+        </p:style>
+        <p:txBody>
+          <a:bodyPr wrap="square">
+            <a:spAutoFit/>
+          </a:bodyPr>
+          <a:lstStyle/>
+          <a:p>
+            <a:r>
+              <a:rPr lang="en-US" dirty="0"/>
+              <a:t>Train Length[379]  Prediction Length[54]  Input Windows[20]  MAE Score[0.1055]</a:t>
+            </a:r>
+          </a:p>
+        </p:txBody>
+      </p:sp>
+    </p:spTree>
+    <p:extLst>
+      <p:ext uri="{BB962C8B-B14F-4D97-AF65-F5344CB8AC3E}">
+        <p14:creationId xmlns:p14="http://schemas.microsoft.com/office/powerpoint/2010/main" val="2692538874"/>
+      </p:ext>
+    </p:extLst>
+  </p:cSld>
+  <p:clrMapOvr>
+    <a:masterClrMapping/>
+  </p:clrMapOvr>
+</p:sld>
+</file>
+
+<file path=ppt/slides/slide89.xml><?xml version="1.0" encoding="utf-8"?>
+<p:sld xmlns:a="http://schemas.openxmlformats.org/drawingml/2006/main" xmlns:r="http://schemas.openxmlformats.org/officeDocument/2006/relationships" xmlns:p="http://schemas.openxmlformats.org/presentationml/2006/main">
+  <p:cSld>
+    <p:spTree>
+      <p:nvGrpSpPr>
+        <p:cNvPr id="1" name=""/>
+        <p:cNvGrpSpPr/>
+        <p:nvPr/>
+      </p:nvGrpSpPr>
+      <p:grpSpPr>
+        <a:xfrm>
+          <a:off x="0" y="0"/>
+          <a:ext cx="0" cy="0"/>
+          <a:chOff x="0" y="0"/>
+          <a:chExt cx="0" cy="0"/>
+        </a:xfrm>
+      </p:grpSpPr>
+      <p:sp>
+        <p:nvSpPr>
+          <p:cNvPr id="5" name="Rectangle 2">
+            <a:extLst>
+              <a:ext uri="{FF2B5EF4-FFF2-40B4-BE49-F238E27FC236}">
+                <a16:creationId xmlns:a16="http://schemas.microsoft.com/office/drawing/2014/main" id="{5977E058-5258-4D60-9C3C-25745FA342A2}"/>
+              </a:ext>
+            </a:extLst>
+          </p:cNvPr>
+          <p:cNvSpPr>
+            <a:spLocks noChangeArrowheads="1"/>
+          </p:cNvSpPr>
+          <p:nvPr/>
+        </p:nvSpPr>
+        <p:spPr bwMode="auto">
+          <a:xfrm>
+            <a:off x="-1" y="100027"/>
+            <a:ext cx="12087497" cy="1092607"/>
+          </a:xfrm>
+          <a:prstGeom prst="rect">
+            <a:avLst/>
+          </a:prstGeom>
+          <a:solidFill>
+            <a:srgbClr val="FFFFFF"/>
+          </a:solidFill>
+          <a:ln>
+            <a:noFill/>
+          </a:ln>
+          <a:effectLst/>
+          <a:extLst>
+            <a:ext uri="{91240B29-F687-4F45-9708-019B960494DF}">
+              <a14:hiddenLine xmlns:a14="http://schemas.microsoft.com/office/drawing/2010/main" w="9525">
+                <a:solidFill>
+                  <a:schemeClr val="tx1"/>
+                </a:solidFill>
+                <a:miter lim="800000"/>
+                <a:headEnd/>
+                <a:tailEnd/>
+              </a14:hiddenLine>
+            </a:ext>
+            <a:ext uri="{AF507438-7753-43E0-B8FC-AC1667EBCBE1}">
+              <a14:hiddenEffects xmlns:a14="http://schemas.microsoft.com/office/drawing/2010/main">
+                <a:effectLst>
+                  <a:outerShdw dist="35921" dir="2700000" algn="ctr" rotWithShape="0">
+                    <a:schemeClr val="bg2"/>
+                  </a:outerShdw>
+                </a:effectLst>
+              </a14:hiddenEffects>
+            </a:ext>
+          </a:extLst>
+        </p:spPr>
+        <p:txBody>
+          <a:bodyPr vert="horz" wrap="square" lIns="91440" tIns="45720" rIns="91440" bIns="45720" numCol="1" anchor="ctr" anchorCtr="0" compatLnSpc="1">
+            <a:prstTxWarp prst="textNoShape">
+              <a:avLst/>
+            </a:prstTxWarp>
+            <a:spAutoFit/>
+          </a:bodyPr>
+          <a:lstStyle/>
+          <a:p>
+            <a:pPr marL="0" marR="0" lvl="0" indent="0" algn="l" defTabSz="914400" rtl="0" eaLnBrk="0" fontAlgn="base" latinLnBrk="0" hangingPunct="0">
+              <a:lnSpc>
+                <a:spcPct val="100000"/>
+              </a:lnSpc>
+              <a:spcBef>
+                <a:spcPct val="0"/>
+              </a:spcBef>
+              <a:spcAft>
+                <a:spcPct val="0"/>
+              </a:spcAft>
+              <a:buClrTx/>
+              <a:buSzTx/>
+              <a:buFontTx/>
+              <a:buNone/>
+              <a:tabLst/>
+            </a:pPr>
+            <a:r>
+              <a:rPr kumimoji="0" lang="en-US" altLang="en-US" sz="1300" b="1" i="0" u="none" strike="noStrike" cap="none" normalizeH="0" baseline="0" dirty="0">
+                <a:ln>
+                  <a:noFill/>
+                </a:ln>
+                <a:solidFill>
+                  <a:srgbClr val="008080"/>
+                </a:solidFill>
+                <a:effectLst/>
+                <a:latin typeface="Consolas" panose="020B0609020204030204" pitchFamily="49" charset="0"/>
+              </a:rPr>
+              <a:t>"Alabama"</a:t>
+            </a:r>
+            <a:r>
+              <a:rPr kumimoji="0" lang="en-US" altLang="en-US" sz="1300" b="0" i="0" u="none" strike="noStrike" cap="none" normalizeH="0" baseline="0" dirty="0">
+                <a:ln>
+                  <a:noFill/>
+                </a:ln>
+                <a:solidFill>
+                  <a:srgbClr val="000000"/>
+                </a:solidFill>
+                <a:effectLst/>
+                <a:latin typeface="Consolas" panose="020B0609020204030204" pitchFamily="49" charset="0"/>
+              </a:rPr>
+              <a:t>, </a:t>
+            </a:r>
+            <a:r>
+              <a:rPr kumimoji="0" lang="en-US" altLang="en-US" sz="1300" b="1" i="0" u="none" strike="noStrike" cap="none" normalizeH="0" baseline="0" dirty="0">
+                <a:ln>
+                  <a:noFill/>
+                </a:ln>
+                <a:solidFill>
+                  <a:srgbClr val="008080"/>
+                </a:solidFill>
+                <a:effectLst/>
+                <a:latin typeface="Consolas" panose="020B0609020204030204" pitchFamily="49" charset="0"/>
+              </a:rPr>
+              <a:t>"Alaska"</a:t>
+            </a:r>
+            <a:r>
+              <a:rPr kumimoji="0" lang="en-US" altLang="en-US" sz="1300" b="0" i="0" u="none" strike="noStrike" cap="none" normalizeH="0" baseline="0" dirty="0">
+                <a:ln>
+                  <a:noFill/>
+                </a:ln>
+                <a:solidFill>
+                  <a:srgbClr val="000000"/>
+                </a:solidFill>
+                <a:effectLst/>
+                <a:latin typeface="Consolas" panose="020B0609020204030204" pitchFamily="49" charset="0"/>
+              </a:rPr>
+              <a:t>, </a:t>
+            </a:r>
+            <a:r>
+              <a:rPr kumimoji="0" lang="en-US" altLang="en-US" sz="1300" b="1" i="0" u="none" strike="noStrike" cap="none" normalizeH="0" baseline="0" dirty="0">
+                <a:ln>
+                  <a:noFill/>
+                </a:ln>
+                <a:solidFill>
+                  <a:srgbClr val="008080"/>
+                </a:solidFill>
+                <a:effectLst/>
+                <a:latin typeface="Consolas" panose="020B0609020204030204" pitchFamily="49" charset="0"/>
+              </a:rPr>
+              <a:t>"Arizona"</a:t>
+            </a:r>
+            <a:r>
+              <a:rPr kumimoji="0" lang="en-US" altLang="en-US" sz="1300" b="0" i="0" u="none" strike="noStrike" cap="none" normalizeH="0" baseline="0" dirty="0">
+                <a:ln>
+                  <a:noFill/>
+                </a:ln>
+                <a:solidFill>
+                  <a:srgbClr val="000000"/>
+                </a:solidFill>
+                <a:effectLst/>
+                <a:latin typeface="Consolas" panose="020B0609020204030204" pitchFamily="49" charset="0"/>
+              </a:rPr>
+              <a:t>, </a:t>
+            </a:r>
+            <a:r>
+              <a:rPr kumimoji="0" lang="en-US" altLang="en-US" sz="1300" b="1" i="0" u="none" strike="noStrike" cap="none" normalizeH="0" baseline="0" dirty="0">
+                <a:ln>
+                  <a:noFill/>
+                </a:ln>
+                <a:solidFill>
+                  <a:srgbClr val="008080"/>
+                </a:solidFill>
+                <a:effectLst/>
+                <a:latin typeface="Consolas" panose="020B0609020204030204" pitchFamily="49" charset="0"/>
+              </a:rPr>
+              <a:t>"Arkansas"</a:t>
+            </a:r>
+            <a:r>
+              <a:rPr kumimoji="0" lang="en-US" altLang="en-US" sz="1300" b="0" i="0" u="none" strike="noStrike" cap="none" normalizeH="0" baseline="0" dirty="0">
+                <a:ln>
+                  <a:noFill/>
+                </a:ln>
+                <a:solidFill>
+                  <a:srgbClr val="000000"/>
+                </a:solidFill>
+                <a:effectLst/>
+                <a:latin typeface="Consolas" panose="020B0609020204030204" pitchFamily="49" charset="0"/>
+              </a:rPr>
+              <a:t>,  </a:t>
+            </a:r>
+            <a:r>
+              <a:rPr kumimoji="0" lang="en-US" altLang="en-US" sz="1300" b="1" i="0" u="none" strike="noStrike" cap="none" normalizeH="0" baseline="0" dirty="0">
+                <a:ln>
+                  <a:noFill/>
+                </a:ln>
+                <a:solidFill>
+                  <a:srgbClr val="008080"/>
+                </a:solidFill>
+                <a:effectLst/>
+                <a:latin typeface="Consolas" panose="020B0609020204030204" pitchFamily="49" charset="0"/>
+              </a:rPr>
+              <a:t>"California"</a:t>
+            </a:r>
+            <a:r>
+              <a:rPr kumimoji="0" lang="en-US" altLang="en-US" sz="1300" b="0" i="0" u="none" strike="noStrike" cap="none" normalizeH="0" baseline="0" dirty="0">
+                <a:ln>
+                  <a:noFill/>
+                </a:ln>
+                <a:solidFill>
+                  <a:srgbClr val="000000"/>
+                </a:solidFill>
+                <a:effectLst/>
+                <a:latin typeface="Consolas" panose="020B0609020204030204" pitchFamily="49" charset="0"/>
+              </a:rPr>
+              <a:t>, </a:t>
+            </a:r>
+            <a:r>
+              <a:rPr kumimoji="0" lang="en-US" altLang="en-US" sz="1300" b="1" i="0" u="none" strike="noStrike" cap="none" normalizeH="0" baseline="0" dirty="0">
+                <a:ln>
+                  <a:noFill/>
+                </a:ln>
+                <a:solidFill>
+                  <a:srgbClr val="008080"/>
+                </a:solidFill>
+                <a:effectLst/>
+                <a:latin typeface="Consolas" panose="020B0609020204030204" pitchFamily="49" charset="0"/>
+              </a:rPr>
+              <a:t>"Colorado"</a:t>
+            </a:r>
+            <a:r>
+              <a:rPr kumimoji="0" lang="en-US" altLang="en-US" sz="1300" b="0" i="0" u="none" strike="noStrike" cap="none" normalizeH="0" baseline="0" dirty="0">
+                <a:ln>
+                  <a:noFill/>
+                </a:ln>
+                <a:solidFill>
+                  <a:srgbClr val="000000"/>
+                </a:solidFill>
+                <a:effectLst/>
+                <a:latin typeface="Consolas" panose="020B0609020204030204" pitchFamily="49" charset="0"/>
+              </a:rPr>
+              <a:t>, </a:t>
+            </a:r>
+            <a:r>
+              <a:rPr kumimoji="0" lang="en-US" altLang="en-US" sz="1300" b="1" i="0" u="none" strike="noStrike" cap="none" normalizeH="0" baseline="0" dirty="0">
+                <a:ln>
+                  <a:noFill/>
+                </a:ln>
+                <a:solidFill>
+                  <a:srgbClr val="008080"/>
+                </a:solidFill>
+                <a:effectLst/>
+                <a:latin typeface="Consolas" panose="020B0609020204030204" pitchFamily="49" charset="0"/>
+              </a:rPr>
+              <a:t>"Connecticut"</a:t>
+            </a:r>
+            <a:r>
+              <a:rPr kumimoji="0" lang="en-US" altLang="en-US" sz="1300" b="0" i="0" u="none" strike="noStrike" cap="none" normalizeH="0" baseline="0" dirty="0">
+                <a:ln>
+                  <a:noFill/>
+                </a:ln>
+                <a:solidFill>
+                  <a:srgbClr val="000000"/>
+                </a:solidFill>
+                <a:effectLst/>
+                <a:latin typeface="Consolas" panose="020B0609020204030204" pitchFamily="49" charset="0"/>
+              </a:rPr>
+              <a:t>, </a:t>
+            </a:r>
+            <a:r>
+              <a:rPr kumimoji="0" lang="en-US" altLang="en-US" sz="1300" b="1" i="0" u="none" strike="noStrike" cap="none" normalizeH="0" baseline="0" dirty="0">
+                <a:ln>
+                  <a:noFill/>
+                </a:ln>
+                <a:solidFill>
+                  <a:srgbClr val="008080"/>
+                </a:solidFill>
+                <a:effectLst/>
+                <a:latin typeface="Consolas" panose="020B0609020204030204" pitchFamily="49" charset="0"/>
+              </a:rPr>
+              <a:t>"Delaware"</a:t>
+            </a:r>
+            <a:r>
+              <a:rPr kumimoji="0" lang="en-US" altLang="en-US" sz="1300" b="0" i="0" u="none" strike="noStrike" cap="none" normalizeH="0" baseline="0" dirty="0">
+                <a:ln>
+                  <a:noFill/>
+                </a:ln>
+                <a:solidFill>
+                  <a:srgbClr val="000000"/>
+                </a:solidFill>
+                <a:effectLst/>
+                <a:latin typeface="Consolas" panose="020B0609020204030204" pitchFamily="49" charset="0"/>
+              </a:rPr>
+              <a:t>, </a:t>
+            </a:r>
+            <a:r>
+              <a:rPr kumimoji="0" lang="en-US" altLang="en-US" sz="1300" b="1" i="0" u="none" strike="noStrike" cap="none" normalizeH="0" baseline="0" dirty="0">
+                <a:ln>
+                  <a:noFill/>
+                </a:ln>
+                <a:solidFill>
+                  <a:srgbClr val="008080"/>
+                </a:solidFill>
+                <a:effectLst/>
+                <a:latin typeface="Consolas" panose="020B0609020204030204" pitchFamily="49" charset="0"/>
+              </a:rPr>
+              <a:t>"District of Columbia"</a:t>
+            </a:r>
+            <a:r>
+              <a:rPr kumimoji="0" lang="en-US" altLang="en-US" sz="1300" b="0" i="0" u="none" strike="noStrike" cap="none" normalizeH="0" baseline="0" dirty="0">
+                <a:ln>
+                  <a:noFill/>
+                </a:ln>
+                <a:solidFill>
+                  <a:srgbClr val="000000"/>
+                </a:solidFill>
+                <a:effectLst/>
+                <a:latin typeface="Consolas" panose="020B0609020204030204" pitchFamily="49" charset="0"/>
+              </a:rPr>
+              <a:t>, </a:t>
+            </a:r>
+            <a:r>
+              <a:rPr kumimoji="0" lang="en-US" altLang="en-US" sz="1300" b="1" i="0" u="none" strike="noStrike" cap="none" normalizeH="0" baseline="0" dirty="0">
+                <a:ln>
+                  <a:noFill/>
+                </a:ln>
+                <a:solidFill>
+                  <a:srgbClr val="008080"/>
+                </a:solidFill>
+                <a:effectLst/>
+                <a:latin typeface="Consolas" panose="020B0609020204030204" pitchFamily="49" charset="0"/>
+              </a:rPr>
+              <a:t>"Florida"</a:t>
+            </a:r>
+            <a:r>
+              <a:rPr kumimoji="0" lang="en-US" altLang="en-US" sz="1300" b="0" i="0" u="none" strike="noStrike" cap="none" normalizeH="0" baseline="0" dirty="0">
+                <a:ln>
+                  <a:noFill/>
+                </a:ln>
+                <a:solidFill>
+                  <a:srgbClr val="000000"/>
+                </a:solidFill>
+                <a:effectLst/>
+                <a:latin typeface="Consolas" panose="020B0609020204030204" pitchFamily="49" charset="0"/>
+              </a:rPr>
+              <a:t>, </a:t>
+            </a:r>
+            <a:r>
+              <a:rPr kumimoji="0" lang="en-US" altLang="en-US" sz="1300" b="1" i="0" u="none" strike="noStrike" cap="none" normalizeH="0" baseline="0" dirty="0">
+                <a:ln>
+                  <a:noFill/>
+                </a:ln>
+                <a:solidFill>
+                  <a:srgbClr val="008080"/>
+                </a:solidFill>
+                <a:effectLst/>
+                <a:latin typeface="Consolas" panose="020B0609020204030204" pitchFamily="49" charset="0"/>
+              </a:rPr>
+              <a:t>"Georgia"</a:t>
+            </a:r>
+            <a:r>
+              <a:rPr kumimoji="0" lang="en-US" altLang="en-US" sz="1300" b="0" i="0" u="none" strike="noStrike" cap="none" normalizeH="0" baseline="0" dirty="0">
+                <a:ln>
+                  <a:noFill/>
+                </a:ln>
+                <a:solidFill>
+                  <a:srgbClr val="000000"/>
+                </a:solidFill>
+                <a:effectLst/>
+                <a:latin typeface="Consolas" panose="020B0609020204030204" pitchFamily="49" charset="0"/>
+              </a:rPr>
+              <a:t>, </a:t>
+            </a:r>
+            <a:r>
+              <a:rPr kumimoji="0" lang="en-US" altLang="en-US" sz="1300" b="1" i="0" u="none" strike="noStrike" cap="none" normalizeH="0" baseline="0" dirty="0">
+                <a:ln>
+                  <a:noFill/>
+                </a:ln>
+                <a:solidFill>
+                  <a:srgbClr val="008080"/>
+                </a:solidFill>
+                <a:effectLst/>
+                <a:latin typeface="Consolas" panose="020B0609020204030204" pitchFamily="49" charset="0"/>
+              </a:rPr>
+              <a:t>"Hawaii"</a:t>
+            </a:r>
+            <a:r>
+              <a:rPr kumimoji="0" lang="en-US" altLang="en-US" sz="1300" b="0" i="0" u="none" strike="noStrike" cap="none" normalizeH="0" baseline="0" dirty="0">
+                <a:ln>
+                  <a:noFill/>
+                </a:ln>
+                <a:solidFill>
+                  <a:srgbClr val="000000"/>
+                </a:solidFill>
+                <a:effectLst/>
+                <a:latin typeface="Consolas" panose="020B0609020204030204" pitchFamily="49" charset="0"/>
+              </a:rPr>
+              <a:t>, </a:t>
+            </a:r>
+            <a:r>
+              <a:rPr kumimoji="0" lang="en-US" altLang="en-US" sz="1300" b="1" i="0" u="none" strike="noStrike" cap="none" normalizeH="0" baseline="0" dirty="0">
+                <a:ln>
+                  <a:noFill/>
+                </a:ln>
+                <a:solidFill>
+                  <a:srgbClr val="008080"/>
+                </a:solidFill>
+                <a:effectLst/>
+                <a:latin typeface="Consolas" panose="020B0609020204030204" pitchFamily="49" charset="0"/>
+              </a:rPr>
+              <a:t>"Idaho"</a:t>
+            </a:r>
+            <a:r>
+              <a:rPr kumimoji="0" lang="en-US" altLang="en-US" sz="1300" b="0" i="0" u="none" strike="noStrike" cap="none" normalizeH="0" baseline="0" dirty="0">
+                <a:ln>
+                  <a:noFill/>
+                </a:ln>
+                <a:solidFill>
+                  <a:srgbClr val="000000"/>
+                </a:solidFill>
+                <a:effectLst/>
+                <a:latin typeface="Consolas" panose="020B0609020204030204" pitchFamily="49" charset="0"/>
+              </a:rPr>
+              <a:t>, </a:t>
+            </a:r>
+            <a:r>
+              <a:rPr kumimoji="0" lang="en-US" altLang="en-US" sz="1300" b="1" i="0" u="none" strike="noStrike" cap="none" normalizeH="0" baseline="0" dirty="0">
+                <a:ln>
+                  <a:noFill/>
+                </a:ln>
+                <a:solidFill>
+                  <a:srgbClr val="008080"/>
+                </a:solidFill>
+                <a:effectLst/>
+                <a:latin typeface="Consolas" panose="020B0609020204030204" pitchFamily="49" charset="0"/>
+              </a:rPr>
+              <a:t>"Illinois"</a:t>
+            </a:r>
+            <a:r>
+              <a:rPr kumimoji="0" lang="en-US" altLang="en-US" sz="1300" b="0" i="0" u="none" strike="noStrike" cap="none" normalizeH="0" baseline="0" dirty="0">
+                <a:ln>
+                  <a:noFill/>
+                </a:ln>
+                <a:solidFill>
+                  <a:srgbClr val="000000"/>
+                </a:solidFill>
+                <a:effectLst/>
+                <a:latin typeface="Consolas" panose="020B0609020204030204" pitchFamily="49" charset="0"/>
+              </a:rPr>
+              <a:t>, </a:t>
+            </a:r>
+            <a:r>
+              <a:rPr kumimoji="0" lang="en-US" altLang="en-US" sz="1300" b="1" i="0" u="none" strike="noStrike" cap="none" normalizeH="0" baseline="0" dirty="0">
+                <a:ln>
+                  <a:noFill/>
+                </a:ln>
+                <a:solidFill>
+                  <a:srgbClr val="008080"/>
+                </a:solidFill>
+                <a:effectLst/>
+                <a:latin typeface="Consolas" panose="020B0609020204030204" pitchFamily="49" charset="0"/>
+              </a:rPr>
+              <a:t>"Indiana"</a:t>
+            </a:r>
+            <a:r>
+              <a:rPr kumimoji="0" lang="en-US" altLang="en-US" sz="1300" b="0" i="0" u="none" strike="noStrike" cap="none" normalizeH="0" baseline="0" dirty="0">
+                <a:ln>
+                  <a:noFill/>
+                </a:ln>
+                <a:solidFill>
+                  <a:srgbClr val="000000"/>
+                </a:solidFill>
+                <a:effectLst/>
+                <a:latin typeface="Consolas" panose="020B0609020204030204" pitchFamily="49" charset="0"/>
+              </a:rPr>
+              <a:t>, </a:t>
+            </a:r>
+            <a:r>
+              <a:rPr kumimoji="0" lang="en-US" altLang="en-US" sz="1300" b="1" i="0" u="none" strike="noStrike" cap="none" normalizeH="0" baseline="0" dirty="0">
+                <a:ln>
+                  <a:noFill/>
+                </a:ln>
+                <a:solidFill>
+                  <a:srgbClr val="008080"/>
+                </a:solidFill>
+                <a:effectLst/>
+                <a:latin typeface="Consolas" panose="020B0609020204030204" pitchFamily="49" charset="0"/>
+              </a:rPr>
+              <a:t>"Iowa"</a:t>
+            </a:r>
+            <a:r>
+              <a:rPr kumimoji="0" lang="en-US" altLang="en-US" sz="1300" b="0" i="0" u="none" strike="noStrike" cap="none" normalizeH="0" baseline="0" dirty="0">
+                <a:ln>
+                  <a:noFill/>
+                </a:ln>
+                <a:solidFill>
+                  <a:srgbClr val="000000"/>
+                </a:solidFill>
+                <a:effectLst/>
+                <a:latin typeface="Consolas" panose="020B0609020204030204" pitchFamily="49" charset="0"/>
+              </a:rPr>
+              <a:t>, </a:t>
+            </a:r>
+            <a:r>
+              <a:rPr kumimoji="0" lang="en-US" altLang="en-US" sz="1300" b="1" i="0" u="none" strike="noStrike" cap="none" normalizeH="0" baseline="0" dirty="0">
+                <a:ln>
+                  <a:noFill/>
+                </a:ln>
+                <a:solidFill>
+                  <a:srgbClr val="008080"/>
+                </a:solidFill>
+                <a:effectLst/>
+                <a:latin typeface="Consolas" panose="020B0609020204030204" pitchFamily="49" charset="0"/>
+              </a:rPr>
+              <a:t>"Kansas"</a:t>
+            </a:r>
+            <a:r>
+              <a:rPr kumimoji="0" lang="en-US" altLang="en-US" sz="1300" b="0" i="0" u="none" strike="noStrike" cap="none" normalizeH="0" baseline="0" dirty="0">
+                <a:ln>
+                  <a:noFill/>
+                </a:ln>
+                <a:solidFill>
+                  <a:srgbClr val="000000"/>
+                </a:solidFill>
+                <a:effectLst/>
+                <a:latin typeface="Consolas" panose="020B0609020204030204" pitchFamily="49" charset="0"/>
+              </a:rPr>
+              <a:t>, </a:t>
+            </a:r>
+            <a:r>
+              <a:rPr kumimoji="0" lang="en-US" altLang="en-US" sz="1300" b="1" i="0" u="none" strike="noStrike" cap="none" normalizeH="0" baseline="0" dirty="0">
+                <a:ln>
+                  <a:noFill/>
+                </a:ln>
+                <a:solidFill>
+                  <a:srgbClr val="008080"/>
+                </a:solidFill>
+                <a:effectLst/>
+                <a:latin typeface="Consolas" panose="020B0609020204030204" pitchFamily="49" charset="0"/>
+              </a:rPr>
+              <a:t>"Kentucky"</a:t>
+            </a:r>
+            <a:r>
+              <a:rPr kumimoji="0" lang="en-US" altLang="en-US" sz="1300" b="0" i="0" u="none" strike="noStrike" cap="none" normalizeH="0" baseline="0" dirty="0">
+                <a:ln>
+                  <a:noFill/>
+                </a:ln>
+                <a:solidFill>
+                  <a:srgbClr val="000000"/>
+                </a:solidFill>
+                <a:effectLst/>
+                <a:latin typeface="Consolas" panose="020B0609020204030204" pitchFamily="49" charset="0"/>
+              </a:rPr>
+              <a:t>, </a:t>
+            </a:r>
+            <a:r>
+              <a:rPr kumimoji="0" lang="en-US" altLang="en-US" sz="1300" b="1" i="0" u="none" strike="noStrike" cap="none" normalizeH="0" baseline="0" dirty="0">
+                <a:ln>
+                  <a:noFill/>
+                </a:ln>
+                <a:solidFill>
+                  <a:srgbClr val="008080"/>
+                </a:solidFill>
+                <a:effectLst/>
+                <a:latin typeface="Consolas" panose="020B0609020204030204" pitchFamily="49" charset="0"/>
+              </a:rPr>
+              <a:t>"Louisiana"</a:t>
+            </a:r>
+            <a:r>
+              <a:rPr kumimoji="0" lang="en-US" altLang="en-US" sz="1300" b="0" i="0" u="none" strike="noStrike" cap="none" normalizeH="0" baseline="0" dirty="0">
+                <a:ln>
+                  <a:noFill/>
+                </a:ln>
+                <a:solidFill>
+                  <a:srgbClr val="000000"/>
+                </a:solidFill>
+                <a:effectLst/>
+                <a:latin typeface="Consolas" panose="020B0609020204030204" pitchFamily="49" charset="0"/>
+              </a:rPr>
+              <a:t>, </a:t>
+            </a:r>
+            <a:r>
+              <a:rPr kumimoji="0" lang="en-US" altLang="en-US" sz="1300" b="1" i="0" u="none" strike="noStrike" cap="none" normalizeH="0" baseline="0" dirty="0">
+                <a:ln>
+                  <a:noFill/>
+                </a:ln>
+                <a:solidFill>
+                  <a:srgbClr val="008080"/>
+                </a:solidFill>
+                <a:effectLst/>
+                <a:latin typeface="Consolas" panose="020B0609020204030204" pitchFamily="49" charset="0"/>
+              </a:rPr>
+              <a:t>"Maine"</a:t>
+            </a:r>
+            <a:r>
+              <a:rPr kumimoji="0" lang="en-US" altLang="en-US" sz="1300" b="0" i="0" u="none" strike="noStrike" cap="none" normalizeH="0" baseline="0" dirty="0">
+                <a:ln>
+                  <a:noFill/>
+                </a:ln>
+                <a:solidFill>
+                  <a:srgbClr val="000000"/>
+                </a:solidFill>
+                <a:effectLst/>
+                <a:latin typeface="Consolas" panose="020B0609020204030204" pitchFamily="49" charset="0"/>
+              </a:rPr>
+              <a:t>, </a:t>
+            </a:r>
+            <a:r>
+              <a:rPr kumimoji="0" lang="en-US" altLang="en-US" sz="1300" b="1" i="0" u="none" strike="noStrike" cap="none" normalizeH="0" baseline="0" dirty="0">
+                <a:ln>
+                  <a:noFill/>
+                </a:ln>
+                <a:solidFill>
+                  <a:srgbClr val="008080"/>
+                </a:solidFill>
+                <a:effectLst/>
+                <a:latin typeface="Consolas" panose="020B0609020204030204" pitchFamily="49" charset="0"/>
+              </a:rPr>
+              <a:t>"Maryland"</a:t>
+            </a:r>
+            <a:r>
+              <a:rPr kumimoji="0" lang="en-US" altLang="en-US" sz="1300" b="0" i="0" u="none" strike="noStrike" cap="none" normalizeH="0" baseline="0" dirty="0">
+                <a:ln>
+                  <a:noFill/>
+                </a:ln>
+                <a:solidFill>
+                  <a:srgbClr val="000000"/>
+                </a:solidFill>
+                <a:effectLst/>
+                <a:latin typeface="Consolas" panose="020B0609020204030204" pitchFamily="49" charset="0"/>
+              </a:rPr>
+              <a:t>, </a:t>
+            </a:r>
+            <a:r>
+              <a:rPr kumimoji="0" lang="en-US" altLang="en-US" sz="1300" b="1" i="0" u="none" strike="noStrike" cap="none" normalizeH="0" baseline="0" dirty="0">
+                <a:ln>
+                  <a:noFill/>
+                </a:ln>
+                <a:solidFill>
+                  <a:srgbClr val="008080"/>
+                </a:solidFill>
+                <a:effectLst/>
+                <a:latin typeface="Consolas" panose="020B0609020204030204" pitchFamily="49" charset="0"/>
+              </a:rPr>
+              <a:t>"Massachusetts"</a:t>
+            </a:r>
+            <a:r>
+              <a:rPr kumimoji="0" lang="en-US" altLang="en-US" sz="1300" b="0" i="0" u="none" strike="noStrike" cap="none" normalizeH="0" baseline="0" dirty="0">
+                <a:ln>
+                  <a:noFill/>
+                </a:ln>
+                <a:solidFill>
+                  <a:srgbClr val="000000"/>
+                </a:solidFill>
+                <a:effectLst/>
+                <a:latin typeface="Consolas" panose="020B0609020204030204" pitchFamily="49" charset="0"/>
+              </a:rPr>
+              <a:t>, </a:t>
+            </a:r>
+            <a:r>
+              <a:rPr kumimoji="0" lang="en-US" altLang="en-US" sz="1300" b="1" i="0" u="none" strike="noStrike" cap="none" normalizeH="0" baseline="0" dirty="0">
+                <a:ln>
+                  <a:noFill/>
+                </a:ln>
+                <a:solidFill>
+                  <a:srgbClr val="008080"/>
+                </a:solidFill>
+                <a:effectLst/>
+                <a:latin typeface="Consolas" panose="020B0609020204030204" pitchFamily="49" charset="0"/>
+              </a:rPr>
+              <a:t>"Michigan"</a:t>
+            </a:r>
+            <a:r>
+              <a:rPr kumimoji="0" lang="en-US" altLang="en-US" sz="1300" b="0" i="0" u="none" strike="noStrike" cap="none" normalizeH="0" baseline="0" dirty="0">
+                <a:ln>
+                  <a:noFill/>
+                </a:ln>
+                <a:solidFill>
+                  <a:srgbClr val="000000"/>
+                </a:solidFill>
+                <a:effectLst/>
+                <a:latin typeface="Consolas" panose="020B0609020204030204" pitchFamily="49" charset="0"/>
+              </a:rPr>
+              <a:t>, </a:t>
+            </a:r>
+            <a:r>
+              <a:rPr kumimoji="0" lang="en-US" altLang="en-US" sz="1300" b="1" i="0" u="none" strike="noStrike" cap="none" normalizeH="0" baseline="0" dirty="0">
+                <a:ln>
+                  <a:noFill/>
+                </a:ln>
+                <a:solidFill>
+                  <a:srgbClr val="008080"/>
+                </a:solidFill>
+                <a:effectLst/>
+                <a:latin typeface="Consolas" panose="020B0609020204030204" pitchFamily="49" charset="0"/>
+              </a:rPr>
+              <a:t>"Minnesota"</a:t>
+            </a:r>
+            <a:r>
+              <a:rPr kumimoji="0" lang="en-US" altLang="en-US" sz="1300" b="0" i="0" u="none" strike="noStrike" cap="none" normalizeH="0" baseline="0" dirty="0">
+                <a:ln>
+                  <a:noFill/>
+                </a:ln>
+                <a:solidFill>
+                  <a:srgbClr val="000000"/>
+                </a:solidFill>
+                <a:effectLst/>
+                <a:latin typeface="Consolas" panose="020B0609020204030204" pitchFamily="49" charset="0"/>
+              </a:rPr>
+              <a:t>, </a:t>
+            </a:r>
+            <a:r>
+              <a:rPr kumimoji="0" lang="en-US" altLang="en-US" sz="1300" b="1" i="0" u="none" strike="noStrike" cap="none" normalizeH="0" baseline="0" dirty="0">
+                <a:ln>
+                  <a:noFill/>
+                </a:ln>
+                <a:solidFill>
+                  <a:srgbClr val="008080"/>
+                </a:solidFill>
+                <a:effectLst/>
+                <a:latin typeface="Consolas" panose="020B0609020204030204" pitchFamily="49" charset="0"/>
+              </a:rPr>
+              <a:t>"Mississippi"</a:t>
+            </a:r>
+            <a:r>
+              <a:rPr kumimoji="0" lang="en-US" altLang="en-US" sz="1300" b="0" i="0" u="none" strike="noStrike" cap="none" normalizeH="0" baseline="0" dirty="0">
+                <a:ln>
+                  <a:noFill/>
+                </a:ln>
+                <a:solidFill>
+                  <a:srgbClr val="000000"/>
+                </a:solidFill>
+                <a:effectLst/>
+                <a:latin typeface="Consolas" panose="020B0609020204030204" pitchFamily="49" charset="0"/>
+              </a:rPr>
+              <a:t>, </a:t>
+            </a:r>
+            <a:r>
+              <a:rPr kumimoji="0" lang="en-US" altLang="en-US" sz="1300" b="1" i="0" u="none" strike="noStrike" cap="none" normalizeH="0" baseline="0" dirty="0">
+                <a:ln>
+                  <a:noFill/>
+                </a:ln>
+                <a:solidFill>
+                  <a:srgbClr val="008080"/>
+                </a:solidFill>
+                <a:effectLst/>
+                <a:latin typeface="Consolas" panose="020B0609020204030204" pitchFamily="49" charset="0"/>
+              </a:rPr>
+              <a:t>"Missouri"</a:t>
+            </a:r>
+            <a:r>
+              <a:rPr kumimoji="0" lang="en-US" altLang="en-US" sz="1300" b="0" i="0" u="none" strike="noStrike" cap="none" normalizeH="0" baseline="0" dirty="0">
+                <a:ln>
+                  <a:noFill/>
+                </a:ln>
+                <a:solidFill>
+                  <a:srgbClr val="000000"/>
+                </a:solidFill>
+                <a:effectLst/>
+                <a:latin typeface="Consolas" panose="020B0609020204030204" pitchFamily="49" charset="0"/>
+              </a:rPr>
+              <a:t>, </a:t>
+            </a:r>
+            <a:r>
+              <a:rPr kumimoji="0" lang="en-US" altLang="en-US" sz="1300" b="1" i="0" u="none" strike="noStrike" cap="none" normalizeH="0" baseline="0" dirty="0">
+                <a:ln>
+                  <a:noFill/>
+                </a:ln>
+                <a:solidFill>
+                  <a:srgbClr val="008080"/>
+                </a:solidFill>
+                <a:effectLst/>
+                <a:latin typeface="Consolas" panose="020B0609020204030204" pitchFamily="49" charset="0"/>
+              </a:rPr>
+              <a:t>"Nebraska"</a:t>
+            </a:r>
+            <a:r>
+              <a:rPr kumimoji="0" lang="en-US" altLang="en-US" sz="1300" b="0" i="0" u="none" strike="noStrike" cap="none" normalizeH="0" baseline="0" dirty="0">
+                <a:ln>
+                  <a:noFill/>
+                </a:ln>
+                <a:solidFill>
+                  <a:srgbClr val="000000"/>
+                </a:solidFill>
+                <a:effectLst/>
+                <a:latin typeface="Consolas" panose="020B0609020204030204" pitchFamily="49" charset="0"/>
+              </a:rPr>
+              <a:t>, </a:t>
+            </a:r>
+            <a:r>
+              <a:rPr kumimoji="0" lang="en-US" altLang="en-US" sz="1300" b="1" i="0" u="none" strike="noStrike" cap="none" normalizeH="0" baseline="0" dirty="0">
+                <a:ln>
+                  <a:noFill/>
+                </a:ln>
+                <a:solidFill>
+                  <a:srgbClr val="008080"/>
+                </a:solidFill>
+                <a:effectLst/>
+                <a:latin typeface="Consolas" panose="020B0609020204030204" pitchFamily="49" charset="0"/>
+              </a:rPr>
+              <a:t>"Nevada"</a:t>
+            </a:r>
+            <a:r>
+              <a:rPr kumimoji="0" lang="en-US" altLang="en-US" sz="1300" b="0" i="0" u="none" strike="noStrike" cap="none" normalizeH="0" baseline="0" dirty="0">
+                <a:ln>
+                  <a:noFill/>
+                </a:ln>
+                <a:solidFill>
+                  <a:srgbClr val="000000"/>
+                </a:solidFill>
+                <a:effectLst/>
+                <a:latin typeface="Consolas" panose="020B0609020204030204" pitchFamily="49" charset="0"/>
+              </a:rPr>
+              <a:t>, </a:t>
+            </a:r>
+            <a:r>
+              <a:rPr kumimoji="0" lang="en-US" altLang="en-US" sz="1300" b="1" i="0" u="none" strike="noStrike" cap="none" normalizeH="0" baseline="0" dirty="0">
+                <a:ln>
+                  <a:noFill/>
+                </a:ln>
+                <a:solidFill>
+                  <a:srgbClr val="008080"/>
+                </a:solidFill>
+                <a:effectLst/>
+                <a:latin typeface="Consolas" panose="020B0609020204030204" pitchFamily="49" charset="0"/>
+              </a:rPr>
+              <a:t>"New Hampshire"</a:t>
+            </a:r>
+            <a:r>
+              <a:rPr kumimoji="0" lang="en-US" altLang="en-US" sz="1300" b="0" i="0" u="none" strike="noStrike" cap="none" normalizeH="0" baseline="0" dirty="0">
+                <a:ln>
+                  <a:noFill/>
+                </a:ln>
+                <a:solidFill>
+                  <a:srgbClr val="000000"/>
+                </a:solidFill>
+                <a:effectLst/>
+                <a:latin typeface="Consolas" panose="020B0609020204030204" pitchFamily="49" charset="0"/>
+              </a:rPr>
+              <a:t>, </a:t>
+            </a:r>
+            <a:r>
+              <a:rPr kumimoji="0" lang="en-US" altLang="en-US" sz="1300" b="1" i="0" u="none" strike="noStrike" cap="none" normalizeH="0" baseline="0" dirty="0">
+                <a:ln>
+                  <a:noFill/>
+                </a:ln>
+                <a:solidFill>
+                  <a:srgbClr val="008080"/>
+                </a:solidFill>
+                <a:effectLst/>
+                <a:latin typeface="Consolas" panose="020B0609020204030204" pitchFamily="49" charset="0"/>
+              </a:rPr>
+              <a:t>"New Jersey"</a:t>
+            </a:r>
+            <a:r>
+              <a:rPr kumimoji="0" lang="en-US" altLang="en-US" sz="1300" b="0" i="0" u="none" strike="noStrike" cap="none" normalizeH="0" baseline="0" dirty="0">
+                <a:ln>
+                  <a:noFill/>
+                </a:ln>
+                <a:solidFill>
+                  <a:srgbClr val="000000"/>
+                </a:solidFill>
+                <a:effectLst/>
+                <a:latin typeface="Consolas" panose="020B0609020204030204" pitchFamily="49" charset="0"/>
+              </a:rPr>
+              <a:t>, </a:t>
+            </a:r>
+            <a:r>
+              <a:rPr kumimoji="0" lang="en-US" altLang="en-US" sz="1300" b="1" i="0" u="none" strike="noStrike" cap="none" normalizeH="0" baseline="0" dirty="0">
+                <a:ln>
+                  <a:noFill/>
+                </a:ln>
+                <a:solidFill>
+                  <a:srgbClr val="008080"/>
+                </a:solidFill>
+                <a:effectLst/>
+                <a:latin typeface="Consolas" panose="020B0609020204030204" pitchFamily="49" charset="0"/>
+              </a:rPr>
+              <a:t>"New Mexico"</a:t>
+            </a:r>
+            <a:r>
+              <a:rPr kumimoji="0" lang="en-US" altLang="en-US" sz="1300" b="0" i="0" u="none" strike="noStrike" cap="none" normalizeH="0" baseline="0" dirty="0">
+                <a:ln>
+                  <a:noFill/>
+                </a:ln>
+                <a:solidFill>
+                  <a:srgbClr val="000000"/>
+                </a:solidFill>
+                <a:effectLst/>
+                <a:latin typeface="Consolas" panose="020B0609020204030204" pitchFamily="49" charset="0"/>
+              </a:rPr>
+              <a:t>, </a:t>
+            </a:r>
+            <a:r>
+              <a:rPr kumimoji="0" lang="en-US" altLang="en-US" sz="1300" b="1" i="0" u="none" strike="noStrike" cap="none" normalizeH="0" baseline="0" dirty="0">
+                <a:ln>
+                  <a:noFill/>
+                </a:ln>
+                <a:solidFill>
+                  <a:srgbClr val="008080"/>
+                </a:solidFill>
+                <a:effectLst/>
+                <a:latin typeface="Consolas" panose="020B0609020204030204" pitchFamily="49" charset="0"/>
+              </a:rPr>
+              <a:t>"New York"</a:t>
+            </a:r>
+            <a:r>
+              <a:rPr kumimoji="0" lang="en-US" altLang="en-US" sz="1300" b="0" i="0" u="none" strike="noStrike" cap="none" normalizeH="0" baseline="0" dirty="0">
+                <a:ln>
+                  <a:noFill/>
+                </a:ln>
+                <a:solidFill>
+                  <a:srgbClr val="000000"/>
+                </a:solidFill>
+                <a:effectLst/>
+                <a:latin typeface="Consolas" panose="020B0609020204030204" pitchFamily="49" charset="0"/>
+              </a:rPr>
+              <a:t>, </a:t>
+            </a:r>
+            <a:r>
+              <a:rPr kumimoji="0" lang="en-US" altLang="en-US" sz="1300" b="1" i="0" u="none" strike="noStrike" cap="none" normalizeH="0" baseline="0" dirty="0">
+                <a:ln>
+                  <a:noFill/>
+                </a:ln>
+                <a:solidFill>
+                  <a:srgbClr val="008080"/>
+                </a:solidFill>
+                <a:effectLst/>
+                <a:latin typeface="Consolas" panose="020B0609020204030204" pitchFamily="49" charset="0"/>
+              </a:rPr>
+              <a:t>"North Carolina"</a:t>
+            </a:r>
+            <a:r>
+              <a:rPr kumimoji="0" lang="en-US" altLang="en-US" sz="1300" b="0" i="0" u="none" strike="noStrike" cap="none" normalizeH="0" baseline="0" dirty="0">
+                <a:ln>
+                  <a:noFill/>
+                </a:ln>
+                <a:solidFill>
+                  <a:srgbClr val="000000"/>
+                </a:solidFill>
+                <a:effectLst/>
+                <a:latin typeface="Consolas" panose="020B0609020204030204" pitchFamily="49" charset="0"/>
+              </a:rPr>
+              <a:t>, </a:t>
+            </a:r>
+            <a:r>
+              <a:rPr kumimoji="0" lang="en-US" altLang="en-US" sz="1300" b="1" i="0" u="none" strike="noStrike" cap="none" normalizeH="0" baseline="0" dirty="0">
+                <a:ln>
+                  <a:noFill/>
+                </a:ln>
+                <a:solidFill>
+                  <a:srgbClr val="008080"/>
+                </a:solidFill>
+                <a:effectLst/>
+                <a:latin typeface="Consolas" panose="020B0609020204030204" pitchFamily="49" charset="0"/>
+              </a:rPr>
+              <a:t>"North Dakota"</a:t>
+            </a:r>
+            <a:r>
+              <a:rPr kumimoji="0" lang="en-US" altLang="en-US" sz="1300" b="0" i="0" u="none" strike="noStrike" cap="none" normalizeH="0" baseline="0" dirty="0">
+                <a:ln>
+                  <a:noFill/>
+                </a:ln>
+                <a:solidFill>
+                  <a:srgbClr val="000000"/>
+                </a:solidFill>
+                <a:effectLst/>
+                <a:latin typeface="Consolas" panose="020B0609020204030204" pitchFamily="49" charset="0"/>
+              </a:rPr>
+              <a:t>, </a:t>
+            </a:r>
+            <a:r>
+              <a:rPr kumimoji="0" lang="en-US" altLang="en-US" sz="1300" b="1" i="0" u="none" strike="noStrike" cap="none" normalizeH="0" baseline="0" dirty="0">
+                <a:ln>
+                  <a:noFill/>
+                </a:ln>
+                <a:solidFill>
+                  <a:srgbClr val="008080"/>
+                </a:solidFill>
+                <a:effectLst/>
+                <a:latin typeface="Consolas" panose="020B0609020204030204" pitchFamily="49" charset="0"/>
+              </a:rPr>
+              <a:t>"Ohio"</a:t>
+            </a:r>
+            <a:r>
+              <a:rPr kumimoji="0" lang="en-US" altLang="en-US" sz="1300" b="0" i="0" u="none" strike="noStrike" cap="none" normalizeH="0" baseline="0" dirty="0">
+                <a:ln>
+                  <a:noFill/>
+                </a:ln>
+                <a:solidFill>
+                  <a:srgbClr val="000000"/>
+                </a:solidFill>
+                <a:effectLst/>
+                <a:latin typeface="Consolas" panose="020B0609020204030204" pitchFamily="49" charset="0"/>
+              </a:rPr>
+              <a:t>, </a:t>
+            </a:r>
+            <a:r>
+              <a:rPr kumimoji="0" lang="en-US" altLang="en-US" sz="1300" b="1" i="0" u="none" strike="noStrike" cap="none" normalizeH="0" baseline="0" dirty="0">
+                <a:ln>
+                  <a:noFill/>
+                </a:ln>
+                <a:solidFill>
+                  <a:srgbClr val="008080"/>
+                </a:solidFill>
+                <a:effectLst/>
+                <a:latin typeface="Consolas" panose="020B0609020204030204" pitchFamily="49" charset="0"/>
+              </a:rPr>
+              <a:t>"Oklahoma"</a:t>
+            </a:r>
+            <a:r>
+              <a:rPr kumimoji="0" lang="en-US" altLang="en-US" sz="1300" b="0" i="0" u="none" strike="noStrike" cap="none" normalizeH="0" baseline="0" dirty="0">
+                <a:ln>
+                  <a:noFill/>
+                </a:ln>
+                <a:solidFill>
+                  <a:srgbClr val="000000"/>
+                </a:solidFill>
+                <a:effectLst/>
+                <a:latin typeface="Consolas" panose="020B0609020204030204" pitchFamily="49" charset="0"/>
+              </a:rPr>
+              <a:t>, </a:t>
+            </a:r>
+            <a:r>
+              <a:rPr kumimoji="0" lang="en-US" altLang="en-US" sz="1300" b="1" i="0" u="none" strike="noStrike" cap="none" normalizeH="0" baseline="0" dirty="0">
+                <a:ln>
+                  <a:noFill/>
+                </a:ln>
+                <a:solidFill>
+                  <a:srgbClr val="008080"/>
+                </a:solidFill>
+                <a:effectLst/>
+                <a:latin typeface="Consolas" panose="020B0609020204030204" pitchFamily="49" charset="0"/>
+              </a:rPr>
+              <a:t>"Oregon"</a:t>
+            </a:r>
+            <a:r>
+              <a:rPr kumimoji="0" lang="en-US" altLang="en-US" sz="1300" b="0" i="0" u="none" strike="noStrike" cap="none" normalizeH="0" baseline="0" dirty="0">
+                <a:ln>
+                  <a:noFill/>
+                </a:ln>
+                <a:solidFill>
+                  <a:srgbClr val="000000"/>
+                </a:solidFill>
+                <a:effectLst/>
+                <a:latin typeface="Consolas" panose="020B0609020204030204" pitchFamily="49" charset="0"/>
+              </a:rPr>
+              <a:t>, </a:t>
+            </a:r>
+            <a:r>
+              <a:rPr kumimoji="0" lang="en-US" altLang="en-US" sz="1300" b="1" i="0" u="none" strike="noStrike" cap="none" normalizeH="0" baseline="0" dirty="0">
+                <a:ln>
+                  <a:noFill/>
+                </a:ln>
+                <a:solidFill>
+                  <a:srgbClr val="008080"/>
+                </a:solidFill>
+                <a:effectLst/>
+                <a:latin typeface="Consolas" panose="020B0609020204030204" pitchFamily="49" charset="0"/>
+              </a:rPr>
+              <a:t>"Pennsylvania"</a:t>
+            </a:r>
+            <a:r>
+              <a:rPr kumimoji="0" lang="en-US" altLang="en-US" sz="1300" b="0" i="0" u="none" strike="noStrike" cap="none" normalizeH="0" baseline="0" dirty="0">
+                <a:ln>
+                  <a:noFill/>
+                </a:ln>
+                <a:solidFill>
+                  <a:srgbClr val="000000"/>
+                </a:solidFill>
+                <a:effectLst/>
+                <a:latin typeface="Consolas" panose="020B0609020204030204" pitchFamily="49" charset="0"/>
+              </a:rPr>
+              <a:t>, </a:t>
+            </a:r>
+            <a:r>
+              <a:rPr kumimoji="0" lang="en-US" altLang="en-US" sz="1300" b="1" i="0" u="none" strike="noStrike" cap="none" normalizeH="0" baseline="0" dirty="0">
+                <a:ln>
+                  <a:noFill/>
+                </a:ln>
+                <a:solidFill>
+                  <a:srgbClr val="008080"/>
+                </a:solidFill>
+                <a:effectLst/>
+                <a:latin typeface="Consolas" panose="020B0609020204030204" pitchFamily="49" charset="0"/>
+              </a:rPr>
+              <a:t>"Puerto Rico"</a:t>
+            </a:r>
+            <a:r>
+              <a:rPr kumimoji="0" lang="en-US" altLang="en-US" sz="1300" b="0" i="0" u="none" strike="noStrike" cap="none" normalizeH="0" baseline="0" dirty="0">
+                <a:ln>
+                  <a:noFill/>
+                </a:ln>
+                <a:solidFill>
+                  <a:srgbClr val="000000"/>
+                </a:solidFill>
+                <a:effectLst/>
+                <a:latin typeface="Consolas" panose="020B0609020204030204" pitchFamily="49" charset="0"/>
+              </a:rPr>
+              <a:t>, </a:t>
+            </a:r>
+            <a:r>
+              <a:rPr kumimoji="0" lang="en-US" altLang="en-US" sz="1300" b="1" i="0" u="none" strike="noStrike" cap="none" normalizeH="0" baseline="0" dirty="0">
+                <a:ln>
+                  <a:noFill/>
+                </a:ln>
+                <a:solidFill>
+                  <a:srgbClr val="008080"/>
+                </a:solidFill>
+                <a:effectLst/>
+                <a:latin typeface="Consolas" panose="020B0609020204030204" pitchFamily="49" charset="0"/>
+              </a:rPr>
+              <a:t>"Rhode Island"</a:t>
+            </a:r>
+            <a:r>
+              <a:rPr kumimoji="0" lang="en-US" altLang="en-US" sz="1300" b="0" i="0" u="none" strike="noStrike" cap="none" normalizeH="0" baseline="0" dirty="0">
+                <a:ln>
+                  <a:noFill/>
+                </a:ln>
+                <a:solidFill>
+                  <a:srgbClr val="000000"/>
+                </a:solidFill>
+                <a:effectLst/>
+                <a:latin typeface="Consolas" panose="020B0609020204030204" pitchFamily="49" charset="0"/>
+              </a:rPr>
+              <a:t>, </a:t>
+            </a:r>
+            <a:r>
+              <a:rPr kumimoji="0" lang="en-US" altLang="en-US" sz="1300" b="1" i="0" u="none" strike="noStrike" cap="none" normalizeH="0" baseline="0" dirty="0">
+                <a:ln>
+                  <a:noFill/>
+                </a:ln>
+                <a:solidFill>
+                  <a:srgbClr val="008080"/>
+                </a:solidFill>
+                <a:effectLst/>
+                <a:latin typeface="Consolas" panose="020B0609020204030204" pitchFamily="49" charset="0"/>
+              </a:rPr>
+              <a:t>"South Carolina"</a:t>
+            </a:r>
+            <a:r>
+              <a:rPr kumimoji="0" lang="en-US" altLang="en-US" sz="1300" b="0" i="0" u="none" strike="noStrike" cap="none" normalizeH="0" baseline="0" dirty="0">
+                <a:ln>
+                  <a:noFill/>
+                </a:ln>
+                <a:solidFill>
+                  <a:srgbClr val="000000"/>
+                </a:solidFill>
+                <a:effectLst/>
+                <a:latin typeface="Consolas" panose="020B0609020204030204" pitchFamily="49" charset="0"/>
+              </a:rPr>
+              <a:t>, </a:t>
+            </a:r>
+            <a:r>
+              <a:rPr kumimoji="0" lang="en-US" altLang="en-US" sz="1300" b="1" i="0" u="none" strike="noStrike" cap="none" normalizeH="0" baseline="0" dirty="0">
+                <a:ln>
+                  <a:noFill/>
+                </a:ln>
+                <a:solidFill>
+                  <a:srgbClr val="008080"/>
+                </a:solidFill>
+                <a:effectLst/>
+                <a:latin typeface="Consolas" panose="020B0609020204030204" pitchFamily="49" charset="0"/>
+              </a:rPr>
+              <a:t>"South Dakota"</a:t>
+            </a:r>
+            <a:r>
+              <a:rPr kumimoji="0" lang="en-US" altLang="en-US" sz="1300" b="0" i="0" u="none" strike="noStrike" cap="none" normalizeH="0" baseline="0" dirty="0">
+                <a:ln>
+                  <a:noFill/>
+                </a:ln>
+                <a:solidFill>
+                  <a:srgbClr val="000000"/>
+                </a:solidFill>
+                <a:effectLst/>
+                <a:latin typeface="Consolas" panose="020B0609020204030204" pitchFamily="49" charset="0"/>
+              </a:rPr>
+              <a:t>, </a:t>
+            </a:r>
+            <a:r>
+              <a:rPr kumimoji="0" lang="en-US" altLang="en-US" sz="1300" b="1" i="0" u="none" strike="noStrike" cap="none" normalizeH="0" baseline="0" dirty="0">
+                <a:ln>
+                  <a:noFill/>
+                </a:ln>
+                <a:solidFill>
+                  <a:srgbClr val="008080"/>
+                </a:solidFill>
+                <a:effectLst/>
+                <a:latin typeface="Consolas" panose="020B0609020204030204" pitchFamily="49" charset="0"/>
+              </a:rPr>
+              <a:t>"Tennessee"</a:t>
+            </a:r>
+            <a:r>
+              <a:rPr kumimoji="0" lang="en-US" altLang="en-US" sz="1300" b="0" i="0" u="none" strike="noStrike" cap="none" normalizeH="0" baseline="0" dirty="0">
+                <a:ln>
+                  <a:noFill/>
+                </a:ln>
+                <a:solidFill>
+                  <a:srgbClr val="000000"/>
+                </a:solidFill>
+                <a:effectLst/>
+                <a:latin typeface="Consolas" panose="020B0609020204030204" pitchFamily="49" charset="0"/>
+              </a:rPr>
+              <a:t>, </a:t>
+            </a:r>
+            <a:r>
+              <a:rPr kumimoji="0" lang="en-US" altLang="en-US" sz="1300" b="1" i="0" u="none" strike="noStrike" cap="none" normalizeH="0" baseline="0" dirty="0">
+                <a:ln>
+                  <a:noFill/>
+                </a:ln>
+                <a:solidFill>
+                  <a:srgbClr val="008080"/>
+                </a:solidFill>
+                <a:effectLst/>
+                <a:latin typeface="Consolas" panose="020B0609020204030204" pitchFamily="49" charset="0"/>
+              </a:rPr>
+              <a:t>"Texas"</a:t>
+            </a:r>
+            <a:r>
+              <a:rPr kumimoji="0" lang="en-US" altLang="en-US" sz="1300" b="0" i="0" u="none" strike="noStrike" cap="none" normalizeH="0" baseline="0" dirty="0">
+                <a:ln>
+                  <a:noFill/>
+                </a:ln>
+                <a:solidFill>
+                  <a:srgbClr val="000000"/>
+                </a:solidFill>
+                <a:effectLst/>
+                <a:latin typeface="Consolas" panose="020B0609020204030204" pitchFamily="49" charset="0"/>
+              </a:rPr>
+              <a:t>, </a:t>
+            </a:r>
+            <a:r>
+              <a:rPr kumimoji="0" lang="en-US" altLang="en-US" sz="1300" b="1" i="0" u="none" strike="noStrike" cap="none" normalizeH="0" baseline="0" dirty="0">
+                <a:ln>
+                  <a:noFill/>
+                </a:ln>
+                <a:solidFill>
+                  <a:srgbClr val="008080"/>
+                </a:solidFill>
+                <a:effectLst/>
+                <a:latin typeface="Consolas" panose="020B0609020204030204" pitchFamily="49" charset="0"/>
+              </a:rPr>
+              <a:t>"Utah"</a:t>
+            </a:r>
+            <a:r>
+              <a:rPr kumimoji="0" lang="en-US" altLang="en-US" sz="1300" b="0" i="0" u="none" strike="noStrike" cap="none" normalizeH="0" baseline="0" dirty="0">
+                <a:ln>
+                  <a:noFill/>
+                </a:ln>
+                <a:solidFill>
+                  <a:srgbClr val="000000"/>
+                </a:solidFill>
+                <a:effectLst/>
+                <a:latin typeface="Consolas" panose="020B0609020204030204" pitchFamily="49" charset="0"/>
+              </a:rPr>
+              <a:t>, </a:t>
+            </a:r>
+            <a:r>
+              <a:rPr kumimoji="0" lang="en-US" altLang="en-US" sz="1300" b="1" i="0" u="none" strike="noStrike" cap="none" normalizeH="0" baseline="0" dirty="0">
+                <a:ln>
+                  <a:noFill/>
+                </a:ln>
+                <a:solidFill>
+                  <a:srgbClr val="008080"/>
+                </a:solidFill>
+                <a:effectLst/>
+                <a:latin typeface="Consolas" panose="020B0609020204030204" pitchFamily="49" charset="0"/>
+              </a:rPr>
+              <a:t>"Vermont"</a:t>
+            </a:r>
+            <a:r>
+              <a:rPr kumimoji="0" lang="en-US" altLang="en-US" sz="1300" b="0" i="0" u="none" strike="noStrike" cap="none" normalizeH="0" baseline="0" dirty="0">
+                <a:ln>
+                  <a:noFill/>
+                </a:ln>
+                <a:solidFill>
+                  <a:srgbClr val="000000"/>
+                </a:solidFill>
+                <a:effectLst/>
+                <a:latin typeface="Consolas" panose="020B0609020204030204" pitchFamily="49" charset="0"/>
+              </a:rPr>
+              <a:t>, </a:t>
+            </a:r>
+            <a:r>
+              <a:rPr kumimoji="0" lang="en-US" altLang="en-US" sz="1300" b="1" i="0" u="none" strike="noStrike" cap="none" normalizeH="0" baseline="0" dirty="0">
+                <a:ln>
+                  <a:noFill/>
+                </a:ln>
+                <a:solidFill>
+                  <a:srgbClr val="008080"/>
+                </a:solidFill>
+                <a:effectLst/>
+                <a:latin typeface="Consolas" panose="020B0609020204030204" pitchFamily="49" charset="0"/>
+              </a:rPr>
+              <a:t>"Virginia"</a:t>
+            </a:r>
+            <a:r>
+              <a:rPr kumimoji="0" lang="en-US" altLang="en-US" sz="1300" b="0" i="0" u="none" strike="noStrike" cap="none" normalizeH="0" baseline="0" dirty="0">
+                <a:ln>
+                  <a:noFill/>
+                </a:ln>
+                <a:solidFill>
+                  <a:srgbClr val="000000"/>
+                </a:solidFill>
+                <a:effectLst/>
+                <a:latin typeface="Consolas" panose="020B0609020204030204" pitchFamily="49" charset="0"/>
+              </a:rPr>
+              <a:t>, </a:t>
+            </a:r>
+            <a:r>
+              <a:rPr kumimoji="0" lang="en-US" altLang="en-US" sz="1300" b="1" i="0" u="none" strike="noStrike" cap="none" normalizeH="0" baseline="0" dirty="0">
+                <a:ln>
+                  <a:noFill/>
+                </a:ln>
+                <a:solidFill>
+                  <a:srgbClr val="008080"/>
+                </a:solidFill>
+                <a:effectLst/>
+                <a:latin typeface="Consolas" panose="020B0609020204030204" pitchFamily="49" charset="0"/>
+              </a:rPr>
+              <a:t>"Washington"</a:t>
+            </a:r>
+            <a:r>
+              <a:rPr kumimoji="0" lang="en-US" altLang="en-US" sz="1300" b="0" i="0" u="none" strike="noStrike" cap="none" normalizeH="0" baseline="0" dirty="0">
+                <a:ln>
+                  <a:noFill/>
+                </a:ln>
+                <a:solidFill>
+                  <a:srgbClr val="000000"/>
+                </a:solidFill>
+                <a:effectLst/>
+                <a:latin typeface="Consolas" panose="020B0609020204030204" pitchFamily="49" charset="0"/>
+              </a:rPr>
+              <a:t>, </a:t>
+            </a:r>
+            <a:r>
+              <a:rPr kumimoji="0" lang="en-US" altLang="en-US" sz="1300" b="1" i="0" u="none" strike="noStrike" cap="none" normalizeH="0" baseline="0" dirty="0">
+                <a:ln>
+                  <a:noFill/>
+                </a:ln>
+                <a:solidFill>
+                  <a:srgbClr val="008080"/>
+                </a:solidFill>
+                <a:effectLst/>
+                <a:latin typeface="Consolas" panose="020B0609020204030204" pitchFamily="49" charset="0"/>
+              </a:rPr>
+              <a:t>"West Virginia"</a:t>
+            </a:r>
+            <a:r>
+              <a:rPr kumimoji="0" lang="en-US" altLang="en-US" sz="1300" b="0" i="0" u="none" strike="noStrike" cap="none" normalizeH="0" baseline="0" dirty="0">
+                <a:ln>
+                  <a:noFill/>
+                </a:ln>
+                <a:solidFill>
+                  <a:srgbClr val="000000"/>
+                </a:solidFill>
+                <a:effectLst/>
+                <a:latin typeface="Consolas" panose="020B0609020204030204" pitchFamily="49" charset="0"/>
+              </a:rPr>
+              <a:t>, </a:t>
+            </a:r>
+            <a:r>
+              <a:rPr kumimoji="0" lang="en-US" altLang="en-US" sz="1300" b="1" i="0" u="none" strike="noStrike" cap="none" normalizeH="0" baseline="0" dirty="0">
+                <a:ln>
+                  <a:noFill/>
+                </a:ln>
+                <a:solidFill>
+                  <a:srgbClr val="008080"/>
+                </a:solidFill>
+                <a:effectLst/>
+                <a:latin typeface="Consolas" panose="020B0609020204030204" pitchFamily="49" charset="0"/>
+              </a:rPr>
+              <a:t>"Wisconsin"</a:t>
+            </a:r>
+            <a:endParaRPr kumimoji="0" lang="en-US" altLang="en-US" sz="1800" b="0" i="0" u="none" strike="noStrike" cap="none" normalizeH="0" baseline="0" dirty="0">
+              <a:ln>
+                <a:noFill/>
+              </a:ln>
+              <a:solidFill>
+                <a:schemeClr val="tx1"/>
+              </a:solidFill>
+              <a:effectLst/>
+              <a:latin typeface="Arial" panose="020B0604020202020204" pitchFamily="34" charset="0"/>
+            </a:endParaRPr>
+          </a:p>
+        </p:txBody>
+      </p:sp>
+      <p:pic>
+        <p:nvPicPr>
+          <p:cNvPr id="6" name="그림 5">
+            <a:extLst>
+              <a:ext uri="{FF2B5EF4-FFF2-40B4-BE49-F238E27FC236}">
+                <a16:creationId xmlns:a16="http://schemas.microsoft.com/office/drawing/2014/main" id="{2E3A2038-BD0E-4E9E-9517-9B1F76660BE1}"/>
+              </a:ext>
+            </a:extLst>
+          </p:cNvPr>
+          <p:cNvPicPr>
+            <a:picLocks noChangeAspect="1"/>
+          </p:cNvPicPr>
+          <p:nvPr/>
+        </p:nvPicPr>
+        <p:blipFill>
+          <a:blip r:embed="rId2"/>
+          <a:stretch>
+            <a:fillRect/>
+          </a:stretch>
+        </p:blipFill>
+        <p:spPr>
+          <a:xfrm>
+            <a:off x="120367" y="1310168"/>
+            <a:ext cx="9668067" cy="5547831"/>
+          </a:xfrm>
+          <a:prstGeom prst="rect">
+            <a:avLst/>
+          </a:prstGeom>
+        </p:spPr>
+      </p:pic>
+      <p:pic>
+        <p:nvPicPr>
+          <p:cNvPr id="7" name="그림 6">
+            <a:extLst>
+              <a:ext uri="{FF2B5EF4-FFF2-40B4-BE49-F238E27FC236}">
+                <a16:creationId xmlns:a16="http://schemas.microsoft.com/office/drawing/2014/main" id="{8EE08E89-5D37-4F28-A213-57E08900F635}"/>
+              </a:ext>
+            </a:extLst>
+          </p:cNvPr>
+          <p:cNvPicPr>
+            <a:picLocks noChangeAspect="1"/>
+          </p:cNvPicPr>
+          <p:nvPr/>
+        </p:nvPicPr>
+        <p:blipFill>
+          <a:blip r:embed="rId3"/>
+          <a:stretch>
+            <a:fillRect/>
+          </a:stretch>
+        </p:blipFill>
+        <p:spPr>
+          <a:xfrm>
+            <a:off x="5606767" y="1720586"/>
+            <a:ext cx="6384936" cy="3683081"/>
+          </a:xfrm>
+          <a:prstGeom prst="rect">
+            <a:avLst/>
+          </a:prstGeom>
+        </p:spPr>
+      </p:pic>
+      <p:sp>
+        <p:nvSpPr>
+          <p:cNvPr id="8" name="직사각형 7">
+            <a:extLst>
+              <a:ext uri="{FF2B5EF4-FFF2-40B4-BE49-F238E27FC236}">
+                <a16:creationId xmlns:a16="http://schemas.microsoft.com/office/drawing/2014/main" id="{C31703D3-295E-46B9-BAFA-AB1397099141}"/>
+              </a:ext>
+            </a:extLst>
+          </p:cNvPr>
+          <p:cNvSpPr/>
+          <p:nvPr/>
+        </p:nvSpPr>
+        <p:spPr>
+          <a:xfrm>
+            <a:off x="2194560" y="2207544"/>
+            <a:ext cx="2203269" cy="1200329"/>
+          </a:xfrm>
+          <a:prstGeom prst="rect">
+            <a:avLst/>
+          </a:prstGeom>
+        </p:spPr>
+        <p:style>
+          <a:lnRef idx="2">
+            <a:schemeClr val="accent1"/>
+          </a:lnRef>
+          <a:fillRef idx="1">
+            <a:schemeClr val="lt1"/>
+          </a:fillRef>
+          <a:effectRef idx="0">
+            <a:schemeClr val="accent1"/>
+          </a:effectRef>
+          <a:fontRef idx="minor">
+            <a:schemeClr val="dk1"/>
+          </a:fontRef>
+        </p:style>
+        <p:txBody>
+          <a:bodyPr wrap="square">
+            <a:spAutoFit/>
+          </a:bodyPr>
+          <a:lstStyle/>
+          <a:p>
+            <a:r>
+              <a:rPr lang="en-US" dirty="0"/>
+              <a:t>Train Length[3929]  Prediction Length[54]  Input Windows[20]  MAE Score[0.1027]</a:t>
+            </a:r>
+          </a:p>
+        </p:txBody>
+      </p:sp>
+    </p:spTree>
+    <p:extLst>
+      <p:ext uri="{BB962C8B-B14F-4D97-AF65-F5344CB8AC3E}">
+        <p14:creationId xmlns:p14="http://schemas.microsoft.com/office/powerpoint/2010/main" val="3180287181"/>
       </p:ext>
     </p:extLst>
   </p:cSld>
@@ -38164,6 +42880,3579 @@
     <p:extLst>
       <p:ext uri="{BB962C8B-B14F-4D97-AF65-F5344CB8AC3E}">
         <p14:creationId xmlns:p14="http://schemas.microsoft.com/office/powerpoint/2010/main" val="899279809"/>
+      </p:ext>
+    </p:extLst>
+  </p:cSld>
+  <p:clrMapOvr>
+    <a:masterClrMapping/>
+  </p:clrMapOvr>
+</p:sld>
+</file>
+
+<file path=ppt/slides/slide90.xml><?xml version="1.0" encoding="utf-8"?>
+<p:sld xmlns:a="http://schemas.openxmlformats.org/drawingml/2006/main" xmlns:r="http://schemas.openxmlformats.org/officeDocument/2006/relationships" xmlns:p="http://schemas.openxmlformats.org/presentationml/2006/main">
+  <p:cSld>
+    <p:spTree>
+      <p:nvGrpSpPr>
+        <p:cNvPr id="1" name=""/>
+        <p:cNvGrpSpPr/>
+        <p:nvPr/>
+      </p:nvGrpSpPr>
+      <p:grpSpPr>
+        <a:xfrm>
+          <a:off x="0" y="0"/>
+          <a:ext cx="0" cy="0"/>
+          <a:chOff x="0" y="0"/>
+          <a:chExt cx="0" cy="0"/>
+        </a:xfrm>
+      </p:grpSpPr>
+      <p:pic>
+        <p:nvPicPr>
+          <p:cNvPr id="4" name="그림 3">
+            <a:extLst>
+              <a:ext uri="{FF2B5EF4-FFF2-40B4-BE49-F238E27FC236}">
+                <a16:creationId xmlns:a16="http://schemas.microsoft.com/office/drawing/2014/main" id="{6E92F9E8-C090-48CA-A1D1-54939F31A2C1}"/>
+              </a:ext>
+            </a:extLst>
+          </p:cNvPr>
+          <p:cNvPicPr>
+            <a:picLocks noChangeAspect="1"/>
+          </p:cNvPicPr>
+          <p:nvPr/>
+        </p:nvPicPr>
+        <p:blipFill>
+          <a:blip r:embed="rId2"/>
+          <a:stretch>
+            <a:fillRect/>
+          </a:stretch>
+        </p:blipFill>
+        <p:spPr>
+          <a:xfrm>
+            <a:off x="167148" y="0"/>
+            <a:ext cx="11857703" cy="6858000"/>
+          </a:xfrm>
+          <a:prstGeom prst="rect">
+            <a:avLst/>
+          </a:prstGeom>
+        </p:spPr>
+      </p:pic>
+      <p:pic>
+        <p:nvPicPr>
+          <p:cNvPr id="6" name="그림 5">
+            <a:extLst>
+              <a:ext uri="{FF2B5EF4-FFF2-40B4-BE49-F238E27FC236}">
+                <a16:creationId xmlns:a16="http://schemas.microsoft.com/office/drawing/2014/main" id="{35E1EA2B-59C5-4219-9816-B6E4B68976E7}"/>
+              </a:ext>
+            </a:extLst>
+          </p:cNvPr>
+          <p:cNvPicPr>
+            <a:picLocks noChangeAspect="1"/>
+          </p:cNvPicPr>
+          <p:nvPr/>
+        </p:nvPicPr>
+        <p:blipFill>
+          <a:blip r:embed="rId3">
+            <a:extLst>
+              <a:ext uri="{28A0092B-C50C-407E-A947-70E740481C1C}">
+                <a14:useLocalDpi xmlns:a14="http://schemas.microsoft.com/office/drawing/2010/main" val="0"/>
+              </a:ext>
+            </a:extLst>
+          </a:blip>
+          <a:stretch>
+            <a:fillRect/>
+          </a:stretch>
+        </p:blipFill>
+        <p:spPr>
+          <a:xfrm>
+            <a:off x="2603853" y="124094"/>
+            <a:ext cx="2142317" cy="1071159"/>
+          </a:xfrm>
+          <a:prstGeom prst="rect">
+            <a:avLst/>
+          </a:prstGeom>
+        </p:spPr>
+      </p:pic>
+      <p:pic>
+        <p:nvPicPr>
+          <p:cNvPr id="5" name="그림 4">
+            <a:extLst>
+              <a:ext uri="{FF2B5EF4-FFF2-40B4-BE49-F238E27FC236}">
+                <a16:creationId xmlns:a16="http://schemas.microsoft.com/office/drawing/2014/main" id="{3DA0E2DC-FD53-4D41-89EB-101EB807D49D}"/>
+              </a:ext>
+            </a:extLst>
+          </p:cNvPr>
+          <p:cNvPicPr>
+            <a:picLocks noChangeAspect="1"/>
+          </p:cNvPicPr>
+          <p:nvPr/>
+        </p:nvPicPr>
+        <p:blipFill>
+          <a:blip r:embed="rId4">
+            <a:extLst>
+              <a:ext uri="{28A0092B-C50C-407E-A947-70E740481C1C}">
+                <a14:useLocalDpi xmlns:a14="http://schemas.microsoft.com/office/drawing/2010/main" val="0"/>
+              </a:ext>
+            </a:extLst>
+          </a:blip>
+          <a:stretch>
+            <a:fillRect/>
+          </a:stretch>
+        </p:blipFill>
+        <p:spPr>
+          <a:xfrm>
+            <a:off x="4453581" y="1195252"/>
+            <a:ext cx="2142317" cy="1071159"/>
+          </a:xfrm>
+          <a:prstGeom prst="rect">
+            <a:avLst/>
+          </a:prstGeom>
+        </p:spPr>
+      </p:pic>
+      <p:pic>
+        <p:nvPicPr>
+          <p:cNvPr id="7" name="그림 6">
+            <a:extLst>
+              <a:ext uri="{FF2B5EF4-FFF2-40B4-BE49-F238E27FC236}">
+                <a16:creationId xmlns:a16="http://schemas.microsoft.com/office/drawing/2014/main" id="{C09CB80E-0165-4D5A-A5D1-ED49F6618050}"/>
+              </a:ext>
+            </a:extLst>
+          </p:cNvPr>
+          <p:cNvPicPr>
+            <a:picLocks noChangeAspect="1"/>
+          </p:cNvPicPr>
+          <p:nvPr/>
+        </p:nvPicPr>
+        <p:blipFill>
+          <a:blip r:embed="rId5">
+            <a:extLst>
+              <a:ext uri="{28A0092B-C50C-407E-A947-70E740481C1C}">
+                <a14:useLocalDpi xmlns:a14="http://schemas.microsoft.com/office/drawing/2010/main" val="0"/>
+              </a:ext>
+            </a:extLst>
+          </a:blip>
+          <a:stretch>
+            <a:fillRect/>
+          </a:stretch>
+        </p:blipFill>
+        <p:spPr>
+          <a:xfrm>
+            <a:off x="975351" y="1195253"/>
+            <a:ext cx="2142317" cy="1071159"/>
+          </a:xfrm>
+          <a:prstGeom prst="rect">
+            <a:avLst/>
+          </a:prstGeom>
+        </p:spPr>
+      </p:pic>
+      <p:pic>
+        <p:nvPicPr>
+          <p:cNvPr id="8" name="그림 7">
+            <a:extLst>
+              <a:ext uri="{FF2B5EF4-FFF2-40B4-BE49-F238E27FC236}">
+                <a16:creationId xmlns:a16="http://schemas.microsoft.com/office/drawing/2014/main" id="{F5A19321-1621-44E9-9B65-1C09CA327761}"/>
+              </a:ext>
+            </a:extLst>
+          </p:cNvPr>
+          <p:cNvPicPr>
+            <a:picLocks noChangeAspect="1"/>
+          </p:cNvPicPr>
+          <p:nvPr/>
+        </p:nvPicPr>
+        <p:blipFill>
+          <a:blip r:embed="rId6">
+            <a:extLst>
+              <a:ext uri="{28A0092B-C50C-407E-A947-70E740481C1C}">
+                <a14:useLocalDpi xmlns:a14="http://schemas.microsoft.com/office/drawing/2010/main" val="0"/>
+              </a:ext>
+            </a:extLst>
+          </a:blip>
+          <a:stretch>
+            <a:fillRect/>
+          </a:stretch>
+        </p:blipFill>
+        <p:spPr>
+          <a:xfrm>
+            <a:off x="6192696" y="124092"/>
+            <a:ext cx="2142317" cy="1071159"/>
+          </a:xfrm>
+          <a:prstGeom prst="rect">
+            <a:avLst/>
+          </a:prstGeom>
+        </p:spPr>
+      </p:pic>
+      <p:pic>
+        <p:nvPicPr>
+          <p:cNvPr id="9" name="그림 8">
+            <a:extLst>
+              <a:ext uri="{FF2B5EF4-FFF2-40B4-BE49-F238E27FC236}">
+                <a16:creationId xmlns:a16="http://schemas.microsoft.com/office/drawing/2014/main" id="{34DEA487-1C98-4F35-907D-632ECC949805}"/>
+              </a:ext>
+            </a:extLst>
+          </p:cNvPr>
+          <p:cNvPicPr>
+            <a:picLocks noChangeAspect="1"/>
+          </p:cNvPicPr>
+          <p:nvPr/>
+        </p:nvPicPr>
+        <p:blipFill>
+          <a:blip r:embed="rId7">
+            <a:extLst>
+              <a:ext uri="{28A0092B-C50C-407E-A947-70E740481C1C}">
+                <a14:useLocalDpi xmlns:a14="http://schemas.microsoft.com/office/drawing/2010/main" val="0"/>
+              </a:ext>
+            </a:extLst>
+          </a:blip>
+          <a:stretch>
+            <a:fillRect/>
+          </a:stretch>
+        </p:blipFill>
+        <p:spPr>
+          <a:xfrm>
+            <a:off x="7931811" y="1195251"/>
+            <a:ext cx="2142317" cy="1071159"/>
+          </a:xfrm>
+          <a:prstGeom prst="rect">
+            <a:avLst/>
+          </a:prstGeom>
+        </p:spPr>
+      </p:pic>
+      <p:pic>
+        <p:nvPicPr>
+          <p:cNvPr id="10" name="그림 9">
+            <a:extLst>
+              <a:ext uri="{FF2B5EF4-FFF2-40B4-BE49-F238E27FC236}">
+                <a16:creationId xmlns:a16="http://schemas.microsoft.com/office/drawing/2014/main" id="{52830CEB-770A-4B66-AB8B-D5DB5442567D}"/>
+              </a:ext>
+            </a:extLst>
+          </p:cNvPr>
+          <p:cNvPicPr>
+            <a:picLocks noChangeAspect="1"/>
+          </p:cNvPicPr>
+          <p:nvPr/>
+        </p:nvPicPr>
+        <p:blipFill>
+          <a:blip r:embed="rId8">
+            <a:extLst>
+              <a:ext uri="{28A0092B-C50C-407E-A947-70E740481C1C}">
+                <a14:useLocalDpi xmlns:a14="http://schemas.microsoft.com/office/drawing/2010/main" val="0"/>
+              </a:ext>
+            </a:extLst>
+          </a:blip>
+          <a:stretch>
+            <a:fillRect/>
+          </a:stretch>
+        </p:blipFill>
+        <p:spPr>
+          <a:xfrm>
+            <a:off x="9786737" y="124092"/>
+            <a:ext cx="2142317" cy="1071159"/>
+          </a:xfrm>
+          <a:prstGeom prst="rect">
+            <a:avLst/>
+          </a:prstGeom>
+        </p:spPr>
+      </p:pic>
+      <p:sp>
+        <p:nvSpPr>
+          <p:cNvPr id="11" name="직사각형 10">
+            <a:extLst>
+              <a:ext uri="{FF2B5EF4-FFF2-40B4-BE49-F238E27FC236}">
+                <a16:creationId xmlns:a16="http://schemas.microsoft.com/office/drawing/2014/main" id="{5A341BB0-26FA-4D91-86DA-5205BABF55F6}"/>
+              </a:ext>
+            </a:extLst>
+          </p:cNvPr>
+          <p:cNvSpPr/>
+          <p:nvPr/>
+        </p:nvSpPr>
+        <p:spPr>
+          <a:xfrm>
+            <a:off x="975351" y="6144292"/>
+            <a:ext cx="9374682" cy="369332"/>
+          </a:xfrm>
+          <a:prstGeom prst="rect">
+            <a:avLst/>
+          </a:prstGeom>
+        </p:spPr>
+        <p:txBody>
+          <a:bodyPr wrap="none">
+            <a:spAutoFit/>
+          </a:bodyPr>
+          <a:lstStyle/>
+          <a:p>
+            <a:r>
+              <a:rPr lang="en-US" dirty="0"/>
+              <a:t>350       	              600  	             2000 	           30000 	          800 	          400</a:t>
+            </a:r>
+          </a:p>
+        </p:txBody>
+      </p:sp>
+    </p:spTree>
+    <p:extLst>
+      <p:ext uri="{BB962C8B-B14F-4D97-AF65-F5344CB8AC3E}">
+        <p14:creationId xmlns:p14="http://schemas.microsoft.com/office/powerpoint/2010/main" val="2576703144"/>
+      </p:ext>
+    </p:extLst>
+  </p:cSld>
+  <p:clrMapOvr>
+    <a:masterClrMapping/>
+  </p:clrMapOvr>
+</p:sld>
+</file>
+
+<file path=ppt/slides/slide91.xml><?xml version="1.0" encoding="utf-8"?>
+<p:sld xmlns:a="http://schemas.openxmlformats.org/drawingml/2006/main" xmlns:r="http://schemas.openxmlformats.org/officeDocument/2006/relationships" xmlns:p="http://schemas.openxmlformats.org/presentationml/2006/main">
+  <p:cSld>
+    <p:spTree>
+      <p:nvGrpSpPr>
+        <p:cNvPr id="1" name=""/>
+        <p:cNvGrpSpPr/>
+        <p:nvPr/>
+      </p:nvGrpSpPr>
+      <p:grpSpPr>
+        <a:xfrm>
+          <a:off x="0" y="0"/>
+          <a:ext cx="0" cy="0"/>
+          <a:chOff x="0" y="0"/>
+          <a:chExt cx="0" cy="0"/>
+        </a:xfrm>
+      </p:grpSpPr>
+      <p:sp>
+        <p:nvSpPr>
+          <p:cNvPr id="4" name="직사각형 3">
+            <a:extLst>
+              <a:ext uri="{FF2B5EF4-FFF2-40B4-BE49-F238E27FC236}">
+                <a16:creationId xmlns:a16="http://schemas.microsoft.com/office/drawing/2014/main" id="{3F23F561-7055-4362-9F2B-C95C8A98C9D7}"/>
+              </a:ext>
+            </a:extLst>
+          </p:cNvPr>
+          <p:cNvSpPr/>
+          <p:nvPr/>
+        </p:nvSpPr>
+        <p:spPr>
+          <a:xfrm>
+            <a:off x="291611" y="826851"/>
+            <a:ext cx="10855850" cy="1754326"/>
+          </a:xfrm>
+          <a:prstGeom prst="rect">
+            <a:avLst/>
+          </a:prstGeom>
+        </p:spPr>
+        <p:txBody>
+          <a:bodyPr wrap="square">
+            <a:spAutoFit/>
+          </a:bodyPr>
+          <a:lstStyle/>
+          <a:p>
+            <a:r>
+              <a:rPr lang="en-US" dirty="0"/>
+              <a:t>[1.03244853] Train Length[372]  Prediction Length[54]  Input Windows[20]  MAE Score[0.0913]</a:t>
+            </a:r>
+          </a:p>
+          <a:p>
+            <a:r>
+              <a:rPr lang="en-US" dirty="0"/>
+              <a:t>[1.03244853] Train Length[372]  Prediction Length[54]  Input Windows[20]  MAE Score[0.0908]</a:t>
+            </a:r>
+          </a:p>
+          <a:p>
+            <a:r>
+              <a:rPr lang="en-US" dirty="0"/>
+              <a:t>[1.03244853] Train Length[372]  Prediction Length[54]  Input Windows[20]  MAE Score[0.0908]</a:t>
+            </a:r>
+          </a:p>
+          <a:p>
+            <a:r>
+              <a:rPr lang="en-US" dirty="0"/>
+              <a:t>[1.03283769] Train Length[372]  Prediction Length[54]  Input Windows[20]  MAE Score[0.0913]</a:t>
+            </a:r>
+          </a:p>
+          <a:p>
+            <a:r>
+              <a:rPr lang="en-US" dirty="0"/>
+              <a:t>[1.03287798] Train Length[372]  Prediction Length[54]  Input Windows[20]  MAE Score[0.0913]</a:t>
+            </a:r>
+          </a:p>
+          <a:p>
+            <a:endParaRPr lang="en-US" dirty="0"/>
+          </a:p>
+        </p:txBody>
+      </p:sp>
+      <p:sp>
+        <p:nvSpPr>
+          <p:cNvPr id="5" name="Rectangle 1">
+            <a:extLst>
+              <a:ext uri="{FF2B5EF4-FFF2-40B4-BE49-F238E27FC236}">
+                <a16:creationId xmlns:a16="http://schemas.microsoft.com/office/drawing/2014/main" id="{EFB78718-E41C-4957-A4C9-46C5E8DE243E}"/>
+              </a:ext>
+            </a:extLst>
+          </p:cNvPr>
+          <p:cNvSpPr>
+            <a:spLocks noChangeArrowheads="1"/>
+          </p:cNvSpPr>
+          <p:nvPr/>
+        </p:nvSpPr>
+        <p:spPr bwMode="auto">
+          <a:xfrm>
+            <a:off x="0" y="0"/>
+            <a:ext cx="12192000" cy="457200"/>
+          </a:xfrm>
+          <a:prstGeom prst="rect">
+            <a:avLst/>
+          </a:prstGeom>
+          <a:solidFill>
+            <a:srgbClr val="FFFFFF"/>
+          </a:solidFill>
+          <a:ln>
+            <a:noFill/>
+          </a:ln>
+          <a:effectLst/>
+          <a:extLst>
+            <a:ext uri="{91240B29-F687-4F45-9708-019B960494DF}">
+              <a14:hiddenLine xmlns:a14="http://schemas.microsoft.com/office/drawing/2010/main" w="9525">
+                <a:solidFill>
+                  <a:schemeClr val="tx1"/>
+                </a:solidFill>
+                <a:miter lim="800000"/>
+                <a:headEnd/>
+                <a:tailEnd/>
+              </a14:hiddenLine>
+            </a:ext>
+            <a:ext uri="{AF507438-7753-43E0-B8FC-AC1667EBCBE1}">
+              <a14:hiddenEffects xmlns:a14="http://schemas.microsoft.com/office/drawing/2010/main">
+                <a:effectLst>
+                  <a:outerShdw dist="35921" dir="2700000" algn="ctr" rotWithShape="0">
+                    <a:schemeClr val="bg2"/>
+                  </a:outerShdw>
+                </a:effectLst>
+              </a14:hiddenEffects>
+            </a:ext>
+          </a:extLst>
+        </p:spPr>
+        <p:txBody>
+          <a:bodyPr vert="horz" wrap="none" lIns="91440" tIns="45720" rIns="91440" bIns="45720" numCol="1" anchor="ctr" anchorCtr="0" compatLnSpc="1">
+            <a:prstTxWarp prst="textNoShape">
+              <a:avLst/>
+            </a:prstTxWarp>
+            <a:spAutoFit/>
+          </a:bodyPr>
+          <a:lstStyle/>
+          <a:p>
+            <a:pPr marL="0" marR="0" lvl="0" indent="0" algn="l" defTabSz="914400" rtl="0" eaLnBrk="0" fontAlgn="base" latinLnBrk="0" hangingPunct="0">
+              <a:lnSpc>
+                <a:spcPct val="100000"/>
+              </a:lnSpc>
+              <a:spcBef>
+                <a:spcPct val="0"/>
+              </a:spcBef>
+              <a:spcAft>
+                <a:spcPct val="0"/>
+              </a:spcAft>
+              <a:buClrTx/>
+              <a:buSzTx/>
+              <a:buFontTx/>
+              <a:buNone/>
+              <a:tabLst/>
+            </a:pPr>
+            <a:r>
+              <a:rPr kumimoji="0" lang="en-US" altLang="en-US" sz="1300" b="1" i="0" u="none" strike="noStrike" cap="none" normalizeH="0" baseline="0" dirty="0">
+                <a:ln>
+                  <a:noFill/>
+                </a:ln>
+                <a:solidFill>
+                  <a:srgbClr val="008080"/>
+                </a:solidFill>
+                <a:effectLst/>
+                <a:latin typeface="Consolas" panose="020B0609020204030204" pitchFamily="49" charset="0"/>
+              </a:rPr>
+              <a:t>"Alaska"</a:t>
+            </a:r>
+            <a:r>
+              <a:rPr kumimoji="0" lang="en-US" altLang="en-US" sz="1300" b="0" i="0" u="none" strike="noStrike" cap="none" normalizeH="0" baseline="0" dirty="0">
+                <a:ln>
+                  <a:noFill/>
+                </a:ln>
+                <a:solidFill>
+                  <a:srgbClr val="000000"/>
+                </a:solidFill>
+                <a:effectLst/>
+                <a:latin typeface="Consolas" panose="020B0609020204030204" pitchFamily="49" charset="0"/>
+              </a:rPr>
+              <a:t>, </a:t>
+            </a:r>
+            <a:r>
+              <a:rPr kumimoji="0" lang="en-US" altLang="en-US" sz="1300" b="1" i="0" u="none" strike="noStrike" cap="none" normalizeH="0" baseline="0" dirty="0">
+                <a:ln>
+                  <a:noFill/>
+                </a:ln>
+                <a:solidFill>
+                  <a:srgbClr val="008080"/>
+                </a:solidFill>
+                <a:effectLst/>
+                <a:latin typeface="Consolas" panose="020B0609020204030204" pitchFamily="49" charset="0"/>
+              </a:rPr>
+              <a:t>"Hawaii"</a:t>
+            </a:r>
+            <a:r>
+              <a:rPr kumimoji="0" lang="en-US" altLang="en-US" sz="1300" b="0" i="0" u="none" strike="noStrike" cap="none" normalizeH="0" baseline="0" dirty="0">
+                <a:ln>
+                  <a:noFill/>
+                </a:ln>
+                <a:solidFill>
+                  <a:srgbClr val="000000"/>
+                </a:solidFill>
+                <a:effectLst/>
+                <a:latin typeface="Consolas" panose="020B0609020204030204" pitchFamily="49" charset="0"/>
+              </a:rPr>
+              <a:t>, </a:t>
+            </a:r>
+            <a:r>
+              <a:rPr kumimoji="0" lang="en-US" altLang="en-US" sz="1300" b="1" i="0" u="none" strike="noStrike" cap="none" normalizeH="0" baseline="0" dirty="0">
+                <a:ln>
+                  <a:noFill/>
+                </a:ln>
+                <a:solidFill>
+                  <a:srgbClr val="008080"/>
+                </a:solidFill>
+                <a:effectLst/>
+                <a:latin typeface="Consolas" panose="020B0609020204030204" pitchFamily="49" charset="0"/>
+              </a:rPr>
+              <a:t>"Idaho"</a:t>
+            </a:r>
+            <a:r>
+              <a:rPr kumimoji="0" lang="en-US" altLang="en-US" sz="1300" b="0" i="0" u="none" strike="noStrike" cap="none" normalizeH="0" baseline="0" dirty="0">
+                <a:ln>
+                  <a:noFill/>
+                </a:ln>
+                <a:solidFill>
+                  <a:srgbClr val="000000"/>
+                </a:solidFill>
+                <a:effectLst/>
+                <a:latin typeface="Consolas" panose="020B0609020204030204" pitchFamily="49" charset="0"/>
+              </a:rPr>
+              <a:t>, </a:t>
+            </a:r>
+            <a:r>
+              <a:rPr kumimoji="0" lang="en-US" altLang="en-US" sz="1300" b="1" i="0" u="none" strike="noStrike" cap="none" normalizeH="0" baseline="0" dirty="0">
+                <a:ln>
+                  <a:noFill/>
+                </a:ln>
+                <a:solidFill>
+                  <a:srgbClr val="008080"/>
+                </a:solidFill>
+                <a:effectLst/>
+                <a:latin typeface="Consolas" panose="020B0609020204030204" pitchFamily="49" charset="0"/>
+              </a:rPr>
+              <a:t>"Louisiana"</a:t>
+            </a:r>
+            <a:r>
+              <a:rPr kumimoji="0" lang="en-US" altLang="en-US" sz="1300" b="0" i="0" u="none" strike="noStrike" cap="none" normalizeH="0" baseline="0" dirty="0">
+                <a:ln>
+                  <a:noFill/>
+                </a:ln>
+                <a:solidFill>
+                  <a:srgbClr val="000000"/>
+                </a:solidFill>
+                <a:effectLst/>
+                <a:latin typeface="Consolas" panose="020B0609020204030204" pitchFamily="49" charset="0"/>
+              </a:rPr>
+              <a:t>, </a:t>
+            </a:r>
+            <a:r>
+              <a:rPr kumimoji="0" lang="en-US" altLang="en-US" sz="1300" b="1" i="0" u="none" strike="noStrike" cap="none" normalizeH="0" baseline="0" dirty="0">
+                <a:ln>
+                  <a:noFill/>
+                </a:ln>
+                <a:solidFill>
+                  <a:srgbClr val="008080"/>
+                </a:solidFill>
+                <a:effectLst/>
+                <a:latin typeface="Consolas" panose="020B0609020204030204" pitchFamily="49" charset="0"/>
+              </a:rPr>
+              <a:t>"Vermont"</a:t>
+            </a:r>
+            <a:endParaRPr kumimoji="0" lang="en-US" altLang="en-US" sz="1800" b="0" i="0" u="none" strike="noStrike" cap="none" normalizeH="0" baseline="0" dirty="0">
+              <a:ln>
+                <a:noFill/>
+              </a:ln>
+              <a:solidFill>
+                <a:schemeClr val="tx1"/>
+              </a:solidFill>
+              <a:effectLst/>
+              <a:latin typeface="Arial" panose="020B0604020202020204" pitchFamily="34" charset="0"/>
+            </a:endParaRPr>
+          </a:p>
+        </p:txBody>
+      </p:sp>
+      <p:sp>
+        <p:nvSpPr>
+          <p:cNvPr id="7" name="Rectangle 2">
+            <a:extLst>
+              <a:ext uri="{FF2B5EF4-FFF2-40B4-BE49-F238E27FC236}">
+                <a16:creationId xmlns:a16="http://schemas.microsoft.com/office/drawing/2014/main" id="{C1D93AE8-71C4-4F10-A7A4-54432C603881}"/>
+              </a:ext>
+            </a:extLst>
+          </p:cNvPr>
+          <p:cNvSpPr>
+            <a:spLocks noChangeArrowheads="1"/>
+          </p:cNvSpPr>
+          <p:nvPr/>
+        </p:nvSpPr>
+        <p:spPr bwMode="auto">
+          <a:xfrm>
+            <a:off x="217588" y="461091"/>
+            <a:ext cx="2320834" cy="292388"/>
+          </a:xfrm>
+          <a:prstGeom prst="rect">
+            <a:avLst/>
+          </a:prstGeom>
+          <a:solidFill>
+            <a:srgbClr val="FFFFFF"/>
+          </a:solidFill>
+          <a:ln>
+            <a:noFill/>
+          </a:ln>
+          <a:effectLst/>
+          <a:extLst>
+            <a:ext uri="{91240B29-F687-4F45-9708-019B960494DF}">
+              <a14:hiddenLine xmlns:a14="http://schemas.microsoft.com/office/drawing/2010/main" w="9525">
+                <a:solidFill>
+                  <a:schemeClr val="tx1"/>
+                </a:solidFill>
+                <a:miter lim="800000"/>
+                <a:headEnd/>
+                <a:tailEnd/>
+              </a14:hiddenLine>
+            </a:ext>
+            <a:ext uri="{AF507438-7753-43E0-B8FC-AC1667EBCBE1}">
+              <a14:hiddenEffects xmlns:a14="http://schemas.microsoft.com/office/drawing/2010/main">
+                <a:effectLst>
+                  <a:outerShdw dist="35921" dir="2700000" algn="ctr" rotWithShape="0">
+                    <a:schemeClr val="bg2"/>
+                  </a:outerShdw>
+                </a:effectLst>
+              </a14:hiddenEffects>
+            </a:ext>
+          </a:extLst>
+        </p:spPr>
+        <p:txBody>
+          <a:bodyPr vert="horz" wrap="square" lIns="91440" tIns="45720" rIns="91440" bIns="45720" numCol="1" anchor="ctr" anchorCtr="0" compatLnSpc="1">
+            <a:prstTxWarp prst="textNoShape">
+              <a:avLst/>
+            </a:prstTxWarp>
+            <a:spAutoFit/>
+          </a:bodyPr>
+          <a:lstStyle/>
+          <a:p>
+            <a:pPr marL="0" marR="0" lvl="0" indent="0" algn="l" defTabSz="914400" rtl="0" eaLnBrk="0" fontAlgn="base" latinLnBrk="0" hangingPunct="0">
+              <a:lnSpc>
+                <a:spcPct val="100000"/>
+              </a:lnSpc>
+              <a:spcBef>
+                <a:spcPct val="0"/>
+              </a:spcBef>
+              <a:spcAft>
+                <a:spcPct val="0"/>
+              </a:spcAft>
+              <a:buClrTx/>
+              <a:buSzTx/>
+              <a:buFontTx/>
+              <a:buNone/>
+              <a:tabLst/>
+            </a:pPr>
+            <a:r>
+              <a:rPr kumimoji="0" lang="en-US" altLang="en-US" sz="1300" b="1" i="0" u="none" strike="noStrike" cap="none" normalizeH="0" baseline="0">
+                <a:ln>
+                  <a:noFill/>
+                </a:ln>
+                <a:solidFill>
+                  <a:srgbClr val="008080"/>
+                </a:solidFill>
+                <a:effectLst/>
+                <a:latin typeface="Consolas" panose="020B0609020204030204" pitchFamily="49" charset="0"/>
+              </a:rPr>
+              <a:t>'lag_1_ratio_cc'</a:t>
+            </a:r>
+            <a:endParaRPr kumimoji="0" lang="en-US" altLang="en-US" sz="1800" b="0" i="0" u="none" strike="noStrike" cap="none" normalizeH="0" baseline="0">
+              <a:ln>
+                <a:noFill/>
+              </a:ln>
+              <a:solidFill>
+                <a:schemeClr val="tx1"/>
+              </a:solidFill>
+              <a:effectLst/>
+              <a:latin typeface="Arial" panose="020B0604020202020204" pitchFamily="34" charset="0"/>
+            </a:endParaRPr>
+          </a:p>
+        </p:txBody>
+      </p:sp>
+      <p:sp>
+        <p:nvSpPr>
+          <p:cNvPr id="8" name="직사각형 7">
+            <a:extLst>
+              <a:ext uri="{FF2B5EF4-FFF2-40B4-BE49-F238E27FC236}">
+                <a16:creationId xmlns:a16="http://schemas.microsoft.com/office/drawing/2014/main" id="{FB476521-B21B-4F08-B030-7F6FAC259893}"/>
+              </a:ext>
+            </a:extLst>
+          </p:cNvPr>
+          <p:cNvSpPr/>
+          <p:nvPr/>
+        </p:nvSpPr>
+        <p:spPr>
+          <a:xfrm>
+            <a:off x="291611" y="3156534"/>
+            <a:ext cx="8190538" cy="646331"/>
+          </a:xfrm>
+          <a:prstGeom prst="rect">
+            <a:avLst/>
+          </a:prstGeom>
+        </p:spPr>
+        <p:txBody>
+          <a:bodyPr wrap="square">
+            <a:spAutoFit/>
+          </a:bodyPr>
+          <a:lstStyle/>
+          <a:p>
+            <a:r>
+              <a:rPr lang="en-US" dirty="0"/>
+              <a:t>Train Length[372]  Prediction Length[54]  Input Windows[20]  MAE Score[0.0979]</a:t>
+            </a:r>
+          </a:p>
+          <a:p>
+            <a:r>
+              <a:rPr lang="en-US" dirty="0"/>
+              <a:t>Train Length[372]  Prediction Length[54]  Input Windows[20]  MAE Score[0.0939]</a:t>
+            </a:r>
+          </a:p>
+        </p:txBody>
+      </p:sp>
+      <p:sp>
+        <p:nvSpPr>
+          <p:cNvPr id="9" name="Rectangle 3">
+            <a:extLst>
+              <a:ext uri="{FF2B5EF4-FFF2-40B4-BE49-F238E27FC236}">
+                <a16:creationId xmlns:a16="http://schemas.microsoft.com/office/drawing/2014/main" id="{2ACCB77F-7AE4-4182-9200-4E188AA6E507}"/>
+              </a:ext>
+            </a:extLst>
+          </p:cNvPr>
+          <p:cNvSpPr>
+            <a:spLocks noChangeArrowheads="1"/>
+          </p:cNvSpPr>
+          <p:nvPr/>
+        </p:nvSpPr>
+        <p:spPr bwMode="auto">
+          <a:xfrm>
+            <a:off x="217588" y="2812871"/>
+            <a:ext cx="9457635" cy="292388"/>
+          </a:xfrm>
+          <a:prstGeom prst="rect">
+            <a:avLst/>
+          </a:prstGeom>
+          <a:solidFill>
+            <a:srgbClr val="FFFFFF"/>
+          </a:solidFill>
+          <a:ln>
+            <a:noFill/>
+          </a:ln>
+          <a:effectLst/>
+          <a:extLst>
+            <a:ext uri="{91240B29-F687-4F45-9708-019B960494DF}">
+              <a14:hiddenLine xmlns:a14="http://schemas.microsoft.com/office/drawing/2010/main" w="9525">
+                <a:solidFill>
+                  <a:schemeClr val="tx1"/>
+                </a:solidFill>
+                <a:miter lim="800000"/>
+                <a:headEnd/>
+                <a:tailEnd/>
+              </a14:hiddenLine>
+            </a:ext>
+            <a:ext uri="{AF507438-7753-43E0-B8FC-AC1667EBCBE1}">
+              <a14:hiddenEffects xmlns:a14="http://schemas.microsoft.com/office/drawing/2010/main">
+                <a:effectLst>
+                  <a:outerShdw dist="35921" dir="2700000" algn="ctr" rotWithShape="0">
+                    <a:schemeClr val="bg2"/>
+                  </a:outerShdw>
+                </a:effectLst>
+              </a14:hiddenEffects>
+            </a:ext>
+          </a:extLst>
+        </p:spPr>
+        <p:txBody>
+          <a:bodyPr vert="horz" wrap="square" lIns="91440" tIns="45720" rIns="91440" bIns="45720" numCol="1" anchor="ctr" anchorCtr="0" compatLnSpc="1">
+            <a:prstTxWarp prst="textNoShape">
+              <a:avLst/>
+            </a:prstTxWarp>
+            <a:spAutoFit/>
+          </a:bodyPr>
+          <a:lstStyle/>
+          <a:p>
+            <a:pPr marL="0" marR="0" lvl="0" indent="0" algn="l" defTabSz="914400" rtl="0" eaLnBrk="0" fontAlgn="base" latinLnBrk="0" hangingPunct="0">
+              <a:lnSpc>
+                <a:spcPct val="100000"/>
+              </a:lnSpc>
+              <a:spcBef>
+                <a:spcPct val="0"/>
+              </a:spcBef>
+              <a:spcAft>
+                <a:spcPct val="0"/>
+              </a:spcAft>
+              <a:buClrTx/>
+              <a:buSzTx/>
+              <a:buFontTx/>
+              <a:buNone/>
+              <a:tabLst/>
+            </a:pPr>
+            <a:r>
+              <a:rPr kumimoji="0" lang="en-US" altLang="en-US" sz="1300" b="1" i="0" u="none" strike="noStrike" cap="none" normalizeH="0" baseline="0">
+                <a:ln>
+                  <a:noFill/>
+                </a:ln>
+                <a:solidFill>
+                  <a:srgbClr val="008080"/>
+                </a:solidFill>
+                <a:effectLst/>
+                <a:latin typeface="Consolas" panose="020B0609020204030204" pitchFamily="49" charset="0"/>
+              </a:rPr>
+              <a:t>'lag_1_ratio_cc'</a:t>
+            </a:r>
+            <a:r>
+              <a:rPr kumimoji="0" lang="en-US" altLang="en-US" sz="1300" b="0" i="0" u="none" strike="noStrike" cap="none" normalizeH="0" baseline="0">
+                <a:ln>
+                  <a:noFill/>
+                </a:ln>
+                <a:solidFill>
+                  <a:srgbClr val="000000"/>
+                </a:solidFill>
+                <a:effectLst/>
+                <a:latin typeface="Consolas" panose="020B0609020204030204" pitchFamily="49" charset="0"/>
+              </a:rPr>
+              <a:t>, </a:t>
+            </a:r>
+            <a:r>
+              <a:rPr kumimoji="0" lang="en-US" altLang="en-US" sz="1300" b="1" i="0" u="none" strike="noStrike" cap="none" normalizeH="0" baseline="0">
+                <a:ln>
+                  <a:noFill/>
+                </a:ln>
+                <a:solidFill>
+                  <a:srgbClr val="008080"/>
+                </a:solidFill>
+                <a:effectLst/>
+                <a:latin typeface="Consolas" panose="020B0609020204030204" pitchFamily="49" charset="0"/>
+              </a:rPr>
+              <a:t>'SeniorPopulation'</a:t>
+            </a:r>
+            <a:r>
+              <a:rPr kumimoji="0" lang="en-US" altLang="en-US" sz="1300" b="0" i="0" u="none" strike="noStrike" cap="none" normalizeH="0" baseline="0">
+                <a:ln>
+                  <a:noFill/>
+                </a:ln>
+                <a:solidFill>
+                  <a:srgbClr val="000000"/>
+                </a:solidFill>
+                <a:effectLst/>
+                <a:latin typeface="Consolas" panose="020B0609020204030204" pitchFamily="49" charset="0"/>
+              </a:rPr>
+              <a:t>, </a:t>
+            </a:r>
+            <a:r>
+              <a:rPr kumimoji="0" lang="en-US" altLang="en-US" sz="1300" b="1" i="0" u="none" strike="noStrike" cap="none" normalizeH="0" baseline="0">
+                <a:ln>
+                  <a:noFill/>
+                </a:ln>
+                <a:solidFill>
+                  <a:srgbClr val="008080"/>
+                </a:solidFill>
+                <a:effectLst/>
+                <a:latin typeface="Consolas" panose="020B0609020204030204" pitchFamily="49" charset="0"/>
+              </a:rPr>
+              <a:t>'FoodStamp'</a:t>
+            </a:r>
+            <a:r>
+              <a:rPr kumimoji="0" lang="en-US" altLang="en-US" sz="1300" b="0" i="0" u="none" strike="noStrike" cap="none" normalizeH="0" baseline="0">
+                <a:ln>
+                  <a:noFill/>
+                </a:ln>
+                <a:solidFill>
+                  <a:srgbClr val="000000"/>
+                </a:solidFill>
+                <a:effectLst/>
+                <a:latin typeface="Consolas" panose="020B0609020204030204" pitchFamily="49" charset="0"/>
+              </a:rPr>
+              <a:t>, </a:t>
+            </a:r>
+            <a:r>
+              <a:rPr kumimoji="0" lang="en-US" altLang="en-US" sz="1300" b="1" i="0" u="none" strike="noStrike" cap="none" normalizeH="0" baseline="0">
+                <a:ln>
+                  <a:noFill/>
+                </a:ln>
+                <a:solidFill>
+                  <a:srgbClr val="008080"/>
+                </a:solidFill>
+                <a:effectLst/>
+                <a:latin typeface="Consolas" panose="020B0609020204030204" pitchFamily="49" charset="0"/>
+              </a:rPr>
+              <a:t>'NoHealthIns'</a:t>
+            </a:r>
+            <a:r>
+              <a:rPr kumimoji="0" lang="en-US" altLang="en-US" sz="1300" b="0" i="0" u="none" strike="noStrike" cap="none" normalizeH="0" baseline="0">
+                <a:ln>
+                  <a:noFill/>
+                </a:ln>
+                <a:solidFill>
+                  <a:srgbClr val="000000"/>
+                </a:solidFill>
+                <a:effectLst/>
+                <a:latin typeface="Consolas" panose="020B0609020204030204" pitchFamily="49" charset="0"/>
+              </a:rPr>
+              <a:t>, </a:t>
+            </a:r>
+            <a:r>
+              <a:rPr kumimoji="0" lang="en-US" altLang="en-US" sz="1300" b="1" i="0" u="none" strike="noStrike" cap="none" normalizeH="0" baseline="0">
+                <a:ln>
+                  <a:noFill/>
+                </a:ln>
+                <a:solidFill>
+                  <a:srgbClr val="008080"/>
+                </a:solidFill>
+                <a:effectLst/>
+                <a:latin typeface="Consolas" panose="020B0609020204030204" pitchFamily="49" charset="0"/>
+              </a:rPr>
+              <a:t>'PovertyLevel'</a:t>
+            </a:r>
+            <a:r>
+              <a:rPr kumimoji="0" lang="en-US" altLang="en-US" sz="1300" b="0" i="0" u="none" strike="noStrike" cap="none" normalizeH="0" baseline="0">
+                <a:ln>
+                  <a:noFill/>
+                </a:ln>
+                <a:solidFill>
+                  <a:srgbClr val="000000"/>
+                </a:solidFill>
+                <a:effectLst/>
+                <a:latin typeface="Consolas" panose="020B0609020204030204" pitchFamily="49" charset="0"/>
+              </a:rPr>
+              <a:t>, </a:t>
+            </a:r>
+            <a:r>
+              <a:rPr kumimoji="0" lang="en-US" altLang="en-US" sz="1300" b="1" i="0" u="none" strike="noStrike" cap="none" normalizeH="0" baseline="0">
+                <a:ln>
+                  <a:noFill/>
+                </a:ln>
+                <a:solidFill>
+                  <a:srgbClr val="008080"/>
+                </a:solidFill>
+                <a:effectLst/>
+                <a:latin typeface="Consolas" panose="020B0609020204030204" pitchFamily="49" charset="0"/>
+              </a:rPr>
+              <a:t>'MeanTravelTime'</a:t>
+            </a:r>
+            <a:endParaRPr kumimoji="0" lang="en-US" altLang="en-US" sz="1800" b="0" i="0" u="none" strike="noStrike" cap="none" normalizeH="0" baseline="0">
+              <a:ln>
+                <a:noFill/>
+              </a:ln>
+              <a:solidFill>
+                <a:schemeClr val="tx1"/>
+              </a:solidFill>
+              <a:effectLst/>
+              <a:latin typeface="Arial" panose="020B0604020202020204" pitchFamily="34" charset="0"/>
+            </a:endParaRPr>
+          </a:p>
+        </p:txBody>
+      </p:sp>
+      <p:pic>
+        <p:nvPicPr>
+          <p:cNvPr id="11" name="그림 10">
+            <a:extLst>
+              <a:ext uri="{FF2B5EF4-FFF2-40B4-BE49-F238E27FC236}">
+                <a16:creationId xmlns:a16="http://schemas.microsoft.com/office/drawing/2014/main" id="{F089CECE-E483-49DC-BF0A-344D4FDF9403}"/>
+              </a:ext>
+            </a:extLst>
+          </p:cNvPr>
+          <p:cNvPicPr>
+            <a:picLocks noChangeAspect="1"/>
+          </p:cNvPicPr>
+          <p:nvPr/>
+        </p:nvPicPr>
+        <p:blipFill>
+          <a:blip r:embed="rId2"/>
+          <a:stretch>
+            <a:fillRect/>
+          </a:stretch>
+        </p:blipFill>
+        <p:spPr>
+          <a:xfrm>
+            <a:off x="1" y="3947553"/>
+            <a:ext cx="4972692" cy="2835307"/>
+          </a:xfrm>
+          <a:prstGeom prst="rect">
+            <a:avLst/>
+          </a:prstGeom>
+        </p:spPr>
+      </p:pic>
+      <p:pic>
+        <p:nvPicPr>
+          <p:cNvPr id="10" name="그림 9">
+            <a:extLst>
+              <a:ext uri="{FF2B5EF4-FFF2-40B4-BE49-F238E27FC236}">
+                <a16:creationId xmlns:a16="http://schemas.microsoft.com/office/drawing/2014/main" id="{26C8A72B-4DC4-44FE-BE72-D3A5F2B05412}"/>
+              </a:ext>
+            </a:extLst>
+          </p:cNvPr>
+          <p:cNvPicPr>
+            <a:picLocks noChangeAspect="1"/>
+          </p:cNvPicPr>
+          <p:nvPr/>
+        </p:nvPicPr>
+        <p:blipFill>
+          <a:blip r:embed="rId3"/>
+          <a:stretch>
+            <a:fillRect/>
+          </a:stretch>
+        </p:blipFill>
+        <p:spPr>
+          <a:xfrm>
+            <a:off x="5813177" y="4659850"/>
+            <a:ext cx="6378823" cy="2050104"/>
+          </a:xfrm>
+          <a:prstGeom prst="rect">
+            <a:avLst/>
+          </a:prstGeom>
+        </p:spPr>
+      </p:pic>
+      <p:sp>
+        <p:nvSpPr>
+          <p:cNvPr id="12" name="직사각형 11">
+            <a:extLst>
+              <a:ext uri="{FF2B5EF4-FFF2-40B4-BE49-F238E27FC236}">
+                <a16:creationId xmlns:a16="http://schemas.microsoft.com/office/drawing/2014/main" id="{126668B4-DA0C-4BE9-8245-937985E934A9}"/>
+              </a:ext>
+            </a:extLst>
+          </p:cNvPr>
+          <p:cNvSpPr/>
+          <p:nvPr/>
+        </p:nvSpPr>
+        <p:spPr>
+          <a:xfrm>
+            <a:off x="8309143" y="3285320"/>
+            <a:ext cx="1366080" cy="369332"/>
+          </a:xfrm>
+          <a:prstGeom prst="rect">
+            <a:avLst/>
+          </a:prstGeom>
+        </p:spPr>
+        <p:txBody>
+          <a:bodyPr wrap="none">
+            <a:spAutoFit/>
+          </a:bodyPr>
+          <a:lstStyle/>
+          <a:p>
+            <a:r>
+              <a:rPr lang="en-US" dirty="0"/>
+              <a:t>1.03709355]</a:t>
+            </a:r>
+          </a:p>
+        </p:txBody>
+      </p:sp>
+    </p:spTree>
+    <p:extLst>
+      <p:ext uri="{BB962C8B-B14F-4D97-AF65-F5344CB8AC3E}">
+        <p14:creationId xmlns:p14="http://schemas.microsoft.com/office/powerpoint/2010/main" val="1202492332"/>
+      </p:ext>
+    </p:extLst>
+  </p:cSld>
+  <p:clrMapOvr>
+    <a:masterClrMapping/>
+  </p:clrMapOvr>
+</p:sld>
+</file>
+
+<file path=ppt/slides/slide92.xml><?xml version="1.0" encoding="utf-8"?>
+<p:sld xmlns:a="http://schemas.openxmlformats.org/drawingml/2006/main" xmlns:r="http://schemas.openxmlformats.org/officeDocument/2006/relationships" xmlns:p="http://schemas.openxmlformats.org/presentationml/2006/main">
+  <p:cSld>
+    <p:spTree>
+      <p:nvGrpSpPr>
+        <p:cNvPr id="1" name=""/>
+        <p:cNvGrpSpPr/>
+        <p:nvPr/>
+      </p:nvGrpSpPr>
+      <p:grpSpPr>
+        <a:xfrm>
+          <a:off x="0" y="0"/>
+          <a:ext cx="0" cy="0"/>
+          <a:chOff x="0" y="0"/>
+          <a:chExt cx="0" cy="0"/>
+        </a:xfrm>
+      </p:grpSpPr>
+      <p:sp>
+        <p:nvSpPr>
+          <p:cNvPr id="4" name="Rectangle 1">
+            <a:extLst>
+              <a:ext uri="{FF2B5EF4-FFF2-40B4-BE49-F238E27FC236}">
+                <a16:creationId xmlns:a16="http://schemas.microsoft.com/office/drawing/2014/main" id="{32F42663-51BA-4750-A7EB-58732E843A39}"/>
+              </a:ext>
+            </a:extLst>
+          </p:cNvPr>
+          <p:cNvSpPr>
+            <a:spLocks noChangeArrowheads="1"/>
+          </p:cNvSpPr>
+          <p:nvPr/>
+        </p:nvSpPr>
+        <p:spPr bwMode="auto">
+          <a:xfrm>
+            <a:off x="359596" y="457200"/>
+            <a:ext cx="8225329" cy="492443"/>
+          </a:xfrm>
+          <a:prstGeom prst="rect">
+            <a:avLst/>
+          </a:prstGeom>
+          <a:solidFill>
+            <a:srgbClr val="FFFFFF"/>
+          </a:solidFill>
+          <a:ln>
+            <a:noFill/>
+          </a:ln>
+          <a:effectLst/>
+          <a:extLst>
+            <a:ext uri="{91240B29-F687-4F45-9708-019B960494DF}">
+              <a14:hiddenLine xmlns:a14="http://schemas.microsoft.com/office/drawing/2010/main" w="9525">
+                <a:solidFill>
+                  <a:schemeClr val="tx1"/>
+                </a:solidFill>
+                <a:miter lim="800000"/>
+                <a:headEnd/>
+                <a:tailEnd/>
+              </a14:hiddenLine>
+            </a:ext>
+            <a:ext uri="{AF507438-7753-43E0-B8FC-AC1667EBCBE1}">
+              <a14:hiddenEffects xmlns:a14="http://schemas.microsoft.com/office/drawing/2010/main">
+                <a:effectLst>
+                  <a:outerShdw dist="35921" dir="2700000" algn="ctr" rotWithShape="0">
+                    <a:schemeClr val="bg2"/>
+                  </a:outerShdw>
+                </a:effectLst>
+              </a14:hiddenEffects>
+            </a:ext>
+          </a:extLst>
+        </p:spPr>
+        <p:txBody>
+          <a:bodyPr vert="horz" wrap="none" lIns="91440" tIns="45720" rIns="91440" bIns="45720" numCol="1" anchor="ctr" anchorCtr="0" compatLnSpc="1">
+            <a:prstTxWarp prst="textNoShape">
+              <a:avLst/>
+            </a:prstTxWarp>
+            <a:spAutoFit/>
+          </a:bodyPr>
+          <a:lstStyle/>
+          <a:p>
+            <a:pPr marL="0" marR="0" lvl="0" indent="0" algn="l" defTabSz="914400" rtl="0" eaLnBrk="0" fontAlgn="base" latinLnBrk="0" hangingPunct="0">
+              <a:lnSpc>
+                <a:spcPct val="100000"/>
+              </a:lnSpc>
+              <a:spcBef>
+                <a:spcPct val="0"/>
+              </a:spcBef>
+              <a:spcAft>
+                <a:spcPct val="0"/>
+              </a:spcAft>
+              <a:buClrTx/>
+              <a:buSzTx/>
+              <a:buFontTx/>
+              <a:buNone/>
+              <a:tabLst/>
+            </a:pPr>
+            <a:r>
+              <a:rPr kumimoji="0" lang="en-US" altLang="en-US" sz="1300" b="1" i="0" u="none" strike="noStrike" cap="none" normalizeH="0" baseline="0" dirty="0">
+                <a:ln>
+                  <a:noFill/>
+                </a:ln>
+                <a:solidFill>
+                  <a:srgbClr val="008080"/>
+                </a:solidFill>
+                <a:effectLst/>
+                <a:latin typeface="Consolas" panose="020B0609020204030204" pitchFamily="49" charset="0"/>
+              </a:rPr>
+              <a:t>'lag_1_ratio_cc'</a:t>
+            </a:r>
+            <a:r>
+              <a:rPr kumimoji="0" lang="en-US" altLang="en-US" sz="1300" b="0" i="0" u="none" strike="noStrike" cap="none" normalizeH="0" baseline="0" dirty="0">
+                <a:ln>
+                  <a:noFill/>
+                </a:ln>
+                <a:solidFill>
+                  <a:srgbClr val="000000"/>
+                </a:solidFill>
+                <a:effectLst/>
+                <a:latin typeface="Consolas" panose="020B0609020204030204" pitchFamily="49" charset="0"/>
+              </a:rPr>
+              <a:t>, </a:t>
+            </a:r>
+            <a:r>
+              <a:rPr kumimoji="0" lang="en-US" altLang="en-US" sz="1300" b="1" i="0" u="none" strike="noStrike" cap="none" normalizeH="0" baseline="0" dirty="0">
+                <a:ln>
+                  <a:noFill/>
+                </a:ln>
+                <a:solidFill>
+                  <a:srgbClr val="008080"/>
+                </a:solidFill>
+                <a:effectLst/>
+                <a:latin typeface="Consolas" panose="020B0609020204030204" pitchFamily="49" charset="0"/>
+              </a:rPr>
+              <a:t>'</a:t>
+            </a:r>
+            <a:r>
+              <a:rPr kumimoji="0" lang="en-US" altLang="en-US" sz="1300" b="1" i="0" u="none" strike="noStrike" cap="none" normalizeH="0" baseline="0" dirty="0" err="1">
+                <a:ln>
+                  <a:noFill/>
+                </a:ln>
+                <a:solidFill>
+                  <a:srgbClr val="008080"/>
+                </a:solidFill>
+                <a:effectLst/>
+                <a:latin typeface="Consolas" panose="020B0609020204030204" pitchFamily="49" charset="0"/>
+              </a:rPr>
+              <a:t>SeniorPopulation</a:t>
+            </a:r>
+            <a:r>
+              <a:rPr kumimoji="0" lang="en-US" altLang="en-US" sz="1300" b="1" i="0" u="none" strike="noStrike" cap="none" normalizeH="0" baseline="0" dirty="0">
+                <a:ln>
+                  <a:noFill/>
+                </a:ln>
+                <a:solidFill>
+                  <a:srgbClr val="008080"/>
+                </a:solidFill>
+                <a:effectLst/>
+                <a:latin typeface="Consolas" panose="020B0609020204030204" pitchFamily="49" charset="0"/>
+              </a:rPr>
+              <a:t>'</a:t>
+            </a:r>
+            <a:r>
+              <a:rPr kumimoji="0" lang="en-US" altLang="en-US" sz="1300" b="0" i="0" u="none" strike="noStrike" cap="none" normalizeH="0" baseline="0" dirty="0">
+                <a:ln>
+                  <a:noFill/>
+                </a:ln>
+                <a:solidFill>
+                  <a:srgbClr val="000000"/>
+                </a:solidFill>
+                <a:effectLst/>
+                <a:latin typeface="Consolas" panose="020B0609020204030204" pitchFamily="49" charset="0"/>
+              </a:rPr>
+              <a:t>, </a:t>
+            </a:r>
+            <a:r>
+              <a:rPr kumimoji="0" lang="en-US" altLang="en-US" sz="1300" b="1" i="0" u="none" strike="noStrike" cap="none" normalizeH="0" baseline="0" dirty="0">
+                <a:ln>
+                  <a:noFill/>
+                </a:ln>
+                <a:solidFill>
+                  <a:srgbClr val="008080"/>
+                </a:solidFill>
+                <a:effectLst/>
+                <a:latin typeface="Consolas" panose="020B0609020204030204" pitchFamily="49" charset="0"/>
+              </a:rPr>
+              <a:t>'</a:t>
+            </a:r>
+            <a:r>
+              <a:rPr kumimoji="0" lang="en-US" altLang="en-US" sz="1300" b="1" i="0" u="none" strike="noStrike" cap="none" normalizeH="0" baseline="0" dirty="0" err="1">
+                <a:ln>
+                  <a:noFill/>
+                </a:ln>
+                <a:solidFill>
+                  <a:srgbClr val="008080"/>
+                </a:solidFill>
+                <a:effectLst/>
+                <a:latin typeface="Consolas" panose="020B0609020204030204" pitchFamily="49" charset="0"/>
+              </a:rPr>
+              <a:t>FoodStamp</a:t>
+            </a:r>
+            <a:r>
+              <a:rPr kumimoji="0" lang="en-US" altLang="en-US" sz="1300" b="1" i="0" u="none" strike="noStrike" cap="none" normalizeH="0" baseline="0" dirty="0">
+                <a:ln>
+                  <a:noFill/>
+                </a:ln>
+                <a:solidFill>
+                  <a:srgbClr val="008080"/>
+                </a:solidFill>
+                <a:effectLst/>
+                <a:latin typeface="Consolas" panose="020B0609020204030204" pitchFamily="49" charset="0"/>
+              </a:rPr>
+              <a:t>'</a:t>
+            </a:r>
+            <a:r>
+              <a:rPr kumimoji="0" lang="en-US" altLang="en-US" sz="1300" b="0" i="0" u="none" strike="noStrike" cap="none" normalizeH="0" baseline="0" dirty="0">
+                <a:ln>
+                  <a:noFill/>
+                </a:ln>
+                <a:solidFill>
+                  <a:srgbClr val="000000"/>
+                </a:solidFill>
+                <a:effectLst/>
+                <a:latin typeface="Consolas" panose="020B0609020204030204" pitchFamily="49" charset="0"/>
+              </a:rPr>
+              <a:t>, </a:t>
+            </a:r>
+            <a:r>
+              <a:rPr kumimoji="0" lang="en-US" altLang="en-US" sz="1300" b="1" i="0" u="none" strike="noStrike" cap="none" normalizeH="0" baseline="0" dirty="0">
+                <a:ln>
+                  <a:noFill/>
+                </a:ln>
+                <a:solidFill>
+                  <a:srgbClr val="008080"/>
+                </a:solidFill>
+                <a:effectLst/>
+                <a:latin typeface="Consolas" panose="020B0609020204030204" pitchFamily="49" charset="0"/>
+              </a:rPr>
+              <a:t>'</a:t>
+            </a:r>
+            <a:r>
+              <a:rPr kumimoji="0" lang="en-US" altLang="en-US" sz="1300" b="1" i="0" u="none" strike="noStrike" cap="none" normalizeH="0" baseline="0" dirty="0" err="1">
+                <a:ln>
+                  <a:noFill/>
+                </a:ln>
+                <a:solidFill>
+                  <a:srgbClr val="008080"/>
+                </a:solidFill>
+                <a:effectLst/>
+                <a:latin typeface="Consolas" panose="020B0609020204030204" pitchFamily="49" charset="0"/>
+              </a:rPr>
+              <a:t>NoHealthIns</a:t>
+            </a:r>
+            <a:r>
+              <a:rPr kumimoji="0" lang="en-US" altLang="en-US" sz="1300" b="1" i="0" u="none" strike="noStrike" cap="none" normalizeH="0" baseline="0" dirty="0">
+                <a:ln>
+                  <a:noFill/>
+                </a:ln>
+                <a:solidFill>
+                  <a:srgbClr val="008080"/>
+                </a:solidFill>
+                <a:effectLst/>
+                <a:latin typeface="Consolas" panose="020B0609020204030204" pitchFamily="49" charset="0"/>
+              </a:rPr>
+              <a:t>'</a:t>
+            </a:r>
+            <a:r>
+              <a:rPr kumimoji="0" lang="en-US" altLang="en-US" sz="1300" b="0" i="0" u="none" strike="noStrike" cap="none" normalizeH="0" baseline="0" dirty="0">
+                <a:ln>
+                  <a:noFill/>
+                </a:ln>
+                <a:solidFill>
+                  <a:srgbClr val="000000"/>
+                </a:solidFill>
+                <a:effectLst/>
+                <a:latin typeface="Consolas" panose="020B0609020204030204" pitchFamily="49" charset="0"/>
+              </a:rPr>
+              <a:t>, </a:t>
+            </a:r>
+            <a:r>
+              <a:rPr kumimoji="0" lang="en-US" altLang="en-US" sz="1300" b="1" i="0" u="none" strike="noStrike" cap="none" normalizeH="0" baseline="0" dirty="0">
+                <a:ln>
+                  <a:noFill/>
+                </a:ln>
+                <a:solidFill>
+                  <a:srgbClr val="008080"/>
+                </a:solidFill>
+                <a:effectLst/>
+                <a:latin typeface="Consolas" panose="020B0609020204030204" pitchFamily="49" charset="0"/>
+              </a:rPr>
+              <a:t>'</a:t>
+            </a:r>
+            <a:r>
+              <a:rPr kumimoji="0" lang="en-US" altLang="en-US" sz="1300" b="1" i="0" u="none" strike="noStrike" cap="none" normalizeH="0" baseline="0" dirty="0" err="1">
+                <a:ln>
+                  <a:noFill/>
+                </a:ln>
+                <a:solidFill>
+                  <a:srgbClr val="008080"/>
+                </a:solidFill>
+                <a:effectLst/>
+                <a:latin typeface="Consolas" panose="020B0609020204030204" pitchFamily="49" charset="0"/>
+              </a:rPr>
+              <a:t>PovertyLevel</a:t>
+            </a:r>
+            <a:r>
+              <a:rPr kumimoji="0" lang="en-US" altLang="en-US" sz="1300" b="1" i="0" u="none" strike="noStrike" cap="none" normalizeH="0" baseline="0" dirty="0">
+                <a:ln>
+                  <a:noFill/>
+                </a:ln>
+                <a:solidFill>
+                  <a:srgbClr val="008080"/>
+                </a:solidFill>
+                <a:effectLst/>
+                <a:latin typeface="Consolas" panose="020B0609020204030204" pitchFamily="49" charset="0"/>
+              </a:rPr>
+              <a:t>'</a:t>
+            </a:r>
+            <a:r>
+              <a:rPr kumimoji="0" lang="en-US" altLang="en-US" sz="1300" b="0" i="0" u="none" strike="noStrike" cap="none" normalizeH="0" baseline="0" dirty="0">
+                <a:ln>
+                  <a:noFill/>
+                </a:ln>
+                <a:solidFill>
+                  <a:srgbClr val="000000"/>
+                </a:solidFill>
+                <a:effectLst/>
+                <a:latin typeface="Consolas" panose="020B0609020204030204" pitchFamily="49" charset="0"/>
+              </a:rPr>
+              <a:t>,</a:t>
+            </a:r>
+            <a:br>
+              <a:rPr kumimoji="0" lang="en-US" altLang="en-US" sz="1300" b="0" i="0" u="none" strike="noStrike" cap="none" normalizeH="0" baseline="0" dirty="0">
+                <a:ln>
+                  <a:noFill/>
+                </a:ln>
+                <a:solidFill>
+                  <a:srgbClr val="000000"/>
+                </a:solidFill>
+                <a:effectLst/>
+                <a:latin typeface="Consolas" panose="020B0609020204030204" pitchFamily="49" charset="0"/>
+              </a:rPr>
+            </a:br>
+            <a:r>
+              <a:rPr kumimoji="0" lang="en-US" altLang="en-US" sz="1300" b="1" i="0" u="none" strike="noStrike" cap="none" normalizeH="0" baseline="0" dirty="0">
+                <a:ln>
+                  <a:noFill/>
+                </a:ln>
+                <a:solidFill>
+                  <a:srgbClr val="008080"/>
+                </a:solidFill>
+                <a:effectLst/>
+                <a:latin typeface="Consolas" panose="020B0609020204030204" pitchFamily="49" charset="0"/>
+              </a:rPr>
+              <a:t>'</a:t>
+            </a:r>
+            <a:r>
+              <a:rPr kumimoji="0" lang="en-US" altLang="en-US" sz="1300" b="1" i="0" u="none" strike="noStrike" cap="none" normalizeH="0" baseline="0" dirty="0" err="1">
+                <a:ln>
+                  <a:noFill/>
+                </a:ln>
+                <a:solidFill>
+                  <a:srgbClr val="008080"/>
+                </a:solidFill>
+                <a:effectLst/>
+                <a:latin typeface="Consolas" panose="020B0609020204030204" pitchFamily="49" charset="0"/>
+              </a:rPr>
+              <a:t>MeanTravelTime</a:t>
+            </a:r>
+            <a:r>
+              <a:rPr kumimoji="0" lang="en-US" altLang="en-US" sz="1300" b="1" i="0" u="none" strike="noStrike" cap="none" normalizeH="0" baseline="0" dirty="0">
+                <a:ln>
+                  <a:noFill/>
+                </a:ln>
+                <a:solidFill>
+                  <a:srgbClr val="008080"/>
+                </a:solidFill>
+                <a:effectLst/>
+                <a:latin typeface="Consolas" panose="020B0609020204030204" pitchFamily="49" charset="0"/>
+              </a:rPr>
+              <a:t>'</a:t>
+            </a:r>
+            <a:r>
+              <a:rPr kumimoji="0" lang="en-US" altLang="en-US" sz="1300" b="0" i="0" u="none" strike="noStrike" cap="none" normalizeH="0" baseline="0" dirty="0">
+                <a:ln>
+                  <a:noFill/>
+                </a:ln>
+                <a:solidFill>
+                  <a:srgbClr val="000000"/>
+                </a:solidFill>
+                <a:effectLst/>
+                <a:latin typeface="Consolas" panose="020B0609020204030204" pitchFamily="49" charset="0"/>
+              </a:rPr>
+              <a:t>, </a:t>
+            </a:r>
+            <a:r>
+              <a:rPr kumimoji="0" lang="en-US" altLang="en-US" sz="1300" b="1" i="0" u="none" strike="noStrike" cap="none" normalizeH="0" baseline="0" dirty="0">
+                <a:ln>
+                  <a:noFill/>
+                </a:ln>
+                <a:solidFill>
+                  <a:srgbClr val="008080"/>
+                </a:solidFill>
+                <a:effectLst/>
+                <a:latin typeface="Consolas" panose="020B0609020204030204" pitchFamily="49" charset="0"/>
+              </a:rPr>
+              <a:t>'</a:t>
+            </a:r>
+            <a:r>
+              <a:rPr kumimoji="0" lang="en-US" altLang="en-US" sz="1300" b="1" i="0" u="none" strike="noStrike" cap="none" normalizeH="0" baseline="0" dirty="0" err="1">
+                <a:ln>
+                  <a:noFill/>
+                </a:ln>
+                <a:solidFill>
+                  <a:srgbClr val="008080"/>
+                </a:solidFill>
+                <a:effectLst/>
+                <a:latin typeface="Consolas" panose="020B0609020204030204" pitchFamily="49" charset="0"/>
+              </a:rPr>
+              <a:t>SeniorMalePopulation</a:t>
+            </a:r>
+            <a:r>
+              <a:rPr kumimoji="0" lang="en-US" altLang="en-US" sz="1300" b="1" i="0" u="none" strike="noStrike" cap="none" normalizeH="0" baseline="0" dirty="0">
+                <a:ln>
+                  <a:noFill/>
+                </a:ln>
+                <a:solidFill>
+                  <a:srgbClr val="008080"/>
+                </a:solidFill>
+                <a:effectLst/>
+                <a:latin typeface="Consolas" panose="020B0609020204030204" pitchFamily="49" charset="0"/>
+              </a:rPr>
+              <a:t>'</a:t>
+            </a:r>
+            <a:r>
+              <a:rPr kumimoji="0" lang="en-US" altLang="en-US" sz="1300" b="0" i="0" u="none" strike="noStrike" cap="none" normalizeH="0" baseline="0" dirty="0">
+                <a:ln>
+                  <a:noFill/>
+                </a:ln>
+                <a:solidFill>
+                  <a:srgbClr val="000000"/>
+                </a:solidFill>
+                <a:effectLst/>
+                <a:latin typeface="Consolas" panose="020B0609020204030204" pitchFamily="49" charset="0"/>
+              </a:rPr>
+              <a:t>, </a:t>
+            </a:r>
+            <a:r>
+              <a:rPr kumimoji="0" lang="en-US" altLang="en-US" sz="1300" b="1" i="0" u="none" strike="noStrike" cap="none" normalizeH="0" baseline="0" dirty="0">
+                <a:ln>
+                  <a:noFill/>
+                </a:ln>
+                <a:solidFill>
+                  <a:srgbClr val="008080"/>
+                </a:solidFill>
+                <a:effectLst/>
+                <a:latin typeface="Consolas" panose="020B0609020204030204" pitchFamily="49" charset="0"/>
+              </a:rPr>
+              <a:t>'</a:t>
+            </a:r>
+            <a:r>
+              <a:rPr kumimoji="0" lang="en-US" altLang="en-US" sz="1300" b="1" i="0" u="none" strike="noStrike" cap="none" normalizeH="0" baseline="0" dirty="0" err="1">
+                <a:ln>
+                  <a:noFill/>
+                </a:ln>
+                <a:solidFill>
+                  <a:srgbClr val="008080"/>
+                </a:solidFill>
+                <a:effectLst/>
+                <a:latin typeface="Consolas" panose="020B0609020204030204" pitchFamily="49" charset="0"/>
+              </a:rPr>
+              <a:t>PublicTransportationP</a:t>
+            </a:r>
+            <a:r>
+              <a:rPr kumimoji="0" lang="en-US" altLang="en-US" sz="1300" b="1" i="0" u="none" strike="noStrike" cap="none" normalizeH="0" baseline="0" dirty="0">
+                <a:ln>
+                  <a:noFill/>
+                </a:ln>
+                <a:solidFill>
+                  <a:srgbClr val="008080"/>
+                </a:solidFill>
+                <a:effectLst/>
+                <a:latin typeface="Consolas" panose="020B0609020204030204" pitchFamily="49" charset="0"/>
+              </a:rPr>
+              <a:t>'</a:t>
+            </a:r>
+            <a:r>
+              <a:rPr kumimoji="0" lang="en-US" altLang="en-US" sz="1300" b="0" i="0" u="none" strike="noStrike" cap="none" normalizeH="0" baseline="0" dirty="0">
+                <a:ln>
+                  <a:noFill/>
+                </a:ln>
+                <a:solidFill>
+                  <a:srgbClr val="000000"/>
+                </a:solidFill>
+                <a:effectLst/>
+                <a:latin typeface="Consolas" panose="020B0609020204030204" pitchFamily="49" charset="0"/>
+              </a:rPr>
+              <a:t>, </a:t>
+            </a:r>
+            <a:r>
+              <a:rPr kumimoji="0" lang="en-US" altLang="en-US" sz="1300" b="1" i="0" u="none" strike="noStrike" cap="none" normalizeH="0" baseline="0" dirty="0">
+                <a:ln>
+                  <a:noFill/>
+                </a:ln>
+                <a:solidFill>
+                  <a:srgbClr val="008080"/>
+                </a:solidFill>
+                <a:effectLst/>
+                <a:latin typeface="Consolas" panose="020B0609020204030204" pitchFamily="49" charset="0"/>
+              </a:rPr>
+              <a:t>'Household'</a:t>
+            </a:r>
+            <a:r>
+              <a:rPr kumimoji="0" lang="en-US" altLang="en-US" sz="1300" b="0" i="0" u="none" strike="noStrike" cap="none" normalizeH="0" baseline="0" dirty="0">
+                <a:ln>
+                  <a:noFill/>
+                </a:ln>
+                <a:solidFill>
+                  <a:srgbClr val="000000"/>
+                </a:solidFill>
+                <a:effectLst/>
+                <a:latin typeface="Consolas" panose="020B0609020204030204" pitchFamily="49" charset="0"/>
+              </a:rPr>
+              <a:t>, </a:t>
+            </a:r>
+            <a:r>
+              <a:rPr kumimoji="0" lang="en-US" altLang="en-US" sz="1300" b="1" i="0" u="none" strike="noStrike" cap="none" normalizeH="0" baseline="0" dirty="0">
+                <a:ln>
+                  <a:noFill/>
+                </a:ln>
+                <a:solidFill>
+                  <a:srgbClr val="008080"/>
+                </a:solidFill>
+                <a:effectLst/>
+                <a:latin typeface="Consolas" panose="020B0609020204030204" pitchFamily="49" charset="0"/>
+              </a:rPr>
+              <a:t>'Income'</a:t>
+            </a:r>
+            <a:endParaRPr kumimoji="0" lang="en-US" altLang="en-US" sz="1800" b="0" i="0" u="none" strike="noStrike" cap="none" normalizeH="0" baseline="0" dirty="0">
+              <a:ln>
+                <a:noFill/>
+              </a:ln>
+              <a:solidFill>
+                <a:schemeClr val="tx1"/>
+              </a:solidFill>
+              <a:effectLst/>
+              <a:latin typeface="Arial" panose="020B0604020202020204" pitchFamily="34" charset="0"/>
+            </a:endParaRPr>
+          </a:p>
+        </p:txBody>
+      </p:sp>
+      <p:sp>
+        <p:nvSpPr>
+          <p:cNvPr id="5" name="Rectangle 1">
+            <a:extLst>
+              <a:ext uri="{FF2B5EF4-FFF2-40B4-BE49-F238E27FC236}">
+                <a16:creationId xmlns:a16="http://schemas.microsoft.com/office/drawing/2014/main" id="{22C82D7D-37BA-4531-9DE0-6D992C5235D9}"/>
+              </a:ext>
+            </a:extLst>
+          </p:cNvPr>
+          <p:cNvSpPr>
+            <a:spLocks noChangeArrowheads="1"/>
+          </p:cNvSpPr>
+          <p:nvPr/>
+        </p:nvSpPr>
+        <p:spPr bwMode="auto">
+          <a:xfrm>
+            <a:off x="0" y="0"/>
+            <a:ext cx="12192000" cy="457200"/>
+          </a:xfrm>
+          <a:prstGeom prst="rect">
+            <a:avLst/>
+          </a:prstGeom>
+          <a:solidFill>
+            <a:srgbClr val="FFFFFF"/>
+          </a:solidFill>
+          <a:ln>
+            <a:noFill/>
+          </a:ln>
+          <a:effectLst/>
+          <a:extLst>
+            <a:ext uri="{91240B29-F687-4F45-9708-019B960494DF}">
+              <a14:hiddenLine xmlns:a14="http://schemas.microsoft.com/office/drawing/2010/main" w="9525">
+                <a:solidFill>
+                  <a:schemeClr val="tx1"/>
+                </a:solidFill>
+                <a:miter lim="800000"/>
+                <a:headEnd/>
+                <a:tailEnd/>
+              </a14:hiddenLine>
+            </a:ext>
+            <a:ext uri="{AF507438-7753-43E0-B8FC-AC1667EBCBE1}">
+              <a14:hiddenEffects xmlns:a14="http://schemas.microsoft.com/office/drawing/2010/main">
+                <a:effectLst>
+                  <a:outerShdw dist="35921" dir="2700000" algn="ctr" rotWithShape="0">
+                    <a:schemeClr val="bg2"/>
+                  </a:outerShdw>
+                </a:effectLst>
+              </a14:hiddenEffects>
+            </a:ext>
+          </a:extLst>
+        </p:spPr>
+        <p:txBody>
+          <a:bodyPr vert="horz" wrap="none" lIns="91440" tIns="45720" rIns="91440" bIns="45720" numCol="1" anchor="ctr" anchorCtr="0" compatLnSpc="1">
+            <a:prstTxWarp prst="textNoShape">
+              <a:avLst/>
+            </a:prstTxWarp>
+            <a:spAutoFit/>
+          </a:bodyPr>
+          <a:lstStyle/>
+          <a:p>
+            <a:pPr marL="0" marR="0" lvl="0" indent="0" algn="l" defTabSz="914400" rtl="0" eaLnBrk="0" fontAlgn="base" latinLnBrk="0" hangingPunct="0">
+              <a:lnSpc>
+                <a:spcPct val="100000"/>
+              </a:lnSpc>
+              <a:spcBef>
+                <a:spcPct val="0"/>
+              </a:spcBef>
+              <a:spcAft>
+                <a:spcPct val="0"/>
+              </a:spcAft>
+              <a:buClrTx/>
+              <a:buSzTx/>
+              <a:buFontTx/>
+              <a:buNone/>
+              <a:tabLst/>
+            </a:pPr>
+            <a:r>
+              <a:rPr kumimoji="0" lang="en-US" altLang="en-US" sz="1300" b="1" i="0" u="none" strike="noStrike" cap="none" normalizeH="0" baseline="0" dirty="0">
+                <a:ln>
+                  <a:noFill/>
+                </a:ln>
+                <a:solidFill>
+                  <a:srgbClr val="008080"/>
+                </a:solidFill>
+                <a:effectLst/>
+                <a:latin typeface="Consolas" panose="020B0609020204030204" pitchFamily="49" charset="0"/>
+              </a:rPr>
+              <a:t>"Alaska"</a:t>
+            </a:r>
+            <a:r>
+              <a:rPr kumimoji="0" lang="en-US" altLang="en-US" sz="1300" b="0" i="0" u="none" strike="noStrike" cap="none" normalizeH="0" baseline="0" dirty="0">
+                <a:ln>
+                  <a:noFill/>
+                </a:ln>
+                <a:solidFill>
+                  <a:srgbClr val="000000"/>
+                </a:solidFill>
+                <a:effectLst/>
+                <a:latin typeface="Consolas" panose="020B0609020204030204" pitchFamily="49" charset="0"/>
+              </a:rPr>
+              <a:t>, </a:t>
+            </a:r>
+            <a:r>
+              <a:rPr kumimoji="0" lang="en-US" altLang="en-US" sz="1300" b="1" i="0" u="none" strike="noStrike" cap="none" normalizeH="0" baseline="0" dirty="0">
+                <a:ln>
+                  <a:noFill/>
+                </a:ln>
+                <a:solidFill>
+                  <a:srgbClr val="008080"/>
+                </a:solidFill>
+                <a:effectLst/>
+                <a:latin typeface="Consolas" panose="020B0609020204030204" pitchFamily="49" charset="0"/>
+              </a:rPr>
+              <a:t>"Hawaii"</a:t>
+            </a:r>
+            <a:r>
+              <a:rPr kumimoji="0" lang="en-US" altLang="en-US" sz="1300" b="0" i="0" u="none" strike="noStrike" cap="none" normalizeH="0" baseline="0" dirty="0">
+                <a:ln>
+                  <a:noFill/>
+                </a:ln>
+                <a:solidFill>
+                  <a:srgbClr val="000000"/>
+                </a:solidFill>
+                <a:effectLst/>
+                <a:latin typeface="Consolas" panose="020B0609020204030204" pitchFamily="49" charset="0"/>
+              </a:rPr>
+              <a:t>, </a:t>
+            </a:r>
+            <a:r>
+              <a:rPr kumimoji="0" lang="en-US" altLang="en-US" sz="1300" b="1" i="0" u="none" strike="noStrike" cap="none" normalizeH="0" baseline="0" dirty="0">
+                <a:ln>
+                  <a:noFill/>
+                </a:ln>
+                <a:solidFill>
+                  <a:srgbClr val="008080"/>
+                </a:solidFill>
+                <a:effectLst/>
+                <a:latin typeface="Consolas" panose="020B0609020204030204" pitchFamily="49" charset="0"/>
+              </a:rPr>
+              <a:t>"Idaho"</a:t>
+            </a:r>
+            <a:r>
+              <a:rPr kumimoji="0" lang="en-US" altLang="en-US" sz="1300" b="0" i="0" u="none" strike="noStrike" cap="none" normalizeH="0" baseline="0" dirty="0">
+                <a:ln>
+                  <a:noFill/>
+                </a:ln>
+                <a:solidFill>
+                  <a:srgbClr val="000000"/>
+                </a:solidFill>
+                <a:effectLst/>
+                <a:latin typeface="Consolas" panose="020B0609020204030204" pitchFamily="49" charset="0"/>
+              </a:rPr>
+              <a:t>, </a:t>
+            </a:r>
+            <a:r>
+              <a:rPr kumimoji="0" lang="en-US" altLang="en-US" sz="1300" b="1" i="0" u="none" strike="noStrike" cap="none" normalizeH="0" baseline="0" dirty="0">
+                <a:ln>
+                  <a:noFill/>
+                </a:ln>
+                <a:solidFill>
+                  <a:srgbClr val="008080"/>
+                </a:solidFill>
+                <a:effectLst/>
+                <a:latin typeface="Consolas" panose="020B0609020204030204" pitchFamily="49" charset="0"/>
+              </a:rPr>
+              <a:t>"Louisiana"</a:t>
+            </a:r>
+            <a:r>
+              <a:rPr kumimoji="0" lang="en-US" altLang="en-US" sz="1300" b="0" i="0" u="none" strike="noStrike" cap="none" normalizeH="0" baseline="0" dirty="0">
+                <a:ln>
+                  <a:noFill/>
+                </a:ln>
+                <a:solidFill>
+                  <a:srgbClr val="000000"/>
+                </a:solidFill>
+                <a:effectLst/>
+                <a:latin typeface="Consolas" panose="020B0609020204030204" pitchFamily="49" charset="0"/>
+              </a:rPr>
+              <a:t>, </a:t>
+            </a:r>
+            <a:r>
+              <a:rPr kumimoji="0" lang="en-US" altLang="en-US" sz="1300" b="1" i="0" u="none" strike="noStrike" cap="none" normalizeH="0" baseline="0" dirty="0">
+                <a:ln>
+                  <a:noFill/>
+                </a:ln>
+                <a:solidFill>
+                  <a:srgbClr val="008080"/>
+                </a:solidFill>
+                <a:effectLst/>
+                <a:latin typeface="Consolas" panose="020B0609020204030204" pitchFamily="49" charset="0"/>
+              </a:rPr>
+              <a:t>"Vermont"</a:t>
+            </a:r>
+            <a:endParaRPr kumimoji="0" lang="en-US" altLang="en-US" sz="1800" b="0" i="0" u="none" strike="noStrike" cap="none" normalizeH="0" baseline="0" dirty="0">
+              <a:ln>
+                <a:noFill/>
+              </a:ln>
+              <a:solidFill>
+                <a:schemeClr val="tx1"/>
+              </a:solidFill>
+              <a:effectLst/>
+              <a:latin typeface="Arial" panose="020B0604020202020204" pitchFamily="34" charset="0"/>
+            </a:endParaRPr>
+          </a:p>
+        </p:txBody>
+      </p:sp>
+      <p:sp>
+        <p:nvSpPr>
+          <p:cNvPr id="7" name="직사각형 6">
+            <a:extLst>
+              <a:ext uri="{FF2B5EF4-FFF2-40B4-BE49-F238E27FC236}">
+                <a16:creationId xmlns:a16="http://schemas.microsoft.com/office/drawing/2014/main" id="{DAAEB55E-AA58-4C86-8A29-010907661E5B}"/>
+              </a:ext>
+            </a:extLst>
+          </p:cNvPr>
+          <p:cNvSpPr/>
+          <p:nvPr/>
+        </p:nvSpPr>
+        <p:spPr>
+          <a:xfrm>
+            <a:off x="359595" y="911308"/>
+            <a:ext cx="10900881" cy="1477328"/>
+          </a:xfrm>
+          <a:prstGeom prst="rect">
+            <a:avLst/>
+          </a:prstGeom>
+        </p:spPr>
+        <p:txBody>
+          <a:bodyPr wrap="square">
+            <a:spAutoFit/>
+          </a:bodyPr>
+          <a:lstStyle/>
+          <a:p>
+            <a:r>
+              <a:rPr lang="en-US" dirty="0"/>
+              <a:t>[1.02031032] Train Length[372]  Prediction Length[54]  Input Windows[20]  MAE Score[0.0897]</a:t>
+            </a:r>
+          </a:p>
+          <a:p>
+            <a:r>
+              <a:rPr lang="en-US" dirty="0"/>
+              <a:t>[1.02406714] Train Length[372]  Prediction Length[54]  Input Windows[20]  MAE Score[0.0913]</a:t>
+            </a:r>
+          </a:p>
+          <a:p>
+            <a:r>
+              <a:rPr lang="en-US" dirty="0"/>
+              <a:t>[1.01680865] Train Length[372]  Prediction Length[54]  Input Windows[20]  MAE Score[0.0885]</a:t>
+            </a:r>
+          </a:p>
+          <a:p>
+            <a:r>
+              <a:rPr lang="en-US" dirty="0"/>
+              <a:t>[1.02173407] Train Length[372]  Prediction Length[54]  Input Windows[20]  MAE Score[0.0901]</a:t>
+            </a:r>
+          </a:p>
+          <a:p>
+            <a:r>
+              <a:rPr lang="en-US" dirty="0"/>
+              <a:t>[1.02178414] Train Length[372]  Prediction Length[54]  Input Windows[20]  MAE Score[0.0901]</a:t>
+            </a:r>
+          </a:p>
+        </p:txBody>
+      </p:sp>
+      <p:sp>
+        <p:nvSpPr>
+          <p:cNvPr id="9" name="Rectangle 2">
+            <a:extLst>
+              <a:ext uri="{FF2B5EF4-FFF2-40B4-BE49-F238E27FC236}">
+                <a16:creationId xmlns:a16="http://schemas.microsoft.com/office/drawing/2014/main" id="{9E076452-56B1-4544-9F00-9E9FA8E4D36D}"/>
+              </a:ext>
+            </a:extLst>
+          </p:cNvPr>
+          <p:cNvSpPr>
+            <a:spLocks noChangeArrowheads="1"/>
+          </p:cNvSpPr>
+          <p:nvPr/>
+        </p:nvSpPr>
+        <p:spPr bwMode="auto">
+          <a:xfrm>
+            <a:off x="544530" y="2550356"/>
+            <a:ext cx="8681663" cy="292388"/>
+          </a:xfrm>
+          <a:prstGeom prst="rect">
+            <a:avLst/>
+          </a:prstGeom>
+          <a:solidFill>
+            <a:srgbClr val="FFFFFF"/>
+          </a:solidFill>
+          <a:ln>
+            <a:noFill/>
+          </a:ln>
+          <a:effectLst/>
+          <a:extLst>
+            <a:ext uri="{91240B29-F687-4F45-9708-019B960494DF}">
+              <a14:hiddenLine xmlns:a14="http://schemas.microsoft.com/office/drawing/2010/main" w="9525">
+                <a:solidFill>
+                  <a:schemeClr val="tx1"/>
+                </a:solidFill>
+                <a:miter lim="800000"/>
+                <a:headEnd/>
+                <a:tailEnd/>
+              </a14:hiddenLine>
+            </a:ext>
+            <a:ext uri="{AF507438-7753-43E0-B8FC-AC1667EBCBE1}">
+              <a14:hiddenEffects xmlns:a14="http://schemas.microsoft.com/office/drawing/2010/main">
+                <a:effectLst>
+                  <a:outerShdw dist="35921" dir="2700000" algn="ctr" rotWithShape="0">
+                    <a:schemeClr val="bg2"/>
+                  </a:outerShdw>
+                </a:effectLst>
+              </a14:hiddenEffects>
+            </a:ext>
+          </a:extLst>
+        </p:spPr>
+        <p:txBody>
+          <a:bodyPr vert="horz" wrap="square" lIns="91440" tIns="45720" rIns="91440" bIns="45720" numCol="1" anchor="ctr" anchorCtr="0" compatLnSpc="1">
+            <a:prstTxWarp prst="textNoShape">
+              <a:avLst/>
+            </a:prstTxWarp>
+            <a:spAutoFit/>
+          </a:bodyPr>
+          <a:lstStyle/>
+          <a:p>
+            <a:pPr marL="0" marR="0" lvl="0" indent="0" algn="l" defTabSz="914400" rtl="0" eaLnBrk="0" fontAlgn="base" latinLnBrk="0" hangingPunct="0">
+              <a:lnSpc>
+                <a:spcPct val="100000"/>
+              </a:lnSpc>
+              <a:spcBef>
+                <a:spcPct val="0"/>
+              </a:spcBef>
+              <a:spcAft>
+                <a:spcPct val="0"/>
+              </a:spcAft>
+              <a:buClrTx/>
+              <a:buSzTx/>
+              <a:buFontTx/>
+              <a:buNone/>
+              <a:tabLst/>
+            </a:pPr>
+            <a:r>
+              <a:rPr kumimoji="0" lang="en-US" altLang="en-US" sz="1300" b="1" i="0" u="none" strike="noStrike" cap="none" normalizeH="0" baseline="0" dirty="0">
+                <a:ln>
+                  <a:noFill/>
+                </a:ln>
+                <a:solidFill>
+                  <a:srgbClr val="008080"/>
+                </a:solidFill>
+                <a:effectLst/>
+                <a:latin typeface="Consolas" panose="020B0609020204030204" pitchFamily="49" charset="0"/>
+              </a:rPr>
+              <a:t>'lag_1_ratio_cc'</a:t>
+            </a:r>
+            <a:r>
+              <a:rPr kumimoji="0" lang="en-US" altLang="en-US" sz="1300" b="0" i="0" u="none" strike="noStrike" cap="none" normalizeH="0" baseline="0" dirty="0">
+                <a:ln>
+                  <a:noFill/>
+                </a:ln>
+                <a:solidFill>
+                  <a:srgbClr val="000000"/>
+                </a:solidFill>
+                <a:effectLst/>
+                <a:latin typeface="Consolas" panose="020B0609020204030204" pitchFamily="49" charset="0"/>
+              </a:rPr>
+              <a:t>, </a:t>
+            </a:r>
+            <a:r>
+              <a:rPr kumimoji="0" lang="en-US" altLang="en-US" sz="1300" b="1" i="0" u="none" strike="noStrike" cap="none" normalizeH="0" baseline="0" dirty="0">
+                <a:ln>
+                  <a:noFill/>
+                </a:ln>
+                <a:solidFill>
+                  <a:srgbClr val="008080"/>
+                </a:solidFill>
+                <a:effectLst/>
+                <a:latin typeface="Consolas" panose="020B0609020204030204" pitchFamily="49" charset="0"/>
+              </a:rPr>
+              <a:t>'</a:t>
+            </a:r>
+            <a:r>
+              <a:rPr kumimoji="0" lang="en-US" altLang="en-US" sz="1300" b="1" i="0" u="none" strike="noStrike" cap="none" normalizeH="0" baseline="0" dirty="0" err="1">
+                <a:ln>
+                  <a:noFill/>
+                </a:ln>
+                <a:solidFill>
+                  <a:srgbClr val="008080"/>
+                </a:solidFill>
+                <a:effectLst/>
+                <a:latin typeface="Consolas" panose="020B0609020204030204" pitchFamily="49" charset="0"/>
+              </a:rPr>
+              <a:t>SeniorMalePopulation</a:t>
+            </a:r>
+            <a:r>
+              <a:rPr kumimoji="0" lang="en-US" altLang="en-US" sz="1300" b="1" i="0" u="none" strike="noStrike" cap="none" normalizeH="0" baseline="0" dirty="0">
+                <a:ln>
+                  <a:noFill/>
+                </a:ln>
+                <a:solidFill>
+                  <a:srgbClr val="008080"/>
+                </a:solidFill>
+                <a:effectLst/>
+                <a:latin typeface="Consolas" panose="020B0609020204030204" pitchFamily="49" charset="0"/>
+              </a:rPr>
+              <a:t>'</a:t>
+            </a:r>
+            <a:r>
+              <a:rPr kumimoji="0" lang="en-US" altLang="en-US" sz="1300" b="0" i="0" u="none" strike="noStrike" cap="none" normalizeH="0" baseline="0" dirty="0">
+                <a:ln>
+                  <a:noFill/>
+                </a:ln>
+                <a:solidFill>
+                  <a:srgbClr val="000000"/>
+                </a:solidFill>
+                <a:effectLst/>
+                <a:latin typeface="Consolas" panose="020B0609020204030204" pitchFamily="49" charset="0"/>
+              </a:rPr>
+              <a:t>, </a:t>
+            </a:r>
+            <a:r>
+              <a:rPr kumimoji="0" lang="en-US" altLang="en-US" sz="1300" b="1" i="0" u="none" strike="noStrike" cap="none" normalizeH="0" baseline="0" dirty="0">
+                <a:ln>
+                  <a:noFill/>
+                </a:ln>
+                <a:solidFill>
+                  <a:srgbClr val="008080"/>
+                </a:solidFill>
+                <a:effectLst/>
+                <a:latin typeface="Consolas" panose="020B0609020204030204" pitchFamily="49" charset="0"/>
+              </a:rPr>
+              <a:t>'</a:t>
+            </a:r>
+            <a:r>
+              <a:rPr kumimoji="0" lang="en-US" altLang="en-US" sz="1300" b="1" i="0" u="none" strike="noStrike" cap="none" normalizeH="0" baseline="0" dirty="0" err="1">
+                <a:ln>
+                  <a:noFill/>
+                </a:ln>
+                <a:solidFill>
+                  <a:srgbClr val="008080"/>
+                </a:solidFill>
+                <a:effectLst/>
+                <a:latin typeface="Consolas" panose="020B0609020204030204" pitchFamily="49" charset="0"/>
+              </a:rPr>
+              <a:t>PublicTransportationP</a:t>
+            </a:r>
+            <a:r>
+              <a:rPr kumimoji="0" lang="en-US" altLang="en-US" sz="1300" b="1" i="0" u="none" strike="noStrike" cap="none" normalizeH="0" baseline="0" dirty="0">
+                <a:ln>
+                  <a:noFill/>
+                </a:ln>
+                <a:solidFill>
+                  <a:srgbClr val="008080"/>
+                </a:solidFill>
+                <a:effectLst/>
+                <a:latin typeface="Consolas" panose="020B0609020204030204" pitchFamily="49" charset="0"/>
+              </a:rPr>
+              <a:t>'</a:t>
+            </a:r>
+            <a:r>
+              <a:rPr kumimoji="0" lang="en-US" altLang="en-US" sz="1300" b="0" i="0" u="none" strike="noStrike" cap="none" normalizeH="0" baseline="0" dirty="0">
+                <a:ln>
+                  <a:noFill/>
+                </a:ln>
+                <a:solidFill>
+                  <a:srgbClr val="000000"/>
+                </a:solidFill>
+                <a:effectLst/>
+                <a:latin typeface="Consolas" panose="020B0609020204030204" pitchFamily="49" charset="0"/>
+              </a:rPr>
+              <a:t>, </a:t>
+            </a:r>
+            <a:r>
+              <a:rPr kumimoji="0" lang="en-US" altLang="en-US" sz="1300" b="1" i="0" u="none" strike="noStrike" cap="none" normalizeH="0" baseline="0" dirty="0">
+                <a:ln>
+                  <a:noFill/>
+                </a:ln>
+                <a:solidFill>
+                  <a:srgbClr val="008080"/>
+                </a:solidFill>
+                <a:effectLst/>
+                <a:latin typeface="Consolas" panose="020B0609020204030204" pitchFamily="49" charset="0"/>
+              </a:rPr>
+              <a:t>'Household'</a:t>
+            </a:r>
+            <a:r>
+              <a:rPr kumimoji="0" lang="en-US" altLang="en-US" sz="1300" b="0" i="0" u="none" strike="noStrike" cap="none" normalizeH="0" baseline="0" dirty="0">
+                <a:ln>
+                  <a:noFill/>
+                </a:ln>
+                <a:solidFill>
+                  <a:srgbClr val="000000"/>
+                </a:solidFill>
+                <a:effectLst/>
+                <a:latin typeface="Consolas" panose="020B0609020204030204" pitchFamily="49" charset="0"/>
+              </a:rPr>
+              <a:t>, </a:t>
+            </a:r>
+            <a:r>
+              <a:rPr kumimoji="0" lang="en-US" altLang="en-US" sz="1300" b="1" i="0" u="none" strike="noStrike" cap="none" normalizeH="0" baseline="0" dirty="0">
+                <a:ln>
+                  <a:noFill/>
+                </a:ln>
+                <a:solidFill>
+                  <a:srgbClr val="008080"/>
+                </a:solidFill>
+                <a:effectLst/>
+                <a:latin typeface="Consolas" panose="020B0609020204030204" pitchFamily="49" charset="0"/>
+              </a:rPr>
+              <a:t>'Income'</a:t>
+            </a:r>
+            <a:endParaRPr kumimoji="0" lang="en-US" altLang="en-US" sz="1800" b="0" i="0" u="none" strike="noStrike" cap="none" normalizeH="0" baseline="0" dirty="0">
+              <a:ln>
+                <a:noFill/>
+              </a:ln>
+              <a:solidFill>
+                <a:schemeClr val="tx1"/>
+              </a:solidFill>
+              <a:effectLst/>
+              <a:latin typeface="Arial" panose="020B0604020202020204" pitchFamily="34" charset="0"/>
+            </a:endParaRPr>
+          </a:p>
+        </p:txBody>
+      </p:sp>
+      <p:sp>
+        <p:nvSpPr>
+          <p:cNvPr id="10" name="직사각형 9">
+            <a:extLst>
+              <a:ext uri="{FF2B5EF4-FFF2-40B4-BE49-F238E27FC236}">
+                <a16:creationId xmlns:a16="http://schemas.microsoft.com/office/drawing/2014/main" id="{692B9B07-83FA-4B2E-BD39-59D30348EDE4}"/>
+              </a:ext>
+            </a:extLst>
+          </p:cNvPr>
+          <p:cNvSpPr/>
+          <p:nvPr/>
+        </p:nvSpPr>
+        <p:spPr>
+          <a:xfrm>
+            <a:off x="359595" y="2858741"/>
+            <a:ext cx="9041259" cy="1200329"/>
+          </a:xfrm>
+          <a:prstGeom prst="rect">
+            <a:avLst/>
+          </a:prstGeom>
+        </p:spPr>
+        <p:txBody>
+          <a:bodyPr wrap="square">
+            <a:spAutoFit/>
+          </a:bodyPr>
+          <a:lstStyle/>
+          <a:p>
+            <a:r>
+              <a:rPr lang="en-US" dirty="0"/>
+              <a:t>[1.02190023] Train Length[372]  Prediction Length[54]  Input Windows[20]  MAE Score[0.0881]</a:t>
+            </a:r>
+          </a:p>
+          <a:p>
+            <a:r>
+              <a:rPr lang="en-US" dirty="0"/>
+              <a:t>[1.02185976] Train Length[372]  Prediction Length[54]  Input Windows[20]  MAE Score[0.0880]</a:t>
+            </a:r>
+          </a:p>
+          <a:p>
+            <a:r>
+              <a:rPr lang="en-US" dirty="0"/>
+              <a:t>[1.02204809] Train Length[372]  Prediction Length[54]  Input Windows[20]  MAE Score[0.0881]</a:t>
+            </a:r>
+          </a:p>
+          <a:p>
+            <a:r>
+              <a:rPr lang="en-US" dirty="0"/>
+              <a:t>[1.02185994] Train Length[372]  Prediction Length[54]  Input Windows[20]  MAE Score[0.0880]</a:t>
+            </a:r>
+          </a:p>
+        </p:txBody>
+      </p:sp>
+      <p:sp>
+        <p:nvSpPr>
+          <p:cNvPr id="3" name="직사각형 2">
+            <a:extLst>
+              <a:ext uri="{FF2B5EF4-FFF2-40B4-BE49-F238E27FC236}">
+                <a16:creationId xmlns:a16="http://schemas.microsoft.com/office/drawing/2014/main" id="{1164AA92-8648-4A76-9417-4D089272902A}"/>
+              </a:ext>
+            </a:extLst>
+          </p:cNvPr>
+          <p:cNvSpPr/>
+          <p:nvPr/>
+        </p:nvSpPr>
+        <p:spPr>
+          <a:xfrm>
+            <a:off x="359595" y="4608002"/>
+            <a:ext cx="9890394" cy="646331"/>
+          </a:xfrm>
+          <a:prstGeom prst="rect">
+            <a:avLst/>
+          </a:prstGeom>
+        </p:spPr>
+        <p:txBody>
+          <a:bodyPr wrap="square">
+            <a:spAutoFit/>
+          </a:bodyPr>
+          <a:lstStyle/>
+          <a:p>
+            <a:r>
+              <a:rPr lang="en-US" dirty="0"/>
+              <a:t>[1.04515209] Train Length[372]  Prediction Length[54]  Input Windows[20]  MAE Score[0.0983]</a:t>
+            </a:r>
+          </a:p>
+          <a:p>
+            <a:r>
+              <a:rPr lang="en-US" dirty="0"/>
+              <a:t>[1.04479166] Train Length[372]  Prediction Length[54]  Input Windows[20]  MAE Score[0.0982]</a:t>
+            </a:r>
+          </a:p>
+        </p:txBody>
+      </p:sp>
+      <p:sp>
+        <p:nvSpPr>
+          <p:cNvPr id="11" name="Rectangle 2">
+            <a:extLst>
+              <a:ext uri="{FF2B5EF4-FFF2-40B4-BE49-F238E27FC236}">
+                <a16:creationId xmlns:a16="http://schemas.microsoft.com/office/drawing/2014/main" id="{00EDE83B-9351-42F8-8978-B935F104A028}"/>
+              </a:ext>
+            </a:extLst>
+          </p:cNvPr>
+          <p:cNvSpPr>
+            <a:spLocks noChangeArrowheads="1"/>
+          </p:cNvSpPr>
+          <p:nvPr/>
+        </p:nvSpPr>
+        <p:spPr bwMode="auto">
+          <a:xfrm>
+            <a:off x="544528" y="4176977"/>
+            <a:ext cx="8681663" cy="292388"/>
+          </a:xfrm>
+          <a:prstGeom prst="rect">
+            <a:avLst/>
+          </a:prstGeom>
+          <a:solidFill>
+            <a:srgbClr val="FFFFFF"/>
+          </a:solidFill>
+          <a:ln>
+            <a:noFill/>
+          </a:ln>
+          <a:effectLst/>
+          <a:extLst>
+            <a:ext uri="{91240B29-F687-4F45-9708-019B960494DF}">
+              <a14:hiddenLine xmlns:a14="http://schemas.microsoft.com/office/drawing/2010/main" w="9525">
+                <a:solidFill>
+                  <a:schemeClr val="tx1"/>
+                </a:solidFill>
+                <a:miter lim="800000"/>
+                <a:headEnd/>
+                <a:tailEnd/>
+              </a14:hiddenLine>
+            </a:ext>
+            <a:ext uri="{AF507438-7753-43E0-B8FC-AC1667EBCBE1}">
+              <a14:hiddenEffects xmlns:a14="http://schemas.microsoft.com/office/drawing/2010/main">
+                <a:effectLst>
+                  <a:outerShdw dist="35921" dir="2700000" algn="ctr" rotWithShape="0">
+                    <a:schemeClr val="bg2"/>
+                  </a:outerShdw>
+                </a:effectLst>
+              </a14:hiddenEffects>
+            </a:ext>
+          </a:extLst>
+        </p:spPr>
+        <p:txBody>
+          <a:bodyPr vert="horz" wrap="square" lIns="91440" tIns="45720" rIns="91440" bIns="45720" numCol="1" anchor="ctr" anchorCtr="0" compatLnSpc="1">
+            <a:prstTxWarp prst="textNoShape">
+              <a:avLst/>
+            </a:prstTxWarp>
+            <a:spAutoFit/>
+          </a:bodyPr>
+          <a:lstStyle/>
+          <a:p>
+            <a:pPr marL="0" marR="0" lvl="0" indent="0" algn="l" defTabSz="914400" rtl="0" eaLnBrk="0" fontAlgn="base" latinLnBrk="0" hangingPunct="0">
+              <a:lnSpc>
+                <a:spcPct val="100000"/>
+              </a:lnSpc>
+              <a:spcBef>
+                <a:spcPct val="0"/>
+              </a:spcBef>
+              <a:spcAft>
+                <a:spcPct val="0"/>
+              </a:spcAft>
+              <a:buClrTx/>
+              <a:buSzTx/>
+              <a:buFontTx/>
+              <a:buNone/>
+              <a:tabLst/>
+            </a:pPr>
+            <a:r>
+              <a:rPr kumimoji="0" lang="en-US" altLang="en-US" sz="1300" b="1" i="0" u="none" strike="noStrike" cap="none" normalizeH="0" baseline="0" dirty="0">
+                <a:ln>
+                  <a:noFill/>
+                </a:ln>
+                <a:solidFill>
+                  <a:srgbClr val="008080"/>
+                </a:solidFill>
+                <a:effectLst/>
+                <a:latin typeface="Consolas" panose="020B0609020204030204" pitchFamily="49" charset="0"/>
+              </a:rPr>
+              <a:t>'lag_1_ratio_cc'</a:t>
+            </a:r>
+            <a:r>
+              <a:rPr kumimoji="0" lang="en-US" altLang="en-US" sz="1300" b="0" i="0" u="none" strike="noStrike" cap="none" normalizeH="0" baseline="0" dirty="0">
+                <a:ln>
+                  <a:noFill/>
+                </a:ln>
+                <a:solidFill>
+                  <a:srgbClr val="000000"/>
+                </a:solidFill>
+                <a:effectLst/>
+                <a:latin typeface="Consolas" panose="020B0609020204030204" pitchFamily="49" charset="0"/>
+              </a:rPr>
+              <a:t>, </a:t>
+            </a:r>
+            <a:r>
+              <a:rPr kumimoji="0" lang="en-US" altLang="en-US" sz="1300" b="1" i="0" u="none" strike="noStrike" cap="none" normalizeH="0" baseline="0" dirty="0">
+                <a:ln>
+                  <a:noFill/>
+                </a:ln>
+                <a:solidFill>
+                  <a:srgbClr val="008080"/>
+                </a:solidFill>
+                <a:effectLst/>
+                <a:latin typeface="Consolas" panose="020B0609020204030204" pitchFamily="49" charset="0"/>
+              </a:rPr>
+              <a:t>'Income'</a:t>
+            </a:r>
+            <a:endParaRPr kumimoji="0" lang="en-US" altLang="en-US" sz="1800" b="0" i="0" u="none" strike="noStrike" cap="none" normalizeH="0" baseline="0" dirty="0">
+              <a:ln>
+                <a:noFill/>
+              </a:ln>
+              <a:solidFill>
+                <a:schemeClr val="tx1"/>
+              </a:solidFill>
+              <a:effectLst/>
+              <a:latin typeface="Arial" panose="020B0604020202020204" pitchFamily="34" charset="0"/>
+            </a:endParaRPr>
+          </a:p>
+        </p:txBody>
+      </p:sp>
+      <p:sp>
+        <p:nvSpPr>
+          <p:cNvPr id="12" name="직사각형 11">
+            <a:extLst>
+              <a:ext uri="{FF2B5EF4-FFF2-40B4-BE49-F238E27FC236}">
+                <a16:creationId xmlns:a16="http://schemas.microsoft.com/office/drawing/2014/main" id="{9EF65D76-874B-4474-A037-9C67867987F2}"/>
+              </a:ext>
+            </a:extLst>
+          </p:cNvPr>
+          <p:cNvSpPr/>
+          <p:nvPr/>
+        </p:nvSpPr>
+        <p:spPr>
+          <a:xfrm>
+            <a:off x="359595" y="5754469"/>
+            <a:ext cx="9890394" cy="646331"/>
+          </a:xfrm>
+          <a:prstGeom prst="rect">
+            <a:avLst/>
+          </a:prstGeom>
+        </p:spPr>
+        <p:txBody>
+          <a:bodyPr wrap="square">
+            <a:spAutoFit/>
+          </a:bodyPr>
+          <a:lstStyle/>
+          <a:p>
+            <a:r>
+              <a:rPr lang="en-US" dirty="0"/>
+              <a:t>[1.05536335] Train Length[372]  Prediction Length[54]  Input Windows[20]  MAE Score[0.1031]</a:t>
+            </a:r>
+          </a:p>
+          <a:p>
+            <a:r>
+              <a:rPr lang="en-US" dirty="0"/>
+              <a:t>[1.05538987] Train Length[372]  Prediction Length[54]  Input Windows[20]  MAE Score[0.1032]</a:t>
+            </a:r>
+          </a:p>
+        </p:txBody>
+      </p:sp>
+      <p:sp>
+        <p:nvSpPr>
+          <p:cNvPr id="13" name="Rectangle 2">
+            <a:extLst>
+              <a:ext uri="{FF2B5EF4-FFF2-40B4-BE49-F238E27FC236}">
+                <a16:creationId xmlns:a16="http://schemas.microsoft.com/office/drawing/2014/main" id="{440460AA-DEA0-43D2-A87C-0F0638655058}"/>
+              </a:ext>
+            </a:extLst>
+          </p:cNvPr>
+          <p:cNvSpPr>
+            <a:spLocks noChangeArrowheads="1"/>
+          </p:cNvSpPr>
+          <p:nvPr/>
+        </p:nvSpPr>
+        <p:spPr bwMode="auto">
+          <a:xfrm>
+            <a:off x="544528" y="5392970"/>
+            <a:ext cx="8681663" cy="292388"/>
+          </a:xfrm>
+          <a:prstGeom prst="rect">
+            <a:avLst/>
+          </a:prstGeom>
+          <a:solidFill>
+            <a:srgbClr val="FFFFFF"/>
+          </a:solidFill>
+          <a:ln>
+            <a:noFill/>
+          </a:ln>
+          <a:effectLst/>
+          <a:extLst>
+            <a:ext uri="{91240B29-F687-4F45-9708-019B960494DF}">
+              <a14:hiddenLine xmlns:a14="http://schemas.microsoft.com/office/drawing/2010/main" w="9525">
+                <a:solidFill>
+                  <a:schemeClr val="tx1"/>
+                </a:solidFill>
+                <a:miter lim="800000"/>
+                <a:headEnd/>
+                <a:tailEnd/>
+              </a14:hiddenLine>
+            </a:ext>
+            <a:ext uri="{AF507438-7753-43E0-B8FC-AC1667EBCBE1}">
+              <a14:hiddenEffects xmlns:a14="http://schemas.microsoft.com/office/drawing/2010/main">
+                <a:effectLst>
+                  <a:outerShdw dist="35921" dir="2700000" algn="ctr" rotWithShape="0">
+                    <a:schemeClr val="bg2"/>
+                  </a:outerShdw>
+                </a:effectLst>
+              </a14:hiddenEffects>
+            </a:ext>
+          </a:extLst>
+        </p:spPr>
+        <p:txBody>
+          <a:bodyPr vert="horz" wrap="square" lIns="91440" tIns="45720" rIns="91440" bIns="45720" numCol="1" anchor="ctr" anchorCtr="0" compatLnSpc="1">
+            <a:prstTxWarp prst="textNoShape">
+              <a:avLst/>
+            </a:prstTxWarp>
+            <a:spAutoFit/>
+          </a:bodyPr>
+          <a:lstStyle/>
+          <a:p>
+            <a:pPr lvl="0" eaLnBrk="0" fontAlgn="base" hangingPunct="0">
+              <a:spcBef>
+                <a:spcPct val="0"/>
+              </a:spcBef>
+              <a:spcAft>
+                <a:spcPct val="0"/>
+              </a:spcAft>
+            </a:pPr>
+            <a:r>
+              <a:rPr kumimoji="0" lang="en-US" altLang="en-US" sz="1300" b="1" i="0" u="none" strike="noStrike" cap="none" normalizeH="0" baseline="0" dirty="0">
+                <a:ln>
+                  <a:noFill/>
+                </a:ln>
+                <a:solidFill>
+                  <a:srgbClr val="008080"/>
+                </a:solidFill>
+                <a:effectLst/>
+                <a:latin typeface="Consolas" panose="020B0609020204030204" pitchFamily="49" charset="0"/>
+              </a:rPr>
+              <a:t>'lag_1_ratio_cc'</a:t>
+            </a:r>
+            <a:r>
+              <a:rPr lang="en-US" altLang="en-US" sz="1300" dirty="0">
+                <a:solidFill>
+                  <a:srgbClr val="000000"/>
+                </a:solidFill>
+                <a:latin typeface="Consolas" panose="020B0609020204030204" pitchFamily="49" charset="0"/>
+              </a:rPr>
+              <a:t>, </a:t>
+            </a:r>
+            <a:r>
+              <a:rPr lang="en-US" altLang="en-US" sz="1300" b="1" dirty="0">
+                <a:solidFill>
+                  <a:srgbClr val="008080"/>
+                </a:solidFill>
+                <a:latin typeface="Consolas" panose="020B0609020204030204" pitchFamily="49" charset="0"/>
+              </a:rPr>
+              <a:t>'Income</a:t>
+            </a:r>
+            <a:r>
+              <a:rPr lang="en-US" altLang="en-US" sz="1300" dirty="0">
+                <a:solidFill>
+                  <a:srgbClr val="000000"/>
+                </a:solidFill>
+                <a:latin typeface="Consolas" panose="020B0609020204030204" pitchFamily="49" charset="0"/>
+              </a:rPr>
+              <a:t>, </a:t>
+            </a:r>
+            <a:r>
+              <a:rPr lang="en-US" altLang="en-US" sz="1300" b="1" dirty="0">
+                <a:solidFill>
+                  <a:srgbClr val="008080"/>
+                </a:solidFill>
+                <a:latin typeface="Consolas" panose="020B0609020204030204" pitchFamily="49" charset="0"/>
+              </a:rPr>
+              <a:t>'Income'</a:t>
+            </a:r>
+            <a:r>
+              <a:rPr lang="en-US" altLang="en-US" sz="1300" dirty="0">
+                <a:solidFill>
+                  <a:srgbClr val="000000"/>
+                </a:solidFill>
+                <a:latin typeface="Consolas" panose="020B0609020204030204" pitchFamily="49" charset="0"/>
+              </a:rPr>
+              <a:t>, </a:t>
+            </a:r>
+            <a:r>
+              <a:rPr lang="en-US" altLang="en-US" sz="1300" b="1" dirty="0">
+                <a:solidFill>
+                  <a:srgbClr val="008080"/>
+                </a:solidFill>
+                <a:latin typeface="Consolas" panose="020B0609020204030204" pitchFamily="49" charset="0"/>
+              </a:rPr>
+              <a:t>'Income'</a:t>
+            </a:r>
+            <a:r>
+              <a:rPr lang="en-US" altLang="en-US" sz="1300" dirty="0">
+                <a:solidFill>
+                  <a:srgbClr val="000000"/>
+                </a:solidFill>
+                <a:latin typeface="Consolas" panose="020B0609020204030204" pitchFamily="49" charset="0"/>
+              </a:rPr>
+              <a:t>, </a:t>
+            </a:r>
+            <a:r>
+              <a:rPr lang="en-US" altLang="en-US" sz="1300" b="1" dirty="0">
+                <a:solidFill>
+                  <a:srgbClr val="008080"/>
+                </a:solidFill>
+                <a:latin typeface="Consolas" panose="020B0609020204030204" pitchFamily="49" charset="0"/>
+              </a:rPr>
+              <a:t>'Income'</a:t>
+            </a:r>
+            <a:r>
+              <a:rPr kumimoji="0" lang="en-US" altLang="en-US" sz="1300" b="0" i="0" u="none" strike="noStrike" cap="none" normalizeH="0" baseline="0" dirty="0">
+                <a:ln>
+                  <a:noFill/>
+                </a:ln>
+                <a:solidFill>
+                  <a:srgbClr val="000000"/>
+                </a:solidFill>
+                <a:effectLst/>
+                <a:latin typeface="Consolas" panose="020B0609020204030204" pitchFamily="49" charset="0"/>
+              </a:rPr>
+              <a:t>, </a:t>
+            </a:r>
+            <a:r>
+              <a:rPr kumimoji="0" lang="en-US" altLang="en-US" sz="1300" b="1" i="0" u="none" strike="noStrike" cap="none" normalizeH="0" baseline="0" dirty="0">
+                <a:ln>
+                  <a:noFill/>
+                </a:ln>
+                <a:solidFill>
+                  <a:srgbClr val="008080"/>
+                </a:solidFill>
+                <a:effectLst/>
+                <a:latin typeface="Consolas" panose="020B0609020204030204" pitchFamily="49" charset="0"/>
+              </a:rPr>
+              <a:t>'Income'</a:t>
+            </a:r>
+            <a:endParaRPr kumimoji="0" lang="en-US" altLang="en-US" sz="1800" b="0" i="0" u="none" strike="noStrike" cap="none" normalizeH="0" baseline="0" dirty="0">
+              <a:ln>
+                <a:noFill/>
+              </a:ln>
+              <a:solidFill>
+                <a:schemeClr val="tx1"/>
+              </a:solidFill>
+              <a:effectLst/>
+              <a:latin typeface="Arial" panose="020B0604020202020204" pitchFamily="34" charset="0"/>
+            </a:endParaRPr>
+          </a:p>
+        </p:txBody>
+      </p:sp>
+    </p:spTree>
+    <p:extLst>
+      <p:ext uri="{BB962C8B-B14F-4D97-AF65-F5344CB8AC3E}">
+        <p14:creationId xmlns:p14="http://schemas.microsoft.com/office/powerpoint/2010/main" val="3455472762"/>
+      </p:ext>
+    </p:extLst>
+  </p:cSld>
+  <p:clrMapOvr>
+    <a:masterClrMapping/>
+  </p:clrMapOvr>
+</p:sld>
+</file>
+
+<file path=ppt/slides/slide93.xml><?xml version="1.0" encoding="utf-8"?>
+<p:sld xmlns:a="http://schemas.openxmlformats.org/drawingml/2006/main" xmlns:r="http://schemas.openxmlformats.org/officeDocument/2006/relationships" xmlns:p="http://schemas.openxmlformats.org/presentationml/2006/main">
+  <p:cSld>
+    <p:spTree>
+      <p:nvGrpSpPr>
+        <p:cNvPr id="1" name=""/>
+        <p:cNvGrpSpPr/>
+        <p:nvPr/>
+      </p:nvGrpSpPr>
+      <p:grpSpPr>
+        <a:xfrm>
+          <a:off x="0" y="0"/>
+          <a:ext cx="0" cy="0"/>
+          <a:chOff x="0" y="0"/>
+          <a:chExt cx="0" cy="0"/>
+        </a:xfrm>
+      </p:grpSpPr>
+      <p:sp>
+        <p:nvSpPr>
+          <p:cNvPr id="5" name="Rectangle 1">
+            <a:extLst>
+              <a:ext uri="{FF2B5EF4-FFF2-40B4-BE49-F238E27FC236}">
+                <a16:creationId xmlns:a16="http://schemas.microsoft.com/office/drawing/2014/main" id="{22C82D7D-37BA-4531-9DE0-6D992C5235D9}"/>
+              </a:ext>
+            </a:extLst>
+          </p:cNvPr>
+          <p:cNvSpPr>
+            <a:spLocks noChangeArrowheads="1"/>
+          </p:cNvSpPr>
+          <p:nvPr/>
+        </p:nvSpPr>
+        <p:spPr bwMode="auto">
+          <a:xfrm>
+            <a:off x="0" y="0"/>
+            <a:ext cx="12192000" cy="457200"/>
+          </a:xfrm>
+          <a:prstGeom prst="rect">
+            <a:avLst/>
+          </a:prstGeom>
+          <a:solidFill>
+            <a:srgbClr val="FFFFFF"/>
+          </a:solidFill>
+          <a:ln>
+            <a:noFill/>
+          </a:ln>
+          <a:effectLst/>
+          <a:extLst>
+            <a:ext uri="{91240B29-F687-4F45-9708-019B960494DF}">
+              <a14:hiddenLine xmlns:a14="http://schemas.microsoft.com/office/drawing/2010/main" w="9525">
+                <a:solidFill>
+                  <a:schemeClr val="tx1"/>
+                </a:solidFill>
+                <a:miter lim="800000"/>
+                <a:headEnd/>
+                <a:tailEnd/>
+              </a14:hiddenLine>
+            </a:ext>
+            <a:ext uri="{AF507438-7753-43E0-B8FC-AC1667EBCBE1}">
+              <a14:hiddenEffects xmlns:a14="http://schemas.microsoft.com/office/drawing/2010/main">
+                <a:effectLst>
+                  <a:outerShdw dist="35921" dir="2700000" algn="ctr" rotWithShape="0">
+                    <a:schemeClr val="bg2"/>
+                  </a:outerShdw>
+                </a:effectLst>
+              </a14:hiddenEffects>
+            </a:ext>
+          </a:extLst>
+        </p:spPr>
+        <p:txBody>
+          <a:bodyPr vert="horz" wrap="none" lIns="91440" tIns="45720" rIns="91440" bIns="45720" numCol="1" anchor="ctr" anchorCtr="0" compatLnSpc="1">
+            <a:prstTxWarp prst="textNoShape">
+              <a:avLst/>
+            </a:prstTxWarp>
+            <a:spAutoFit/>
+          </a:bodyPr>
+          <a:lstStyle/>
+          <a:p>
+            <a:pPr marL="0" marR="0" lvl="0" indent="0" algn="l" defTabSz="914400" rtl="0" eaLnBrk="0" fontAlgn="base" latinLnBrk="0" hangingPunct="0">
+              <a:lnSpc>
+                <a:spcPct val="100000"/>
+              </a:lnSpc>
+              <a:spcBef>
+                <a:spcPct val="0"/>
+              </a:spcBef>
+              <a:spcAft>
+                <a:spcPct val="0"/>
+              </a:spcAft>
+              <a:buClrTx/>
+              <a:buSzTx/>
+              <a:buFontTx/>
+              <a:buNone/>
+              <a:tabLst/>
+            </a:pPr>
+            <a:r>
+              <a:rPr kumimoji="0" lang="en-US" altLang="en-US" sz="1300" b="1" i="0" u="none" strike="noStrike" cap="none" normalizeH="0" baseline="0" dirty="0">
+                <a:ln>
+                  <a:noFill/>
+                </a:ln>
+                <a:solidFill>
+                  <a:srgbClr val="008080"/>
+                </a:solidFill>
+                <a:effectLst/>
+                <a:latin typeface="Consolas" panose="020B0609020204030204" pitchFamily="49" charset="0"/>
+              </a:rPr>
+              <a:t>"Alaska"</a:t>
+            </a:r>
+            <a:r>
+              <a:rPr kumimoji="0" lang="en-US" altLang="en-US" sz="1300" b="0" i="0" u="none" strike="noStrike" cap="none" normalizeH="0" baseline="0" dirty="0">
+                <a:ln>
+                  <a:noFill/>
+                </a:ln>
+                <a:solidFill>
+                  <a:srgbClr val="000000"/>
+                </a:solidFill>
+                <a:effectLst/>
+                <a:latin typeface="Consolas" panose="020B0609020204030204" pitchFamily="49" charset="0"/>
+              </a:rPr>
+              <a:t>, </a:t>
+            </a:r>
+            <a:r>
+              <a:rPr kumimoji="0" lang="en-US" altLang="en-US" sz="1300" b="1" i="0" u="none" strike="noStrike" cap="none" normalizeH="0" baseline="0" dirty="0">
+                <a:ln>
+                  <a:noFill/>
+                </a:ln>
+                <a:solidFill>
+                  <a:srgbClr val="008080"/>
+                </a:solidFill>
+                <a:effectLst/>
+                <a:latin typeface="Consolas" panose="020B0609020204030204" pitchFamily="49" charset="0"/>
+              </a:rPr>
+              <a:t>"Hawaii"</a:t>
+            </a:r>
+            <a:r>
+              <a:rPr kumimoji="0" lang="en-US" altLang="en-US" sz="1300" b="0" i="0" u="none" strike="noStrike" cap="none" normalizeH="0" baseline="0" dirty="0">
+                <a:ln>
+                  <a:noFill/>
+                </a:ln>
+                <a:solidFill>
+                  <a:srgbClr val="000000"/>
+                </a:solidFill>
+                <a:effectLst/>
+                <a:latin typeface="Consolas" panose="020B0609020204030204" pitchFamily="49" charset="0"/>
+              </a:rPr>
+              <a:t>, </a:t>
+            </a:r>
+            <a:r>
+              <a:rPr kumimoji="0" lang="en-US" altLang="en-US" sz="1300" b="1" i="0" u="none" strike="noStrike" cap="none" normalizeH="0" baseline="0" dirty="0">
+                <a:ln>
+                  <a:noFill/>
+                </a:ln>
+                <a:solidFill>
+                  <a:srgbClr val="008080"/>
+                </a:solidFill>
+                <a:effectLst/>
+                <a:latin typeface="Consolas" panose="020B0609020204030204" pitchFamily="49" charset="0"/>
+              </a:rPr>
+              <a:t>"Idaho"</a:t>
+            </a:r>
+            <a:r>
+              <a:rPr kumimoji="0" lang="en-US" altLang="en-US" sz="1300" b="0" i="0" u="none" strike="noStrike" cap="none" normalizeH="0" baseline="0" dirty="0">
+                <a:ln>
+                  <a:noFill/>
+                </a:ln>
+                <a:solidFill>
+                  <a:srgbClr val="000000"/>
+                </a:solidFill>
+                <a:effectLst/>
+                <a:latin typeface="Consolas" panose="020B0609020204030204" pitchFamily="49" charset="0"/>
+              </a:rPr>
+              <a:t>, </a:t>
+            </a:r>
+            <a:r>
+              <a:rPr kumimoji="0" lang="en-US" altLang="en-US" sz="1300" b="1" i="0" u="none" strike="noStrike" cap="none" normalizeH="0" baseline="0" dirty="0">
+                <a:ln>
+                  <a:noFill/>
+                </a:ln>
+                <a:solidFill>
+                  <a:srgbClr val="008080"/>
+                </a:solidFill>
+                <a:effectLst/>
+                <a:latin typeface="Consolas" panose="020B0609020204030204" pitchFamily="49" charset="0"/>
+              </a:rPr>
+              <a:t>"Louisiana"</a:t>
+            </a:r>
+            <a:r>
+              <a:rPr kumimoji="0" lang="en-US" altLang="en-US" sz="1300" b="0" i="0" u="none" strike="noStrike" cap="none" normalizeH="0" baseline="0" dirty="0">
+                <a:ln>
+                  <a:noFill/>
+                </a:ln>
+                <a:solidFill>
+                  <a:srgbClr val="000000"/>
+                </a:solidFill>
+                <a:effectLst/>
+                <a:latin typeface="Consolas" panose="020B0609020204030204" pitchFamily="49" charset="0"/>
+              </a:rPr>
+              <a:t>, </a:t>
+            </a:r>
+            <a:r>
+              <a:rPr kumimoji="0" lang="en-US" altLang="en-US" sz="1300" b="1" i="0" u="none" strike="noStrike" cap="none" normalizeH="0" baseline="0" dirty="0">
+                <a:ln>
+                  <a:noFill/>
+                </a:ln>
+                <a:solidFill>
+                  <a:srgbClr val="008080"/>
+                </a:solidFill>
+                <a:effectLst/>
+                <a:latin typeface="Consolas" panose="020B0609020204030204" pitchFamily="49" charset="0"/>
+              </a:rPr>
+              <a:t>"Vermont"</a:t>
+            </a:r>
+            <a:endParaRPr kumimoji="0" lang="en-US" altLang="en-US" sz="1800" b="0" i="0" u="none" strike="noStrike" cap="none" normalizeH="0" baseline="0" dirty="0">
+              <a:ln>
+                <a:noFill/>
+              </a:ln>
+              <a:solidFill>
+                <a:schemeClr val="tx1"/>
+              </a:solidFill>
+              <a:effectLst/>
+              <a:latin typeface="Arial" panose="020B0604020202020204" pitchFamily="34" charset="0"/>
+            </a:endParaRPr>
+          </a:p>
+        </p:txBody>
+      </p:sp>
+      <p:sp>
+        <p:nvSpPr>
+          <p:cNvPr id="9" name="Rectangle 2">
+            <a:extLst>
+              <a:ext uri="{FF2B5EF4-FFF2-40B4-BE49-F238E27FC236}">
+                <a16:creationId xmlns:a16="http://schemas.microsoft.com/office/drawing/2014/main" id="{9E076452-56B1-4544-9F00-9E9FA8E4D36D}"/>
+              </a:ext>
+            </a:extLst>
+          </p:cNvPr>
+          <p:cNvSpPr>
+            <a:spLocks noChangeArrowheads="1"/>
+          </p:cNvSpPr>
+          <p:nvPr/>
+        </p:nvSpPr>
+        <p:spPr bwMode="auto">
+          <a:xfrm>
+            <a:off x="413902" y="817350"/>
+            <a:ext cx="8681663" cy="292388"/>
+          </a:xfrm>
+          <a:prstGeom prst="rect">
+            <a:avLst/>
+          </a:prstGeom>
+          <a:solidFill>
+            <a:srgbClr val="FFFFFF"/>
+          </a:solidFill>
+          <a:ln>
+            <a:noFill/>
+          </a:ln>
+          <a:effectLst/>
+          <a:extLst>
+            <a:ext uri="{91240B29-F687-4F45-9708-019B960494DF}">
+              <a14:hiddenLine xmlns:a14="http://schemas.microsoft.com/office/drawing/2010/main" w="9525">
+                <a:solidFill>
+                  <a:schemeClr val="tx1"/>
+                </a:solidFill>
+                <a:miter lim="800000"/>
+                <a:headEnd/>
+                <a:tailEnd/>
+              </a14:hiddenLine>
+            </a:ext>
+            <a:ext uri="{AF507438-7753-43E0-B8FC-AC1667EBCBE1}">
+              <a14:hiddenEffects xmlns:a14="http://schemas.microsoft.com/office/drawing/2010/main">
+                <a:effectLst>
+                  <a:outerShdw dist="35921" dir="2700000" algn="ctr" rotWithShape="0">
+                    <a:schemeClr val="bg2"/>
+                  </a:outerShdw>
+                </a:effectLst>
+              </a14:hiddenEffects>
+            </a:ext>
+          </a:extLst>
+        </p:spPr>
+        <p:txBody>
+          <a:bodyPr vert="horz" wrap="square" lIns="91440" tIns="45720" rIns="91440" bIns="45720" numCol="1" anchor="ctr" anchorCtr="0" compatLnSpc="1">
+            <a:prstTxWarp prst="textNoShape">
+              <a:avLst/>
+            </a:prstTxWarp>
+            <a:spAutoFit/>
+          </a:bodyPr>
+          <a:lstStyle/>
+          <a:p>
+            <a:pPr marL="0" marR="0" lvl="0" indent="0" algn="l" defTabSz="914400" rtl="0" eaLnBrk="0" fontAlgn="base" latinLnBrk="0" hangingPunct="0">
+              <a:lnSpc>
+                <a:spcPct val="100000"/>
+              </a:lnSpc>
+              <a:spcBef>
+                <a:spcPct val="0"/>
+              </a:spcBef>
+              <a:spcAft>
+                <a:spcPct val="0"/>
+              </a:spcAft>
+              <a:buClrTx/>
+              <a:buSzTx/>
+              <a:buFontTx/>
+              <a:buNone/>
+              <a:tabLst/>
+            </a:pPr>
+            <a:r>
+              <a:rPr kumimoji="0" lang="en-US" altLang="en-US" sz="1300" b="1" i="0" u="none" strike="noStrike" cap="none" normalizeH="0" baseline="0" dirty="0">
+                <a:ln>
+                  <a:noFill/>
+                </a:ln>
+                <a:solidFill>
+                  <a:srgbClr val="008080"/>
+                </a:solidFill>
+                <a:effectLst/>
+                <a:latin typeface="Consolas" panose="020B0609020204030204" pitchFamily="49" charset="0"/>
+              </a:rPr>
+              <a:t>'lag_1_ratio_cc'</a:t>
+            </a:r>
+            <a:r>
+              <a:rPr kumimoji="0" lang="en-US" altLang="en-US" sz="1300" b="0" i="0" u="none" strike="noStrike" cap="none" normalizeH="0" baseline="0" dirty="0">
+                <a:ln>
+                  <a:noFill/>
+                </a:ln>
+                <a:solidFill>
+                  <a:srgbClr val="000000"/>
+                </a:solidFill>
+                <a:effectLst/>
+                <a:latin typeface="Consolas" panose="020B0609020204030204" pitchFamily="49" charset="0"/>
+              </a:rPr>
+              <a:t>, </a:t>
+            </a:r>
+            <a:r>
+              <a:rPr kumimoji="0" lang="en-US" altLang="en-US" sz="1300" b="1" i="0" u="none" strike="noStrike" cap="none" normalizeH="0" baseline="0" dirty="0">
+                <a:ln>
+                  <a:noFill/>
+                </a:ln>
+                <a:solidFill>
+                  <a:srgbClr val="008080"/>
+                </a:solidFill>
+                <a:effectLst/>
+                <a:latin typeface="Consolas" panose="020B0609020204030204" pitchFamily="49" charset="0"/>
+              </a:rPr>
+              <a:t>'</a:t>
+            </a:r>
+            <a:r>
+              <a:rPr kumimoji="0" lang="en-US" altLang="en-US" sz="1300" b="1" i="0" u="none" strike="noStrike" cap="none" normalizeH="0" baseline="0" dirty="0" err="1">
+                <a:ln>
+                  <a:noFill/>
+                </a:ln>
+                <a:solidFill>
+                  <a:srgbClr val="008080"/>
+                </a:solidFill>
+                <a:effectLst/>
+                <a:latin typeface="Consolas" panose="020B0609020204030204" pitchFamily="49" charset="0"/>
+              </a:rPr>
+              <a:t>SeniorMalePopulation</a:t>
+            </a:r>
+            <a:r>
+              <a:rPr kumimoji="0" lang="en-US" altLang="en-US" sz="1300" b="1" i="0" u="none" strike="noStrike" cap="none" normalizeH="0" baseline="0" dirty="0">
+                <a:ln>
+                  <a:noFill/>
+                </a:ln>
+                <a:solidFill>
+                  <a:srgbClr val="008080"/>
+                </a:solidFill>
+                <a:effectLst/>
+                <a:latin typeface="Consolas" panose="020B0609020204030204" pitchFamily="49" charset="0"/>
+              </a:rPr>
+              <a:t> 1~5'</a:t>
+            </a:r>
+            <a:endParaRPr kumimoji="0" lang="en-US" altLang="en-US" sz="1800" b="0" i="0" u="none" strike="noStrike" cap="none" normalizeH="0" baseline="0" dirty="0">
+              <a:ln>
+                <a:noFill/>
+              </a:ln>
+              <a:solidFill>
+                <a:schemeClr val="tx1"/>
+              </a:solidFill>
+              <a:effectLst/>
+              <a:latin typeface="Arial" panose="020B0604020202020204" pitchFamily="34" charset="0"/>
+            </a:endParaRPr>
+          </a:p>
+        </p:txBody>
+      </p:sp>
+      <p:sp>
+        <p:nvSpPr>
+          <p:cNvPr id="10" name="직사각형 9">
+            <a:extLst>
+              <a:ext uri="{FF2B5EF4-FFF2-40B4-BE49-F238E27FC236}">
+                <a16:creationId xmlns:a16="http://schemas.microsoft.com/office/drawing/2014/main" id="{692B9B07-83FA-4B2E-BD39-59D30348EDE4}"/>
+              </a:ext>
+            </a:extLst>
+          </p:cNvPr>
+          <p:cNvSpPr/>
+          <p:nvPr/>
+        </p:nvSpPr>
+        <p:spPr>
+          <a:xfrm>
+            <a:off x="298636" y="1109738"/>
+            <a:ext cx="9041259" cy="646331"/>
+          </a:xfrm>
+          <a:prstGeom prst="rect">
+            <a:avLst/>
+          </a:prstGeom>
+        </p:spPr>
+        <p:txBody>
+          <a:bodyPr wrap="square">
+            <a:spAutoFit/>
+          </a:bodyPr>
+          <a:lstStyle/>
+          <a:p>
+            <a:r>
+              <a:rPr lang="en-US" dirty="0"/>
+              <a:t>[1.00608966] Train Length[372]  Prediction Length[54]  Input Windows[20]  MAE Score[</a:t>
+            </a:r>
+            <a:r>
+              <a:rPr lang="en-US" dirty="0">
+                <a:highlight>
+                  <a:srgbClr val="FFFF00"/>
+                </a:highlight>
+              </a:rPr>
+              <a:t>0.0814</a:t>
+            </a:r>
+            <a:r>
+              <a:rPr lang="en-US" dirty="0"/>
+              <a:t>]</a:t>
+            </a:r>
+          </a:p>
+          <a:p>
+            <a:r>
+              <a:rPr lang="en-US" dirty="0"/>
+              <a:t>[1.00584649] Train Length[372]  Prediction Length[54]  Input Windows[20]  MAE Score[0.0814]</a:t>
+            </a:r>
+          </a:p>
+        </p:txBody>
+      </p:sp>
+      <p:sp>
+        <p:nvSpPr>
+          <p:cNvPr id="14" name="Rectangle 2">
+            <a:extLst>
+              <a:ext uri="{FF2B5EF4-FFF2-40B4-BE49-F238E27FC236}">
+                <a16:creationId xmlns:a16="http://schemas.microsoft.com/office/drawing/2014/main" id="{5B04DC5D-61FF-4E64-BB45-86C496657339}"/>
+              </a:ext>
+            </a:extLst>
+          </p:cNvPr>
+          <p:cNvSpPr>
+            <a:spLocks noChangeArrowheads="1"/>
+          </p:cNvSpPr>
+          <p:nvPr/>
+        </p:nvSpPr>
+        <p:spPr bwMode="auto">
+          <a:xfrm>
+            <a:off x="529168" y="2048457"/>
+            <a:ext cx="8681663" cy="292388"/>
+          </a:xfrm>
+          <a:prstGeom prst="rect">
+            <a:avLst/>
+          </a:prstGeom>
+          <a:solidFill>
+            <a:srgbClr val="FFFFFF"/>
+          </a:solidFill>
+          <a:ln>
+            <a:noFill/>
+          </a:ln>
+          <a:effectLst/>
+          <a:extLst>
+            <a:ext uri="{91240B29-F687-4F45-9708-019B960494DF}">
+              <a14:hiddenLine xmlns:a14="http://schemas.microsoft.com/office/drawing/2010/main" w="9525">
+                <a:solidFill>
+                  <a:schemeClr val="tx1"/>
+                </a:solidFill>
+                <a:miter lim="800000"/>
+                <a:headEnd/>
+                <a:tailEnd/>
+              </a14:hiddenLine>
+            </a:ext>
+            <a:ext uri="{AF507438-7753-43E0-B8FC-AC1667EBCBE1}">
+              <a14:hiddenEffects xmlns:a14="http://schemas.microsoft.com/office/drawing/2010/main">
+                <a:effectLst>
+                  <a:outerShdw dist="35921" dir="2700000" algn="ctr" rotWithShape="0">
+                    <a:schemeClr val="bg2"/>
+                  </a:outerShdw>
+                </a:effectLst>
+              </a14:hiddenEffects>
+            </a:ext>
+          </a:extLst>
+        </p:spPr>
+        <p:txBody>
+          <a:bodyPr vert="horz" wrap="square" lIns="91440" tIns="45720" rIns="91440" bIns="45720" numCol="1" anchor="ctr" anchorCtr="0" compatLnSpc="1">
+            <a:prstTxWarp prst="textNoShape">
+              <a:avLst/>
+            </a:prstTxWarp>
+            <a:spAutoFit/>
+          </a:bodyPr>
+          <a:lstStyle/>
+          <a:p>
+            <a:pPr marL="0" marR="0" lvl="0" indent="0" algn="l" defTabSz="914400" rtl="0" eaLnBrk="0" fontAlgn="base" latinLnBrk="0" hangingPunct="0">
+              <a:lnSpc>
+                <a:spcPct val="100000"/>
+              </a:lnSpc>
+              <a:spcBef>
+                <a:spcPct val="0"/>
+              </a:spcBef>
+              <a:spcAft>
+                <a:spcPct val="0"/>
+              </a:spcAft>
+              <a:buClrTx/>
+              <a:buSzTx/>
+              <a:buFontTx/>
+              <a:buNone/>
+              <a:tabLst/>
+            </a:pPr>
+            <a:r>
+              <a:rPr kumimoji="0" lang="en-US" altLang="en-US" sz="1300" b="1" i="0" u="none" strike="noStrike" cap="none" normalizeH="0" baseline="0" dirty="0">
+                <a:ln>
+                  <a:noFill/>
+                </a:ln>
+                <a:solidFill>
+                  <a:srgbClr val="008080"/>
+                </a:solidFill>
+                <a:effectLst/>
+                <a:latin typeface="Consolas" panose="020B0609020204030204" pitchFamily="49" charset="0"/>
+              </a:rPr>
+              <a:t>'lag_1_ratio_cc'</a:t>
+            </a:r>
+            <a:r>
+              <a:rPr kumimoji="0" lang="en-US" altLang="en-US" sz="1300" b="0" i="0" u="none" strike="noStrike" cap="none" normalizeH="0" baseline="0" dirty="0">
+                <a:ln>
+                  <a:noFill/>
+                </a:ln>
+                <a:solidFill>
+                  <a:srgbClr val="000000"/>
+                </a:solidFill>
+                <a:effectLst/>
+                <a:latin typeface="Consolas" panose="020B0609020204030204" pitchFamily="49" charset="0"/>
+              </a:rPr>
+              <a:t>, </a:t>
+            </a:r>
+            <a:r>
+              <a:rPr kumimoji="0" lang="en-US" altLang="en-US" sz="1300" b="1" i="0" u="none" strike="noStrike" cap="none" normalizeH="0" baseline="0" dirty="0">
+                <a:ln>
+                  <a:noFill/>
+                </a:ln>
+                <a:solidFill>
+                  <a:srgbClr val="008080"/>
+                </a:solidFill>
+                <a:effectLst/>
+                <a:latin typeface="Consolas" panose="020B0609020204030204" pitchFamily="49" charset="0"/>
+              </a:rPr>
+              <a:t>'</a:t>
+            </a:r>
+            <a:r>
+              <a:rPr kumimoji="0" lang="en-US" altLang="en-US" sz="1300" b="1" i="0" u="none" strike="noStrike" cap="none" normalizeH="0" baseline="0" dirty="0" err="1">
+                <a:ln>
+                  <a:noFill/>
+                </a:ln>
+                <a:solidFill>
+                  <a:srgbClr val="008080"/>
+                </a:solidFill>
+                <a:effectLst/>
+                <a:latin typeface="Consolas" panose="020B0609020204030204" pitchFamily="49" charset="0"/>
+              </a:rPr>
+              <a:t>SeniorMalePopulation</a:t>
+            </a:r>
+            <a:r>
+              <a:rPr kumimoji="0" lang="en-US" altLang="en-US" sz="1300" b="1" i="0" u="none" strike="noStrike" cap="none" normalizeH="0" baseline="0" dirty="0">
+                <a:ln>
+                  <a:noFill/>
+                </a:ln>
+                <a:solidFill>
+                  <a:srgbClr val="008080"/>
+                </a:solidFill>
+                <a:effectLst/>
+                <a:latin typeface="Consolas" panose="020B0609020204030204" pitchFamily="49" charset="0"/>
+              </a:rPr>
+              <a:t> 1~10'</a:t>
+            </a:r>
+            <a:endParaRPr kumimoji="0" lang="en-US" altLang="en-US" sz="1800" b="0" i="0" u="none" strike="noStrike" cap="none" normalizeH="0" baseline="0" dirty="0">
+              <a:ln>
+                <a:noFill/>
+              </a:ln>
+              <a:solidFill>
+                <a:schemeClr val="tx1"/>
+              </a:solidFill>
+              <a:effectLst/>
+              <a:latin typeface="Arial" panose="020B0604020202020204" pitchFamily="34" charset="0"/>
+            </a:endParaRPr>
+          </a:p>
+        </p:txBody>
+      </p:sp>
+      <p:sp>
+        <p:nvSpPr>
+          <p:cNvPr id="15" name="직사각형 14">
+            <a:extLst>
+              <a:ext uri="{FF2B5EF4-FFF2-40B4-BE49-F238E27FC236}">
+                <a16:creationId xmlns:a16="http://schemas.microsoft.com/office/drawing/2014/main" id="{2FED2A18-522E-402B-BF7C-9A5C4C19F213}"/>
+              </a:ext>
+            </a:extLst>
+          </p:cNvPr>
+          <p:cNvSpPr/>
+          <p:nvPr/>
+        </p:nvSpPr>
+        <p:spPr>
+          <a:xfrm>
+            <a:off x="413902" y="2340845"/>
+            <a:ext cx="9041259" cy="369332"/>
+          </a:xfrm>
+          <a:prstGeom prst="rect">
+            <a:avLst/>
+          </a:prstGeom>
+        </p:spPr>
+        <p:txBody>
+          <a:bodyPr wrap="square">
+            <a:spAutoFit/>
+          </a:bodyPr>
+          <a:lstStyle/>
+          <a:p>
+            <a:r>
+              <a:rPr lang="en-US" dirty="0"/>
+              <a:t>[</a:t>
+            </a:r>
+            <a:r>
+              <a:rPr lang="en-US" dirty="0">
+                <a:highlight>
+                  <a:srgbClr val="FFFF00"/>
+                </a:highlight>
+              </a:rPr>
+              <a:t>0.99631135</a:t>
+            </a:r>
+            <a:r>
+              <a:rPr lang="en-US" dirty="0"/>
+              <a:t>] Train Length[372]  Prediction Length[54]  Input Windows[20]  MAE Score[0.0849]</a:t>
+            </a:r>
+          </a:p>
+        </p:txBody>
+      </p:sp>
+      <p:pic>
+        <p:nvPicPr>
+          <p:cNvPr id="2" name="그림 1">
+            <a:extLst>
+              <a:ext uri="{FF2B5EF4-FFF2-40B4-BE49-F238E27FC236}">
+                <a16:creationId xmlns:a16="http://schemas.microsoft.com/office/drawing/2014/main" id="{8C71F160-BDBE-4E40-BE3E-9737EBFAA20F}"/>
+              </a:ext>
+            </a:extLst>
+          </p:cNvPr>
+          <p:cNvPicPr>
+            <a:picLocks noChangeAspect="1"/>
+          </p:cNvPicPr>
+          <p:nvPr/>
+        </p:nvPicPr>
+        <p:blipFill>
+          <a:blip r:embed="rId2"/>
+          <a:stretch>
+            <a:fillRect/>
+          </a:stretch>
+        </p:blipFill>
+        <p:spPr>
+          <a:xfrm>
+            <a:off x="7445375" y="2925621"/>
+            <a:ext cx="4715607" cy="2724573"/>
+          </a:xfrm>
+          <a:prstGeom prst="rect">
+            <a:avLst/>
+          </a:prstGeom>
+        </p:spPr>
+      </p:pic>
+      <p:sp>
+        <p:nvSpPr>
+          <p:cNvPr id="6" name="TextBox 5">
+            <a:extLst>
+              <a:ext uri="{FF2B5EF4-FFF2-40B4-BE49-F238E27FC236}">
+                <a16:creationId xmlns:a16="http://schemas.microsoft.com/office/drawing/2014/main" id="{F6036C60-11C3-4EA2-BBA7-5662B84E69FD}"/>
+              </a:ext>
+            </a:extLst>
+          </p:cNvPr>
+          <p:cNvSpPr txBox="1"/>
+          <p:nvPr/>
+        </p:nvSpPr>
+        <p:spPr>
+          <a:xfrm>
+            <a:off x="413902" y="3455048"/>
+            <a:ext cx="1107996" cy="369332"/>
+          </a:xfrm>
+          <a:prstGeom prst="rect">
+            <a:avLst/>
+          </a:prstGeom>
+          <a:noFill/>
+        </p:spPr>
+        <p:txBody>
+          <a:bodyPr wrap="none" rtlCol="0">
+            <a:spAutoFit/>
+          </a:bodyPr>
+          <a:lstStyle/>
+          <a:p>
+            <a:r>
+              <a:rPr lang="ko-KR" altLang="en-US"/>
+              <a:t>이상현상</a:t>
+            </a:r>
+            <a:endParaRPr lang="en-US" dirty="0"/>
+          </a:p>
+        </p:txBody>
+      </p:sp>
+      <p:cxnSp>
+        <p:nvCxnSpPr>
+          <p:cNvPr id="16" name="직선 연결선 15">
+            <a:extLst>
+              <a:ext uri="{FF2B5EF4-FFF2-40B4-BE49-F238E27FC236}">
+                <a16:creationId xmlns:a16="http://schemas.microsoft.com/office/drawing/2014/main" id="{D082B89D-D33F-47F1-96F6-B77BDCB22C22}"/>
+              </a:ext>
+            </a:extLst>
+          </p:cNvPr>
+          <p:cNvCxnSpPr/>
+          <p:nvPr/>
+        </p:nvCxnSpPr>
+        <p:spPr>
+          <a:xfrm>
+            <a:off x="1889760" y="4224490"/>
+            <a:ext cx="0" cy="2010847"/>
+          </a:xfrm>
+          <a:prstGeom prst="line">
+            <a:avLst/>
+          </a:prstGeom>
+        </p:spPr>
+        <p:style>
+          <a:lnRef idx="1">
+            <a:schemeClr val="accent1"/>
+          </a:lnRef>
+          <a:fillRef idx="0">
+            <a:schemeClr val="accent1"/>
+          </a:fillRef>
+          <a:effectRef idx="0">
+            <a:schemeClr val="accent1"/>
+          </a:effectRef>
+          <a:fontRef idx="minor">
+            <a:schemeClr val="tx1"/>
+          </a:fontRef>
+        </p:style>
+      </p:cxnSp>
+      <p:cxnSp>
+        <p:nvCxnSpPr>
+          <p:cNvPr id="17" name="직선 연결선 16">
+            <a:extLst>
+              <a:ext uri="{FF2B5EF4-FFF2-40B4-BE49-F238E27FC236}">
+                <a16:creationId xmlns:a16="http://schemas.microsoft.com/office/drawing/2014/main" id="{413E1EBC-67D6-4BA1-9D4B-A8284C9DCF07}"/>
+              </a:ext>
+            </a:extLst>
+          </p:cNvPr>
+          <p:cNvCxnSpPr>
+            <a:cxnSpLocks/>
+          </p:cNvCxnSpPr>
+          <p:nvPr/>
+        </p:nvCxnSpPr>
+        <p:spPr>
+          <a:xfrm flipH="1">
+            <a:off x="1889760" y="6235337"/>
+            <a:ext cx="2864973" cy="0"/>
+          </a:xfrm>
+          <a:prstGeom prst="line">
+            <a:avLst/>
+          </a:prstGeom>
+        </p:spPr>
+        <p:style>
+          <a:lnRef idx="1">
+            <a:schemeClr val="accent1"/>
+          </a:lnRef>
+          <a:fillRef idx="0">
+            <a:schemeClr val="accent1"/>
+          </a:fillRef>
+          <a:effectRef idx="0">
+            <a:schemeClr val="accent1"/>
+          </a:effectRef>
+          <a:fontRef idx="minor">
+            <a:schemeClr val="tx1"/>
+          </a:fontRef>
+        </p:style>
+      </p:cxnSp>
+      <p:cxnSp>
+        <p:nvCxnSpPr>
+          <p:cNvPr id="20" name="직선 연결선 19">
+            <a:extLst>
+              <a:ext uri="{FF2B5EF4-FFF2-40B4-BE49-F238E27FC236}">
+                <a16:creationId xmlns:a16="http://schemas.microsoft.com/office/drawing/2014/main" id="{87A26147-26B5-4213-B908-0D41D75C854E}"/>
+              </a:ext>
+            </a:extLst>
+          </p:cNvPr>
+          <p:cNvCxnSpPr>
+            <a:cxnSpLocks/>
+          </p:cNvCxnSpPr>
+          <p:nvPr/>
+        </p:nvCxnSpPr>
+        <p:spPr>
+          <a:xfrm flipH="1">
+            <a:off x="1889760" y="4084320"/>
+            <a:ext cx="1010194" cy="2151017"/>
+          </a:xfrm>
+          <a:prstGeom prst="line">
+            <a:avLst/>
+          </a:prstGeom>
+        </p:spPr>
+        <p:style>
+          <a:lnRef idx="1">
+            <a:schemeClr val="accent1"/>
+          </a:lnRef>
+          <a:fillRef idx="0">
+            <a:schemeClr val="accent1"/>
+          </a:fillRef>
+          <a:effectRef idx="0">
+            <a:schemeClr val="accent1"/>
+          </a:effectRef>
+          <a:fontRef idx="minor">
+            <a:schemeClr val="tx1"/>
+          </a:fontRef>
+        </p:style>
+      </p:cxnSp>
+      <p:sp>
+        <p:nvSpPr>
+          <p:cNvPr id="23" name="TextBox 22">
+            <a:extLst>
+              <a:ext uri="{FF2B5EF4-FFF2-40B4-BE49-F238E27FC236}">
+                <a16:creationId xmlns:a16="http://schemas.microsoft.com/office/drawing/2014/main" id="{AB8DA32A-D959-401E-83D5-08366040E47A}"/>
+              </a:ext>
+            </a:extLst>
+          </p:cNvPr>
+          <p:cNvSpPr txBox="1"/>
+          <p:nvPr/>
+        </p:nvSpPr>
+        <p:spPr>
+          <a:xfrm>
+            <a:off x="2691295" y="4681064"/>
+            <a:ext cx="1960793" cy="1200329"/>
+          </a:xfrm>
+          <a:prstGeom prst="rect">
+            <a:avLst/>
+          </a:prstGeom>
+          <a:noFill/>
+        </p:spPr>
+        <p:txBody>
+          <a:bodyPr wrap="none" rtlCol="0">
+            <a:spAutoFit/>
+          </a:bodyPr>
+          <a:lstStyle/>
+          <a:p>
+            <a:r>
+              <a:rPr lang="en-US" dirty="0"/>
+              <a:t>Y</a:t>
+            </a:r>
+            <a:r>
+              <a:rPr lang="ko-KR" altLang="en-US" dirty="0"/>
+              <a:t> </a:t>
+            </a:r>
+            <a:r>
+              <a:rPr lang="en-US" altLang="ko-KR" dirty="0"/>
+              <a:t>=</a:t>
+            </a:r>
+            <a:r>
+              <a:rPr lang="en-US" altLang="ko-KR" dirty="0" err="1"/>
+              <a:t>aX</a:t>
+            </a:r>
+            <a:endParaRPr lang="en-US" altLang="ko-KR" dirty="0"/>
+          </a:p>
+          <a:p>
+            <a:endParaRPr lang="en-US" dirty="0"/>
+          </a:p>
+          <a:p>
+            <a:r>
+              <a:rPr lang="en-US" dirty="0"/>
+              <a:t>Y</a:t>
+            </a:r>
+            <a:r>
+              <a:rPr lang="ko-KR" altLang="en-US" dirty="0"/>
+              <a:t> </a:t>
+            </a:r>
+            <a:r>
+              <a:rPr lang="en-US" altLang="ko-KR" dirty="0"/>
+              <a:t>=bX1 + cX2 + dX3</a:t>
+            </a:r>
+            <a:endParaRPr lang="en-US" dirty="0"/>
+          </a:p>
+          <a:p>
+            <a:endParaRPr lang="en-US" dirty="0"/>
+          </a:p>
+        </p:txBody>
+      </p:sp>
+      <p:sp>
+        <p:nvSpPr>
+          <p:cNvPr id="26" name="TextBox 25">
+            <a:extLst>
+              <a:ext uri="{FF2B5EF4-FFF2-40B4-BE49-F238E27FC236}">
+                <a16:creationId xmlns:a16="http://schemas.microsoft.com/office/drawing/2014/main" id="{B238DBA5-5F51-47AD-B9A5-75999F2E0F7E}"/>
+              </a:ext>
+            </a:extLst>
+          </p:cNvPr>
+          <p:cNvSpPr txBox="1"/>
+          <p:nvPr/>
+        </p:nvSpPr>
+        <p:spPr>
+          <a:xfrm>
+            <a:off x="4934531" y="4885509"/>
+            <a:ext cx="1088760" cy="369332"/>
+          </a:xfrm>
+          <a:prstGeom prst="rect">
+            <a:avLst/>
+          </a:prstGeom>
+          <a:noFill/>
+        </p:spPr>
+        <p:txBody>
+          <a:bodyPr wrap="none" rtlCol="0">
+            <a:spAutoFit/>
+          </a:bodyPr>
+          <a:lstStyle/>
+          <a:p>
+            <a:r>
+              <a:rPr lang="en-US" dirty="0"/>
+              <a:t>a = </a:t>
+            </a:r>
+            <a:r>
+              <a:rPr lang="en-US" dirty="0" err="1"/>
+              <a:t>b+c+d</a:t>
+            </a:r>
+            <a:endParaRPr lang="en-US" dirty="0"/>
+          </a:p>
+        </p:txBody>
+      </p:sp>
+      <p:sp>
+        <p:nvSpPr>
+          <p:cNvPr id="27" name="TextBox 26">
+            <a:extLst>
+              <a:ext uri="{FF2B5EF4-FFF2-40B4-BE49-F238E27FC236}">
+                <a16:creationId xmlns:a16="http://schemas.microsoft.com/office/drawing/2014/main" id="{7073455C-3697-4FFB-972A-DC8E259B8B6F}"/>
+              </a:ext>
+            </a:extLst>
+          </p:cNvPr>
+          <p:cNvSpPr txBox="1"/>
+          <p:nvPr/>
+        </p:nvSpPr>
+        <p:spPr>
+          <a:xfrm>
+            <a:off x="5799909" y="5650194"/>
+            <a:ext cx="397866" cy="646331"/>
+          </a:xfrm>
+          <a:prstGeom prst="rect">
+            <a:avLst/>
+          </a:prstGeom>
+          <a:noFill/>
+        </p:spPr>
+        <p:txBody>
+          <a:bodyPr wrap="none" rtlCol="0">
+            <a:spAutoFit/>
+          </a:bodyPr>
+          <a:lstStyle/>
+          <a:p>
+            <a:r>
+              <a:rPr lang="en-US" sz="3600" dirty="0"/>
+              <a:t>?</a:t>
+            </a:r>
+          </a:p>
+        </p:txBody>
+      </p:sp>
+    </p:spTree>
+    <p:extLst>
+      <p:ext uri="{BB962C8B-B14F-4D97-AF65-F5344CB8AC3E}">
+        <p14:creationId xmlns:p14="http://schemas.microsoft.com/office/powerpoint/2010/main" val="2674708628"/>
       </p:ext>
     </p:extLst>
   </p:cSld>

--- a/doc/Paper Images.pptx
+++ b/doc/Paper Images.pptx
@@ -84,20 +84,21 @@
     <p:sldId id="339" r:id="rId78"/>
     <p:sldId id="344" r:id="rId79"/>
     <p:sldId id="345" r:id="rId80"/>
-    <p:sldId id="395" r:id="rId81"/>
-    <p:sldId id="409" r:id="rId82"/>
-    <p:sldId id="394" r:id="rId83"/>
-    <p:sldId id="400" r:id="rId84"/>
-    <p:sldId id="396" r:id="rId85"/>
-    <p:sldId id="397" r:id="rId86"/>
-    <p:sldId id="398" r:id="rId87"/>
-    <p:sldId id="402" r:id="rId88"/>
-    <p:sldId id="403" r:id="rId89"/>
-    <p:sldId id="404" r:id="rId90"/>
-    <p:sldId id="405" r:id="rId91"/>
-    <p:sldId id="406" r:id="rId92"/>
-    <p:sldId id="407" r:id="rId93"/>
-    <p:sldId id="408" r:id="rId94"/>
+    <p:sldId id="411" r:id="rId81"/>
+    <p:sldId id="410" r:id="rId82"/>
+    <p:sldId id="409" r:id="rId83"/>
+    <p:sldId id="394" r:id="rId84"/>
+    <p:sldId id="400" r:id="rId85"/>
+    <p:sldId id="396" r:id="rId86"/>
+    <p:sldId id="397" r:id="rId87"/>
+    <p:sldId id="398" r:id="rId88"/>
+    <p:sldId id="402" r:id="rId89"/>
+    <p:sldId id="403" r:id="rId90"/>
+    <p:sldId id="404" r:id="rId91"/>
+    <p:sldId id="405" r:id="rId92"/>
+    <p:sldId id="406" r:id="rId93"/>
+    <p:sldId id="407" r:id="rId94"/>
+    <p:sldId id="408" r:id="rId95"/>
   </p:sldIdLst>
   <p:sldSz cx="12192000" cy="6858000"/>
   <p:notesSz cx="6858000" cy="9144000"/>
@@ -353,7 +354,7 @@
           <a:p>
             <a:fld id="{69EF58AE-A150-436C-A66E-79C9DB882BA4}" type="datetimeFigureOut">
               <a:rPr lang="en-US" smtClean="0"/>
-              <a:t>6/18/2020</a:t>
+              <a:t>6/19/2020</a:t>
             </a:fld>
             <a:endParaRPr lang="en-US"/>
           </a:p>
@@ -553,7 +554,7 @@
           <a:p>
             <a:fld id="{69EF58AE-A150-436C-A66E-79C9DB882BA4}" type="datetimeFigureOut">
               <a:rPr lang="en-US" smtClean="0"/>
-              <a:t>6/18/2020</a:t>
+              <a:t>6/19/2020</a:t>
             </a:fld>
             <a:endParaRPr lang="en-US"/>
           </a:p>
@@ -763,7 +764,7 @@
           <a:p>
             <a:fld id="{69EF58AE-A150-436C-A66E-79C9DB882BA4}" type="datetimeFigureOut">
               <a:rPr lang="en-US" smtClean="0"/>
-              <a:t>6/18/2020</a:t>
+              <a:t>6/19/2020</a:t>
             </a:fld>
             <a:endParaRPr lang="en-US"/>
           </a:p>
@@ -963,7 +964,7 @@
           <a:p>
             <a:fld id="{69EF58AE-A150-436C-A66E-79C9DB882BA4}" type="datetimeFigureOut">
               <a:rPr lang="en-US" smtClean="0"/>
-              <a:t>6/18/2020</a:t>
+              <a:t>6/19/2020</a:t>
             </a:fld>
             <a:endParaRPr lang="en-US"/>
           </a:p>
@@ -1239,7 +1240,7 @@
           <a:p>
             <a:fld id="{69EF58AE-A150-436C-A66E-79C9DB882BA4}" type="datetimeFigureOut">
               <a:rPr lang="en-US" smtClean="0"/>
-              <a:t>6/18/2020</a:t>
+              <a:t>6/19/2020</a:t>
             </a:fld>
             <a:endParaRPr lang="en-US"/>
           </a:p>
@@ -1507,7 +1508,7 @@
           <a:p>
             <a:fld id="{69EF58AE-A150-436C-A66E-79C9DB882BA4}" type="datetimeFigureOut">
               <a:rPr lang="en-US" smtClean="0"/>
-              <a:t>6/18/2020</a:t>
+              <a:t>6/19/2020</a:t>
             </a:fld>
             <a:endParaRPr lang="en-US"/>
           </a:p>
@@ -1922,7 +1923,7 @@
           <a:p>
             <a:fld id="{69EF58AE-A150-436C-A66E-79C9DB882BA4}" type="datetimeFigureOut">
               <a:rPr lang="en-US" smtClean="0"/>
-              <a:t>6/18/2020</a:t>
+              <a:t>6/19/2020</a:t>
             </a:fld>
             <a:endParaRPr lang="en-US"/>
           </a:p>
@@ -2064,7 +2065,7 @@
           <a:p>
             <a:fld id="{69EF58AE-A150-436C-A66E-79C9DB882BA4}" type="datetimeFigureOut">
               <a:rPr lang="en-US" smtClean="0"/>
-              <a:t>6/18/2020</a:t>
+              <a:t>6/19/2020</a:t>
             </a:fld>
             <a:endParaRPr lang="en-US"/>
           </a:p>
@@ -2177,7 +2178,7 @@
           <a:p>
             <a:fld id="{69EF58AE-A150-436C-A66E-79C9DB882BA4}" type="datetimeFigureOut">
               <a:rPr lang="en-US" smtClean="0"/>
-              <a:t>6/18/2020</a:t>
+              <a:t>6/19/2020</a:t>
             </a:fld>
             <a:endParaRPr lang="en-US"/>
           </a:p>
@@ -2490,7 +2491,7 @@
           <a:p>
             <a:fld id="{69EF58AE-A150-436C-A66E-79C9DB882BA4}" type="datetimeFigureOut">
               <a:rPr lang="en-US" smtClean="0"/>
-              <a:t>6/18/2020</a:t>
+              <a:t>6/19/2020</a:t>
             </a:fld>
             <a:endParaRPr lang="en-US"/>
           </a:p>
@@ -2779,7 +2780,7 @@
           <a:p>
             <a:fld id="{69EF58AE-A150-436C-A66E-79C9DB882BA4}" type="datetimeFigureOut">
               <a:rPr lang="en-US" smtClean="0"/>
-              <a:t>6/18/2020</a:t>
+              <a:t>6/19/2020</a:t>
             </a:fld>
             <a:endParaRPr lang="en-US"/>
           </a:p>
@@ -3022,7 +3023,7 @@
           <a:p>
             <a:fld id="{69EF58AE-A150-436C-A66E-79C9DB882BA4}" type="datetimeFigureOut">
               <a:rPr lang="en-US" smtClean="0"/>
-              <a:t>6/18/2020</a:t>
+              <a:t>6/19/2020</a:t>
             </a:fld>
             <a:endParaRPr lang="en-US"/>
           </a:p>
@@ -32560,6 +32561,13 @@
           <a:prstGeom prst="line">
             <a:avLst/>
           </a:prstGeom>
+          <a:ln w="28575">
+            <a:solidFill>
+              <a:schemeClr val="accent6">
+                <a:lumMod val="75000"/>
+              </a:schemeClr>
+            </a:solidFill>
+          </a:ln>
         </p:spPr>
         <p:style>
           <a:lnRef idx="1">
@@ -35686,8 +35694,12 @@
           <a:lstStyle/>
           <a:p>
             <a:r>
+              <a:rPr lang="ko-KR" altLang="en-US" sz="2400" b="1" dirty="0"/>
+              <a:t>전체</a:t>
+            </a:r>
+            <a:r>
               <a:rPr lang="en-US" altLang="ko-KR" sz="2400" b="1" dirty="0"/>
-              <a:t>Multi States LSTM </a:t>
+              <a:t> </a:t>
             </a:r>
             <a:r>
               <a:rPr lang="ko-KR" altLang="en-US" sz="2400" b="1" dirty="0"/>
@@ -35789,7 +35801,7 @@
                 <a:latin typeface="Times New Roman" panose="02020603050405020304" pitchFamily="18" charset="0"/>
                 <a:cs typeface="Times New Roman" panose="02020603050405020304" pitchFamily="18" charset="0"/>
               </a:rPr>
-              <a:t>Perform</a:t>
+              <a:t>Collect</a:t>
             </a:r>
           </a:p>
           <a:p>
@@ -35799,21 +35811,7 @@
                 <a:latin typeface="Times New Roman" panose="02020603050405020304" pitchFamily="18" charset="0"/>
                 <a:cs typeface="Times New Roman" panose="02020603050405020304" pitchFamily="18" charset="0"/>
               </a:rPr>
-              <a:t>Sensitivity</a:t>
-            </a:r>
-            <a:r>
-              <a:rPr lang="ko-KR" altLang="en-US" dirty="0">
-                <a:latin typeface="Times New Roman" panose="02020603050405020304" pitchFamily="18" charset="0"/>
-                <a:cs typeface="Times New Roman" panose="02020603050405020304" pitchFamily="18" charset="0"/>
-              </a:rPr>
-              <a:t> </a:t>
-            </a:r>
-            <a:r>
-              <a:rPr lang="en-US" altLang="ko-KR" dirty="0">
-                <a:latin typeface="Times New Roman" panose="02020603050405020304" pitchFamily="18" charset="0"/>
-                <a:cs typeface="Times New Roman" panose="02020603050405020304" pitchFamily="18" charset="0"/>
-              </a:rPr>
-              <a:t>Analysis to Find Predictor Variables</a:t>
+              <a:t>Data regarding COVID-19 Spread in U.S.</a:t>
             </a:r>
             <a:endParaRPr lang="en-US" dirty="0">
               <a:latin typeface="Times New Roman" panose="02020603050405020304" pitchFamily="18" charset="0"/>
@@ -35855,7 +35853,7 @@
                 <a:latin typeface="Times New Roman" panose="02020603050405020304" pitchFamily="18" charset="0"/>
                 <a:cs typeface="Times New Roman" panose="02020603050405020304" pitchFamily="18" charset="0"/>
               </a:rPr>
-              <a:t>Goal: In this paper, out goal is to predict the number of confirmed cases on the next day. </a:t>
+              <a:t>Goal: In this paper, our goal is to predict the number of confirmed cases on the next day. </a:t>
             </a:r>
           </a:p>
           <a:p>
@@ -35966,7 +35964,21 @@
                 <a:latin typeface="Times New Roman" panose="02020603050405020304" pitchFamily="18" charset="0"/>
                 <a:cs typeface="Times New Roman" panose="02020603050405020304" pitchFamily="18" charset="0"/>
               </a:rPr>
-              <a:t>Data Clustering to Improve Prediction Accuracy</a:t>
+              <a:t>Sensitivity</a:t>
+            </a:r>
+            <a:r>
+              <a:rPr lang="ko-KR" altLang="en-US" dirty="0">
+                <a:latin typeface="Times New Roman" panose="02020603050405020304" pitchFamily="18" charset="0"/>
+                <a:cs typeface="Times New Roman" panose="02020603050405020304" pitchFamily="18" charset="0"/>
+              </a:rPr>
+              <a:t> </a:t>
+            </a:r>
+            <a:r>
+              <a:rPr lang="en-US" altLang="ko-KR" dirty="0">
+                <a:latin typeface="Times New Roman" panose="02020603050405020304" pitchFamily="18" charset="0"/>
+                <a:cs typeface="Times New Roman" panose="02020603050405020304" pitchFamily="18" charset="0"/>
+              </a:rPr>
+              <a:t>Analysis to Find Predictor Variables</a:t>
             </a:r>
             <a:endParaRPr lang="en-US" dirty="0">
               <a:latin typeface="Times New Roman" panose="02020603050405020304" pitchFamily="18" charset="0"/>
@@ -36035,7 +36047,7 @@
                 <a:latin typeface="Times New Roman" panose="02020603050405020304" pitchFamily="18" charset="0"/>
                 <a:cs typeface="Times New Roman" panose="02020603050405020304" pitchFamily="18" charset="0"/>
               </a:rPr>
-              <a:t>Machine Learning to Find Predictive Models</a:t>
+              <a:t>Data Clustering to Improve Prediction Accuracy</a:t>
             </a:r>
             <a:endParaRPr lang="en-US" dirty="0">
               <a:latin typeface="Times New Roman" panose="02020603050405020304" pitchFamily="18" charset="0"/>
@@ -36094,7 +36106,7 @@
                 <a:latin typeface="Times New Roman" panose="02020603050405020304" pitchFamily="18" charset="0"/>
                 <a:cs typeface="Times New Roman" panose="02020603050405020304" pitchFamily="18" charset="0"/>
               </a:rPr>
-              <a:t>Evaluate</a:t>
+              <a:t>Perform</a:t>
             </a:r>
           </a:p>
           <a:p>
@@ -36104,7 +36116,7 @@
                 <a:latin typeface="Times New Roman" panose="02020603050405020304" pitchFamily="18" charset="0"/>
                 <a:cs typeface="Times New Roman" panose="02020603050405020304" pitchFamily="18" charset="0"/>
               </a:rPr>
-              <a:t>Predictive Models to Select a Bast Model</a:t>
+              <a:t>Machine Learning to Find a Best Predictive  Model</a:t>
             </a:r>
             <a:endParaRPr lang="en-US" dirty="0">
               <a:latin typeface="Times New Roman" panose="02020603050405020304" pitchFamily="18" charset="0"/>
@@ -36270,8 +36282,8 @@
         </p:nvSpPr>
         <p:spPr>
           <a:xfrm>
-            <a:off x="271560" y="3754793"/>
-            <a:ext cx="6538970" cy="2862322"/>
+            <a:off x="180608" y="4026626"/>
+            <a:ext cx="7346883" cy="2585323"/>
           </a:xfrm>
           <a:prstGeom prst="rect">
             <a:avLst/>
@@ -36293,16 +36305,46 @@
             </a:r>
           </a:p>
           <a:p>
+            <a:pPr marL="285750" indent="-285750">
+              <a:buFontTx/>
+              <a:buChar char="-"/>
+            </a:pPr>
             <a:r>
               <a:rPr lang="en-US" dirty="0">
                 <a:latin typeface="Times New Roman" panose="02020603050405020304" pitchFamily="18" charset="0"/>
                 <a:cs typeface="Times New Roman" panose="02020603050405020304" pitchFamily="18" charset="0"/>
               </a:rPr>
-              <a:t>-    State-Clustered model vs State-Non-Clustered model</a:t>
+              <a:t>State-Non-Clustered model</a:t>
+            </a:r>
+          </a:p>
+          <a:p>
+            <a:pPr marL="742950" lvl="1" indent="-285750">
+              <a:buFontTx/>
+              <a:buChar char="-"/>
+            </a:pPr>
+            <a:r>
+              <a:rPr lang="en-US" dirty="0">
+                <a:latin typeface="Times New Roman" panose="02020603050405020304" pitchFamily="18" charset="0"/>
+                <a:cs typeface="Times New Roman" panose="02020603050405020304" pitchFamily="18" charset="0"/>
+              </a:rPr>
+              <a:t>One-Factor model vs Multi-Factor model</a:t>
             </a:r>
           </a:p>
           <a:p>
             <a:pPr marL="285750" indent="-285750">
+              <a:buFontTx/>
+              <a:buChar char="-"/>
+            </a:pPr>
+            <a:r>
+              <a:rPr lang="en-US" dirty="0">
+                <a:latin typeface="Times New Roman" panose="02020603050405020304" pitchFamily="18" charset="0"/>
+                <a:cs typeface="Times New Roman" panose="02020603050405020304" pitchFamily="18" charset="0"/>
+              </a:rPr>
+              <a:t>State-Clustered model </a:t>
+            </a:r>
+          </a:p>
+          <a:p>
+            <a:pPr marL="742950" lvl="1" indent="-285750">
               <a:buFontTx/>
               <a:buChar char="-"/>
             </a:pPr>
@@ -36329,17 +36371,20 @@
               <a:buFontTx/>
               <a:buChar char="-"/>
             </a:pPr>
-            <a:endParaRPr lang="en-US" dirty="0">
-              <a:latin typeface="Times New Roman" panose="02020603050405020304" pitchFamily="18" charset="0"/>
-              <a:cs typeface="Times New Roman" panose="02020603050405020304" pitchFamily="18" charset="0"/>
-            </a:endParaRPr>
+            <a:r>
+              <a:rPr lang="en-US" b="1" dirty="0">
+                <a:latin typeface="Times New Roman" panose="02020603050405020304" pitchFamily="18" charset="0"/>
+                <a:cs typeface="Times New Roman" panose="02020603050405020304" pitchFamily="18" charset="0"/>
+              </a:rPr>
+              <a:t>State-Clustered &amp; Multi-Factor model -&gt; best model</a:t>
+            </a:r>
           </a:p>
           <a:p>
             <a:pPr marL="285750" indent="-285750">
               <a:buFontTx/>
               <a:buChar char="-"/>
             </a:pPr>
-            <a:endParaRPr lang="en-US" dirty="0">
+            <a:endParaRPr lang="en-US" b="1" dirty="0">
               <a:latin typeface="Times New Roman" panose="02020603050405020304" pitchFamily="18" charset="0"/>
               <a:cs typeface="Times New Roman" panose="02020603050405020304" pitchFamily="18" charset="0"/>
             </a:endParaRPr>
@@ -36349,39 +36394,13 @@
               <a:buFontTx/>
               <a:buChar char="-"/>
             </a:pPr>
-            <a:endParaRPr lang="en-US" dirty="0">
-              <a:latin typeface="Times New Roman" panose="02020603050405020304" pitchFamily="18" charset="0"/>
-              <a:cs typeface="Times New Roman" panose="02020603050405020304" pitchFamily="18" charset="0"/>
-            </a:endParaRPr>
-          </a:p>
-          <a:p>
-            <a:pPr marL="285750" indent="-285750">
-              <a:buFontTx/>
-              <a:buChar char="-"/>
-            </a:pPr>
-            <a:endParaRPr lang="en-US" dirty="0">
-              <a:latin typeface="Times New Roman" panose="02020603050405020304" pitchFamily="18" charset="0"/>
-              <a:cs typeface="Times New Roman" panose="02020603050405020304" pitchFamily="18" charset="0"/>
-            </a:endParaRPr>
-          </a:p>
-          <a:p>
-            <a:pPr marL="285750" indent="-285750">
-              <a:buFontTx/>
-              <a:buChar char="-"/>
-            </a:pPr>
             <a:r>
               <a:rPr lang="en-US" dirty="0">
                 <a:latin typeface="Times New Roman" panose="02020603050405020304" pitchFamily="18" charset="0"/>
                 <a:cs typeface="Times New Roman" panose="02020603050405020304" pitchFamily="18" charset="0"/>
               </a:rPr>
-              <a:t>From the best approach above-&gt;</a:t>
-            </a:r>
-          </a:p>
-          <a:p>
-            <a:pPr marL="285750" indent="-285750">
-              <a:buFontTx/>
-              <a:buChar char="-"/>
-            </a:pPr>
+              <a:t>From the best approach above, a </a:t>
+            </a:r>
             <a:r>
               <a:rPr lang="en-US" dirty="0" err="1">
                 <a:latin typeface="Times New Roman" panose="02020603050405020304" pitchFamily="18" charset="0"/>
@@ -36394,500 +36413,11 @@
                 <a:latin typeface="Times New Roman" panose="02020603050405020304" pitchFamily="18" charset="0"/>
                 <a:cs typeface="Times New Roman" panose="02020603050405020304" pitchFamily="18" charset="0"/>
               </a:rPr>
-              <a:t>-Clustered model vs </a:t>
-            </a:r>
-            <a:r>
-              <a:rPr lang="en-US" dirty="0" err="1">
-                <a:latin typeface="Times New Roman" panose="02020603050405020304" pitchFamily="18" charset="0"/>
-                <a:cs typeface="Times New Roman" panose="02020603050405020304" pitchFamily="18" charset="0"/>
-              </a:rPr>
-              <a:t>LockDown</a:t>
-            </a:r>
-            <a:r>
-              <a:rPr lang="en-US" dirty="0">
-                <a:latin typeface="Times New Roman" panose="02020603050405020304" pitchFamily="18" charset="0"/>
-                <a:cs typeface="Times New Roman" panose="02020603050405020304" pitchFamily="18" charset="0"/>
-              </a:rPr>
-              <a:t>-Non-Clustered model</a:t>
+              <a:t>-Clustered model is compared</a:t>
             </a:r>
           </a:p>
         </p:txBody>
       </p:sp>
-      <p:graphicFrame>
-        <p:nvGraphicFramePr>
-          <p:cNvPr id="19" name="표 19">
-            <a:extLst>
-              <a:ext uri="{FF2B5EF4-FFF2-40B4-BE49-F238E27FC236}">
-                <a16:creationId xmlns:a16="http://schemas.microsoft.com/office/drawing/2014/main" id="{621CD47A-EA2E-4D26-9272-B6B604F90CCA}"/>
-              </a:ext>
-            </a:extLst>
-          </p:cNvPr>
-          <p:cNvGraphicFramePr>
-            <a:graphicFrameLocks noGrp="1"/>
-          </p:cNvGraphicFramePr>
-          <p:nvPr>
-            <p:extLst>
-              <p:ext uri="{D42A27DB-BD31-4B8C-83A1-F6EECF244321}">
-                <p14:modId xmlns:p14="http://schemas.microsoft.com/office/powerpoint/2010/main" val="3784323210"/>
-              </p:ext>
-            </p:extLst>
-          </p:nvPr>
-        </p:nvGraphicFramePr>
-        <p:xfrm>
-          <a:off x="758197" y="4683288"/>
-          <a:ext cx="5250717" cy="1163320"/>
-        </p:xfrm>
-        <a:graphic>
-          <a:graphicData uri="http://schemas.openxmlformats.org/drawingml/2006/table">
-            <a:tbl>
-              <a:tblPr firstRow="1" bandRow="1">
-                <a:tableStyleId>{5C22544A-7EE6-4342-B048-85BDC9FD1C3A}</a:tableStyleId>
-              </a:tblPr>
-              <a:tblGrid>
-                <a:gridCol w="1750239">
-                  <a:extLst>
-                    <a:ext uri="{9D8B030D-6E8A-4147-A177-3AD203B41FA5}">
-                      <a16:colId xmlns:a16="http://schemas.microsoft.com/office/drawing/2014/main" val="3607827015"/>
-                    </a:ext>
-                  </a:extLst>
-                </a:gridCol>
-                <a:gridCol w="1750239">
-                  <a:extLst>
-                    <a:ext uri="{9D8B030D-6E8A-4147-A177-3AD203B41FA5}">
-                      <a16:colId xmlns:a16="http://schemas.microsoft.com/office/drawing/2014/main" val="611523198"/>
-                    </a:ext>
-                  </a:extLst>
-                </a:gridCol>
-                <a:gridCol w="1750239">
-                  <a:extLst>
-                    <a:ext uri="{9D8B030D-6E8A-4147-A177-3AD203B41FA5}">
-                      <a16:colId xmlns:a16="http://schemas.microsoft.com/office/drawing/2014/main" val="2741459369"/>
-                    </a:ext>
-                  </a:extLst>
-                </a:gridCol>
-              </a:tblGrid>
-              <a:tr h="370840">
-                <a:tc>
-                  <a:txBody>
-                    <a:bodyPr/>
-                    <a:lstStyle/>
-                    <a:p>
-                      <a:pPr algn="ctr"/>
-                      <a:endParaRPr lang="en-US"/>
-                    </a:p>
-                  </a:txBody>
-                  <a:tcPr anchor="ctr"/>
-                </a:tc>
-                <a:tc>
-                  <a:txBody>
-                    <a:bodyPr/>
-                    <a:lstStyle/>
-                    <a:p>
-                      <a:pPr algn="ctr"/>
-                      <a:r>
-                        <a:rPr lang="en-US" dirty="0"/>
-                        <a:t>Non-Clustered</a:t>
-                      </a:r>
-                    </a:p>
-                  </a:txBody>
-                  <a:tcPr anchor="ctr"/>
-                </a:tc>
-                <a:tc>
-                  <a:txBody>
-                    <a:bodyPr/>
-                    <a:lstStyle/>
-                    <a:p>
-                      <a:pPr algn="ctr"/>
-                      <a:r>
-                        <a:rPr lang="en-US" dirty="0"/>
-                        <a:t>Clustered</a:t>
-                      </a:r>
-                    </a:p>
-                  </a:txBody>
-                  <a:tcPr anchor="ctr"/>
-                </a:tc>
-                <a:extLst>
-                  <a:ext uri="{0D108BD9-81ED-4DB2-BD59-A6C34878D82A}">
-                    <a16:rowId xmlns:a16="http://schemas.microsoft.com/office/drawing/2014/main" val="539668029"/>
-                  </a:ext>
-                </a:extLst>
-              </a:tr>
-              <a:tr h="370840">
-                <a:tc>
-                  <a:txBody>
-                    <a:bodyPr/>
-                    <a:lstStyle/>
-                    <a:p>
-                      <a:pPr algn="ctr"/>
-                      <a:r>
-                        <a:rPr lang="en-US" dirty="0"/>
-                        <a:t>One-Factor</a:t>
-                      </a:r>
-                    </a:p>
-                  </a:txBody>
-                  <a:tcPr anchor="ctr"/>
-                </a:tc>
-                <a:tc>
-                  <a:txBody>
-                    <a:bodyPr/>
-                    <a:lstStyle/>
-                    <a:p>
-                      <a:pPr marL="0" marR="0" lvl="0" indent="0" algn="ctr" defTabSz="914400" rtl="0" eaLnBrk="1" fontAlgn="auto" latinLnBrk="0" hangingPunct="1">
-                        <a:lnSpc>
-                          <a:spcPct val="100000"/>
-                        </a:lnSpc>
-                        <a:spcBef>
-                          <a:spcPts val="0"/>
-                        </a:spcBef>
-                        <a:spcAft>
-                          <a:spcPts val="0"/>
-                        </a:spcAft>
-                        <a:buClrTx/>
-                        <a:buSzTx/>
-                        <a:buFontTx/>
-                        <a:buNone/>
-                        <a:tabLst/>
-                        <a:defRPr/>
-                      </a:pPr>
-                      <a:r>
-                        <a:rPr kumimoji="0" lang="en-US" sz="1000" b="0" i="0" u="none" strike="noStrike" kern="1200" cap="none" spc="0" normalizeH="0" baseline="0" noProof="0" dirty="0">
-                          <a:ln>
-                            <a:noFill/>
-                          </a:ln>
-                          <a:solidFill>
-                            <a:prstClr val="black"/>
-                          </a:solidFill>
-                          <a:effectLst/>
-                          <a:uLnTx/>
-                          <a:uFillTx/>
-                          <a:latin typeface="Calibri" panose="020F0502020204030204"/>
-                          <a:ea typeface="+mn-ea"/>
-                          <a:cs typeface="+mn-cs"/>
-                        </a:rPr>
-                        <a:t>AVG-MAE</a:t>
-                      </a:r>
-                    </a:p>
-                    <a:p>
-                      <a:pPr marL="0" marR="0" lvl="0" indent="0" algn="ctr" defTabSz="914400" rtl="0" eaLnBrk="1" fontAlgn="auto" latinLnBrk="0" hangingPunct="1">
-                        <a:lnSpc>
-                          <a:spcPct val="100000"/>
-                        </a:lnSpc>
-                        <a:spcBef>
-                          <a:spcPts val="0"/>
-                        </a:spcBef>
-                        <a:spcAft>
-                          <a:spcPts val="0"/>
-                        </a:spcAft>
-                        <a:buClrTx/>
-                        <a:buSzTx/>
-                        <a:buFontTx/>
-                        <a:buNone/>
-                        <a:tabLst/>
-                        <a:defRPr/>
-                      </a:pPr>
-                      <a:r>
-                        <a:rPr kumimoji="0" lang="en-US" sz="1000" b="0" i="0" u="none" strike="noStrike" kern="1200" cap="none" spc="0" normalizeH="0" baseline="0" noProof="0" dirty="0">
-                          <a:ln>
-                            <a:noFill/>
-                          </a:ln>
-                          <a:solidFill>
-                            <a:prstClr val="black"/>
-                          </a:solidFill>
-                          <a:effectLst/>
-                          <a:uLnTx/>
-                          <a:uFillTx/>
-                          <a:latin typeface="Calibri" panose="020F0502020204030204"/>
-                          <a:ea typeface="+mn-ea"/>
-                          <a:cs typeface="+mn-cs"/>
-                        </a:rPr>
-                        <a:t>(STD-MAE)</a:t>
-                      </a:r>
-                    </a:p>
-                  </a:txBody>
-                  <a:tcPr anchor="ctr"/>
-                </a:tc>
-                <a:tc>
-                  <a:txBody>
-                    <a:bodyPr/>
-                    <a:lstStyle/>
-                    <a:p>
-                      <a:pPr marL="0" marR="0" lvl="0" indent="0" algn="ctr" defTabSz="914400" rtl="0" eaLnBrk="1" fontAlgn="auto" latinLnBrk="0" hangingPunct="1">
-                        <a:lnSpc>
-                          <a:spcPct val="100000"/>
-                        </a:lnSpc>
-                        <a:spcBef>
-                          <a:spcPts val="0"/>
-                        </a:spcBef>
-                        <a:spcAft>
-                          <a:spcPts val="0"/>
-                        </a:spcAft>
-                        <a:buClrTx/>
-                        <a:buSzTx/>
-                        <a:buFontTx/>
-                        <a:buNone/>
-                        <a:tabLst/>
-                        <a:defRPr/>
-                      </a:pPr>
-                      <a:r>
-                        <a:rPr kumimoji="0" lang="en-US" sz="1000" b="0" i="0" u="none" strike="noStrike" kern="1200" cap="none" spc="0" normalizeH="0" baseline="0" noProof="0" dirty="0">
-                          <a:ln>
-                            <a:noFill/>
-                          </a:ln>
-                          <a:solidFill>
-                            <a:prstClr val="black"/>
-                          </a:solidFill>
-                          <a:effectLst/>
-                          <a:uLnTx/>
-                          <a:uFillTx/>
-                          <a:latin typeface="Calibri" panose="020F0502020204030204"/>
-                          <a:ea typeface="+mn-ea"/>
-                          <a:cs typeface="+mn-cs"/>
-                        </a:rPr>
-                        <a:t>AVG-MAE</a:t>
-                      </a:r>
-                    </a:p>
-                    <a:p>
-                      <a:pPr marL="0" marR="0" lvl="0" indent="0" algn="ctr" defTabSz="914400" rtl="0" eaLnBrk="1" fontAlgn="auto" latinLnBrk="0" hangingPunct="1">
-                        <a:lnSpc>
-                          <a:spcPct val="100000"/>
-                        </a:lnSpc>
-                        <a:spcBef>
-                          <a:spcPts val="0"/>
-                        </a:spcBef>
-                        <a:spcAft>
-                          <a:spcPts val="0"/>
-                        </a:spcAft>
-                        <a:buClrTx/>
-                        <a:buSzTx/>
-                        <a:buFontTx/>
-                        <a:buNone/>
-                        <a:tabLst/>
-                        <a:defRPr/>
-                      </a:pPr>
-                      <a:r>
-                        <a:rPr kumimoji="0" lang="en-US" sz="1000" b="0" i="0" u="none" strike="noStrike" kern="1200" cap="none" spc="0" normalizeH="0" baseline="0" noProof="0" dirty="0">
-                          <a:ln>
-                            <a:noFill/>
-                          </a:ln>
-                          <a:solidFill>
-                            <a:prstClr val="black"/>
-                          </a:solidFill>
-                          <a:effectLst/>
-                          <a:uLnTx/>
-                          <a:uFillTx/>
-                          <a:latin typeface="Calibri" panose="020F0502020204030204"/>
-                          <a:ea typeface="+mn-ea"/>
-                          <a:cs typeface="+mn-cs"/>
-                        </a:rPr>
-                        <a:t>(STD-MAE)</a:t>
-                      </a:r>
-                    </a:p>
-                  </a:txBody>
-                  <a:tcPr anchor="ctr"/>
-                </a:tc>
-                <a:extLst>
-                  <a:ext uri="{0D108BD9-81ED-4DB2-BD59-A6C34878D82A}">
-                    <a16:rowId xmlns:a16="http://schemas.microsoft.com/office/drawing/2014/main" val="3112425652"/>
-                  </a:ext>
-                </a:extLst>
-              </a:tr>
-              <a:tr h="370840">
-                <a:tc>
-                  <a:txBody>
-                    <a:bodyPr/>
-                    <a:lstStyle/>
-                    <a:p>
-                      <a:pPr algn="ctr"/>
-                      <a:r>
-                        <a:rPr lang="en-US" dirty="0"/>
-                        <a:t>Multi-Factor</a:t>
-                      </a:r>
-                    </a:p>
-                  </a:txBody>
-                  <a:tcPr anchor="ctr"/>
-                </a:tc>
-                <a:tc>
-                  <a:txBody>
-                    <a:bodyPr/>
-                    <a:lstStyle/>
-                    <a:p>
-                      <a:pPr marL="0" marR="0" lvl="0" indent="0" algn="ctr" defTabSz="914400" rtl="0" eaLnBrk="1" fontAlgn="auto" latinLnBrk="0" hangingPunct="1">
-                        <a:lnSpc>
-                          <a:spcPct val="100000"/>
-                        </a:lnSpc>
-                        <a:spcBef>
-                          <a:spcPts val="0"/>
-                        </a:spcBef>
-                        <a:spcAft>
-                          <a:spcPts val="0"/>
-                        </a:spcAft>
-                        <a:buClrTx/>
-                        <a:buSzTx/>
-                        <a:buFontTx/>
-                        <a:buNone/>
-                        <a:tabLst/>
-                        <a:defRPr/>
-                      </a:pPr>
-                      <a:r>
-                        <a:rPr kumimoji="0" lang="en-US" sz="1000" b="0" i="0" u="none" strike="noStrike" kern="1200" cap="none" spc="0" normalizeH="0" baseline="0" noProof="0">
-                          <a:ln>
-                            <a:noFill/>
-                          </a:ln>
-                          <a:solidFill>
-                            <a:prstClr val="black"/>
-                          </a:solidFill>
-                          <a:effectLst/>
-                          <a:uLnTx/>
-                          <a:uFillTx/>
-                          <a:latin typeface="Calibri" panose="020F0502020204030204"/>
-                          <a:ea typeface="+mn-ea"/>
-                          <a:cs typeface="+mn-cs"/>
-                        </a:rPr>
-                        <a:t>AVG-MAE</a:t>
-                      </a:r>
-                    </a:p>
-                    <a:p>
-                      <a:pPr marL="0" marR="0" lvl="0" indent="0" algn="ctr" defTabSz="914400" rtl="0" eaLnBrk="1" fontAlgn="auto" latinLnBrk="0" hangingPunct="1">
-                        <a:lnSpc>
-                          <a:spcPct val="100000"/>
-                        </a:lnSpc>
-                        <a:spcBef>
-                          <a:spcPts val="0"/>
-                        </a:spcBef>
-                        <a:spcAft>
-                          <a:spcPts val="0"/>
-                        </a:spcAft>
-                        <a:buClrTx/>
-                        <a:buSzTx/>
-                        <a:buFontTx/>
-                        <a:buNone/>
-                        <a:tabLst/>
-                        <a:defRPr/>
-                      </a:pPr>
-                      <a:r>
-                        <a:rPr kumimoji="0" lang="en-US" sz="1000" b="0" i="0" u="none" strike="noStrike" kern="1200" cap="none" spc="0" normalizeH="0" baseline="0" noProof="0">
-                          <a:ln>
-                            <a:noFill/>
-                          </a:ln>
-                          <a:solidFill>
-                            <a:prstClr val="black"/>
-                          </a:solidFill>
-                          <a:effectLst/>
-                          <a:uLnTx/>
-                          <a:uFillTx/>
-                          <a:latin typeface="Calibri" panose="020F0502020204030204"/>
-                          <a:ea typeface="+mn-ea"/>
-                          <a:cs typeface="+mn-cs"/>
-                        </a:rPr>
-                        <a:t>(STD-MAE)</a:t>
-                      </a:r>
-                      <a:endParaRPr kumimoji="0" lang="en-US" sz="1000" b="0" i="0" u="none" strike="noStrike" kern="1200" cap="none" spc="0" normalizeH="0" baseline="0" noProof="0" dirty="0">
-                        <a:ln>
-                          <a:noFill/>
-                        </a:ln>
-                        <a:solidFill>
-                          <a:prstClr val="black"/>
-                        </a:solidFill>
-                        <a:effectLst/>
-                        <a:uLnTx/>
-                        <a:uFillTx/>
-                        <a:latin typeface="Calibri" panose="020F0502020204030204"/>
-                        <a:ea typeface="+mn-ea"/>
-                        <a:cs typeface="+mn-cs"/>
-                      </a:endParaRPr>
-                    </a:p>
-                  </a:txBody>
-                  <a:tcPr anchor="ctr"/>
-                </a:tc>
-                <a:tc>
-                  <a:txBody>
-                    <a:bodyPr/>
-                    <a:lstStyle/>
-                    <a:p>
-                      <a:pPr marL="0" marR="0" lvl="0" indent="0" algn="ctr" defTabSz="914400" rtl="0" eaLnBrk="1" fontAlgn="auto" latinLnBrk="0" hangingPunct="1">
-                        <a:lnSpc>
-                          <a:spcPct val="100000"/>
-                        </a:lnSpc>
-                        <a:spcBef>
-                          <a:spcPts val="0"/>
-                        </a:spcBef>
-                        <a:spcAft>
-                          <a:spcPts val="0"/>
-                        </a:spcAft>
-                        <a:buClrTx/>
-                        <a:buSzTx/>
-                        <a:buFontTx/>
-                        <a:buNone/>
-                        <a:tabLst/>
-                        <a:defRPr/>
-                      </a:pPr>
-                      <a:r>
-                        <a:rPr kumimoji="0" lang="en-US" sz="1000" b="0" i="0" u="none" strike="noStrike" kern="1200" cap="none" spc="0" normalizeH="0" baseline="0" noProof="0" dirty="0">
-                          <a:ln>
-                            <a:noFill/>
-                          </a:ln>
-                          <a:solidFill>
-                            <a:prstClr val="black"/>
-                          </a:solidFill>
-                          <a:effectLst/>
-                          <a:uLnTx/>
-                          <a:uFillTx/>
-                          <a:latin typeface="Calibri" panose="020F0502020204030204"/>
-                          <a:ea typeface="+mn-ea"/>
-                          <a:cs typeface="+mn-cs"/>
-                        </a:rPr>
-                        <a:t>AVG-MAE</a:t>
-                      </a:r>
-                    </a:p>
-                    <a:p>
-                      <a:pPr marL="0" marR="0" lvl="0" indent="0" algn="ctr" defTabSz="914400" rtl="0" eaLnBrk="1" fontAlgn="auto" latinLnBrk="0" hangingPunct="1">
-                        <a:lnSpc>
-                          <a:spcPct val="100000"/>
-                        </a:lnSpc>
-                        <a:spcBef>
-                          <a:spcPts val="0"/>
-                        </a:spcBef>
-                        <a:spcAft>
-                          <a:spcPts val="0"/>
-                        </a:spcAft>
-                        <a:buClrTx/>
-                        <a:buSzTx/>
-                        <a:buFontTx/>
-                        <a:buNone/>
-                        <a:tabLst/>
-                        <a:defRPr/>
-                      </a:pPr>
-                      <a:r>
-                        <a:rPr kumimoji="0" lang="en-US" sz="1000" b="0" i="0" u="none" strike="noStrike" kern="1200" cap="none" spc="0" normalizeH="0" baseline="0" noProof="0" dirty="0">
-                          <a:ln>
-                            <a:noFill/>
-                          </a:ln>
-                          <a:solidFill>
-                            <a:prstClr val="black"/>
-                          </a:solidFill>
-                          <a:effectLst/>
-                          <a:uLnTx/>
-                          <a:uFillTx/>
-                          <a:latin typeface="Calibri" panose="020F0502020204030204"/>
-                          <a:ea typeface="+mn-ea"/>
-                          <a:cs typeface="+mn-cs"/>
-                        </a:rPr>
-                        <a:t>(STD-MAE)</a:t>
-                      </a:r>
-                    </a:p>
-                  </a:txBody>
-                  <a:tcPr anchor="ctr"/>
-                </a:tc>
-                <a:extLst>
-                  <a:ext uri="{0D108BD9-81ED-4DB2-BD59-A6C34878D82A}">
-                    <a16:rowId xmlns:a16="http://schemas.microsoft.com/office/drawing/2014/main" val="713442216"/>
-                  </a:ext>
-                </a:extLst>
-              </a:tr>
-            </a:tbl>
-          </a:graphicData>
-        </a:graphic>
-      </p:graphicFrame>
       <p:sp>
         <p:nvSpPr>
           <p:cNvPr id="21" name="직사각형 20">
@@ -36902,7 +36432,7 @@
         </p:nvSpPr>
         <p:spPr>
           <a:xfrm>
-            <a:off x="8545668" y="5146809"/>
+            <a:off x="8578699" y="6249951"/>
             <a:ext cx="3488741" cy="430887"/>
           </a:xfrm>
           <a:prstGeom prst="rect">
@@ -36978,7 +36508,7 @@
         </p:nvSpPr>
         <p:spPr>
           <a:xfrm>
-            <a:off x="8431698" y="3719229"/>
+            <a:off x="8464729" y="4822371"/>
             <a:ext cx="2025491" cy="1295400"/>
           </a:xfrm>
           <a:prstGeom prst="rect">
@@ -37036,7 +36566,7 @@
     </p:spTree>
     <p:extLst>
       <p:ext uri="{BB962C8B-B14F-4D97-AF65-F5344CB8AC3E}">
-        <p14:creationId xmlns:p14="http://schemas.microsoft.com/office/powerpoint/2010/main" val="1793776469"/>
+        <p14:creationId xmlns:p14="http://schemas.microsoft.com/office/powerpoint/2010/main" val="1235317102"/>
       </p:ext>
     </p:extLst>
   </p:cSld>
@@ -37093,6 +36623,286 @@
           <a:p>
             <a:r>
               <a:rPr lang="en-US" altLang="ko-KR" sz="2400" b="1" dirty="0"/>
+              <a:t>Multi States LSTM </a:t>
+            </a:r>
+            <a:r>
+              <a:rPr lang="ko-KR" altLang="en-US" sz="2400" b="1" dirty="0"/>
+              <a:t>실험</a:t>
+            </a:r>
+            <a:r>
+              <a:rPr lang="en-US" altLang="ko-KR" sz="2400" b="1" dirty="0"/>
+              <a:t> </a:t>
+            </a:r>
+            <a:r>
+              <a:rPr lang="ko-KR" altLang="en-US" sz="2400" b="1" dirty="0"/>
+              <a:t>결과</a:t>
+            </a:r>
+            <a:endParaRPr lang="en-US" sz="2400" b="1" dirty="0"/>
+          </a:p>
+        </p:txBody>
+      </p:sp>
+      <p:sp>
+        <p:nvSpPr>
+          <p:cNvPr id="18" name="TextBox 17">
+            <a:extLst>
+              <a:ext uri="{FF2B5EF4-FFF2-40B4-BE49-F238E27FC236}">
+                <a16:creationId xmlns:a16="http://schemas.microsoft.com/office/drawing/2014/main" id="{9C7322B3-39C8-4FEE-B859-338F0184472D}"/>
+              </a:ext>
+            </a:extLst>
+          </p:cNvPr>
+          <p:cNvSpPr txBox="1"/>
+          <p:nvPr/>
+        </p:nvSpPr>
+        <p:spPr>
+          <a:xfrm>
+            <a:off x="288976" y="680668"/>
+            <a:ext cx="11598223" cy="4801314"/>
+          </a:xfrm>
+          <a:prstGeom prst="rect">
+            <a:avLst/>
+          </a:prstGeom>
+          <a:noFill/>
+        </p:spPr>
+        <p:txBody>
+          <a:bodyPr wrap="square" rtlCol="0">
+            <a:spAutoFit/>
+          </a:bodyPr>
+          <a:lstStyle/>
+          <a:p>
+            <a:pPr marL="342900" indent="-342900">
+              <a:buAutoNum type="arabicParenBoth"/>
+            </a:pPr>
+            <a:r>
+              <a:rPr lang="en-US" dirty="0">
+                <a:latin typeface="Times New Roman" panose="02020603050405020304" pitchFamily="18" charset="0"/>
+                <a:cs typeface="Times New Roman" panose="02020603050405020304" pitchFamily="18" charset="0"/>
+              </a:rPr>
+              <a:t>The State-Non-Clustered model is an ML model in which data were not clustered according to the state types. </a:t>
+            </a:r>
+          </a:p>
+          <a:p>
+            <a:pPr marL="342900" indent="-342900">
+              <a:buFontTx/>
+              <a:buAutoNum type="arabicParenBoth"/>
+            </a:pPr>
+            <a:r>
+              <a:rPr lang="en-US" dirty="0">
+                <a:latin typeface="Times New Roman" panose="02020603050405020304" pitchFamily="18" charset="0"/>
+                <a:cs typeface="Times New Roman" panose="02020603050405020304" pitchFamily="18" charset="0"/>
+              </a:rPr>
+              <a:t>The State-Clustered model is a set of ML models in which data were clustered according to the state types. This model contains several groups of ML models corresponding to each state type. In the machine learning phase, each clustered data is used to build each  ML model. The each ML model for a state type is tested with test data belonging to the state type.</a:t>
+            </a:r>
+          </a:p>
+          <a:p>
+            <a:pPr marL="342900" indent="-342900">
+              <a:buFontTx/>
+              <a:buAutoNum type="arabicParenBoth"/>
+            </a:pPr>
+            <a:r>
+              <a:rPr lang="en-US" dirty="0">
+                <a:latin typeface="Times New Roman" panose="02020603050405020304" pitchFamily="18" charset="0"/>
+                <a:cs typeface="Times New Roman" panose="02020603050405020304" pitchFamily="18" charset="0"/>
+              </a:rPr>
+              <a:t>The One-Factor model is an ML model in which only one predictor variable (e.g., the ratio of confirmed case) is used. </a:t>
+            </a:r>
+          </a:p>
+          <a:p>
+            <a:pPr marL="342900" indent="-342900">
+              <a:buFontTx/>
+              <a:buAutoNum type="arabicParenBoth"/>
+            </a:pPr>
+            <a:r>
+              <a:rPr lang="en-US" dirty="0">
+                <a:latin typeface="Times New Roman" panose="02020603050405020304" pitchFamily="18" charset="0"/>
+                <a:cs typeface="Times New Roman" panose="02020603050405020304" pitchFamily="18" charset="0"/>
+              </a:rPr>
+              <a:t>The Multi-Factor model is an ML model in which multiple predictor variables (e.g., senior population and mean travel time) are used for learning. </a:t>
+            </a:r>
+          </a:p>
+          <a:p>
+            <a:pPr marL="342900" indent="-342900">
+              <a:buFontTx/>
+              <a:buAutoNum type="arabicParenBoth"/>
+            </a:pPr>
+            <a:endParaRPr lang="en-US" dirty="0">
+              <a:latin typeface="Times New Roman" panose="02020603050405020304" pitchFamily="18" charset="0"/>
+              <a:cs typeface="Times New Roman" panose="02020603050405020304" pitchFamily="18" charset="0"/>
+            </a:endParaRPr>
+          </a:p>
+          <a:p>
+            <a:pPr marL="342900" indent="-342900">
+              <a:buFontTx/>
+              <a:buAutoNum type="arabicParenBoth"/>
+            </a:pPr>
+            <a:r>
+              <a:rPr lang="en-US" dirty="0">
+                <a:latin typeface="Times New Roman" panose="02020603050405020304" pitchFamily="18" charset="0"/>
+                <a:cs typeface="Times New Roman" panose="02020603050405020304" pitchFamily="18" charset="0"/>
+              </a:rPr>
+              <a:t>The </a:t>
+            </a:r>
+            <a:r>
+              <a:rPr lang="en-US" dirty="0" err="1">
+                <a:latin typeface="Times New Roman" panose="02020603050405020304" pitchFamily="18" charset="0"/>
+                <a:cs typeface="Times New Roman" panose="02020603050405020304" pitchFamily="18" charset="0"/>
+              </a:rPr>
+              <a:t>LockDown</a:t>
+            </a:r>
+            <a:r>
+              <a:rPr lang="en-US" dirty="0">
+                <a:latin typeface="Times New Roman" panose="02020603050405020304" pitchFamily="18" charset="0"/>
+                <a:cs typeface="Times New Roman" panose="02020603050405020304" pitchFamily="18" charset="0"/>
+              </a:rPr>
+              <a:t>-Clustered model is a set of ML models in which data were clustered according to before </a:t>
+            </a:r>
+            <a:r>
+              <a:rPr lang="en-US" dirty="0" err="1">
+                <a:latin typeface="Times New Roman" panose="02020603050405020304" pitchFamily="18" charset="0"/>
+                <a:cs typeface="Times New Roman" panose="02020603050405020304" pitchFamily="18" charset="0"/>
+              </a:rPr>
+              <a:t>LockDown</a:t>
+            </a:r>
+            <a:r>
+              <a:rPr lang="en-US" dirty="0">
+                <a:latin typeface="Times New Roman" panose="02020603050405020304" pitchFamily="18" charset="0"/>
+                <a:cs typeface="Times New Roman" panose="02020603050405020304" pitchFamily="18" charset="0"/>
+              </a:rPr>
+              <a:t> and after </a:t>
+            </a:r>
+            <a:r>
+              <a:rPr lang="en-US" dirty="0" err="1">
+                <a:latin typeface="Times New Roman" panose="02020603050405020304" pitchFamily="18" charset="0"/>
+                <a:cs typeface="Times New Roman" panose="02020603050405020304" pitchFamily="18" charset="0"/>
+              </a:rPr>
+              <a:t>LockDown</a:t>
+            </a:r>
+            <a:r>
+              <a:rPr lang="en-US" dirty="0">
+                <a:latin typeface="Times New Roman" panose="02020603050405020304" pitchFamily="18" charset="0"/>
+                <a:cs typeface="Times New Roman" panose="02020603050405020304" pitchFamily="18" charset="0"/>
+              </a:rPr>
+              <a:t>. </a:t>
+            </a:r>
+          </a:p>
+          <a:p>
+            <a:pPr marL="342900" indent="-342900">
+              <a:buAutoNum type="arabicParenBoth"/>
+            </a:pPr>
+            <a:endParaRPr lang="en-US" dirty="0">
+              <a:latin typeface="Times New Roman" panose="02020603050405020304" pitchFamily="18" charset="0"/>
+              <a:cs typeface="Times New Roman" panose="02020603050405020304" pitchFamily="18" charset="0"/>
+            </a:endParaRPr>
+          </a:p>
+          <a:p>
+            <a:pPr marL="342900" indent="-342900">
+              <a:buAutoNum type="arabicParenBoth"/>
+            </a:pPr>
+            <a:endParaRPr lang="en-US" dirty="0">
+              <a:latin typeface="Times New Roman" panose="02020603050405020304" pitchFamily="18" charset="0"/>
+              <a:cs typeface="Times New Roman" panose="02020603050405020304" pitchFamily="18" charset="0"/>
+            </a:endParaRPr>
+          </a:p>
+          <a:p>
+            <a:pPr marL="285750" indent="-285750">
+              <a:buFontTx/>
+              <a:buChar char="-"/>
+            </a:pPr>
+            <a:endParaRPr lang="en-US" dirty="0">
+              <a:latin typeface="Times New Roman" panose="02020603050405020304" pitchFamily="18" charset="0"/>
+              <a:cs typeface="Times New Roman" panose="02020603050405020304" pitchFamily="18" charset="0"/>
+            </a:endParaRPr>
+          </a:p>
+          <a:p>
+            <a:pPr marL="285750" indent="-285750">
+              <a:buFontTx/>
+              <a:buChar char="-"/>
+            </a:pPr>
+            <a:endParaRPr lang="en-US" dirty="0">
+              <a:latin typeface="Times New Roman" panose="02020603050405020304" pitchFamily="18" charset="0"/>
+              <a:cs typeface="Times New Roman" panose="02020603050405020304" pitchFamily="18" charset="0"/>
+            </a:endParaRPr>
+          </a:p>
+          <a:p>
+            <a:pPr marL="285750" indent="-285750">
+              <a:buFontTx/>
+              <a:buChar char="-"/>
+            </a:pPr>
+            <a:endParaRPr lang="en-US" dirty="0">
+              <a:latin typeface="Times New Roman" panose="02020603050405020304" pitchFamily="18" charset="0"/>
+              <a:cs typeface="Times New Roman" panose="02020603050405020304" pitchFamily="18" charset="0"/>
+            </a:endParaRPr>
+          </a:p>
+          <a:p>
+            <a:r>
+              <a:rPr lang="en-US" dirty="0">
+                <a:latin typeface="Times New Roman" panose="02020603050405020304" pitchFamily="18" charset="0"/>
+                <a:cs typeface="Times New Roman" panose="02020603050405020304" pitchFamily="18" charset="0"/>
+              </a:rPr>
+              <a:t> </a:t>
+            </a:r>
+          </a:p>
+        </p:txBody>
+      </p:sp>
+    </p:spTree>
+    <p:extLst>
+      <p:ext uri="{BB962C8B-B14F-4D97-AF65-F5344CB8AC3E}">
+        <p14:creationId xmlns:p14="http://schemas.microsoft.com/office/powerpoint/2010/main" val="2008537554"/>
+      </p:ext>
+    </p:extLst>
+  </p:cSld>
+  <p:clrMapOvr>
+    <a:masterClrMapping/>
+  </p:clrMapOvr>
+</p:sld>
+</file>
+
+<file path=ppt/slides/slide82.xml><?xml version="1.0" encoding="utf-8"?>
+<p:sld xmlns:a="http://schemas.openxmlformats.org/drawingml/2006/main" xmlns:r="http://schemas.openxmlformats.org/officeDocument/2006/relationships" xmlns:p="http://schemas.openxmlformats.org/presentationml/2006/main">
+  <p:cSld>
+    <p:spTree>
+      <p:nvGrpSpPr>
+        <p:cNvPr id="1" name=""/>
+        <p:cNvGrpSpPr/>
+        <p:nvPr/>
+      </p:nvGrpSpPr>
+      <p:grpSpPr>
+        <a:xfrm>
+          <a:off x="0" y="0"/>
+          <a:ext cx="0" cy="0"/>
+          <a:chOff x="0" y="0"/>
+          <a:chExt cx="0" cy="0"/>
+        </a:xfrm>
+      </p:grpSpPr>
+      <p:sp>
+        <p:nvSpPr>
+          <p:cNvPr id="5" name="제목 1">
+            <a:extLst>
+              <a:ext uri="{FF2B5EF4-FFF2-40B4-BE49-F238E27FC236}">
+                <a16:creationId xmlns:a16="http://schemas.microsoft.com/office/drawing/2014/main" id="{F7B6FC2E-6CAD-4EF5-A572-670156BB8A38}"/>
+              </a:ext>
+            </a:extLst>
+          </p:cNvPr>
+          <p:cNvSpPr>
+            <a:spLocks noGrp="1"/>
+          </p:cNvSpPr>
+          <p:nvPr>
+            <p:ph type="title"/>
+          </p:nvPr>
+        </p:nvSpPr>
+        <p:spPr>
+          <a:xfrm>
+            <a:off x="0" y="1"/>
+            <a:ext cx="12192000" cy="531222"/>
+          </a:xfrm>
+        </p:spPr>
+        <p:txBody>
+          <a:bodyPr>
+            <a:noAutofit/>
+          </a:bodyPr>
+          <a:lstStyle/>
+          <a:p>
+            <a:r>
+              <a:rPr lang="en-US" altLang="ko-KR" sz="2400" b="1" dirty="0"/>
               <a:t>Multi States-LSTM </a:t>
             </a:r>
             <a:r>
@@ -37124,7 +36934,7 @@
 </p:sld>
 </file>
 
-<file path=ppt/slides/slide82.xml><?xml version="1.0" encoding="utf-8"?>
+<file path=ppt/slides/slide83.xml><?xml version="1.0" encoding="utf-8"?>
 <p:sld xmlns:a="http://schemas.openxmlformats.org/drawingml/2006/main" xmlns:r="http://schemas.openxmlformats.org/officeDocument/2006/relationships" xmlns:p="http://schemas.openxmlformats.org/presentationml/2006/main">
   <p:cSld>
     <p:spTree>
@@ -37342,7 +37152,7 @@
 </p:sld>
 </file>
 
-<file path=ppt/slides/slide83.xml><?xml version="1.0" encoding="utf-8"?>
+<file path=ppt/slides/slide84.xml><?xml version="1.0" encoding="utf-8"?>
 <p:sld xmlns:a="http://schemas.openxmlformats.org/drawingml/2006/main" xmlns:r="http://schemas.openxmlformats.org/officeDocument/2006/relationships" xmlns:p="http://schemas.openxmlformats.org/presentationml/2006/main">
   <p:cSld>
     <p:spTree>
@@ -37586,7 +37396,7 @@
 </p:sld>
 </file>
 
-<file path=ppt/slides/slide84.xml><?xml version="1.0" encoding="utf-8"?>
+<file path=ppt/slides/slide85.xml><?xml version="1.0" encoding="utf-8"?>
 <p:sld xmlns:a="http://schemas.openxmlformats.org/drawingml/2006/main" xmlns:r="http://schemas.openxmlformats.org/officeDocument/2006/relationships" xmlns:p="http://schemas.openxmlformats.org/presentationml/2006/main">
   <p:cSld>
     <p:spTree>
@@ -37856,7 +37666,7 @@
 </p:sld>
 </file>
 
-<file path=ppt/slides/slide85.xml><?xml version="1.0" encoding="utf-8"?>
+<file path=ppt/slides/slide86.xml><?xml version="1.0" encoding="utf-8"?>
 <p:sld xmlns:a="http://schemas.openxmlformats.org/drawingml/2006/main" xmlns:r="http://schemas.openxmlformats.org/officeDocument/2006/relationships" xmlns:p="http://schemas.openxmlformats.org/presentationml/2006/main">
   <p:cSld>
     <p:spTree>
@@ -38152,7 +37962,7 @@
 </p:sld>
 </file>
 
-<file path=ppt/slides/slide86.xml><?xml version="1.0" encoding="utf-8"?>
+<file path=ppt/slides/slide87.xml><?xml version="1.0" encoding="utf-8"?>
 <p:sld xmlns:a="http://schemas.openxmlformats.org/drawingml/2006/main" xmlns:r="http://schemas.openxmlformats.org/officeDocument/2006/relationships" xmlns:p="http://schemas.openxmlformats.org/presentationml/2006/main">
   <p:cSld>
     <p:spTree>
@@ -39558,7 +39368,7 @@
 </p:sld>
 </file>
 
-<file path=ppt/slides/slide87.xml><?xml version="1.0" encoding="utf-8"?>
+<file path=ppt/slides/slide88.xml><?xml version="1.0" encoding="utf-8"?>
 <p:sld xmlns:a="http://schemas.openxmlformats.org/drawingml/2006/main" xmlns:r="http://schemas.openxmlformats.org/officeDocument/2006/relationships" xmlns:p="http://schemas.openxmlformats.org/presentationml/2006/main">
   <p:cSld>
     <p:spTree>
@@ -39804,7 +39614,7 @@
               <a:tabLst/>
             </a:pPr>
             <a:r>
-              <a:rPr kumimoji="0" lang="en-US" altLang="en-US" sz="1300" b="1" i="0" u="none" strike="noStrike" cap="none" normalizeH="0" baseline="0">
+              <a:rPr kumimoji="0" lang="en-US" altLang="en-US" sz="1300" b="1" i="0" u="none" strike="noStrike" cap="none" normalizeH="0" baseline="0" dirty="0">
                 <a:ln>
                   <a:noFill/>
                 </a:ln>
@@ -39817,7 +39627,7 @@
               <a:t>"Iowa"</a:t>
             </a:r>
             <a:r>
-              <a:rPr kumimoji="0" lang="en-US" altLang="en-US" sz="1300" b="0" i="0" u="none" strike="noStrike" cap="none" normalizeH="0" baseline="0">
+              <a:rPr kumimoji="0" lang="en-US" altLang="en-US" sz="1300" b="0" i="0" u="none" strike="noStrike" cap="none" normalizeH="0" baseline="0" dirty="0">
                 <a:ln>
                   <a:noFill/>
                 </a:ln>
@@ -39830,7 +39640,7 @@
               <a:t>, </a:t>
             </a:r>
             <a:r>
-              <a:rPr kumimoji="0" lang="en-US" altLang="en-US" sz="1300" b="1" i="0" u="none" strike="noStrike" cap="none" normalizeH="0" baseline="0">
+              <a:rPr kumimoji="0" lang="en-US" altLang="en-US" sz="1300" b="1" i="0" u="none" strike="noStrike" cap="none" normalizeH="0" baseline="0" dirty="0">
                 <a:ln>
                   <a:noFill/>
                 </a:ln>
@@ -39843,7 +39653,7 @@
               <a:t>"Illinois"</a:t>
             </a:r>
             <a:r>
-              <a:rPr kumimoji="0" lang="en-US" altLang="en-US" sz="1300" b="0" i="0" u="none" strike="noStrike" cap="none" normalizeH="0" baseline="0">
+              <a:rPr kumimoji="0" lang="en-US" altLang="en-US" sz="1300" b="0" i="0" u="none" strike="noStrike" cap="none" normalizeH="0" baseline="0" dirty="0">
                 <a:ln>
                   <a:noFill/>
                 </a:ln>
@@ -39856,7 +39666,7 @@
               <a:t>, </a:t>
             </a:r>
             <a:r>
-              <a:rPr kumimoji="0" lang="en-US" altLang="en-US" sz="1300" b="1" i="0" u="none" strike="noStrike" cap="none" normalizeH="0" baseline="0">
+              <a:rPr kumimoji="0" lang="en-US" altLang="en-US" sz="1300" b="1" i="0" u="none" strike="noStrike" cap="none" normalizeH="0" baseline="0" dirty="0">
                 <a:ln>
                   <a:noFill/>
                 </a:ln>
@@ -39869,7 +39679,7 @@
               <a:t>"Maryland"</a:t>
             </a:r>
             <a:r>
-              <a:rPr kumimoji="0" lang="en-US" altLang="en-US" sz="1300" b="0" i="0" u="none" strike="noStrike" cap="none" normalizeH="0" baseline="0">
+              <a:rPr kumimoji="0" lang="en-US" altLang="en-US" sz="1300" b="0" i="0" u="none" strike="noStrike" cap="none" normalizeH="0" baseline="0" dirty="0">
                 <a:ln>
                   <a:noFill/>
                 </a:ln>
@@ -39882,7 +39692,7 @@
               <a:t>, </a:t>
             </a:r>
             <a:r>
-              <a:rPr kumimoji="0" lang="en-US" altLang="en-US" sz="1300" b="1" i="0" u="none" strike="noStrike" cap="none" normalizeH="0" baseline="0">
+              <a:rPr kumimoji="0" lang="en-US" altLang="en-US" sz="1300" b="1" i="0" u="none" strike="noStrike" cap="none" normalizeH="0" baseline="0" dirty="0">
                 <a:ln>
                   <a:noFill/>
                 </a:ln>
@@ -39895,7 +39705,7 @@
               <a:t>"Minnesota"</a:t>
             </a:r>
             <a:r>
-              <a:rPr kumimoji="0" lang="en-US" altLang="en-US" sz="1300" b="0" i="0" u="none" strike="noStrike" cap="none" normalizeH="0" baseline="0">
+              <a:rPr kumimoji="0" lang="en-US" altLang="en-US" sz="1300" b="0" i="0" u="none" strike="noStrike" cap="none" normalizeH="0" baseline="0" dirty="0">
                 <a:ln>
                   <a:noFill/>
                 </a:ln>
@@ -39908,7 +39718,7 @@
               <a:t>, </a:t>
             </a:r>
             <a:r>
-              <a:rPr kumimoji="0" lang="en-US" altLang="en-US" sz="1300" b="1" i="0" u="none" strike="noStrike" cap="none" normalizeH="0" baseline="0">
+              <a:rPr kumimoji="0" lang="en-US" altLang="en-US" sz="1300" b="1" i="0" u="none" strike="noStrike" cap="none" normalizeH="0" baseline="0" dirty="0">
                 <a:ln>
                   <a:noFill/>
                 </a:ln>
@@ -39920,7 +39730,7 @@
               </a:rPr>
               <a:t>"Kansas"</a:t>
             </a:r>
-            <a:endParaRPr kumimoji="0" lang="en-US" altLang="en-US" sz="1800" b="0" i="0" u="none" strike="noStrike" cap="none" normalizeH="0" baseline="0">
+            <a:endParaRPr kumimoji="0" lang="en-US" altLang="en-US" sz="1800" b="0" i="0" u="none" strike="noStrike" cap="none" normalizeH="0" baseline="0" dirty="0">
               <a:ln>
                 <a:noFill/>
               </a:ln>
@@ -40152,7 +39962,7 @@
 </p:sld>
 </file>
 
-<file path=ppt/slides/slide88.xml><?xml version="1.0" encoding="utf-8"?>
+<file path=ppt/slides/slide89.xml><?xml version="1.0" encoding="utf-8"?>
 <p:sld xmlns:a="http://schemas.openxmlformats.org/drawingml/2006/main" xmlns:r="http://schemas.openxmlformats.org/officeDocument/2006/relationships" xmlns:p="http://schemas.openxmlformats.org/presentationml/2006/main">
   <p:cSld>
     <p:spTree>
@@ -40186,7 +39996,7 @@
         <p:spPr bwMode="auto">
           <a:xfrm>
             <a:off x="6593115" y="4934206"/>
-            <a:ext cx="1576251" cy="1092607"/>
+            <a:ext cx="1402079" cy="1092607"/>
           </a:xfrm>
           <a:prstGeom prst="rect">
             <a:avLst/>
@@ -41019,1520 +40829,6 @@
     <p:extLst>
       <p:ext uri="{BB962C8B-B14F-4D97-AF65-F5344CB8AC3E}">
         <p14:creationId xmlns:p14="http://schemas.microsoft.com/office/powerpoint/2010/main" val="2692538874"/>
-      </p:ext>
-    </p:extLst>
-  </p:cSld>
-  <p:clrMapOvr>
-    <a:masterClrMapping/>
-  </p:clrMapOvr>
-</p:sld>
-</file>
-
-<file path=ppt/slides/slide89.xml><?xml version="1.0" encoding="utf-8"?>
-<p:sld xmlns:a="http://schemas.openxmlformats.org/drawingml/2006/main" xmlns:r="http://schemas.openxmlformats.org/officeDocument/2006/relationships" xmlns:p="http://schemas.openxmlformats.org/presentationml/2006/main">
-  <p:cSld>
-    <p:spTree>
-      <p:nvGrpSpPr>
-        <p:cNvPr id="1" name=""/>
-        <p:cNvGrpSpPr/>
-        <p:nvPr/>
-      </p:nvGrpSpPr>
-      <p:grpSpPr>
-        <a:xfrm>
-          <a:off x="0" y="0"/>
-          <a:ext cx="0" cy="0"/>
-          <a:chOff x="0" y="0"/>
-          <a:chExt cx="0" cy="0"/>
-        </a:xfrm>
-      </p:grpSpPr>
-      <p:sp>
-        <p:nvSpPr>
-          <p:cNvPr id="5" name="Rectangle 2">
-            <a:extLst>
-              <a:ext uri="{FF2B5EF4-FFF2-40B4-BE49-F238E27FC236}">
-                <a16:creationId xmlns:a16="http://schemas.microsoft.com/office/drawing/2014/main" id="{5977E058-5258-4D60-9C3C-25745FA342A2}"/>
-              </a:ext>
-            </a:extLst>
-          </p:cNvPr>
-          <p:cNvSpPr>
-            <a:spLocks noChangeArrowheads="1"/>
-          </p:cNvSpPr>
-          <p:nvPr/>
-        </p:nvSpPr>
-        <p:spPr bwMode="auto">
-          <a:xfrm>
-            <a:off x="-1" y="100027"/>
-            <a:ext cx="12087497" cy="1092607"/>
-          </a:xfrm>
-          <a:prstGeom prst="rect">
-            <a:avLst/>
-          </a:prstGeom>
-          <a:solidFill>
-            <a:srgbClr val="FFFFFF"/>
-          </a:solidFill>
-          <a:ln>
-            <a:noFill/>
-          </a:ln>
-          <a:effectLst/>
-          <a:extLst>
-            <a:ext uri="{91240B29-F687-4F45-9708-019B960494DF}">
-              <a14:hiddenLine xmlns:a14="http://schemas.microsoft.com/office/drawing/2010/main" w="9525">
-                <a:solidFill>
-                  <a:schemeClr val="tx1"/>
-                </a:solidFill>
-                <a:miter lim="800000"/>
-                <a:headEnd/>
-                <a:tailEnd/>
-              </a14:hiddenLine>
-            </a:ext>
-            <a:ext uri="{AF507438-7753-43E0-B8FC-AC1667EBCBE1}">
-              <a14:hiddenEffects xmlns:a14="http://schemas.microsoft.com/office/drawing/2010/main">
-                <a:effectLst>
-                  <a:outerShdw dist="35921" dir="2700000" algn="ctr" rotWithShape="0">
-                    <a:schemeClr val="bg2"/>
-                  </a:outerShdw>
-                </a:effectLst>
-              </a14:hiddenEffects>
-            </a:ext>
-          </a:extLst>
-        </p:spPr>
-        <p:txBody>
-          <a:bodyPr vert="horz" wrap="square" lIns="91440" tIns="45720" rIns="91440" bIns="45720" numCol="1" anchor="ctr" anchorCtr="0" compatLnSpc="1">
-            <a:prstTxWarp prst="textNoShape">
-              <a:avLst/>
-            </a:prstTxWarp>
-            <a:spAutoFit/>
-          </a:bodyPr>
-          <a:lstStyle/>
-          <a:p>
-            <a:pPr marL="0" marR="0" lvl="0" indent="0" algn="l" defTabSz="914400" rtl="0" eaLnBrk="0" fontAlgn="base" latinLnBrk="0" hangingPunct="0">
-              <a:lnSpc>
-                <a:spcPct val="100000"/>
-              </a:lnSpc>
-              <a:spcBef>
-                <a:spcPct val="0"/>
-              </a:spcBef>
-              <a:spcAft>
-                <a:spcPct val="0"/>
-              </a:spcAft>
-              <a:buClrTx/>
-              <a:buSzTx/>
-              <a:buFontTx/>
-              <a:buNone/>
-              <a:tabLst/>
-            </a:pPr>
-            <a:r>
-              <a:rPr kumimoji="0" lang="en-US" altLang="en-US" sz="1300" b="1" i="0" u="none" strike="noStrike" cap="none" normalizeH="0" baseline="0" dirty="0">
-                <a:ln>
-                  <a:noFill/>
-                </a:ln>
-                <a:solidFill>
-                  <a:srgbClr val="008080"/>
-                </a:solidFill>
-                <a:effectLst/>
-                <a:latin typeface="Consolas" panose="020B0609020204030204" pitchFamily="49" charset="0"/>
-              </a:rPr>
-              <a:t>"Alabama"</a:t>
-            </a:r>
-            <a:r>
-              <a:rPr kumimoji="0" lang="en-US" altLang="en-US" sz="1300" b="0" i="0" u="none" strike="noStrike" cap="none" normalizeH="0" baseline="0" dirty="0">
-                <a:ln>
-                  <a:noFill/>
-                </a:ln>
-                <a:solidFill>
-                  <a:srgbClr val="000000"/>
-                </a:solidFill>
-                <a:effectLst/>
-                <a:latin typeface="Consolas" panose="020B0609020204030204" pitchFamily="49" charset="0"/>
-              </a:rPr>
-              <a:t>, </a:t>
-            </a:r>
-            <a:r>
-              <a:rPr kumimoji="0" lang="en-US" altLang="en-US" sz="1300" b="1" i="0" u="none" strike="noStrike" cap="none" normalizeH="0" baseline="0" dirty="0">
-                <a:ln>
-                  <a:noFill/>
-                </a:ln>
-                <a:solidFill>
-                  <a:srgbClr val="008080"/>
-                </a:solidFill>
-                <a:effectLst/>
-                <a:latin typeface="Consolas" panose="020B0609020204030204" pitchFamily="49" charset="0"/>
-              </a:rPr>
-              <a:t>"Alaska"</a:t>
-            </a:r>
-            <a:r>
-              <a:rPr kumimoji="0" lang="en-US" altLang="en-US" sz="1300" b="0" i="0" u="none" strike="noStrike" cap="none" normalizeH="0" baseline="0" dirty="0">
-                <a:ln>
-                  <a:noFill/>
-                </a:ln>
-                <a:solidFill>
-                  <a:srgbClr val="000000"/>
-                </a:solidFill>
-                <a:effectLst/>
-                <a:latin typeface="Consolas" panose="020B0609020204030204" pitchFamily="49" charset="0"/>
-              </a:rPr>
-              <a:t>, </a:t>
-            </a:r>
-            <a:r>
-              <a:rPr kumimoji="0" lang="en-US" altLang="en-US" sz="1300" b="1" i="0" u="none" strike="noStrike" cap="none" normalizeH="0" baseline="0" dirty="0">
-                <a:ln>
-                  <a:noFill/>
-                </a:ln>
-                <a:solidFill>
-                  <a:srgbClr val="008080"/>
-                </a:solidFill>
-                <a:effectLst/>
-                <a:latin typeface="Consolas" panose="020B0609020204030204" pitchFamily="49" charset="0"/>
-              </a:rPr>
-              <a:t>"Arizona"</a:t>
-            </a:r>
-            <a:r>
-              <a:rPr kumimoji="0" lang="en-US" altLang="en-US" sz="1300" b="0" i="0" u="none" strike="noStrike" cap="none" normalizeH="0" baseline="0" dirty="0">
-                <a:ln>
-                  <a:noFill/>
-                </a:ln>
-                <a:solidFill>
-                  <a:srgbClr val="000000"/>
-                </a:solidFill>
-                <a:effectLst/>
-                <a:latin typeface="Consolas" panose="020B0609020204030204" pitchFamily="49" charset="0"/>
-              </a:rPr>
-              <a:t>, </a:t>
-            </a:r>
-            <a:r>
-              <a:rPr kumimoji="0" lang="en-US" altLang="en-US" sz="1300" b="1" i="0" u="none" strike="noStrike" cap="none" normalizeH="0" baseline="0" dirty="0">
-                <a:ln>
-                  <a:noFill/>
-                </a:ln>
-                <a:solidFill>
-                  <a:srgbClr val="008080"/>
-                </a:solidFill>
-                <a:effectLst/>
-                <a:latin typeface="Consolas" panose="020B0609020204030204" pitchFamily="49" charset="0"/>
-              </a:rPr>
-              <a:t>"Arkansas"</a:t>
-            </a:r>
-            <a:r>
-              <a:rPr kumimoji="0" lang="en-US" altLang="en-US" sz="1300" b="0" i="0" u="none" strike="noStrike" cap="none" normalizeH="0" baseline="0" dirty="0">
-                <a:ln>
-                  <a:noFill/>
-                </a:ln>
-                <a:solidFill>
-                  <a:srgbClr val="000000"/>
-                </a:solidFill>
-                <a:effectLst/>
-                <a:latin typeface="Consolas" panose="020B0609020204030204" pitchFamily="49" charset="0"/>
-              </a:rPr>
-              <a:t>,  </a:t>
-            </a:r>
-            <a:r>
-              <a:rPr kumimoji="0" lang="en-US" altLang="en-US" sz="1300" b="1" i="0" u="none" strike="noStrike" cap="none" normalizeH="0" baseline="0" dirty="0">
-                <a:ln>
-                  <a:noFill/>
-                </a:ln>
-                <a:solidFill>
-                  <a:srgbClr val="008080"/>
-                </a:solidFill>
-                <a:effectLst/>
-                <a:latin typeface="Consolas" panose="020B0609020204030204" pitchFamily="49" charset="0"/>
-              </a:rPr>
-              <a:t>"California"</a:t>
-            </a:r>
-            <a:r>
-              <a:rPr kumimoji="0" lang="en-US" altLang="en-US" sz="1300" b="0" i="0" u="none" strike="noStrike" cap="none" normalizeH="0" baseline="0" dirty="0">
-                <a:ln>
-                  <a:noFill/>
-                </a:ln>
-                <a:solidFill>
-                  <a:srgbClr val="000000"/>
-                </a:solidFill>
-                <a:effectLst/>
-                <a:latin typeface="Consolas" panose="020B0609020204030204" pitchFamily="49" charset="0"/>
-              </a:rPr>
-              <a:t>, </a:t>
-            </a:r>
-            <a:r>
-              <a:rPr kumimoji="0" lang="en-US" altLang="en-US" sz="1300" b="1" i="0" u="none" strike="noStrike" cap="none" normalizeH="0" baseline="0" dirty="0">
-                <a:ln>
-                  <a:noFill/>
-                </a:ln>
-                <a:solidFill>
-                  <a:srgbClr val="008080"/>
-                </a:solidFill>
-                <a:effectLst/>
-                <a:latin typeface="Consolas" panose="020B0609020204030204" pitchFamily="49" charset="0"/>
-              </a:rPr>
-              <a:t>"Colorado"</a:t>
-            </a:r>
-            <a:r>
-              <a:rPr kumimoji="0" lang="en-US" altLang="en-US" sz="1300" b="0" i="0" u="none" strike="noStrike" cap="none" normalizeH="0" baseline="0" dirty="0">
-                <a:ln>
-                  <a:noFill/>
-                </a:ln>
-                <a:solidFill>
-                  <a:srgbClr val="000000"/>
-                </a:solidFill>
-                <a:effectLst/>
-                <a:latin typeface="Consolas" panose="020B0609020204030204" pitchFamily="49" charset="0"/>
-              </a:rPr>
-              <a:t>, </a:t>
-            </a:r>
-            <a:r>
-              <a:rPr kumimoji="0" lang="en-US" altLang="en-US" sz="1300" b="1" i="0" u="none" strike="noStrike" cap="none" normalizeH="0" baseline="0" dirty="0">
-                <a:ln>
-                  <a:noFill/>
-                </a:ln>
-                <a:solidFill>
-                  <a:srgbClr val="008080"/>
-                </a:solidFill>
-                <a:effectLst/>
-                <a:latin typeface="Consolas" panose="020B0609020204030204" pitchFamily="49" charset="0"/>
-              </a:rPr>
-              <a:t>"Connecticut"</a:t>
-            </a:r>
-            <a:r>
-              <a:rPr kumimoji="0" lang="en-US" altLang="en-US" sz="1300" b="0" i="0" u="none" strike="noStrike" cap="none" normalizeH="0" baseline="0" dirty="0">
-                <a:ln>
-                  <a:noFill/>
-                </a:ln>
-                <a:solidFill>
-                  <a:srgbClr val="000000"/>
-                </a:solidFill>
-                <a:effectLst/>
-                <a:latin typeface="Consolas" panose="020B0609020204030204" pitchFamily="49" charset="0"/>
-              </a:rPr>
-              <a:t>, </a:t>
-            </a:r>
-            <a:r>
-              <a:rPr kumimoji="0" lang="en-US" altLang="en-US" sz="1300" b="1" i="0" u="none" strike="noStrike" cap="none" normalizeH="0" baseline="0" dirty="0">
-                <a:ln>
-                  <a:noFill/>
-                </a:ln>
-                <a:solidFill>
-                  <a:srgbClr val="008080"/>
-                </a:solidFill>
-                <a:effectLst/>
-                <a:latin typeface="Consolas" panose="020B0609020204030204" pitchFamily="49" charset="0"/>
-              </a:rPr>
-              <a:t>"Delaware"</a:t>
-            </a:r>
-            <a:r>
-              <a:rPr kumimoji="0" lang="en-US" altLang="en-US" sz="1300" b="0" i="0" u="none" strike="noStrike" cap="none" normalizeH="0" baseline="0" dirty="0">
-                <a:ln>
-                  <a:noFill/>
-                </a:ln>
-                <a:solidFill>
-                  <a:srgbClr val="000000"/>
-                </a:solidFill>
-                <a:effectLst/>
-                <a:latin typeface="Consolas" panose="020B0609020204030204" pitchFamily="49" charset="0"/>
-              </a:rPr>
-              <a:t>, </a:t>
-            </a:r>
-            <a:r>
-              <a:rPr kumimoji="0" lang="en-US" altLang="en-US" sz="1300" b="1" i="0" u="none" strike="noStrike" cap="none" normalizeH="0" baseline="0" dirty="0">
-                <a:ln>
-                  <a:noFill/>
-                </a:ln>
-                <a:solidFill>
-                  <a:srgbClr val="008080"/>
-                </a:solidFill>
-                <a:effectLst/>
-                <a:latin typeface="Consolas" panose="020B0609020204030204" pitchFamily="49" charset="0"/>
-              </a:rPr>
-              <a:t>"District of Columbia"</a:t>
-            </a:r>
-            <a:r>
-              <a:rPr kumimoji="0" lang="en-US" altLang="en-US" sz="1300" b="0" i="0" u="none" strike="noStrike" cap="none" normalizeH="0" baseline="0" dirty="0">
-                <a:ln>
-                  <a:noFill/>
-                </a:ln>
-                <a:solidFill>
-                  <a:srgbClr val="000000"/>
-                </a:solidFill>
-                <a:effectLst/>
-                <a:latin typeface="Consolas" panose="020B0609020204030204" pitchFamily="49" charset="0"/>
-              </a:rPr>
-              <a:t>, </a:t>
-            </a:r>
-            <a:r>
-              <a:rPr kumimoji="0" lang="en-US" altLang="en-US" sz="1300" b="1" i="0" u="none" strike="noStrike" cap="none" normalizeH="0" baseline="0" dirty="0">
-                <a:ln>
-                  <a:noFill/>
-                </a:ln>
-                <a:solidFill>
-                  <a:srgbClr val="008080"/>
-                </a:solidFill>
-                <a:effectLst/>
-                <a:latin typeface="Consolas" panose="020B0609020204030204" pitchFamily="49" charset="0"/>
-              </a:rPr>
-              <a:t>"Florida"</a:t>
-            </a:r>
-            <a:r>
-              <a:rPr kumimoji="0" lang="en-US" altLang="en-US" sz="1300" b="0" i="0" u="none" strike="noStrike" cap="none" normalizeH="0" baseline="0" dirty="0">
-                <a:ln>
-                  <a:noFill/>
-                </a:ln>
-                <a:solidFill>
-                  <a:srgbClr val="000000"/>
-                </a:solidFill>
-                <a:effectLst/>
-                <a:latin typeface="Consolas" panose="020B0609020204030204" pitchFamily="49" charset="0"/>
-              </a:rPr>
-              <a:t>, </a:t>
-            </a:r>
-            <a:r>
-              <a:rPr kumimoji="0" lang="en-US" altLang="en-US" sz="1300" b="1" i="0" u="none" strike="noStrike" cap="none" normalizeH="0" baseline="0" dirty="0">
-                <a:ln>
-                  <a:noFill/>
-                </a:ln>
-                <a:solidFill>
-                  <a:srgbClr val="008080"/>
-                </a:solidFill>
-                <a:effectLst/>
-                <a:latin typeface="Consolas" panose="020B0609020204030204" pitchFamily="49" charset="0"/>
-              </a:rPr>
-              <a:t>"Georgia"</a:t>
-            </a:r>
-            <a:r>
-              <a:rPr kumimoji="0" lang="en-US" altLang="en-US" sz="1300" b="0" i="0" u="none" strike="noStrike" cap="none" normalizeH="0" baseline="0" dirty="0">
-                <a:ln>
-                  <a:noFill/>
-                </a:ln>
-                <a:solidFill>
-                  <a:srgbClr val="000000"/>
-                </a:solidFill>
-                <a:effectLst/>
-                <a:latin typeface="Consolas" panose="020B0609020204030204" pitchFamily="49" charset="0"/>
-              </a:rPr>
-              <a:t>, </a:t>
-            </a:r>
-            <a:r>
-              <a:rPr kumimoji="0" lang="en-US" altLang="en-US" sz="1300" b="1" i="0" u="none" strike="noStrike" cap="none" normalizeH="0" baseline="0" dirty="0">
-                <a:ln>
-                  <a:noFill/>
-                </a:ln>
-                <a:solidFill>
-                  <a:srgbClr val="008080"/>
-                </a:solidFill>
-                <a:effectLst/>
-                <a:latin typeface="Consolas" panose="020B0609020204030204" pitchFamily="49" charset="0"/>
-              </a:rPr>
-              <a:t>"Hawaii"</a:t>
-            </a:r>
-            <a:r>
-              <a:rPr kumimoji="0" lang="en-US" altLang="en-US" sz="1300" b="0" i="0" u="none" strike="noStrike" cap="none" normalizeH="0" baseline="0" dirty="0">
-                <a:ln>
-                  <a:noFill/>
-                </a:ln>
-                <a:solidFill>
-                  <a:srgbClr val="000000"/>
-                </a:solidFill>
-                <a:effectLst/>
-                <a:latin typeface="Consolas" panose="020B0609020204030204" pitchFamily="49" charset="0"/>
-              </a:rPr>
-              <a:t>, </a:t>
-            </a:r>
-            <a:r>
-              <a:rPr kumimoji="0" lang="en-US" altLang="en-US" sz="1300" b="1" i="0" u="none" strike="noStrike" cap="none" normalizeH="0" baseline="0" dirty="0">
-                <a:ln>
-                  <a:noFill/>
-                </a:ln>
-                <a:solidFill>
-                  <a:srgbClr val="008080"/>
-                </a:solidFill>
-                <a:effectLst/>
-                <a:latin typeface="Consolas" panose="020B0609020204030204" pitchFamily="49" charset="0"/>
-              </a:rPr>
-              <a:t>"Idaho"</a:t>
-            </a:r>
-            <a:r>
-              <a:rPr kumimoji="0" lang="en-US" altLang="en-US" sz="1300" b="0" i="0" u="none" strike="noStrike" cap="none" normalizeH="0" baseline="0" dirty="0">
-                <a:ln>
-                  <a:noFill/>
-                </a:ln>
-                <a:solidFill>
-                  <a:srgbClr val="000000"/>
-                </a:solidFill>
-                <a:effectLst/>
-                <a:latin typeface="Consolas" panose="020B0609020204030204" pitchFamily="49" charset="0"/>
-              </a:rPr>
-              <a:t>, </a:t>
-            </a:r>
-            <a:r>
-              <a:rPr kumimoji="0" lang="en-US" altLang="en-US" sz="1300" b="1" i="0" u="none" strike="noStrike" cap="none" normalizeH="0" baseline="0" dirty="0">
-                <a:ln>
-                  <a:noFill/>
-                </a:ln>
-                <a:solidFill>
-                  <a:srgbClr val="008080"/>
-                </a:solidFill>
-                <a:effectLst/>
-                <a:latin typeface="Consolas" panose="020B0609020204030204" pitchFamily="49" charset="0"/>
-              </a:rPr>
-              <a:t>"Illinois"</a:t>
-            </a:r>
-            <a:r>
-              <a:rPr kumimoji="0" lang="en-US" altLang="en-US" sz="1300" b="0" i="0" u="none" strike="noStrike" cap="none" normalizeH="0" baseline="0" dirty="0">
-                <a:ln>
-                  <a:noFill/>
-                </a:ln>
-                <a:solidFill>
-                  <a:srgbClr val="000000"/>
-                </a:solidFill>
-                <a:effectLst/>
-                <a:latin typeface="Consolas" panose="020B0609020204030204" pitchFamily="49" charset="0"/>
-              </a:rPr>
-              <a:t>, </a:t>
-            </a:r>
-            <a:r>
-              <a:rPr kumimoji="0" lang="en-US" altLang="en-US" sz="1300" b="1" i="0" u="none" strike="noStrike" cap="none" normalizeH="0" baseline="0" dirty="0">
-                <a:ln>
-                  <a:noFill/>
-                </a:ln>
-                <a:solidFill>
-                  <a:srgbClr val="008080"/>
-                </a:solidFill>
-                <a:effectLst/>
-                <a:latin typeface="Consolas" panose="020B0609020204030204" pitchFamily="49" charset="0"/>
-              </a:rPr>
-              <a:t>"Indiana"</a:t>
-            </a:r>
-            <a:r>
-              <a:rPr kumimoji="0" lang="en-US" altLang="en-US" sz="1300" b="0" i="0" u="none" strike="noStrike" cap="none" normalizeH="0" baseline="0" dirty="0">
-                <a:ln>
-                  <a:noFill/>
-                </a:ln>
-                <a:solidFill>
-                  <a:srgbClr val="000000"/>
-                </a:solidFill>
-                <a:effectLst/>
-                <a:latin typeface="Consolas" panose="020B0609020204030204" pitchFamily="49" charset="0"/>
-              </a:rPr>
-              <a:t>, </a:t>
-            </a:r>
-            <a:r>
-              <a:rPr kumimoji="0" lang="en-US" altLang="en-US" sz="1300" b="1" i="0" u="none" strike="noStrike" cap="none" normalizeH="0" baseline="0" dirty="0">
-                <a:ln>
-                  <a:noFill/>
-                </a:ln>
-                <a:solidFill>
-                  <a:srgbClr val="008080"/>
-                </a:solidFill>
-                <a:effectLst/>
-                <a:latin typeface="Consolas" panose="020B0609020204030204" pitchFamily="49" charset="0"/>
-              </a:rPr>
-              <a:t>"Iowa"</a:t>
-            </a:r>
-            <a:r>
-              <a:rPr kumimoji="0" lang="en-US" altLang="en-US" sz="1300" b="0" i="0" u="none" strike="noStrike" cap="none" normalizeH="0" baseline="0" dirty="0">
-                <a:ln>
-                  <a:noFill/>
-                </a:ln>
-                <a:solidFill>
-                  <a:srgbClr val="000000"/>
-                </a:solidFill>
-                <a:effectLst/>
-                <a:latin typeface="Consolas" panose="020B0609020204030204" pitchFamily="49" charset="0"/>
-              </a:rPr>
-              <a:t>, </a:t>
-            </a:r>
-            <a:r>
-              <a:rPr kumimoji="0" lang="en-US" altLang="en-US" sz="1300" b="1" i="0" u="none" strike="noStrike" cap="none" normalizeH="0" baseline="0" dirty="0">
-                <a:ln>
-                  <a:noFill/>
-                </a:ln>
-                <a:solidFill>
-                  <a:srgbClr val="008080"/>
-                </a:solidFill>
-                <a:effectLst/>
-                <a:latin typeface="Consolas" panose="020B0609020204030204" pitchFamily="49" charset="0"/>
-              </a:rPr>
-              <a:t>"Kansas"</a:t>
-            </a:r>
-            <a:r>
-              <a:rPr kumimoji="0" lang="en-US" altLang="en-US" sz="1300" b="0" i="0" u="none" strike="noStrike" cap="none" normalizeH="0" baseline="0" dirty="0">
-                <a:ln>
-                  <a:noFill/>
-                </a:ln>
-                <a:solidFill>
-                  <a:srgbClr val="000000"/>
-                </a:solidFill>
-                <a:effectLst/>
-                <a:latin typeface="Consolas" panose="020B0609020204030204" pitchFamily="49" charset="0"/>
-              </a:rPr>
-              <a:t>, </a:t>
-            </a:r>
-            <a:r>
-              <a:rPr kumimoji="0" lang="en-US" altLang="en-US" sz="1300" b="1" i="0" u="none" strike="noStrike" cap="none" normalizeH="0" baseline="0" dirty="0">
-                <a:ln>
-                  <a:noFill/>
-                </a:ln>
-                <a:solidFill>
-                  <a:srgbClr val="008080"/>
-                </a:solidFill>
-                <a:effectLst/>
-                <a:latin typeface="Consolas" panose="020B0609020204030204" pitchFamily="49" charset="0"/>
-              </a:rPr>
-              <a:t>"Kentucky"</a:t>
-            </a:r>
-            <a:r>
-              <a:rPr kumimoji="0" lang="en-US" altLang="en-US" sz="1300" b="0" i="0" u="none" strike="noStrike" cap="none" normalizeH="0" baseline="0" dirty="0">
-                <a:ln>
-                  <a:noFill/>
-                </a:ln>
-                <a:solidFill>
-                  <a:srgbClr val="000000"/>
-                </a:solidFill>
-                <a:effectLst/>
-                <a:latin typeface="Consolas" panose="020B0609020204030204" pitchFamily="49" charset="0"/>
-              </a:rPr>
-              <a:t>, </a:t>
-            </a:r>
-            <a:r>
-              <a:rPr kumimoji="0" lang="en-US" altLang="en-US" sz="1300" b="1" i="0" u="none" strike="noStrike" cap="none" normalizeH="0" baseline="0" dirty="0">
-                <a:ln>
-                  <a:noFill/>
-                </a:ln>
-                <a:solidFill>
-                  <a:srgbClr val="008080"/>
-                </a:solidFill>
-                <a:effectLst/>
-                <a:latin typeface="Consolas" panose="020B0609020204030204" pitchFamily="49" charset="0"/>
-              </a:rPr>
-              <a:t>"Louisiana"</a:t>
-            </a:r>
-            <a:r>
-              <a:rPr kumimoji="0" lang="en-US" altLang="en-US" sz="1300" b="0" i="0" u="none" strike="noStrike" cap="none" normalizeH="0" baseline="0" dirty="0">
-                <a:ln>
-                  <a:noFill/>
-                </a:ln>
-                <a:solidFill>
-                  <a:srgbClr val="000000"/>
-                </a:solidFill>
-                <a:effectLst/>
-                <a:latin typeface="Consolas" panose="020B0609020204030204" pitchFamily="49" charset="0"/>
-              </a:rPr>
-              <a:t>, </a:t>
-            </a:r>
-            <a:r>
-              <a:rPr kumimoji="0" lang="en-US" altLang="en-US" sz="1300" b="1" i="0" u="none" strike="noStrike" cap="none" normalizeH="0" baseline="0" dirty="0">
-                <a:ln>
-                  <a:noFill/>
-                </a:ln>
-                <a:solidFill>
-                  <a:srgbClr val="008080"/>
-                </a:solidFill>
-                <a:effectLst/>
-                <a:latin typeface="Consolas" panose="020B0609020204030204" pitchFamily="49" charset="0"/>
-              </a:rPr>
-              <a:t>"Maine"</a:t>
-            </a:r>
-            <a:r>
-              <a:rPr kumimoji="0" lang="en-US" altLang="en-US" sz="1300" b="0" i="0" u="none" strike="noStrike" cap="none" normalizeH="0" baseline="0" dirty="0">
-                <a:ln>
-                  <a:noFill/>
-                </a:ln>
-                <a:solidFill>
-                  <a:srgbClr val="000000"/>
-                </a:solidFill>
-                <a:effectLst/>
-                <a:latin typeface="Consolas" panose="020B0609020204030204" pitchFamily="49" charset="0"/>
-              </a:rPr>
-              <a:t>, </a:t>
-            </a:r>
-            <a:r>
-              <a:rPr kumimoji="0" lang="en-US" altLang="en-US" sz="1300" b="1" i="0" u="none" strike="noStrike" cap="none" normalizeH="0" baseline="0" dirty="0">
-                <a:ln>
-                  <a:noFill/>
-                </a:ln>
-                <a:solidFill>
-                  <a:srgbClr val="008080"/>
-                </a:solidFill>
-                <a:effectLst/>
-                <a:latin typeface="Consolas" panose="020B0609020204030204" pitchFamily="49" charset="0"/>
-              </a:rPr>
-              <a:t>"Maryland"</a:t>
-            </a:r>
-            <a:r>
-              <a:rPr kumimoji="0" lang="en-US" altLang="en-US" sz="1300" b="0" i="0" u="none" strike="noStrike" cap="none" normalizeH="0" baseline="0" dirty="0">
-                <a:ln>
-                  <a:noFill/>
-                </a:ln>
-                <a:solidFill>
-                  <a:srgbClr val="000000"/>
-                </a:solidFill>
-                <a:effectLst/>
-                <a:latin typeface="Consolas" panose="020B0609020204030204" pitchFamily="49" charset="0"/>
-              </a:rPr>
-              <a:t>, </a:t>
-            </a:r>
-            <a:r>
-              <a:rPr kumimoji="0" lang="en-US" altLang="en-US" sz="1300" b="1" i="0" u="none" strike="noStrike" cap="none" normalizeH="0" baseline="0" dirty="0">
-                <a:ln>
-                  <a:noFill/>
-                </a:ln>
-                <a:solidFill>
-                  <a:srgbClr val="008080"/>
-                </a:solidFill>
-                <a:effectLst/>
-                <a:latin typeface="Consolas" panose="020B0609020204030204" pitchFamily="49" charset="0"/>
-              </a:rPr>
-              <a:t>"Massachusetts"</a:t>
-            </a:r>
-            <a:r>
-              <a:rPr kumimoji="0" lang="en-US" altLang="en-US" sz="1300" b="0" i="0" u="none" strike="noStrike" cap="none" normalizeH="0" baseline="0" dirty="0">
-                <a:ln>
-                  <a:noFill/>
-                </a:ln>
-                <a:solidFill>
-                  <a:srgbClr val="000000"/>
-                </a:solidFill>
-                <a:effectLst/>
-                <a:latin typeface="Consolas" panose="020B0609020204030204" pitchFamily="49" charset="0"/>
-              </a:rPr>
-              <a:t>, </a:t>
-            </a:r>
-            <a:r>
-              <a:rPr kumimoji="0" lang="en-US" altLang="en-US" sz="1300" b="1" i="0" u="none" strike="noStrike" cap="none" normalizeH="0" baseline="0" dirty="0">
-                <a:ln>
-                  <a:noFill/>
-                </a:ln>
-                <a:solidFill>
-                  <a:srgbClr val="008080"/>
-                </a:solidFill>
-                <a:effectLst/>
-                <a:latin typeface="Consolas" panose="020B0609020204030204" pitchFamily="49" charset="0"/>
-              </a:rPr>
-              <a:t>"Michigan"</a:t>
-            </a:r>
-            <a:r>
-              <a:rPr kumimoji="0" lang="en-US" altLang="en-US" sz="1300" b="0" i="0" u="none" strike="noStrike" cap="none" normalizeH="0" baseline="0" dirty="0">
-                <a:ln>
-                  <a:noFill/>
-                </a:ln>
-                <a:solidFill>
-                  <a:srgbClr val="000000"/>
-                </a:solidFill>
-                <a:effectLst/>
-                <a:latin typeface="Consolas" panose="020B0609020204030204" pitchFamily="49" charset="0"/>
-              </a:rPr>
-              <a:t>, </a:t>
-            </a:r>
-            <a:r>
-              <a:rPr kumimoji="0" lang="en-US" altLang="en-US" sz="1300" b="1" i="0" u="none" strike="noStrike" cap="none" normalizeH="0" baseline="0" dirty="0">
-                <a:ln>
-                  <a:noFill/>
-                </a:ln>
-                <a:solidFill>
-                  <a:srgbClr val="008080"/>
-                </a:solidFill>
-                <a:effectLst/>
-                <a:latin typeface="Consolas" panose="020B0609020204030204" pitchFamily="49" charset="0"/>
-              </a:rPr>
-              <a:t>"Minnesota"</a:t>
-            </a:r>
-            <a:r>
-              <a:rPr kumimoji="0" lang="en-US" altLang="en-US" sz="1300" b="0" i="0" u="none" strike="noStrike" cap="none" normalizeH="0" baseline="0" dirty="0">
-                <a:ln>
-                  <a:noFill/>
-                </a:ln>
-                <a:solidFill>
-                  <a:srgbClr val="000000"/>
-                </a:solidFill>
-                <a:effectLst/>
-                <a:latin typeface="Consolas" panose="020B0609020204030204" pitchFamily="49" charset="0"/>
-              </a:rPr>
-              <a:t>, </a:t>
-            </a:r>
-            <a:r>
-              <a:rPr kumimoji="0" lang="en-US" altLang="en-US" sz="1300" b="1" i="0" u="none" strike="noStrike" cap="none" normalizeH="0" baseline="0" dirty="0">
-                <a:ln>
-                  <a:noFill/>
-                </a:ln>
-                <a:solidFill>
-                  <a:srgbClr val="008080"/>
-                </a:solidFill>
-                <a:effectLst/>
-                <a:latin typeface="Consolas" panose="020B0609020204030204" pitchFamily="49" charset="0"/>
-              </a:rPr>
-              <a:t>"Mississippi"</a:t>
-            </a:r>
-            <a:r>
-              <a:rPr kumimoji="0" lang="en-US" altLang="en-US" sz="1300" b="0" i="0" u="none" strike="noStrike" cap="none" normalizeH="0" baseline="0" dirty="0">
-                <a:ln>
-                  <a:noFill/>
-                </a:ln>
-                <a:solidFill>
-                  <a:srgbClr val="000000"/>
-                </a:solidFill>
-                <a:effectLst/>
-                <a:latin typeface="Consolas" panose="020B0609020204030204" pitchFamily="49" charset="0"/>
-              </a:rPr>
-              <a:t>, </a:t>
-            </a:r>
-            <a:r>
-              <a:rPr kumimoji="0" lang="en-US" altLang="en-US" sz="1300" b="1" i="0" u="none" strike="noStrike" cap="none" normalizeH="0" baseline="0" dirty="0">
-                <a:ln>
-                  <a:noFill/>
-                </a:ln>
-                <a:solidFill>
-                  <a:srgbClr val="008080"/>
-                </a:solidFill>
-                <a:effectLst/>
-                <a:latin typeface="Consolas" panose="020B0609020204030204" pitchFamily="49" charset="0"/>
-              </a:rPr>
-              <a:t>"Missouri"</a:t>
-            </a:r>
-            <a:r>
-              <a:rPr kumimoji="0" lang="en-US" altLang="en-US" sz="1300" b="0" i="0" u="none" strike="noStrike" cap="none" normalizeH="0" baseline="0" dirty="0">
-                <a:ln>
-                  <a:noFill/>
-                </a:ln>
-                <a:solidFill>
-                  <a:srgbClr val="000000"/>
-                </a:solidFill>
-                <a:effectLst/>
-                <a:latin typeface="Consolas" panose="020B0609020204030204" pitchFamily="49" charset="0"/>
-              </a:rPr>
-              <a:t>, </a:t>
-            </a:r>
-            <a:r>
-              <a:rPr kumimoji="0" lang="en-US" altLang="en-US" sz="1300" b="1" i="0" u="none" strike="noStrike" cap="none" normalizeH="0" baseline="0" dirty="0">
-                <a:ln>
-                  <a:noFill/>
-                </a:ln>
-                <a:solidFill>
-                  <a:srgbClr val="008080"/>
-                </a:solidFill>
-                <a:effectLst/>
-                <a:latin typeface="Consolas" panose="020B0609020204030204" pitchFamily="49" charset="0"/>
-              </a:rPr>
-              <a:t>"Nebraska"</a:t>
-            </a:r>
-            <a:r>
-              <a:rPr kumimoji="0" lang="en-US" altLang="en-US" sz="1300" b="0" i="0" u="none" strike="noStrike" cap="none" normalizeH="0" baseline="0" dirty="0">
-                <a:ln>
-                  <a:noFill/>
-                </a:ln>
-                <a:solidFill>
-                  <a:srgbClr val="000000"/>
-                </a:solidFill>
-                <a:effectLst/>
-                <a:latin typeface="Consolas" panose="020B0609020204030204" pitchFamily="49" charset="0"/>
-              </a:rPr>
-              <a:t>, </a:t>
-            </a:r>
-            <a:r>
-              <a:rPr kumimoji="0" lang="en-US" altLang="en-US" sz="1300" b="1" i="0" u="none" strike="noStrike" cap="none" normalizeH="0" baseline="0" dirty="0">
-                <a:ln>
-                  <a:noFill/>
-                </a:ln>
-                <a:solidFill>
-                  <a:srgbClr val="008080"/>
-                </a:solidFill>
-                <a:effectLst/>
-                <a:latin typeface="Consolas" panose="020B0609020204030204" pitchFamily="49" charset="0"/>
-              </a:rPr>
-              <a:t>"Nevada"</a:t>
-            </a:r>
-            <a:r>
-              <a:rPr kumimoji="0" lang="en-US" altLang="en-US" sz="1300" b="0" i="0" u="none" strike="noStrike" cap="none" normalizeH="0" baseline="0" dirty="0">
-                <a:ln>
-                  <a:noFill/>
-                </a:ln>
-                <a:solidFill>
-                  <a:srgbClr val="000000"/>
-                </a:solidFill>
-                <a:effectLst/>
-                <a:latin typeface="Consolas" panose="020B0609020204030204" pitchFamily="49" charset="0"/>
-              </a:rPr>
-              <a:t>, </a:t>
-            </a:r>
-            <a:r>
-              <a:rPr kumimoji="0" lang="en-US" altLang="en-US" sz="1300" b="1" i="0" u="none" strike="noStrike" cap="none" normalizeH="0" baseline="0" dirty="0">
-                <a:ln>
-                  <a:noFill/>
-                </a:ln>
-                <a:solidFill>
-                  <a:srgbClr val="008080"/>
-                </a:solidFill>
-                <a:effectLst/>
-                <a:latin typeface="Consolas" panose="020B0609020204030204" pitchFamily="49" charset="0"/>
-              </a:rPr>
-              <a:t>"New Hampshire"</a:t>
-            </a:r>
-            <a:r>
-              <a:rPr kumimoji="0" lang="en-US" altLang="en-US" sz="1300" b="0" i="0" u="none" strike="noStrike" cap="none" normalizeH="0" baseline="0" dirty="0">
-                <a:ln>
-                  <a:noFill/>
-                </a:ln>
-                <a:solidFill>
-                  <a:srgbClr val="000000"/>
-                </a:solidFill>
-                <a:effectLst/>
-                <a:latin typeface="Consolas" panose="020B0609020204030204" pitchFamily="49" charset="0"/>
-              </a:rPr>
-              <a:t>, </a:t>
-            </a:r>
-            <a:r>
-              <a:rPr kumimoji="0" lang="en-US" altLang="en-US" sz="1300" b="1" i="0" u="none" strike="noStrike" cap="none" normalizeH="0" baseline="0" dirty="0">
-                <a:ln>
-                  <a:noFill/>
-                </a:ln>
-                <a:solidFill>
-                  <a:srgbClr val="008080"/>
-                </a:solidFill>
-                <a:effectLst/>
-                <a:latin typeface="Consolas" panose="020B0609020204030204" pitchFamily="49" charset="0"/>
-              </a:rPr>
-              <a:t>"New Jersey"</a:t>
-            </a:r>
-            <a:r>
-              <a:rPr kumimoji="0" lang="en-US" altLang="en-US" sz="1300" b="0" i="0" u="none" strike="noStrike" cap="none" normalizeH="0" baseline="0" dirty="0">
-                <a:ln>
-                  <a:noFill/>
-                </a:ln>
-                <a:solidFill>
-                  <a:srgbClr val="000000"/>
-                </a:solidFill>
-                <a:effectLst/>
-                <a:latin typeface="Consolas" panose="020B0609020204030204" pitchFamily="49" charset="0"/>
-              </a:rPr>
-              <a:t>, </a:t>
-            </a:r>
-            <a:r>
-              <a:rPr kumimoji="0" lang="en-US" altLang="en-US" sz="1300" b="1" i="0" u="none" strike="noStrike" cap="none" normalizeH="0" baseline="0" dirty="0">
-                <a:ln>
-                  <a:noFill/>
-                </a:ln>
-                <a:solidFill>
-                  <a:srgbClr val="008080"/>
-                </a:solidFill>
-                <a:effectLst/>
-                <a:latin typeface="Consolas" panose="020B0609020204030204" pitchFamily="49" charset="0"/>
-              </a:rPr>
-              <a:t>"New Mexico"</a:t>
-            </a:r>
-            <a:r>
-              <a:rPr kumimoji="0" lang="en-US" altLang="en-US" sz="1300" b="0" i="0" u="none" strike="noStrike" cap="none" normalizeH="0" baseline="0" dirty="0">
-                <a:ln>
-                  <a:noFill/>
-                </a:ln>
-                <a:solidFill>
-                  <a:srgbClr val="000000"/>
-                </a:solidFill>
-                <a:effectLst/>
-                <a:latin typeface="Consolas" panose="020B0609020204030204" pitchFamily="49" charset="0"/>
-              </a:rPr>
-              <a:t>, </a:t>
-            </a:r>
-            <a:r>
-              <a:rPr kumimoji="0" lang="en-US" altLang="en-US" sz="1300" b="1" i="0" u="none" strike="noStrike" cap="none" normalizeH="0" baseline="0" dirty="0">
-                <a:ln>
-                  <a:noFill/>
-                </a:ln>
-                <a:solidFill>
-                  <a:srgbClr val="008080"/>
-                </a:solidFill>
-                <a:effectLst/>
-                <a:latin typeface="Consolas" panose="020B0609020204030204" pitchFamily="49" charset="0"/>
-              </a:rPr>
-              <a:t>"New York"</a:t>
-            </a:r>
-            <a:r>
-              <a:rPr kumimoji="0" lang="en-US" altLang="en-US" sz="1300" b="0" i="0" u="none" strike="noStrike" cap="none" normalizeH="0" baseline="0" dirty="0">
-                <a:ln>
-                  <a:noFill/>
-                </a:ln>
-                <a:solidFill>
-                  <a:srgbClr val="000000"/>
-                </a:solidFill>
-                <a:effectLst/>
-                <a:latin typeface="Consolas" panose="020B0609020204030204" pitchFamily="49" charset="0"/>
-              </a:rPr>
-              <a:t>, </a:t>
-            </a:r>
-            <a:r>
-              <a:rPr kumimoji="0" lang="en-US" altLang="en-US" sz="1300" b="1" i="0" u="none" strike="noStrike" cap="none" normalizeH="0" baseline="0" dirty="0">
-                <a:ln>
-                  <a:noFill/>
-                </a:ln>
-                <a:solidFill>
-                  <a:srgbClr val="008080"/>
-                </a:solidFill>
-                <a:effectLst/>
-                <a:latin typeface="Consolas" panose="020B0609020204030204" pitchFamily="49" charset="0"/>
-              </a:rPr>
-              <a:t>"North Carolina"</a:t>
-            </a:r>
-            <a:r>
-              <a:rPr kumimoji="0" lang="en-US" altLang="en-US" sz="1300" b="0" i="0" u="none" strike="noStrike" cap="none" normalizeH="0" baseline="0" dirty="0">
-                <a:ln>
-                  <a:noFill/>
-                </a:ln>
-                <a:solidFill>
-                  <a:srgbClr val="000000"/>
-                </a:solidFill>
-                <a:effectLst/>
-                <a:latin typeface="Consolas" panose="020B0609020204030204" pitchFamily="49" charset="0"/>
-              </a:rPr>
-              <a:t>, </a:t>
-            </a:r>
-            <a:r>
-              <a:rPr kumimoji="0" lang="en-US" altLang="en-US" sz="1300" b="1" i="0" u="none" strike="noStrike" cap="none" normalizeH="0" baseline="0" dirty="0">
-                <a:ln>
-                  <a:noFill/>
-                </a:ln>
-                <a:solidFill>
-                  <a:srgbClr val="008080"/>
-                </a:solidFill>
-                <a:effectLst/>
-                <a:latin typeface="Consolas" panose="020B0609020204030204" pitchFamily="49" charset="0"/>
-              </a:rPr>
-              <a:t>"North Dakota"</a:t>
-            </a:r>
-            <a:r>
-              <a:rPr kumimoji="0" lang="en-US" altLang="en-US" sz="1300" b="0" i="0" u="none" strike="noStrike" cap="none" normalizeH="0" baseline="0" dirty="0">
-                <a:ln>
-                  <a:noFill/>
-                </a:ln>
-                <a:solidFill>
-                  <a:srgbClr val="000000"/>
-                </a:solidFill>
-                <a:effectLst/>
-                <a:latin typeface="Consolas" panose="020B0609020204030204" pitchFamily="49" charset="0"/>
-              </a:rPr>
-              <a:t>, </a:t>
-            </a:r>
-            <a:r>
-              <a:rPr kumimoji="0" lang="en-US" altLang="en-US" sz="1300" b="1" i="0" u="none" strike="noStrike" cap="none" normalizeH="0" baseline="0" dirty="0">
-                <a:ln>
-                  <a:noFill/>
-                </a:ln>
-                <a:solidFill>
-                  <a:srgbClr val="008080"/>
-                </a:solidFill>
-                <a:effectLst/>
-                <a:latin typeface="Consolas" panose="020B0609020204030204" pitchFamily="49" charset="0"/>
-              </a:rPr>
-              <a:t>"Ohio"</a:t>
-            </a:r>
-            <a:r>
-              <a:rPr kumimoji="0" lang="en-US" altLang="en-US" sz="1300" b="0" i="0" u="none" strike="noStrike" cap="none" normalizeH="0" baseline="0" dirty="0">
-                <a:ln>
-                  <a:noFill/>
-                </a:ln>
-                <a:solidFill>
-                  <a:srgbClr val="000000"/>
-                </a:solidFill>
-                <a:effectLst/>
-                <a:latin typeface="Consolas" panose="020B0609020204030204" pitchFamily="49" charset="0"/>
-              </a:rPr>
-              <a:t>, </a:t>
-            </a:r>
-            <a:r>
-              <a:rPr kumimoji="0" lang="en-US" altLang="en-US" sz="1300" b="1" i="0" u="none" strike="noStrike" cap="none" normalizeH="0" baseline="0" dirty="0">
-                <a:ln>
-                  <a:noFill/>
-                </a:ln>
-                <a:solidFill>
-                  <a:srgbClr val="008080"/>
-                </a:solidFill>
-                <a:effectLst/>
-                <a:latin typeface="Consolas" panose="020B0609020204030204" pitchFamily="49" charset="0"/>
-              </a:rPr>
-              <a:t>"Oklahoma"</a:t>
-            </a:r>
-            <a:r>
-              <a:rPr kumimoji="0" lang="en-US" altLang="en-US" sz="1300" b="0" i="0" u="none" strike="noStrike" cap="none" normalizeH="0" baseline="0" dirty="0">
-                <a:ln>
-                  <a:noFill/>
-                </a:ln>
-                <a:solidFill>
-                  <a:srgbClr val="000000"/>
-                </a:solidFill>
-                <a:effectLst/>
-                <a:latin typeface="Consolas" panose="020B0609020204030204" pitchFamily="49" charset="0"/>
-              </a:rPr>
-              <a:t>, </a:t>
-            </a:r>
-            <a:r>
-              <a:rPr kumimoji="0" lang="en-US" altLang="en-US" sz="1300" b="1" i="0" u="none" strike="noStrike" cap="none" normalizeH="0" baseline="0" dirty="0">
-                <a:ln>
-                  <a:noFill/>
-                </a:ln>
-                <a:solidFill>
-                  <a:srgbClr val="008080"/>
-                </a:solidFill>
-                <a:effectLst/>
-                <a:latin typeface="Consolas" panose="020B0609020204030204" pitchFamily="49" charset="0"/>
-              </a:rPr>
-              <a:t>"Oregon"</a:t>
-            </a:r>
-            <a:r>
-              <a:rPr kumimoji="0" lang="en-US" altLang="en-US" sz="1300" b="0" i="0" u="none" strike="noStrike" cap="none" normalizeH="0" baseline="0" dirty="0">
-                <a:ln>
-                  <a:noFill/>
-                </a:ln>
-                <a:solidFill>
-                  <a:srgbClr val="000000"/>
-                </a:solidFill>
-                <a:effectLst/>
-                <a:latin typeface="Consolas" panose="020B0609020204030204" pitchFamily="49" charset="0"/>
-              </a:rPr>
-              <a:t>, </a:t>
-            </a:r>
-            <a:r>
-              <a:rPr kumimoji="0" lang="en-US" altLang="en-US" sz="1300" b="1" i="0" u="none" strike="noStrike" cap="none" normalizeH="0" baseline="0" dirty="0">
-                <a:ln>
-                  <a:noFill/>
-                </a:ln>
-                <a:solidFill>
-                  <a:srgbClr val="008080"/>
-                </a:solidFill>
-                <a:effectLst/>
-                <a:latin typeface="Consolas" panose="020B0609020204030204" pitchFamily="49" charset="0"/>
-              </a:rPr>
-              <a:t>"Pennsylvania"</a:t>
-            </a:r>
-            <a:r>
-              <a:rPr kumimoji="0" lang="en-US" altLang="en-US" sz="1300" b="0" i="0" u="none" strike="noStrike" cap="none" normalizeH="0" baseline="0" dirty="0">
-                <a:ln>
-                  <a:noFill/>
-                </a:ln>
-                <a:solidFill>
-                  <a:srgbClr val="000000"/>
-                </a:solidFill>
-                <a:effectLst/>
-                <a:latin typeface="Consolas" panose="020B0609020204030204" pitchFamily="49" charset="0"/>
-              </a:rPr>
-              <a:t>, </a:t>
-            </a:r>
-            <a:r>
-              <a:rPr kumimoji="0" lang="en-US" altLang="en-US" sz="1300" b="1" i="0" u="none" strike="noStrike" cap="none" normalizeH="0" baseline="0" dirty="0">
-                <a:ln>
-                  <a:noFill/>
-                </a:ln>
-                <a:solidFill>
-                  <a:srgbClr val="008080"/>
-                </a:solidFill>
-                <a:effectLst/>
-                <a:latin typeface="Consolas" panose="020B0609020204030204" pitchFamily="49" charset="0"/>
-              </a:rPr>
-              <a:t>"Puerto Rico"</a:t>
-            </a:r>
-            <a:r>
-              <a:rPr kumimoji="0" lang="en-US" altLang="en-US" sz="1300" b="0" i="0" u="none" strike="noStrike" cap="none" normalizeH="0" baseline="0" dirty="0">
-                <a:ln>
-                  <a:noFill/>
-                </a:ln>
-                <a:solidFill>
-                  <a:srgbClr val="000000"/>
-                </a:solidFill>
-                <a:effectLst/>
-                <a:latin typeface="Consolas" panose="020B0609020204030204" pitchFamily="49" charset="0"/>
-              </a:rPr>
-              <a:t>, </a:t>
-            </a:r>
-            <a:r>
-              <a:rPr kumimoji="0" lang="en-US" altLang="en-US" sz="1300" b="1" i="0" u="none" strike="noStrike" cap="none" normalizeH="0" baseline="0" dirty="0">
-                <a:ln>
-                  <a:noFill/>
-                </a:ln>
-                <a:solidFill>
-                  <a:srgbClr val="008080"/>
-                </a:solidFill>
-                <a:effectLst/>
-                <a:latin typeface="Consolas" panose="020B0609020204030204" pitchFamily="49" charset="0"/>
-              </a:rPr>
-              <a:t>"Rhode Island"</a:t>
-            </a:r>
-            <a:r>
-              <a:rPr kumimoji="0" lang="en-US" altLang="en-US" sz="1300" b="0" i="0" u="none" strike="noStrike" cap="none" normalizeH="0" baseline="0" dirty="0">
-                <a:ln>
-                  <a:noFill/>
-                </a:ln>
-                <a:solidFill>
-                  <a:srgbClr val="000000"/>
-                </a:solidFill>
-                <a:effectLst/>
-                <a:latin typeface="Consolas" panose="020B0609020204030204" pitchFamily="49" charset="0"/>
-              </a:rPr>
-              <a:t>, </a:t>
-            </a:r>
-            <a:r>
-              <a:rPr kumimoji="0" lang="en-US" altLang="en-US" sz="1300" b="1" i="0" u="none" strike="noStrike" cap="none" normalizeH="0" baseline="0" dirty="0">
-                <a:ln>
-                  <a:noFill/>
-                </a:ln>
-                <a:solidFill>
-                  <a:srgbClr val="008080"/>
-                </a:solidFill>
-                <a:effectLst/>
-                <a:latin typeface="Consolas" panose="020B0609020204030204" pitchFamily="49" charset="0"/>
-              </a:rPr>
-              <a:t>"South Carolina"</a:t>
-            </a:r>
-            <a:r>
-              <a:rPr kumimoji="0" lang="en-US" altLang="en-US" sz="1300" b="0" i="0" u="none" strike="noStrike" cap="none" normalizeH="0" baseline="0" dirty="0">
-                <a:ln>
-                  <a:noFill/>
-                </a:ln>
-                <a:solidFill>
-                  <a:srgbClr val="000000"/>
-                </a:solidFill>
-                <a:effectLst/>
-                <a:latin typeface="Consolas" panose="020B0609020204030204" pitchFamily="49" charset="0"/>
-              </a:rPr>
-              <a:t>, </a:t>
-            </a:r>
-            <a:r>
-              <a:rPr kumimoji="0" lang="en-US" altLang="en-US" sz="1300" b="1" i="0" u="none" strike="noStrike" cap="none" normalizeH="0" baseline="0" dirty="0">
-                <a:ln>
-                  <a:noFill/>
-                </a:ln>
-                <a:solidFill>
-                  <a:srgbClr val="008080"/>
-                </a:solidFill>
-                <a:effectLst/>
-                <a:latin typeface="Consolas" panose="020B0609020204030204" pitchFamily="49" charset="0"/>
-              </a:rPr>
-              <a:t>"South Dakota"</a:t>
-            </a:r>
-            <a:r>
-              <a:rPr kumimoji="0" lang="en-US" altLang="en-US" sz="1300" b="0" i="0" u="none" strike="noStrike" cap="none" normalizeH="0" baseline="0" dirty="0">
-                <a:ln>
-                  <a:noFill/>
-                </a:ln>
-                <a:solidFill>
-                  <a:srgbClr val="000000"/>
-                </a:solidFill>
-                <a:effectLst/>
-                <a:latin typeface="Consolas" panose="020B0609020204030204" pitchFamily="49" charset="0"/>
-              </a:rPr>
-              <a:t>, </a:t>
-            </a:r>
-            <a:r>
-              <a:rPr kumimoji="0" lang="en-US" altLang="en-US" sz="1300" b="1" i="0" u="none" strike="noStrike" cap="none" normalizeH="0" baseline="0" dirty="0">
-                <a:ln>
-                  <a:noFill/>
-                </a:ln>
-                <a:solidFill>
-                  <a:srgbClr val="008080"/>
-                </a:solidFill>
-                <a:effectLst/>
-                <a:latin typeface="Consolas" panose="020B0609020204030204" pitchFamily="49" charset="0"/>
-              </a:rPr>
-              <a:t>"Tennessee"</a:t>
-            </a:r>
-            <a:r>
-              <a:rPr kumimoji="0" lang="en-US" altLang="en-US" sz="1300" b="0" i="0" u="none" strike="noStrike" cap="none" normalizeH="0" baseline="0" dirty="0">
-                <a:ln>
-                  <a:noFill/>
-                </a:ln>
-                <a:solidFill>
-                  <a:srgbClr val="000000"/>
-                </a:solidFill>
-                <a:effectLst/>
-                <a:latin typeface="Consolas" panose="020B0609020204030204" pitchFamily="49" charset="0"/>
-              </a:rPr>
-              <a:t>, </a:t>
-            </a:r>
-            <a:r>
-              <a:rPr kumimoji="0" lang="en-US" altLang="en-US" sz="1300" b="1" i="0" u="none" strike="noStrike" cap="none" normalizeH="0" baseline="0" dirty="0">
-                <a:ln>
-                  <a:noFill/>
-                </a:ln>
-                <a:solidFill>
-                  <a:srgbClr val="008080"/>
-                </a:solidFill>
-                <a:effectLst/>
-                <a:latin typeface="Consolas" panose="020B0609020204030204" pitchFamily="49" charset="0"/>
-              </a:rPr>
-              <a:t>"Texas"</a:t>
-            </a:r>
-            <a:r>
-              <a:rPr kumimoji="0" lang="en-US" altLang="en-US" sz="1300" b="0" i="0" u="none" strike="noStrike" cap="none" normalizeH="0" baseline="0" dirty="0">
-                <a:ln>
-                  <a:noFill/>
-                </a:ln>
-                <a:solidFill>
-                  <a:srgbClr val="000000"/>
-                </a:solidFill>
-                <a:effectLst/>
-                <a:latin typeface="Consolas" panose="020B0609020204030204" pitchFamily="49" charset="0"/>
-              </a:rPr>
-              <a:t>, </a:t>
-            </a:r>
-            <a:r>
-              <a:rPr kumimoji="0" lang="en-US" altLang="en-US" sz="1300" b="1" i="0" u="none" strike="noStrike" cap="none" normalizeH="0" baseline="0" dirty="0">
-                <a:ln>
-                  <a:noFill/>
-                </a:ln>
-                <a:solidFill>
-                  <a:srgbClr val="008080"/>
-                </a:solidFill>
-                <a:effectLst/>
-                <a:latin typeface="Consolas" panose="020B0609020204030204" pitchFamily="49" charset="0"/>
-              </a:rPr>
-              <a:t>"Utah"</a:t>
-            </a:r>
-            <a:r>
-              <a:rPr kumimoji="0" lang="en-US" altLang="en-US" sz="1300" b="0" i="0" u="none" strike="noStrike" cap="none" normalizeH="0" baseline="0" dirty="0">
-                <a:ln>
-                  <a:noFill/>
-                </a:ln>
-                <a:solidFill>
-                  <a:srgbClr val="000000"/>
-                </a:solidFill>
-                <a:effectLst/>
-                <a:latin typeface="Consolas" panose="020B0609020204030204" pitchFamily="49" charset="0"/>
-              </a:rPr>
-              <a:t>, </a:t>
-            </a:r>
-            <a:r>
-              <a:rPr kumimoji="0" lang="en-US" altLang="en-US" sz="1300" b="1" i="0" u="none" strike="noStrike" cap="none" normalizeH="0" baseline="0" dirty="0">
-                <a:ln>
-                  <a:noFill/>
-                </a:ln>
-                <a:solidFill>
-                  <a:srgbClr val="008080"/>
-                </a:solidFill>
-                <a:effectLst/>
-                <a:latin typeface="Consolas" panose="020B0609020204030204" pitchFamily="49" charset="0"/>
-              </a:rPr>
-              <a:t>"Vermont"</a:t>
-            </a:r>
-            <a:r>
-              <a:rPr kumimoji="0" lang="en-US" altLang="en-US" sz="1300" b="0" i="0" u="none" strike="noStrike" cap="none" normalizeH="0" baseline="0" dirty="0">
-                <a:ln>
-                  <a:noFill/>
-                </a:ln>
-                <a:solidFill>
-                  <a:srgbClr val="000000"/>
-                </a:solidFill>
-                <a:effectLst/>
-                <a:latin typeface="Consolas" panose="020B0609020204030204" pitchFamily="49" charset="0"/>
-              </a:rPr>
-              <a:t>, </a:t>
-            </a:r>
-            <a:r>
-              <a:rPr kumimoji="0" lang="en-US" altLang="en-US" sz="1300" b="1" i="0" u="none" strike="noStrike" cap="none" normalizeH="0" baseline="0" dirty="0">
-                <a:ln>
-                  <a:noFill/>
-                </a:ln>
-                <a:solidFill>
-                  <a:srgbClr val="008080"/>
-                </a:solidFill>
-                <a:effectLst/>
-                <a:latin typeface="Consolas" panose="020B0609020204030204" pitchFamily="49" charset="0"/>
-              </a:rPr>
-              <a:t>"Virginia"</a:t>
-            </a:r>
-            <a:r>
-              <a:rPr kumimoji="0" lang="en-US" altLang="en-US" sz="1300" b="0" i="0" u="none" strike="noStrike" cap="none" normalizeH="0" baseline="0" dirty="0">
-                <a:ln>
-                  <a:noFill/>
-                </a:ln>
-                <a:solidFill>
-                  <a:srgbClr val="000000"/>
-                </a:solidFill>
-                <a:effectLst/>
-                <a:latin typeface="Consolas" panose="020B0609020204030204" pitchFamily="49" charset="0"/>
-              </a:rPr>
-              <a:t>, </a:t>
-            </a:r>
-            <a:r>
-              <a:rPr kumimoji="0" lang="en-US" altLang="en-US" sz="1300" b="1" i="0" u="none" strike="noStrike" cap="none" normalizeH="0" baseline="0" dirty="0">
-                <a:ln>
-                  <a:noFill/>
-                </a:ln>
-                <a:solidFill>
-                  <a:srgbClr val="008080"/>
-                </a:solidFill>
-                <a:effectLst/>
-                <a:latin typeface="Consolas" panose="020B0609020204030204" pitchFamily="49" charset="0"/>
-              </a:rPr>
-              <a:t>"Washington"</a:t>
-            </a:r>
-            <a:r>
-              <a:rPr kumimoji="0" lang="en-US" altLang="en-US" sz="1300" b="0" i="0" u="none" strike="noStrike" cap="none" normalizeH="0" baseline="0" dirty="0">
-                <a:ln>
-                  <a:noFill/>
-                </a:ln>
-                <a:solidFill>
-                  <a:srgbClr val="000000"/>
-                </a:solidFill>
-                <a:effectLst/>
-                <a:latin typeface="Consolas" panose="020B0609020204030204" pitchFamily="49" charset="0"/>
-              </a:rPr>
-              <a:t>, </a:t>
-            </a:r>
-            <a:r>
-              <a:rPr kumimoji="0" lang="en-US" altLang="en-US" sz="1300" b="1" i="0" u="none" strike="noStrike" cap="none" normalizeH="0" baseline="0" dirty="0">
-                <a:ln>
-                  <a:noFill/>
-                </a:ln>
-                <a:solidFill>
-                  <a:srgbClr val="008080"/>
-                </a:solidFill>
-                <a:effectLst/>
-                <a:latin typeface="Consolas" panose="020B0609020204030204" pitchFamily="49" charset="0"/>
-              </a:rPr>
-              <a:t>"West Virginia"</a:t>
-            </a:r>
-            <a:r>
-              <a:rPr kumimoji="0" lang="en-US" altLang="en-US" sz="1300" b="0" i="0" u="none" strike="noStrike" cap="none" normalizeH="0" baseline="0" dirty="0">
-                <a:ln>
-                  <a:noFill/>
-                </a:ln>
-                <a:solidFill>
-                  <a:srgbClr val="000000"/>
-                </a:solidFill>
-                <a:effectLst/>
-                <a:latin typeface="Consolas" panose="020B0609020204030204" pitchFamily="49" charset="0"/>
-              </a:rPr>
-              <a:t>, </a:t>
-            </a:r>
-            <a:r>
-              <a:rPr kumimoji="0" lang="en-US" altLang="en-US" sz="1300" b="1" i="0" u="none" strike="noStrike" cap="none" normalizeH="0" baseline="0" dirty="0">
-                <a:ln>
-                  <a:noFill/>
-                </a:ln>
-                <a:solidFill>
-                  <a:srgbClr val="008080"/>
-                </a:solidFill>
-                <a:effectLst/>
-                <a:latin typeface="Consolas" panose="020B0609020204030204" pitchFamily="49" charset="0"/>
-              </a:rPr>
-              <a:t>"Wisconsin"</a:t>
-            </a:r>
-            <a:endParaRPr kumimoji="0" lang="en-US" altLang="en-US" sz="1800" b="0" i="0" u="none" strike="noStrike" cap="none" normalizeH="0" baseline="0" dirty="0">
-              <a:ln>
-                <a:noFill/>
-              </a:ln>
-              <a:solidFill>
-                <a:schemeClr val="tx1"/>
-              </a:solidFill>
-              <a:effectLst/>
-              <a:latin typeface="Arial" panose="020B0604020202020204" pitchFamily="34" charset="0"/>
-            </a:endParaRPr>
-          </a:p>
-        </p:txBody>
-      </p:sp>
-      <p:pic>
-        <p:nvPicPr>
-          <p:cNvPr id="6" name="그림 5">
-            <a:extLst>
-              <a:ext uri="{FF2B5EF4-FFF2-40B4-BE49-F238E27FC236}">
-                <a16:creationId xmlns:a16="http://schemas.microsoft.com/office/drawing/2014/main" id="{2E3A2038-BD0E-4E9E-9517-9B1F76660BE1}"/>
-              </a:ext>
-            </a:extLst>
-          </p:cNvPr>
-          <p:cNvPicPr>
-            <a:picLocks noChangeAspect="1"/>
-          </p:cNvPicPr>
-          <p:nvPr/>
-        </p:nvPicPr>
-        <p:blipFill>
-          <a:blip r:embed="rId2"/>
-          <a:stretch>
-            <a:fillRect/>
-          </a:stretch>
-        </p:blipFill>
-        <p:spPr>
-          <a:xfrm>
-            <a:off x="120367" y="1310168"/>
-            <a:ext cx="9668067" cy="5547831"/>
-          </a:xfrm>
-          <a:prstGeom prst="rect">
-            <a:avLst/>
-          </a:prstGeom>
-        </p:spPr>
-      </p:pic>
-      <p:pic>
-        <p:nvPicPr>
-          <p:cNvPr id="7" name="그림 6">
-            <a:extLst>
-              <a:ext uri="{FF2B5EF4-FFF2-40B4-BE49-F238E27FC236}">
-                <a16:creationId xmlns:a16="http://schemas.microsoft.com/office/drawing/2014/main" id="{8EE08E89-5D37-4F28-A213-57E08900F635}"/>
-              </a:ext>
-            </a:extLst>
-          </p:cNvPr>
-          <p:cNvPicPr>
-            <a:picLocks noChangeAspect="1"/>
-          </p:cNvPicPr>
-          <p:nvPr/>
-        </p:nvPicPr>
-        <p:blipFill>
-          <a:blip r:embed="rId3"/>
-          <a:stretch>
-            <a:fillRect/>
-          </a:stretch>
-        </p:blipFill>
-        <p:spPr>
-          <a:xfrm>
-            <a:off x="5606767" y="1720586"/>
-            <a:ext cx="6384936" cy="3683081"/>
-          </a:xfrm>
-          <a:prstGeom prst="rect">
-            <a:avLst/>
-          </a:prstGeom>
-        </p:spPr>
-      </p:pic>
-      <p:sp>
-        <p:nvSpPr>
-          <p:cNvPr id="8" name="직사각형 7">
-            <a:extLst>
-              <a:ext uri="{FF2B5EF4-FFF2-40B4-BE49-F238E27FC236}">
-                <a16:creationId xmlns:a16="http://schemas.microsoft.com/office/drawing/2014/main" id="{C31703D3-295E-46B9-BAFA-AB1397099141}"/>
-              </a:ext>
-            </a:extLst>
-          </p:cNvPr>
-          <p:cNvSpPr/>
-          <p:nvPr/>
-        </p:nvSpPr>
-        <p:spPr>
-          <a:xfrm>
-            <a:off x="2194560" y="2207544"/>
-            <a:ext cx="2203269" cy="1200329"/>
-          </a:xfrm>
-          <a:prstGeom prst="rect">
-            <a:avLst/>
-          </a:prstGeom>
-        </p:spPr>
-        <p:style>
-          <a:lnRef idx="2">
-            <a:schemeClr val="accent1"/>
-          </a:lnRef>
-          <a:fillRef idx="1">
-            <a:schemeClr val="lt1"/>
-          </a:fillRef>
-          <a:effectRef idx="0">
-            <a:schemeClr val="accent1"/>
-          </a:effectRef>
-          <a:fontRef idx="minor">
-            <a:schemeClr val="dk1"/>
-          </a:fontRef>
-        </p:style>
-        <p:txBody>
-          <a:bodyPr wrap="square">
-            <a:spAutoFit/>
-          </a:bodyPr>
-          <a:lstStyle/>
-          <a:p>
-            <a:r>
-              <a:rPr lang="en-US" dirty="0"/>
-              <a:t>Train Length[3929]  Prediction Length[54]  Input Windows[20]  MAE Score[0.1027]</a:t>
-            </a:r>
-          </a:p>
-        </p:txBody>
-      </p:sp>
-    </p:spTree>
-    <p:extLst>
-      <p:ext uri="{BB962C8B-B14F-4D97-AF65-F5344CB8AC3E}">
-        <p14:creationId xmlns:p14="http://schemas.microsoft.com/office/powerpoint/2010/main" val="3180287181"/>
       </p:ext>
     </p:extLst>
   </p:cSld>
@@ -42906,12 +41202,1388 @@
           <a:chExt cx="0" cy="0"/>
         </a:xfrm>
       </p:grpSpPr>
+      <p:sp>
+        <p:nvSpPr>
+          <p:cNvPr id="5" name="Rectangle 2">
+            <a:extLst>
+              <a:ext uri="{FF2B5EF4-FFF2-40B4-BE49-F238E27FC236}">
+                <a16:creationId xmlns:a16="http://schemas.microsoft.com/office/drawing/2014/main" id="{5977E058-5258-4D60-9C3C-25745FA342A2}"/>
+              </a:ext>
+            </a:extLst>
+          </p:cNvPr>
+          <p:cNvSpPr>
+            <a:spLocks noChangeArrowheads="1"/>
+          </p:cNvSpPr>
+          <p:nvPr/>
+        </p:nvSpPr>
+        <p:spPr bwMode="auto">
+          <a:xfrm>
+            <a:off x="-1" y="100027"/>
+            <a:ext cx="12087497" cy="1092607"/>
+          </a:xfrm>
+          <a:prstGeom prst="rect">
+            <a:avLst/>
+          </a:prstGeom>
+          <a:solidFill>
+            <a:srgbClr val="FFFFFF"/>
+          </a:solidFill>
+          <a:ln>
+            <a:noFill/>
+          </a:ln>
+          <a:effectLst/>
+          <a:extLst>
+            <a:ext uri="{91240B29-F687-4F45-9708-019B960494DF}">
+              <a14:hiddenLine xmlns:a14="http://schemas.microsoft.com/office/drawing/2010/main" w="9525">
+                <a:solidFill>
+                  <a:schemeClr val="tx1"/>
+                </a:solidFill>
+                <a:miter lim="800000"/>
+                <a:headEnd/>
+                <a:tailEnd/>
+              </a14:hiddenLine>
+            </a:ext>
+            <a:ext uri="{AF507438-7753-43E0-B8FC-AC1667EBCBE1}">
+              <a14:hiddenEffects xmlns:a14="http://schemas.microsoft.com/office/drawing/2010/main">
+                <a:effectLst>
+                  <a:outerShdw dist="35921" dir="2700000" algn="ctr" rotWithShape="0">
+                    <a:schemeClr val="bg2"/>
+                  </a:outerShdw>
+                </a:effectLst>
+              </a14:hiddenEffects>
+            </a:ext>
+          </a:extLst>
+        </p:spPr>
+        <p:txBody>
+          <a:bodyPr vert="horz" wrap="square" lIns="91440" tIns="45720" rIns="91440" bIns="45720" numCol="1" anchor="ctr" anchorCtr="0" compatLnSpc="1">
+            <a:prstTxWarp prst="textNoShape">
+              <a:avLst/>
+            </a:prstTxWarp>
+            <a:spAutoFit/>
+          </a:bodyPr>
+          <a:lstStyle/>
+          <a:p>
+            <a:pPr marL="0" marR="0" lvl="0" indent="0" algn="l" defTabSz="914400" rtl="0" eaLnBrk="0" fontAlgn="base" latinLnBrk="0" hangingPunct="0">
+              <a:lnSpc>
+                <a:spcPct val="100000"/>
+              </a:lnSpc>
+              <a:spcBef>
+                <a:spcPct val="0"/>
+              </a:spcBef>
+              <a:spcAft>
+                <a:spcPct val="0"/>
+              </a:spcAft>
+              <a:buClrTx/>
+              <a:buSzTx/>
+              <a:buFontTx/>
+              <a:buNone/>
+              <a:tabLst/>
+            </a:pPr>
+            <a:r>
+              <a:rPr kumimoji="0" lang="en-US" altLang="en-US" sz="1300" b="1" i="0" u="none" strike="noStrike" cap="none" normalizeH="0" baseline="0" dirty="0">
+                <a:ln>
+                  <a:noFill/>
+                </a:ln>
+                <a:solidFill>
+                  <a:srgbClr val="008080"/>
+                </a:solidFill>
+                <a:effectLst/>
+                <a:latin typeface="Consolas" panose="020B0609020204030204" pitchFamily="49" charset="0"/>
+              </a:rPr>
+              <a:t>"Alabama"</a:t>
+            </a:r>
+            <a:r>
+              <a:rPr kumimoji="0" lang="en-US" altLang="en-US" sz="1300" b="0" i="0" u="none" strike="noStrike" cap="none" normalizeH="0" baseline="0" dirty="0">
+                <a:ln>
+                  <a:noFill/>
+                </a:ln>
+                <a:solidFill>
+                  <a:srgbClr val="000000"/>
+                </a:solidFill>
+                <a:effectLst/>
+                <a:latin typeface="Consolas" panose="020B0609020204030204" pitchFamily="49" charset="0"/>
+              </a:rPr>
+              <a:t>, </a:t>
+            </a:r>
+            <a:r>
+              <a:rPr kumimoji="0" lang="en-US" altLang="en-US" sz="1300" b="1" i="0" u="none" strike="noStrike" cap="none" normalizeH="0" baseline="0" dirty="0">
+                <a:ln>
+                  <a:noFill/>
+                </a:ln>
+                <a:solidFill>
+                  <a:srgbClr val="008080"/>
+                </a:solidFill>
+                <a:effectLst/>
+                <a:latin typeface="Consolas" panose="020B0609020204030204" pitchFamily="49" charset="0"/>
+              </a:rPr>
+              <a:t>"Alaska"</a:t>
+            </a:r>
+            <a:r>
+              <a:rPr kumimoji="0" lang="en-US" altLang="en-US" sz="1300" b="0" i="0" u="none" strike="noStrike" cap="none" normalizeH="0" baseline="0" dirty="0">
+                <a:ln>
+                  <a:noFill/>
+                </a:ln>
+                <a:solidFill>
+                  <a:srgbClr val="000000"/>
+                </a:solidFill>
+                <a:effectLst/>
+                <a:latin typeface="Consolas" panose="020B0609020204030204" pitchFamily="49" charset="0"/>
+              </a:rPr>
+              <a:t>, </a:t>
+            </a:r>
+            <a:r>
+              <a:rPr kumimoji="0" lang="en-US" altLang="en-US" sz="1300" b="1" i="0" u="none" strike="noStrike" cap="none" normalizeH="0" baseline="0" dirty="0">
+                <a:ln>
+                  <a:noFill/>
+                </a:ln>
+                <a:solidFill>
+                  <a:srgbClr val="008080"/>
+                </a:solidFill>
+                <a:effectLst/>
+                <a:latin typeface="Consolas" panose="020B0609020204030204" pitchFamily="49" charset="0"/>
+              </a:rPr>
+              <a:t>"Arizona"</a:t>
+            </a:r>
+            <a:r>
+              <a:rPr kumimoji="0" lang="en-US" altLang="en-US" sz="1300" b="0" i="0" u="none" strike="noStrike" cap="none" normalizeH="0" baseline="0" dirty="0">
+                <a:ln>
+                  <a:noFill/>
+                </a:ln>
+                <a:solidFill>
+                  <a:srgbClr val="000000"/>
+                </a:solidFill>
+                <a:effectLst/>
+                <a:latin typeface="Consolas" panose="020B0609020204030204" pitchFamily="49" charset="0"/>
+              </a:rPr>
+              <a:t>, </a:t>
+            </a:r>
+            <a:r>
+              <a:rPr kumimoji="0" lang="en-US" altLang="en-US" sz="1300" b="1" i="0" u="none" strike="noStrike" cap="none" normalizeH="0" baseline="0" dirty="0">
+                <a:ln>
+                  <a:noFill/>
+                </a:ln>
+                <a:solidFill>
+                  <a:srgbClr val="008080"/>
+                </a:solidFill>
+                <a:effectLst/>
+                <a:latin typeface="Consolas" panose="020B0609020204030204" pitchFamily="49" charset="0"/>
+              </a:rPr>
+              <a:t>"Arkansas"</a:t>
+            </a:r>
+            <a:r>
+              <a:rPr kumimoji="0" lang="en-US" altLang="en-US" sz="1300" b="0" i="0" u="none" strike="noStrike" cap="none" normalizeH="0" baseline="0" dirty="0">
+                <a:ln>
+                  <a:noFill/>
+                </a:ln>
+                <a:solidFill>
+                  <a:srgbClr val="000000"/>
+                </a:solidFill>
+                <a:effectLst/>
+                <a:latin typeface="Consolas" panose="020B0609020204030204" pitchFamily="49" charset="0"/>
+              </a:rPr>
+              <a:t>,  </a:t>
+            </a:r>
+            <a:r>
+              <a:rPr kumimoji="0" lang="en-US" altLang="en-US" sz="1300" b="1" i="0" u="none" strike="noStrike" cap="none" normalizeH="0" baseline="0" dirty="0">
+                <a:ln>
+                  <a:noFill/>
+                </a:ln>
+                <a:solidFill>
+                  <a:srgbClr val="008080"/>
+                </a:solidFill>
+                <a:effectLst/>
+                <a:latin typeface="Consolas" panose="020B0609020204030204" pitchFamily="49" charset="0"/>
+              </a:rPr>
+              <a:t>"California"</a:t>
+            </a:r>
+            <a:r>
+              <a:rPr kumimoji="0" lang="en-US" altLang="en-US" sz="1300" b="0" i="0" u="none" strike="noStrike" cap="none" normalizeH="0" baseline="0" dirty="0">
+                <a:ln>
+                  <a:noFill/>
+                </a:ln>
+                <a:solidFill>
+                  <a:srgbClr val="000000"/>
+                </a:solidFill>
+                <a:effectLst/>
+                <a:latin typeface="Consolas" panose="020B0609020204030204" pitchFamily="49" charset="0"/>
+              </a:rPr>
+              <a:t>, </a:t>
+            </a:r>
+            <a:r>
+              <a:rPr kumimoji="0" lang="en-US" altLang="en-US" sz="1300" b="1" i="0" u="none" strike="noStrike" cap="none" normalizeH="0" baseline="0" dirty="0">
+                <a:ln>
+                  <a:noFill/>
+                </a:ln>
+                <a:solidFill>
+                  <a:srgbClr val="008080"/>
+                </a:solidFill>
+                <a:effectLst/>
+                <a:latin typeface="Consolas" panose="020B0609020204030204" pitchFamily="49" charset="0"/>
+              </a:rPr>
+              <a:t>"Colorado"</a:t>
+            </a:r>
+            <a:r>
+              <a:rPr kumimoji="0" lang="en-US" altLang="en-US" sz="1300" b="0" i="0" u="none" strike="noStrike" cap="none" normalizeH="0" baseline="0" dirty="0">
+                <a:ln>
+                  <a:noFill/>
+                </a:ln>
+                <a:solidFill>
+                  <a:srgbClr val="000000"/>
+                </a:solidFill>
+                <a:effectLst/>
+                <a:latin typeface="Consolas" panose="020B0609020204030204" pitchFamily="49" charset="0"/>
+              </a:rPr>
+              <a:t>, </a:t>
+            </a:r>
+            <a:r>
+              <a:rPr kumimoji="0" lang="en-US" altLang="en-US" sz="1300" b="1" i="0" u="none" strike="noStrike" cap="none" normalizeH="0" baseline="0" dirty="0">
+                <a:ln>
+                  <a:noFill/>
+                </a:ln>
+                <a:solidFill>
+                  <a:srgbClr val="008080"/>
+                </a:solidFill>
+                <a:effectLst/>
+                <a:latin typeface="Consolas" panose="020B0609020204030204" pitchFamily="49" charset="0"/>
+              </a:rPr>
+              <a:t>"Connecticut"</a:t>
+            </a:r>
+            <a:r>
+              <a:rPr kumimoji="0" lang="en-US" altLang="en-US" sz="1300" b="0" i="0" u="none" strike="noStrike" cap="none" normalizeH="0" baseline="0" dirty="0">
+                <a:ln>
+                  <a:noFill/>
+                </a:ln>
+                <a:solidFill>
+                  <a:srgbClr val="000000"/>
+                </a:solidFill>
+                <a:effectLst/>
+                <a:latin typeface="Consolas" panose="020B0609020204030204" pitchFamily="49" charset="0"/>
+              </a:rPr>
+              <a:t>, </a:t>
+            </a:r>
+            <a:r>
+              <a:rPr kumimoji="0" lang="en-US" altLang="en-US" sz="1300" b="1" i="0" u="none" strike="noStrike" cap="none" normalizeH="0" baseline="0" dirty="0">
+                <a:ln>
+                  <a:noFill/>
+                </a:ln>
+                <a:solidFill>
+                  <a:srgbClr val="008080"/>
+                </a:solidFill>
+                <a:effectLst/>
+                <a:latin typeface="Consolas" panose="020B0609020204030204" pitchFamily="49" charset="0"/>
+              </a:rPr>
+              <a:t>"Delaware"</a:t>
+            </a:r>
+            <a:r>
+              <a:rPr kumimoji="0" lang="en-US" altLang="en-US" sz="1300" b="0" i="0" u="none" strike="noStrike" cap="none" normalizeH="0" baseline="0" dirty="0">
+                <a:ln>
+                  <a:noFill/>
+                </a:ln>
+                <a:solidFill>
+                  <a:srgbClr val="000000"/>
+                </a:solidFill>
+                <a:effectLst/>
+                <a:latin typeface="Consolas" panose="020B0609020204030204" pitchFamily="49" charset="0"/>
+              </a:rPr>
+              <a:t>, </a:t>
+            </a:r>
+            <a:r>
+              <a:rPr kumimoji="0" lang="en-US" altLang="en-US" sz="1300" b="1" i="0" u="none" strike="noStrike" cap="none" normalizeH="0" baseline="0" dirty="0">
+                <a:ln>
+                  <a:noFill/>
+                </a:ln>
+                <a:solidFill>
+                  <a:srgbClr val="008080"/>
+                </a:solidFill>
+                <a:effectLst/>
+                <a:latin typeface="Consolas" panose="020B0609020204030204" pitchFamily="49" charset="0"/>
+              </a:rPr>
+              <a:t>"District of Columbia"</a:t>
+            </a:r>
+            <a:r>
+              <a:rPr kumimoji="0" lang="en-US" altLang="en-US" sz="1300" b="0" i="0" u="none" strike="noStrike" cap="none" normalizeH="0" baseline="0" dirty="0">
+                <a:ln>
+                  <a:noFill/>
+                </a:ln>
+                <a:solidFill>
+                  <a:srgbClr val="000000"/>
+                </a:solidFill>
+                <a:effectLst/>
+                <a:latin typeface="Consolas" panose="020B0609020204030204" pitchFamily="49" charset="0"/>
+              </a:rPr>
+              <a:t>, </a:t>
+            </a:r>
+            <a:r>
+              <a:rPr kumimoji="0" lang="en-US" altLang="en-US" sz="1300" b="1" i="0" u="none" strike="noStrike" cap="none" normalizeH="0" baseline="0" dirty="0">
+                <a:ln>
+                  <a:noFill/>
+                </a:ln>
+                <a:solidFill>
+                  <a:srgbClr val="008080"/>
+                </a:solidFill>
+                <a:effectLst/>
+                <a:latin typeface="Consolas" panose="020B0609020204030204" pitchFamily="49" charset="0"/>
+              </a:rPr>
+              <a:t>"Florida"</a:t>
+            </a:r>
+            <a:r>
+              <a:rPr kumimoji="0" lang="en-US" altLang="en-US" sz="1300" b="0" i="0" u="none" strike="noStrike" cap="none" normalizeH="0" baseline="0" dirty="0">
+                <a:ln>
+                  <a:noFill/>
+                </a:ln>
+                <a:solidFill>
+                  <a:srgbClr val="000000"/>
+                </a:solidFill>
+                <a:effectLst/>
+                <a:latin typeface="Consolas" panose="020B0609020204030204" pitchFamily="49" charset="0"/>
+              </a:rPr>
+              <a:t>, </a:t>
+            </a:r>
+            <a:r>
+              <a:rPr kumimoji="0" lang="en-US" altLang="en-US" sz="1300" b="1" i="0" u="none" strike="noStrike" cap="none" normalizeH="0" baseline="0" dirty="0">
+                <a:ln>
+                  <a:noFill/>
+                </a:ln>
+                <a:solidFill>
+                  <a:srgbClr val="008080"/>
+                </a:solidFill>
+                <a:effectLst/>
+                <a:latin typeface="Consolas" panose="020B0609020204030204" pitchFamily="49" charset="0"/>
+              </a:rPr>
+              <a:t>"Georgia"</a:t>
+            </a:r>
+            <a:r>
+              <a:rPr kumimoji="0" lang="en-US" altLang="en-US" sz="1300" b="0" i="0" u="none" strike="noStrike" cap="none" normalizeH="0" baseline="0" dirty="0">
+                <a:ln>
+                  <a:noFill/>
+                </a:ln>
+                <a:solidFill>
+                  <a:srgbClr val="000000"/>
+                </a:solidFill>
+                <a:effectLst/>
+                <a:latin typeface="Consolas" panose="020B0609020204030204" pitchFamily="49" charset="0"/>
+              </a:rPr>
+              <a:t>, </a:t>
+            </a:r>
+            <a:r>
+              <a:rPr kumimoji="0" lang="en-US" altLang="en-US" sz="1300" b="1" i="0" u="none" strike="noStrike" cap="none" normalizeH="0" baseline="0" dirty="0">
+                <a:ln>
+                  <a:noFill/>
+                </a:ln>
+                <a:solidFill>
+                  <a:srgbClr val="008080"/>
+                </a:solidFill>
+                <a:effectLst/>
+                <a:latin typeface="Consolas" panose="020B0609020204030204" pitchFamily="49" charset="0"/>
+              </a:rPr>
+              <a:t>"Hawaii"</a:t>
+            </a:r>
+            <a:r>
+              <a:rPr kumimoji="0" lang="en-US" altLang="en-US" sz="1300" b="0" i="0" u="none" strike="noStrike" cap="none" normalizeH="0" baseline="0" dirty="0">
+                <a:ln>
+                  <a:noFill/>
+                </a:ln>
+                <a:solidFill>
+                  <a:srgbClr val="000000"/>
+                </a:solidFill>
+                <a:effectLst/>
+                <a:latin typeface="Consolas" panose="020B0609020204030204" pitchFamily="49" charset="0"/>
+              </a:rPr>
+              <a:t>, </a:t>
+            </a:r>
+            <a:r>
+              <a:rPr kumimoji="0" lang="en-US" altLang="en-US" sz="1300" b="1" i="0" u="none" strike="noStrike" cap="none" normalizeH="0" baseline="0" dirty="0">
+                <a:ln>
+                  <a:noFill/>
+                </a:ln>
+                <a:solidFill>
+                  <a:srgbClr val="008080"/>
+                </a:solidFill>
+                <a:effectLst/>
+                <a:latin typeface="Consolas" panose="020B0609020204030204" pitchFamily="49" charset="0"/>
+              </a:rPr>
+              <a:t>"Idaho"</a:t>
+            </a:r>
+            <a:r>
+              <a:rPr kumimoji="0" lang="en-US" altLang="en-US" sz="1300" b="0" i="0" u="none" strike="noStrike" cap="none" normalizeH="0" baseline="0" dirty="0">
+                <a:ln>
+                  <a:noFill/>
+                </a:ln>
+                <a:solidFill>
+                  <a:srgbClr val="000000"/>
+                </a:solidFill>
+                <a:effectLst/>
+                <a:latin typeface="Consolas" panose="020B0609020204030204" pitchFamily="49" charset="0"/>
+              </a:rPr>
+              <a:t>, </a:t>
+            </a:r>
+            <a:r>
+              <a:rPr kumimoji="0" lang="en-US" altLang="en-US" sz="1300" b="1" i="0" u="none" strike="noStrike" cap="none" normalizeH="0" baseline="0" dirty="0">
+                <a:ln>
+                  <a:noFill/>
+                </a:ln>
+                <a:solidFill>
+                  <a:srgbClr val="008080"/>
+                </a:solidFill>
+                <a:effectLst/>
+                <a:latin typeface="Consolas" panose="020B0609020204030204" pitchFamily="49" charset="0"/>
+              </a:rPr>
+              <a:t>"Illinois"</a:t>
+            </a:r>
+            <a:r>
+              <a:rPr kumimoji="0" lang="en-US" altLang="en-US" sz="1300" b="0" i="0" u="none" strike="noStrike" cap="none" normalizeH="0" baseline="0" dirty="0">
+                <a:ln>
+                  <a:noFill/>
+                </a:ln>
+                <a:solidFill>
+                  <a:srgbClr val="000000"/>
+                </a:solidFill>
+                <a:effectLst/>
+                <a:latin typeface="Consolas" panose="020B0609020204030204" pitchFamily="49" charset="0"/>
+              </a:rPr>
+              <a:t>, </a:t>
+            </a:r>
+            <a:r>
+              <a:rPr kumimoji="0" lang="en-US" altLang="en-US" sz="1300" b="1" i="0" u="none" strike="noStrike" cap="none" normalizeH="0" baseline="0" dirty="0">
+                <a:ln>
+                  <a:noFill/>
+                </a:ln>
+                <a:solidFill>
+                  <a:srgbClr val="008080"/>
+                </a:solidFill>
+                <a:effectLst/>
+                <a:latin typeface="Consolas" panose="020B0609020204030204" pitchFamily="49" charset="0"/>
+              </a:rPr>
+              <a:t>"Indiana"</a:t>
+            </a:r>
+            <a:r>
+              <a:rPr kumimoji="0" lang="en-US" altLang="en-US" sz="1300" b="0" i="0" u="none" strike="noStrike" cap="none" normalizeH="0" baseline="0" dirty="0">
+                <a:ln>
+                  <a:noFill/>
+                </a:ln>
+                <a:solidFill>
+                  <a:srgbClr val="000000"/>
+                </a:solidFill>
+                <a:effectLst/>
+                <a:latin typeface="Consolas" panose="020B0609020204030204" pitchFamily="49" charset="0"/>
+              </a:rPr>
+              <a:t>, </a:t>
+            </a:r>
+            <a:r>
+              <a:rPr kumimoji="0" lang="en-US" altLang="en-US" sz="1300" b="1" i="0" u="none" strike="noStrike" cap="none" normalizeH="0" baseline="0" dirty="0">
+                <a:ln>
+                  <a:noFill/>
+                </a:ln>
+                <a:solidFill>
+                  <a:srgbClr val="008080"/>
+                </a:solidFill>
+                <a:effectLst/>
+                <a:latin typeface="Consolas" panose="020B0609020204030204" pitchFamily="49" charset="0"/>
+              </a:rPr>
+              <a:t>"Iowa"</a:t>
+            </a:r>
+            <a:r>
+              <a:rPr kumimoji="0" lang="en-US" altLang="en-US" sz="1300" b="0" i="0" u="none" strike="noStrike" cap="none" normalizeH="0" baseline="0" dirty="0">
+                <a:ln>
+                  <a:noFill/>
+                </a:ln>
+                <a:solidFill>
+                  <a:srgbClr val="000000"/>
+                </a:solidFill>
+                <a:effectLst/>
+                <a:latin typeface="Consolas" panose="020B0609020204030204" pitchFamily="49" charset="0"/>
+              </a:rPr>
+              <a:t>, </a:t>
+            </a:r>
+            <a:r>
+              <a:rPr kumimoji="0" lang="en-US" altLang="en-US" sz="1300" b="1" i="0" u="none" strike="noStrike" cap="none" normalizeH="0" baseline="0" dirty="0">
+                <a:ln>
+                  <a:noFill/>
+                </a:ln>
+                <a:solidFill>
+                  <a:srgbClr val="008080"/>
+                </a:solidFill>
+                <a:effectLst/>
+                <a:latin typeface="Consolas" panose="020B0609020204030204" pitchFamily="49" charset="0"/>
+              </a:rPr>
+              <a:t>"Kansas"</a:t>
+            </a:r>
+            <a:r>
+              <a:rPr kumimoji="0" lang="en-US" altLang="en-US" sz="1300" b="0" i="0" u="none" strike="noStrike" cap="none" normalizeH="0" baseline="0" dirty="0">
+                <a:ln>
+                  <a:noFill/>
+                </a:ln>
+                <a:solidFill>
+                  <a:srgbClr val="000000"/>
+                </a:solidFill>
+                <a:effectLst/>
+                <a:latin typeface="Consolas" panose="020B0609020204030204" pitchFamily="49" charset="0"/>
+              </a:rPr>
+              <a:t>, </a:t>
+            </a:r>
+            <a:r>
+              <a:rPr kumimoji="0" lang="en-US" altLang="en-US" sz="1300" b="1" i="0" u="none" strike="noStrike" cap="none" normalizeH="0" baseline="0" dirty="0">
+                <a:ln>
+                  <a:noFill/>
+                </a:ln>
+                <a:solidFill>
+                  <a:srgbClr val="008080"/>
+                </a:solidFill>
+                <a:effectLst/>
+                <a:latin typeface="Consolas" panose="020B0609020204030204" pitchFamily="49" charset="0"/>
+              </a:rPr>
+              <a:t>"Kentucky"</a:t>
+            </a:r>
+            <a:r>
+              <a:rPr kumimoji="0" lang="en-US" altLang="en-US" sz="1300" b="0" i="0" u="none" strike="noStrike" cap="none" normalizeH="0" baseline="0" dirty="0">
+                <a:ln>
+                  <a:noFill/>
+                </a:ln>
+                <a:solidFill>
+                  <a:srgbClr val="000000"/>
+                </a:solidFill>
+                <a:effectLst/>
+                <a:latin typeface="Consolas" panose="020B0609020204030204" pitchFamily="49" charset="0"/>
+              </a:rPr>
+              <a:t>, </a:t>
+            </a:r>
+            <a:r>
+              <a:rPr kumimoji="0" lang="en-US" altLang="en-US" sz="1300" b="1" i="0" u="none" strike="noStrike" cap="none" normalizeH="0" baseline="0" dirty="0">
+                <a:ln>
+                  <a:noFill/>
+                </a:ln>
+                <a:solidFill>
+                  <a:srgbClr val="008080"/>
+                </a:solidFill>
+                <a:effectLst/>
+                <a:latin typeface="Consolas" panose="020B0609020204030204" pitchFamily="49" charset="0"/>
+              </a:rPr>
+              <a:t>"Louisiana"</a:t>
+            </a:r>
+            <a:r>
+              <a:rPr kumimoji="0" lang="en-US" altLang="en-US" sz="1300" b="0" i="0" u="none" strike="noStrike" cap="none" normalizeH="0" baseline="0" dirty="0">
+                <a:ln>
+                  <a:noFill/>
+                </a:ln>
+                <a:solidFill>
+                  <a:srgbClr val="000000"/>
+                </a:solidFill>
+                <a:effectLst/>
+                <a:latin typeface="Consolas" panose="020B0609020204030204" pitchFamily="49" charset="0"/>
+              </a:rPr>
+              <a:t>, </a:t>
+            </a:r>
+            <a:r>
+              <a:rPr kumimoji="0" lang="en-US" altLang="en-US" sz="1300" b="1" i="0" u="none" strike="noStrike" cap="none" normalizeH="0" baseline="0" dirty="0">
+                <a:ln>
+                  <a:noFill/>
+                </a:ln>
+                <a:solidFill>
+                  <a:srgbClr val="008080"/>
+                </a:solidFill>
+                <a:effectLst/>
+                <a:latin typeface="Consolas" panose="020B0609020204030204" pitchFamily="49" charset="0"/>
+              </a:rPr>
+              <a:t>"Maine"</a:t>
+            </a:r>
+            <a:r>
+              <a:rPr kumimoji="0" lang="en-US" altLang="en-US" sz="1300" b="0" i="0" u="none" strike="noStrike" cap="none" normalizeH="0" baseline="0" dirty="0">
+                <a:ln>
+                  <a:noFill/>
+                </a:ln>
+                <a:solidFill>
+                  <a:srgbClr val="000000"/>
+                </a:solidFill>
+                <a:effectLst/>
+                <a:latin typeface="Consolas" panose="020B0609020204030204" pitchFamily="49" charset="0"/>
+              </a:rPr>
+              <a:t>, </a:t>
+            </a:r>
+            <a:r>
+              <a:rPr kumimoji="0" lang="en-US" altLang="en-US" sz="1300" b="1" i="0" u="none" strike="noStrike" cap="none" normalizeH="0" baseline="0" dirty="0">
+                <a:ln>
+                  <a:noFill/>
+                </a:ln>
+                <a:solidFill>
+                  <a:srgbClr val="008080"/>
+                </a:solidFill>
+                <a:effectLst/>
+                <a:latin typeface="Consolas" panose="020B0609020204030204" pitchFamily="49" charset="0"/>
+              </a:rPr>
+              <a:t>"Maryland"</a:t>
+            </a:r>
+            <a:r>
+              <a:rPr kumimoji="0" lang="en-US" altLang="en-US" sz="1300" b="0" i="0" u="none" strike="noStrike" cap="none" normalizeH="0" baseline="0" dirty="0">
+                <a:ln>
+                  <a:noFill/>
+                </a:ln>
+                <a:solidFill>
+                  <a:srgbClr val="000000"/>
+                </a:solidFill>
+                <a:effectLst/>
+                <a:latin typeface="Consolas" panose="020B0609020204030204" pitchFamily="49" charset="0"/>
+              </a:rPr>
+              <a:t>, </a:t>
+            </a:r>
+            <a:r>
+              <a:rPr kumimoji="0" lang="en-US" altLang="en-US" sz="1300" b="1" i="0" u="none" strike="noStrike" cap="none" normalizeH="0" baseline="0" dirty="0">
+                <a:ln>
+                  <a:noFill/>
+                </a:ln>
+                <a:solidFill>
+                  <a:srgbClr val="008080"/>
+                </a:solidFill>
+                <a:effectLst/>
+                <a:latin typeface="Consolas" panose="020B0609020204030204" pitchFamily="49" charset="0"/>
+              </a:rPr>
+              <a:t>"Massachusetts"</a:t>
+            </a:r>
+            <a:r>
+              <a:rPr kumimoji="0" lang="en-US" altLang="en-US" sz="1300" b="0" i="0" u="none" strike="noStrike" cap="none" normalizeH="0" baseline="0" dirty="0">
+                <a:ln>
+                  <a:noFill/>
+                </a:ln>
+                <a:solidFill>
+                  <a:srgbClr val="000000"/>
+                </a:solidFill>
+                <a:effectLst/>
+                <a:latin typeface="Consolas" panose="020B0609020204030204" pitchFamily="49" charset="0"/>
+              </a:rPr>
+              <a:t>, </a:t>
+            </a:r>
+            <a:r>
+              <a:rPr kumimoji="0" lang="en-US" altLang="en-US" sz="1300" b="1" i="0" u="none" strike="noStrike" cap="none" normalizeH="0" baseline="0" dirty="0">
+                <a:ln>
+                  <a:noFill/>
+                </a:ln>
+                <a:solidFill>
+                  <a:srgbClr val="008080"/>
+                </a:solidFill>
+                <a:effectLst/>
+                <a:latin typeface="Consolas" panose="020B0609020204030204" pitchFamily="49" charset="0"/>
+              </a:rPr>
+              <a:t>"Michigan"</a:t>
+            </a:r>
+            <a:r>
+              <a:rPr kumimoji="0" lang="en-US" altLang="en-US" sz="1300" b="0" i="0" u="none" strike="noStrike" cap="none" normalizeH="0" baseline="0" dirty="0">
+                <a:ln>
+                  <a:noFill/>
+                </a:ln>
+                <a:solidFill>
+                  <a:srgbClr val="000000"/>
+                </a:solidFill>
+                <a:effectLst/>
+                <a:latin typeface="Consolas" panose="020B0609020204030204" pitchFamily="49" charset="0"/>
+              </a:rPr>
+              <a:t>, </a:t>
+            </a:r>
+            <a:r>
+              <a:rPr kumimoji="0" lang="en-US" altLang="en-US" sz="1300" b="1" i="0" u="none" strike="noStrike" cap="none" normalizeH="0" baseline="0" dirty="0">
+                <a:ln>
+                  <a:noFill/>
+                </a:ln>
+                <a:solidFill>
+                  <a:srgbClr val="008080"/>
+                </a:solidFill>
+                <a:effectLst/>
+                <a:latin typeface="Consolas" panose="020B0609020204030204" pitchFamily="49" charset="0"/>
+              </a:rPr>
+              <a:t>"Minnesota"</a:t>
+            </a:r>
+            <a:r>
+              <a:rPr kumimoji="0" lang="en-US" altLang="en-US" sz="1300" b="0" i="0" u="none" strike="noStrike" cap="none" normalizeH="0" baseline="0" dirty="0">
+                <a:ln>
+                  <a:noFill/>
+                </a:ln>
+                <a:solidFill>
+                  <a:srgbClr val="000000"/>
+                </a:solidFill>
+                <a:effectLst/>
+                <a:latin typeface="Consolas" panose="020B0609020204030204" pitchFamily="49" charset="0"/>
+              </a:rPr>
+              <a:t>, </a:t>
+            </a:r>
+            <a:r>
+              <a:rPr kumimoji="0" lang="en-US" altLang="en-US" sz="1300" b="1" i="0" u="none" strike="noStrike" cap="none" normalizeH="0" baseline="0" dirty="0">
+                <a:ln>
+                  <a:noFill/>
+                </a:ln>
+                <a:solidFill>
+                  <a:srgbClr val="008080"/>
+                </a:solidFill>
+                <a:effectLst/>
+                <a:latin typeface="Consolas" panose="020B0609020204030204" pitchFamily="49" charset="0"/>
+              </a:rPr>
+              <a:t>"Mississippi"</a:t>
+            </a:r>
+            <a:r>
+              <a:rPr kumimoji="0" lang="en-US" altLang="en-US" sz="1300" b="0" i="0" u="none" strike="noStrike" cap="none" normalizeH="0" baseline="0" dirty="0">
+                <a:ln>
+                  <a:noFill/>
+                </a:ln>
+                <a:solidFill>
+                  <a:srgbClr val="000000"/>
+                </a:solidFill>
+                <a:effectLst/>
+                <a:latin typeface="Consolas" panose="020B0609020204030204" pitchFamily="49" charset="0"/>
+              </a:rPr>
+              <a:t>, </a:t>
+            </a:r>
+            <a:r>
+              <a:rPr kumimoji="0" lang="en-US" altLang="en-US" sz="1300" b="1" i="0" u="none" strike="noStrike" cap="none" normalizeH="0" baseline="0" dirty="0">
+                <a:ln>
+                  <a:noFill/>
+                </a:ln>
+                <a:solidFill>
+                  <a:srgbClr val="008080"/>
+                </a:solidFill>
+                <a:effectLst/>
+                <a:latin typeface="Consolas" panose="020B0609020204030204" pitchFamily="49" charset="0"/>
+              </a:rPr>
+              <a:t>"Missouri"</a:t>
+            </a:r>
+            <a:r>
+              <a:rPr kumimoji="0" lang="en-US" altLang="en-US" sz="1300" b="0" i="0" u="none" strike="noStrike" cap="none" normalizeH="0" baseline="0" dirty="0">
+                <a:ln>
+                  <a:noFill/>
+                </a:ln>
+                <a:solidFill>
+                  <a:srgbClr val="000000"/>
+                </a:solidFill>
+                <a:effectLst/>
+                <a:latin typeface="Consolas" panose="020B0609020204030204" pitchFamily="49" charset="0"/>
+              </a:rPr>
+              <a:t>, </a:t>
+            </a:r>
+            <a:r>
+              <a:rPr kumimoji="0" lang="en-US" altLang="en-US" sz="1300" b="1" i="0" u="none" strike="noStrike" cap="none" normalizeH="0" baseline="0" dirty="0">
+                <a:ln>
+                  <a:noFill/>
+                </a:ln>
+                <a:solidFill>
+                  <a:srgbClr val="008080"/>
+                </a:solidFill>
+                <a:effectLst/>
+                <a:latin typeface="Consolas" panose="020B0609020204030204" pitchFamily="49" charset="0"/>
+              </a:rPr>
+              <a:t>"Nebraska"</a:t>
+            </a:r>
+            <a:r>
+              <a:rPr kumimoji="0" lang="en-US" altLang="en-US" sz="1300" b="0" i="0" u="none" strike="noStrike" cap="none" normalizeH="0" baseline="0" dirty="0">
+                <a:ln>
+                  <a:noFill/>
+                </a:ln>
+                <a:solidFill>
+                  <a:srgbClr val="000000"/>
+                </a:solidFill>
+                <a:effectLst/>
+                <a:latin typeface="Consolas" panose="020B0609020204030204" pitchFamily="49" charset="0"/>
+              </a:rPr>
+              <a:t>, </a:t>
+            </a:r>
+            <a:r>
+              <a:rPr kumimoji="0" lang="en-US" altLang="en-US" sz="1300" b="1" i="0" u="none" strike="noStrike" cap="none" normalizeH="0" baseline="0" dirty="0">
+                <a:ln>
+                  <a:noFill/>
+                </a:ln>
+                <a:solidFill>
+                  <a:srgbClr val="008080"/>
+                </a:solidFill>
+                <a:effectLst/>
+                <a:latin typeface="Consolas" panose="020B0609020204030204" pitchFamily="49" charset="0"/>
+              </a:rPr>
+              <a:t>"Nevada"</a:t>
+            </a:r>
+            <a:r>
+              <a:rPr kumimoji="0" lang="en-US" altLang="en-US" sz="1300" b="0" i="0" u="none" strike="noStrike" cap="none" normalizeH="0" baseline="0" dirty="0">
+                <a:ln>
+                  <a:noFill/>
+                </a:ln>
+                <a:solidFill>
+                  <a:srgbClr val="000000"/>
+                </a:solidFill>
+                <a:effectLst/>
+                <a:latin typeface="Consolas" panose="020B0609020204030204" pitchFamily="49" charset="0"/>
+              </a:rPr>
+              <a:t>, </a:t>
+            </a:r>
+            <a:r>
+              <a:rPr kumimoji="0" lang="en-US" altLang="en-US" sz="1300" b="1" i="0" u="none" strike="noStrike" cap="none" normalizeH="0" baseline="0" dirty="0">
+                <a:ln>
+                  <a:noFill/>
+                </a:ln>
+                <a:solidFill>
+                  <a:srgbClr val="008080"/>
+                </a:solidFill>
+                <a:effectLst/>
+                <a:latin typeface="Consolas" panose="020B0609020204030204" pitchFamily="49" charset="0"/>
+              </a:rPr>
+              <a:t>"New Hampshire"</a:t>
+            </a:r>
+            <a:r>
+              <a:rPr kumimoji="0" lang="en-US" altLang="en-US" sz="1300" b="0" i="0" u="none" strike="noStrike" cap="none" normalizeH="0" baseline="0" dirty="0">
+                <a:ln>
+                  <a:noFill/>
+                </a:ln>
+                <a:solidFill>
+                  <a:srgbClr val="000000"/>
+                </a:solidFill>
+                <a:effectLst/>
+                <a:latin typeface="Consolas" panose="020B0609020204030204" pitchFamily="49" charset="0"/>
+              </a:rPr>
+              <a:t>, </a:t>
+            </a:r>
+            <a:r>
+              <a:rPr kumimoji="0" lang="en-US" altLang="en-US" sz="1300" b="1" i="0" u="none" strike="noStrike" cap="none" normalizeH="0" baseline="0" dirty="0">
+                <a:ln>
+                  <a:noFill/>
+                </a:ln>
+                <a:solidFill>
+                  <a:srgbClr val="008080"/>
+                </a:solidFill>
+                <a:effectLst/>
+                <a:latin typeface="Consolas" panose="020B0609020204030204" pitchFamily="49" charset="0"/>
+              </a:rPr>
+              <a:t>"New Jersey"</a:t>
+            </a:r>
+            <a:r>
+              <a:rPr kumimoji="0" lang="en-US" altLang="en-US" sz="1300" b="0" i="0" u="none" strike="noStrike" cap="none" normalizeH="0" baseline="0" dirty="0">
+                <a:ln>
+                  <a:noFill/>
+                </a:ln>
+                <a:solidFill>
+                  <a:srgbClr val="000000"/>
+                </a:solidFill>
+                <a:effectLst/>
+                <a:latin typeface="Consolas" panose="020B0609020204030204" pitchFamily="49" charset="0"/>
+              </a:rPr>
+              <a:t>, </a:t>
+            </a:r>
+            <a:r>
+              <a:rPr kumimoji="0" lang="en-US" altLang="en-US" sz="1300" b="1" i="0" u="none" strike="noStrike" cap="none" normalizeH="0" baseline="0" dirty="0">
+                <a:ln>
+                  <a:noFill/>
+                </a:ln>
+                <a:solidFill>
+                  <a:srgbClr val="008080"/>
+                </a:solidFill>
+                <a:effectLst/>
+                <a:latin typeface="Consolas" panose="020B0609020204030204" pitchFamily="49" charset="0"/>
+              </a:rPr>
+              <a:t>"New Mexico"</a:t>
+            </a:r>
+            <a:r>
+              <a:rPr kumimoji="0" lang="en-US" altLang="en-US" sz="1300" b="0" i="0" u="none" strike="noStrike" cap="none" normalizeH="0" baseline="0" dirty="0">
+                <a:ln>
+                  <a:noFill/>
+                </a:ln>
+                <a:solidFill>
+                  <a:srgbClr val="000000"/>
+                </a:solidFill>
+                <a:effectLst/>
+                <a:latin typeface="Consolas" panose="020B0609020204030204" pitchFamily="49" charset="0"/>
+              </a:rPr>
+              <a:t>, </a:t>
+            </a:r>
+            <a:r>
+              <a:rPr kumimoji="0" lang="en-US" altLang="en-US" sz="1300" b="1" i="0" u="none" strike="noStrike" cap="none" normalizeH="0" baseline="0" dirty="0">
+                <a:ln>
+                  <a:noFill/>
+                </a:ln>
+                <a:solidFill>
+                  <a:srgbClr val="008080"/>
+                </a:solidFill>
+                <a:effectLst/>
+                <a:latin typeface="Consolas" panose="020B0609020204030204" pitchFamily="49" charset="0"/>
+              </a:rPr>
+              <a:t>"New York"</a:t>
+            </a:r>
+            <a:r>
+              <a:rPr kumimoji="0" lang="en-US" altLang="en-US" sz="1300" b="0" i="0" u="none" strike="noStrike" cap="none" normalizeH="0" baseline="0" dirty="0">
+                <a:ln>
+                  <a:noFill/>
+                </a:ln>
+                <a:solidFill>
+                  <a:srgbClr val="000000"/>
+                </a:solidFill>
+                <a:effectLst/>
+                <a:latin typeface="Consolas" panose="020B0609020204030204" pitchFamily="49" charset="0"/>
+              </a:rPr>
+              <a:t>, </a:t>
+            </a:r>
+            <a:r>
+              <a:rPr kumimoji="0" lang="en-US" altLang="en-US" sz="1300" b="1" i="0" u="none" strike="noStrike" cap="none" normalizeH="0" baseline="0" dirty="0">
+                <a:ln>
+                  <a:noFill/>
+                </a:ln>
+                <a:solidFill>
+                  <a:srgbClr val="008080"/>
+                </a:solidFill>
+                <a:effectLst/>
+                <a:latin typeface="Consolas" panose="020B0609020204030204" pitchFamily="49" charset="0"/>
+              </a:rPr>
+              <a:t>"North Carolina"</a:t>
+            </a:r>
+            <a:r>
+              <a:rPr kumimoji="0" lang="en-US" altLang="en-US" sz="1300" b="0" i="0" u="none" strike="noStrike" cap="none" normalizeH="0" baseline="0" dirty="0">
+                <a:ln>
+                  <a:noFill/>
+                </a:ln>
+                <a:solidFill>
+                  <a:srgbClr val="000000"/>
+                </a:solidFill>
+                <a:effectLst/>
+                <a:latin typeface="Consolas" panose="020B0609020204030204" pitchFamily="49" charset="0"/>
+              </a:rPr>
+              <a:t>, </a:t>
+            </a:r>
+            <a:r>
+              <a:rPr kumimoji="0" lang="en-US" altLang="en-US" sz="1300" b="1" i="0" u="none" strike="noStrike" cap="none" normalizeH="0" baseline="0" dirty="0">
+                <a:ln>
+                  <a:noFill/>
+                </a:ln>
+                <a:solidFill>
+                  <a:srgbClr val="008080"/>
+                </a:solidFill>
+                <a:effectLst/>
+                <a:latin typeface="Consolas" panose="020B0609020204030204" pitchFamily="49" charset="0"/>
+              </a:rPr>
+              <a:t>"North Dakota"</a:t>
+            </a:r>
+            <a:r>
+              <a:rPr kumimoji="0" lang="en-US" altLang="en-US" sz="1300" b="0" i="0" u="none" strike="noStrike" cap="none" normalizeH="0" baseline="0" dirty="0">
+                <a:ln>
+                  <a:noFill/>
+                </a:ln>
+                <a:solidFill>
+                  <a:srgbClr val="000000"/>
+                </a:solidFill>
+                <a:effectLst/>
+                <a:latin typeface="Consolas" panose="020B0609020204030204" pitchFamily="49" charset="0"/>
+              </a:rPr>
+              <a:t>, </a:t>
+            </a:r>
+            <a:r>
+              <a:rPr kumimoji="0" lang="en-US" altLang="en-US" sz="1300" b="1" i="0" u="none" strike="noStrike" cap="none" normalizeH="0" baseline="0" dirty="0">
+                <a:ln>
+                  <a:noFill/>
+                </a:ln>
+                <a:solidFill>
+                  <a:srgbClr val="008080"/>
+                </a:solidFill>
+                <a:effectLst/>
+                <a:latin typeface="Consolas" panose="020B0609020204030204" pitchFamily="49" charset="0"/>
+              </a:rPr>
+              <a:t>"Ohio"</a:t>
+            </a:r>
+            <a:r>
+              <a:rPr kumimoji="0" lang="en-US" altLang="en-US" sz="1300" b="0" i="0" u="none" strike="noStrike" cap="none" normalizeH="0" baseline="0" dirty="0">
+                <a:ln>
+                  <a:noFill/>
+                </a:ln>
+                <a:solidFill>
+                  <a:srgbClr val="000000"/>
+                </a:solidFill>
+                <a:effectLst/>
+                <a:latin typeface="Consolas" panose="020B0609020204030204" pitchFamily="49" charset="0"/>
+              </a:rPr>
+              <a:t>, </a:t>
+            </a:r>
+            <a:r>
+              <a:rPr kumimoji="0" lang="en-US" altLang="en-US" sz="1300" b="1" i="0" u="none" strike="noStrike" cap="none" normalizeH="0" baseline="0" dirty="0">
+                <a:ln>
+                  <a:noFill/>
+                </a:ln>
+                <a:solidFill>
+                  <a:srgbClr val="008080"/>
+                </a:solidFill>
+                <a:effectLst/>
+                <a:latin typeface="Consolas" panose="020B0609020204030204" pitchFamily="49" charset="0"/>
+              </a:rPr>
+              <a:t>"Oklahoma"</a:t>
+            </a:r>
+            <a:r>
+              <a:rPr kumimoji="0" lang="en-US" altLang="en-US" sz="1300" b="0" i="0" u="none" strike="noStrike" cap="none" normalizeH="0" baseline="0" dirty="0">
+                <a:ln>
+                  <a:noFill/>
+                </a:ln>
+                <a:solidFill>
+                  <a:srgbClr val="000000"/>
+                </a:solidFill>
+                <a:effectLst/>
+                <a:latin typeface="Consolas" panose="020B0609020204030204" pitchFamily="49" charset="0"/>
+              </a:rPr>
+              <a:t>, </a:t>
+            </a:r>
+            <a:r>
+              <a:rPr kumimoji="0" lang="en-US" altLang="en-US" sz="1300" b="1" i="0" u="none" strike="noStrike" cap="none" normalizeH="0" baseline="0" dirty="0">
+                <a:ln>
+                  <a:noFill/>
+                </a:ln>
+                <a:solidFill>
+                  <a:srgbClr val="008080"/>
+                </a:solidFill>
+                <a:effectLst/>
+                <a:latin typeface="Consolas" panose="020B0609020204030204" pitchFamily="49" charset="0"/>
+              </a:rPr>
+              <a:t>"Oregon"</a:t>
+            </a:r>
+            <a:r>
+              <a:rPr kumimoji="0" lang="en-US" altLang="en-US" sz="1300" b="0" i="0" u="none" strike="noStrike" cap="none" normalizeH="0" baseline="0" dirty="0">
+                <a:ln>
+                  <a:noFill/>
+                </a:ln>
+                <a:solidFill>
+                  <a:srgbClr val="000000"/>
+                </a:solidFill>
+                <a:effectLst/>
+                <a:latin typeface="Consolas" panose="020B0609020204030204" pitchFamily="49" charset="0"/>
+              </a:rPr>
+              <a:t>, </a:t>
+            </a:r>
+            <a:r>
+              <a:rPr kumimoji="0" lang="en-US" altLang="en-US" sz="1300" b="1" i="0" u="none" strike="noStrike" cap="none" normalizeH="0" baseline="0" dirty="0">
+                <a:ln>
+                  <a:noFill/>
+                </a:ln>
+                <a:solidFill>
+                  <a:srgbClr val="008080"/>
+                </a:solidFill>
+                <a:effectLst/>
+                <a:latin typeface="Consolas" panose="020B0609020204030204" pitchFamily="49" charset="0"/>
+              </a:rPr>
+              <a:t>"Pennsylvania"</a:t>
+            </a:r>
+            <a:r>
+              <a:rPr kumimoji="0" lang="en-US" altLang="en-US" sz="1300" b="0" i="0" u="none" strike="noStrike" cap="none" normalizeH="0" baseline="0" dirty="0">
+                <a:ln>
+                  <a:noFill/>
+                </a:ln>
+                <a:solidFill>
+                  <a:srgbClr val="000000"/>
+                </a:solidFill>
+                <a:effectLst/>
+                <a:latin typeface="Consolas" panose="020B0609020204030204" pitchFamily="49" charset="0"/>
+              </a:rPr>
+              <a:t>, </a:t>
+            </a:r>
+            <a:r>
+              <a:rPr kumimoji="0" lang="en-US" altLang="en-US" sz="1300" b="1" i="0" u="none" strike="noStrike" cap="none" normalizeH="0" baseline="0" dirty="0">
+                <a:ln>
+                  <a:noFill/>
+                </a:ln>
+                <a:solidFill>
+                  <a:srgbClr val="008080"/>
+                </a:solidFill>
+                <a:effectLst/>
+                <a:latin typeface="Consolas" panose="020B0609020204030204" pitchFamily="49" charset="0"/>
+              </a:rPr>
+              <a:t>"Puerto Rico"</a:t>
+            </a:r>
+            <a:r>
+              <a:rPr kumimoji="0" lang="en-US" altLang="en-US" sz="1300" b="0" i="0" u="none" strike="noStrike" cap="none" normalizeH="0" baseline="0" dirty="0">
+                <a:ln>
+                  <a:noFill/>
+                </a:ln>
+                <a:solidFill>
+                  <a:srgbClr val="000000"/>
+                </a:solidFill>
+                <a:effectLst/>
+                <a:latin typeface="Consolas" panose="020B0609020204030204" pitchFamily="49" charset="0"/>
+              </a:rPr>
+              <a:t>, </a:t>
+            </a:r>
+            <a:r>
+              <a:rPr kumimoji="0" lang="en-US" altLang="en-US" sz="1300" b="1" i="0" u="none" strike="noStrike" cap="none" normalizeH="0" baseline="0" dirty="0">
+                <a:ln>
+                  <a:noFill/>
+                </a:ln>
+                <a:solidFill>
+                  <a:srgbClr val="008080"/>
+                </a:solidFill>
+                <a:effectLst/>
+                <a:latin typeface="Consolas" panose="020B0609020204030204" pitchFamily="49" charset="0"/>
+              </a:rPr>
+              <a:t>"Rhode Island"</a:t>
+            </a:r>
+            <a:r>
+              <a:rPr kumimoji="0" lang="en-US" altLang="en-US" sz="1300" b="0" i="0" u="none" strike="noStrike" cap="none" normalizeH="0" baseline="0" dirty="0">
+                <a:ln>
+                  <a:noFill/>
+                </a:ln>
+                <a:solidFill>
+                  <a:srgbClr val="000000"/>
+                </a:solidFill>
+                <a:effectLst/>
+                <a:latin typeface="Consolas" panose="020B0609020204030204" pitchFamily="49" charset="0"/>
+              </a:rPr>
+              <a:t>, </a:t>
+            </a:r>
+            <a:r>
+              <a:rPr kumimoji="0" lang="en-US" altLang="en-US" sz="1300" b="1" i="0" u="none" strike="noStrike" cap="none" normalizeH="0" baseline="0" dirty="0">
+                <a:ln>
+                  <a:noFill/>
+                </a:ln>
+                <a:solidFill>
+                  <a:srgbClr val="008080"/>
+                </a:solidFill>
+                <a:effectLst/>
+                <a:latin typeface="Consolas" panose="020B0609020204030204" pitchFamily="49" charset="0"/>
+              </a:rPr>
+              <a:t>"South Carolina"</a:t>
+            </a:r>
+            <a:r>
+              <a:rPr kumimoji="0" lang="en-US" altLang="en-US" sz="1300" b="0" i="0" u="none" strike="noStrike" cap="none" normalizeH="0" baseline="0" dirty="0">
+                <a:ln>
+                  <a:noFill/>
+                </a:ln>
+                <a:solidFill>
+                  <a:srgbClr val="000000"/>
+                </a:solidFill>
+                <a:effectLst/>
+                <a:latin typeface="Consolas" panose="020B0609020204030204" pitchFamily="49" charset="0"/>
+              </a:rPr>
+              <a:t>, </a:t>
+            </a:r>
+            <a:r>
+              <a:rPr kumimoji="0" lang="en-US" altLang="en-US" sz="1300" b="1" i="0" u="none" strike="noStrike" cap="none" normalizeH="0" baseline="0" dirty="0">
+                <a:ln>
+                  <a:noFill/>
+                </a:ln>
+                <a:solidFill>
+                  <a:srgbClr val="008080"/>
+                </a:solidFill>
+                <a:effectLst/>
+                <a:latin typeface="Consolas" panose="020B0609020204030204" pitchFamily="49" charset="0"/>
+              </a:rPr>
+              <a:t>"South Dakota"</a:t>
+            </a:r>
+            <a:r>
+              <a:rPr kumimoji="0" lang="en-US" altLang="en-US" sz="1300" b="0" i="0" u="none" strike="noStrike" cap="none" normalizeH="0" baseline="0" dirty="0">
+                <a:ln>
+                  <a:noFill/>
+                </a:ln>
+                <a:solidFill>
+                  <a:srgbClr val="000000"/>
+                </a:solidFill>
+                <a:effectLst/>
+                <a:latin typeface="Consolas" panose="020B0609020204030204" pitchFamily="49" charset="0"/>
+              </a:rPr>
+              <a:t>, </a:t>
+            </a:r>
+            <a:r>
+              <a:rPr kumimoji="0" lang="en-US" altLang="en-US" sz="1300" b="1" i="0" u="none" strike="noStrike" cap="none" normalizeH="0" baseline="0" dirty="0">
+                <a:ln>
+                  <a:noFill/>
+                </a:ln>
+                <a:solidFill>
+                  <a:srgbClr val="008080"/>
+                </a:solidFill>
+                <a:effectLst/>
+                <a:latin typeface="Consolas" panose="020B0609020204030204" pitchFamily="49" charset="0"/>
+              </a:rPr>
+              <a:t>"Tennessee"</a:t>
+            </a:r>
+            <a:r>
+              <a:rPr kumimoji="0" lang="en-US" altLang="en-US" sz="1300" b="0" i="0" u="none" strike="noStrike" cap="none" normalizeH="0" baseline="0" dirty="0">
+                <a:ln>
+                  <a:noFill/>
+                </a:ln>
+                <a:solidFill>
+                  <a:srgbClr val="000000"/>
+                </a:solidFill>
+                <a:effectLst/>
+                <a:latin typeface="Consolas" panose="020B0609020204030204" pitchFamily="49" charset="0"/>
+              </a:rPr>
+              <a:t>, </a:t>
+            </a:r>
+            <a:r>
+              <a:rPr kumimoji="0" lang="en-US" altLang="en-US" sz="1300" b="1" i="0" u="none" strike="noStrike" cap="none" normalizeH="0" baseline="0" dirty="0">
+                <a:ln>
+                  <a:noFill/>
+                </a:ln>
+                <a:solidFill>
+                  <a:srgbClr val="008080"/>
+                </a:solidFill>
+                <a:effectLst/>
+                <a:latin typeface="Consolas" panose="020B0609020204030204" pitchFamily="49" charset="0"/>
+              </a:rPr>
+              <a:t>"Texas"</a:t>
+            </a:r>
+            <a:r>
+              <a:rPr kumimoji="0" lang="en-US" altLang="en-US" sz="1300" b="0" i="0" u="none" strike="noStrike" cap="none" normalizeH="0" baseline="0" dirty="0">
+                <a:ln>
+                  <a:noFill/>
+                </a:ln>
+                <a:solidFill>
+                  <a:srgbClr val="000000"/>
+                </a:solidFill>
+                <a:effectLst/>
+                <a:latin typeface="Consolas" panose="020B0609020204030204" pitchFamily="49" charset="0"/>
+              </a:rPr>
+              <a:t>, </a:t>
+            </a:r>
+            <a:r>
+              <a:rPr kumimoji="0" lang="en-US" altLang="en-US" sz="1300" b="1" i="0" u="none" strike="noStrike" cap="none" normalizeH="0" baseline="0" dirty="0">
+                <a:ln>
+                  <a:noFill/>
+                </a:ln>
+                <a:solidFill>
+                  <a:srgbClr val="008080"/>
+                </a:solidFill>
+                <a:effectLst/>
+                <a:latin typeface="Consolas" panose="020B0609020204030204" pitchFamily="49" charset="0"/>
+              </a:rPr>
+              <a:t>"Utah"</a:t>
+            </a:r>
+            <a:r>
+              <a:rPr kumimoji="0" lang="en-US" altLang="en-US" sz="1300" b="0" i="0" u="none" strike="noStrike" cap="none" normalizeH="0" baseline="0" dirty="0">
+                <a:ln>
+                  <a:noFill/>
+                </a:ln>
+                <a:solidFill>
+                  <a:srgbClr val="000000"/>
+                </a:solidFill>
+                <a:effectLst/>
+                <a:latin typeface="Consolas" panose="020B0609020204030204" pitchFamily="49" charset="0"/>
+              </a:rPr>
+              <a:t>, </a:t>
+            </a:r>
+            <a:r>
+              <a:rPr kumimoji="0" lang="en-US" altLang="en-US" sz="1300" b="1" i="0" u="none" strike="noStrike" cap="none" normalizeH="0" baseline="0" dirty="0">
+                <a:ln>
+                  <a:noFill/>
+                </a:ln>
+                <a:solidFill>
+                  <a:srgbClr val="008080"/>
+                </a:solidFill>
+                <a:effectLst/>
+                <a:latin typeface="Consolas" panose="020B0609020204030204" pitchFamily="49" charset="0"/>
+              </a:rPr>
+              <a:t>"Vermont"</a:t>
+            </a:r>
+            <a:r>
+              <a:rPr kumimoji="0" lang="en-US" altLang="en-US" sz="1300" b="0" i="0" u="none" strike="noStrike" cap="none" normalizeH="0" baseline="0" dirty="0">
+                <a:ln>
+                  <a:noFill/>
+                </a:ln>
+                <a:solidFill>
+                  <a:srgbClr val="000000"/>
+                </a:solidFill>
+                <a:effectLst/>
+                <a:latin typeface="Consolas" panose="020B0609020204030204" pitchFamily="49" charset="0"/>
+              </a:rPr>
+              <a:t>, </a:t>
+            </a:r>
+            <a:r>
+              <a:rPr kumimoji="0" lang="en-US" altLang="en-US" sz="1300" b="1" i="0" u="none" strike="noStrike" cap="none" normalizeH="0" baseline="0" dirty="0">
+                <a:ln>
+                  <a:noFill/>
+                </a:ln>
+                <a:solidFill>
+                  <a:srgbClr val="008080"/>
+                </a:solidFill>
+                <a:effectLst/>
+                <a:latin typeface="Consolas" panose="020B0609020204030204" pitchFamily="49" charset="0"/>
+              </a:rPr>
+              <a:t>"Virginia"</a:t>
+            </a:r>
+            <a:r>
+              <a:rPr kumimoji="0" lang="en-US" altLang="en-US" sz="1300" b="0" i="0" u="none" strike="noStrike" cap="none" normalizeH="0" baseline="0" dirty="0">
+                <a:ln>
+                  <a:noFill/>
+                </a:ln>
+                <a:solidFill>
+                  <a:srgbClr val="000000"/>
+                </a:solidFill>
+                <a:effectLst/>
+                <a:latin typeface="Consolas" panose="020B0609020204030204" pitchFamily="49" charset="0"/>
+              </a:rPr>
+              <a:t>, </a:t>
+            </a:r>
+            <a:r>
+              <a:rPr kumimoji="0" lang="en-US" altLang="en-US" sz="1300" b="1" i="0" u="none" strike="noStrike" cap="none" normalizeH="0" baseline="0" dirty="0">
+                <a:ln>
+                  <a:noFill/>
+                </a:ln>
+                <a:solidFill>
+                  <a:srgbClr val="008080"/>
+                </a:solidFill>
+                <a:effectLst/>
+                <a:latin typeface="Consolas" panose="020B0609020204030204" pitchFamily="49" charset="0"/>
+              </a:rPr>
+              <a:t>"Washington"</a:t>
+            </a:r>
+            <a:r>
+              <a:rPr kumimoji="0" lang="en-US" altLang="en-US" sz="1300" b="0" i="0" u="none" strike="noStrike" cap="none" normalizeH="0" baseline="0" dirty="0">
+                <a:ln>
+                  <a:noFill/>
+                </a:ln>
+                <a:solidFill>
+                  <a:srgbClr val="000000"/>
+                </a:solidFill>
+                <a:effectLst/>
+                <a:latin typeface="Consolas" panose="020B0609020204030204" pitchFamily="49" charset="0"/>
+              </a:rPr>
+              <a:t>, </a:t>
+            </a:r>
+            <a:r>
+              <a:rPr kumimoji="0" lang="en-US" altLang="en-US" sz="1300" b="1" i="0" u="none" strike="noStrike" cap="none" normalizeH="0" baseline="0" dirty="0">
+                <a:ln>
+                  <a:noFill/>
+                </a:ln>
+                <a:solidFill>
+                  <a:srgbClr val="008080"/>
+                </a:solidFill>
+                <a:effectLst/>
+                <a:latin typeface="Consolas" panose="020B0609020204030204" pitchFamily="49" charset="0"/>
+              </a:rPr>
+              <a:t>"West Virginia"</a:t>
+            </a:r>
+            <a:r>
+              <a:rPr kumimoji="0" lang="en-US" altLang="en-US" sz="1300" b="0" i="0" u="none" strike="noStrike" cap="none" normalizeH="0" baseline="0" dirty="0">
+                <a:ln>
+                  <a:noFill/>
+                </a:ln>
+                <a:solidFill>
+                  <a:srgbClr val="000000"/>
+                </a:solidFill>
+                <a:effectLst/>
+                <a:latin typeface="Consolas" panose="020B0609020204030204" pitchFamily="49" charset="0"/>
+              </a:rPr>
+              <a:t>, </a:t>
+            </a:r>
+            <a:r>
+              <a:rPr kumimoji="0" lang="en-US" altLang="en-US" sz="1300" b="1" i="0" u="none" strike="noStrike" cap="none" normalizeH="0" baseline="0" dirty="0">
+                <a:ln>
+                  <a:noFill/>
+                </a:ln>
+                <a:solidFill>
+                  <a:srgbClr val="008080"/>
+                </a:solidFill>
+                <a:effectLst/>
+                <a:latin typeface="Consolas" panose="020B0609020204030204" pitchFamily="49" charset="0"/>
+              </a:rPr>
+              <a:t>"Wisconsin"</a:t>
+            </a:r>
+            <a:endParaRPr kumimoji="0" lang="en-US" altLang="en-US" sz="1800" b="0" i="0" u="none" strike="noStrike" cap="none" normalizeH="0" baseline="0" dirty="0">
+              <a:ln>
+                <a:noFill/>
+              </a:ln>
+              <a:solidFill>
+                <a:schemeClr val="tx1"/>
+              </a:solidFill>
+              <a:effectLst/>
+              <a:latin typeface="Arial" panose="020B0604020202020204" pitchFamily="34" charset="0"/>
+            </a:endParaRPr>
+          </a:p>
+        </p:txBody>
+      </p:sp>
       <p:pic>
         <p:nvPicPr>
-          <p:cNvPr id="4" name="그림 3">
-            <a:extLst>
-              <a:ext uri="{FF2B5EF4-FFF2-40B4-BE49-F238E27FC236}">
-                <a16:creationId xmlns:a16="http://schemas.microsoft.com/office/drawing/2014/main" id="{6E92F9E8-C090-48CA-A1D1-54939F31A2C1}"/>
+          <p:cNvPr id="6" name="그림 5">
+            <a:extLst>
+              <a:ext uri="{FF2B5EF4-FFF2-40B4-BE49-F238E27FC236}">
+                <a16:creationId xmlns:a16="http://schemas.microsoft.com/office/drawing/2014/main" id="{2E3A2038-BD0E-4E9E-9517-9B1F76660BE1}"/>
               </a:ext>
             </a:extLst>
           </p:cNvPr>
@@ -42928,80 +42600,8 @@
         </p:blipFill>
         <p:spPr>
           <a:xfrm>
-            <a:off x="167148" y="0"/>
-            <a:ext cx="11857703" cy="6858000"/>
-          </a:xfrm>
-          <a:prstGeom prst="rect">
-            <a:avLst/>
-          </a:prstGeom>
-        </p:spPr>
-      </p:pic>
-      <p:pic>
-        <p:nvPicPr>
-          <p:cNvPr id="6" name="그림 5">
-            <a:extLst>
-              <a:ext uri="{FF2B5EF4-FFF2-40B4-BE49-F238E27FC236}">
-                <a16:creationId xmlns:a16="http://schemas.microsoft.com/office/drawing/2014/main" id="{35E1EA2B-59C5-4219-9816-B6E4B68976E7}"/>
-              </a:ext>
-            </a:extLst>
-          </p:cNvPr>
-          <p:cNvPicPr>
-            <a:picLocks noChangeAspect="1"/>
-          </p:cNvPicPr>
-          <p:nvPr/>
-        </p:nvPicPr>
-        <p:blipFill>
-          <a:blip r:embed="rId3">
-            <a:extLst>
-              <a:ext uri="{28A0092B-C50C-407E-A947-70E740481C1C}">
-                <a14:useLocalDpi xmlns:a14="http://schemas.microsoft.com/office/drawing/2010/main" val="0"/>
-              </a:ext>
-            </a:extLst>
-          </a:blip>
-          <a:stretch>
-            <a:fillRect/>
-          </a:stretch>
-        </p:blipFill>
-        <p:spPr>
-          <a:xfrm>
-            <a:off x="2603853" y="124094"/>
-            <a:ext cx="2142317" cy="1071159"/>
-          </a:xfrm>
-          <a:prstGeom prst="rect">
-            <a:avLst/>
-          </a:prstGeom>
-        </p:spPr>
-      </p:pic>
-      <p:pic>
-        <p:nvPicPr>
-          <p:cNvPr id="5" name="그림 4">
-            <a:extLst>
-              <a:ext uri="{FF2B5EF4-FFF2-40B4-BE49-F238E27FC236}">
-                <a16:creationId xmlns:a16="http://schemas.microsoft.com/office/drawing/2014/main" id="{3DA0E2DC-FD53-4D41-89EB-101EB807D49D}"/>
-              </a:ext>
-            </a:extLst>
-          </p:cNvPr>
-          <p:cNvPicPr>
-            <a:picLocks noChangeAspect="1"/>
-          </p:cNvPicPr>
-          <p:nvPr/>
-        </p:nvPicPr>
-        <p:blipFill>
-          <a:blip r:embed="rId4">
-            <a:extLst>
-              <a:ext uri="{28A0092B-C50C-407E-A947-70E740481C1C}">
-                <a14:useLocalDpi xmlns:a14="http://schemas.microsoft.com/office/drawing/2010/main" val="0"/>
-              </a:ext>
-            </a:extLst>
-          </a:blip>
-          <a:stretch>
-            <a:fillRect/>
-          </a:stretch>
-        </p:blipFill>
-        <p:spPr>
-          <a:xfrm>
-            <a:off x="4453581" y="1195252"/>
-            <a:ext cx="2142317" cy="1071159"/>
+            <a:off x="120367" y="1310168"/>
+            <a:ext cx="9668067" cy="5547831"/>
           </a:xfrm>
           <a:prstGeom prst="rect">
             <a:avLst/>
@@ -43013,7 +42613,7 @@
           <p:cNvPr id="7" name="그림 6">
             <a:extLst>
               <a:ext uri="{FF2B5EF4-FFF2-40B4-BE49-F238E27FC236}">
-                <a16:creationId xmlns:a16="http://schemas.microsoft.com/office/drawing/2014/main" id="{C09CB80E-0165-4D5A-A5D1-ED49F6618050}"/>
+                <a16:creationId xmlns:a16="http://schemas.microsoft.com/office/drawing/2014/main" id="{8EE08E89-5D37-4F28-A213-57E08900F635}"/>
               </a:ext>
             </a:extLst>
           </p:cNvPr>
@@ -43023,129 +42623,15 @@
           <p:nvPr/>
         </p:nvPicPr>
         <p:blipFill>
-          <a:blip r:embed="rId5">
-            <a:extLst>
-              <a:ext uri="{28A0092B-C50C-407E-A947-70E740481C1C}">
-                <a14:useLocalDpi xmlns:a14="http://schemas.microsoft.com/office/drawing/2010/main" val="0"/>
-              </a:ext>
-            </a:extLst>
-          </a:blip>
+          <a:blip r:embed="rId3"/>
           <a:stretch>
             <a:fillRect/>
           </a:stretch>
         </p:blipFill>
         <p:spPr>
           <a:xfrm>
-            <a:off x="975351" y="1195253"/>
-            <a:ext cx="2142317" cy="1071159"/>
-          </a:xfrm>
-          <a:prstGeom prst="rect">
-            <a:avLst/>
-          </a:prstGeom>
-        </p:spPr>
-      </p:pic>
-      <p:pic>
-        <p:nvPicPr>
-          <p:cNvPr id="8" name="그림 7">
-            <a:extLst>
-              <a:ext uri="{FF2B5EF4-FFF2-40B4-BE49-F238E27FC236}">
-                <a16:creationId xmlns:a16="http://schemas.microsoft.com/office/drawing/2014/main" id="{F5A19321-1621-44E9-9B65-1C09CA327761}"/>
-              </a:ext>
-            </a:extLst>
-          </p:cNvPr>
-          <p:cNvPicPr>
-            <a:picLocks noChangeAspect="1"/>
-          </p:cNvPicPr>
-          <p:nvPr/>
-        </p:nvPicPr>
-        <p:blipFill>
-          <a:blip r:embed="rId6">
-            <a:extLst>
-              <a:ext uri="{28A0092B-C50C-407E-A947-70E740481C1C}">
-                <a14:useLocalDpi xmlns:a14="http://schemas.microsoft.com/office/drawing/2010/main" val="0"/>
-              </a:ext>
-            </a:extLst>
-          </a:blip>
-          <a:stretch>
-            <a:fillRect/>
-          </a:stretch>
-        </p:blipFill>
-        <p:spPr>
-          <a:xfrm>
-            <a:off x="6192696" y="124092"/>
-            <a:ext cx="2142317" cy="1071159"/>
-          </a:xfrm>
-          <a:prstGeom prst="rect">
-            <a:avLst/>
-          </a:prstGeom>
-        </p:spPr>
-      </p:pic>
-      <p:pic>
-        <p:nvPicPr>
-          <p:cNvPr id="9" name="그림 8">
-            <a:extLst>
-              <a:ext uri="{FF2B5EF4-FFF2-40B4-BE49-F238E27FC236}">
-                <a16:creationId xmlns:a16="http://schemas.microsoft.com/office/drawing/2014/main" id="{34DEA487-1C98-4F35-907D-632ECC949805}"/>
-              </a:ext>
-            </a:extLst>
-          </p:cNvPr>
-          <p:cNvPicPr>
-            <a:picLocks noChangeAspect="1"/>
-          </p:cNvPicPr>
-          <p:nvPr/>
-        </p:nvPicPr>
-        <p:blipFill>
-          <a:blip r:embed="rId7">
-            <a:extLst>
-              <a:ext uri="{28A0092B-C50C-407E-A947-70E740481C1C}">
-                <a14:useLocalDpi xmlns:a14="http://schemas.microsoft.com/office/drawing/2010/main" val="0"/>
-              </a:ext>
-            </a:extLst>
-          </a:blip>
-          <a:stretch>
-            <a:fillRect/>
-          </a:stretch>
-        </p:blipFill>
-        <p:spPr>
-          <a:xfrm>
-            <a:off x="7931811" y="1195251"/>
-            <a:ext cx="2142317" cy="1071159"/>
-          </a:xfrm>
-          <a:prstGeom prst="rect">
-            <a:avLst/>
-          </a:prstGeom>
-        </p:spPr>
-      </p:pic>
-      <p:pic>
-        <p:nvPicPr>
-          <p:cNvPr id="10" name="그림 9">
-            <a:extLst>
-              <a:ext uri="{FF2B5EF4-FFF2-40B4-BE49-F238E27FC236}">
-                <a16:creationId xmlns:a16="http://schemas.microsoft.com/office/drawing/2014/main" id="{52830CEB-770A-4B66-AB8B-D5DB5442567D}"/>
-              </a:ext>
-            </a:extLst>
-          </p:cNvPr>
-          <p:cNvPicPr>
-            <a:picLocks noChangeAspect="1"/>
-          </p:cNvPicPr>
-          <p:nvPr/>
-        </p:nvPicPr>
-        <p:blipFill>
-          <a:blip r:embed="rId8">
-            <a:extLst>
-              <a:ext uri="{28A0092B-C50C-407E-A947-70E740481C1C}">
-                <a14:useLocalDpi xmlns:a14="http://schemas.microsoft.com/office/drawing/2010/main" val="0"/>
-              </a:ext>
-            </a:extLst>
-          </a:blip>
-          <a:stretch>
-            <a:fillRect/>
-          </a:stretch>
-        </p:blipFill>
-        <p:spPr>
-          <a:xfrm>
-            <a:off x="9786737" y="124092"/>
-            <a:ext cx="2142317" cy="1071159"/>
+            <a:off x="5606767" y="1720586"/>
+            <a:ext cx="6384936" cy="3683081"/>
           </a:xfrm>
           <a:prstGeom prst="rect">
             <a:avLst/>
@@ -43154,10 +42640,10 @@
       </p:pic>
       <p:sp>
         <p:nvSpPr>
-          <p:cNvPr id="11" name="직사각형 10">
-            <a:extLst>
-              <a:ext uri="{FF2B5EF4-FFF2-40B4-BE49-F238E27FC236}">
-                <a16:creationId xmlns:a16="http://schemas.microsoft.com/office/drawing/2014/main" id="{5A341BB0-26FA-4D91-86DA-5205BABF55F6}"/>
+          <p:cNvPr id="8" name="직사각형 7">
+            <a:extLst>
+              <a:ext uri="{FF2B5EF4-FFF2-40B4-BE49-F238E27FC236}">
+                <a16:creationId xmlns:a16="http://schemas.microsoft.com/office/drawing/2014/main" id="{C31703D3-295E-46B9-BAFA-AB1397099141}"/>
               </a:ext>
             </a:extLst>
           </p:cNvPr>
@@ -43166,22 +42652,36 @@
         </p:nvSpPr>
         <p:spPr>
           <a:xfrm>
-            <a:off x="975351" y="6144292"/>
-            <a:ext cx="9374682" cy="369332"/>
+            <a:off x="2194560" y="2207544"/>
+            <a:ext cx="2203269" cy="1200329"/>
           </a:xfrm>
           <a:prstGeom prst="rect">
             <a:avLst/>
           </a:prstGeom>
         </p:spPr>
+        <p:style>
+          <a:lnRef idx="2">
+            <a:schemeClr val="accent1"/>
+          </a:lnRef>
+          <a:fillRef idx="1">
+            <a:schemeClr val="lt1"/>
+          </a:fillRef>
+          <a:effectRef idx="0">
+            <a:schemeClr val="accent1"/>
+          </a:effectRef>
+          <a:fontRef idx="minor">
+            <a:schemeClr val="dk1"/>
+          </a:fontRef>
+        </p:style>
         <p:txBody>
-          <a:bodyPr wrap="none">
+          <a:bodyPr wrap="square">
             <a:spAutoFit/>
           </a:bodyPr>
           <a:lstStyle/>
           <a:p>
             <a:r>
               <a:rPr lang="en-US" dirty="0"/>
-              <a:t>350       	              600  	             2000 	           30000 	          800 	          400</a:t>
+              <a:t>Train Length[3929]  Prediction Length[54]  Input Windows[20]  MAE Score[0.1027]</a:t>
             </a:r>
           </a:p>
         </p:txBody>
@@ -43189,7 +42689,7 @@
     </p:spTree>
     <p:extLst>
       <p:ext uri="{BB962C8B-B14F-4D97-AF65-F5344CB8AC3E}">
-        <p14:creationId xmlns:p14="http://schemas.microsoft.com/office/powerpoint/2010/main" val="2576703144"/>
+        <p14:creationId xmlns:p14="http://schemas.microsoft.com/office/powerpoint/2010/main" val="3180287181"/>
       </p:ext>
     </p:extLst>
   </p:cSld>
@@ -43216,653 +42716,12 @@
           <a:chExt cx="0" cy="0"/>
         </a:xfrm>
       </p:grpSpPr>
-      <p:sp>
-        <p:nvSpPr>
-          <p:cNvPr id="4" name="직사각형 3">
-            <a:extLst>
-              <a:ext uri="{FF2B5EF4-FFF2-40B4-BE49-F238E27FC236}">
-                <a16:creationId xmlns:a16="http://schemas.microsoft.com/office/drawing/2014/main" id="{3F23F561-7055-4362-9F2B-C95C8A98C9D7}"/>
-              </a:ext>
-            </a:extLst>
-          </p:cNvPr>
-          <p:cNvSpPr/>
-          <p:nvPr/>
-        </p:nvSpPr>
-        <p:spPr>
-          <a:xfrm>
-            <a:off x="291611" y="826851"/>
-            <a:ext cx="10855850" cy="1754326"/>
-          </a:xfrm>
-          <a:prstGeom prst="rect">
-            <a:avLst/>
-          </a:prstGeom>
-        </p:spPr>
-        <p:txBody>
-          <a:bodyPr wrap="square">
-            <a:spAutoFit/>
-          </a:bodyPr>
-          <a:lstStyle/>
-          <a:p>
-            <a:r>
-              <a:rPr lang="en-US" dirty="0"/>
-              <a:t>[1.03244853] Train Length[372]  Prediction Length[54]  Input Windows[20]  MAE Score[0.0913]</a:t>
-            </a:r>
-          </a:p>
-          <a:p>
-            <a:r>
-              <a:rPr lang="en-US" dirty="0"/>
-              <a:t>[1.03244853] Train Length[372]  Prediction Length[54]  Input Windows[20]  MAE Score[0.0908]</a:t>
-            </a:r>
-          </a:p>
-          <a:p>
-            <a:r>
-              <a:rPr lang="en-US" dirty="0"/>
-              <a:t>[1.03244853] Train Length[372]  Prediction Length[54]  Input Windows[20]  MAE Score[0.0908]</a:t>
-            </a:r>
-          </a:p>
-          <a:p>
-            <a:r>
-              <a:rPr lang="en-US" dirty="0"/>
-              <a:t>[1.03283769] Train Length[372]  Prediction Length[54]  Input Windows[20]  MAE Score[0.0913]</a:t>
-            </a:r>
-          </a:p>
-          <a:p>
-            <a:r>
-              <a:rPr lang="en-US" dirty="0"/>
-              <a:t>[1.03287798] Train Length[372]  Prediction Length[54]  Input Windows[20]  MAE Score[0.0913]</a:t>
-            </a:r>
-          </a:p>
-          <a:p>
-            <a:endParaRPr lang="en-US" dirty="0"/>
-          </a:p>
-        </p:txBody>
-      </p:sp>
-      <p:sp>
-        <p:nvSpPr>
-          <p:cNvPr id="5" name="Rectangle 1">
-            <a:extLst>
-              <a:ext uri="{FF2B5EF4-FFF2-40B4-BE49-F238E27FC236}">
-                <a16:creationId xmlns:a16="http://schemas.microsoft.com/office/drawing/2014/main" id="{EFB78718-E41C-4957-A4C9-46C5E8DE243E}"/>
-              </a:ext>
-            </a:extLst>
-          </p:cNvPr>
-          <p:cNvSpPr>
-            <a:spLocks noChangeArrowheads="1"/>
-          </p:cNvSpPr>
-          <p:nvPr/>
-        </p:nvSpPr>
-        <p:spPr bwMode="auto">
-          <a:xfrm>
-            <a:off x="0" y="0"/>
-            <a:ext cx="12192000" cy="457200"/>
-          </a:xfrm>
-          <a:prstGeom prst="rect">
-            <a:avLst/>
-          </a:prstGeom>
-          <a:solidFill>
-            <a:srgbClr val="FFFFFF"/>
-          </a:solidFill>
-          <a:ln>
-            <a:noFill/>
-          </a:ln>
-          <a:effectLst/>
-          <a:extLst>
-            <a:ext uri="{91240B29-F687-4F45-9708-019B960494DF}">
-              <a14:hiddenLine xmlns:a14="http://schemas.microsoft.com/office/drawing/2010/main" w="9525">
-                <a:solidFill>
-                  <a:schemeClr val="tx1"/>
-                </a:solidFill>
-                <a:miter lim="800000"/>
-                <a:headEnd/>
-                <a:tailEnd/>
-              </a14:hiddenLine>
-            </a:ext>
-            <a:ext uri="{AF507438-7753-43E0-B8FC-AC1667EBCBE1}">
-              <a14:hiddenEffects xmlns:a14="http://schemas.microsoft.com/office/drawing/2010/main">
-                <a:effectLst>
-                  <a:outerShdw dist="35921" dir="2700000" algn="ctr" rotWithShape="0">
-                    <a:schemeClr val="bg2"/>
-                  </a:outerShdw>
-                </a:effectLst>
-              </a14:hiddenEffects>
-            </a:ext>
-          </a:extLst>
-        </p:spPr>
-        <p:txBody>
-          <a:bodyPr vert="horz" wrap="none" lIns="91440" tIns="45720" rIns="91440" bIns="45720" numCol="1" anchor="ctr" anchorCtr="0" compatLnSpc="1">
-            <a:prstTxWarp prst="textNoShape">
-              <a:avLst/>
-            </a:prstTxWarp>
-            <a:spAutoFit/>
-          </a:bodyPr>
-          <a:lstStyle/>
-          <a:p>
-            <a:pPr marL="0" marR="0" lvl="0" indent="0" algn="l" defTabSz="914400" rtl="0" eaLnBrk="0" fontAlgn="base" latinLnBrk="0" hangingPunct="0">
-              <a:lnSpc>
-                <a:spcPct val="100000"/>
-              </a:lnSpc>
-              <a:spcBef>
-                <a:spcPct val="0"/>
-              </a:spcBef>
-              <a:spcAft>
-                <a:spcPct val="0"/>
-              </a:spcAft>
-              <a:buClrTx/>
-              <a:buSzTx/>
-              <a:buFontTx/>
-              <a:buNone/>
-              <a:tabLst/>
-            </a:pPr>
-            <a:r>
-              <a:rPr kumimoji="0" lang="en-US" altLang="en-US" sz="1300" b="1" i="0" u="none" strike="noStrike" cap="none" normalizeH="0" baseline="0" dirty="0">
-                <a:ln>
-                  <a:noFill/>
-                </a:ln>
-                <a:solidFill>
-                  <a:srgbClr val="008080"/>
-                </a:solidFill>
-                <a:effectLst/>
-                <a:latin typeface="Consolas" panose="020B0609020204030204" pitchFamily="49" charset="0"/>
-              </a:rPr>
-              <a:t>"Alaska"</a:t>
-            </a:r>
-            <a:r>
-              <a:rPr kumimoji="0" lang="en-US" altLang="en-US" sz="1300" b="0" i="0" u="none" strike="noStrike" cap="none" normalizeH="0" baseline="0" dirty="0">
-                <a:ln>
-                  <a:noFill/>
-                </a:ln>
-                <a:solidFill>
-                  <a:srgbClr val="000000"/>
-                </a:solidFill>
-                <a:effectLst/>
-                <a:latin typeface="Consolas" panose="020B0609020204030204" pitchFamily="49" charset="0"/>
-              </a:rPr>
-              <a:t>, </a:t>
-            </a:r>
-            <a:r>
-              <a:rPr kumimoji="0" lang="en-US" altLang="en-US" sz="1300" b="1" i="0" u="none" strike="noStrike" cap="none" normalizeH="0" baseline="0" dirty="0">
-                <a:ln>
-                  <a:noFill/>
-                </a:ln>
-                <a:solidFill>
-                  <a:srgbClr val="008080"/>
-                </a:solidFill>
-                <a:effectLst/>
-                <a:latin typeface="Consolas" panose="020B0609020204030204" pitchFamily="49" charset="0"/>
-              </a:rPr>
-              <a:t>"Hawaii"</a:t>
-            </a:r>
-            <a:r>
-              <a:rPr kumimoji="0" lang="en-US" altLang="en-US" sz="1300" b="0" i="0" u="none" strike="noStrike" cap="none" normalizeH="0" baseline="0" dirty="0">
-                <a:ln>
-                  <a:noFill/>
-                </a:ln>
-                <a:solidFill>
-                  <a:srgbClr val="000000"/>
-                </a:solidFill>
-                <a:effectLst/>
-                <a:latin typeface="Consolas" panose="020B0609020204030204" pitchFamily="49" charset="0"/>
-              </a:rPr>
-              <a:t>, </a:t>
-            </a:r>
-            <a:r>
-              <a:rPr kumimoji="0" lang="en-US" altLang="en-US" sz="1300" b="1" i="0" u="none" strike="noStrike" cap="none" normalizeH="0" baseline="0" dirty="0">
-                <a:ln>
-                  <a:noFill/>
-                </a:ln>
-                <a:solidFill>
-                  <a:srgbClr val="008080"/>
-                </a:solidFill>
-                <a:effectLst/>
-                <a:latin typeface="Consolas" panose="020B0609020204030204" pitchFamily="49" charset="0"/>
-              </a:rPr>
-              <a:t>"Idaho"</a:t>
-            </a:r>
-            <a:r>
-              <a:rPr kumimoji="0" lang="en-US" altLang="en-US" sz="1300" b="0" i="0" u="none" strike="noStrike" cap="none" normalizeH="0" baseline="0" dirty="0">
-                <a:ln>
-                  <a:noFill/>
-                </a:ln>
-                <a:solidFill>
-                  <a:srgbClr val="000000"/>
-                </a:solidFill>
-                <a:effectLst/>
-                <a:latin typeface="Consolas" panose="020B0609020204030204" pitchFamily="49" charset="0"/>
-              </a:rPr>
-              <a:t>, </a:t>
-            </a:r>
-            <a:r>
-              <a:rPr kumimoji="0" lang="en-US" altLang="en-US" sz="1300" b="1" i="0" u="none" strike="noStrike" cap="none" normalizeH="0" baseline="0" dirty="0">
-                <a:ln>
-                  <a:noFill/>
-                </a:ln>
-                <a:solidFill>
-                  <a:srgbClr val="008080"/>
-                </a:solidFill>
-                <a:effectLst/>
-                <a:latin typeface="Consolas" panose="020B0609020204030204" pitchFamily="49" charset="0"/>
-              </a:rPr>
-              <a:t>"Louisiana"</a:t>
-            </a:r>
-            <a:r>
-              <a:rPr kumimoji="0" lang="en-US" altLang="en-US" sz="1300" b="0" i="0" u="none" strike="noStrike" cap="none" normalizeH="0" baseline="0" dirty="0">
-                <a:ln>
-                  <a:noFill/>
-                </a:ln>
-                <a:solidFill>
-                  <a:srgbClr val="000000"/>
-                </a:solidFill>
-                <a:effectLst/>
-                <a:latin typeface="Consolas" panose="020B0609020204030204" pitchFamily="49" charset="0"/>
-              </a:rPr>
-              <a:t>, </a:t>
-            </a:r>
-            <a:r>
-              <a:rPr kumimoji="0" lang="en-US" altLang="en-US" sz="1300" b="1" i="0" u="none" strike="noStrike" cap="none" normalizeH="0" baseline="0" dirty="0">
-                <a:ln>
-                  <a:noFill/>
-                </a:ln>
-                <a:solidFill>
-                  <a:srgbClr val="008080"/>
-                </a:solidFill>
-                <a:effectLst/>
-                <a:latin typeface="Consolas" panose="020B0609020204030204" pitchFamily="49" charset="0"/>
-              </a:rPr>
-              <a:t>"Vermont"</a:t>
-            </a:r>
-            <a:endParaRPr kumimoji="0" lang="en-US" altLang="en-US" sz="1800" b="0" i="0" u="none" strike="noStrike" cap="none" normalizeH="0" baseline="0" dirty="0">
-              <a:ln>
-                <a:noFill/>
-              </a:ln>
-              <a:solidFill>
-                <a:schemeClr val="tx1"/>
-              </a:solidFill>
-              <a:effectLst/>
-              <a:latin typeface="Arial" panose="020B0604020202020204" pitchFamily="34" charset="0"/>
-            </a:endParaRPr>
-          </a:p>
-        </p:txBody>
-      </p:sp>
-      <p:sp>
-        <p:nvSpPr>
-          <p:cNvPr id="7" name="Rectangle 2">
-            <a:extLst>
-              <a:ext uri="{FF2B5EF4-FFF2-40B4-BE49-F238E27FC236}">
-                <a16:creationId xmlns:a16="http://schemas.microsoft.com/office/drawing/2014/main" id="{C1D93AE8-71C4-4F10-A7A4-54432C603881}"/>
-              </a:ext>
-            </a:extLst>
-          </p:cNvPr>
-          <p:cNvSpPr>
-            <a:spLocks noChangeArrowheads="1"/>
-          </p:cNvSpPr>
-          <p:nvPr/>
-        </p:nvSpPr>
-        <p:spPr bwMode="auto">
-          <a:xfrm>
-            <a:off x="217588" y="461091"/>
-            <a:ext cx="2320834" cy="292388"/>
-          </a:xfrm>
-          <a:prstGeom prst="rect">
-            <a:avLst/>
-          </a:prstGeom>
-          <a:solidFill>
-            <a:srgbClr val="FFFFFF"/>
-          </a:solidFill>
-          <a:ln>
-            <a:noFill/>
-          </a:ln>
-          <a:effectLst/>
-          <a:extLst>
-            <a:ext uri="{91240B29-F687-4F45-9708-019B960494DF}">
-              <a14:hiddenLine xmlns:a14="http://schemas.microsoft.com/office/drawing/2010/main" w="9525">
-                <a:solidFill>
-                  <a:schemeClr val="tx1"/>
-                </a:solidFill>
-                <a:miter lim="800000"/>
-                <a:headEnd/>
-                <a:tailEnd/>
-              </a14:hiddenLine>
-            </a:ext>
-            <a:ext uri="{AF507438-7753-43E0-B8FC-AC1667EBCBE1}">
-              <a14:hiddenEffects xmlns:a14="http://schemas.microsoft.com/office/drawing/2010/main">
-                <a:effectLst>
-                  <a:outerShdw dist="35921" dir="2700000" algn="ctr" rotWithShape="0">
-                    <a:schemeClr val="bg2"/>
-                  </a:outerShdw>
-                </a:effectLst>
-              </a14:hiddenEffects>
-            </a:ext>
-          </a:extLst>
-        </p:spPr>
-        <p:txBody>
-          <a:bodyPr vert="horz" wrap="square" lIns="91440" tIns="45720" rIns="91440" bIns="45720" numCol="1" anchor="ctr" anchorCtr="0" compatLnSpc="1">
-            <a:prstTxWarp prst="textNoShape">
-              <a:avLst/>
-            </a:prstTxWarp>
-            <a:spAutoFit/>
-          </a:bodyPr>
-          <a:lstStyle/>
-          <a:p>
-            <a:pPr marL="0" marR="0" lvl="0" indent="0" algn="l" defTabSz="914400" rtl="0" eaLnBrk="0" fontAlgn="base" latinLnBrk="0" hangingPunct="0">
-              <a:lnSpc>
-                <a:spcPct val="100000"/>
-              </a:lnSpc>
-              <a:spcBef>
-                <a:spcPct val="0"/>
-              </a:spcBef>
-              <a:spcAft>
-                <a:spcPct val="0"/>
-              </a:spcAft>
-              <a:buClrTx/>
-              <a:buSzTx/>
-              <a:buFontTx/>
-              <a:buNone/>
-              <a:tabLst/>
-            </a:pPr>
-            <a:r>
-              <a:rPr kumimoji="0" lang="en-US" altLang="en-US" sz="1300" b="1" i="0" u="none" strike="noStrike" cap="none" normalizeH="0" baseline="0">
-                <a:ln>
-                  <a:noFill/>
-                </a:ln>
-                <a:solidFill>
-                  <a:srgbClr val="008080"/>
-                </a:solidFill>
-                <a:effectLst/>
-                <a:latin typeface="Consolas" panose="020B0609020204030204" pitchFamily="49" charset="0"/>
-              </a:rPr>
-              <a:t>'lag_1_ratio_cc'</a:t>
-            </a:r>
-            <a:endParaRPr kumimoji="0" lang="en-US" altLang="en-US" sz="1800" b="0" i="0" u="none" strike="noStrike" cap="none" normalizeH="0" baseline="0">
-              <a:ln>
-                <a:noFill/>
-              </a:ln>
-              <a:solidFill>
-                <a:schemeClr val="tx1"/>
-              </a:solidFill>
-              <a:effectLst/>
-              <a:latin typeface="Arial" panose="020B0604020202020204" pitchFamily="34" charset="0"/>
-            </a:endParaRPr>
-          </a:p>
-        </p:txBody>
-      </p:sp>
-      <p:sp>
-        <p:nvSpPr>
-          <p:cNvPr id="8" name="직사각형 7">
-            <a:extLst>
-              <a:ext uri="{FF2B5EF4-FFF2-40B4-BE49-F238E27FC236}">
-                <a16:creationId xmlns:a16="http://schemas.microsoft.com/office/drawing/2014/main" id="{FB476521-B21B-4F08-B030-7F6FAC259893}"/>
-              </a:ext>
-            </a:extLst>
-          </p:cNvPr>
-          <p:cNvSpPr/>
-          <p:nvPr/>
-        </p:nvSpPr>
-        <p:spPr>
-          <a:xfrm>
-            <a:off x="291611" y="3156534"/>
-            <a:ext cx="8190538" cy="646331"/>
-          </a:xfrm>
-          <a:prstGeom prst="rect">
-            <a:avLst/>
-          </a:prstGeom>
-        </p:spPr>
-        <p:txBody>
-          <a:bodyPr wrap="square">
-            <a:spAutoFit/>
-          </a:bodyPr>
-          <a:lstStyle/>
-          <a:p>
-            <a:r>
-              <a:rPr lang="en-US" dirty="0"/>
-              <a:t>Train Length[372]  Prediction Length[54]  Input Windows[20]  MAE Score[0.0979]</a:t>
-            </a:r>
-          </a:p>
-          <a:p>
-            <a:r>
-              <a:rPr lang="en-US" dirty="0"/>
-              <a:t>Train Length[372]  Prediction Length[54]  Input Windows[20]  MAE Score[0.0939]</a:t>
-            </a:r>
-          </a:p>
-        </p:txBody>
-      </p:sp>
-      <p:sp>
-        <p:nvSpPr>
-          <p:cNvPr id="9" name="Rectangle 3">
-            <a:extLst>
-              <a:ext uri="{FF2B5EF4-FFF2-40B4-BE49-F238E27FC236}">
-                <a16:creationId xmlns:a16="http://schemas.microsoft.com/office/drawing/2014/main" id="{2ACCB77F-7AE4-4182-9200-4E188AA6E507}"/>
-              </a:ext>
-            </a:extLst>
-          </p:cNvPr>
-          <p:cNvSpPr>
-            <a:spLocks noChangeArrowheads="1"/>
-          </p:cNvSpPr>
-          <p:nvPr/>
-        </p:nvSpPr>
-        <p:spPr bwMode="auto">
-          <a:xfrm>
-            <a:off x="217588" y="2812871"/>
-            <a:ext cx="9457635" cy="292388"/>
-          </a:xfrm>
-          <a:prstGeom prst="rect">
-            <a:avLst/>
-          </a:prstGeom>
-          <a:solidFill>
-            <a:srgbClr val="FFFFFF"/>
-          </a:solidFill>
-          <a:ln>
-            <a:noFill/>
-          </a:ln>
-          <a:effectLst/>
-          <a:extLst>
-            <a:ext uri="{91240B29-F687-4F45-9708-019B960494DF}">
-              <a14:hiddenLine xmlns:a14="http://schemas.microsoft.com/office/drawing/2010/main" w="9525">
-                <a:solidFill>
-                  <a:schemeClr val="tx1"/>
-                </a:solidFill>
-                <a:miter lim="800000"/>
-                <a:headEnd/>
-                <a:tailEnd/>
-              </a14:hiddenLine>
-            </a:ext>
-            <a:ext uri="{AF507438-7753-43E0-B8FC-AC1667EBCBE1}">
-              <a14:hiddenEffects xmlns:a14="http://schemas.microsoft.com/office/drawing/2010/main">
-                <a:effectLst>
-                  <a:outerShdw dist="35921" dir="2700000" algn="ctr" rotWithShape="0">
-                    <a:schemeClr val="bg2"/>
-                  </a:outerShdw>
-                </a:effectLst>
-              </a14:hiddenEffects>
-            </a:ext>
-          </a:extLst>
-        </p:spPr>
-        <p:txBody>
-          <a:bodyPr vert="horz" wrap="square" lIns="91440" tIns="45720" rIns="91440" bIns="45720" numCol="1" anchor="ctr" anchorCtr="0" compatLnSpc="1">
-            <a:prstTxWarp prst="textNoShape">
-              <a:avLst/>
-            </a:prstTxWarp>
-            <a:spAutoFit/>
-          </a:bodyPr>
-          <a:lstStyle/>
-          <a:p>
-            <a:pPr marL="0" marR="0" lvl="0" indent="0" algn="l" defTabSz="914400" rtl="0" eaLnBrk="0" fontAlgn="base" latinLnBrk="0" hangingPunct="0">
-              <a:lnSpc>
-                <a:spcPct val="100000"/>
-              </a:lnSpc>
-              <a:spcBef>
-                <a:spcPct val="0"/>
-              </a:spcBef>
-              <a:spcAft>
-                <a:spcPct val="0"/>
-              </a:spcAft>
-              <a:buClrTx/>
-              <a:buSzTx/>
-              <a:buFontTx/>
-              <a:buNone/>
-              <a:tabLst/>
-            </a:pPr>
-            <a:r>
-              <a:rPr kumimoji="0" lang="en-US" altLang="en-US" sz="1300" b="1" i="0" u="none" strike="noStrike" cap="none" normalizeH="0" baseline="0">
-                <a:ln>
-                  <a:noFill/>
-                </a:ln>
-                <a:solidFill>
-                  <a:srgbClr val="008080"/>
-                </a:solidFill>
-                <a:effectLst/>
-                <a:latin typeface="Consolas" panose="020B0609020204030204" pitchFamily="49" charset="0"/>
-              </a:rPr>
-              <a:t>'lag_1_ratio_cc'</a:t>
-            </a:r>
-            <a:r>
-              <a:rPr kumimoji="0" lang="en-US" altLang="en-US" sz="1300" b="0" i="0" u="none" strike="noStrike" cap="none" normalizeH="0" baseline="0">
-                <a:ln>
-                  <a:noFill/>
-                </a:ln>
-                <a:solidFill>
-                  <a:srgbClr val="000000"/>
-                </a:solidFill>
-                <a:effectLst/>
-                <a:latin typeface="Consolas" panose="020B0609020204030204" pitchFamily="49" charset="0"/>
-              </a:rPr>
-              <a:t>, </a:t>
-            </a:r>
-            <a:r>
-              <a:rPr kumimoji="0" lang="en-US" altLang="en-US" sz="1300" b="1" i="0" u="none" strike="noStrike" cap="none" normalizeH="0" baseline="0">
-                <a:ln>
-                  <a:noFill/>
-                </a:ln>
-                <a:solidFill>
-                  <a:srgbClr val="008080"/>
-                </a:solidFill>
-                <a:effectLst/>
-                <a:latin typeface="Consolas" panose="020B0609020204030204" pitchFamily="49" charset="0"/>
-              </a:rPr>
-              <a:t>'SeniorPopulation'</a:t>
-            </a:r>
-            <a:r>
-              <a:rPr kumimoji="0" lang="en-US" altLang="en-US" sz="1300" b="0" i="0" u="none" strike="noStrike" cap="none" normalizeH="0" baseline="0">
-                <a:ln>
-                  <a:noFill/>
-                </a:ln>
-                <a:solidFill>
-                  <a:srgbClr val="000000"/>
-                </a:solidFill>
-                <a:effectLst/>
-                <a:latin typeface="Consolas" panose="020B0609020204030204" pitchFamily="49" charset="0"/>
-              </a:rPr>
-              <a:t>, </a:t>
-            </a:r>
-            <a:r>
-              <a:rPr kumimoji="0" lang="en-US" altLang="en-US" sz="1300" b="1" i="0" u="none" strike="noStrike" cap="none" normalizeH="0" baseline="0">
-                <a:ln>
-                  <a:noFill/>
-                </a:ln>
-                <a:solidFill>
-                  <a:srgbClr val="008080"/>
-                </a:solidFill>
-                <a:effectLst/>
-                <a:latin typeface="Consolas" panose="020B0609020204030204" pitchFamily="49" charset="0"/>
-              </a:rPr>
-              <a:t>'FoodStamp'</a:t>
-            </a:r>
-            <a:r>
-              <a:rPr kumimoji="0" lang="en-US" altLang="en-US" sz="1300" b="0" i="0" u="none" strike="noStrike" cap="none" normalizeH="0" baseline="0">
-                <a:ln>
-                  <a:noFill/>
-                </a:ln>
-                <a:solidFill>
-                  <a:srgbClr val="000000"/>
-                </a:solidFill>
-                <a:effectLst/>
-                <a:latin typeface="Consolas" panose="020B0609020204030204" pitchFamily="49" charset="0"/>
-              </a:rPr>
-              <a:t>, </a:t>
-            </a:r>
-            <a:r>
-              <a:rPr kumimoji="0" lang="en-US" altLang="en-US" sz="1300" b="1" i="0" u="none" strike="noStrike" cap="none" normalizeH="0" baseline="0">
-                <a:ln>
-                  <a:noFill/>
-                </a:ln>
-                <a:solidFill>
-                  <a:srgbClr val="008080"/>
-                </a:solidFill>
-                <a:effectLst/>
-                <a:latin typeface="Consolas" panose="020B0609020204030204" pitchFamily="49" charset="0"/>
-              </a:rPr>
-              <a:t>'NoHealthIns'</a:t>
-            </a:r>
-            <a:r>
-              <a:rPr kumimoji="0" lang="en-US" altLang="en-US" sz="1300" b="0" i="0" u="none" strike="noStrike" cap="none" normalizeH="0" baseline="0">
-                <a:ln>
-                  <a:noFill/>
-                </a:ln>
-                <a:solidFill>
-                  <a:srgbClr val="000000"/>
-                </a:solidFill>
-                <a:effectLst/>
-                <a:latin typeface="Consolas" panose="020B0609020204030204" pitchFamily="49" charset="0"/>
-              </a:rPr>
-              <a:t>, </a:t>
-            </a:r>
-            <a:r>
-              <a:rPr kumimoji="0" lang="en-US" altLang="en-US" sz="1300" b="1" i="0" u="none" strike="noStrike" cap="none" normalizeH="0" baseline="0">
-                <a:ln>
-                  <a:noFill/>
-                </a:ln>
-                <a:solidFill>
-                  <a:srgbClr val="008080"/>
-                </a:solidFill>
-                <a:effectLst/>
-                <a:latin typeface="Consolas" panose="020B0609020204030204" pitchFamily="49" charset="0"/>
-              </a:rPr>
-              <a:t>'PovertyLevel'</a:t>
-            </a:r>
-            <a:r>
-              <a:rPr kumimoji="0" lang="en-US" altLang="en-US" sz="1300" b="0" i="0" u="none" strike="noStrike" cap="none" normalizeH="0" baseline="0">
-                <a:ln>
-                  <a:noFill/>
-                </a:ln>
-                <a:solidFill>
-                  <a:srgbClr val="000000"/>
-                </a:solidFill>
-                <a:effectLst/>
-                <a:latin typeface="Consolas" panose="020B0609020204030204" pitchFamily="49" charset="0"/>
-              </a:rPr>
-              <a:t>, </a:t>
-            </a:r>
-            <a:r>
-              <a:rPr kumimoji="0" lang="en-US" altLang="en-US" sz="1300" b="1" i="0" u="none" strike="noStrike" cap="none" normalizeH="0" baseline="0">
-                <a:ln>
-                  <a:noFill/>
-                </a:ln>
-                <a:solidFill>
-                  <a:srgbClr val="008080"/>
-                </a:solidFill>
-                <a:effectLst/>
-                <a:latin typeface="Consolas" panose="020B0609020204030204" pitchFamily="49" charset="0"/>
-              </a:rPr>
-              <a:t>'MeanTravelTime'</a:t>
-            </a:r>
-            <a:endParaRPr kumimoji="0" lang="en-US" altLang="en-US" sz="1800" b="0" i="0" u="none" strike="noStrike" cap="none" normalizeH="0" baseline="0">
-              <a:ln>
-                <a:noFill/>
-              </a:ln>
-              <a:solidFill>
-                <a:schemeClr val="tx1"/>
-              </a:solidFill>
-              <a:effectLst/>
-              <a:latin typeface="Arial" panose="020B0604020202020204" pitchFamily="34" charset="0"/>
-            </a:endParaRPr>
-          </a:p>
-        </p:txBody>
-      </p:sp>
       <p:pic>
         <p:nvPicPr>
-          <p:cNvPr id="11" name="그림 10">
-            <a:extLst>
-              <a:ext uri="{FF2B5EF4-FFF2-40B4-BE49-F238E27FC236}">
-                <a16:creationId xmlns:a16="http://schemas.microsoft.com/office/drawing/2014/main" id="{F089CECE-E483-49DC-BF0A-344D4FDF9403}"/>
+          <p:cNvPr id="4" name="그림 3">
+            <a:extLst>
+              <a:ext uri="{FF2B5EF4-FFF2-40B4-BE49-F238E27FC236}">
+                <a16:creationId xmlns:a16="http://schemas.microsoft.com/office/drawing/2014/main" id="{6E92F9E8-C090-48CA-A1D1-54939F31A2C1}"/>
               </a:ext>
             </a:extLst>
           </p:cNvPr>
@@ -43879,8 +42738,188 @@
         </p:blipFill>
         <p:spPr>
           <a:xfrm>
-            <a:off x="1" y="3947553"/>
-            <a:ext cx="4972692" cy="2835307"/>
+            <a:off x="167148" y="0"/>
+            <a:ext cx="11857703" cy="6858000"/>
+          </a:xfrm>
+          <a:prstGeom prst="rect">
+            <a:avLst/>
+          </a:prstGeom>
+        </p:spPr>
+      </p:pic>
+      <p:pic>
+        <p:nvPicPr>
+          <p:cNvPr id="6" name="그림 5">
+            <a:extLst>
+              <a:ext uri="{FF2B5EF4-FFF2-40B4-BE49-F238E27FC236}">
+                <a16:creationId xmlns:a16="http://schemas.microsoft.com/office/drawing/2014/main" id="{35E1EA2B-59C5-4219-9816-B6E4B68976E7}"/>
+              </a:ext>
+            </a:extLst>
+          </p:cNvPr>
+          <p:cNvPicPr>
+            <a:picLocks noChangeAspect="1"/>
+          </p:cNvPicPr>
+          <p:nvPr/>
+        </p:nvPicPr>
+        <p:blipFill>
+          <a:blip r:embed="rId3">
+            <a:extLst>
+              <a:ext uri="{28A0092B-C50C-407E-A947-70E740481C1C}">
+                <a14:useLocalDpi xmlns:a14="http://schemas.microsoft.com/office/drawing/2010/main" val="0"/>
+              </a:ext>
+            </a:extLst>
+          </a:blip>
+          <a:stretch>
+            <a:fillRect/>
+          </a:stretch>
+        </p:blipFill>
+        <p:spPr>
+          <a:xfrm>
+            <a:off x="2603853" y="124094"/>
+            <a:ext cx="2142317" cy="1071159"/>
+          </a:xfrm>
+          <a:prstGeom prst="rect">
+            <a:avLst/>
+          </a:prstGeom>
+        </p:spPr>
+      </p:pic>
+      <p:pic>
+        <p:nvPicPr>
+          <p:cNvPr id="5" name="그림 4">
+            <a:extLst>
+              <a:ext uri="{FF2B5EF4-FFF2-40B4-BE49-F238E27FC236}">
+                <a16:creationId xmlns:a16="http://schemas.microsoft.com/office/drawing/2014/main" id="{3DA0E2DC-FD53-4D41-89EB-101EB807D49D}"/>
+              </a:ext>
+            </a:extLst>
+          </p:cNvPr>
+          <p:cNvPicPr>
+            <a:picLocks noChangeAspect="1"/>
+          </p:cNvPicPr>
+          <p:nvPr/>
+        </p:nvPicPr>
+        <p:blipFill>
+          <a:blip r:embed="rId4">
+            <a:extLst>
+              <a:ext uri="{28A0092B-C50C-407E-A947-70E740481C1C}">
+                <a14:useLocalDpi xmlns:a14="http://schemas.microsoft.com/office/drawing/2010/main" val="0"/>
+              </a:ext>
+            </a:extLst>
+          </a:blip>
+          <a:stretch>
+            <a:fillRect/>
+          </a:stretch>
+        </p:blipFill>
+        <p:spPr>
+          <a:xfrm>
+            <a:off x="4453581" y="1195252"/>
+            <a:ext cx="2142317" cy="1071159"/>
+          </a:xfrm>
+          <a:prstGeom prst="rect">
+            <a:avLst/>
+          </a:prstGeom>
+        </p:spPr>
+      </p:pic>
+      <p:pic>
+        <p:nvPicPr>
+          <p:cNvPr id="7" name="그림 6">
+            <a:extLst>
+              <a:ext uri="{FF2B5EF4-FFF2-40B4-BE49-F238E27FC236}">
+                <a16:creationId xmlns:a16="http://schemas.microsoft.com/office/drawing/2014/main" id="{C09CB80E-0165-4D5A-A5D1-ED49F6618050}"/>
+              </a:ext>
+            </a:extLst>
+          </p:cNvPr>
+          <p:cNvPicPr>
+            <a:picLocks noChangeAspect="1"/>
+          </p:cNvPicPr>
+          <p:nvPr/>
+        </p:nvPicPr>
+        <p:blipFill>
+          <a:blip r:embed="rId5">
+            <a:extLst>
+              <a:ext uri="{28A0092B-C50C-407E-A947-70E740481C1C}">
+                <a14:useLocalDpi xmlns:a14="http://schemas.microsoft.com/office/drawing/2010/main" val="0"/>
+              </a:ext>
+            </a:extLst>
+          </a:blip>
+          <a:stretch>
+            <a:fillRect/>
+          </a:stretch>
+        </p:blipFill>
+        <p:spPr>
+          <a:xfrm>
+            <a:off x="975351" y="1195253"/>
+            <a:ext cx="2142317" cy="1071159"/>
+          </a:xfrm>
+          <a:prstGeom prst="rect">
+            <a:avLst/>
+          </a:prstGeom>
+        </p:spPr>
+      </p:pic>
+      <p:pic>
+        <p:nvPicPr>
+          <p:cNvPr id="8" name="그림 7">
+            <a:extLst>
+              <a:ext uri="{FF2B5EF4-FFF2-40B4-BE49-F238E27FC236}">
+                <a16:creationId xmlns:a16="http://schemas.microsoft.com/office/drawing/2014/main" id="{F5A19321-1621-44E9-9B65-1C09CA327761}"/>
+              </a:ext>
+            </a:extLst>
+          </p:cNvPr>
+          <p:cNvPicPr>
+            <a:picLocks noChangeAspect="1"/>
+          </p:cNvPicPr>
+          <p:nvPr/>
+        </p:nvPicPr>
+        <p:blipFill>
+          <a:blip r:embed="rId6">
+            <a:extLst>
+              <a:ext uri="{28A0092B-C50C-407E-A947-70E740481C1C}">
+                <a14:useLocalDpi xmlns:a14="http://schemas.microsoft.com/office/drawing/2010/main" val="0"/>
+              </a:ext>
+            </a:extLst>
+          </a:blip>
+          <a:stretch>
+            <a:fillRect/>
+          </a:stretch>
+        </p:blipFill>
+        <p:spPr>
+          <a:xfrm>
+            <a:off x="6192696" y="124092"/>
+            <a:ext cx="2142317" cy="1071159"/>
+          </a:xfrm>
+          <a:prstGeom prst="rect">
+            <a:avLst/>
+          </a:prstGeom>
+        </p:spPr>
+      </p:pic>
+      <p:pic>
+        <p:nvPicPr>
+          <p:cNvPr id="9" name="그림 8">
+            <a:extLst>
+              <a:ext uri="{FF2B5EF4-FFF2-40B4-BE49-F238E27FC236}">
+                <a16:creationId xmlns:a16="http://schemas.microsoft.com/office/drawing/2014/main" id="{34DEA487-1C98-4F35-907D-632ECC949805}"/>
+              </a:ext>
+            </a:extLst>
+          </p:cNvPr>
+          <p:cNvPicPr>
+            <a:picLocks noChangeAspect="1"/>
+          </p:cNvPicPr>
+          <p:nvPr/>
+        </p:nvPicPr>
+        <p:blipFill>
+          <a:blip r:embed="rId7">
+            <a:extLst>
+              <a:ext uri="{28A0092B-C50C-407E-A947-70E740481C1C}">
+                <a14:useLocalDpi xmlns:a14="http://schemas.microsoft.com/office/drawing/2010/main" val="0"/>
+              </a:ext>
+            </a:extLst>
+          </a:blip>
+          <a:stretch>
+            <a:fillRect/>
+          </a:stretch>
+        </p:blipFill>
+        <p:spPr>
+          <a:xfrm>
+            <a:off x="7931811" y="1195251"/>
+            <a:ext cx="2142317" cy="1071159"/>
           </a:xfrm>
           <a:prstGeom prst="rect">
             <a:avLst/>
@@ -43892,7 +42931,7 @@
           <p:cNvPr id="10" name="그림 9">
             <a:extLst>
               <a:ext uri="{FF2B5EF4-FFF2-40B4-BE49-F238E27FC236}">
-                <a16:creationId xmlns:a16="http://schemas.microsoft.com/office/drawing/2014/main" id="{26C8A72B-4DC4-44FE-BE72-D3A5F2B05412}"/>
+                <a16:creationId xmlns:a16="http://schemas.microsoft.com/office/drawing/2014/main" id="{52830CEB-770A-4B66-AB8B-D5DB5442567D}"/>
               </a:ext>
             </a:extLst>
           </p:cNvPr>
@@ -43902,15 +42941,21 @@
           <p:nvPr/>
         </p:nvPicPr>
         <p:blipFill>
-          <a:blip r:embed="rId3"/>
+          <a:blip r:embed="rId8">
+            <a:extLst>
+              <a:ext uri="{28A0092B-C50C-407E-A947-70E740481C1C}">
+                <a14:useLocalDpi xmlns:a14="http://schemas.microsoft.com/office/drawing/2010/main" val="0"/>
+              </a:ext>
+            </a:extLst>
+          </a:blip>
           <a:stretch>
             <a:fillRect/>
           </a:stretch>
         </p:blipFill>
         <p:spPr>
           <a:xfrm>
-            <a:off x="5813177" y="4659850"/>
-            <a:ext cx="6378823" cy="2050104"/>
+            <a:off x="9786737" y="124092"/>
+            <a:ext cx="2142317" cy="1071159"/>
           </a:xfrm>
           <a:prstGeom prst="rect">
             <a:avLst/>
@@ -43919,10 +42964,10 @@
       </p:pic>
       <p:sp>
         <p:nvSpPr>
-          <p:cNvPr id="12" name="직사각형 11">
-            <a:extLst>
-              <a:ext uri="{FF2B5EF4-FFF2-40B4-BE49-F238E27FC236}">
-                <a16:creationId xmlns:a16="http://schemas.microsoft.com/office/drawing/2014/main" id="{126668B4-DA0C-4BE9-8245-937985E934A9}"/>
+          <p:cNvPr id="11" name="직사각형 10">
+            <a:extLst>
+              <a:ext uri="{FF2B5EF4-FFF2-40B4-BE49-F238E27FC236}">
+                <a16:creationId xmlns:a16="http://schemas.microsoft.com/office/drawing/2014/main" id="{5A341BB0-26FA-4D91-86DA-5205BABF55F6}"/>
               </a:ext>
             </a:extLst>
           </p:cNvPr>
@@ -43931,8 +42976,8 @@
         </p:nvSpPr>
         <p:spPr>
           <a:xfrm>
-            <a:off x="8309143" y="3285320"/>
-            <a:ext cx="1366080" cy="369332"/>
+            <a:off x="975351" y="6144292"/>
+            <a:ext cx="9374682" cy="369332"/>
           </a:xfrm>
           <a:prstGeom prst="rect">
             <a:avLst/>
@@ -43946,7 +42991,7 @@
           <a:p>
             <a:r>
               <a:rPr lang="en-US" dirty="0"/>
-              <a:t>1.03709355]</a:t>
+              <a:t>350       	              600  	             2000 	           30000 	          800 	          400</a:t>
             </a:r>
           </a:p>
         </p:txBody>
@@ -43954,7 +42999,7 @@
     </p:spTree>
     <p:extLst>
       <p:ext uri="{BB962C8B-B14F-4D97-AF65-F5344CB8AC3E}">
-        <p14:creationId xmlns:p14="http://schemas.microsoft.com/office/powerpoint/2010/main" val="1202492332"/>
+        <p14:creationId xmlns:p14="http://schemas.microsoft.com/office/powerpoint/2010/main" val="2576703144"/>
       </p:ext>
     </p:extLst>
   </p:cSld>
@@ -43983,10 +43028,71 @@
       </p:grpSpPr>
       <p:sp>
         <p:nvSpPr>
-          <p:cNvPr id="4" name="Rectangle 1">
-            <a:extLst>
-              <a:ext uri="{FF2B5EF4-FFF2-40B4-BE49-F238E27FC236}">
-                <a16:creationId xmlns:a16="http://schemas.microsoft.com/office/drawing/2014/main" id="{32F42663-51BA-4750-A7EB-58732E843A39}"/>
+          <p:cNvPr id="4" name="직사각형 3">
+            <a:extLst>
+              <a:ext uri="{FF2B5EF4-FFF2-40B4-BE49-F238E27FC236}">
+                <a16:creationId xmlns:a16="http://schemas.microsoft.com/office/drawing/2014/main" id="{3F23F561-7055-4362-9F2B-C95C8A98C9D7}"/>
+              </a:ext>
+            </a:extLst>
+          </p:cNvPr>
+          <p:cNvSpPr/>
+          <p:nvPr/>
+        </p:nvSpPr>
+        <p:spPr>
+          <a:xfrm>
+            <a:off x="291611" y="826851"/>
+            <a:ext cx="10855850" cy="1754326"/>
+          </a:xfrm>
+          <a:prstGeom prst="rect">
+            <a:avLst/>
+          </a:prstGeom>
+        </p:spPr>
+        <p:txBody>
+          <a:bodyPr wrap="square">
+            <a:spAutoFit/>
+          </a:bodyPr>
+          <a:lstStyle/>
+          <a:p>
+            <a:r>
+              <a:rPr lang="en-US" dirty="0"/>
+              <a:t>[1.03244853] Train Length[372]  Prediction Length[54]  Input Windows[20]  MAE Score[0.0913]</a:t>
+            </a:r>
+          </a:p>
+          <a:p>
+            <a:r>
+              <a:rPr lang="en-US" dirty="0"/>
+              <a:t>[1.03244853] Train Length[372]  Prediction Length[54]  Input Windows[20]  MAE Score[0.0908]</a:t>
+            </a:r>
+          </a:p>
+          <a:p>
+            <a:r>
+              <a:rPr lang="en-US" dirty="0"/>
+              <a:t>[1.03244853] Train Length[372]  Prediction Length[54]  Input Windows[20]  MAE Score[0.0908]</a:t>
+            </a:r>
+          </a:p>
+          <a:p>
+            <a:r>
+              <a:rPr lang="en-US" dirty="0"/>
+              <a:t>[1.03283769] Train Length[372]  Prediction Length[54]  Input Windows[20]  MAE Score[0.0913]</a:t>
+            </a:r>
+          </a:p>
+          <a:p>
+            <a:r>
+              <a:rPr lang="en-US" dirty="0"/>
+              <a:t>[1.03287798] Train Length[372]  Prediction Length[54]  Input Windows[20]  MAE Score[0.0913]</a:t>
+            </a:r>
+          </a:p>
+          <a:p>
+            <a:endParaRPr lang="en-US" dirty="0"/>
+          </a:p>
+        </p:txBody>
+      </p:sp>
+      <p:sp>
+        <p:nvSpPr>
+          <p:cNvPr id="5" name="Rectangle 1">
+            <a:extLst>
+              <a:ext uri="{FF2B5EF4-FFF2-40B4-BE49-F238E27FC236}">
+                <a16:creationId xmlns:a16="http://schemas.microsoft.com/office/drawing/2014/main" id="{EFB78718-E41C-4957-A4C9-46C5E8DE243E}"/>
               </a:ext>
             </a:extLst>
           </p:cNvPr>
@@ -43997,8 +43103,8 @@
         </p:nvSpPr>
         <p:spPr bwMode="auto">
           <a:xfrm>
-            <a:off x="359596" y="457200"/>
-            <a:ext cx="8225329" cy="492443"/>
+            <a:off x="0" y="0"/>
+            <a:ext cx="12192000" cy="457200"/>
           </a:xfrm>
           <a:prstGeom prst="rect">
             <a:avLst/>
@@ -44068,7 +43174,7 @@
                 <a:effectLst/>
                 <a:latin typeface="Consolas" panose="020B0609020204030204" pitchFamily="49" charset="0"/>
               </a:rPr>
-              <a:t>'lag_1_ratio_cc'</a:t>
+              <a:t>"Alaska"</a:t>
             </a:r>
             <a:r>
               <a:rPr kumimoji="0" lang="en-US" altLang="en-US" sz="1300" b="0" i="0" u="none" strike="noStrike" cap="none" normalizeH="0" baseline="0" dirty="0">
@@ -44094,20 +43200,20 @@
                 <a:effectLst/>
                 <a:latin typeface="Consolas" panose="020B0609020204030204" pitchFamily="49" charset="0"/>
               </a:rPr>
-              <a:t>'</a:t>
-            </a:r>
-            <a:r>
-              <a:rPr kumimoji="0" lang="en-US" altLang="en-US" sz="1300" b="1" i="0" u="none" strike="noStrike" cap="none" normalizeH="0" baseline="0" dirty="0" err="1">
+              <a:t>"Hawaii"</a:t>
+            </a:r>
+            <a:r>
+              <a:rPr kumimoji="0" lang="en-US" altLang="en-US" sz="1300" b="0" i="0" u="none" strike="noStrike" cap="none" normalizeH="0" baseline="0" dirty="0">
                 <a:ln>
                   <a:noFill/>
                 </a:ln>
                 <a:solidFill>
-                  <a:srgbClr val="008080"/>
+                  <a:srgbClr val="000000"/>
                 </a:solidFill>
                 <a:effectLst/>
                 <a:latin typeface="Consolas" panose="020B0609020204030204" pitchFamily="49" charset="0"/>
               </a:rPr>
-              <a:t>SeniorPopulation</a:t>
+              <a:t>, </a:t>
             </a:r>
             <a:r>
               <a:rPr kumimoji="0" lang="en-US" altLang="en-US" sz="1300" b="1" i="0" u="none" strike="noStrike" cap="none" normalizeH="0" baseline="0" dirty="0">
@@ -44120,7 +43226,7 @@
                 <a:effectLst/>
                 <a:latin typeface="Consolas" panose="020B0609020204030204" pitchFamily="49" charset="0"/>
               </a:rPr>
-              <a:t>'</a:t>
+              <a:t>"Idaho"</a:t>
             </a:r>
             <a:r>
               <a:rPr kumimoji="0" lang="en-US" altLang="en-US" sz="1300" b="0" i="0" u="none" strike="noStrike" cap="none" normalizeH="0" baseline="0" dirty="0">
@@ -44146,20 +43252,20 @@
                 <a:effectLst/>
                 <a:latin typeface="Consolas" panose="020B0609020204030204" pitchFamily="49" charset="0"/>
               </a:rPr>
-              <a:t>'</a:t>
-            </a:r>
-            <a:r>
-              <a:rPr kumimoji="0" lang="en-US" altLang="en-US" sz="1300" b="1" i="0" u="none" strike="noStrike" cap="none" normalizeH="0" baseline="0" dirty="0" err="1">
+              <a:t>"Louisiana"</a:t>
+            </a:r>
+            <a:r>
+              <a:rPr kumimoji="0" lang="en-US" altLang="en-US" sz="1300" b="0" i="0" u="none" strike="noStrike" cap="none" normalizeH="0" baseline="0" dirty="0">
                 <a:ln>
                   <a:noFill/>
                 </a:ln>
                 <a:solidFill>
-                  <a:srgbClr val="008080"/>
+                  <a:srgbClr val="000000"/>
                 </a:solidFill>
                 <a:effectLst/>
                 <a:latin typeface="Consolas" panose="020B0609020204030204" pitchFamily="49" charset="0"/>
               </a:rPr>
-              <a:t>FoodStamp</a:t>
+              <a:t>, </a:t>
             </a:r>
             <a:r>
               <a:rPr kumimoji="0" lang="en-US" altLang="en-US" sz="1300" b="1" i="0" u="none" strike="noStrike" cap="none" normalizeH="0" baseline="0" dirty="0">
@@ -44172,331 +43278,7 @@
                 <a:effectLst/>
                 <a:latin typeface="Consolas" panose="020B0609020204030204" pitchFamily="49" charset="0"/>
               </a:rPr>
-              <a:t>'</a:t>
-            </a:r>
-            <a:r>
-              <a:rPr kumimoji="0" lang="en-US" altLang="en-US" sz="1300" b="0" i="0" u="none" strike="noStrike" cap="none" normalizeH="0" baseline="0" dirty="0">
-                <a:ln>
-                  <a:noFill/>
-                </a:ln>
-                <a:solidFill>
-                  <a:srgbClr val="000000"/>
-                </a:solidFill>
-                <a:effectLst/>
-                <a:latin typeface="Consolas" panose="020B0609020204030204" pitchFamily="49" charset="0"/>
-              </a:rPr>
-              <a:t>, </a:t>
-            </a:r>
-            <a:r>
-              <a:rPr kumimoji="0" lang="en-US" altLang="en-US" sz="1300" b="1" i="0" u="none" strike="noStrike" cap="none" normalizeH="0" baseline="0" dirty="0">
-                <a:ln>
-                  <a:noFill/>
-                </a:ln>
-                <a:solidFill>
-                  <a:srgbClr val="008080"/>
-                </a:solidFill>
-                <a:effectLst/>
-                <a:latin typeface="Consolas" panose="020B0609020204030204" pitchFamily="49" charset="0"/>
-              </a:rPr>
-              <a:t>'</a:t>
-            </a:r>
-            <a:r>
-              <a:rPr kumimoji="0" lang="en-US" altLang="en-US" sz="1300" b="1" i="0" u="none" strike="noStrike" cap="none" normalizeH="0" baseline="0" dirty="0" err="1">
-                <a:ln>
-                  <a:noFill/>
-                </a:ln>
-                <a:solidFill>
-                  <a:srgbClr val="008080"/>
-                </a:solidFill>
-                <a:effectLst/>
-                <a:latin typeface="Consolas" panose="020B0609020204030204" pitchFamily="49" charset="0"/>
-              </a:rPr>
-              <a:t>NoHealthIns</a:t>
-            </a:r>
-            <a:r>
-              <a:rPr kumimoji="0" lang="en-US" altLang="en-US" sz="1300" b="1" i="0" u="none" strike="noStrike" cap="none" normalizeH="0" baseline="0" dirty="0">
-                <a:ln>
-                  <a:noFill/>
-                </a:ln>
-                <a:solidFill>
-                  <a:srgbClr val="008080"/>
-                </a:solidFill>
-                <a:effectLst/>
-                <a:latin typeface="Consolas" panose="020B0609020204030204" pitchFamily="49" charset="0"/>
-              </a:rPr>
-              <a:t>'</a:t>
-            </a:r>
-            <a:r>
-              <a:rPr kumimoji="0" lang="en-US" altLang="en-US" sz="1300" b="0" i="0" u="none" strike="noStrike" cap="none" normalizeH="0" baseline="0" dirty="0">
-                <a:ln>
-                  <a:noFill/>
-                </a:ln>
-                <a:solidFill>
-                  <a:srgbClr val="000000"/>
-                </a:solidFill>
-                <a:effectLst/>
-                <a:latin typeface="Consolas" panose="020B0609020204030204" pitchFamily="49" charset="0"/>
-              </a:rPr>
-              <a:t>, </a:t>
-            </a:r>
-            <a:r>
-              <a:rPr kumimoji="0" lang="en-US" altLang="en-US" sz="1300" b="1" i="0" u="none" strike="noStrike" cap="none" normalizeH="0" baseline="0" dirty="0">
-                <a:ln>
-                  <a:noFill/>
-                </a:ln>
-                <a:solidFill>
-                  <a:srgbClr val="008080"/>
-                </a:solidFill>
-                <a:effectLst/>
-                <a:latin typeface="Consolas" panose="020B0609020204030204" pitchFamily="49" charset="0"/>
-              </a:rPr>
-              <a:t>'</a:t>
-            </a:r>
-            <a:r>
-              <a:rPr kumimoji="0" lang="en-US" altLang="en-US" sz="1300" b="1" i="0" u="none" strike="noStrike" cap="none" normalizeH="0" baseline="0" dirty="0" err="1">
-                <a:ln>
-                  <a:noFill/>
-                </a:ln>
-                <a:solidFill>
-                  <a:srgbClr val="008080"/>
-                </a:solidFill>
-                <a:effectLst/>
-                <a:latin typeface="Consolas" panose="020B0609020204030204" pitchFamily="49" charset="0"/>
-              </a:rPr>
-              <a:t>PovertyLevel</a:t>
-            </a:r>
-            <a:r>
-              <a:rPr kumimoji="0" lang="en-US" altLang="en-US" sz="1300" b="1" i="0" u="none" strike="noStrike" cap="none" normalizeH="0" baseline="0" dirty="0">
-                <a:ln>
-                  <a:noFill/>
-                </a:ln>
-                <a:solidFill>
-                  <a:srgbClr val="008080"/>
-                </a:solidFill>
-                <a:effectLst/>
-                <a:latin typeface="Consolas" panose="020B0609020204030204" pitchFamily="49" charset="0"/>
-              </a:rPr>
-              <a:t>'</a:t>
-            </a:r>
-            <a:r>
-              <a:rPr kumimoji="0" lang="en-US" altLang="en-US" sz="1300" b="0" i="0" u="none" strike="noStrike" cap="none" normalizeH="0" baseline="0" dirty="0">
-                <a:ln>
-                  <a:noFill/>
-                </a:ln>
-                <a:solidFill>
-                  <a:srgbClr val="000000"/>
-                </a:solidFill>
-                <a:effectLst/>
-                <a:latin typeface="Consolas" panose="020B0609020204030204" pitchFamily="49" charset="0"/>
-              </a:rPr>
-              <a:t>,</a:t>
-            </a:r>
-            <a:br>
-              <a:rPr kumimoji="0" lang="en-US" altLang="en-US" sz="1300" b="0" i="0" u="none" strike="noStrike" cap="none" normalizeH="0" baseline="0" dirty="0">
-                <a:ln>
-                  <a:noFill/>
-                </a:ln>
-                <a:solidFill>
-                  <a:srgbClr val="000000"/>
-                </a:solidFill>
-                <a:effectLst/>
-                <a:latin typeface="Consolas" panose="020B0609020204030204" pitchFamily="49" charset="0"/>
-              </a:rPr>
-            </a:br>
-            <a:r>
-              <a:rPr kumimoji="0" lang="en-US" altLang="en-US" sz="1300" b="1" i="0" u="none" strike="noStrike" cap="none" normalizeH="0" baseline="0" dirty="0">
-                <a:ln>
-                  <a:noFill/>
-                </a:ln>
-                <a:solidFill>
-                  <a:srgbClr val="008080"/>
-                </a:solidFill>
-                <a:effectLst/>
-                <a:latin typeface="Consolas" panose="020B0609020204030204" pitchFamily="49" charset="0"/>
-              </a:rPr>
-              <a:t>'</a:t>
-            </a:r>
-            <a:r>
-              <a:rPr kumimoji="0" lang="en-US" altLang="en-US" sz="1300" b="1" i="0" u="none" strike="noStrike" cap="none" normalizeH="0" baseline="0" dirty="0" err="1">
-                <a:ln>
-                  <a:noFill/>
-                </a:ln>
-                <a:solidFill>
-                  <a:srgbClr val="008080"/>
-                </a:solidFill>
-                <a:effectLst/>
-                <a:latin typeface="Consolas" panose="020B0609020204030204" pitchFamily="49" charset="0"/>
-              </a:rPr>
-              <a:t>MeanTravelTime</a:t>
-            </a:r>
-            <a:r>
-              <a:rPr kumimoji="0" lang="en-US" altLang="en-US" sz="1300" b="1" i="0" u="none" strike="noStrike" cap="none" normalizeH="0" baseline="0" dirty="0">
-                <a:ln>
-                  <a:noFill/>
-                </a:ln>
-                <a:solidFill>
-                  <a:srgbClr val="008080"/>
-                </a:solidFill>
-                <a:effectLst/>
-                <a:latin typeface="Consolas" panose="020B0609020204030204" pitchFamily="49" charset="0"/>
-              </a:rPr>
-              <a:t>'</a:t>
-            </a:r>
-            <a:r>
-              <a:rPr kumimoji="0" lang="en-US" altLang="en-US" sz="1300" b="0" i="0" u="none" strike="noStrike" cap="none" normalizeH="0" baseline="0" dirty="0">
-                <a:ln>
-                  <a:noFill/>
-                </a:ln>
-                <a:solidFill>
-                  <a:srgbClr val="000000"/>
-                </a:solidFill>
-                <a:effectLst/>
-                <a:latin typeface="Consolas" panose="020B0609020204030204" pitchFamily="49" charset="0"/>
-              </a:rPr>
-              <a:t>, </a:t>
-            </a:r>
-            <a:r>
-              <a:rPr kumimoji="0" lang="en-US" altLang="en-US" sz="1300" b="1" i="0" u="none" strike="noStrike" cap="none" normalizeH="0" baseline="0" dirty="0">
-                <a:ln>
-                  <a:noFill/>
-                </a:ln>
-                <a:solidFill>
-                  <a:srgbClr val="008080"/>
-                </a:solidFill>
-                <a:effectLst/>
-                <a:latin typeface="Consolas" panose="020B0609020204030204" pitchFamily="49" charset="0"/>
-              </a:rPr>
-              <a:t>'</a:t>
-            </a:r>
-            <a:r>
-              <a:rPr kumimoji="0" lang="en-US" altLang="en-US" sz="1300" b="1" i="0" u="none" strike="noStrike" cap="none" normalizeH="0" baseline="0" dirty="0" err="1">
-                <a:ln>
-                  <a:noFill/>
-                </a:ln>
-                <a:solidFill>
-                  <a:srgbClr val="008080"/>
-                </a:solidFill>
-                <a:effectLst/>
-                <a:latin typeface="Consolas" panose="020B0609020204030204" pitchFamily="49" charset="0"/>
-              </a:rPr>
-              <a:t>SeniorMalePopulation</a:t>
-            </a:r>
-            <a:r>
-              <a:rPr kumimoji="0" lang="en-US" altLang="en-US" sz="1300" b="1" i="0" u="none" strike="noStrike" cap="none" normalizeH="0" baseline="0" dirty="0">
-                <a:ln>
-                  <a:noFill/>
-                </a:ln>
-                <a:solidFill>
-                  <a:srgbClr val="008080"/>
-                </a:solidFill>
-                <a:effectLst/>
-                <a:latin typeface="Consolas" panose="020B0609020204030204" pitchFamily="49" charset="0"/>
-              </a:rPr>
-              <a:t>'</a:t>
-            </a:r>
-            <a:r>
-              <a:rPr kumimoji="0" lang="en-US" altLang="en-US" sz="1300" b="0" i="0" u="none" strike="noStrike" cap="none" normalizeH="0" baseline="0" dirty="0">
-                <a:ln>
-                  <a:noFill/>
-                </a:ln>
-                <a:solidFill>
-                  <a:srgbClr val="000000"/>
-                </a:solidFill>
-                <a:effectLst/>
-                <a:latin typeface="Consolas" panose="020B0609020204030204" pitchFamily="49" charset="0"/>
-              </a:rPr>
-              <a:t>, </a:t>
-            </a:r>
-            <a:r>
-              <a:rPr kumimoji="0" lang="en-US" altLang="en-US" sz="1300" b="1" i="0" u="none" strike="noStrike" cap="none" normalizeH="0" baseline="0" dirty="0">
-                <a:ln>
-                  <a:noFill/>
-                </a:ln>
-                <a:solidFill>
-                  <a:srgbClr val="008080"/>
-                </a:solidFill>
-                <a:effectLst/>
-                <a:latin typeface="Consolas" panose="020B0609020204030204" pitchFamily="49" charset="0"/>
-              </a:rPr>
-              <a:t>'</a:t>
-            </a:r>
-            <a:r>
-              <a:rPr kumimoji="0" lang="en-US" altLang="en-US" sz="1300" b="1" i="0" u="none" strike="noStrike" cap="none" normalizeH="0" baseline="0" dirty="0" err="1">
-                <a:ln>
-                  <a:noFill/>
-                </a:ln>
-                <a:solidFill>
-                  <a:srgbClr val="008080"/>
-                </a:solidFill>
-                <a:effectLst/>
-                <a:latin typeface="Consolas" panose="020B0609020204030204" pitchFamily="49" charset="0"/>
-              </a:rPr>
-              <a:t>PublicTransportationP</a:t>
-            </a:r>
-            <a:r>
-              <a:rPr kumimoji="0" lang="en-US" altLang="en-US" sz="1300" b="1" i="0" u="none" strike="noStrike" cap="none" normalizeH="0" baseline="0" dirty="0">
-                <a:ln>
-                  <a:noFill/>
-                </a:ln>
-                <a:solidFill>
-                  <a:srgbClr val="008080"/>
-                </a:solidFill>
-                <a:effectLst/>
-                <a:latin typeface="Consolas" panose="020B0609020204030204" pitchFamily="49" charset="0"/>
-              </a:rPr>
-              <a:t>'</a:t>
-            </a:r>
-            <a:r>
-              <a:rPr kumimoji="0" lang="en-US" altLang="en-US" sz="1300" b="0" i="0" u="none" strike="noStrike" cap="none" normalizeH="0" baseline="0" dirty="0">
-                <a:ln>
-                  <a:noFill/>
-                </a:ln>
-                <a:solidFill>
-                  <a:srgbClr val="000000"/>
-                </a:solidFill>
-                <a:effectLst/>
-                <a:latin typeface="Consolas" panose="020B0609020204030204" pitchFamily="49" charset="0"/>
-              </a:rPr>
-              <a:t>, </a:t>
-            </a:r>
-            <a:r>
-              <a:rPr kumimoji="0" lang="en-US" altLang="en-US" sz="1300" b="1" i="0" u="none" strike="noStrike" cap="none" normalizeH="0" baseline="0" dirty="0">
-                <a:ln>
-                  <a:noFill/>
-                </a:ln>
-                <a:solidFill>
-                  <a:srgbClr val="008080"/>
-                </a:solidFill>
-                <a:effectLst/>
-                <a:latin typeface="Consolas" panose="020B0609020204030204" pitchFamily="49" charset="0"/>
-              </a:rPr>
-              <a:t>'Household'</a:t>
-            </a:r>
-            <a:r>
-              <a:rPr kumimoji="0" lang="en-US" altLang="en-US" sz="1300" b="0" i="0" u="none" strike="noStrike" cap="none" normalizeH="0" baseline="0" dirty="0">
-                <a:ln>
-                  <a:noFill/>
-                </a:ln>
-                <a:solidFill>
-                  <a:srgbClr val="000000"/>
-                </a:solidFill>
-                <a:effectLst/>
-                <a:latin typeface="Consolas" panose="020B0609020204030204" pitchFamily="49" charset="0"/>
-              </a:rPr>
-              <a:t>, </a:t>
-            </a:r>
-            <a:r>
-              <a:rPr kumimoji="0" lang="en-US" altLang="en-US" sz="1300" b="1" i="0" u="none" strike="noStrike" cap="none" normalizeH="0" baseline="0" dirty="0">
-                <a:ln>
-                  <a:noFill/>
-                </a:ln>
-                <a:solidFill>
-                  <a:srgbClr val="008080"/>
-                </a:solidFill>
-                <a:effectLst/>
-                <a:latin typeface="Consolas" panose="020B0609020204030204" pitchFamily="49" charset="0"/>
-              </a:rPr>
-              <a:t>'Income'</a:t>
+              <a:t>"Vermont"</a:t>
             </a:r>
             <a:endParaRPr kumimoji="0" lang="en-US" altLang="en-US" sz="1800" b="0" i="0" u="none" strike="noStrike" cap="none" normalizeH="0" baseline="0" dirty="0">
               <a:ln>
@@ -44513,10 +43295,10 @@
       </p:sp>
       <p:sp>
         <p:nvSpPr>
-          <p:cNvPr id="5" name="Rectangle 1">
-            <a:extLst>
-              <a:ext uri="{FF2B5EF4-FFF2-40B4-BE49-F238E27FC236}">
-                <a16:creationId xmlns:a16="http://schemas.microsoft.com/office/drawing/2014/main" id="{22C82D7D-37BA-4531-9DE0-6D992C5235D9}"/>
+          <p:cNvPr id="7" name="Rectangle 2">
+            <a:extLst>
+              <a:ext uri="{FF2B5EF4-FFF2-40B4-BE49-F238E27FC236}">
+                <a16:creationId xmlns:a16="http://schemas.microsoft.com/office/drawing/2014/main" id="{C1D93AE8-71C4-4F10-A7A4-54432C603881}"/>
               </a:ext>
             </a:extLst>
           </p:cNvPr>
@@ -44527,272 +43309,8 @@
         </p:nvSpPr>
         <p:spPr bwMode="auto">
           <a:xfrm>
-            <a:off x="0" y="0"/>
-            <a:ext cx="12192000" cy="457200"/>
-          </a:xfrm>
-          <a:prstGeom prst="rect">
-            <a:avLst/>
-          </a:prstGeom>
-          <a:solidFill>
-            <a:srgbClr val="FFFFFF"/>
-          </a:solidFill>
-          <a:ln>
-            <a:noFill/>
-          </a:ln>
-          <a:effectLst/>
-          <a:extLst>
-            <a:ext uri="{91240B29-F687-4F45-9708-019B960494DF}">
-              <a14:hiddenLine xmlns:a14="http://schemas.microsoft.com/office/drawing/2010/main" w="9525">
-                <a:solidFill>
-                  <a:schemeClr val="tx1"/>
-                </a:solidFill>
-                <a:miter lim="800000"/>
-                <a:headEnd/>
-                <a:tailEnd/>
-              </a14:hiddenLine>
-            </a:ext>
-            <a:ext uri="{AF507438-7753-43E0-B8FC-AC1667EBCBE1}">
-              <a14:hiddenEffects xmlns:a14="http://schemas.microsoft.com/office/drawing/2010/main">
-                <a:effectLst>
-                  <a:outerShdw dist="35921" dir="2700000" algn="ctr" rotWithShape="0">
-                    <a:schemeClr val="bg2"/>
-                  </a:outerShdw>
-                </a:effectLst>
-              </a14:hiddenEffects>
-            </a:ext>
-          </a:extLst>
-        </p:spPr>
-        <p:txBody>
-          <a:bodyPr vert="horz" wrap="none" lIns="91440" tIns="45720" rIns="91440" bIns="45720" numCol="1" anchor="ctr" anchorCtr="0" compatLnSpc="1">
-            <a:prstTxWarp prst="textNoShape">
-              <a:avLst/>
-            </a:prstTxWarp>
-            <a:spAutoFit/>
-          </a:bodyPr>
-          <a:lstStyle/>
-          <a:p>
-            <a:pPr marL="0" marR="0" lvl="0" indent="0" algn="l" defTabSz="914400" rtl="0" eaLnBrk="0" fontAlgn="base" latinLnBrk="0" hangingPunct="0">
-              <a:lnSpc>
-                <a:spcPct val="100000"/>
-              </a:lnSpc>
-              <a:spcBef>
-                <a:spcPct val="0"/>
-              </a:spcBef>
-              <a:spcAft>
-                <a:spcPct val="0"/>
-              </a:spcAft>
-              <a:buClrTx/>
-              <a:buSzTx/>
-              <a:buFontTx/>
-              <a:buNone/>
-              <a:tabLst/>
-            </a:pPr>
-            <a:r>
-              <a:rPr kumimoji="0" lang="en-US" altLang="en-US" sz="1300" b="1" i="0" u="none" strike="noStrike" cap="none" normalizeH="0" baseline="0" dirty="0">
-                <a:ln>
-                  <a:noFill/>
-                </a:ln>
-                <a:solidFill>
-                  <a:srgbClr val="008080"/>
-                </a:solidFill>
-                <a:effectLst/>
-                <a:latin typeface="Consolas" panose="020B0609020204030204" pitchFamily="49" charset="0"/>
-              </a:rPr>
-              <a:t>"Alaska"</a:t>
-            </a:r>
-            <a:r>
-              <a:rPr kumimoji="0" lang="en-US" altLang="en-US" sz="1300" b="0" i="0" u="none" strike="noStrike" cap="none" normalizeH="0" baseline="0" dirty="0">
-                <a:ln>
-                  <a:noFill/>
-                </a:ln>
-                <a:solidFill>
-                  <a:srgbClr val="000000"/>
-                </a:solidFill>
-                <a:effectLst/>
-                <a:latin typeface="Consolas" panose="020B0609020204030204" pitchFamily="49" charset="0"/>
-              </a:rPr>
-              <a:t>, </a:t>
-            </a:r>
-            <a:r>
-              <a:rPr kumimoji="0" lang="en-US" altLang="en-US" sz="1300" b="1" i="0" u="none" strike="noStrike" cap="none" normalizeH="0" baseline="0" dirty="0">
-                <a:ln>
-                  <a:noFill/>
-                </a:ln>
-                <a:solidFill>
-                  <a:srgbClr val="008080"/>
-                </a:solidFill>
-                <a:effectLst/>
-                <a:latin typeface="Consolas" panose="020B0609020204030204" pitchFamily="49" charset="0"/>
-              </a:rPr>
-              <a:t>"Hawaii"</a:t>
-            </a:r>
-            <a:r>
-              <a:rPr kumimoji="0" lang="en-US" altLang="en-US" sz="1300" b="0" i="0" u="none" strike="noStrike" cap="none" normalizeH="0" baseline="0" dirty="0">
-                <a:ln>
-                  <a:noFill/>
-                </a:ln>
-                <a:solidFill>
-                  <a:srgbClr val="000000"/>
-                </a:solidFill>
-                <a:effectLst/>
-                <a:latin typeface="Consolas" panose="020B0609020204030204" pitchFamily="49" charset="0"/>
-              </a:rPr>
-              <a:t>, </a:t>
-            </a:r>
-            <a:r>
-              <a:rPr kumimoji="0" lang="en-US" altLang="en-US" sz="1300" b="1" i="0" u="none" strike="noStrike" cap="none" normalizeH="0" baseline="0" dirty="0">
-                <a:ln>
-                  <a:noFill/>
-                </a:ln>
-                <a:solidFill>
-                  <a:srgbClr val="008080"/>
-                </a:solidFill>
-                <a:effectLst/>
-                <a:latin typeface="Consolas" panose="020B0609020204030204" pitchFamily="49" charset="0"/>
-              </a:rPr>
-              <a:t>"Idaho"</a:t>
-            </a:r>
-            <a:r>
-              <a:rPr kumimoji="0" lang="en-US" altLang="en-US" sz="1300" b="0" i="0" u="none" strike="noStrike" cap="none" normalizeH="0" baseline="0" dirty="0">
-                <a:ln>
-                  <a:noFill/>
-                </a:ln>
-                <a:solidFill>
-                  <a:srgbClr val="000000"/>
-                </a:solidFill>
-                <a:effectLst/>
-                <a:latin typeface="Consolas" panose="020B0609020204030204" pitchFamily="49" charset="0"/>
-              </a:rPr>
-              <a:t>, </a:t>
-            </a:r>
-            <a:r>
-              <a:rPr kumimoji="0" lang="en-US" altLang="en-US" sz="1300" b="1" i="0" u="none" strike="noStrike" cap="none" normalizeH="0" baseline="0" dirty="0">
-                <a:ln>
-                  <a:noFill/>
-                </a:ln>
-                <a:solidFill>
-                  <a:srgbClr val="008080"/>
-                </a:solidFill>
-                <a:effectLst/>
-                <a:latin typeface="Consolas" panose="020B0609020204030204" pitchFamily="49" charset="0"/>
-              </a:rPr>
-              <a:t>"Louisiana"</a:t>
-            </a:r>
-            <a:r>
-              <a:rPr kumimoji="0" lang="en-US" altLang="en-US" sz="1300" b="0" i="0" u="none" strike="noStrike" cap="none" normalizeH="0" baseline="0" dirty="0">
-                <a:ln>
-                  <a:noFill/>
-                </a:ln>
-                <a:solidFill>
-                  <a:srgbClr val="000000"/>
-                </a:solidFill>
-                <a:effectLst/>
-                <a:latin typeface="Consolas" panose="020B0609020204030204" pitchFamily="49" charset="0"/>
-              </a:rPr>
-              <a:t>, </a:t>
-            </a:r>
-            <a:r>
-              <a:rPr kumimoji="0" lang="en-US" altLang="en-US" sz="1300" b="1" i="0" u="none" strike="noStrike" cap="none" normalizeH="0" baseline="0" dirty="0">
-                <a:ln>
-                  <a:noFill/>
-                </a:ln>
-                <a:solidFill>
-                  <a:srgbClr val="008080"/>
-                </a:solidFill>
-                <a:effectLst/>
-                <a:latin typeface="Consolas" panose="020B0609020204030204" pitchFamily="49" charset="0"/>
-              </a:rPr>
-              <a:t>"Vermont"</a:t>
-            </a:r>
-            <a:endParaRPr kumimoji="0" lang="en-US" altLang="en-US" sz="1800" b="0" i="0" u="none" strike="noStrike" cap="none" normalizeH="0" baseline="0" dirty="0">
-              <a:ln>
-                <a:noFill/>
-              </a:ln>
-              <a:solidFill>
-                <a:schemeClr val="tx1"/>
-              </a:solidFill>
-              <a:effectLst/>
-              <a:latin typeface="Arial" panose="020B0604020202020204" pitchFamily="34" charset="0"/>
-            </a:endParaRPr>
-          </a:p>
-        </p:txBody>
-      </p:sp>
-      <p:sp>
-        <p:nvSpPr>
-          <p:cNvPr id="7" name="직사각형 6">
-            <a:extLst>
-              <a:ext uri="{FF2B5EF4-FFF2-40B4-BE49-F238E27FC236}">
-                <a16:creationId xmlns:a16="http://schemas.microsoft.com/office/drawing/2014/main" id="{DAAEB55E-AA58-4C86-8A29-010907661E5B}"/>
-              </a:ext>
-            </a:extLst>
-          </p:cNvPr>
-          <p:cNvSpPr/>
-          <p:nvPr/>
-        </p:nvSpPr>
-        <p:spPr>
-          <a:xfrm>
-            <a:off x="359595" y="911308"/>
-            <a:ext cx="10900881" cy="1477328"/>
-          </a:xfrm>
-          <a:prstGeom prst="rect">
-            <a:avLst/>
-          </a:prstGeom>
-        </p:spPr>
-        <p:txBody>
-          <a:bodyPr wrap="square">
-            <a:spAutoFit/>
-          </a:bodyPr>
-          <a:lstStyle/>
-          <a:p>
-            <a:r>
-              <a:rPr lang="en-US" dirty="0"/>
-              <a:t>[1.02031032] Train Length[372]  Prediction Length[54]  Input Windows[20]  MAE Score[0.0897]</a:t>
-            </a:r>
-          </a:p>
-          <a:p>
-            <a:r>
-              <a:rPr lang="en-US" dirty="0"/>
-              <a:t>[1.02406714] Train Length[372]  Prediction Length[54]  Input Windows[20]  MAE Score[0.0913]</a:t>
-            </a:r>
-          </a:p>
-          <a:p>
-            <a:r>
-              <a:rPr lang="en-US" dirty="0"/>
-              <a:t>[1.01680865] Train Length[372]  Prediction Length[54]  Input Windows[20]  MAE Score[0.0885]</a:t>
-            </a:r>
-          </a:p>
-          <a:p>
-            <a:r>
-              <a:rPr lang="en-US" dirty="0"/>
-              <a:t>[1.02173407] Train Length[372]  Prediction Length[54]  Input Windows[20]  MAE Score[0.0901]</a:t>
-            </a:r>
-          </a:p>
-          <a:p>
-            <a:r>
-              <a:rPr lang="en-US" dirty="0"/>
-              <a:t>[1.02178414] Train Length[372]  Prediction Length[54]  Input Windows[20]  MAE Score[0.0901]</a:t>
-            </a:r>
-          </a:p>
-        </p:txBody>
-      </p:sp>
-      <p:sp>
-        <p:nvSpPr>
-          <p:cNvPr id="9" name="Rectangle 2">
-            <a:extLst>
-              <a:ext uri="{FF2B5EF4-FFF2-40B4-BE49-F238E27FC236}">
-                <a16:creationId xmlns:a16="http://schemas.microsoft.com/office/drawing/2014/main" id="{9E076452-56B1-4544-9F00-9E9FA8E4D36D}"/>
-              </a:ext>
-            </a:extLst>
-          </p:cNvPr>
-          <p:cNvSpPr>
-            <a:spLocks noChangeArrowheads="1"/>
-          </p:cNvSpPr>
-          <p:nvPr/>
-        </p:nvSpPr>
-        <p:spPr bwMode="auto">
-          <a:xfrm>
-            <a:off x="544530" y="2550356"/>
-            <a:ext cx="8681663" cy="292388"/>
+            <a:off x="217588" y="461091"/>
+            <a:ext cx="2320834" cy="292388"/>
           </a:xfrm>
           <a:prstGeom prst="rect">
             <a:avLst/>
@@ -44864,162 +43382,6 @@
               </a:rPr>
               <a:t>'lag_1_ratio_cc'</a:t>
             </a:r>
-            <a:r>
-              <a:rPr kumimoji="0" lang="en-US" altLang="en-US" sz="1300" b="0" i="0" u="none" strike="noStrike" cap="none" normalizeH="0" baseline="0" dirty="0">
-                <a:ln>
-                  <a:noFill/>
-                </a:ln>
-                <a:solidFill>
-                  <a:srgbClr val="000000"/>
-                </a:solidFill>
-                <a:effectLst/>
-                <a:latin typeface="Consolas" panose="020B0609020204030204" pitchFamily="49" charset="0"/>
-              </a:rPr>
-              <a:t>, </a:t>
-            </a:r>
-            <a:r>
-              <a:rPr kumimoji="0" lang="en-US" altLang="en-US" sz="1300" b="1" i="0" u="none" strike="noStrike" cap="none" normalizeH="0" baseline="0" dirty="0">
-                <a:ln>
-                  <a:noFill/>
-                </a:ln>
-                <a:solidFill>
-                  <a:srgbClr val="008080"/>
-                </a:solidFill>
-                <a:effectLst/>
-                <a:latin typeface="Consolas" panose="020B0609020204030204" pitchFamily="49" charset="0"/>
-              </a:rPr>
-              <a:t>'</a:t>
-            </a:r>
-            <a:r>
-              <a:rPr kumimoji="0" lang="en-US" altLang="en-US" sz="1300" b="1" i="0" u="none" strike="noStrike" cap="none" normalizeH="0" baseline="0" dirty="0" err="1">
-                <a:ln>
-                  <a:noFill/>
-                </a:ln>
-                <a:solidFill>
-                  <a:srgbClr val="008080"/>
-                </a:solidFill>
-                <a:effectLst/>
-                <a:latin typeface="Consolas" panose="020B0609020204030204" pitchFamily="49" charset="0"/>
-              </a:rPr>
-              <a:t>SeniorMalePopulation</a:t>
-            </a:r>
-            <a:r>
-              <a:rPr kumimoji="0" lang="en-US" altLang="en-US" sz="1300" b="1" i="0" u="none" strike="noStrike" cap="none" normalizeH="0" baseline="0" dirty="0">
-                <a:ln>
-                  <a:noFill/>
-                </a:ln>
-                <a:solidFill>
-                  <a:srgbClr val="008080"/>
-                </a:solidFill>
-                <a:effectLst/>
-                <a:latin typeface="Consolas" panose="020B0609020204030204" pitchFamily="49" charset="0"/>
-              </a:rPr>
-              <a:t>'</a:t>
-            </a:r>
-            <a:r>
-              <a:rPr kumimoji="0" lang="en-US" altLang="en-US" sz="1300" b="0" i="0" u="none" strike="noStrike" cap="none" normalizeH="0" baseline="0" dirty="0">
-                <a:ln>
-                  <a:noFill/>
-                </a:ln>
-                <a:solidFill>
-                  <a:srgbClr val="000000"/>
-                </a:solidFill>
-                <a:effectLst/>
-                <a:latin typeface="Consolas" panose="020B0609020204030204" pitchFamily="49" charset="0"/>
-              </a:rPr>
-              <a:t>, </a:t>
-            </a:r>
-            <a:r>
-              <a:rPr kumimoji="0" lang="en-US" altLang="en-US" sz="1300" b="1" i="0" u="none" strike="noStrike" cap="none" normalizeH="0" baseline="0" dirty="0">
-                <a:ln>
-                  <a:noFill/>
-                </a:ln>
-                <a:solidFill>
-                  <a:srgbClr val="008080"/>
-                </a:solidFill>
-                <a:effectLst/>
-                <a:latin typeface="Consolas" panose="020B0609020204030204" pitchFamily="49" charset="0"/>
-              </a:rPr>
-              <a:t>'</a:t>
-            </a:r>
-            <a:r>
-              <a:rPr kumimoji="0" lang="en-US" altLang="en-US" sz="1300" b="1" i="0" u="none" strike="noStrike" cap="none" normalizeH="0" baseline="0" dirty="0" err="1">
-                <a:ln>
-                  <a:noFill/>
-                </a:ln>
-                <a:solidFill>
-                  <a:srgbClr val="008080"/>
-                </a:solidFill>
-                <a:effectLst/>
-                <a:latin typeface="Consolas" panose="020B0609020204030204" pitchFamily="49" charset="0"/>
-              </a:rPr>
-              <a:t>PublicTransportationP</a:t>
-            </a:r>
-            <a:r>
-              <a:rPr kumimoji="0" lang="en-US" altLang="en-US" sz="1300" b="1" i="0" u="none" strike="noStrike" cap="none" normalizeH="0" baseline="0" dirty="0">
-                <a:ln>
-                  <a:noFill/>
-                </a:ln>
-                <a:solidFill>
-                  <a:srgbClr val="008080"/>
-                </a:solidFill>
-                <a:effectLst/>
-                <a:latin typeface="Consolas" panose="020B0609020204030204" pitchFamily="49" charset="0"/>
-              </a:rPr>
-              <a:t>'</a:t>
-            </a:r>
-            <a:r>
-              <a:rPr kumimoji="0" lang="en-US" altLang="en-US" sz="1300" b="0" i="0" u="none" strike="noStrike" cap="none" normalizeH="0" baseline="0" dirty="0">
-                <a:ln>
-                  <a:noFill/>
-                </a:ln>
-                <a:solidFill>
-                  <a:srgbClr val="000000"/>
-                </a:solidFill>
-                <a:effectLst/>
-                <a:latin typeface="Consolas" panose="020B0609020204030204" pitchFamily="49" charset="0"/>
-              </a:rPr>
-              <a:t>, </a:t>
-            </a:r>
-            <a:r>
-              <a:rPr kumimoji="0" lang="en-US" altLang="en-US" sz="1300" b="1" i="0" u="none" strike="noStrike" cap="none" normalizeH="0" baseline="0" dirty="0">
-                <a:ln>
-                  <a:noFill/>
-                </a:ln>
-                <a:solidFill>
-                  <a:srgbClr val="008080"/>
-                </a:solidFill>
-                <a:effectLst/>
-                <a:latin typeface="Consolas" panose="020B0609020204030204" pitchFamily="49" charset="0"/>
-              </a:rPr>
-              <a:t>'Household'</a:t>
-            </a:r>
-            <a:r>
-              <a:rPr kumimoji="0" lang="en-US" altLang="en-US" sz="1300" b="0" i="0" u="none" strike="noStrike" cap="none" normalizeH="0" baseline="0" dirty="0">
-                <a:ln>
-                  <a:noFill/>
-                </a:ln>
-                <a:solidFill>
-                  <a:srgbClr val="000000"/>
-                </a:solidFill>
-                <a:effectLst/>
-                <a:latin typeface="Consolas" panose="020B0609020204030204" pitchFamily="49" charset="0"/>
-              </a:rPr>
-              <a:t>, </a:t>
-            </a:r>
-            <a:r>
-              <a:rPr kumimoji="0" lang="en-US" altLang="en-US" sz="1300" b="1" i="0" u="none" strike="noStrike" cap="none" normalizeH="0" baseline="0" dirty="0">
-                <a:ln>
-                  <a:noFill/>
-                </a:ln>
-                <a:solidFill>
-                  <a:srgbClr val="008080"/>
-                </a:solidFill>
-                <a:effectLst/>
-                <a:latin typeface="Consolas" panose="020B0609020204030204" pitchFamily="49" charset="0"/>
-              </a:rPr>
-              <a:t>'Income'</a:t>
-            </a:r>
             <a:endParaRPr kumimoji="0" lang="en-US" altLang="en-US" sz="1800" b="0" i="0" u="none" strike="noStrike" cap="none" normalizeH="0" baseline="0" dirty="0">
               <a:ln>
                 <a:noFill/>
@@ -45035,10 +43397,10 @@
       </p:sp>
       <p:sp>
         <p:nvSpPr>
-          <p:cNvPr id="10" name="직사각형 9">
-            <a:extLst>
-              <a:ext uri="{FF2B5EF4-FFF2-40B4-BE49-F238E27FC236}">
-                <a16:creationId xmlns:a16="http://schemas.microsoft.com/office/drawing/2014/main" id="{692B9B07-83FA-4B2E-BD39-59D30348EDE4}"/>
+          <p:cNvPr id="8" name="직사각형 7">
+            <a:extLst>
+              <a:ext uri="{FF2B5EF4-FFF2-40B4-BE49-F238E27FC236}">
+                <a16:creationId xmlns:a16="http://schemas.microsoft.com/office/drawing/2014/main" id="{FB476521-B21B-4F08-B030-7F6FAC259893}"/>
               </a:ext>
             </a:extLst>
           </p:cNvPr>
@@ -45047,8 +43409,8 @@
         </p:nvSpPr>
         <p:spPr>
           <a:xfrm>
-            <a:off x="359595" y="2858741"/>
-            <a:ext cx="9041259" cy="1200329"/>
+            <a:off x="291611" y="3156534"/>
+            <a:ext cx="8190538" cy="646331"/>
           </a:xfrm>
           <a:prstGeom prst="rect">
             <a:avLst/>
@@ -45062,75 +43424,23 @@
           <a:p>
             <a:r>
               <a:rPr lang="en-US" dirty="0"/>
-              <a:t>[1.02190023] Train Length[372]  Prediction Length[54]  Input Windows[20]  MAE Score[0.0881]</a:t>
+              <a:t>Train Length[372]  Prediction Length[54]  Input Windows[20]  MAE Score[0.0979]</a:t>
             </a:r>
           </a:p>
           <a:p>
             <a:r>
               <a:rPr lang="en-US" dirty="0"/>
-              <a:t>[1.02185976] Train Length[372]  Prediction Length[54]  Input Windows[20]  MAE Score[0.0880]</a:t>
-            </a:r>
-          </a:p>
-          <a:p>
-            <a:r>
-              <a:rPr lang="en-US" dirty="0"/>
-              <a:t>[1.02204809] Train Length[372]  Prediction Length[54]  Input Windows[20]  MAE Score[0.0881]</a:t>
-            </a:r>
-          </a:p>
-          <a:p>
-            <a:r>
-              <a:rPr lang="en-US" dirty="0"/>
-              <a:t>[1.02185994] Train Length[372]  Prediction Length[54]  Input Windows[20]  MAE Score[0.0880]</a:t>
+              <a:t>Train Length[372]  Prediction Length[54]  Input Windows[20]  MAE Score[0.0939]</a:t>
             </a:r>
           </a:p>
         </p:txBody>
       </p:sp>
       <p:sp>
         <p:nvSpPr>
-          <p:cNvPr id="3" name="직사각형 2">
-            <a:extLst>
-              <a:ext uri="{FF2B5EF4-FFF2-40B4-BE49-F238E27FC236}">
-                <a16:creationId xmlns:a16="http://schemas.microsoft.com/office/drawing/2014/main" id="{1164AA92-8648-4A76-9417-4D089272902A}"/>
-              </a:ext>
-            </a:extLst>
-          </p:cNvPr>
-          <p:cNvSpPr/>
-          <p:nvPr/>
-        </p:nvSpPr>
-        <p:spPr>
-          <a:xfrm>
-            <a:off x="359595" y="4608002"/>
-            <a:ext cx="9890394" cy="646331"/>
-          </a:xfrm>
-          <a:prstGeom prst="rect">
-            <a:avLst/>
-          </a:prstGeom>
-        </p:spPr>
-        <p:txBody>
-          <a:bodyPr wrap="square">
-            <a:spAutoFit/>
-          </a:bodyPr>
-          <a:lstStyle/>
-          <a:p>
-            <a:r>
-              <a:rPr lang="en-US" dirty="0"/>
-              <a:t>[1.04515209] Train Length[372]  Prediction Length[54]  Input Windows[20]  MAE Score[0.0983]</a:t>
-            </a:r>
-          </a:p>
-          <a:p>
-            <a:r>
-              <a:rPr lang="en-US" dirty="0"/>
-              <a:t>[1.04479166] Train Length[372]  Prediction Length[54]  Input Windows[20]  MAE Score[0.0982]</a:t>
-            </a:r>
-          </a:p>
-        </p:txBody>
-      </p:sp>
-      <p:sp>
-        <p:nvSpPr>
-          <p:cNvPr id="11" name="Rectangle 2">
-            <a:extLst>
-              <a:ext uri="{FF2B5EF4-FFF2-40B4-BE49-F238E27FC236}">
-                <a16:creationId xmlns:a16="http://schemas.microsoft.com/office/drawing/2014/main" id="{00EDE83B-9351-42F8-8978-B935F104A028}"/>
+          <p:cNvPr id="9" name="Rectangle 3">
+            <a:extLst>
+              <a:ext uri="{FF2B5EF4-FFF2-40B4-BE49-F238E27FC236}">
+                <a16:creationId xmlns:a16="http://schemas.microsoft.com/office/drawing/2014/main" id="{2ACCB77F-7AE4-4182-9200-4E188AA6E507}"/>
               </a:ext>
             </a:extLst>
           </p:cNvPr>
@@ -45141,8 +43451,8 @@
         </p:nvSpPr>
         <p:spPr bwMode="auto">
           <a:xfrm>
-            <a:off x="544528" y="4176977"/>
-            <a:ext cx="8681663" cy="292388"/>
+            <a:off x="217588" y="2812871"/>
+            <a:ext cx="9457635" cy="292388"/>
           </a:xfrm>
           <a:prstGeom prst="rect">
             <a:avLst/>
@@ -45238,7 +43548,241 @@
                 <a:effectLst/>
                 <a:latin typeface="Consolas" panose="020B0609020204030204" pitchFamily="49" charset="0"/>
               </a:rPr>
-              <a:t>'Income'</a:t>
+              <a:t>'</a:t>
+            </a:r>
+            <a:r>
+              <a:rPr kumimoji="0" lang="en-US" altLang="en-US" sz="1300" b="1" i="0" u="none" strike="noStrike" cap="none" normalizeH="0" baseline="0" dirty="0" err="1">
+                <a:ln>
+                  <a:noFill/>
+                </a:ln>
+                <a:solidFill>
+                  <a:srgbClr val="008080"/>
+                </a:solidFill>
+                <a:effectLst/>
+                <a:latin typeface="Consolas" panose="020B0609020204030204" pitchFamily="49" charset="0"/>
+              </a:rPr>
+              <a:t>SeniorPopulation</a:t>
+            </a:r>
+            <a:r>
+              <a:rPr kumimoji="0" lang="en-US" altLang="en-US" sz="1300" b="1" i="0" u="none" strike="noStrike" cap="none" normalizeH="0" baseline="0" dirty="0">
+                <a:ln>
+                  <a:noFill/>
+                </a:ln>
+                <a:solidFill>
+                  <a:srgbClr val="008080"/>
+                </a:solidFill>
+                <a:effectLst/>
+                <a:latin typeface="Consolas" panose="020B0609020204030204" pitchFamily="49" charset="0"/>
+              </a:rPr>
+              <a:t>'</a:t>
+            </a:r>
+            <a:r>
+              <a:rPr kumimoji="0" lang="en-US" altLang="en-US" sz="1300" b="0" i="0" u="none" strike="noStrike" cap="none" normalizeH="0" baseline="0" dirty="0">
+                <a:ln>
+                  <a:noFill/>
+                </a:ln>
+                <a:solidFill>
+                  <a:srgbClr val="000000"/>
+                </a:solidFill>
+                <a:effectLst/>
+                <a:latin typeface="Consolas" panose="020B0609020204030204" pitchFamily="49" charset="0"/>
+              </a:rPr>
+              <a:t>, </a:t>
+            </a:r>
+            <a:r>
+              <a:rPr kumimoji="0" lang="en-US" altLang="en-US" sz="1300" b="1" i="0" u="none" strike="noStrike" cap="none" normalizeH="0" baseline="0" dirty="0">
+                <a:ln>
+                  <a:noFill/>
+                </a:ln>
+                <a:solidFill>
+                  <a:srgbClr val="008080"/>
+                </a:solidFill>
+                <a:effectLst/>
+                <a:latin typeface="Consolas" panose="020B0609020204030204" pitchFamily="49" charset="0"/>
+              </a:rPr>
+              <a:t>'</a:t>
+            </a:r>
+            <a:r>
+              <a:rPr kumimoji="0" lang="en-US" altLang="en-US" sz="1300" b="1" i="0" u="none" strike="noStrike" cap="none" normalizeH="0" baseline="0" dirty="0" err="1">
+                <a:ln>
+                  <a:noFill/>
+                </a:ln>
+                <a:solidFill>
+                  <a:srgbClr val="008080"/>
+                </a:solidFill>
+                <a:effectLst/>
+                <a:latin typeface="Consolas" panose="020B0609020204030204" pitchFamily="49" charset="0"/>
+              </a:rPr>
+              <a:t>FoodStamp</a:t>
+            </a:r>
+            <a:r>
+              <a:rPr kumimoji="0" lang="en-US" altLang="en-US" sz="1300" b="1" i="0" u="none" strike="noStrike" cap="none" normalizeH="0" baseline="0" dirty="0">
+                <a:ln>
+                  <a:noFill/>
+                </a:ln>
+                <a:solidFill>
+                  <a:srgbClr val="008080"/>
+                </a:solidFill>
+                <a:effectLst/>
+                <a:latin typeface="Consolas" panose="020B0609020204030204" pitchFamily="49" charset="0"/>
+              </a:rPr>
+              <a:t>'</a:t>
+            </a:r>
+            <a:r>
+              <a:rPr kumimoji="0" lang="en-US" altLang="en-US" sz="1300" b="0" i="0" u="none" strike="noStrike" cap="none" normalizeH="0" baseline="0" dirty="0">
+                <a:ln>
+                  <a:noFill/>
+                </a:ln>
+                <a:solidFill>
+                  <a:srgbClr val="000000"/>
+                </a:solidFill>
+                <a:effectLst/>
+                <a:latin typeface="Consolas" panose="020B0609020204030204" pitchFamily="49" charset="0"/>
+              </a:rPr>
+              <a:t>, </a:t>
+            </a:r>
+            <a:r>
+              <a:rPr kumimoji="0" lang="en-US" altLang="en-US" sz="1300" b="1" i="0" u="none" strike="noStrike" cap="none" normalizeH="0" baseline="0" dirty="0">
+                <a:ln>
+                  <a:noFill/>
+                </a:ln>
+                <a:solidFill>
+                  <a:srgbClr val="008080"/>
+                </a:solidFill>
+                <a:effectLst/>
+                <a:latin typeface="Consolas" panose="020B0609020204030204" pitchFamily="49" charset="0"/>
+              </a:rPr>
+              <a:t>'</a:t>
+            </a:r>
+            <a:r>
+              <a:rPr kumimoji="0" lang="en-US" altLang="en-US" sz="1300" b="1" i="0" u="none" strike="noStrike" cap="none" normalizeH="0" baseline="0" dirty="0" err="1">
+                <a:ln>
+                  <a:noFill/>
+                </a:ln>
+                <a:solidFill>
+                  <a:srgbClr val="008080"/>
+                </a:solidFill>
+                <a:effectLst/>
+                <a:latin typeface="Consolas" panose="020B0609020204030204" pitchFamily="49" charset="0"/>
+              </a:rPr>
+              <a:t>NoHealthIns</a:t>
+            </a:r>
+            <a:r>
+              <a:rPr kumimoji="0" lang="en-US" altLang="en-US" sz="1300" b="1" i="0" u="none" strike="noStrike" cap="none" normalizeH="0" baseline="0" dirty="0">
+                <a:ln>
+                  <a:noFill/>
+                </a:ln>
+                <a:solidFill>
+                  <a:srgbClr val="008080"/>
+                </a:solidFill>
+                <a:effectLst/>
+                <a:latin typeface="Consolas" panose="020B0609020204030204" pitchFamily="49" charset="0"/>
+              </a:rPr>
+              <a:t>'</a:t>
+            </a:r>
+            <a:r>
+              <a:rPr kumimoji="0" lang="en-US" altLang="en-US" sz="1300" b="0" i="0" u="none" strike="noStrike" cap="none" normalizeH="0" baseline="0" dirty="0">
+                <a:ln>
+                  <a:noFill/>
+                </a:ln>
+                <a:solidFill>
+                  <a:srgbClr val="000000"/>
+                </a:solidFill>
+                <a:effectLst/>
+                <a:latin typeface="Consolas" panose="020B0609020204030204" pitchFamily="49" charset="0"/>
+              </a:rPr>
+              <a:t>, </a:t>
+            </a:r>
+            <a:r>
+              <a:rPr kumimoji="0" lang="en-US" altLang="en-US" sz="1300" b="1" i="0" u="none" strike="noStrike" cap="none" normalizeH="0" baseline="0" dirty="0">
+                <a:ln>
+                  <a:noFill/>
+                </a:ln>
+                <a:solidFill>
+                  <a:srgbClr val="008080"/>
+                </a:solidFill>
+                <a:effectLst/>
+                <a:latin typeface="Consolas" panose="020B0609020204030204" pitchFamily="49" charset="0"/>
+              </a:rPr>
+              <a:t>'</a:t>
+            </a:r>
+            <a:r>
+              <a:rPr kumimoji="0" lang="en-US" altLang="en-US" sz="1300" b="1" i="0" u="none" strike="noStrike" cap="none" normalizeH="0" baseline="0" dirty="0" err="1">
+                <a:ln>
+                  <a:noFill/>
+                </a:ln>
+                <a:solidFill>
+                  <a:srgbClr val="008080"/>
+                </a:solidFill>
+                <a:effectLst/>
+                <a:latin typeface="Consolas" panose="020B0609020204030204" pitchFamily="49" charset="0"/>
+              </a:rPr>
+              <a:t>PovertyLevel</a:t>
+            </a:r>
+            <a:r>
+              <a:rPr kumimoji="0" lang="en-US" altLang="en-US" sz="1300" b="1" i="0" u="none" strike="noStrike" cap="none" normalizeH="0" baseline="0" dirty="0">
+                <a:ln>
+                  <a:noFill/>
+                </a:ln>
+                <a:solidFill>
+                  <a:srgbClr val="008080"/>
+                </a:solidFill>
+                <a:effectLst/>
+                <a:latin typeface="Consolas" panose="020B0609020204030204" pitchFamily="49" charset="0"/>
+              </a:rPr>
+              <a:t>'</a:t>
+            </a:r>
+            <a:r>
+              <a:rPr kumimoji="0" lang="en-US" altLang="en-US" sz="1300" b="0" i="0" u="none" strike="noStrike" cap="none" normalizeH="0" baseline="0" dirty="0">
+                <a:ln>
+                  <a:noFill/>
+                </a:ln>
+                <a:solidFill>
+                  <a:srgbClr val="000000"/>
+                </a:solidFill>
+                <a:effectLst/>
+                <a:latin typeface="Consolas" panose="020B0609020204030204" pitchFamily="49" charset="0"/>
+              </a:rPr>
+              <a:t>, </a:t>
+            </a:r>
+            <a:r>
+              <a:rPr kumimoji="0" lang="en-US" altLang="en-US" sz="1300" b="1" i="0" u="none" strike="noStrike" cap="none" normalizeH="0" baseline="0" dirty="0">
+                <a:ln>
+                  <a:noFill/>
+                </a:ln>
+                <a:solidFill>
+                  <a:srgbClr val="008080"/>
+                </a:solidFill>
+                <a:effectLst/>
+                <a:latin typeface="Consolas" panose="020B0609020204030204" pitchFamily="49" charset="0"/>
+              </a:rPr>
+              <a:t>'</a:t>
+            </a:r>
+            <a:r>
+              <a:rPr kumimoji="0" lang="en-US" altLang="en-US" sz="1300" b="1" i="0" u="none" strike="noStrike" cap="none" normalizeH="0" baseline="0" dirty="0" err="1">
+                <a:ln>
+                  <a:noFill/>
+                </a:ln>
+                <a:solidFill>
+                  <a:srgbClr val="008080"/>
+                </a:solidFill>
+                <a:effectLst/>
+                <a:latin typeface="Consolas" panose="020B0609020204030204" pitchFamily="49" charset="0"/>
+              </a:rPr>
+              <a:t>MeanTravelTime</a:t>
+            </a:r>
+            <a:r>
+              <a:rPr kumimoji="0" lang="en-US" altLang="en-US" sz="1300" b="1" i="0" u="none" strike="noStrike" cap="none" normalizeH="0" baseline="0" dirty="0">
+                <a:ln>
+                  <a:noFill/>
+                </a:ln>
+                <a:solidFill>
+                  <a:srgbClr val="008080"/>
+                </a:solidFill>
+                <a:effectLst/>
+                <a:latin typeface="Consolas" panose="020B0609020204030204" pitchFamily="49" charset="0"/>
+              </a:rPr>
+              <a:t>'</a:t>
             </a:r>
             <a:endParaRPr kumimoji="0" lang="en-US" altLang="en-US" sz="1800" b="0" i="0" u="none" strike="noStrike" cap="none" normalizeH="0" baseline="0" dirty="0">
               <a:ln>
@@ -45253,12 +43797,72 @@
           </a:p>
         </p:txBody>
       </p:sp>
+      <p:pic>
+        <p:nvPicPr>
+          <p:cNvPr id="11" name="그림 10">
+            <a:extLst>
+              <a:ext uri="{FF2B5EF4-FFF2-40B4-BE49-F238E27FC236}">
+                <a16:creationId xmlns:a16="http://schemas.microsoft.com/office/drawing/2014/main" id="{F089CECE-E483-49DC-BF0A-344D4FDF9403}"/>
+              </a:ext>
+            </a:extLst>
+          </p:cNvPr>
+          <p:cNvPicPr>
+            <a:picLocks noChangeAspect="1"/>
+          </p:cNvPicPr>
+          <p:nvPr/>
+        </p:nvPicPr>
+        <p:blipFill>
+          <a:blip r:embed="rId2"/>
+          <a:stretch>
+            <a:fillRect/>
+          </a:stretch>
+        </p:blipFill>
+        <p:spPr>
+          <a:xfrm>
+            <a:off x="1" y="3947553"/>
+            <a:ext cx="4972692" cy="2835307"/>
+          </a:xfrm>
+          <a:prstGeom prst="rect">
+            <a:avLst/>
+          </a:prstGeom>
+        </p:spPr>
+      </p:pic>
+      <p:pic>
+        <p:nvPicPr>
+          <p:cNvPr id="10" name="그림 9">
+            <a:extLst>
+              <a:ext uri="{FF2B5EF4-FFF2-40B4-BE49-F238E27FC236}">
+                <a16:creationId xmlns:a16="http://schemas.microsoft.com/office/drawing/2014/main" id="{26C8A72B-4DC4-44FE-BE72-D3A5F2B05412}"/>
+              </a:ext>
+            </a:extLst>
+          </p:cNvPr>
+          <p:cNvPicPr>
+            <a:picLocks noChangeAspect="1"/>
+          </p:cNvPicPr>
+          <p:nvPr/>
+        </p:nvPicPr>
+        <p:blipFill>
+          <a:blip r:embed="rId3"/>
+          <a:stretch>
+            <a:fillRect/>
+          </a:stretch>
+        </p:blipFill>
+        <p:spPr>
+          <a:xfrm>
+            <a:off x="5813177" y="4659850"/>
+            <a:ext cx="6378823" cy="2050104"/>
+          </a:xfrm>
+          <a:prstGeom prst="rect">
+            <a:avLst/>
+          </a:prstGeom>
+        </p:spPr>
+      </p:pic>
       <p:sp>
         <p:nvSpPr>
           <p:cNvPr id="12" name="직사각형 11">
             <a:extLst>
               <a:ext uri="{FF2B5EF4-FFF2-40B4-BE49-F238E27FC236}">
-                <a16:creationId xmlns:a16="http://schemas.microsoft.com/office/drawing/2014/main" id="{9EF65D76-874B-4474-A037-9C67867987F2}"/>
+                <a16:creationId xmlns:a16="http://schemas.microsoft.com/office/drawing/2014/main" id="{126668B4-DA0C-4BE9-8245-937985E934A9}"/>
               </a:ext>
             </a:extLst>
           </p:cNvPr>
@@ -45267,228 +43871,30 @@
         </p:nvSpPr>
         <p:spPr>
           <a:xfrm>
-            <a:off x="359595" y="5754469"/>
-            <a:ext cx="9890394" cy="646331"/>
+            <a:off x="8309143" y="3285320"/>
+            <a:ext cx="1366080" cy="369332"/>
           </a:xfrm>
           <a:prstGeom prst="rect">
             <a:avLst/>
           </a:prstGeom>
         </p:spPr>
         <p:txBody>
-          <a:bodyPr wrap="square">
+          <a:bodyPr wrap="none">
             <a:spAutoFit/>
           </a:bodyPr>
           <a:lstStyle/>
           <a:p>
             <a:r>
               <a:rPr lang="en-US" dirty="0"/>
-              <a:t>[1.05536335] Train Length[372]  Prediction Length[54]  Input Windows[20]  MAE Score[0.1031]</a:t>
-            </a:r>
-          </a:p>
-          <a:p>
-            <a:r>
-              <a:rPr lang="en-US" dirty="0"/>
-              <a:t>[1.05538987] Train Length[372]  Prediction Length[54]  Input Windows[20]  MAE Score[0.1032]</a:t>
-            </a:r>
-          </a:p>
-        </p:txBody>
-      </p:sp>
-      <p:sp>
-        <p:nvSpPr>
-          <p:cNvPr id="13" name="Rectangle 2">
-            <a:extLst>
-              <a:ext uri="{FF2B5EF4-FFF2-40B4-BE49-F238E27FC236}">
-                <a16:creationId xmlns:a16="http://schemas.microsoft.com/office/drawing/2014/main" id="{440460AA-DEA0-43D2-A87C-0F0638655058}"/>
-              </a:ext>
-            </a:extLst>
-          </p:cNvPr>
-          <p:cNvSpPr>
-            <a:spLocks noChangeArrowheads="1"/>
-          </p:cNvSpPr>
-          <p:nvPr/>
-        </p:nvSpPr>
-        <p:spPr bwMode="auto">
-          <a:xfrm>
-            <a:off x="544528" y="5392970"/>
-            <a:ext cx="8681663" cy="292388"/>
-          </a:xfrm>
-          <a:prstGeom prst="rect">
-            <a:avLst/>
-          </a:prstGeom>
-          <a:solidFill>
-            <a:srgbClr val="FFFFFF"/>
-          </a:solidFill>
-          <a:ln>
-            <a:noFill/>
-          </a:ln>
-          <a:effectLst/>
-          <a:extLst>
-            <a:ext uri="{91240B29-F687-4F45-9708-019B960494DF}">
-              <a14:hiddenLine xmlns:a14="http://schemas.microsoft.com/office/drawing/2010/main" w="9525">
-                <a:solidFill>
-                  <a:schemeClr val="tx1"/>
-                </a:solidFill>
-                <a:miter lim="800000"/>
-                <a:headEnd/>
-                <a:tailEnd/>
-              </a14:hiddenLine>
-            </a:ext>
-            <a:ext uri="{AF507438-7753-43E0-B8FC-AC1667EBCBE1}">
-              <a14:hiddenEffects xmlns:a14="http://schemas.microsoft.com/office/drawing/2010/main">
-                <a:effectLst>
-                  <a:outerShdw dist="35921" dir="2700000" algn="ctr" rotWithShape="0">
-                    <a:schemeClr val="bg2"/>
-                  </a:outerShdw>
-                </a:effectLst>
-              </a14:hiddenEffects>
-            </a:ext>
-          </a:extLst>
-        </p:spPr>
-        <p:txBody>
-          <a:bodyPr vert="horz" wrap="square" lIns="91440" tIns="45720" rIns="91440" bIns="45720" numCol="1" anchor="ctr" anchorCtr="0" compatLnSpc="1">
-            <a:prstTxWarp prst="textNoShape">
-              <a:avLst/>
-            </a:prstTxWarp>
-            <a:spAutoFit/>
-          </a:bodyPr>
-          <a:lstStyle/>
-          <a:p>
-            <a:pPr lvl="0" eaLnBrk="0" fontAlgn="base" hangingPunct="0">
-              <a:spcBef>
-                <a:spcPct val="0"/>
-              </a:spcBef>
-              <a:spcAft>
-                <a:spcPct val="0"/>
-              </a:spcAft>
-            </a:pPr>
-            <a:r>
-              <a:rPr kumimoji="0" lang="en-US" altLang="en-US" sz="1300" b="1" i="0" u="none" strike="noStrike" cap="none" normalizeH="0" baseline="0" dirty="0">
-                <a:ln>
-                  <a:noFill/>
-                </a:ln>
-                <a:solidFill>
-                  <a:srgbClr val="008080"/>
-                </a:solidFill>
-                <a:effectLst/>
-                <a:latin typeface="Consolas" panose="020B0609020204030204" pitchFamily="49" charset="0"/>
-              </a:rPr>
-              <a:t>'lag_1_ratio_cc'</a:t>
-            </a:r>
-            <a:r>
-              <a:rPr lang="en-US" altLang="en-US" sz="1300" dirty="0">
-                <a:solidFill>
-                  <a:srgbClr val="000000"/>
-                </a:solidFill>
-                <a:latin typeface="Consolas" panose="020B0609020204030204" pitchFamily="49" charset="0"/>
-              </a:rPr>
-              <a:t>, </a:t>
-            </a:r>
-            <a:r>
-              <a:rPr lang="en-US" altLang="en-US" sz="1300" b="1" dirty="0">
-                <a:solidFill>
-                  <a:srgbClr val="008080"/>
-                </a:solidFill>
-                <a:latin typeface="Consolas" panose="020B0609020204030204" pitchFamily="49" charset="0"/>
-              </a:rPr>
-              <a:t>'Income</a:t>
-            </a:r>
-            <a:r>
-              <a:rPr lang="en-US" altLang="en-US" sz="1300" dirty="0">
-                <a:solidFill>
-                  <a:srgbClr val="000000"/>
-                </a:solidFill>
-                <a:latin typeface="Consolas" panose="020B0609020204030204" pitchFamily="49" charset="0"/>
-              </a:rPr>
-              <a:t>, </a:t>
-            </a:r>
-            <a:r>
-              <a:rPr lang="en-US" altLang="en-US" sz="1300" b="1" dirty="0">
-                <a:solidFill>
-                  <a:srgbClr val="008080"/>
-                </a:solidFill>
-                <a:latin typeface="Consolas" panose="020B0609020204030204" pitchFamily="49" charset="0"/>
-              </a:rPr>
-              <a:t>'Income'</a:t>
-            </a:r>
-            <a:r>
-              <a:rPr lang="en-US" altLang="en-US" sz="1300" dirty="0">
-                <a:solidFill>
-                  <a:srgbClr val="000000"/>
-                </a:solidFill>
-                <a:latin typeface="Consolas" panose="020B0609020204030204" pitchFamily="49" charset="0"/>
-              </a:rPr>
-              <a:t>, </a:t>
-            </a:r>
-            <a:r>
-              <a:rPr lang="en-US" altLang="en-US" sz="1300" b="1" dirty="0">
-                <a:solidFill>
-                  <a:srgbClr val="008080"/>
-                </a:solidFill>
-                <a:latin typeface="Consolas" panose="020B0609020204030204" pitchFamily="49" charset="0"/>
-              </a:rPr>
-              <a:t>'Income'</a:t>
-            </a:r>
-            <a:r>
-              <a:rPr lang="en-US" altLang="en-US" sz="1300" dirty="0">
-                <a:solidFill>
-                  <a:srgbClr val="000000"/>
-                </a:solidFill>
-                <a:latin typeface="Consolas" panose="020B0609020204030204" pitchFamily="49" charset="0"/>
-              </a:rPr>
-              <a:t>, </a:t>
-            </a:r>
-            <a:r>
-              <a:rPr lang="en-US" altLang="en-US" sz="1300" b="1" dirty="0">
-                <a:solidFill>
-                  <a:srgbClr val="008080"/>
-                </a:solidFill>
-                <a:latin typeface="Consolas" panose="020B0609020204030204" pitchFamily="49" charset="0"/>
-              </a:rPr>
-              <a:t>'Income'</a:t>
-            </a:r>
-            <a:r>
-              <a:rPr kumimoji="0" lang="en-US" altLang="en-US" sz="1300" b="0" i="0" u="none" strike="noStrike" cap="none" normalizeH="0" baseline="0" dirty="0">
-                <a:ln>
-                  <a:noFill/>
-                </a:ln>
-                <a:solidFill>
-                  <a:srgbClr val="000000"/>
-                </a:solidFill>
-                <a:effectLst/>
-                <a:latin typeface="Consolas" panose="020B0609020204030204" pitchFamily="49" charset="0"/>
-              </a:rPr>
-              <a:t>, </a:t>
-            </a:r>
-            <a:r>
-              <a:rPr kumimoji="0" lang="en-US" altLang="en-US" sz="1300" b="1" i="0" u="none" strike="noStrike" cap="none" normalizeH="0" baseline="0" dirty="0">
-                <a:ln>
-                  <a:noFill/>
-                </a:ln>
-                <a:solidFill>
-                  <a:srgbClr val="008080"/>
-                </a:solidFill>
-                <a:effectLst/>
-                <a:latin typeface="Consolas" panose="020B0609020204030204" pitchFamily="49" charset="0"/>
-              </a:rPr>
-              <a:t>'Income'</a:t>
-            </a:r>
-            <a:endParaRPr kumimoji="0" lang="en-US" altLang="en-US" sz="1800" b="0" i="0" u="none" strike="noStrike" cap="none" normalizeH="0" baseline="0" dirty="0">
-              <a:ln>
-                <a:noFill/>
-              </a:ln>
-              <a:solidFill>
-                <a:schemeClr val="tx1"/>
-              </a:solidFill>
-              <a:effectLst/>
-              <a:latin typeface="Arial" panose="020B0604020202020204" pitchFamily="34" charset="0"/>
-            </a:endParaRPr>
+              <a:t>1.03709355]</a:t>
+            </a:r>
           </a:p>
         </p:txBody>
       </p:sp>
     </p:spTree>
     <p:extLst>
       <p:ext uri="{BB962C8B-B14F-4D97-AF65-F5344CB8AC3E}">
-        <p14:creationId xmlns:p14="http://schemas.microsoft.com/office/powerpoint/2010/main" val="3455472762"/>
+        <p14:creationId xmlns:p14="http://schemas.microsoft.com/office/powerpoint/2010/main" val="1202492332"/>
       </p:ext>
     </p:extLst>
   </p:cSld>
@@ -45517,10 +43923,10 @@
       </p:grpSpPr>
       <p:sp>
         <p:nvSpPr>
-          <p:cNvPr id="5" name="Rectangle 1">
-            <a:extLst>
-              <a:ext uri="{FF2B5EF4-FFF2-40B4-BE49-F238E27FC236}">
-                <a16:creationId xmlns:a16="http://schemas.microsoft.com/office/drawing/2014/main" id="{22C82D7D-37BA-4531-9DE0-6D992C5235D9}"/>
+          <p:cNvPr id="4" name="Rectangle 1">
+            <a:extLst>
+              <a:ext uri="{FF2B5EF4-FFF2-40B4-BE49-F238E27FC236}">
+                <a16:creationId xmlns:a16="http://schemas.microsoft.com/office/drawing/2014/main" id="{32F42663-51BA-4750-A7EB-58732E843A39}"/>
               </a:ext>
             </a:extLst>
           </p:cNvPr>
@@ -45531,8 +43937,8 @@
         </p:nvSpPr>
         <p:spPr bwMode="auto">
           <a:xfrm>
-            <a:off x="0" y="0"/>
-            <a:ext cx="12192000" cy="457200"/>
+            <a:off x="359596" y="457200"/>
+            <a:ext cx="8225329" cy="492443"/>
           </a:xfrm>
           <a:prstGeom prst="rect">
             <a:avLst/>
@@ -45602,7 +44008,7 @@
                 <a:effectLst/>
                 <a:latin typeface="Consolas" panose="020B0609020204030204" pitchFamily="49" charset="0"/>
               </a:rPr>
-              <a:t>"Alaska"</a:t>
+              <a:t>'lag_1_ratio_cc'</a:t>
             </a:r>
             <a:r>
               <a:rPr kumimoji="0" lang="en-US" altLang="en-US" sz="1300" b="0" i="0" u="none" strike="noStrike" cap="none" normalizeH="0" baseline="0" dirty="0">
@@ -45628,7 +44034,33 @@
                 <a:effectLst/>
                 <a:latin typeface="Consolas" panose="020B0609020204030204" pitchFamily="49" charset="0"/>
               </a:rPr>
-              <a:t>"Hawaii"</a:t>
+              <a:t>'</a:t>
+            </a:r>
+            <a:r>
+              <a:rPr kumimoji="0" lang="en-US" altLang="en-US" sz="1300" b="1" i="0" u="none" strike="noStrike" cap="none" normalizeH="0" baseline="0" dirty="0" err="1">
+                <a:ln>
+                  <a:noFill/>
+                </a:ln>
+                <a:solidFill>
+                  <a:srgbClr val="008080"/>
+                </a:solidFill>
+                <a:effectLst/>
+                <a:latin typeface="Consolas" panose="020B0609020204030204" pitchFamily="49" charset="0"/>
+              </a:rPr>
+              <a:t>SeniorPopulation</a:t>
+            </a:r>
+            <a:r>
+              <a:rPr kumimoji="0" lang="en-US" altLang="en-US" sz="1300" b="1" i="0" u="none" strike="noStrike" cap="none" normalizeH="0" baseline="0" dirty="0">
+                <a:ln>
+                  <a:noFill/>
+                </a:ln>
+                <a:solidFill>
+                  <a:srgbClr val="008080"/>
+                </a:solidFill>
+                <a:effectLst/>
+                <a:latin typeface="Consolas" panose="020B0609020204030204" pitchFamily="49" charset="0"/>
+              </a:rPr>
+              <a:t>'</a:t>
             </a:r>
             <a:r>
               <a:rPr kumimoji="0" lang="en-US" altLang="en-US" sz="1300" b="0" i="0" u="none" strike="noStrike" cap="none" normalizeH="0" baseline="0" dirty="0">
@@ -45654,7 +44086,33 @@
                 <a:effectLst/>
                 <a:latin typeface="Consolas" panose="020B0609020204030204" pitchFamily="49" charset="0"/>
               </a:rPr>
-              <a:t>"Idaho"</a:t>
+              <a:t>'</a:t>
+            </a:r>
+            <a:r>
+              <a:rPr kumimoji="0" lang="en-US" altLang="en-US" sz="1300" b="1" i="0" u="none" strike="noStrike" cap="none" normalizeH="0" baseline="0" dirty="0" err="1">
+                <a:ln>
+                  <a:noFill/>
+                </a:ln>
+                <a:solidFill>
+                  <a:srgbClr val="008080"/>
+                </a:solidFill>
+                <a:effectLst/>
+                <a:latin typeface="Consolas" panose="020B0609020204030204" pitchFamily="49" charset="0"/>
+              </a:rPr>
+              <a:t>FoodStamp</a:t>
+            </a:r>
+            <a:r>
+              <a:rPr kumimoji="0" lang="en-US" altLang="en-US" sz="1300" b="1" i="0" u="none" strike="noStrike" cap="none" normalizeH="0" baseline="0" dirty="0">
+                <a:ln>
+                  <a:noFill/>
+                </a:ln>
+                <a:solidFill>
+                  <a:srgbClr val="008080"/>
+                </a:solidFill>
+                <a:effectLst/>
+                <a:latin typeface="Consolas" panose="020B0609020204030204" pitchFamily="49" charset="0"/>
+              </a:rPr>
+              <a:t>'</a:t>
             </a:r>
             <a:r>
               <a:rPr kumimoji="0" lang="en-US" altLang="en-US" sz="1300" b="0" i="0" u="none" strike="noStrike" cap="none" normalizeH="0" baseline="0" dirty="0">
@@ -45680,7 +44138,33 @@
                 <a:effectLst/>
                 <a:latin typeface="Consolas" panose="020B0609020204030204" pitchFamily="49" charset="0"/>
               </a:rPr>
-              <a:t>"Louisiana"</a:t>
+              <a:t>'</a:t>
+            </a:r>
+            <a:r>
+              <a:rPr kumimoji="0" lang="en-US" altLang="en-US" sz="1300" b="1" i="0" u="none" strike="noStrike" cap="none" normalizeH="0" baseline="0" dirty="0" err="1">
+                <a:ln>
+                  <a:noFill/>
+                </a:ln>
+                <a:solidFill>
+                  <a:srgbClr val="008080"/>
+                </a:solidFill>
+                <a:effectLst/>
+                <a:latin typeface="Consolas" panose="020B0609020204030204" pitchFamily="49" charset="0"/>
+              </a:rPr>
+              <a:t>NoHealthIns</a:t>
+            </a:r>
+            <a:r>
+              <a:rPr kumimoji="0" lang="en-US" altLang="en-US" sz="1300" b="1" i="0" u="none" strike="noStrike" cap="none" normalizeH="0" baseline="0" dirty="0">
+                <a:ln>
+                  <a:noFill/>
+                </a:ln>
+                <a:solidFill>
+                  <a:srgbClr val="008080"/>
+                </a:solidFill>
+                <a:effectLst/>
+                <a:latin typeface="Consolas" panose="020B0609020204030204" pitchFamily="49" charset="0"/>
+              </a:rPr>
+              <a:t>'</a:t>
             </a:r>
             <a:r>
               <a:rPr kumimoji="0" lang="en-US" altLang="en-US" sz="1300" b="0" i="0" u="none" strike="noStrike" cap="none" normalizeH="0" baseline="0" dirty="0">
@@ -45706,7 +44190,253 @@
                 <a:effectLst/>
                 <a:latin typeface="Consolas" panose="020B0609020204030204" pitchFamily="49" charset="0"/>
               </a:rPr>
-              <a:t>"Vermont"</a:t>
+              <a:t>'</a:t>
+            </a:r>
+            <a:r>
+              <a:rPr kumimoji="0" lang="en-US" altLang="en-US" sz="1300" b="1" i="0" u="none" strike="noStrike" cap="none" normalizeH="0" baseline="0" dirty="0" err="1">
+                <a:ln>
+                  <a:noFill/>
+                </a:ln>
+                <a:solidFill>
+                  <a:srgbClr val="008080"/>
+                </a:solidFill>
+                <a:effectLst/>
+                <a:latin typeface="Consolas" panose="020B0609020204030204" pitchFamily="49" charset="0"/>
+              </a:rPr>
+              <a:t>PovertyLevel</a:t>
+            </a:r>
+            <a:r>
+              <a:rPr kumimoji="0" lang="en-US" altLang="en-US" sz="1300" b="1" i="0" u="none" strike="noStrike" cap="none" normalizeH="0" baseline="0" dirty="0">
+                <a:ln>
+                  <a:noFill/>
+                </a:ln>
+                <a:solidFill>
+                  <a:srgbClr val="008080"/>
+                </a:solidFill>
+                <a:effectLst/>
+                <a:latin typeface="Consolas" panose="020B0609020204030204" pitchFamily="49" charset="0"/>
+              </a:rPr>
+              <a:t>'</a:t>
+            </a:r>
+            <a:r>
+              <a:rPr kumimoji="0" lang="en-US" altLang="en-US" sz="1300" b="0" i="0" u="none" strike="noStrike" cap="none" normalizeH="0" baseline="0" dirty="0">
+                <a:ln>
+                  <a:noFill/>
+                </a:ln>
+                <a:solidFill>
+                  <a:srgbClr val="000000"/>
+                </a:solidFill>
+                <a:effectLst/>
+                <a:latin typeface="Consolas" panose="020B0609020204030204" pitchFamily="49" charset="0"/>
+              </a:rPr>
+              <a:t>,</a:t>
+            </a:r>
+            <a:br>
+              <a:rPr kumimoji="0" lang="en-US" altLang="en-US" sz="1300" b="0" i="0" u="none" strike="noStrike" cap="none" normalizeH="0" baseline="0" dirty="0">
+                <a:ln>
+                  <a:noFill/>
+                </a:ln>
+                <a:solidFill>
+                  <a:srgbClr val="000000"/>
+                </a:solidFill>
+                <a:effectLst/>
+                <a:latin typeface="Consolas" panose="020B0609020204030204" pitchFamily="49" charset="0"/>
+              </a:rPr>
+            </a:br>
+            <a:r>
+              <a:rPr kumimoji="0" lang="en-US" altLang="en-US" sz="1300" b="1" i="0" u="none" strike="noStrike" cap="none" normalizeH="0" baseline="0" dirty="0">
+                <a:ln>
+                  <a:noFill/>
+                </a:ln>
+                <a:solidFill>
+                  <a:srgbClr val="008080"/>
+                </a:solidFill>
+                <a:effectLst/>
+                <a:latin typeface="Consolas" panose="020B0609020204030204" pitchFamily="49" charset="0"/>
+              </a:rPr>
+              <a:t>'</a:t>
+            </a:r>
+            <a:r>
+              <a:rPr kumimoji="0" lang="en-US" altLang="en-US" sz="1300" b="1" i="0" u="none" strike="noStrike" cap="none" normalizeH="0" baseline="0" dirty="0" err="1">
+                <a:ln>
+                  <a:noFill/>
+                </a:ln>
+                <a:solidFill>
+                  <a:srgbClr val="008080"/>
+                </a:solidFill>
+                <a:effectLst/>
+                <a:latin typeface="Consolas" panose="020B0609020204030204" pitchFamily="49" charset="0"/>
+              </a:rPr>
+              <a:t>MeanTravelTime</a:t>
+            </a:r>
+            <a:r>
+              <a:rPr kumimoji="0" lang="en-US" altLang="en-US" sz="1300" b="1" i="0" u="none" strike="noStrike" cap="none" normalizeH="0" baseline="0" dirty="0">
+                <a:ln>
+                  <a:noFill/>
+                </a:ln>
+                <a:solidFill>
+                  <a:srgbClr val="008080"/>
+                </a:solidFill>
+                <a:effectLst/>
+                <a:latin typeface="Consolas" panose="020B0609020204030204" pitchFamily="49" charset="0"/>
+              </a:rPr>
+              <a:t>'</a:t>
+            </a:r>
+            <a:r>
+              <a:rPr kumimoji="0" lang="en-US" altLang="en-US" sz="1300" b="0" i="0" u="none" strike="noStrike" cap="none" normalizeH="0" baseline="0" dirty="0">
+                <a:ln>
+                  <a:noFill/>
+                </a:ln>
+                <a:solidFill>
+                  <a:srgbClr val="000000"/>
+                </a:solidFill>
+                <a:effectLst/>
+                <a:latin typeface="Consolas" panose="020B0609020204030204" pitchFamily="49" charset="0"/>
+              </a:rPr>
+              <a:t>, </a:t>
+            </a:r>
+            <a:r>
+              <a:rPr kumimoji="0" lang="en-US" altLang="en-US" sz="1300" b="1" i="0" u="none" strike="noStrike" cap="none" normalizeH="0" baseline="0" dirty="0">
+                <a:ln>
+                  <a:noFill/>
+                </a:ln>
+                <a:solidFill>
+                  <a:srgbClr val="008080"/>
+                </a:solidFill>
+                <a:effectLst/>
+                <a:latin typeface="Consolas" panose="020B0609020204030204" pitchFamily="49" charset="0"/>
+              </a:rPr>
+              <a:t>'</a:t>
+            </a:r>
+            <a:r>
+              <a:rPr kumimoji="0" lang="en-US" altLang="en-US" sz="1300" b="1" i="0" u="none" strike="noStrike" cap="none" normalizeH="0" baseline="0" dirty="0" err="1">
+                <a:ln>
+                  <a:noFill/>
+                </a:ln>
+                <a:solidFill>
+                  <a:srgbClr val="008080"/>
+                </a:solidFill>
+                <a:effectLst/>
+                <a:latin typeface="Consolas" panose="020B0609020204030204" pitchFamily="49" charset="0"/>
+              </a:rPr>
+              <a:t>SeniorMalePopulation</a:t>
+            </a:r>
+            <a:r>
+              <a:rPr kumimoji="0" lang="en-US" altLang="en-US" sz="1300" b="1" i="0" u="none" strike="noStrike" cap="none" normalizeH="0" baseline="0" dirty="0">
+                <a:ln>
+                  <a:noFill/>
+                </a:ln>
+                <a:solidFill>
+                  <a:srgbClr val="008080"/>
+                </a:solidFill>
+                <a:effectLst/>
+                <a:latin typeface="Consolas" panose="020B0609020204030204" pitchFamily="49" charset="0"/>
+              </a:rPr>
+              <a:t>'</a:t>
+            </a:r>
+            <a:r>
+              <a:rPr kumimoji="0" lang="en-US" altLang="en-US" sz="1300" b="0" i="0" u="none" strike="noStrike" cap="none" normalizeH="0" baseline="0" dirty="0">
+                <a:ln>
+                  <a:noFill/>
+                </a:ln>
+                <a:solidFill>
+                  <a:srgbClr val="000000"/>
+                </a:solidFill>
+                <a:effectLst/>
+                <a:latin typeface="Consolas" panose="020B0609020204030204" pitchFamily="49" charset="0"/>
+              </a:rPr>
+              <a:t>, </a:t>
+            </a:r>
+            <a:r>
+              <a:rPr kumimoji="0" lang="en-US" altLang="en-US" sz="1300" b="1" i="0" u="none" strike="noStrike" cap="none" normalizeH="0" baseline="0" dirty="0">
+                <a:ln>
+                  <a:noFill/>
+                </a:ln>
+                <a:solidFill>
+                  <a:srgbClr val="008080"/>
+                </a:solidFill>
+                <a:effectLst/>
+                <a:latin typeface="Consolas" panose="020B0609020204030204" pitchFamily="49" charset="0"/>
+              </a:rPr>
+              <a:t>'</a:t>
+            </a:r>
+            <a:r>
+              <a:rPr kumimoji="0" lang="en-US" altLang="en-US" sz="1300" b="1" i="0" u="none" strike="noStrike" cap="none" normalizeH="0" baseline="0" dirty="0" err="1">
+                <a:ln>
+                  <a:noFill/>
+                </a:ln>
+                <a:solidFill>
+                  <a:srgbClr val="008080"/>
+                </a:solidFill>
+                <a:effectLst/>
+                <a:latin typeface="Consolas" panose="020B0609020204030204" pitchFamily="49" charset="0"/>
+              </a:rPr>
+              <a:t>PublicTransportationP</a:t>
+            </a:r>
+            <a:r>
+              <a:rPr kumimoji="0" lang="en-US" altLang="en-US" sz="1300" b="1" i="0" u="none" strike="noStrike" cap="none" normalizeH="0" baseline="0" dirty="0">
+                <a:ln>
+                  <a:noFill/>
+                </a:ln>
+                <a:solidFill>
+                  <a:srgbClr val="008080"/>
+                </a:solidFill>
+                <a:effectLst/>
+                <a:latin typeface="Consolas" panose="020B0609020204030204" pitchFamily="49" charset="0"/>
+              </a:rPr>
+              <a:t>'</a:t>
+            </a:r>
+            <a:r>
+              <a:rPr kumimoji="0" lang="en-US" altLang="en-US" sz="1300" b="0" i="0" u="none" strike="noStrike" cap="none" normalizeH="0" baseline="0" dirty="0">
+                <a:ln>
+                  <a:noFill/>
+                </a:ln>
+                <a:solidFill>
+                  <a:srgbClr val="000000"/>
+                </a:solidFill>
+                <a:effectLst/>
+                <a:latin typeface="Consolas" panose="020B0609020204030204" pitchFamily="49" charset="0"/>
+              </a:rPr>
+              <a:t>, </a:t>
+            </a:r>
+            <a:r>
+              <a:rPr kumimoji="0" lang="en-US" altLang="en-US" sz="1300" b="1" i="0" u="none" strike="noStrike" cap="none" normalizeH="0" baseline="0" dirty="0">
+                <a:ln>
+                  <a:noFill/>
+                </a:ln>
+                <a:solidFill>
+                  <a:srgbClr val="008080"/>
+                </a:solidFill>
+                <a:effectLst/>
+                <a:latin typeface="Consolas" panose="020B0609020204030204" pitchFamily="49" charset="0"/>
+              </a:rPr>
+              <a:t>'Household'</a:t>
+            </a:r>
+            <a:r>
+              <a:rPr kumimoji="0" lang="en-US" altLang="en-US" sz="1300" b="0" i="0" u="none" strike="noStrike" cap="none" normalizeH="0" baseline="0" dirty="0">
+                <a:ln>
+                  <a:noFill/>
+                </a:ln>
+                <a:solidFill>
+                  <a:srgbClr val="000000"/>
+                </a:solidFill>
+                <a:effectLst/>
+                <a:latin typeface="Consolas" panose="020B0609020204030204" pitchFamily="49" charset="0"/>
+              </a:rPr>
+              <a:t>, </a:t>
+            </a:r>
+            <a:r>
+              <a:rPr kumimoji="0" lang="en-US" altLang="en-US" sz="1300" b="1" i="0" u="none" strike="noStrike" cap="none" normalizeH="0" baseline="0" dirty="0">
+                <a:ln>
+                  <a:noFill/>
+                </a:ln>
+                <a:solidFill>
+                  <a:srgbClr val="008080"/>
+                </a:solidFill>
+                <a:effectLst/>
+                <a:latin typeface="Consolas" panose="020B0609020204030204" pitchFamily="49" charset="0"/>
+              </a:rPr>
+              <a:t>'Income'</a:t>
             </a:r>
             <a:endParaRPr kumimoji="0" lang="en-US" altLang="en-US" sz="1800" b="0" i="0" u="none" strike="noStrike" cap="none" normalizeH="0" baseline="0" dirty="0">
               <a:ln>
@@ -45723,10 +44453,10 @@
       </p:sp>
       <p:sp>
         <p:nvSpPr>
-          <p:cNvPr id="9" name="Rectangle 2">
-            <a:extLst>
-              <a:ext uri="{FF2B5EF4-FFF2-40B4-BE49-F238E27FC236}">
-                <a16:creationId xmlns:a16="http://schemas.microsoft.com/office/drawing/2014/main" id="{9E076452-56B1-4544-9F00-9E9FA8E4D36D}"/>
+          <p:cNvPr id="5" name="Rectangle 1">
+            <a:extLst>
+              <a:ext uri="{FF2B5EF4-FFF2-40B4-BE49-F238E27FC236}">
+                <a16:creationId xmlns:a16="http://schemas.microsoft.com/office/drawing/2014/main" id="{22C82D7D-37BA-4531-9DE0-6D992C5235D9}"/>
               </a:ext>
             </a:extLst>
           </p:cNvPr>
@@ -45737,7 +44467,271 @@
         </p:nvSpPr>
         <p:spPr bwMode="auto">
           <a:xfrm>
-            <a:off x="413902" y="817350"/>
+            <a:off x="0" y="0"/>
+            <a:ext cx="12192000" cy="457200"/>
+          </a:xfrm>
+          <a:prstGeom prst="rect">
+            <a:avLst/>
+          </a:prstGeom>
+          <a:solidFill>
+            <a:srgbClr val="FFFFFF"/>
+          </a:solidFill>
+          <a:ln>
+            <a:noFill/>
+          </a:ln>
+          <a:effectLst/>
+          <a:extLst>
+            <a:ext uri="{91240B29-F687-4F45-9708-019B960494DF}">
+              <a14:hiddenLine xmlns:a14="http://schemas.microsoft.com/office/drawing/2010/main" w="9525">
+                <a:solidFill>
+                  <a:schemeClr val="tx1"/>
+                </a:solidFill>
+                <a:miter lim="800000"/>
+                <a:headEnd/>
+                <a:tailEnd/>
+              </a14:hiddenLine>
+            </a:ext>
+            <a:ext uri="{AF507438-7753-43E0-B8FC-AC1667EBCBE1}">
+              <a14:hiddenEffects xmlns:a14="http://schemas.microsoft.com/office/drawing/2010/main">
+                <a:effectLst>
+                  <a:outerShdw dist="35921" dir="2700000" algn="ctr" rotWithShape="0">
+                    <a:schemeClr val="bg2"/>
+                  </a:outerShdw>
+                </a:effectLst>
+              </a14:hiddenEffects>
+            </a:ext>
+          </a:extLst>
+        </p:spPr>
+        <p:txBody>
+          <a:bodyPr vert="horz" wrap="none" lIns="91440" tIns="45720" rIns="91440" bIns="45720" numCol="1" anchor="ctr" anchorCtr="0" compatLnSpc="1">
+            <a:prstTxWarp prst="textNoShape">
+              <a:avLst/>
+            </a:prstTxWarp>
+            <a:spAutoFit/>
+          </a:bodyPr>
+          <a:lstStyle/>
+          <a:p>
+            <a:pPr marL="0" marR="0" lvl="0" indent="0" algn="l" defTabSz="914400" rtl="0" eaLnBrk="0" fontAlgn="base" latinLnBrk="0" hangingPunct="0">
+              <a:lnSpc>
+                <a:spcPct val="100000"/>
+              </a:lnSpc>
+              <a:spcBef>
+                <a:spcPct val="0"/>
+              </a:spcBef>
+              <a:spcAft>
+                <a:spcPct val="0"/>
+              </a:spcAft>
+              <a:buClrTx/>
+              <a:buSzTx/>
+              <a:buFontTx/>
+              <a:buNone/>
+              <a:tabLst/>
+            </a:pPr>
+            <a:r>
+              <a:rPr kumimoji="0" lang="en-US" altLang="en-US" sz="1300" b="1" i="0" u="none" strike="noStrike" cap="none" normalizeH="0" baseline="0" dirty="0">
+                <a:ln>
+                  <a:noFill/>
+                </a:ln>
+                <a:solidFill>
+                  <a:srgbClr val="008080"/>
+                </a:solidFill>
+                <a:effectLst/>
+                <a:latin typeface="Consolas" panose="020B0609020204030204" pitchFamily="49" charset="0"/>
+              </a:rPr>
+              <a:t>"Alaska"</a:t>
+            </a:r>
+            <a:r>
+              <a:rPr kumimoji="0" lang="en-US" altLang="en-US" sz="1300" b="0" i="0" u="none" strike="noStrike" cap="none" normalizeH="0" baseline="0" dirty="0">
+                <a:ln>
+                  <a:noFill/>
+                </a:ln>
+                <a:solidFill>
+                  <a:srgbClr val="000000"/>
+                </a:solidFill>
+                <a:effectLst/>
+                <a:latin typeface="Consolas" panose="020B0609020204030204" pitchFamily="49" charset="0"/>
+              </a:rPr>
+              <a:t>, </a:t>
+            </a:r>
+            <a:r>
+              <a:rPr kumimoji="0" lang="en-US" altLang="en-US" sz="1300" b="1" i="0" u="none" strike="noStrike" cap="none" normalizeH="0" baseline="0" dirty="0">
+                <a:ln>
+                  <a:noFill/>
+                </a:ln>
+                <a:solidFill>
+                  <a:srgbClr val="008080"/>
+                </a:solidFill>
+                <a:effectLst/>
+                <a:latin typeface="Consolas" panose="020B0609020204030204" pitchFamily="49" charset="0"/>
+              </a:rPr>
+              <a:t>"Hawaii"</a:t>
+            </a:r>
+            <a:r>
+              <a:rPr kumimoji="0" lang="en-US" altLang="en-US" sz="1300" b="0" i="0" u="none" strike="noStrike" cap="none" normalizeH="0" baseline="0" dirty="0">
+                <a:ln>
+                  <a:noFill/>
+                </a:ln>
+                <a:solidFill>
+                  <a:srgbClr val="000000"/>
+                </a:solidFill>
+                <a:effectLst/>
+                <a:latin typeface="Consolas" panose="020B0609020204030204" pitchFamily="49" charset="0"/>
+              </a:rPr>
+              <a:t>, </a:t>
+            </a:r>
+            <a:r>
+              <a:rPr kumimoji="0" lang="en-US" altLang="en-US" sz="1300" b="1" i="0" u="none" strike="noStrike" cap="none" normalizeH="0" baseline="0" dirty="0">
+                <a:ln>
+                  <a:noFill/>
+                </a:ln>
+                <a:solidFill>
+                  <a:srgbClr val="008080"/>
+                </a:solidFill>
+                <a:effectLst/>
+                <a:latin typeface="Consolas" panose="020B0609020204030204" pitchFamily="49" charset="0"/>
+              </a:rPr>
+              <a:t>"Idaho"</a:t>
+            </a:r>
+            <a:r>
+              <a:rPr kumimoji="0" lang="en-US" altLang="en-US" sz="1300" b="0" i="0" u="none" strike="noStrike" cap="none" normalizeH="0" baseline="0" dirty="0">
+                <a:ln>
+                  <a:noFill/>
+                </a:ln>
+                <a:solidFill>
+                  <a:srgbClr val="000000"/>
+                </a:solidFill>
+                <a:effectLst/>
+                <a:latin typeface="Consolas" panose="020B0609020204030204" pitchFamily="49" charset="0"/>
+              </a:rPr>
+              <a:t>, </a:t>
+            </a:r>
+            <a:r>
+              <a:rPr kumimoji="0" lang="en-US" altLang="en-US" sz="1300" b="1" i="0" u="none" strike="noStrike" cap="none" normalizeH="0" baseline="0" dirty="0">
+                <a:ln>
+                  <a:noFill/>
+                </a:ln>
+                <a:solidFill>
+                  <a:srgbClr val="008080"/>
+                </a:solidFill>
+                <a:effectLst/>
+                <a:latin typeface="Consolas" panose="020B0609020204030204" pitchFamily="49" charset="0"/>
+              </a:rPr>
+              <a:t>"Louisiana"</a:t>
+            </a:r>
+            <a:r>
+              <a:rPr kumimoji="0" lang="en-US" altLang="en-US" sz="1300" b="0" i="0" u="none" strike="noStrike" cap="none" normalizeH="0" baseline="0" dirty="0">
+                <a:ln>
+                  <a:noFill/>
+                </a:ln>
+                <a:solidFill>
+                  <a:srgbClr val="000000"/>
+                </a:solidFill>
+                <a:effectLst/>
+                <a:latin typeface="Consolas" panose="020B0609020204030204" pitchFamily="49" charset="0"/>
+              </a:rPr>
+              <a:t>, </a:t>
+            </a:r>
+            <a:r>
+              <a:rPr kumimoji="0" lang="en-US" altLang="en-US" sz="1300" b="1" i="0" u="none" strike="noStrike" cap="none" normalizeH="0" baseline="0" dirty="0">
+                <a:ln>
+                  <a:noFill/>
+                </a:ln>
+                <a:solidFill>
+                  <a:srgbClr val="008080"/>
+                </a:solidFill>
+                <a:effectLst/>
+                <a:latin typeface="Consolas" panose="020B0609020204030204" pitchFamily="49" charset="0"/>
+              </a:rPr>
+              <a:t>"Vermont"</a:t>
+            </a:r>
+            <a:endParaRPr kumimoji="0" lang="en-US" altLang="en-US" sz="1800" b="0" i="0" u="none" strike="noStrike" cap="none" normalizeH="0" baseline="0" dirty="0">
+              <a:ln>
+                <a:noFill/>
+              </a:ln>
+              <a:solidFill>
+                <a:schemeClr val="tx1"/>
+              </a:solidFill>
+              <a:effectLst/>
+              <a:latin typeface="Arial" panose="020B0604020202020204" pitchFamily="34" charset="0"/>
+            </a:endParaRPr>
+          </a:p>
+        </p:txBody>
+      </p:sp>
+      <p:sp>
+        <p:nvSpPr>
+          <p:cNvPr id="7" name="직사각형 6">
+            <a:extLst>
+              <a:ext uri="{FF2B5EF4-FFF2-40B4-BE49-F238E27FC236}">
+                <a16:creationId xmlns:a16="http://schemas.microsoft.com/office/drawing/2014/main" id="{DAAEB55E-AA58-4C86-8A29-010907661E5B}"/>
+              </a:ext>
+            </a:extLst>
+          </p:cNvPr>
+          <p:cNvSpPr/>
+          <p:nvPr/>
+        </p:nvSpPr>
+        <p:spPr>
+          <a:xfrm>
+            <a:off x="359595" y="911308"/>
+            <a:ext cx="10900881" cy="1477328"/>
+          </a:xfrm>
+          <a:prstGeom prst="rect">
+            <a:avLst/>
+          </a:prstGeom>
+        </p:spPr>
+        <p:txBody>
+          <a:bodyPr wrap="square">
+            <a:spAutoFit/>
+          </a:bodyPr>
+          <a:lstStyle/>
+          <a:p>
+            <a:r>
+              <a:rPr lang="en-US" dirty="0"/>
+              <a:t>[1.02031032] Train Length[372]  Prediction Length[54]  Input Windows[20]  MAE Score[0.0897]</a:t>
+            </a:r>
+          </a:p>
+          <a:p>
+            <a:r>
+              <a:rPr lang="en-US" dirty="0"/>
+              <a:t>[1.02406714] Train Length[372]  Prediction Length[54]  Input Windows[20]  MAE Score[0.0913]</a:t>
+            </a:r>
+          </a:p>
+          <a:p>
+            <a:r>
+              <a:rPr lang="en-US" dirty="0"/>
+              <a:t>[1.01680865] Train Length[372]  Prediction Length[54]  Input Windows[20]  MAE Score[0.0885]</a:t>
+            </a:r>
+          </a:p>
+          <a:p>
+            <a:r>
+              <a:rPr lang="en-US" dirty="0"/>
+              <a:t>[1.02173407] Train Length[372]  Prediction Length[54]  Input Windows[20]  MAE Score[0.0901]</a:t>
+            </a:r>
+          </a:p>
+          <a:p>
+            <a:r>
+              <a:rPr lang="en-US" dirty="0"/>
+              <a:t>[1.02178414] Train Length[372]  Prediction Length[54]  Input Windows[20]  MAE Score[0.0901]</a:t>
+            </a:r>
+          </a:p>
+        </p:txBody>
+      </p:sp>
+      <p:sp>
+        <p:nvSpPr>
+          <p:cNvPr id="9" name="Rectangle 2">
+            <a:extLst>
+              <a:ext uri="{FF2B5EF4-FFF2-40B4-BE49-F238E27FC236}">
+                <a16:creationId xmlns:a16="http://schemas.microsoft.com/office/drawing/2014/main" id="{9E076452-56B1-4544-9F00-9E9FA8E4D36D}"/>
+              </a:ext>
+            </a:extLst>
+          </p:cNvPr>
+          <p:cNvSpPr>
+            <a:spLocks noChangeArrowheads="1"/>
+          </p:cNvSpPr>
+          <p:nvPr/>
+        </p:nvSpPr>
+        <p:spPr bwMode="auto">
+          <a:xfrm>
+            <a:off x="544530" y="2550356"/>
             <a:ext cx="8681663" cy="292388"/>
           </a:xfrm>
           <a:prstGeom prst="rect">
@@ -45860,7 +44854,111 @@
                 <a:effectLst/>
                 <a:latin typeface="Consolas" panose="020B0609020204030204" pitchFamily="49" charset="0"/>
               </a:rPr>
-              <a:t> 1~5'</a:t>
+              <a:t>'</a:t>
+            </a:r>
+            <a:r>
+              <a:rPr kumimoji="0" lang="en-US" altLang="en-US" sz="1300" b="0" i="0" u="none" strike="noStrike" cap="none" normalizeH="0" baseline="0" dirty="0">
+                <a:ln>
+                  <a:noFill/>
+                </a:ln>
+                <a:solidFill>
+                  <a:srgbClr val="000000"/>
+                </a:solidFill>
+                <a:effectLst/>
+                <a:latin typeface="Consolas" panose="020B0609020204030204" pitchFamily="49" charset="0"/>
+              </a:rPr>
+              <a:t>, </a:t>
+            </a:r>
+            <a:r>
+              <a:rPr kumimoji="0" lang="en-US" altLang="en-US" sz="1300" b="1" i="0" u="none" strike="noStrike" cap="none" normalizeH="0" baseline="0" dirty="0">
+                <a:ln>
+                  <a:noFill/>
+                </a:ln>
+                <a:solidFill>
+                  <a:srgbClr val="008080"/>
+                </a:solidFill>
+                <a:effectLst/>
+                <a:latin typeface="Consolas" panose="020B0609020204030204" pitchFamily="49" charset="0"/>
+              </a:rPr>
+              <a:t>'</a:t>
+            </a:r>
+            <a:r>
+              <a:rPr kumimoji="0" lang="en-US" altLang="en-US" sz="1300" b="1" i="0" u="none" strike="noStrike" cap="none" normalizeH="0" baseline="0" dirty="0" err="1">
+                <a:ln>
+                  <a:noFill/>
+                </a:ln>
+                <a:solidFill>
+                  <a:srgbClr val="008080"/>
+                </a:solidFill>
+                <a:effectLst/>
+                <a:latin typeface="Consolas" panose="020B0609020204030204" pitchFamily="49" charset="0"/>
+              </a:rPr>
+              <a:t>PublicTransportationP</a:t>
+            </a:r>
+            <a:r>
+              <a:rPr kumimoji="0" lang="en-US" altLang="en-US" sz="1300" b="1" i="0" u="none" strike="noStrike" cap="none" normalizeH="0" baseline="0" dirty="0">
+                <a:ln>
+                  <a:noFill/>
+                </a:ln>
+                <a:solidFill>
+                  <a:srgbClr val="008080"/>
+                </a:solidFill>
+                <a:effectLst/>
+                <a:latin typeface="Consolas" panose="020B0609020204030204" pitchFamily="49" charset="0"/>
+              </a:rPr>
+              <a:t>'</a:t>
+            </a:r>
+            <a:r>
+              <a:rPr kumimoji="0" lang="en-US" altLang="en-US" sz="1300" b="0" i="0" u="none" strike="noStrike" cap="none" normalizeH="0" baseline="0" dirty="0">
+                <a:ln>
+                  <a:noFill/>
+                </a:ln>
+                <a:solidFill>
+                  <a:srgbClr val="000000"/>
+                </a:solidFill>
+                <a:effectLst/>
+                <a:latin typeface="Consolas" panose="020B0609020204030204" pitchFamily="49" charset="0"/>
+              </a:rPr>
+              <a:t>, </a:t>
+            </a:r>
+            <a:r>
+              <a:rPr kumimoji="0" lang="en-US" altLang="en-US" sz="1300" b="1" i="0" u="none" strike="noStrike" cap="none" normalizeH="0" baseline="0" dirty="0">
+                <a:ln>
+                  <a:noFill/>
+                </a:ln>
+                <a:solidFill>
+                  <a:srgbClr val="008080"/>
+                </a:solidFill>
+                <a:effectLst/>
+                <a:latin typeface="Consolas" panose="020B0609020204030204" pitchFamily="49" charset="0"/>
+              </a:rPr>
+              <a:t>'Household'</a:t>
+            </a:r>
+            <a:r>
+              <a:rPr kumimoji="0" lang="en-US" altLang="en-US" sz="1300" b="0" i="0" u="none" strike="noStrike" cap="none" normalizeH="0" baseline="0" dirty="0">
+                <a:ln>
+                  <a:noFill/>
+                </a:ln>
+                <a:solidFill>
+                  <a:srgbClr val="000000"/>
+                </a:solidFill>
+                <a:effectLst/>
+                <a:latin typeface="Consolas" panose="020B0609020204030204" pitchFamily="49" charset="0"/>
+              </a:rPr>
+              <a:t>, </a:t>
+            </a:r>
+            <a:r>
+              <a:rPr kumimoji="0" lang="en-US" altLang="en-US" sz="1300" b="1" i="0" u="none" strike="noStrike" cap="none" normalizeH="0" baseline="0" dirty="0">
+                <a:ln>
+                  <a:noFill/>
+                </a:ln>
+                <a:solidFill>
+                  <a:srgbClr val="008080"/>
+                </a:solidFill>
+                <a:effectLst/>
+                <a:latin typeface="Consolas" panose="020B0609020204030204" pitchFamily="49" charset="0"/>
+              </a:rPr>
+              <a:t>'Income'</a:t>
             </a:r>
             <a:endParaRPr kumimoji="0" lang="en-US" altLang="en-US" sz="1800" b="0" i="0" u="none" strike="noStrike" cap="none" normalizeH="0" baseline="0" dirty="0">
               <a:ln>
@@ -45889,8 +44987,8 @@
         </p:nvSpPr>
         <p:spPr>
           <a:xfrm>
-            <a:off x="298636" y="1109738"/>
-            <a:ext cx="9041259" cy="646331"/>
+            <a:off x="359595" y="2858741"/>
+            <a:ext cx="9041259" cy="1200329"/>
           </a:xfrm>
           <a:prstGeom prst="rect">
             <a:avLst/>
@@ -45904,35 +45002,75 @@
           <a:p>
             <a:r>
               <a:rPr lang="en-US" dirty="0"/>
-              <a:t>[1.00608966] Train Length[372]  Prediction Length[54]  Input Windows[20]  MAE Score[</a:t>
-            </a:r>
-            <a:r>
-              <a:rPr lang="en-US" dirty="0">
-                <a:highlight>
-                  <a:srgbClr val="FFFF00"/>
-                </a:highlight>
-              </a:rPr>
-              <a:t>0.0814</a:t>
-            </a:r>
+              <a:t>[1.02190023] Train Length[372]  Prediction Length[54]  Input Windows[20]  MAE Score[0.0881]</a:t>
+            </a:r>
+          </a:p>
+          <a:p>
             <a:r>
               <a:rPr lang="en-US" dirty="0"/>
-              <a:t>]</a:t>
+              <a:t>[1.02185976] Train Length[372]  Prediction Length[54]  Input Windows[20]  MAE Score[0.0880]</a:t>
             </a:r>
           </a:p>
           <a:p>
             <a:r>
               <a:rPr lang="en-US" dirty="0"/>
-              <a:t>[1.00584649] Train Length[372]  Prediction Length[54]  Input Windows[20]  MAE Score[0.0814]</a:t>
+              <a:t>[1.02204809] Train Length[372]  Prediction Length[54]  Input Windows[20]  MAE Score[0.0881]</a:t>
+            </a:r>
+          </a:p>
+          <a:p>
+            <a:r>
+              <a:rPr lang="en-US" dirty="0"/>
+              <a:t>[1.02185994] Train Length[372]  Prediction Length[54]  Input Windows[20]  MAE Score[0.0880]</a:t>
             </a:r>
           </a:p>
         </p:txBody>
       </p:sp>
       <p:sp>
         <p:nvSpPr>
-          <p:cNvPr id="14" name="Rectangle 2">
-            <a:extLst>
-              <a:ext uri="{FF2B5EF4-FFF2-40B4-BE49-F238E27FC236}">
-                <a16:creationId xmlns:a16="http://schemas.microsoft.com/office/drawing/2014/main" id="{5B04DC5D-61FF-4E64-BB45-86C496657339}"/>
+          <p:cNvPr id="3" name="직사각형 2">
+            <a:extLst>
+              <a:ext uri="{FF2B5EF4-FFF2-40B4-BE49-F238E27FC236}">
+                <a16:creationId xmlns:a16="http://schemas.microsoft.com/office/drawing/2014/main" id="{1164AA92-8648-4A76-9417-4D089272902A}"/>
+              </a:ext>
+            </a:extLst>
+          </p:cNvPr>
+          <p:cNvSpPr/>
+          <p:nvPr/>
+        </p:nvSpPr>
+        <p:spPr>
+          <a:xfrm>
+            <a:off x="359595" y="4608002"/>
+            <a:ext cx="9890394" cy="646331"/>
+          </a:xfrm>
+          <a:prstGeom prst="rect">
+            <a:avLst/>
+          </a:prstGeom>
+        </p:spPr>
+        <p:txBody>
+          <a:bodyPr wrap="square">
+            <a:spAutoFit/>
+          </a:bodyPr>
+          <a:lstStyle/>
+          <a:p>
+            <a:r>
+              <a:rPr lang="en-US" dirty="0"/>
+              <a:t>[1.04515209] Train Length[372]  Prediction Length[54]  Input Windows[20]  MAE Score[0.0983]</a:t>
+            </a:r>
+          </a:p>
+          <a:p>
+            <a:r>
+              <a:rPr lang="en-US" dirty="0"/>
+              <a:t>[1.04479166] Train Length[372]  Prediction Length[54]  Input Windows[20]  MAE Score[0.0982]</a:t>
+            </a:r>
+          </a:p>
+        </p:txBody>
+      </p:sp>
+      <p:sp>
+        <p:nvSpPr>
+          <p:cNvPr id="11" name="Rectangle 2">
+            <a:extLst>
+              <a:ext uri="{FF2B5EF4-FFF2-40B4-BE49-F238E27FC236}">
+                <a16:creationId xmlns:a16="http://schemas.microsoft.com/office/drawing/2014/main" id="{00EDE83B-9351-42F8-8978-B935F104A028}"/>
               </a:ext>
             </a:extLst>
           </p:cNvPr>
@@ -45943,7 +45081,7 @@
         </p:nvSpPr>
         <p:spPr bwMode="auto">
           <a:xfrm>
-            <a:off x="529168" y="2048457"/>
+            <a:off x="544528" y="4176977"/>
             <a:ext cx="8681663" cy="292388"/>
           </a:xfrm>
           <a:prstGeom prst="rect">
@@ -46040,6 +45178,808 @@
                 <a:effectLst/>
                 <a:latin typeface="Consolas" panose="020B0609020204030204" pitchFamily="49" charset="0"/>
               </a:rPr>
+              <a:t>'Income'</a:t>
+            </a:r>
+            <a:endParaRPr kumimoji="0" lang="en-US" altLang="en-US" sz="1800" b="0" i="0" u="none" strike="noStrike" cap="none" normalizeH="0" baseline="0" dirty="0">
+              <a:ln>
+                <a:noFill/>
+              </a:ln>
+              <a:solidFill>
+                <a:schemeClr val="tx1"/>
+              </a:solidFill>
+              <a:effectLst/>
+              <a:latin typeface="Arial" panose="020B0604020202020204" pitchFamily="34" charset="0"/>
+            </a:endParaRPr>
+          </a:p>
+        </p:txBody>
+      </p:sp>
+      <p:sp>
+        <p:nvSpPr>
+          <p:cNvPr id="12" name="직사각형 11">
+            <a:extLst>
+              <a:ext uri="{FF2B5EF4-FFF2-40B4-BE49-F238E27FC236}">
+                <a16:creationId xmlns:a16="http://schemas.microsoft.com/office/drawing/2014/main" id="{9EF65D76-874B-4474-A037-9C67867987F2}"/>
+              </a:ext>
+            </a:extLst>
+          </p:cNvPr>
+          <p:cNvSpPr/>
+          <p:nvPr/>
+        </p:nvSpPr>
+        <p:spPr>
+          <a:xfrm>
+            <a:off x="359595" y="5754469"/>
+            <a:ext cx="9890394" cy="646331"/>
+          </a:xfrm>
+          <a:prstGeom prst="rect">
+            <a:avLst/>
+          </a:prstGeom>
+        </p:spPr>
+        <p:txBody>
+          <a:bodyPr wrap="square">
+            <a:spAutoFit/>
+          </a:bodyPr>
+          <a:lstStyle/>
+          <a:p>
+            <a:r>
+              <a:rPr lang="en-US" dirty="0"/>
+              <a:t>[1.05536335] Train Length[372]  Prediction Length[54]  Input Windows[20]  MAE Score[0.1031]</a:t>
+            </a:r>
+          </a:p>
+          <a:p>
+            <a:r>
+              <a:rPr lang="en-US" dirty="0"/>
+              <a:t>[1.05538987] Train Length[372]  Prediction Length[54]  Input Windows[20]  MAE Score[0.1032]</a:t>
+            </a:r>
+          </a:p>
+        </p:txBody>
+      </p:sp>
+      <p:sp>
+        <p:nvSpPr>
+          <p:cNvPr id="13" name="Rectangle 2">
+            <a:extLst>
+              <a:ext uri="{FF2B5EF4-FFF2-40B4-BE49-F238E27FC236}">
+                <a16:creationId xmlns:a16="http://schemas.microsoft.com/office/drawing/2014/main" id="{440460AA-DEA0-43D2-A87C-0F0638655058}"/>
+              </a:ext>
+            </a:extLst>
+          </p:cNvPr>
+          <p:cNvSpPr>
+            <a:spLocks noChangeArrowheads="1"/>
+          </p:cNvSpPr>
+          <p:nvPr/>
+        </p:nvSpPr>
+        <p:spPr bwMode="auto">
+          <a:xfrm>
+            <a:off x="544528" y="5392970"/>
+            <a:ext cx="8681663" cy="292388"/>
+          </a:xfrm>
+          <a:prstGeom prst="rect">
+            <a:avLst/>
+          </a:prstGeom>
+          <a:solidFill>
+            <a:srgbClr val="FFFFFF"/>
+          </a:solidFill>
+          <a:ln>
+            <a:noFill/>
+          </a:ln>
+          <a:effectLst/>
+          <a:extLst>
+            <a:ext uri="{91240B29-F687-4F45-9708-019B960494DF}">
+              <a14:hiddenLine xmlns:a14="http://schemas.microsoft.com/office/drawing/2010/main" w="9525">
+                <a:solidFill>
+                  <a:schemeClr val="tx1"/>
+                </a:solidFill>
+                <a:miter lim="800000"/>
+                <a:headEnd/>
+                <a:tailEnd/>
+              </a14:hiddenLine>
+            </a:ext>
+            <a:ext uri="{AF507438-7753-43E0-B8FC-AC1667EBCBE1}">
+              <a14:hiddenEffects xmlns:a14="http://schemas.microsoft.com/office/drawing/2010/main">
+                <a:effectLst>
+                  <a:outerShdw dist="35921" dir="2700000" algn="ctr" rotWithShape="0">
+                    <a:schemeClr val="bg2"/>
+                  </a:outerShdw>
+                </a:effectLst>
+              </a14:hiddenEffects>
+            </a:ext>
+          </a:extLst>
+        </p:spPr>
+        <p:txBody>
+          <a:bodyPr vert="horz" wrap="square" lIns="91440" tIns="45720" rIns="91440" bIns="45720" numCol="1" anchor="ctr" anchorCtr="0" compatLnSpc="1">
+            <a:prstTxWarp prst="textNoShape">
+              <a:avLst/>
+            </a:prstTxWarp>
+            <a:spAutoFit/>
+          </a:bodyPr>
+          <a:lstStyle/>
+          <a:p>
+            <a:pPr lvl="0" eaLnBrk="0" fontAlgn="base" hangingPunct="0">
+              <a:spcBef>
+                <a:spcPct val="0"/>
+              </a:spcBef>
+              <a:spcAft>
+                <a:spcPct val="0"/>
+              </a:spcAft>
+            </a:pPr>
+            <a:r>
+              <a:rPr kumimoji="0" lang="en-US" altLang="en-US" sz="1300" b="1" i="0" u="none" strike="noStrike" cap="none" normalizeH="0" baseline="0" dirty="0">
+                <a:ln>
+                  <a:noFill/>
+                </a:ln>
+                <a:solidFill>
+                  <a:srgbClr val="008080"/>
+                </a:solidFill>
+                <a:effectLst/>
+                <a:latin typeface="Consolas" panose="020B0609020204030204" pitchFamily="49" charset="0"/>
+              </a:rPr>
+              <a:t>'lag_1_ratio_cc'</a:t>
+            </a:r>
+            <a:r>
+              <a:rPr lang="en-US" altLang="en-US" sz="1300" dirty="0">
+                <a:solidFill>
+                  <a:srgbClr val="000000"/>
+                </a:solidFill>
+                <a:latin typeface="Consolas" panose="020B0609020204030204" pitchFamily="49" charset="0"/>
+              </a:rPr>
+              <a:t>, </a:t>
+            </a:r>
+            <a:r>
+              <a:rPr lang="en-US" altLang="en-US" sz="1300" b="1" dirty="0">
+                <a:solidFill>
+                  <a:srgbClr val="008080"/>
+                </a:solidFill>
+                <a:latin typeface="Consolas" panose="020B0609020204030204" pitchFamily="49" charset="0"/>
+              </a:rPr>
+              <a:t>'Income</a:t>
+            </a:r>
+            <a:r>
+              <a:rPr lang="en-US" altLang="en-US" sz="1300" dirty="0">
+                <a:solidFill>
+                  <a:srgbClr val="000000"/>
+                </a:solidFill>
+                <a:latin typeface="Consolas" panose="020B0609020204030204" pitchFamily="49" charset="0"/>
+              </a:rPr>
+              <a:t>, </a:t>
+            </a:r>
+            <a:r>
+              <a:rPr lang="en-US" altLang="en-US" sz="1300" b="1" dirty="0">
+                <a:solidFill>
+                  <a:srgbClr val="008080"/>
+                </a:solidFill>
+                <a:latin typeface="Consolas" panose="020B0609020204030204" pitchFamily="49" charset="0"/>
+              </a:rPr>
+              <a:t>'Income'</a:t>
+            </a:r>
+            <a:r>
+              <a:rPr lang="en-US" altLang="en-US" sz="1300" dirty="0">
+                <a:solidFill>
+                  <a:srgbClr val="000000"/>
+                </a:solidFill>
+                <a:latin typeface="Consolas" panose="020B0609020204030204" pitchFamily="49" charset="0"/>
+              </a:rPr>
+              <a:t>, </a:t>
+            </a:r>
+            <a:r>
+              <a:rPr lang="en-US" altLang="en-US" sz="1300" b="1" dirty="0">
+                <a:solidFill>
+                  <a:srgbClr val="008080"/>
+                </a:solidFill>
+                <a:latin typeface="Consolas" panose="020B0609020204030204" pitchFamily="49" charset="0"/>
+              </a:rPr>
+              <a:t>'Income'</a:t>
+            </a:r>
+            <a:r>
+              <a:rPr lang="en-US" altLang="en-US" sz="1300" dirty="0">
+                <a:solidFill>
+                  <a:srgbClr val="000000"/>
+                </a:solidFill>
+                <a:latin typeface="Consolas" panose="020B0609020204030204" pitchFamily="49" charset="0"/>
+              </a:rPr>
+              <a:t>, </a:t>
+            </a:r>
+            <a:r>
+              <a:rPr lang="en-US" altLang="en-US" sz="1300" b="1" dirty="0">
+                <a:solidFill>
+                  <a:srgbClr val="008080"/>
+                </a:solidFill>
+                <a:latin typeface="Consolas" panose="020B0609020204030204" pitchFamily="49" charset="0"/>
+              </a:rPr>
+              <a:t>'Income'</a:t>
+            </a:r>
+            <a:r>
+              <a:rPr kumimoji="0" lang="en-US" altLang="en-US" sz="1300" b="0" i="0" u="none" strike="noStrike" cap="none" normalizeH="0" baseline="0" dirty="0">
+                <a:ln>
+                  <a:noFill/>
+                </a:ln>
+                <a:solidFill>
+                  <a:srgbClr val="000000"/>
+                </a:solidFill>
+                <a:effectLst/>
+                <a:latin typeface="Consolas" panose="020B0609020204030204" pitchFamily="49" charset="0"/>
+              </a:rPr>
+              <a:t>, </a:t>
+            </a:r>
+            <a:r>
+              <a:rPr kumimoji="0" lang="en-US" altLang="en-US" sz="1300" b="1" i="0" u="none" strike="noStrike" cap="none" normalizeH="0" baseline="0" dirty="0">
+                <a:ln>
+                  <a:noFill/>
+                </a:ln>
+                <a:solidFill>
+                  <a:srgbClr val="008080"/>
+                </a:solidFill>
+                <a:effectLst/>
+                <a:latin typeface="Consolas" panose="020B0609020204030204" pitchFamily="49" charset="0"/>
+              </a:rPr>
+              <a:t>'Income'</a:t>
+            </a:r>
+            <a:endParaRPr kumimoji="0" lang="en-US" altLang="en-US" sz="1800" b="0" i="0" u="none" strike="noStrike" cap="none" normalizeH="0" baseline="0" dirty="0">
+              <a:ln>
+                <a:noFill/>
+              </a:ln>
+              <a:solidFill>
+                <a:schemeClr val="tx1"/>
+              </a:solidFill>
+              <a:effectLst/>
+              <a:latin typeface="Arial" panose="020B0604020202020204" pitchFamily="34" charset="0"/>
+            </a:endParaRPr>
+          </a:p>
+        </p:txBody>
+      </p:sp>
+    </p:spTree>
+    <p:extLst>
+      <p:ext uri="{BB962C8B-B14F-4D97-AF65-F5344CB8AC3E}">
+        <p14:creationId xmlns:p14="http://schemas.microsoft.com/office/powerpoint/2010/main" val="3455472762"/>
+      </p:ext>
+    </p:extLst>
+  </p:cSld>
+  <p:clrMapOvr>
+    <a:masterClrMapping/>
+  </p:clrMapOvr>
+</p:sld>
+</file>
+
+<file path=ppt/slides/slide94.xml><?xml version="1.0" encoding="utf-8"?>
+<p:sld xmlns:a="http://schemas.openxmlformats.org/drawingml/2006/main" xmlns:r="http://schemas.openxmlformats.org/officeDocument/2006/relationships" xmlns:p="http://schemas.openxmlformats.org/presentationml/2006/main">
+  <p:cSld>
+    <p:spTree>
+      <p:nvGrpSpPr>
+        <p:cNvPr id="1" name=""/>
+        <p:cNvGrpSpPr/>
+        <p:nvPr/>
+      </p:nvGrpSpPr>
+      <p:grpSpPr>
+        <a:xfrm>
+          <a:off x="0" y="0"/>
+          <a:ext cx="0" cy="0"/>
+          <a:chOff x="0" y="0"/>
+          <a:chExt cx="0" cy="0"/>
+        </a:xfrm>
+      </p:grpSpPr>
+      <p:sp>
+        <p:nvSpPr>
+          <p:cNvPr id="5" name="Rectangle 1">
+            <a:extLst>
+              <a:ext uri="{FF2B5EF4-FFF2-40B4-BE49-F238E27FC236}">
+                <a16:creationId xmlns:a16="http://schemas.microsoft.com/office/drawing/2014/main" id="{22C82D7D-37BA-4531-9DE0-6D992C5235D9}"/>
+              </a:ext>
+            </a:extLst>
+          </p:cNvPr>
+          <p:cNvSpPr>
+            <a:spLocks noChangeArrowheads="1"/>
+          </p:cNvSpPr>
+          <p:nvPr/>
+        </p:nvSpPr>
+        <p:spPr bwMode="auto">
+          <a:xfrm>
+            <a:off x="0" y="0"/>
+            <a:ext cx="12192000" cy="457200"/>
+          </a:xfrm>
+          <a:prstGeom prst="rect">
+            <a:avLst/>
+          </a:prstGeom>
+          <a:solidFill>
+            <a:srgbClr val="FFFFFF"/>
+          </a:solidFill>
+          <a:ln>
+            <a:noFill/>
+          </a:ln>
+          <a:effectLst/>
+          <a:extLst>
+            <a:ext uri="{91240B29-F687-4F45-9708-019B960494DF}">
+              <a14:hiddenLine xmlns:a14="http://schemas.microsoft.com/office/drawing/2010/main" w="9525">
+                <a:solidFill>
+                  <a:schemeClr val="tx1"/>
+                </a:solidFill>
+                <a:miter lim="800000"/>
+                <a:headEnd/>
+                <a:tailEnd/>
+              </a14:hiddenLine>
+            </a:ext>
+            <a:ext uri="{AF507438-7753-43E0-B8FC-AC1667EBCBE1}">
+              <a14:hiddenEffects xmlns:a14="http://schemas.microsoft.com/office/drawing/2010/main">
+                <a:effectLst>
+                  <a:outerShdw dist="35921" dir="2700000" algn="ctr" rotWithShape="0">
+                    <a:schemeClr val="bg2"/>
+                  </a:outerShdw>
+                </a:effectLst>
+              </a14:hiddenEffects>
+            </a:ext>
+          </a:extLst>
+        </p:spPr>
+        <p:txBody>
+          <a:bodyPr vert="horz" wrap="none" lIns="91440" tIns="45720" rIns="91440" bIns="45720" numCol="1" anchor="ctr" anchorCtr="0" compatLnSpc="1">
+            <a:prstTxWarp prst="textNoShape">
+              <a:avLst/>
+            </a:prstTxWarp>
+            <a:spAutoFit/>
+          </a:bodyPr>
+          <a:lstStyle/>
+          <a:p>
+            <a:pPr marL="0" marR="0" lvl="0" indent="0" algn="l" defTabSz="914400" rtl="0" eaLnBrk="0" fontAlgn="base" latinLnBrk="0" hangingPunct="0">
+              <a:lnSpc>
+                <a:spcPct val="100000"/>
+              </a:lnSpc>
+              <a:spcBef>
+                <a:spcPct val="0"/>
+              </a:spcBef>
+              <a:spcAft>
+                <a:spcPct val="0"/>
+              </a:spcAft>
+              <a:buClrTx/>
+              <a:buSzTx/>
+              <a:buFontTx/>
+              <a:buNone/>
+              <a:tabLst/>
+            </a:pPr>
+            <a:r>
+              <a:rPr kumimoji="0" lang="en-US" altLang="en-US" sz="1300" b="1" i="0" u="none" strike="noStrike" cap="none" normalizeH="0" baseline="0" dirty="0">
+                <a:ln>
+                  <a:noFill/>
+                </a:ln>
+                <a:solidFill>
+                  <a:srgbClr val="008080"/>
+                </a:solidFill>
+                <a:effectLst/>
+                <a:latin typeface="Consolas" panose="020B0609020204030204" pitchFamily="49" charset="0"/>
+              </a:rPr>
+              <a:t>"Alaska"</a:t>
+            </a:r>
+            <a:r>
+              <a:rPr kumimoji="0" lang="en-US" altLang="en-US" sz="1300" b="0" i="0" u="none" strike="noStrike" cap="none" normalizeH="0" baseline="0" dirty="0">
+                <a:ln>
+                  <a:noFill/>
+                </a:ln>
+                <a:solidFill>
+                  <a:srgbClr val="000000"/>
+                </a:solidFill>
+                <a:effectLst/>
+                <a:latin typeface="Consolas" panose="020B0609020204030204" pitchFamily="49" charset="0"/>
+              </a:rPr>
+              <a:t>, </a:t>
+            </a:r>
+            <a:r>
+              <a:rPr kumimoji="0" lang="en-US" altLang="en-US" sz="1300" b="1" i="0" u="none" strike="noStrike" cap="none" normalizeH="0" baseline="0" dirty="0">
+                <a:ln>
+                  <a:noFill/>
+                </a:ln>
+                <a:solidFill>
+                  <a:srgbClr val="008080"/>
+                </a:solidFill>
+                <a:effectLst/>
+                <a:latin typeface="Consolas" panose="020B0609020204030204" pitchFamily="49" charset="0"/>
+              </a:rPr>
+              <a:t>"Hawaii"</a:t>
+            </a:r>
+            <a:r>
+              <a:rPr kumimoji="0" lang="en-US" altLang="en-US" sz="1300" b="0" i="0" u="none" strike="noStrike" cap="none" normalizeH="0" baseline="0" dirty="0">
+                <a:ln>
+                  <a:noFill/>
+                </a:ln>
+                <a:solidFill>
+                  <a:srgbClr val="000000"/>
+                </a:solidFill>
+                <a:effectLst/>
+                <a:latin typeface="Consolas" panose="020B0609020204030204" pitchFamily="49" charset="0"/>
+              </a:rPr>
+              <a:t>, </a:t>
+            </a:r>
+            <a:r>
+              <a:rPr kumimoji="0" lang="en-US" altLang="en-US" sz="1300" b="1" i="0" u="none" strike="noStrike" cap="none" normalizeH="0" baseline="0" dirty="0">
+                <a:ln>
+                  <a:noFill/>
+                </a:ln>
+                <a:solidFill>
+                  <a:srgbClr val="008080"/>
+                </a:solidFill>
+                <a:effectLst/>
+                <a:latin typeface="Consolas" panose="020B0609020204030204" pitchFamily="49" charset="0"/>
+              </a:rPr>
+              <a:t>"Idaho"</a:t>
+            </a:r>
+            <a:r>
+              <a:rPr kumimoji="0" lang="en-US" altLang="en-US" sz="1300" b="0" i="0" u="none" strike="noStrike" cap="none" normalizeH="0" baseline="0" dirty="0">
+                <a:ln>
+                  <a:noFill/>
+                </a:ln>
+                <a:solidFill>
+                  <a:srgbClr val="000000"/>
+                </a:solidFill>
+                <a:effectLst/>
+                <a:latin typeface="Consolas" panose="020B0609020204030204" pitchFamily="49" charset="0"/>
+              </a:rPr>
+              <a:t>, </a:t>
+            </a:r>
+            <a:r>
+              <a:rPr kumimoji="0" lang="en-US" altLang="en-US" sz="1300" b="1" i="0" u="none" strike="noStrike" cap="none" normalizeH="0" baseline="0" dirty="0">
+                <a:ln>
+                  <a:noFill/>
+                </a:ln>
+                <a:solidFill>
+                  <a:srgbClr val="008080"/>
+                </a:solidFill>
+                <a:effectLst/>
+                <a:latin typeface="Consolas" panose="020B0609020204030204" pitchFamily="49" charset="0"/>
+              </a:rPr>
+              <a:t>"Louisiana"</a:t>
+            </a:r>
+            <a:r>
+              <a:rPr kumimoji="0" lang="en-US" altLang="en-US" sz="1300" b="0" i="0" u="none" strike="noStrike" cap="none" normalizeH="0" baseline="0" dirty="0">
+                <a:ln>
+                  <a:noFill/>
+                </a:ln>
+                <a:solidFill>
+                  <a:srgbClr val="000000"/>
+                </a:solidFill>
+                <a:effectLst/>
+                <a:latin typeface="Consolas" panose="020B0609020204030204" pitchFamily="49" charset="0"/>
+              </a:rPr>
+              <a:t>, </a:t>
+            </a:r>
+            <a:r>
+              <a:rPr kumimoji="0" lang="en-US" altLang="en-US" sz="1300" b="1" i="0" u="none" strike="noStrike" cap="none" normalizeH="0" baseline="0" dirty="0">
+                <a:ln>
+                  <a:noFill/>
+                </a:ln>
+                <a:solidFill>
+                  <a:srgbClr val="008080"/>
+                </a:solidFill>
+                <a:effectLst/>
+                <a:latin typeface="Consolas" panose="020B0609020204030204" pitchFamily="49" charset="0"/>
+              </a:rPr>
+              <a:t>"Vermont"</a:t>
+            </a:r>
+            <a:endParaRPr kumimoji="0" lang="en-US" altLang="en-US" sz="1800" b="0" i="0" u="none" strike="noStrike" cap="none" normalizeH="0" baseline="0" dirty="0">
+              <a:ln>
+                <a:noFill/>
+              </a:ln>
+              <a:solidFill>
+                <a:schemeClr val="tx1"/>
+              </a:solidFill>
+              <a:effectLst/>
+              <a:latin typeface="Arial" panose="020B0604020202020204" pitchFamily="34" charset="0"/>
+            </a:endParaRPr>
+          </a:p>
+        </p:txBody>
+      </p:sp>
+      <p:sp>
+        <p:nvSpPr>
+          <p:cNvPr id="9" name="Rectangle 2">
+            <a:extLst>
+              <a:ext uri="{FF2B5EF4-FFF2-40B4-BE49-F238E27FC236}">
+                <a16:creationId xmlns:a16="http://schemas.microsoft.com/office/drawing/2014/main" id="{9E076452-56B1-4544-9F00-9E9FA8E4D36D}"/>
+              </a:ext>
+            </a:extLst>
+          </p:cNvPr>
+          <p:cNvSpPr>
+            <a:spLocks noChangeArrowheads="1"/>
+          </p:cNvSpPr>
+          <p:nvPr/>
+        </p:nvSpPr>
+        <p:spPr bwMode="auto">
+          <a:xfrm>
+            <a:off x="413902" y="817350"/>
+            <a:ext cx="8681663" cy="292388"/>
+          </a:xfrm>
+          <a:prstGeom prst="rect">
+            <a:avLst/>
+          </a:prstGeom>
+          <a:solidFill>
+            <a:srgbClr val="FFFFFF"/>
+          </a:solidFill>
+          <a:ln>
+            <a:noFill/>
+          </a:ln>
+          <a:effectLst/>
+          <a:extLst>
+            <a:ext uri="{91240B29-F687-4F45-9708-019B960494DF}">
+              <a14:hiddenLine xmlns:a14="http://schemas.microsoft.com/office/drawing/2010/main" w="9525">
+                <a:solidFill>
+                  <a:schemeClr val="tx1"/>
+                </a:solidFill>
+                <a:miter lim="800000"/>
+                <a:headEnd/>
+                <a:tailEnd/>
+              </a14:hiddenLine>
+            </a:ext>
+            <a:ext uri="{AF507438-7753-43E0-B8FC-AC1667EBCBE1}">
+              <a14:hiddenEffects xmlns:a14="http://schemas.microsoft.com/office/drawing/2010/main">
+                <a:effectLst>
+                  <a:outerShdw dist="35921" dir="2700000" algn="ctr" rotWithShape="0">
+                    <a:schemeClr val="bg2"/>
+                  </a:outerShdw>
+                </a:effectLst>
+              </a14:hiddenEffects>
+            </a:ext>
+          </a:extLst>
+        </p:spPr>
+        <p:txBody>
+          <a:bodyPr vert="horz" wrap="square" lIns="91440" tIns="45720" rIns="91440" bIns="45720" numCol="1" anchor="ctr" anchorCtr="0" compatLnSpc="1">
+            <a:prstTxWarp prst="textNoShape">
+              <a:avLst/>
+            </a:prstTxWarp>
+            <a:spAutoFit/>
+          </a:bodyPr>
+          <a:lstStyle/>
+          <a:p>
+            <a:pPr marL="0" marR="0" lvl="0" indent="0" algn="l" defTabSz="914400" rtl="0" eaLnBrk="0" fontAlgn="base" latinLnBrk="0" hangingPunct="0">
+              <a:lnSpc>
+                <a:spcPct val="100000"/>
+              </a:lnSpc>
+              <a:spcBef>
+                <a:spcPct val="0"/>
+              </a:spcBef>
+              <a:spcAft>
+                <a:spcPct val="0"/>
+              </a:spcAft>
+              <a:buClrTx/>
+              <a:buSzTx/>
+              <a:buFontTx/>
+              <a:buNone/>
+              <a:tabLst/>
+            </a:pPr>
+            <a:r>
+              <a:rPr kumimoji="0" lang="en-US" altLang="en-US" sz="1300" b="1" i="0" u="none" strike="noStrike" cap="none" normalizeH="0" baseline="0" dirty="0">
+                <a:ln>
+                  <a:noFill/>
+                </a:ln>
+                <a:solidFill>
+                  <a:srgbClr val="008080"/>
+                </a:solidFill>
+                <a:effectLst/>
+                <a:latin typeface="Consolas" panose="020B0609020204030204" pitchFamily="49" charset="0"/>
+              </a:rPr>
+              <a:t>'lag_1_ratio_cc'</a:t>
+            </a:r>
+            <a:r>
+              <a:rPr kumimoji="0" lang="en-US" altLang="en-US" sz="1300" b="0" i="0" u="none" strike="noStrike" cap="none" normalizeH="0" baseline="0" dirty="0">
+                <a:ln>
+                  <a:noFill/>
+                </a:ln>
+                <a:solidFill>
+                  <a:srgbClr val="000000"/>
+                </a:solidFill>
+                <a:effectLst/>
+                <a:latin typeface="Consolas" panose="020B0609020204030204" pitchFamily="49" charset="0"/>
+              </a:rPr>
+              <a:t>, </a:t>
+            </a:r>
+            <a:r>
+              <a:rPr kumimoji="0" lang="en-US" altLang="en-US" sz="1300" b="1" i="0" u="none" strike="noStrike" cap="none" normalizeH="0" baseline="0" dirty="0">
+                <a:ln>
+                  <a:noFill/>
+                </a:ln>
+                <a:solidFill>
+                  <a:srgbClr val="008080"/>
+                </a:solidFill>
+                <a:effectLst/>
+                <a:latin typeface="Consolas" panose="020B0609020204030204" pitchFamily="49" charset="0"/>
+              </a:rPr>
+              <a:t>'</a:t>
+            </a:r>
+            <a:r>
+              <a:rPr kumimoji="0" lang="en-US" altLang="en-US" sz="1300" b="1" i="0" u="none" strike="noStrike" cap="none" normalizeH="0" baseline="0" dirty="0" err="1">
+                <a:ln>
+                  <a:noFill/>
+                </a:ln>
+                <a:solidFill>
+                  <a:srgbClr val="008080"/>
+                </a:solidFill>
+                <a:effectLst/>
+                <a:latin typeface="Consolas" panose="020B0609020204030204" pitchFamily="49" charset="0"/>
+              </a:rPr>
+              <a:t>SeniorMalePopulation</a:t>
+            </a:r>
+            <a:r>
+              <a:rPr kumimoji="0" lang="en-US" altLang="en-US" sz="1300" b="1" i="0" u="none" strike="noStrike" cap="none" normalizeH="0" baseline="0" dirty="0">
+                <a:ln>
+                  <a:noFill/>
+                </a:ln>
+                <a:solidFill>
+                  <a:srgbClr val="008080"/>
+                </a:solidFill>
+                <a:effectLst/>
+                <a:latin typeface="Consolas" panose="020B0609020204030204" pitchFamily="49" charset="0"/>
+              </a:rPr>
+              <a:t> 1~5'</a:t>
+            </a:r>
+            <a:endParaRPr kumimoji="0" lang="en-US" altLang="en-US" sz="1800" b="0" i="0" u="none" strike="noStrike" cap="none" normalizeH="0" baseline="0" dirty="0">
+              <a:ln>
+                <a:noFill/>
+              </a:ln>
+              <a:solidFill>
+                <a:schemeClr val="tx1"/>
+              </a:solidFill>
+              <a:effectLst/>
+              <a:latin typeface="Arial" panose="020B0604020202020204" pitchFamily="34" charset="0"/>
+            </a:endParaRPr>
+          </a:p>
+        </p:txBody>
+      </p:sp>
+      <p:sp>
+        <p:nvSpPr>
+          <p:cNvPr id="10" name="직사각형 9">
+            <a:extLst>
+              <a:ext uri="{FF2B5EF4-FFF2-40B4-BE49-F238E27FC236}">
+                <a16:creationId xmlns:a16="http://schemas.microsoft.com/office/drawing/2014/main" id="{692B9B07-83FA-4B2E-BD39-59D30348EDE4}"/>
+              </a:ext>
+            </a:extLst>
+          </p:cNvPr>
+          <p:cNvSpPr/>
+          <p:nvPr/>
+        </p:nvSpPr>
+        <p:spPr>
+          <a:xfrm>
+            <a:off x="298636" y="1109738"/>
+            <a:ext cx="9041259" cy="646331"/>
+          </a:xfrm>
+          <a:prstGeom prst="rect">
+            <a:avLst/>
+          </a:prstGeom>
+        </p:spPr>
+        <p:txBody>
+          <a:bodyPr wrap="square">
+            <a:spAutoFit/>
+          </a:bodyPr>
+          <a:lstStyle/>
+          <a:p>
+            <a:r>
+              <a:rPr lang="en-US" dirty="0"/>
+              <a:t>[1.00608966] Train Length[372]  Prediction Length[54]  Input Windows[20]  MAE Score[</a:t>
+            </a:r>
+            <a:r>
+              <a:rPr lang="en-US" dirty="0">
+                <a:highlight>
+                  <a:srgbClr val="FFFF00"/>
+                </a:highlight>
+              </a:rPr>
+              <a:t>0.0814</a:t>
+            </a:r>
+            <a:r>
+              <a:rPr lang="en-US" dirty="0"/>
+              <a:t>]</a:t>
+            </a:r>
+          </a:p>
+          <a:p>
+            <a:r>
+              <a:rPr lang="en-US" dirty="0"/>
+              <a:t>[1.00584649] Train Length[372]  Prediction Length[54]  Input Windows[20]  MAE Score[0.0814]</a:t>
+            </a:r>
+          </a:p>
+        </p:txBody>
+      </p:sp>
+      <p:sp>
+        <p:nvSpPr>
+          <p:cNvPr id="14" name="Rectangle 2">
+            <a:extLst>
+              <a:ext uri="{FF2B5EF4-FFF2-40B4-BE49-F238E27FC236}">
+                <a16:creationId xmlns:a16="http://schemas.microsoft.com/office/drawing/2014/main" id="{5B04DC5D-61FF-4E64-BB45-86C496657339}"/>
+              </a:ext>
+            </a:extLst>
+          </p:cNvPr>
+          <p:cNvSpPr>
+            <a:spLocks noChangeArrowheads="1"/>
+          </p:cNvSpPr>
+          <p:nvPr/>
+        </p:nvSpPr>
+        <p:spPr bwMode="auto">
+          <a:xfrm>
+            <a:off x="529168" y="2048457"/>
+            <a:ext cx="8681663" cy="292388"/>
+          </a:xfrm>
+          <a:prstGeom prst="rect">
+            <a:avLst/>
+          </a:prstGeom>
+          <a:solidFill>
+            <a:srgbClr val="FFFFFF"/>
+          </a:solidFill>
+          <a:ln>
+            <a:noFill/>
+          </a:ln>
+          <a:effectLst/>
+          <a:extLst>
+            <a:ext uri="{91240B29-F687-4F45-9708-019B960494DF}">
+              <a14:hiddenLine xmlns:a14="http://schemas.microsoft.com/office/drawing/2010/main" w="9525">
+                <a:solidFill>
+                  <a:schemeClr val="tx1"/>
+                </a:solidFill>
+                <a:miter lim="800000"/>
+                <a:headEnd/>
+                <a:tailEnd/>
+              </a14:hiddenLine>
+            </a:ext>
+            <a:ext uri="{AF507438-7753-43E0-B8FC-AC1667EBCBE1}">
+              <a14:hiddenEffects xmlns:a14="http://schemas.microsoft.com/office/drawing/2010/main">
+                <a:effectLst>
+                  <a:outerShdw dist="35921" dir="2700000" algn="ctr" rotWithShape="0">
+                    <a:schemeClr val="bg2"/>
+                  </a:outerShdw>
+                </a:effectLst>
+              </a14:hiddenEffects>
+            </a:ext>
+          </a:extLst>
+        </p:spPr>
+        <p:txBody>
+          <a:bodyPr vert="horz" wrap="square" lIns="91440" tIns="45720" rIns="91440" bIns="45720" numCol="1" anchor="ctr" anchorCtr="0" compatLnSpc="1">
+            <a:prstTxWarp prst="textNoShape">
+              <a:avLst/>
+            </a:prstTxWarp>
+            <a:spAutoFit/>
+          </a:bodyPr>
+          <a:lstStyle/>
+          <a:p>
+            <a:pPr marL="0" marR="0" lvl="0" indent="0" algn="l" defTabSz="914400" rtl="0" eaLnBrk="0" fontAlgn="base" latinLnBrk="0" hangingPunct="0">
+              <a:lnSpc>
+                <a:spcPct val="100000"/>
+              </a:lnSpc>
+              <a:spcBef>
+                <a:spcPct val="0"/>
+              </a:spcBef>
+              <a:spcAft>
+                <a:spcPct val="0"/>
+              </a:spcAft>
+              <a:buClrTx/>
+              <a:buSzTx/>
+              <a:buFontTx/>
+              <a:buNone/>
+              <a:tabLst/>
+            </a:pPr>
+            <a:r>
+              <a:rPr kumimoji="0" lang="en-US" altLang="en-US" sz="1300" b="1" i="0" u="none" strike="noStrike" cap="none" normalizeH="0" baseline="0" dirty="0">
+                <a:ln>
+                  <a:noFill/>
+                </a:ln>
+                <a:solidFill>
+                  <a:srgbClr val="008080"/>
+                </a:solidFill>
+                <a:effectLst/>
+                <a:latin typeface="Consolas" panose="020B0609020204030204" pitchFamily="49" charset="0"/>
+              </a:rPr>
+              <a:t>'lag_1_ratio_cc'</a:t>
+            </a:r>
+            <a:r>
+              <a:rPr kumimoji="0" lang="en-US" altLang="en-US" sz="1300" b="0" i="0" u="none" strike="noStrike" cap="none" normalizeH="0" baseline="0" dirty="0">
+                <a:ln>
+                  <a:noFill/>
+                </a:ln>
+                <a:solidFill>
+                  <a:srgbClr val="000000"/>
+                </a:solidFill>
+                <a:effectLst/>
+                <a:latin typeface="Consolas" panose="020B0609020204030204" pitchFamily="49" charset="0"/>
+              </a:rPr>
+              <a:t>, </a:t>
+            </a:r>
+            <a:r>
+              <a:rPr kumimoji="0" lang="en-US" altLang="en-US" sz="1300" b="1" i="0" u="none" strike="noStrike" cap="none" normalizeH="0" baseline="0" dirty="0">
+                <a:ln>
+                  <a:noFill/>
+                </a:ln>
+                <a:solidFill>
+                  <a:srgbClr val="008080"/>
+                </a:solidFill>
+                <a:effectLst/>
+                <a:latin typeface="Consolas" panose="020B0609020204030204" pitchFamily="49" charset="0"/>
+              </a:rPr>
               <a:t>'</a:t>
             </a:r>
             <a:r>
@@ -46149,7 +46089,7 @@
         </p:blipFill>
         <p:spPr>
           <a:xfrm>
-            <a:off x="7445375" y="2925621"/>
+            <a:off x="7171112" y="3110470"/>
             <a:ext cx="4715607" cy="2724573"/>
           </a:xfrm>
           <a:prstGeom prst="rect">
@@ -46186,7 +46126,7 @@
           <a:lstStyle/>
           <a:p>
             <a:r>
-              <a:rPr lang="ko-KR" altLang="en-US"/>
+              <a:rPr lang="ko-KR" altLang="en-US" dirty="0"/>
               <a:t>이상현상</a:t>
             </a:r>
             <a:endParaRPr lang="en-US" dirty="0"/>

--- a/doc/Paper Images.pptx
+++ b/doc/Paper Images.pptx
@@ -99,6 +99,8 @@
     <p:sldId id="406" r:id="rId93"/>
     <p:sldId id="407" r:id="rId94"/>
     <p:sldId id="408" r:id="rId95"/>
+    <p:sldId id="413" r:id="rId96"/>
+    <p:sldId id="414" r:id="rId97"/>
   </p:sldIdLst>
   <p:sldSz cx="12192000" cy="6858000"/>
   <p:notesSz cx="6858000" cy="9144000"/>
@@ -354,7 +356,7 @@
           <a:p>
             <a:fld id="{69EF58AE-A150-436C-A66E-79C9DB882BA4}" type="datetimeFigureOut">
               <a:rPr lang="en-US" smtClean="0"/>
-              <a:t>6/19/2020</a:t>
+              <a:t>6/22/2020</a:t>
             </a:fld>
             <a:endParaRPr lang="en-US"/>
           </a:p>
@@ -554,7 +556,7 @@
           <a:p>
             <a:fld id="{69EF58AE-A150-436C-A66E-79C9DB882BA4}" type="datetimeFigureOut">
               <a:rPr lang="en-US" smtClean="0"/>
-              <a:t>6/19/2020</a:t>
+              <a:t>6/22/2020</a:t>
             </a:fld>
             <a:endParaRPr lang="en-US"/>
           </a:p>
@@ -764,7 +766,7 @@
           <a:p>
             <a:fld id="{69EF58AE-A150-436C-A66E-79C9DB882BA4}" type="datetimeFigureOut">
               <a:rPr lang="en-US" smtClean="0"/>
-              <a:t>6/19/2020</a:t>
+              <a:t>6/22/2020</a:t>
             </a:fld>
             <a:endParaRPr lang="en-US"/>
           </a:p>
@@ -964,7 +966,7 @@
           <a:p>
             <a:fld id="{69EF58AE-A150-436C-A66E-79C9DB882BA4}" type="datetimeFigureOut">
               <a:rPr lang="en-US" smtClean="0"/>
-              <a:t>6/19/2020</a:t>
+              <a:t>6/22/2020</a:t>
             </a:fld>
             <a:endParaRPr lang="en-US"/>
           </a:p>
@@ -1240,7 +1242,7 @@
           <a:p>
             <a:fld id="{69EF58AE-A150-436C-A66E-79C9DB882BA4}" type="datetimeFigureOut">
               <a:rPr lang="en-US" smtClean="0"/>
-              <a:t>6/19/2020</a:t>
+              <a:t>6/22/2020</a:t>
             </a:fld>
             <a:endParaRPr lang="en-US"/>
           </a:p>
@@ -1508,7 +1510,7 @@
           <a:p>
             <a:fld id="{69EF58AE-A150-436C-A66E-79C9DB882BA4}" type="datetimeFigureOut">
               <a:rPr lang="en-US" smtClean="0"/>
-              <a:t>6/19/2020</a:t>
+              <a:t>6/22/2020</a:t>
             </a:fld>
             <a:endParaRPr lang="en-US"/>
           </a:p>
@@ -1923,7 +1925,7 @@
           <a:p>
             <a:fld id="{69EF58AE-A150-436C-A66E-79C9DB882BA4}" type="datetimeFigureOut">
               <a:rPr lang="en-US" smtClean="0"/>
-              <a:t>6/19/2020</a:t>
+              <a:t>6/22/2020</a:t>
             </a:fld>
             <a:endParaRPr lang="en-US"/>
           </a:p>
@@ -2065,7 +2067,7 @@
           <a:p>
             <a:fld id="{69EF58AE-A150-436C-A66E-79C9DB882BA4}" type="datetimeFigureOut">
               <a:rPr lang="en-US" smtClean="0"/>
-              <a:t>6/19/2020</a:t>
+              <a:t>6/22/2020</a:t>
             </a:fld>
             <a:endParaRPr lang="en-US"/>
           </a:p>
@@ -2178,7 +2180,7 @@
           <a:p>
             <a:fld id="{69EF58AE-A150-436C-A66E-79C9DB882BA4}" type="datetimeFigureOut">
               <a:rPr lang="en-US" smtClean="0"/>
-              <a:t>6/19/2020</a:t>
+              <a:t>6/22/2020</a:t>
             </a:fld>
             <a:endParaRPr lang="en-US"/>
           </a:p>
@@ -2491,7 +2493,7 @@
           <a:p>
             <a:fld id="{69EF58AE-A150-436C-A66E-79C9DB882BA4}" type="datetimeFigureOut">
               <a:rPr lang="en-US" smtClean="0"/>
-              <a:t>6/19/2020</a:t>
+              <a:t>6/22/2020</a:t>
             </a:fld>
             <a:endParaRPr lang="en-US"/>
           </a:p>
@@ -2780,7 +2782,7 @@
           <a:p>
             <a:fld id="{69EF58AE-A150-436C-A66E-79C9DB882BA4}" type="datetimeFigureOut">
               <a:rPr lang="en-US" smtClean="0"/>
-              <a:t>6/19/2020</a:t>
+              <a:t>6/22/2020</a:t>
             </a:fld>
             <a:endParaRPr lang="en-US"/>
           </a:p>
@@ -3023,7 +3025,7 @@
           <a:p>
             <a:fld id="{69EF58AE-A150-436C-A66E-79C9DB882BA4}" type="datetimeFigureOut">
               <a:rPr lang="en-US" smtClean="0"/>
-              <a:t>6/19/2020</a:t>
+              <a:t>6/22/2020</a:t>
             </a:fld>
             <a:endParaRPr lang="en-US"/>
           </a:p>
@@ -46402,6 +46404,839 @@
 </p:sld>
 </file>
 
+<file path=ppt/slides/slide95.xml><?xml version="1.0" encoding="utf-8"?>
+<p:sld xmlns:a="http://schemas.openxmlformats.org/drawingml/2006/main" xmlns:r="http://schemas.openxmlformats.org/officeDocument/2006/relationships" xmlns:p="http://schemas.openxmlformats.org/presentationml/2006/main">
+  <p:cSld>
+    <p:spTree>
+      <p:nvGrpSpPr>
+        <p:cNvPr id="1" name=""/>
+        <p:cNvGrpSpPr/>
+        <p:nvPr/>
+      </p:nvGrpSpPr>
+      <p:grpSpPr>
+        <a:xfrm>
+          <a:off x="0" y="0"/>
+          <a:ext cx="0" cy="0"/>
+          <a:chOff x="0" y="0"/>
+          <a:chExt cx="0" cy="0"/>
+        </a:xfrm>
+      </p:grpSpPr>
+      <p:sp>
+        <p:nvSpPr>
+          <p:cNvPr id="5" name="Rectangle 1">
+            <a:extLst>
+              <a:ext uri="{FF2B5EF4-FFF2-40B4-BE49-F238E27FC236}">
+                <a16:creationId xmlns:a16="http://schemas.microsoft.com/office/drawing/2014/main" id="{22C82D7D-37BA-4531-9DE0-6D992C5235D9}"/>
+              </a:ext>
+            </a:extLst>
+          </p:cNvPr>
+          <p:cNvSpPr>
+            <a:spLocks noChangeArrowheads="1"/>
+          </p:cNvSpPr>
+          <p:nvPr/>
+        </p:nvSpPr>
+        <p:spPr bwMode="auto">
+          <a:xfrm>
+            <a:off x="0" y="82406"/>
+            <a:ext cx="5849678" cy="292388"/>
+          </a:xfrm>
+          <a:prstGeom prst="rect">
+            <a:avLst/>
+          </a:prstGeom>
+          <a:solidFill>
+            <a:srgbClr val="FFFFFF"/>
+          </a:solidFill>
+          <a:ln>
+            <a:noFill/>
+          </a:ln>
+          <a:effectLst/>
+          <a:extLst>
+            <a:ext uri="{91240B29-F687-4F45-9708-019B960494DF}">
+              <a14:hiddenLine xmlns:a14="http://schemas.microsoft.com/office/drawing/2010/main" w="9525">
+                <a:solidFill>
+                  <a:schemeClr val="tx1"/>
+                </a:solidFill>
+                <a:miter lim="800000"/>
+                <a:headEnd/>
+                <a:tailEnd/>
+              </a14:hiddenLine>
+            </a:ext>
+            <a:ext uri="{AF507438-7753-43E0-B8FC-AC1667EBCBE1}">
+              <a14:hiddenEffects xmlns:a14="http://schemas.microsoft.com/office/drawing/2010/main">
+                <a:effectLst>
+                  <a:outerShdw dist="35921" dir="2700000" algn="ctr" rotWithShape="0">
+                    <a:schemeClr val="bg2"/>
+                  </a:outerShdw>
+                </a:effectLst>
+              </a14:hiddenEffects>
+            </a:ext>
+          </a:extLst>
+        </p:spPr>
+        <p:txBody>
+          <a:bodyPr vert="horz" wrap="none" lIns="91440" tIns="45720" rIns="91440" bIns="45720" numCol="1" anchor="ctr" anchorCtr="0" compatLnSpc="1">
+            <a:prstTxWarp prst="textNoShape">
+              <a:avLst/>
+            </a:prstTxWarp>
+            <a:spAutoFit/>
+          </a:bodyPr>
+          <a:lstStyle/>
+          <a:p>
+            <a:pPr lvl="0" eaLnBrk="0" fontAlgn="base" hangingPunct="0">
+              <a:spcBef>
+                <a:spcPct val="0"/>
+              </a:spcBef>
+              <a:spcAft>
+                <a:spcPct val="0"/>
+              </a:spcAft>
+            </a:pPr>
+            <a:r>
+              <a:rPr lang="en-US" altLang="en-US" sz="1300" b="1" dirty="0">
+                <a:solidFill>
+                  <a:srgbClr val="008080"/>
+                </a:solidFill>
+                <a:latin typeface="Consolas" panose="020B0609020204030204" pitchFamily="49" charset="0"/>
+              </a:rPr>
+              <a:t>With kernel regularization</a:t>
+            </a:r>
+            <a:r>
+              <a:rPr kumimoji="0" lang="en-US" altLang="en-US" sz="1300" b="1" i="0" u="none" strike="noStrike" cap="none" normalizeH="0" baseline="0" dirty="0">
+                <a:ln>
+                  <a:noFill/>
+                </a:ln>
+                <a:solidFill>
+                  <a:srgbClr val="008080"/>
+                </a:solidFill>
+                <a:effectLst/>
+                <a:latin typeface="Consolas" panose="020B0609020204030204" pitchFamily="49" charset="0"/>
+              </a:rPr>
+              <a:t>: L1(Lasso) = 0.06 and L2(Ridge) = 0</a:t>
+            </a:r>
+            <a:endParaRPr kumimoji="0" lang="en-US" altLang="en-US" sz="1800" b="0" i="0" u="none" strike="noStrike" cap="none" normalizeH="0" baseline="0" dirty="0">
+              <a:ln>
+                <a:noFill/>
+              </a:ln>
+              <a:solidFill>
+                <a:schemeClr val="tx1"/>
+              </a:solidFill>
+              <a:effectLst/>
+              <a:latin typeface="Arial" panose="020B0604020202020204" pitchFamily="34" charset="0"/>
+            </a:endParaRPr>
+          </a:p>
+        </p:txBody>
+      </p:sp>
+      <p:pic>
+        <p:nvPicPr>
+          <p:cNvPr id="3" name="그림 2">
+            <a:extLst>
+              <a:ext uri="{FF2B5EF4-FFF2-40B4-BE49-F238E27FC236}">
+                <a16:creationId xmlns:a16="http://schemas.microsoft.com/office/drawing/2014/main" id="{FDD3230F-4213-4041-B163-E19DCD7E9E64}"/>
+              </a:ext>
+            </a:extLst>
+          </p:cNvPr>
+          <p:cNvPicPr>
+            <a:picLocks noChangeAspect="1"/>
+          </p:cNvPicPr>
+          <p:nvPr/>
+        </p:nvPicPr>
+        <p:blipFill>
+          <a:blip r:embed="rId2"/>
+          <a:stretch>
+            <a:fillRect/>
+          </a:stretch>
+        </p:blipFill>
+        <p:spPr>
+          <a:xfrm>
+            <a:off x="0" y="3109631"/>
+            <a:ext cx="6096000" cy="3665963"/>
+          </a:xfrm>
+          <a:prstGeom prst="rect">
+            <a:avLst/>
+          </a:prstGeom>
+        </p:spPr>
+      </p:pic>
+      <p:pic>
+        <p:nvPicPr>
+          <p:cNvPr id="4" name="그림 3">
+            <a:extLst>
+              <a:ext uri="{FF2B5EF4-FFF2-40B4-BE49-F238E27FC236}">
+                <a16:creationId xmlns:a16="http://schemas.microsoft.com/office/drawing/2014/main" id="{5D9B1D88-71B5-49D5-B3B8-2889D02E3A94}"/>
+              </a:ext>
+            </a:extLst>
+          </p:cNvPr>
+          <p:cNvPicPr>
+            <a:picLocks noChangeAspect="1"/>
+          </p:cNvPicPr>
+          <p:nvPr/>
+        </p:nvPicPr>
+        <p:blipFill>
+          <a:blip r:embed="rId3"/>
+          <a:stretch>
+            <a:fillRect/>
+          </a:stretch>
+        </p:blipFill>
+        <p:spPr>
+          <a:xfrm>
+            <a:off x="0" y="734199"/>
+            <a:ext cx="4187052" cy="2400495"/>
+          </a:xfrm>
+          <a:prstGeom prst="rect">
+            <a:avLst/>
+          </a:prstGeom>
+        </p:spPr>
+      </p:pic>
+      <p:sp>
+        <p:nvSpPr>
+          <p:cNvPr id="7" name="직사각형 6">
+            <a:extLst>
+              <a:ext uri="{FF2B5EF4-FFF2-40B4-BE49-F238E27FC236}">
+                <a16:creationId xmlns:a16="http://schemas.microsoft.com/office/drawing/2014/main" id="{3F0EED99-2CB5-4B29-86A8-CF132B49BB74}"/>
+              </a:ext>
+            </a:extLst>
+          </p:cNvPr>
+          <p:cNvSpPr/>
+          <p:nvPr/>
+        </p:nvSpPr>
+        <p:spPr>
+          <a:xfrm>
+            <a:off x="531098" y="3723306"/>
+            <a:ext cx="1380058" cy="369332"/>
+          </a:xfrm>
+          <a:prstGeom prst="rect">
+            <a:avLst/>
+          </a:prstGeom>
+        </p:spPr>
+        <p:style>
+          <a:lnRef idx="2">
+            <a:schemeClr val="dk1"/>
+          </a:lnRef>
+          <a:fillRef idx="1">
+            <a:schemeClr val="lt1"/>
+          </a:fillRef>
+          <a:effectRef idx="0">
+            <a:schemeClr val="dk1"/>
+          </a:effectRef>
+          <a:fontRef idx="minor">
+            <a:schemeClr val="dk1"/>
+          </a:fontRef>
+        </p:style>
+        <p:txBody>
+          <a:bodyPr wrap="none">
+            <a:spAutoFit/>
+          </a:bodyPr>
+          <a:lstStyle/>
+          <a:p>
+            <a:r>
+              <a:rPr lang="en-US" dirty="0"/>
+              <a:t>Single Factor</a:t>
+            </a:r>
+          </a:p>
+        </p:txBody>
+      </p:sp>
+      <p:pic>
+        <p:nvPicPr>
+          <p:cNvPr id="8" name="그림 7">
+            <a:extLst>
+              <a:ext uri="{FF2B5EF4-FFF2-40B4-BE49-F238E27FC236}">
+                <a16:creationId xmlns:a16="http://schemas.microsoft.com/office/drawing/2014/main" id="{CBF89A9F-1F76-426E-AF26-4E02DEE111BA}"/>
+              </a:ext>
+            </a:extLst>
+          </p:cNvPr>
+          <p:cNvPicPr>
+            <a:picLocks noChangeAspect="1"/>
+          </p:cNvPicPr>
+          <p:nvPr/>
+        </p:nvPicPr>
+        <p:blipFill>
+          <a:blip r:embed="rId4"/>
+          <a:stretch>
+            <a:fillRect/>
+          </a:stretch>
+        </p:blipFill>
+        <p:spPr>
+          <a:xfrm>
+            <a:off x="6014940" y="3109631"/>
+            <a:ext cx="6177060" cy="3596360"/>
+          </a:xfrm>
+          <a:prstGeom prst="rect">
+            <a:avLst/>
+          </a:prstGeom>
+        </p:spPr>
+      </p:pic>
+      <p:sp>
+        <p:nvSpPr>
+          <p:cNvPr id="19" name="직사각형 18">
+            <a:extLst>
+              <a:ext uri="{FF2B5EF4-FFF2-40B4-BE49-F238E27FC236}">
+                <a16:creationId xmlns:a16="http://schemas.microsoft.com/office/drawing/2014/main" id="{967CB93C-B9D2-4AF0-AA6E-A37B66D4BFF4}"/>
+              </a:ext>
+            </a:extLst>
+          </p:cNvPr>
+          <p:cNvSpPr/>
+          <p:nvPr/>
+        </p:nvSpPr>
+        <p:spPr>
+          <a:xfrm>
+            <a:off x="6962378" y="3907972"/>
+            <a:ext cx="1323952" cy="369332"/>
+          </a:xfrm>
+          <a:prstGeom prst="rect">
+            <a:avLst/>
+          </a:prstGeom>
+        </p:spPr>
+        <p:style>
+          <a:lnRef idx="2">
+            <a:schemeClr val="dk1"/>
+          </a:lnRef>
+          <a:fillRef idx="1">
+            <a:schemeClr val="lt1"/>
+          </a:fillRef>
+          <a:effectRef idx="0">
+            <a:schemeClr val="dk1"/>
+          </a:effectRef>
+          <a:fontRef idx="minor">
+            <a:schemeClr val="dk1"/>
+          </a:fontRef>
+        </p:style>
+        <p:txBody>
+          <a:bodyPr wrap="none">
+            <a:spAutoFit/>
+          </a:bodyPr>
+          <a:lstStyle/>
+          <a:p>
+            <a:r>
+              <a:rPr lang="en-US" dirty="0"/>
+              <a:t>Multi Factor</a:t>
+            </a:r>
+          </a:p>
+        </p:txBody>
+      </p:sp>
+      <p:pic>
+        <p:nvPicPr>
+          <p:cNvPr id="11" name="그림 10">
+            <a:extLst>
+              <a:ext uri="{FF2B5EF4-FFF2-40B4-BE49-F238E27FC236}">
+                <a16:creationId xmlns:a16="http://schemas.microsoft.com/office/drawing/2014/main" id="{57F4B831-767F-47FE-9BAF-D6EF06D12F2A}"/>
+              </a:ext>
+            </a:extLst>
+          </p:cNvPr>
+          <p:cNvPicPr>
+            <a:picLocks noChangeAspect="1"/>
+          </p:cNvPicPr>
+          <p:nvPr/>
+        </p:nvPicPr>
+        <p:blipFill>
+          <a:blip r:embed="rId5"/>
+          <a:stretch>
+            <a:fillRect/>
+          </a:stretch>
+        </p:blipFill>
+        <p:spPr>
+          <a:xfrm>
+            <a:off x="6096000" y="671870"/>
+            <a:ext cx="4240950" cy="2437761"/>
+          </a:xfrm>
+          <a:prstGeom prst="rect">
+            <a:avLst/>
+          </a:prstGeom>
+        </p:spPr>
+      </p:pic>
+    </p:spTree>
+    <p:extLst>
+      <p:ext uri="{BB962C8B-B14F-4D97-AF65-F5344CB8AC3E}">
+        <p14:creationId xmlns:p14="http://schemas.microsoft.com/office/powerpoint/2010/main" val="1651793890"/>
+      </p:ext>
+    </p:extLst>
+  </p:cSld>
+  <p:clrMapOvr>
+    <a:masterClrMapping/>
+  </p:clrMapOvr>
+</p:sld>
+</file>
+
+<file path=ppt/slides/slide96.xml><?xml version="1.0" encoding="utf-8"?>
+<p:sld xmlns:a="http://schemas.openxmlformats.org/drawingml/2006/main" xmlns:r="http://schemas.openxmlformats.org/officeDocument/2006/relationships" xmlns:p="http://schemas.openxmlformats.org/presentationml/2006/main">
+  <p:cSld>
+    <p:spTree>
+      <p:nvGrpSpPr>
+        <p:cNvPr id="1" name=""/>
+        <p:cNvGrpSpPr/>
+        <p:nvPr/>
+      </p:nvGrpSpPr>
+      <p:grpSpPr>
+        <a:xfrm>
+          <a:off x="0" y="0"/>
+          <a:ext cx="0" cy="0"/>
+          <a:chOff x="0" y="0"/>
+          <a:chExt cx="0" cy="0"/>
+        </a:xfrm>
+      </p:grpSpPr>
+      <p:pic>
+        <p:nvPicPr>
+          <p:cNvPr id="4" name="그림 3">
+            <a:extLst>
+              <a:ext uri="{FF2B5EF4-FFF2-40B4-BE49-F238E27FC236}">
+                <a16:creationId xmlns:a16="http://schemas.microsoft.com/office/drawing/2014/main" id="{15DAF2B7-5E3A-4F03-855E-A252615013FB}"/>
+              </a:ext>
+            </a:extLst>
+          </p:cNvPr>
+          <p:cNvPicPr>
+            <a:picLocks noChangeAspect="1"/>
+          </p:cNvPicPr>
+          <p:nvPr/>
+        </p:nvPicPr>
+        <p:blipFill>
+          <a:blip r:embed="rId2"/>
+          <a:stretch>
+            <a:fillRect/>
+          </a:stretch>
+        </p:blipFill>
+        <p:spPr>
+          <a:xfrm>
+            <a:off x="6278880" y="3534376"/>
+            <a:ext cx="5768094" cy="3323623"/>
+          </a:xfrm>
+          <a:prstGeom prst="rect">
+            <a:avLst/>
+          </a:prstGeom>
+        </p:spPr>
+      </p:pic>
+      <p:pic>
+        <p:nvPicPr>
+          <p:cNvPr id="5" name="그림 4">
+            <a:extLst>
+              <a:ext uri="{FF2B5EF4-FFF2-40B4-BE49-F238E27FC236}">
+                <a16:creationId xmlns:a16="http://schemas.microsoft.com/office/drawing/2014/main" id="{23575C08-D87C-4E1D-8842-74DCAA16C783}"/>
+              </a:ext>
+            </a:extLst>
+          </p:cNvPr>
+          <p:cNvPicPr>
+            <a:picLocks noChangeAspect="1"/>
+          </p:cNvPicPr>
+          <p:nvPr/>
+        </p:nvPicPr>
+        <p:blipFill>
+          <a:blip r:embed="rId3"/>
+          <a:stretch>
+            <a:fillRect/>
+          </a:stretch>
+        </p:blipFill>
+        <p:spPr>
+          <a:xfrm>
+            <a:off x="6447435" y="1116828"/>
+            <a:ext cx="4142187" cy="2417548"/>
+          </a:xfrm>
+          <a:prstGeom prst="rect">
+            <a:avLst/>
+          </a:prstGeom>
+        </p:spPr>
+      </p:pic>
+      <p:pic>
+        <p:nvPicPr>
+          <p:cNvPr id="6" name="그림 5">
+            <a:extLst>
+              <a:ext uri="{FF2B5EF4-FFF2-40B4-BE49-F238E27FC236}">
+                <a16:creationId xmlns:a16="http://schemas.microsoft.com/office/drawing/2014/main" id="{0C777ADE-BDF5-4828-B822-4FACA887A876}"/>
+              </a:ext>
+            </a:extLst>
+          </p:cNvPr>
+          <p:cNvPicPr>
+            <a:picLocks noChangeAspect="1"/>
+          </p:cNvPicPr>
+          <p:nvPr/>
+        </p:nvPicPr>
+        <p:blipFill>
+          <a:blip r:embed="rId4"/>
+          <a:stretch>
+            <a:fillRect/>
+          </a:stretch>
+        </p:blipFill>
+        <p:spPr>
+          <a:xfrm>
+            <a:off x="167973" y="3534784"/>
+            <a:ext cx="5745148" cy="3323216"/>
+          </a:xfrm>
+          <a:prstGeom prst="rect">
+            <a:avLst/>
+          </a:prstGeom>
+        </p:spPr>
+      </p:pic>
+      <p:pic>
+        <p:nvPicPr>
+          <p:cNvPr id="7" name="그림 6">
+            <a:extLst>
+              <a:ext uri="{FF2B5EF4-FFF2-40B4-BE49-F238E27FC236}">
+                <a16:creationId xmlns:a16="http://schemas.microsoft.com/office/drawing/2014/main" id="{3F7CEF7F-5A46-4358-9959-CCD38F021A71}"/>
+              </a:ext>
+            </a:extLst>
+          </p:cNvPr>
+          <p:cNvPicPr>
+            <a:picLocks noChangeAspect="1"/>
+          </p:cNvPicPr>
+          <p:nvPr/>
+        </p:nvPicPr>
+        <p:blipFill>
+          <a:blip r:embed="rId5"/>
+          <a:stretch>
+            <a:fillRect/>
+          </a:stretch>
+        </p:blipFill>
+        <p:spPr>
+          <a:xfrm>
+            <a:off x="1670957" y="1129235"/>
+            <a:ext cx="4142187" cy="2405141"/>
+          </a:xfrm>
+          <a:prstGeom prst="rect">
+            <a:avLst/>
+          </a:prstGeom>
+        </p:spPr>
+      </p:pic>
+      <p:sp>
+        <p:nvSpPr>
+          <p:cNvPr id="8" name="Rectangle 1">
+            <a:extLst>
+              <a:ext uri="{FF2B5EF4-FFF2-40B4-BE49-F238E27FC236}">
+                <a16:creationId xmlns:a16="http://schemas.microsoft.com/office/drawing/2014/main" id="{11E750F5-DC3C-4708-B115-E1C7580B09E9}"/>
+              </a:ext>
+            </a:extLst>
+          </p:cNvPr>
+          <p:cNvSpPr>
+            <a:spLocks noChangeArrowheads="1"/>
+          </p:cNvSpPr>
+          <p:nvPr/>
+        </p:nvSpPr>
+        <p:spPr bwMode="auto">
+          <a:xfrm>
+            <a:off x="0" y="82406"/>
+            <a:ext cx="2194832" cy="292388"/>
+          </a:xfrm>
+          <a:prstGeom prst="rect">
+            <a:avLst/>
+          </a:prstGeom>
+          <a:solidFill>
+            <a:srgbClr val="FFFFFF"/>
+          </a:solidFill>
+          <a:ln>
+            <a:noFill/>
+          </a:ln>
+          <a:effectLst/>
+          <a:extLst>
+            <a:ext uri="{91240B29-F687-4F45-9708-019B960494DF}">
+              <a14:hiddenLine xmlns:a14="http://schemas.microsoft.com/office/drawing/2010/main" w="9525">
+                <a:solidFill>
+                  <a:schemeClr val="tx1"/>
+                </a:solidFill>
+                <a:miter lim="800000"/>
+                <a:headEnd/>
+                <a:tailEnd/>
+              </a14:hiddenLine>
+            </a:ext>
+            <a:ext uri="{AF507438-7753-43E0-B8FC-AC1667EBCBE1}">
+              <a14:hiddenEffects xmlns:a14="http://schemas.microsoft.com/office/drawing/2010/main">
+                <a:effectLst>
+                  <a:outerShdw dist="35921" dir="2700000" algn="ctr" rotWithShape="0">
+                    <a:schemeClr val="bg2"/>
+                  </a:outerShdw>
+                </a:effectLst>
+              </a14:hiddenEffects>
+            </a:ext>
+          </a:extLst>
+        </p:spPr>
+        <p:txBody>
+          <a:bodyPr vert="horz" wrap="none" lIns="91440" tIns="45720" rIns="91440" bIns="45720" numCol="1" anchor="ctr" anchorCtr="0" compatLnSpc="1">
+            <a:prstTxWarp prst="textNoShape">
+              <a:avLst/>
+            </a:prstTxWarp>
+            <a:spAutoFit/>
+          </a:bodyPr>
+          <a:lstStyle/>
+          <a:p>
+            <a:pPr marL="0" marR="0" lvl="0" indent="0" algn="l" defTabSz="914400" rtl="0" eaLnBrk="0" fontAlgn="base" latinLnBrk="0" hangingPunct="0">
+              <a:lnSpc>
+                <a:spcPct val="100000"/>
+              </a:lnSpc>
+              <a:spcBef>
+                <a:spcPct val="0"/>
+              </a:spcBef>
+              <a:spcAft>
+                <a:spcPct val="0"/>
+              </a:spcAft>
+              <a:buClrTx/>
+              <a:buSzTx/>
+              <a:buFontTx/>
+              <a:buNone/>
+              <a:tabLst/>
+            </a:pPr>
+            <a:r>
+              <a:rPr kumimoji="0" lang="en-US" altLang="en-US" sz="1300" b="1" i="0" u="none" strike="noStrike" cap="none" normalizeH="0" baseline="0" dirty="0">
+                <a:ln>
+                  <a:noFill/>
+                </a:ln>
+                <a:solidFill>
+                  <a:srgbClr val="008080"/>
+                </a:solidFill>
+                <a:effectLst/>
+                <a:latin typeface="Consolas" panose="020B0609020204030204" pitchFamily="49" charset="0"/>
+              </a:rPr>
+              <a:t>Without regularization</a:t>
+            </a:r>
+            <a:endParaRPr kumimoji="0" lang="en-US" altLang="en-US" sz="1800" b="0" i="0" u="none" strike="noStrike" cap="none" normalizeH="0" baseline="0" dirty="0">
+              <a:ln>
+                <a:noFill/>
+              </a:ln>
+              <a:solidFill>
+                <a:schemeClr val="tx1"/>
+              </a:solidFill>
+              <a:effectLst/>
+              <a:latin typeface="Arial" panose="020B0604020202020204" pitchFamily="34" charset="0"/>
+            </a:endParaRPr>
+          </a:p>
+        </p:txBody>
+      </p:sp>
+      <p:sp>
+        <p:nvSpPr>
+          <p:cNvPr id="9" name="직사각형 8">
+            <a:extLst>
+              <a:ext uri="{FF2B5EF4-FFF2-40B4-BE49-F238E27FC236}">
+                <a16:creationId xmlns:a16="http://schemas.microsoft.com/office/drawing/2014/main" id="{42ED2642-CA33-4F04-96E7-08C92974FE40}"/>
+              </a:ext>
+            </a:extLst>
+          </p:cNvPr>
+          <p:cNvSpPr/>
+          <p:nvPr/>
+        </p:nvSpPr>
+        <p:spPr>
+          <a:xfrm>
+            <a:off x="531098" y="3723306"/>
+            <a:ext cx="1380058" cy="646331"/>
+          </a:xfrm>
+          <a:prstGeom prst="rect">
+            <a:avLst/>
+          </a:prstGeom>
+        </p:spPr>
+        <p:style>
+          <a:lnRef idx="2">
+            <a:schemeClr val="dk1"/>
+          </a:lnRef>
+          <a:fillRef idx="1">
+            <a:schemeClr val="lt1"/>
+          </a:fillRef>
+          <a:effectRef idx="0">
+            <a:schemeClr val="dk1"/>
+          </a:effectRef>
+          <a:fontRef idx="minor">
+            <a:schemeClr val="dk1"/>
+          </a:fontRef>
+        </p:style>
+        <p:txBody>
+          <a:bodyPr wrap="none">
+            <a:spAutoFit/>
+          </a:bodyPr>
+          <a:lstStyle/>
+          <a:p>
+            <a:r>
+              <a:rPr lang="en-US" dirty="0"/>
+              <a:t>Single Factor</a:t>
+            </a:r>
+          </a:p>
+          <a:p>
+            <a:r>
+              <a:rPr lang="en-US" dirty="0"/>
+              <a:t>MAE: 0.1047</a:t>
+            </a:r>
+          </a:p>
+        </p:txBody>
+      </p:sp>
+      <p:sp>
+        <p:nvSpPr>
+          <p:cNvPr id="10" name="직사각형 9">
+            <a:extLst>
+              <a:ext uri="{FF2B5EF4-FFF2-40B4-BE49-F238E27FC236}">
+                <a16:creationId xmlns:a16="http://schemas.microsoft.com/office/drawing/2014/main" id="{4507126F-A9B9-4B94-8835-68CCD81D3F13}"/>
+              </a:ext>
+            </a:extLst>
+          </p:cNvPr>
+          <p:cNvSpPr/>
+          <p:nvPr/>
+        </p:nvSpPr>
+        <p:spPr>
+          <a:xfrm>
+            <a:off x="6962378" y="3907972"/>
+            <a:ext cx="1385316" cy="646331"/>
+          </a:xfrm>
+          <a:prstGeom prst="rect">
+            <a:avLst/>
+          </a:prstGeom>
+        </p:spPr>
+        <p:style>
+          <a:lnRef idx="2">
+            <a:schemeClr val="dk1"/>
+          </a:lnRef>
+          <a:fillRef idx="1">
+            <a:schemeClr val="lt1"/>
+          </a:fillRef>
+          <a:effectRef idx="0">
+            <a:schemeClr val="dk1"/>
+          </a:effectRef>
+          <a:fontRef idx="minor">
+            <a:schemeClr val="dk1"/>
+          </a:fontRef>
+        </p:style>
+        <p:txBody>
+          <a:bodyPr wrap="none">
+            <a:spAutoFit/>
+          </a:bodyPr>
+          <a:lstStyle/>
+          <a:p>
+            <a:r>
+              <a:rPr lang="en-US" dirty="0"/>
+              <a:t>Multi Factor</a:t>
+            </a:r>
+          </a:p>
+          <a:p>
+            <a:r>
+              <a:rPr lang="en-US" dirty="0"/>
+              <a:t>MAE: 0.0899</a:t>
+            </a:r>
+          </a:p>
+        </p:txBody>
+      </p:sp>
+      <p:sp>
+        <p:nvSpPr>
+          <p:cNvPr id="12" name="직사각형 11">
+            <a:extLst>
+              <a:ext uri="{FF2B5EF4-FFF2-40B4-BE49-F238E27FC236}">
+                <a16:creationId xmlns:a16="http://schemas.microsoft.com/office/drawing/2014/main" id="{72821AE1-9B3F-4960-A663-1CC546DEB7A5}"/>
+              </a:ext>
+            </a:extLst>
+          </p:cNvPr>
+          <p:cNvSpPr/>
+          <p:nvPr/>
+        </p:nvSpPr>
+        <p:spPr>
+          <a:xfrm>
+            <a:off x="531098" y="4427345"/>
+            <a:ext cx="1047082" cy="253916"/>
+          </a:xfrm>
+          <a:prstGeom prst="rect">
+            <a:avLst/>
+          </a:prstGeom>
+        </p:spPr>
+        <p:txBody>
+          <a:bodyPr wrap="none">
+            <a:spAutoFit/>
+          </a:bodyPr>
+          <a:lstStyle/>
+          <a:p>
+            <a:r>
+              <a:rPr lang="en-US" sz="1050" dirty="0"/>
+              <a:t>'lag_1_ratio_cc'</a:t>
+            </a:r>
+          </a:p>
+        </p:txBody>
+      </p:sp>
+      <p:sp>
+        <p:nvSpPr>
+          <p:cNvPr id="13" name="직사각형 12">
+            <a:extLst>
+              <a:ext uri="{FF2B5EF4-FFF2-40B4-BE49-F238E27FC236}">
+                <a16:creationId xmlns:a16="http://schemas.microsoft.com/office/drawing/2014/main" id="{0162460C-BA9E-49F4-BF86-EE1D80EF12AD}"/>
+              </a:ext>
+            </a:extLst>
+          </p:cNvPr>
+          <p:cNvSpPr/>
+          <p:nvPr/>
+        </p:nvSpPr>
+        <p:spPr>
+          <a:xfrm>
+            <a:off x="6775269" y="4700120"/>
+            <a:ext cx="2812869" cy="738664"/>
+          </a:xfrm>
+          <a:prstGeom prst="rect">
+            <a:avLst/>
+          </a:prstGeom>
+        </p:spPr>
+        <p:txBody>
+          <a:bodyPr wrap="square">
+            <a:spAutoFit/>
+          </a:bodyPr>
+          <a:lstStyle/>
+          <a:p>
+            <a:r>
+              <a:rPr lang="en-US" sz="1050" dirty="0"/>
+              <a:t>'lag_1_ratio_cc', '</a:t>
+            </a:r>
+            <a:r>
+              <a:rPr lang="en-US" sz="1050" dirty="0" err="1"/>
+              <a:t>SeniorPopulation</a:t>
+            </a:r>
+            <a:r>
+              <a:rPr lang="en-US" sz="1050" dirty="0"/>
+              <a:t>', '</a:t>
+            </a:r>
+            <a:r>
+              <a:rPr lang="en-US" sz="1050" dirty="0" err="1"/>
+              <a:t>FoodStamp</a:t>
+            </a:r>
+            <a:r>
+              <a:rPr lang="en-US" sz="1050" dirty="0"/>
+              <a:t>', '</a:t>
+            </a:r>
+            <a:r>
+              <a:rPr lang="en-US" sz="1050" dirty="0" err="1"/>
+              <a:t>NoHealthIns</a:t>
+            </a:r>
+            <a:r>
+              <a:rPr lang="en-US" sz="1050" dirty="0"/>
+              <a:t>', '</a:t>
+            </a:r>
+            <a:r>
+              <a:rPr lang="en-US" sz="1050" dirty="0" err="1"/>
+              <a:t>PovertyLevel</a:t>
+            </a:r>
+            <a:r>
+              <a:rPr lang="en-US" sz="1050" dirty="0"/>
+              <a:t>', '</a:t>
+            </a:r>
+            <a:r>
+              <a:rPr lang="en-US" sz="1050" dirty="0" err="1"/>
+              <a:t>MeanTravelTime</a:t>
+            </a:r>
+            <a:r>
+              <a:rPr lang="en-US" sz="1050" dirty="0"/>
+              <a:t>', '</a:t>
+            </a:r>
+            <a:r>
+              <a:rPr lang="en-US" sz="1050" dirty="0" err="1"/>
+              <a:t>SeniorMalePopulation</a:t>
+            </a:r>
+            <a:r>
+              <a:rPr lang="en-US" sz="1050" dirty="0"/>
+              <a:t>', '</a:t>
+            </a:r>
+            <a:r>
+              <a:rPr lang="en-US" sz="1050" dirty="0" err="1"/>
+              <a:t>PublicTransportationP</a:t>
+            </a:r>
+            <a:r>
+              <a:rPr lang="en-US" sz="1050" dirty="0"/>
+              <a:t>', 'Household', 'Income'</a:t>
+            </a:r>
+          </a:p>
+        </p:txBody>
+      </p:sp>
+    </p:spTree>
+    <p:extLst>
+      <p:ext uri="{BB962C8B-B14F-4D97-AF65-F5344CB8AC3E}">
+        <p14:creationId xmlns:p14="http://schemas.microsoft.com/office/powerpoint/2010/main" val="151502726"/>
+      </p:ext>
+    </p:extLst>
+  </p:cSld>
+  <p:clrMapOvr>
+    <a:masterClrMapping/>
+  </p:clrMapOvr>
+</p:sld>
+</file>
+
 <file path=ppt/theme/theme1.xml><?xml version="1.0" encoding="utf-8"?>
 <a:theme xmlns:a="http://schemas.openxmlformats.org/drawingml/2006/main" name="Office 테마">
   <a:themeElements>

--- a/doc/Paper Images.pptx
+++ b/doc/Paper Images.pptx
@@ -356,7 +356,7 @@
           <a:p>
             <a:fld id="{69EF58AE-A150-436C-A66E-79C9DB882BA4}" type="datetimeFigureOut">
               <a:rPr lang="en-US" smtClean="0"/>
-              <a:t>6/22/2020</a:t>
+              <a:t>6/29/2020</a:t>
             </a:fld>
             <a:endParaRPr lang="en-US"/>
           </a:p>
@@ -556,7 +556,7 @@
           <a:p>
             <a:fld id="{69EF58AE-A150-436C-A66E-79C9DB882BA4}" type="datetimeFigureOut">
               <a:rPr lang="en-US" smtClean="0"/>
-              <a:t>6/22/2020</a:t>
+              <a:t>6/29/2020</a:t>
             </a:fld>
             <a:endParaRPr lang="en-US"/>
           </a:p>
@@ -766,7 +766,7 @@
           <a:p>
             <a:fld id="{69EF58AE-A150-436C-A66E-79C9DB882BA4}" type="datetimeFigureOut">
               <a:rPr lang="en-US" smtClean="0"/>
-              <a:t>6/22/2020</a:t>
+              <a:t>6/29/2020</a:t>
             </a:fld>
             <a:endParaRPr lang="en-US"/>
           </a:p>
@@ -966,7 +966,7 @@
           <a:p>
             <a:fld id="{69EF58AE-A150-436C-A66E-79C9DB882BA4}" type="datetimeFigureOut">
               <a:rPr lang="en-US" smtClean="0"/>
-              <a:t>6/22/2020</a:t>
+              <a:t>6/29/2020</a:t>
             </a:fld>
             <a:endParaRPr lang="en-US"/>
           </a:p>
@@ -1242,7 +1242,7 @@
           <a:p>
             <a:fld id="{69EF58AE-A150-436C-A66E-79C9DB882BA4}" type="datetimeFigureOut">
               <a:rPr lang="en-US" smtClean="0"/>
-              <a:t>6/22/2020</a:t>
+              <a:t>6/29/2020</a:t>
             </a:fld>
             <a:endParaRPr lang="en-US"/>
           </a:p>
@@ -1510,7 +1510,7 @@
           <a:p>
             <a:fld id="{69EF58AE-A150-436C-A66E-79C9DB882BA4}" type="datetimeFigureOut">
               <a:rPr lang="en-US" smtClean="0"/>
-              <a:t>6/22/2020</a:t>
+              <a:t>6/29/2020</a:t>
             </a:fld>
             <a:endParaRPr lang="en-US"/>
           </a:p>
@@ -1925,7 +1925,7 @@
           <a:p>
             <a:fld id="{69EF58AE-A150-436C-A66E-79C9DB882BA4}" type="datetimeFigureOut">
               <a:rPr lang="en-US" smtClean="0"/>
-              <a:t>6/22/2020</a:t>
+              <a:t>6/29/2020</a:t>
             </a:fld>
             <a:endParaRPr lang="en-US"/>
           </a:p>
@@ -2067,7 +2067,7 @@
           <a:p>
             <a:fld id="{69EF58AE-A150-436C-A66E-79C9DB882BA4}" type="datetimeFigureOut">
               <a:rPr lang="en-US" smtClean="0"/>
-              <a:t>6/22/2020</a:t>
+              <a:t>6/29/2020</a:t>
             </a:fld>
             <a:endParaRPr lang="en-US"/>
           </a:p>
@@ -2180,7 +2180,7 @@
           <a:p>
             <a:fld id="{69EF58AE-A150-436C-A66E-79C9DB882BA4}" type="datetimeFigureOut">
               <a:rPr lang="en-US" smtClean="0"/>
-              <a:t>6/22/2020</a:t>
+              <a:t>6/29/2020</a:t>
             </a:fld>
             <a:endParaRPr lang="en-US"/>
           </a:p>
@@ -2493,7 +2493,7 @@
           <a:p>
             <a:fld id="{69EF58AE-A150-436C-A66E-79C9DB882BA4}" type="datetimeFigureOut">
               <a:rPr lang="en-US" smtClean="0"/>
-              <a:t>6/22/2020</a:t>
+              <a:t>6/29/2020</a:t>
             </a:fld>
             <a:endParaRPr lang="en-US"/>
           </a:p>
@@ -2782,7 +2782,7 @@
           <a:p>
             <a:fld id="{69EF58AE-A150-436C-A66E-79C9DB882BA4}" type="datetimeFigureOut">
               <a:rPr lang="en-US" smtClean="0"/>
-              <a:t>6/22/2020</a:t>
+              <a:t>6/29/2020</a:t>
             </a:fld>
             <a:endParaRPr lang="en-US"/>
           </a:p>
@@ -3025,7 +3025,7 @@
           <a:p>
             <a:fld id="{69EF58AE-A150-436C-A66E-79C9DB882BA4}" type="datetimeFigureOut">
               <a:rPr lang="en-US" smtClean="0"/>
-              <a:t>6/22/2020</a:t>
+              <a:t>6/29/2020</a:t>
             </a:fld>
             <a:endParaRPr lang="en-US"/>
           </a:p>
@@ -32747,6 +32747,114 @@
           </a:p>
         </p:txBody>
       </p:sp>
+      <p:cxnSp>
+        <p:nvCxnSpPr>
+          <p:cNvPr id="19" name="직선 연결선 18">
+            <a:extLst>
+              <a:ext uri="{FF2B5EF4-FFF2-40B4-BE49-F238E27FC236}">
+                <a16:creationId xmlns:a16="http://schemas.microsoft.com/office/drawing/2014/main" id="{F256DE6A-B369-4078-BB58-FD87BAB8DB62}"/>
+              </a:ext>
+            </a:extLst>
+          </p:cNvPr>
+          <p:cNvCxnSpPr/>
+          <p:nvPr/>
+        </p:nvCxnSpPr>
+        <p:spPr>
+          <a:xfrm>
+            <a:off x="9109165" y="25333"/>
+            <a:ext cx="0" cy="2316480"/>
+          </a:xfrm>
+          <a:prstGeom prst="line">
+            <a:avLst/>
+          </a:prstGeom>
+        </p:spPr>
+        <p:style>
+          <a:lnRef idx="1">
+            <a:schemeClr val="accent2"/>
+          </a:lnRef>
+          <a:fillRef idx="0">
+            <a:schemeClr val="accent2"/>
+          </a:fillRef>
+          <a:effectRef idx="0">
+            <a:schemeClr val="accent2"/>
+          </a:effectRef>
+          <a:fontRef idx="minor">
+            <a:schemeClr val="tx1"/>
+          </a:fontRef>
+        </p:style>
+      </p:cxnSp>
+      <p:cxnSp>
+        <p:nvCxnSpPr>
+          <p:cNvPr id="20" name="직선 연결선 19">
+            <a:extLst>
+              <a:ext uri="{FF2B5EF4-FFF2-40B4-BE49-F238E27FC236}">
+                <a16:creationId xmlns:a16="http://schemas.microsoft.com/office/drawing/2014/main" id="{185D50F9-6102-4052-BCBA-68C6FEADBD5A}"/>
+              </a:ext>
+            </a:extLst>
+          </p:cNvPr>
+          <p:cNvCxnSpPr/>
+          <p:nvPr/>
+        </p:nvCxnSpPr>
+        <p:spPr>
+          <a:xfrm>
+            <a:off x="4270065" y="4492381"/>
+            <a:ext cx="0" cy="2316480"/>
+          </a:xfrm>
+          <a:prstGeom prst="line">
+            <a:avLst/>
+          </a:prstGeom>
+        </p:spPr>
+        <p:style>
+          <a:lnRef idx="1">
+            <a:schemeClr val="accent2"/>
+          </a:lnRef>
+          <a:fillRef idx="0">
+            <a:schemeClr val="accent2"/>
+          </a:fillRef>
+          <a:effectRef idx="0">
+            <a:schemeClr val="accent2"/>
+          </a:effectRef>
+          <a:fontRef idx="minor">
+            <a:schemeClr val="tx1"/>
+          </a:fontRef>
+        </p:style>
+      </p:cxnSp>
+      <p:cxnSp>
+        <p:nvCxnSpPr>
+          <p:cNvPr id="21" name="직선 연결선 20">
+            <a:extLst>
+              <a:ext uri="{FF2B5EF4-FFF2-40B4-BE49-F238E27FC236}">
+                <a16:creationId xmlns:a16="http://schemas.microsoft.com/office/drawing/2014/main" id="{5D1A474C-6D66-41DB-B7D5-CFEFFBD39E1D}"/>
+              </a:ext>
+            </a:extLst>
+          </p:cNvPr>
+          <p:cNvCxnSpPr/>
+          <p:nvPr/>
+        </p:nvCxnSpPr>
+        <p:spPr>
+          <a:xfrm>
+            <a:off x="9588136" y="4410098"/>
+            <a:ext cx="0" cy="2316480"/>
+          </a:xfrm>
+          <a:prstGeom prst="line">
+            <a:avLst/>
+          </a:prstGeom>
+        </p:spPr>
+        <p:style>
+          <a:lnRef idx="1">
+            <a:schemeClr val="accent2"/>
+          </a:lnRef>
+          <a:fillRef idx="0">
+            <a:schemeClr val="accent2"/>
+          </a:fillRef>
+          <a:effectRef idx="0">
+            <a:schemeClr val="accent2"/>
+          </a:effectRef>
+          <a:fontRef idx="minor">
+            <a:schemeClr val="tx1"/>
+          </a:fontRef>
+        </p:style>
+      </p:cxnSp>
     </p:spTree>
     <p:extLst>
       <p:ext uri="{BB962C8B-B14F-4D97-AF65-F5344CB8AC3E}">

--- a/doc/Paper Images.pptx
+++ b/doc/Paper Images.pptx
@@ -101,6 +101,9 @@
     <p:sldId id="408" r:id="rId95"/>
     <p:sldId id="413" r:id="rId96"/>
     <p:sldId id="414" r:id="rId97"/>
+    <p:sldId id="415" r:id="rId98"/>
+    <p:sldId id="416" r:id="rId99"/>
+    <p:sldId id="417" r:id="rId100"/>
   </p:sldIdLst>
   <p:sldSz cx="12192000" cy="6858000"/>
   <p:notesSz cx="6858000" cy="9144000"/>
@@ -356,7 +359,7 @@
           <a:p>
             <a:fld id="{69EF58AE-A150-436C-A66E-79C9DB882BA4}" type="datetimeFigureOut">
               <a:rPr lang="en-US" smtClean="0"/>
-              <a:t>6/29/2020</a:t>
+              <a:t>8/31/2020</a:t>
             </a:fld>
             <a:endParaRPr lang="en-US"/>
           </a:p>
@@ -556,7 +559,7 @@
           <a:p>
             <a:fld id="{69EF58AE-A150-436C-A66E-79C9DB882BA4}" type="datetimeFigureOut">
               <a:rPr lang="en-US" smtClean="0"/>
-              <a:t>6/29/2020</a:t>
+              <a:t>8/31/2020</a:t>
             </a:fld>
             <a:endParaRPr lang="en-US"/>
           </a:p>
@@ -766,7 +769,7 @@
           <a:p>
             <a:fld id="{69EF58AE-A150-436C-A66E-79C9DB882BA4}" type="datetimeFigureOut">
               <a:rPr lang="en-US" smtClean="0"/>
-              <a:t>6/29/2020</a:t>
+              <a:t>8/31/2020</a:t>
             </a:fld>
             <a:endParaRPr lang="en-US"/>
           </a:p>
@@ -966,7 +969,7 @@
           <a:p>
             <a:fld id="{69EF58AE-A150-436C-A66E-79C9DB882BA4}" type="datetimeFigureOut">
               <a:rPr lang="en-US" smtClean="0"/>
-              <a:t>6/29/2020</a:t>
+              <a:t>8/31/2020</a:t>
             </a:fld>
             <a:endParaRPr lang="en-US"/>
           </a:p>
@@ -1242,7 +1245,7 @@
           <a:p>
             <a:fld id="{69EF58AE-A150-436C-A66E-79C9DB882BA4}" type="datetimeFigureOut">
               <a:rPr lang="en-US" smtClean="0"/>
-              <a:t>6/29/2020</a:t>
+              <a:t>8/31/2020</a:t>
             </a:fld>
             <a:endParaRPr lang="en-US"/>
           </a:p>
@@ -1510,7 +1513,7 @@
           <a:p>
             <a:fld id="{69EF58AE-A150-436C-A66E-79C9DB882BA4}" type="datetimeFigureOut">
               <a:rPr lang="en-US" smtClean="0"/>
-              <a:t>6/29/2020</a:t>
+              <a:t>8/31/2020</a:t>
             </a:fld>
             <a:endParaRPr lang="en-US"/>
           </a:p>
@@ -1925,7 +1928,7 @@
           <a:p>
             <a:fld id="{69EF58AE-A150-436C-A66E-79C9DB882BA4}" type="datetimeFigureOut">
               <a:rPr lang="en-US" smtClean="0"/>
-              <a:t>6/29/2020</a:t>
+              <a:t>8/31/2020</a:t>
             </a:fld>
             <a:endParaRPr lang="en-US"/>
           </a:p>
@@ -2067,7 +2070,7 @@
           <a:p>
             <a:fld id="{69EF58AE-A150-436C-A66E-79C9DB882BA4}" type="datetimeFigureOut">
               <a:rPr lang="en-US" smtClean="0"/>
-              <a:t>6/29/2020</a:t>
+              <a:t>8/31/2020</a:t>
             </a:fld>
             <a:endParaRPr lang="en-US"/>
           </a:p>
@@ -2180,7 +2183,7 @@
           <a:p>
             <a:fld id="{69EF58AE-A150-436C-A66E-79C9DB882BA4}" type="datetimeFigureOut">
               <a:rPr lang="en-US" smtClean="0"/>
-              <a:t>6/29/2020</a:t>
+              <a:t>8/31/2020</a:t>
             </a:fld>
             <a:endParaRPr lang="en-US"/>
           </a:p>
@@ -2493,7 +2496,7 @@
           <a:p>
             <a:fld id="{69EF58AE-A150-436C-A66E-79C9DB882BA4}" type="datetimeFigureOut">
               <a:rPr lang="en-US" smtClean="0"/>
-              <a:t>6/29/2020</a:t>
+              <a:t>8/31/2020</a:t>
             </a:fld>
             <a:endParaRPr lang="en-US"/>
           </a:p>
@@ -2782,7 +2785,7 @@
           <a:p>
             <a:fld id="{69EF58AE-A150-436C-A66E-79C9DB882BA4}" type="datetimeFigureOut">
               <a:rPr lang="en-US" smtClean="0"/>
-              <a:t>6/29/2020</a:t>
+              <a:t>8/31/2020</a:t>
             </a:fld>
             <a:endParaRPr lang="en-US"/>
           </a:p>
@@ -3025,7 +3028,7 @@
           <a:p>
             <a:fld id="{69EF58AE-A150-436C-A66E-79C9DB882BA4}" type="datetimeFigureOut">
               <a:rPr lang="en-US" smtClean="0"/>
-              <a:t>6/29/2020</a:t>
+              <a:t>8/31/2020</a:t>
             </a:fld>
             <a:endParaRPr lang="en-US"/>
           </a:p>
@@ -43959,8 +43962,8 @@
         </p:blipFill>
         <p:spPr>
           <a:xfrm>
-            <a:off x="5813177" y="4659850"/>
-            <a:ext cx="6378823" cy="2050104"/>
+            <a:off x="5417499" y="3876527"/>
+            <a:ext cx="4972692" cy="2959273"/>
           </a:xfrm>
           <a:prstGeom prst="rect">
             <a:avLst/>
@@ -46177,36 +46180,6 @@
           </a:p>
         </p:txBody>
       </p:sp>
-      <p:pic>
-        <p:nvPicPr>
-          <p:cNvPr id="2" name="그림 1">
-            <a:extLst>
-              <a:ext uri="{FF2B5EF4-FFF2-40B4-BE49-F238E27FC236}">
-                <a16:creationId xmlns:a16="http://schemas.microsoft.com/office/drawing/2014/main" id="{8C71F160-BDBE-4E40-BE3E-9737EBFAA20F}"/>
-              </a:ext>
-            </a:extLst>
-          </p:cNvPr>
-          <p:cNvPicPr>
-            <a:picLocks noChangeAspect="1"/>
-          </p:cNvPicPr>
-          <p:nvPr/>
-        </p:nvPicPr>
-        <p:blipFill>
-          <a:blip r:embed="rId2"/>
-          <a:stretch>
-            <a:fillRect/>
-          </a:stretch>
-        </p:blipFill>
-        <p:spPr>
-          <a:xfrm>
-            <a:off x="7171112" y="3110470"/>
-            <a:ext cx="4715607" cy="2724573"/>
-          </a:xfrm>
-          <a:prstGeom prst="rect">
-            <a:avLst/>
-          </a:prstGeom>
-        </p:spPr>
-      </p:pic>
       <p:sp>
         <p:nvSpPr>
           <p:cNvPr id="6" name="TextBox 5">
@@ -46499,6 +46472,76 @@
           </a:p>
         </p:txBody>
       </p:sp>
+      <p:pic>
+        <p:nvPicPr>
+          <p:cNvPr id="2" name="그림 1">
+            <a:extLst>
+              <a:ext uri="{FF2B5EF4-FFF2-40B4-BE49-F238E27FC236}">
+                <a16:creationId xmlns:a16="http://schemas.microsoft.com/office/drawing/2014/main" id="{8C71F160-BDBE-4E40-BE3E-9737EBFAA20F}"/>
+              </a:ext>
+            </a:extLst>
+          </p:cNvPr>
+          <p:cNvPicPr>
+            <a:picLocks noChangeAspect="1"/>
+          </p:cNvPicPr>
+          <p:nvPr/>
+        </p:nvPicPr>
+        <p:blipFill>
+          <a:blip r:embed="rId2"/>
+          <a:stretch>
+            <a:fillRect/>
+          </a:stretch>
+        </p:blipFill>
+        <p:spPr>
+          <a:xfrm>
+            <a:off x="5107711" y="2608117"/>
+            <a:ext cx="6877287" cy="3973544"/>
+          </a:xfrm>
+          <a:prstGeom prst="rect">
+            <a:avLst/>
+          </a:prstGeom>
+        </p:spPr>
+      </p:pic>
+      <p:cxnSp>
+        <p:nvCxnSpPr>
+          <p:cNvPr id="4" name="직선 연결선 3">
+            <a:extLst>
+              <a:ext uri="{FF2B5EF4-FFF2-40B4-BE49-F238E27FC236}">
+                <a16:creationId xmlns:a16="http://schemas.microsoft.com/office/drawing/2014/main" id="{3AEB6812-4B4B-4C1A-AAC8-490A44AB259C}"/>
+              </a:ext>
+            </a:extLst>
+          </p:cNvPr>
+          <p:cNvCxnSpPr>
+            <a:cxnSpLocks/>
+            <a:stCxn id="2" idx="0"/>
+            <a:endCxn id="2" idx="2"/>
+          </p:cNvCxnSpPr>
+          <p:nvPr/>
+        </p:nvCxnSpPr>
+        <p:spPr>
+          <a:xfrm>
+            <a:off x="8546355" y="2608117"/>
+            <a:ext cx="0" cy="3973544"/>
+          </a:xfrm>
+          <a:prstGeom prst="line">
+            <a:avLst/>
+          </a:prstGeom>
+        </p:spPr>
+        <p:style>
+          <a:lnRef idx="1">
+            <a:schemeClr val="accent1"/>
+          </a:lnRef>
+          <a:fillRef idx="0">
+            <a:schemeClr val="accent1"/>
+          </a:fillRef>
+          <a:effectRef idx="0">
+            <a:schemeClr val="accent1"/>
+          </a:effectRef>
+          <a:fontRef idx="minor">
+            <a:schemeClr val="tx1"/>
+          </a:fontRef>
+        </p:style>
+      </p:cxnSp>
     </p:spTree>
     <p:extLst>
       <p:ext uri="{BB962C8B-B14F-4D97-AF65-F5344CB8AC3E}">
@@ -47336,6 +47379,3040 @@
     <p:extLst>
       <p:ext uri="{BB962C8B-B14F-4D97-AF65-F5344CB8AC3E}">
         <p14:creationId xmlns:p14="http://schemas.microsoft.com/office/powerpoint/2010/main" val="151502726"/>
+      </p:ext>
+    </p:extLst>
+  </p:cSld>
+  <p:clrMapOvr>
+    <a:masterClrMapping/>
+  </p:clrMapOvr>
+</p:sld>
+</file>
+
+<file path=ppt/slides/slide97.xml><?xml version="1.0" encoding="utf-8"?>
+<p:sld xmlns:a="http://schemas.openxmlformats.org/drawingml/2006/main" xmlns:r="http://schemas.openxmlformats.org/officeDocument/2006/relationships" xmlns:p="http://schemas.openxmlformats.org/presentationml/2006/main">
+  <p:cSld>
+    <p:spTree>
+      <p:nvGrpSpPr>
+        <p:cNvPr id="1" name=""/>
+        <p:cNvGrpSpPr/>
+        <p:nvPr/>
+      </p:nvGrpSpPr>
+      <p:grpSpPr>
+        <a:xfrm>
+          <a:off x="0" y="0"/>
+          <a:ext cx="0" cy="0"/>
+          <a:chOff x="0" y="0"/>
+          <a:chExt cx="0" cy="0"/>
+        </a:xfrm>
+      </p:grpSpPr>
+      <p:sp>
+        <p:nvSpPr>
+          <p:cNvPr id="27" name="TextBox 26">
+            <a:extLst>
+              <a:ext uri="{FF2B5EF4-FFF2-40B4-BE49-F238E27FC236}">
+                <a16:creationId xmlns:a16="http://schemas.microsoft.com/office/drawing/2014/main" id="{7073455C-3697-4FFB-972A-DC8E259B8B6F}"/>
+              </a:ext>
+            </a:extLst>
+          </p:cNvPr>
+          <p:cNvSpPr txBox="1"/>
+          <p:nvPr/>
+        </p:nvSpPr>
+        <p:spPr>
+          <a:xfrm>
+            <a:off x="1933303" y="4814171"/>
+            <a:ext cx="397866" cy="646331"/>
+          </a:xfrm>
+          <a:prstGeom prst="rect">
+            <a:avLst/>
+          </a:prstGeom>
+          <a:noFill/>
+        </p:spPr>
+        <p:txBody>
+          <a:bodyPr wrap="none" rtlCol="0">
+            <a:spAutoFit/>
+          </a:bodyPr>
+          <a:lstStyle/>
+          <a:p>
+            <a:r>
+              <a:rPr lang="en-US" sz="3600" dirty="0"/>
+              <a:t>?</a:t>
+            </a:r>
+          </a:p>
+        </p:txBody>
+      </p:sp>
+      <p:pic>
+        <p:nvPicPr>
+          <p:cNvPr id="2" name="그림 1">
+            <a:extLst>
+              <a:ext uri="{FF2B5EF4-FFF2-40B4-BE49-F238E27FC236}">
+                <a16:creationId xmlns:a16="http://schemas.microsoft.com/office/drawing/2014/main" id="{8C71F160-BDBE-4E40-BE3E-9737EBFAA20F}"/>
+              </a:ext>
+            </a:extLst>
+          </p:cNvPr>
+          <p:cNvPicPr>
+            <a:picLocks noChangeAspect="1"/>
+          </p:cNvPicPr>
+          <p:nvPr/>
+        </p:nvPicPr>
+        <p:blipFill>
+          <a:blip r:embed="rId2"/>
+          <a:stretch>
+            <a:fillRect/>
+          </a:stretch>
+        </p:blipFill>
+        <p:spPr>
+          <a:xfrm>
+            <a:off x="724411" y="1473560"/>
+            <a:ext cx="7393981" cy="4272078"/>
+          </a:xfrm>
+          <a:prstGeom prst="rect">
+            <a:avLst/>
+          </a:prstGeom>
+        </p:spPr>
+      </p:pic>
+      <p:cxnSp>
+        <p:nvCxnSpPr>
+          <p:cNvPr id="4" name="직선 연결선 3">
+            <a:extLst>
+              <a:ext uri="{FF2B5EF4-FFF2-40B4-BE49-F238E27FC236}">
+                <a16:creationId xmlns:a16="http://schemas.microsoft.com/office/drawing/2014/main" id="{3AEB6812-4B4B-4C1A-AAC8-490A44AB259C}"/>
+              </a:ext>
+            </a:extLst>
+          </p:cNvPr>
+          <p:cNvCxnSpPr>
+            <a:cxnSpLocks/>
+          </p:cNvCxnSpPr>
+          <p:nvPr/>
+        </p:nvCxnSpPr>
+        <p:spPr>
+          <a:xfrm>
+            <a:off x="1836663" y="452846"/>
+            <a:ext cx="0" cy="5199017"/>
+          </a:xfrm>
+          <a:prstGeom prst="line">
+            <a:avLst/>
+          </a:prstGeom>
+        </p:spPr>
+        <p:style>
+          <a:lnRef idx="3">
+            <a:schemeClr val="accent2"/>
+          </a:lnRef>
+          <a:fillRef idx="0">
+            <a:schemeClr val="accent2"/>
+          </a:fillRef>
+          <a:effectRef idx="2">
+            <a:schemeClr val="accent2"/>
+          </a:effectRef>
+          <a:fontRef idx="minor">
+            <a:schemeClr val="tx1"/>
+          </a:fontRef>
+        </p:style>
+      </p:cxnSp>
+      <p:sp>
+        <p:nvSpPr>
+          <p:cNvPr id="3" name="TextBox 2">
+            <a:extLst>
+              <a:ext uri="{FF2B5EF4-FFF2-40B4-BE49-F238E27FC236}">
+                <a16:creationId xmlns:a16="http://schemas.microsoft.com/office/drawing/2014/main" id="{8F6AC8D6-2A65-4A00-982E-F1DB1C449E2A}"/>
+              </a:ext>
+            </a:extLst>
+          </p:cNvPr>
+          <p:cNvSpPr txBox="1"/>
+          <p:nvPr/>
+        </p:nvSpPr>
+        <p:spPr>
+          <a:xfrm>
+            <a:off x="7667914" y="405561"/>
+            <a:ext cx="3457100" cy="923330"/>
+          </a:xfrm>
+          <a:prstGeom prst="rect">
+            <a:avLst/>
+          </a:prstGeom>
+          <a:noFill/>
+        </p:spPr>
+        <p:txBody>
+          <a:bodyPr wrap="none" rtlCol="0">
+            <a:spAutoFit/>
+          </a:bodyPr>
+          <a:lstStyle/>
+          <a:p>
+            <a:r>
+              <a:rPr lang="en-US" altLang="ko-KR" dirty="0"/>
+              <a:t>Case</a:t>
+            </a:r>
+            <a:r>
+              <a:rPr lang="ko-KR" altLang="en-US" dirty="0"/>
+              <a:t> </a:t>
+            </a:r>
+            <a:r>
+              <a:rPr lang="en-US" altLang="ko-KR" dirty="0"/>
+              <a:t>1: </a:t>
+            </a:r>
+            <a:r>
+              <a:rPr lang="en-US" dirty="0"/>
+              <a:t>CCR</a:t>
+            </a:r>
+            <a:r>
+              <a:rPr lang="ko-KR" altLang="en-US" dirty="0"/>
+              <a:t>과 </a:t>
+            </a:r>
+            <a:r>
+              <a:rPr lang="en-US" dirty="0"/>
+              <a:t>CC</a:t>
+            </a:r>
+            <a:r>
+              <a:rPr lang="ko-KR" altLang="en-US" dirty="0"/>
+              <a:t>를 넣자</a:t>
+            </a:r>
+            <a:endParaRPr lang="en-US" altLang="ko-KR" dirty="0"/>
+          </a:p>
+          <a:p>
+            <a:r>
+              <a:rPr lang="en-US" altLang="ko-KR" dirty="0"/>
+              <a:t>Case</a:t>
+            </a:r>
+            <a:r>
+              <a:rPr lang="ko-KR" altLang="en-US" dirty="0"/>
+              <a:t> </a:t>
+            </a:r>
+            <a:r>
+              <a:rPr lang="en-US" altLang="ko-KR" dirty="0"/>
+              <a:t>2: Lock down </a:t>
+            </a:r>
+            <a:r>
+              <a:rPr lang="ko-KR" altLang="en-US" dirty="0"/>
+              <a:t>이전만 해보자</a:t>
+            </a:r>
+            <a:endParaRPr lang="en-US" altLang="ko-KR" dirty="0"/>
+          </a:p>
+          <a:p>
+            <a:r>
+              <a:rPr lang="en-US" dirty="0"/>
+              <a:t>Case 3: </a:t>
+            </a:r>
+          </a:p>
+        </p:txBody>
+      </p:sp>
+      <p:sp>
+        <p:nvSpPr>
+          <p:cNvPr id="8" name="TextBox 7">
+            <a:extLst>
+              <a:ext uri="{FF2B5EF4-FFF2-40B4-BE49-F238E27FC236}">
+                <a16:creationId xmlns:a16="http://schemas.microsoft.com/office/drawing/2014/main" id="{7761D484-AD90-411E-98D2-C8F483BE799D}"/>
+              </a:ext>
+            </a:extLst>
+          </p:cNvPr>
+          <p:cNvSpPr txBox="1"/>
+          <p:nvPr/>
+        </p:nvSpPr>
+        <p:spPr>
+          <a:xfrm>
+            <a:off x="801187" y="5739498"/>
+            <a:ext cx="7996063" cy="923330"/>
+          </a:xfrm>
+          <a:prstGeom prst="rect">
+            <a:avLst/>
+          </a:prstGeom>
+          <a:noFill/>
+        </p:spPr>
+        <p:txBody>
+          <a:bodyPr wrap="square" rtlCol="0">
+            <a:spAutoFit/>
+          </a:bodyPr>
+          <a:lstStyle/>
+          <a:p>
+            <a:r>
+              <a:rPr lang="en-US" dirty="0"/>
+              <a:t>D0           D1</a:t>
+            </a:r>
+          </a:p>
+          <a:p>
+            <a:r>
+              <a:rPr lang="en-US" dirty="0"/>
+              <a:t>D0	              D2	</a:t>
+            </a:r>
+          </a:p>
+          <a:p>
+            <a:r>
+              <a:rPr lang="en-US" dirty="0"/>
+              <a:t>D0	                  D3</a:t>
+            </a:r>
+          </a:p>
+        </p:txBody>
+      </p:sp>
+      <p:cxnSp>
+        <p:nvCxnSpPr>
+          <p:cNvPr id="19" name="직선 연결선 18">
+            <a:extLst>
+              <a:ext uri="{FF2B5EF4-FFF2-40B4-BE49-F238E27FC236}">
+                <a16:creationId xmlns:a16="http://schemas.microsoft.com/office/drawing/2014/main" id="{4305D2DD-AC95-4628-AB46-FA779BE254D1}"/>
+              </a:ext>
+            </a:extLst>
+          </p:cNvPr>
+          <p:cNvCxnSpPr>
+            <a:cxnSpLocks/>
+          </p:cNvCxnSpPr>
+          <p:nvPr/>
+        </p:nvCxnSpPr>
+        <p:spPr>
+          <a:xfrm>
+            <a:off x="2694457" y="405561"/>
+            <a:ext cx="0" cy="5246302"/>
+          </a:xfrm>
+          <a:prstGeom prst="line">
+            <a:avLst/>
+          </a:prstGeom>
+        </p:spPr>
+        <p:style>
+          <a:lnRef idx="3">
+            <a:schemeClr val="accent2"/>
+          </a:lnRef>
+          <a:fillRef idx="0">
+            <a:schemeClr val="accent2"/>
+          </a:fillRef>
+          <a:effectRef idx="2">
+            <a:schemeClr val="accent2"/>
+          </a:effectRef>
+          <a:fontRef idx="minor">
+            <a:schemeClr val="tx1"/>
+          </a:fontRef>
+        </p:style>
+      </p:cxnSp>
+      <p:cxnSp>
+        <p:nvCxnSpPr>
+          <p:cNvPr id="21" name="직선 연결선 20">
+            <a:extLst>
+              <a:ext uri="{FF2B5EF4-FFF2-40B4-BE49-F238E27FC236}">
+                <a16:creationId xmlns:a16="http://schemas.microsoft.com/office/drawing/2014/main" id="{FB6F10CB-1257-41D9-B0FE-8B53F74B4C8D}"/>
+              </a:ext>
+            </a:extLst>
+          </p:cNvPr>
+          <p:cNvCxnSpPr>
+            <a:cxnSpLocks/>
+          </p:cNvCxnSpPr>
+          <p:nvPr/>
+        </p:nvCxnSpPr>
+        <p:spPr>
+          <a:xfrm>
+            <a:off x="2907817" y="405561"/>
+            <a:ext cx="0" cy="5246302"/>
+          </a:xfrm>
+          <a:prstGeom prst="line">
+            <a:avLst/>
+          </a:prstGeom>
+        </p:spPr>
+        <p:style>
+          <a:lnRef idx="3">
+            <a:schemeClr val="accent2"/>
+          </a:lnRef>
+          <a:fillRef idx="0">
+            <a:schemeClr val="accent2"/>
+          </a:fillRef>
+          <a:effectRef idx="2">
+            <a:schemeClr val="accent2"/>
+          </a:effectRef>
+          <a:fontRef idx="minor">
+            <a:schemeClr val="tx1"/>
+          </a:fontRef>
+        </p:style>
+      </p:cxnSp>
+      <p:cxnSp>
+        <p:nvCxnSpPr>
+          <p:cNvPr id="30" name="직선 연결선 29">
+            <a:extLst>
+              <a:ext uri="{FF2B5EF4-FFF2-40B4-BE49-F238E27FC236}">
+                <a16:creationId xmlns:a16="http://schemas.microsoft.com/office/drawing/2014/main" id="{3158BA6B-E4EA-4D9D-90D3-8116612570AD}"/>
+              </a:ext>
+            </a:extLst>
+          </p:cNvPr>
+          <p:cNvCxnSpPr/>
+          <p:nvPr/>
+        </p:nvCxnSpPr>
+        <p:spPr>
+          <a:xfrm flipV="1">
+            <a:off x="4234550" y="1280160"/>
+            <a:ext cx="0" cy="4841966"/>
+          </a:xfrm>
+          <a:prstGeom prst="line">
+            <a:avLst/>
+          </a:prstGeom>
+        </p:spPr>
+        <p:style>
+          <a:lnRef idx="3">
+            <a:schemeClr val="dk1"/>
+          </a:lnRef>
+          <a:fillRef idx="0">
+            <a:schemeClr val="dk1"/>
+          </a:fillRef>
+          <a:effectRef idx="2">
+            <a:schemeClr val="dk1"/>
+          </a:effectRef>
+          <a:fontRef idx="minor">
+            <a:schemeClr val="tx1"/>
+          </a:fontRef>
+        </p:style>
+      </p:cxnSp>
+    </p:spTree>
+    <p:extLst>
+      <p:ext uri="{BB962C8B-B14F-4D97-AF65-F5344CB8AC3E}">
+        <p14:creationId xmlns:p14="http://schemas.microsoft.com/office/powerpoint/2010/main" val="1564841089"/>
+      </p:ext>
+    </p:extLst>
+  </p:cSld>
+  <p:clrMapOvr>
+    <a:masterClrMapping/>
+  </p:clrMapOvr>
+</p:sld>
+</file>
+
+<file path=ppt/slides/slide98.xml><?xml version="1.0" encoding="utf-8"?>
+<p:sld xmlns:a="http://schemas.openxmlformats.org/drawingml/2006/main" xmlns:r="http://schemas.openxmlformats.org/officeDocument/2006/relationships" xmlns:p="http://schemas.openxmlformats.org/presentationml/2006/main">
+  <p:cSld>
+    <p:spTree>
+      <p:nvGrpSpPr>
+        <p:cNvPr id="1" name=""/>
+        <p:cNvGrpSpPr/>
+        <p:nvPr/>
+      </p:nvGrpSpPr>
+      <p:grpSpPr>
+        <a:xfrm>
+          <a:off x="0" y="0"/>
+          <a:ext cx="0" cy="0"/>
+          <a:chOff x="0" y="0"/>
+          <a:chExt cx="0" cy="0"/>
+        </a:xfrm>
+      </p:grpSpPr>
+      <p:sp>
+        <p:nvSpPr>
+          <p:cNvPr id="6" name="Rectangle 1">
+            <a:extLst>
+              <a:ext uri="{FF2B5EF4-FFF2-40B4-BE49-F238E27FC236}">
+                <a16:creationId xmlns:a16="http://schemas.microsoft.com/office/drawing/2014/main" id="{6C10DCCC-B6E5-4224-849C-531A728E4BF2}"/>
+              </a:ext>
+            </a:extLst>
+          </p:cNvPr>
+          <p:cNvSpPr>
+            <a:spLocks noChangeArrowheads="1"/>
+          </p:cNvSpPr>
+          <p:nvPr/>
+        </p:nvSpPr>
+        <p:spPr bwMode="auto">
+          <a:xfrm>
+            <a:off x="0" y="82406"/>
+            <a:ext cx="12099636" cy="292388"/>
+          </a:xfrm>
+          <a:prstGeom prst="rect">
+            <a:avLst/>
+          </a:prstGeom>
+          <a:solidFill>
+            <a:srgbClr val="FFFFFF"/>
+          </a:solidFill>
+          <a:ln>
+            <a:noFill/>
+          </a:ln>
+          <a:effectLst/>
+          <a:extLst>
+            <a:ext uri="{91240B29-F687-4F45-9708-019B960494DF}">
+              <a14:hiddenLine xmlns:a14="http://schemas.microsoft.com/office/drawing/2010/main" w="9525">
+                <a:solidFill>
+                  <a:schemeClr val="tx1"/>
+                </a:solidFill>
+                <a:miter lim="800000"/>
+                <a:headEnd/>
+                <a:tailEnd/>
+              </a14:hiddenLine>
+            </a:ext>
+            <a:ext uri="{AF507438-7753-43E0-B8FC-AC1667EBCBE1}">
+              <a14:hiddenEffects xmlns:a14="http://schemas.microsoft.com/office/drawing/2010/main">
+                <a:effectLst>
+                  <a:outerShdw dist="35921" dir="2700000" algn="ctr" rotWithShape="0">
+                    <a:schemeClr val="bg2"/>
+                  </a:outerShdw>
+                </a:effectLst>
+              </a14:hiddenEffects>
+            </a:ext>
+          </a:extLst>
+        </p:spPr>
+        <p:txBody>
+          <a:bodyPr vert="horz" wrap="square" lIns="91440" tIns="45720" rIns="91440" bIns="45720" numCol="1" anchor="ctr" anchorCtr="0" compatLnSpc="1">
+            <a:prstTxWarp prst="textNoShape">
+              <a:avLst/>
+            </a:prstTxWarp>
+            <a:spAutoFit/>
+          </a:bodyPr>
+          <a:lstStyle/>
+          <a:p>
+            <a:pPr marL="0" marR="0" lvl="0" indent="0" algn="l" defTabSz="914400" rtl="0" eaLnBrk="0" fontAlgn="base" latinLnBrk="0" hangingPunct="0">
+              <a:lnSpc>
+                <a:spcPct val="100000"/>
+              </a:lnSpc>
+              <a:spcBef>
+                <a:spcPct val="0"/>
+              </a:spcBef>
+              <a:spcAft>
+                <a:spcPct val="0"/>
+              </a:spcAft>
+              <a:buClrTx/>
+              <a:buSzTx/>
+              <a:buFontTx/>
+              <a:buNone/>
+              <a:tabLst/>
+            </a:pPr>
+            <a:r>
+              <a:rPr kumimoji="0" lang="en-US" altLang="en-US" sz="1300" b="1" i="0" u="none" strike="noStrike" cap="none" normalizeH="0" baseline="0" dirty="0">
+                <a:ln>
+                  <a:noFill/>
+                </a:ln>
+                <a:solidFill>
+                  <a:srgbClr val="008080"/>
+                </a:solidFill>
+                <a:effectLst/>
+                <a:latin typeface="Consolas" panose="020B0609020204030204" pitchFamily="49" charset="0"/>
+              </a:rPr>
+              <a:t>State </a:t>
+            </a:r>
+            <a:r>
+              <a:rPr kumimoji="0" lang="ko-KR" altLang="en-US" sz="1300" b="1" i="0" u="none" strike="noStrike" cap="none" normalizeH="0" baseline="0" dirty="0">
+                <a:ln>
+                  <a:noFill/>
+                </a:ln>
+                <a:solidFill>
+                  <a:srgbClr val="008080"/>
+                </a:solidFill>
+                <a:effectLst/>
+                <a:latin typeface="Consolas" panose="020B0609020204030204" pitchFamily="49" charset="0"/>
+              </a:rPr>
+              <a:t>별 학습과 예측 과정</a:t>
+            </a:r>
+            <a:endParaRPr kumimoji="0" lang="en-US" altLang="en-US" sz="1800" b="0" i="0" u="none" strike="noStrike" cap="none" normalizeH="0" baseline="0" dirty="0">
+              <a:ln>
+                <a:noFill/>
+              </a:ln>
+              <a:solidFill>
+                <a:schemeClr val="tx1"/>
+              </a:solidFill>
+              <a:effectLst/>
+              <a:latin typeface="Arial" panose="020B0604020202020204" pitchFamily="34" charset="0"/>
+            </a:endParaRPr>
+          </a:p>
+        </p:txBody>
+      </p:sp>
+      <p:sp>
+        <p:nvSpPr>
+          <p:cNvPr id="9" name="사각형: 둥근 모서리 8">
+            <a:extLst>
+              <a:ext uri="{FF2B5EF4-FFF2-40B4-BE49-F238E27FC236}">
+                <a16:creationId xmlns:a16="http://schemas.microsoft.com/office/drawing/2014/main" id="{E98618B1-AD23-48F6-BB8C-B5194738C3BE}"/>
+              </a:ext>
+            </a:extLst>
+          </p:cNvPr>
+          <p:cNvSpPr/>
+          <p:nvPr/>
+        </p:nvSpPr>
+        <p:spPr>
+          <a:xfrm>
+            <a:off x="651163" y="1293091"/>
+            <a:ext cx="2636982" cy="452582"/>
+          </a:xfrm>
+          <a:prstGeom prst="roundRect">
+            <a:avLst/>
+          </a:prstGeom>
+          <a:solidFill>
+            <a:schemeClr val="accent1">
+              <a:alpha val="50000"/>
+            </a:schemeClr>
+          </a:solidFill>
+          <a:ln>
+            <a:noFill/>
+          </a:ln>
+        </p:spPr>
+        <p:style>
+          <a:lnRef idx="0">
+            <a:scrgbClr r="0" g="0" b="0"/>
+          </a:lnRef>
+          <a:fillRef idx="0">
+            <a:scrgbClr r="0" g="0" b="0"/>
+          </a:fillRef>
+          <a:effectRef idx="0">
+            <a:scrgbClr r="0" g="0" b="0"/>
+          </a:effectRef>
+          <a:fontRef idx="minor">
+            <a:schemeClr val="lt1"/>
+          </a:fontRef>
+        </p:style>
+        <p:txBody>
+          <a:bodyPr rtlCol="0" anchor="ctr"/>
+          <a:lstStyle/>
+          <a:p>
+            <a:pPr algn="ctr"/>
+            <a:r>
+              <a:rPr lang="en-US" dirty="0"/>
+              <a:t>8</a:t>
+            </a:r>
+            <a:r>
+              <a:rPr lang="ko-KR" altLang="en-US" dirty="0"/>
+              <a:t>개 주 데이터</a:t>
+            </a:r>
+            <a:endParaRPr lang="en-US" dirty="0"/>
+          </a:p>
+        </p:txBody>
+      </p:sp>
+      <p:sp>
+        <p:nvSpPr>
+          <p:cNvPr id="11" name="사각형: 둥근 모서리 10">
+            <a:extLst>
+              <a:ext uri="{FF2B5EF4-FFF2-40B4-BE49-F238E27FC236}">
+                <a16:creationId xmlns:a16="http://schemas.microsoft.com/office/drawing/2014/main" id="{E578B0E4-0337-4F91-AE80-18843499B98C}"/>
+              </a:ext>
+            </a:extLst>
+          </p:cNvPr>
+          <p:cNvSpPr/>
+          <p:nvPr/>
+        </p:nvSpPr>
+        <p:spPr>
+          <a:xfrm>
+            <a:off x="3459018" y="1293091"/>
+            <a:ext cx="2636982" cy="452582"/>
+          </a:xfrm>
+          <a:prstGeom prst="roundRect">
+            <a:avLst/>
+          </a:prstGeom>
+          <a:solidFill>
+            <a:schemeClr val="accent6">
+              <a:alpha val="50000"/>
+            </a:schemeClr>
+          </a:solidFill>
+          <a:ln>
+            <a:noFill/>
+          </a:ln>
+        </p:spPr>
+        <p:style>
+          <a:lnRef idx="0">
+            <a:scrgbClr r="0" g="0" b="0"/>
+          </a:lnRef>
+          <a:fillRef idx="0">
+            <a:scrgbClr r="0" g="0" b="0"/>
+          </a:fillRef>
+          <a:effectRef idx="0">
+            <a:scrgbClr r="0" g="0" b="0"/>
+          </a:effectRef>
+          <a:fontRef idx="minor">
+            <a:schemeClr val="lt1"/>
+          </a:fontRef>
+        </p:style>
+        <p:txBody>
+          <a:bodyPr rtlCol="0" anchor="ctr"/>
+          <a:lstStyle/>
+          <a:p>
+            <a:pPr algn="ctr"/>
+            <a:r>
+              <a:rPr lang="en-US" dirty="0"/>
+              <a:t>1</a:t>
+            </a:r>
+            <a:r>
+              <a:rPr lang="ko-KR" altLang="en-US" dirty="0"/>
+              <a:t>개 주 데이터</a:t>
+            </a:r>
+            <a:endParaRPr lang="en-US" dirty="0"/>
+          </a:p>
+        </p:txBody>
+      </p:sp>
+      <p:sp>
+        <p:nvSpPr>
+          <p:cNvPr id="13" name="사각형: 둥근 모서리 12">
+            <a:extLst>
+              <a:ext uri="{FF2B5EF4-FFF2-40B4-BE49-F238E27FC236}">
+                <a16:creationId xmlns:a16="http://schemas.microsoft.com/office/drawing/2014/main" id="{C7F2BAC4-6C2F-4B7D-8F2E-617C9E7FAF8C}"/>
+              </a:ext>
+            </a:extLst>
+          </p:cNvPr>
+          <p:cNvSpPr/>
+          <p:nvPr/>
+        </p:nvSpPr>
+        <p:spPr>
+          <a:xfrm>
+            <a:off x="651163" y="699654"/>
+            <a:ext cx="2636982" cy="452582"/>
+          </a:xfrm>
+          <a:prstGeom prst="roundRect">
+            <a:avLst>
+              <a:gd name="adj" fmla="val 0"/>
+            </a:avLst>
+          </a:prstGeom>
+        </p:spPr>
+        <p:style>
+          <a:lnRef idx="2">
+            <a:schemeClr val="accent1"/>
+          </a:lnRef>
+          <a:fillRef idx="1">
+            <a:schemeClr val="lt1"/>
+          </a:fillRef>
+          <a:effectRef idx="0">
+            <a:schemeClr val="accent1"/>
+          </a:effectRef>
+          <a:fontRef idx="minor">
+            <a:schemeClr val="dk1"/>
+          </a:fontRef>
+        </p:style>
+        <p:txBody>
+          <a:bodyPr rtlCol="0" anchor="ctr"/>
+          <a:lstStyle/>
+          <a:p>
+            <a:pPr algn="ctr"/>
+            <a:r>
+              <a:rPr lang="ko-KR" altLang="en-US" dirty="0"/>
+              <a:t>학습 용 </a:t>
+            </a:r>
+            <a:r>
+              <a:rPr lang="en-US" altLang="ko-KR" dirty="0"/>
+              <a:t>(1 Factor)</a:t>
+            </a:r>
+            <a:endParaRPr lang="en-US" dirty="0"/>
+          </a:p>
+        </p:txBody>
+      </p:sp>
+      <p:sp>
+        <p:nvSpPr>
+          <p:cNvPr id="15" name="사각형: 둥근 모서리 14">
+            <a:extLst>
+              <a:ext uri="{FF2B5EF4-FFF2-40B4-BE49-F238E27FC236}">
+                <a16:creationId xmlns:a16="http://schemas.microsoft.com/office/drawing/2014/main" id="{729CF539-3143-4DBD-BCE8-4157784828ED}"/>
+              </a:ext>
+            </a:extLst>
+          </p:cNvPr>
+          <p:cNvSpPr/>
+          <p:nvPr/>
+        </p:nvSpPr>
+        <p:spPr>
+          <a:xfrm>
+            <a:off x="3459018" y="699654"/>
+            <a:ext cx="2636982" cy="452582"/>
+          </a:xfrm>
+          <a:prstGeom prst="roundRect">
+            <a:avLst>
+              <a:gd name="adj" fmla="val 0"/>
+            </a:avLst>
+          </a:prstGeom>
+        </p:spPr>
+        <p:style>
+          <a:lnRef idx="2">
+            <a:schemeClr val="accent1"/>
+          </a:lnRef>
+          <a:fillRef idx="1">
+            <a:schemeClr val="lt1"/>
+          </a:fillRef>
+          <a:effectRef idx="0">
+            <a:schemeClr val="accent1"/>
+          </a:effectRef>
+          <a:fontRef idx="minor">
+            <a:schemeClr val="dk1"/>
+          </a:fontRef>
+        </p:style>
+        <p:txBody>
+          <a:bodyPr rtlCol="0" anchor="ctr"/>
+          <a:lstStyle/>
+          <a:p>
+            <a:pPr algn="ctr"/>
+            <a:r>
+              <a:rPr lang="ko-KR" altLang="en-US" dirty="0"/>
+              <a:t>테스트 용</a:t>
+            </a:r>
+            <a:endParaRPr lang="en-US" dirty="0"/>
+          </a:p>
+        </p:txBody>
+      </p:sp>
+      <p:sp>
+        <p:nvSpPr>
+          <p:cNvPr id="17" name="사각형: 둥근 모서리 16">
+            <a:extLst>
+              <a:ext uri="{FF2B5EF4-FFF2-40B4-BE49-F238E27FC236}">
+                <a16:creationId xmlns:a16="http://schemas.microsoft.com/office/drawing/2014/main" id="{9E4BE2F0-4598-4CAF-8448-78EDA63AA24D}"/>
+              </a:ext>
+            </a:extLst>
+          </p:cNvPr>
+          <p:cNvSpPr/>
+          <p:nvPr/>
+        </p:nvSpPr>
+        <p:spPr>
+          <a:xfrm>
+            <a:off x="651163" y="4096327"/>
+            <a:ext cx="2636982" cy="452582"/>
+          </a:xfrm>
+          <a:prstGeom prst="roundRect">
+            <a:avLst/>
+          </a:prstGeom>
+          <a:solidFill>
+            <a:schemeClr val="accent1">
+              <a:alpha val="50000"/>
+            </a:schemeClr>
+          </a:solidFill>
+          <a:ln>
+            <a:noFill/>
+          </a:ln>
+        </p:spPr>
+        <p:style>
+          <a:lnRef idx="0">
+            <a:scrgbClr r="0" g="0" b="0"/>
+          </a:lnRef>
+          <a:fillRef idx="0">
+            <a:scrgbClr r="0" g="0" b="0"/>
+          </a:fillRef>
+          <a:effectRef idx="0">
+            <a:scrgbClr r="0" g="0" b="0"/>
+          </a:effectRef>
+          <a:fontRef idx="minor">
+            <a:schemeClr val="lt1"/>
+          </a:fontRef>
+        </p:style>
+        <p:txBody>
+          <a:bodyPr rtlCol="0" anchor="ctr"/>
+          <a:lstStyle/>
+          <a:p>
+            <a:pPr algn="ctr"/>
+            <a:r>
+              <a:rPr lang="en-US" dirty="0"/>
+              <a:t>8</a:t>
+            </a:r>
+            <a:r>
+              <a:rPr lang="ko-KR" altLang="en-US" dirty="0"/>
+              <a:t>개 주 데이터</a:t>
+            </a:r>
+            <a:endParaRPr lang="en-US" dirty="0"/>
+          </a:p>
+        </p:txBody>
+      </p:sp>
+      <p:sp>
+        <p:nvSpPr>
+          <p:cNvPr id="19" name="사각형: 둥근 모서리 18">
+            <a:extLst>
+              <a:ext uri="{FF2B5EF4-FFF2-40B4-BE49-F238E27FC236}">
+                <a16:creationId xmlns:a16="http://schemas.microsoft.com/office/drawing/2014/main" id="{141A5F49-3B68-4C94-A972-21884D5AA067}"/>
+              </a:ext>
+            </a:extLst>
+          </p:cNvPr>
+          <p:cNvSpPr/>
+          <p:nvPr/>
+        </p:nvSpPr>
+        <p:spPr>
+          <a:xfrm>
+            <a:off x="3459018" y="4096327"/>
+            <a:ext cx="2636982" cy="452582"/>
+          </a:xfrm>
+          <a:prstGeom prst="roundRect">
+            <a:avLst/>
+          </a:prstGeom>
+          <a:solidFill>
+            <a:schemeClr val="accent6">
+              <a:alpha val="50000"/>
+            </a:schemeClr>
+          </a:solidFill>
+          <a:ln>
+            <a:noFill/>
+          </a:ln>
+        </p:spPr>
+        <p:style>
+          <a:lnRef idx="0">
+            <a:scrgbClr r="0" g="0" b="0"/>
+          </a:lnRef>
+          <a:fillRef idx="0">
+            <a:scrgbClr r="0" g="0" b="0"/>
+          </a:fillRef>
+          <a:effectRef idx="0">
+            <a:scrgbClr r="0" g="0" b="0"/>
+          </a:effectRef>
+          <a:fontRef idx="minor">
+            <a:schemeClr val="lt1"/>
+          </a:fontRef>
+        </p:style>
+        <p:txBody>
+          <a:bodyPr rtlCol="0" anchor="ctr"/>
+          <a:lstStyle/>
+          <a:p>
+            <a:pPr algn="ctr"/>
+            <a:r>
+              <a:rPr lang="en-US" dirty="0"/>
+              <a:t>1</a:t>
+            </a:r>
+            <a:r>
+              <a:rPr lang="ko-KR" altLang="en-US" dirty="0"/>
+              <a:t>개 주 데이터</a:t>
+            </a:r>
+            <a:endParaRPr lang="en-US" dirty="0"/>
+          </a:p>
+        </p:txBody>
+      </p:sp>
+      <p:sp>
+        <p:nvSpPr>
+          <p:cNvPr id="21" name="사각형: 둥근 모서리 20">
+            <a:extLst>
+              <a:ext uri="{FF2B5EF4-FFF2-40B4-BE49-F238E27FC236}">
+                <a16:creationId xmlns:a16="http://schemas.microsoft.com/office/drawing/2014/main" id="{BF555EC5-785B-42DD-84D0-AF37A37CCE65}"/>
+              </a:ext>
+            </a:extLst>
+          </p:cNvPr>
+          <p:cNvSpPr/>
+          <p:nvPr/>
+        </p:nvSpPr>
+        <p:spPr>
+          <a:xfrm>
+            <a:off x="651163" y="3502890"/>
+            <a:ext cx="2636982" cy="452582"/>
+          </a:xfrm>
+          <a:prstGeom prst="roundRect">
+            <a:avLst>
+              <a:gd name="adj" fmla="val 0"/>
+            </a:avLst>
+          </a:prstGeom>
+        </p:spPr>
+        <p:style>
+          <a:lnRef idx="2">
+            <a:schemeClr val="accent1"/>
+          </a:lnRef>
+          <a:fillRef idx="1">
+            <a:schemeClr val="lt1"/>
+          </a:fillRef>
+          <a:effectRef idx="0">
+            <a:schemeClr val="accent1"/>
+          </a:effectRef>
+          <a:fontRef idx="minor">
+            <a:schemeClr val="dk1"/>
+          </a:fontRef>
+        </p:style>
+        <p:txBody>
+          <a:bodyPr rtlCol="0" anchor="ctr"/>
+          <a:lstStyle/>
+          <a:p>
+            <a:pPr algn="ctr"/>
+            <a:r>
+              <a:rPr lang="ko-KR" altLang="en-US" dirty="0"/>
+              <a:t>학습 용 </a:t>
+            </a:r>
+            <a:r>
+              <a:rPr lang="en-US" altLang="ko-KR" dirty="0"/>
+              <a:t>(Multi Factor)</a:t>
+            </a:r>
+            <a:endParaRPr lang="en-US" dirty="0"/>
+          </a:p>
+        </p:txBody>
+      </p:sp>
+      <p:sp>
+        <p:nvSpPr>
+          <p:cNvPr id="23" name="사각형: 둥근 모서리 22">
+            <a:extLst>
+              <a:ext uri="{FF2B5EF4-FFF2-40B4-BE49-F238E27FC236}">
+                <a16:creationId xmlns:a16="http://schemas.microsoft.com/office/drawing/2014/main" id="{540B5170-E0B3-499D-AE08-476386A8B5AC}"/>
+              </a:ext>
+            </a:extLst>
+          </p:cNvPr>
+          <p:cNvSpPr/>
+          <p:nvPr/>
+        </p:nvSpPr>
+        <p:spPr>
+          <a:xfrm>
+            <a:off x="3459018" y="3502890"/>
+            <a:ext cx="2636982" cy="452582"/>
+          </a:xfrm>
+          <a:prstGeom prst="roundRect">
+            <a:avLst>
+              <a:gd name="adj" fmla="val 0"/>
+            </a:avLst>
+          </a:prstGeom>
+        </p:spPr>
+        <p:style>
+          <a:lnRef idx="2">
+            <a:schemeClr val="accent1"/>
+          </a:lnRef>
+          <a:fillRef idx="1">
+            <a:schemeClr val="lt1"/>
+          </a:fillRef>
+          <a:effectRef idx="0">
+            <a:schemeClr val="accent1"/>
+          </a:effectRef>
+          <a:fontRef idx="minor">
+            <a:schemeClr val="dk1"/>
+          </a:fontRef>
+        </p:style>
+        <p:txBody>
+          <a:bodyPr rtlCol="0" anchor="ctr"/>
+          <a:lstStyle/>
+          <a:p>
+            <a:pPr algn="ctr"/>
+            <a:r>
+              <a:rPr lang="ko-KR" altLang="en-US" dirty="0"/>
+              <a:t>테스트 용</a:t>
+            </a:r>
+            <a:endParaRPr lang="en-US" dirty="0"/>
+          </a:p>
+        </p:txBody>
+      </p:sp>
+      <p:sp>
+        <p:nvSpPr>
+          <p:cNvPr id="24" name="TextBox 23">
+            <a:extLst>
+              <a:ext uri="{FF2B5EF4-FFF2-40B4-BE49-F238E27FC236}">
+                <a16:creationId xmlns:a16="http://schemas.microsoft.com/office/drawing/2014/main" id="{51E8591F-0BB2-4EF3-B3F4-4C98ADD35B8C}"/>
+              </a:ext>
+            </a:extLst>
+          </p:cNvPr>
+          <p:cNvSpPr txBox="1"/>
+          <p:nvPr/>
+        </p:nvSpPr>
+        <p:spPr>
+          <a:xfrm>
+            <a:off x="6488545" y="369761"/>
+            <a:ext cx="5458097" cy="923330"/>
+          </a:xfrm>
+          <a:prstGeom prst="rect">
+            <a:avLst/>
+          </a:prstGeom>
+          <a:noFill/>
+        </p:spPr>
+        <p:txBody>
+          <a:bodyPr wrap="none" rtlCol="0">
+            <a:spAutoFit/>
+          </a:bodyPr>
+          <a:lstStyle/>
+          <a:p>
+            <a:r>
+              <a:rPr lang="en-US" dirty="0"/>
+              <a:t>- 1 Factor </a:t>
+            </a:r>
+            <a:r>
+              <a:rPr lang="ko-KR" altLang="en-US" dirty="0"/>
+              <a:t>즉 이전 값이 가장 큰 영향을 줌</a:t>
+            </a:r>
+            <a:endParaRPr lang="en-US" altLang="ko-KR" dirty="0"/>
+          </a:p>
+          <a:p>
+            <a:r>
+              <a:rPr lang="en-US" dirty="0"/>
+              <a:t>- Multi Factor</a:t>
+            </a:r>
+            <a:r>
+              <a:rPr lang="ko-KR" altLang="en-US" dirty="0"/>
+              <a:t>는 오히려 이전 증가 값에 영향을 주어서</a:t>
+            </a:r>
+            <a:endParaRPr lang="en-US" altLang="ko-KR" dirty="0"/>
+          </a:p>
+          <a:p>
+            <a:r>
+              <a:rPr lang="ko-KR" altLang="en-US" dirty="0"/>
+              <a:t>예측을 방해함</a:t>
+            </a:r>
+            <a:r>
+              <a:rPr lang="en-US" altLang="ko-KR" dirty="0"/>
+              <a:t> </a:t>
+            </a:r>
+            <a:endParaRPr lang="en-US" dirty="0"/>
+          </a:p>
+        </p:txBody>
+      </p:sp>
+      <p:sp>
+        <p:nvSpPr>
+          <p:cNvPr id="25" name="직사각형 24">
+            <a:extLst>
+              <a:ext uri="{FF2B5EF4-FFF2-40B4-BE49-F238E27FC236}">
+                <a16:creationId xmlns:a16="http://schemas.microsoft.com/office/drawing/2014/main" id="{18F9452A-BCBC-4CAF-B74C-A7E034059950}"/>
+              </a:ext>
+            </a:extLst>
+          </p:cNvPr>
+          <p:cNvSpPr/>
+          <p:nvPr/>
+        </p:nvSpPr>
+        <p:spPr>
+          <a:xfrm>
+            <a:off x="1084372" y="5135418"/>
+            <a:ext cx="1219200" cy="1320800"/>
+          </a:xfrm>
+          <a:prstGeom prst="rect">
+            <a:avLst/>
+          </a:prstGeom>
+        </p:spPr>
+        <p:style>
+          <a:lnRef idx="2">
+            <a:schemeClr val="dk1"/>
+          </a:lnRef>
+          <a:fillRef idx="1">
+            <a:schemeClr val="lt1"/>
+          </a:fillRef>
+          <a:effectRef idx="0">
+            <a:schemeClr val="dk1"/>
+          </a:effectRef>
+          <a:fontRef idx="minor">
+            <a:schemeClr val="dk1"/>
+          </a:fontRef>
+        </p:style>
+        <p:txBody>
+          <a:bodyPr rtlCol="0" anchor="ctr"/>
+          <a:lstStyle/>
+          <a:p>
+            <a:pPr algn="ctr"/>
+            <a:endParaRPr lang="en-US"/>
+          </a:p>
+        </p:txBody>
+      </p:sp>
+      <p:cxnSp>
+        <p:nvCxnSpPr>
+          <p:cNvPr id="27" name="직선 연결선 26">
+            <a:extLst>
+              <a:ext uri="{FF2B5EF4-FFF2-40B4-BE49-F238E27FC236}">
+                <a16:creationId xmlns:a16="http://schemas.microsoft.com/office/drawing/2014/main" id="{61314BA7-4697-4188-9C80-E8B8C3C6E905}"/>
+              </a:ext>
+            </a:extLst>
+          </p:cNvPr>
+          <p:cNvCxnSpPr/>
+          <p:nvPr/>
+        </p:nvCxnSpPr>
+        <p:spPr>
+          <a:xfrm flipV="1">
+            <a:off x="1084372" y="5135418"/>
+            <a:ext cx="1219200" cy="1320800"/>
+          </a:xfrm>
+          <a:prstGeom prst="line">
+            <a:avLst/>
+          </a:prstGeom>
+        </p:spPr>
+        <p:style>
+          <a:lnRef idx="1">
+            <a:schemeClr val="accent1"/>
+          </a:lnRef>
+          <a:fillRef idx="0">
+            <a:schemeClr val="accent1"/>
+          </a:fillRef>
+          <a:effectRef idx="0">
+            <a:schemeClr val="accent1"/>
+          </a:effectRef>
+          <a:fontRef idx="minor">
+            <a:schemeClr val="tx1"/>
+          </a:fontRef>
+        </p:style>
+      </p:cxnSp>
+      <p:sp>
+        <p:nvSpPr>
+          <p:cNvPr id="28" name="TextBox 27">
+            <a:extLst>
+              <a:ext uri="{FF2B5EF4-FFF2-40B4-BE49-F238E27FC236}">
+                <a16:creationId xmlns:a16="http://schemas.microsoft.com/office/drawing/2014/main" id="{5BCC3CE5-A12C-4C23-9A39-1FE97A1AFAD4}"/>
+              </a:ext>
+            </a:extLst>
+          </p:cNvPr>
+          <p:cNvSpPr txBox="1"/>
+          <p:nvPr/>
+        </p:nvSpPr>
+        <p:spPr>
+          <a:xfrm>
+            <a:off x="1419698" y="4766086"/>
+            <a:ext cx="548548" cy="369332"/>
+          </a:xfrm>
+          <a:prstGeom prst="rect">
+            <a:avLst/>
+          </a:prstGeom>
+          <a:noFill/>
+        </p:spPr>
+        <p:txBody>
+          <a:bodyPr wrap="none" rtlCol="0">
+            <a:spAutoFit/>
+          </a:bodyPr>
+          <a:lstStyle/>
+          <a:p>
+            <a:r>
+              <a:rPr lang="en-US"/>
+              <a:t>A</a:t>
+            </a:r>
+            <a:r>
+              <a:rPr lang="ko-KR" altLang="en-US" dirty="0"/>
+              <a:t>주</a:t>
+            </a:r>
+            <a:endParaRPr lang="en-US" dirty="0"/>
+          </a:p>
+        </p:txBody>
+      </p:sp>
+      <p:sp>
+        <p:nvSpPr>
+          <p:cNvPr id="29" name="직사각형 28">
+            <a:extLst>
+              <a:ext uri="{FF2B5EF4-FFF2-40B4-BE49-F238E27FC236}">
+                <a16:creationId xmlns:a16="http://schemas.microsoft.com/office/drawing/2014/main" id="{3332A20D-7A0A-4266-8C6D-8505D4CB7D70}"/>
+              </a:ext>
+            </a:extLst>
+          </p:cNvPr>
+          <p:cNvSpPr/>
+          <p:nvPr/>
+        </p:nvSpPr>
+        <p:spPr>
+          <a:xfrm>
+            <a:off x="2723827" y="5135418"/>
+            <a:ext cx="1219200" cy="1320800"/>
+          </a:xfrm>
+          <a:prstGeom prst="rect">
+            <a:avLst/>
+          </a:prstGeom>
+        </p:spPr>
+        <p:style>
+          <a:lnRef idx="2">
+            <a:schemeClr val="dk1"/>
+          </a:lnRef>
+          <a:fillRef idx="1">
+            <a:schemeClr val="lt1"/>
+          </a:fillRef>
+          <a:effectRef idx="0">
+            <a:schemeClr val="dk1"/>
+          </a:effectRef>
+          <a:fontRef idx="minor">
+            <a:schemeClr val="dk1"/>
+          </a:fontRef>
+        </p:style>
+        <p:txBody>
+          <a:bodyPr rtlCol="0" anchor="ctr"/>
+          <a:lstStyle/>
+          <a:p>
+            <a:pPr algn="ctr"/>
+            <a:endParaRPr lang="en-US"/>
+          </a:p>
+        </p:txBody>
+      </p:sp>
+      <p:cxnSp>
+        <p:nvCxnSpPr>
+          <p:cNvPr id="30" name="직선 연결선 29">
+            <a:extLst>
+              <a:ext uri="{FF2B5EF4-FFF2-40B4-BE49-F238E27FC236}">
+                <a16:creationId xmlns:a16="http://schemas.microsoft.com/office/drawing/2014/main" id="{5B947207-A8DC-42EE-9696-70C6D16BDF14}"/>
+              </a:ext>
+            </a:extLst>
+          </p:cNvPr>
+          <p:cNvCxnSpPr>
+            <a:cxnSpLocks/>
+            <a:endCxn id="29" idx="3"/>
+          </p:cNvCxnSpPr>
+          <p:nvPr/>
+        </p:nvCxnSpPr>
+        <p:spPr>
+          <a:xfrm flipV="1">
+            <a:off x="2723827" y="5795818"/>
+            <a:ext cx="1219200" cy="660400"/>
+          </a:xfrm>
+          <a:prstGeom prst="line">
+            <a:avLst/>
+          </a:prstGeom>
+        </p:spPr>
+        <p:style>
+          <a:lnRef idx="1">
+            <a:schemeClr val="accent1"/>
+          </a:lnRef>
+          <a:fillRef idx="0">
+            <a:schemeClr val="accent1"/>
+          </a:fillRef>
+          <a:effectRef idx="0">
+            <a:schemeClr val="accent1"/>
+          </a:effectRef>
+          <a:fontRef idx="minor">
+            <a:schemeClr val="tx1"/>
+          </a:fontRef>
+        </p:style>
+      </p:cxnSp>
+      <p:sp>
+        <p:nvSpPr>
+          <p:cNvPr id="31" name="TextBox 30">
+            <a:extLst>
+              <a:ext uri="{FF2B5EF4-FFF2-40B4-BE49-F238E27FC236}">
+                <a16:creationId xmlns:a16="http://schemas.microsoft.com/office/drawing/2014/main" id="{A6DA4226-DF6C-4393-8332-FABA9A45CADC}"/>
+              </a:ext>
+            </a:extLst>
+          </p:cNvPr>
+          <p:cNvSpPr txBox="1"/>
+          <p:nvPr/>
+        </p:nvSpPr>
+        <p:spPr>
+          <a:xfrm>
+            <a:off x="3059153" y="4766086"/>
+            <a:ext cx="540533" cy="369332"/>
+          </a:xfrm>
+          <a:prstGeom prst="rect">
+            <a:avLst/>
+          </a:prstGeom>
+          <a:noFill/>
+        </p:spPr>
+        <p:txBody>
+          <a:bodyPr wrap="none" rtlCol="0">
+            <a:spAutoFit/>
+          </a:bodyPr>
+          <a:lstStyle/>
+          <a:p>
+            <a:r>
+              <a:rPr lang="en-US" altLang="ko-KR" dirty="0"/>
+              <a:t>B</a:t>
+            </a:r>
+            <a:r>
+              <a:rPr lang="ko-KR" altLang="en-US" dirty="0"/>
+              <a:t>주</a:t>
+            </a:r>
+            <a:endParaRPr lang="en-US" dirty="0"/>
+          </a:p>
+        </p:txBody>
+      </p:sp>
+      <p:sp>
+        <p:nvSpPr>
+          <p:cNvPr id="32" name="직사각형 31">
+            <a:extLst>
+              <a:ext uri="{FF2B5EF4-FFF2-40B4-BE49-F238E27FC236}">
+                <a16:creationId xmlns:a16="http://schemas.microsoft.com/office/drawing/2014/main" id="{42589C43-7E0E-4D8A-8F43-BE27D0DB8780}"/>
+              </a:ext>
+            </a:extLst>
+          </p:cNvPr>
+          <p:cNvSpPr/>
+          <p:nvPr/>
+        </p:nvSpPr>
+        <p:spPr>
+          <a:xfrm>
+            <a:off x="5592618" y="5135418"/>
+            <a:ext cx="1219200" cy="1320800"/>
+          </a:xfrm>
+          <a:prstGeom prst="rect">
+            <a:avLst/>
+          </a:prstGeom>
+        </p:spPr>
+        <p:style>
+          <a:lnRef idx="2">
+            <a:schemeClr val="dk1"/>
+          </a:lnRef>
+          <a:fillRef idx="1">
+            <a:schemeClr val="lt1"/>
+          </a:fillRef>
+          <a:effectRef idx="0">
+            <a:schemeClr val="dk1"/>
+          </a:effectRef>
+          <a:fontRef idx="minor">
+            <a:schemeClr val="dk1"/>
+          </a:fontRef>
+        </p:style>
+        <p:txBody>
+          <a:bodyPr rtlCol="0" anchor="ctr"/>
+          <a:lstStyle/>
+          <a:p>
+            <a:pPr algn="ctr"/>
+            <a:endParaRPr lang="en-US"/>
+          </a:p>
+        </p:txBody>
+      </p:sp>
+      <p:cxnSp>
+        <p:nvCxnSpPr>
+          <p:cNvPr id="33" name="직선 연결선 32">
+            <a:extLst>
+              <a:ext uri="{FF2B5EF4-FFF2-40B4-BE49-F238E27FC236}">
+                <a16:creationId xmlns:a16="http://schemas.microsoft.com/office/drawing/2014/main" id="{BF6636DF-904F-4FBF-8B68-8E749A60028A}"/>
+              </a:ext>
+            </a:extLst>
+          </p:cNvPr>
+          <p:cNvCxnSpPr/>
+          <p:nvPr/>
+        </p:nvCxnSpPr>
+        <p:spPr>
+          <a:xfrm flipV="1">
+            <a:off x="5592618" y="5135418"/>
+            <a:ext cx="1219200" cy="1320800"/>
+          </a:xfrm>
+          <a:prstGeom prst="line">
+            <a:avLst/>
+          </a:prstGeom>
+        </p:spPr>
+        <p:style>
+          <a:lnRef idx="1">
+            <a:schemeClr val="accent1"/>
+          </a:lnRef>
+          <a:fillRef idx="0">
+            <a:schemeClr val="accent1"/>
+          </a:fillRef>
+          <a:effectRef idx="0">
+            <a:schemeClr val="accent1"/>
+          </a:effectRef>
+          <a:fontRef idx="minor">
+            <a:schemeClr val="tx1"/>
+          </a:fontRef>
+        </p:style>
+      </p:cxnSp>
+      <p:sp>
+        <p:nvSpPr>
+          <p:cNvPr id="34" name="TextBox 33">
+            <a:extLst>
+              <a:ext uri="{FF2B5EF4-FFF2-40B4-BE49-F238E27FC236}">
+                <a16:creationId xmlns:a16="http://schemas.microsoft.com/office/drawing/2014/main" id="{25B2D425-4D0B-4D10-AE9B-534B338CED9B}"/>
+              </a:ext>
+            </a:extLst>
+          </p:cNvPr>
+          <p:cNvSpPr txBox="1"/>
+          <p:nvPr/>
+        </p:nvSpPr>
+        <p:spPr>
+          <a:xfrm>
+            <a:off x="5927944" y="4766086"/>
+            <a:ext cx="548548" cy="369332"/>
+          </a:xfrm>
+          <a:prstGeom prst="rect">
+            <a:avLst/>
+          </a:prstGeom>
+          <a:noFill/>
+        </p:spPr>
+        <p:txBody>
+          <a:bodyPr wrap="none" rtlCol="0">
+            <a:spAutoFit/>
+          </a:bodyPr>
+          <a:lstStyle/>
+          <a:p>
+            <a:r>
+              <a:rPr lang="en-US" dirty="0"/>
+              <a:t>C</a:t>
+            </a:r>
+            <a:r>
+              <a:rPr lang="ko-KR" altLang="en-US" dirty="0"/>
+              <a:t>주</a:t>
+            </a:r>
+            <a:endParaRPr lang="en-US" dirty="0"/>
+          </a:p>
+        </p:txBody>
+      </p:sp>
+      <p:sp>
+        <p:nvSpPr>
+          <p:cNvPr id="35" name="TextBox 34">
+            <a:extLst>
+              <a:ext uri="{FF2B5EF4-FFF2-40B4-BE49-F238E27FC236}">
+                <a16:creationId xmlns:a16="http://schemas.microsoft.com/office/drawing/2014/main" id="{EE975986-C94B-4FF2-A76D-9F30E5AA0AE4}"/>
+              </a:ext>
+            </a:extLst>
+          </p:cNvPr>
+          <p:cNvSpPr txBox="1"/>
+          <p:nvPr/>
+        </p:nvSpPr>
+        <p:spPr>
+          <a:xfrm>
+            <a:off x="308518" y="5541818"/>
+            <a:ext cx="760144" cy="369332"/>
+          </a:xfrm>
+          <a:prstGeom prst="rect">
+            <a:avLst/>
+          </a:prstGeom>
+          <a:noFill/>
+        </p:spPr>
+        <p:txBody>
+          <a:bodyPr wrap="none" rtlCol="0">
+            <a:spAutoFit/>
+          </a:bodyPr>
+          <a:lstStyle/>
+          <a:p>
+            <a:r>
+              <a:rPr lang="en-US" dirty="0"/>
+              <a:t>X = 30</a:t>
+            </a:r>
+          </a:p>
+        </p:txBody>
+      </p:sp>
+      <p:sp>
+        <p:nvSpPr>
+          <p:cNvPr id="37" name="TextBox 36">
+            <a:extLst>
+              <a:ext uri="{FF2B5EF4-FFF2-40B4-BE49-F238E27FC236}">
+                <a16:creationId xmlns:a16="http://schemas.microsoft.com/office/drawing/2014/main" id="{96FA0A54-23F1-4A36-9E1C-ED55B480251E}"/>
+              </a:ext>
+            </a:extLst>
+          </p:cNvPr>
+          <p:cNvSpPr txBox="1"/>
+          <p:nvPr/>
+        </p:nvSpPr>
+        <p:spPr>
+          <a:xfrm>
+            <a:off x="2839542" y="5241820"/>
+            <a:ext cx="760144" cy="369332"/>
+          </a:xfrm>
+          <a:prstGeom prst="rect">
+            <a:avLst/>
+          </a:prstGeom>
+          <a:noFill/>
+        </p:spPr>
+        <p:txBody>
+          <a:bodyPr wrap="none" rtlCol="0">
+            <a:spAutoFit/>
+          </a:bodyPr>
+          <a:lstStyle/>
+          <a:p>
+            <a:r>
+              <a:rPr lang="en-US" dirty="0"/>
+              <a:t>X = 60</a:t>
+            </a:r>
+          </a:p>
+        </p:txBody>
+      </p:sp>
+      <p:sp>
+        <p:nvSpPr>
+          <p:cNvPr id="39" name="TextBox 38">
+            <a:extLst>
+              <a:ext uri="{FF2B5EF4-FFF2-40B4-BE49-F238E27FC236}">
+                <a16:creationId xmlns:a16="http://schemas.microsoft.com/office/drawing/2014/main" id="{AD06CE29-39CA-47BF-B846-9FB683E4EE94}"/>
+              </a:ext>
+            </a:extLst>
+          </p:cNvPr>
+          <p:cNvSpPr txBox="1"/>
+          <p:nvPr/>
+        </p:nvSpPr>
+        <p:spPr>
+          <a:xfrm>
+            <a:off x="5592618" y="5320084"/>
+            <a:ext cx="760144" cy="369332"/>
+          </a:xfrm>
+          <a:prstGeom prst="rect">
+            <a:avLst/>
+          </a:prstGeom>
+          <a:noFill/>
+        </p:spPr>
+        <p:txBody>
+          <a:bodyPr wrap="none" rtlCol="0">
+            <a:spAutoFit/>
+          </a:bodyPr>
+          <a:lstStyle/>
+          <a:p>
+            <a:r>
+              <a:rPr lang="en-US" dirty="0"/>
+              <a:t>X = 30</a:t>
+            </a:r>
+          </a:p>
+        </p:txBody>
+      </p:sp>
+    </p:spTree>
+    <p:extLst>
+      <p:ext uri="{BB962C8B-B14F-4D97-AF65-F5344CB8AC3E}">
+        <p14:creationId xmlns:p14="http://schemas.microsoft.com/office/powerpoint/2010/main" val="2255657889"/>
+      </p:ext>
+    </p:extLst>
+  </p:cSld>
+  <p:clrMapOvr>
+    <a:masterClrMapping/>
+  </p:clrMapOvr>
+</p:sld>
+</file>
+
+<file path=ppt/slides/slide99.xml><?xml version="1.0" encoding="utf-8"?>
+<p:sld xmlns:a="http://schemas.openxmlformats.org/drawingml/2006/main" xmlns:r="http://schemas.openxmlformats.org/officeDocument/2006/relationships" xmlns:p="http://schemas.openxmlformats.org/presentationml/2006/main">
+  <p:cSld>
+    <p:spTree>
+      <p:nvGrpSpPr>
+        <p:cNvPr id="1" name=""/>
+        <p:cNvGrpSpPr/>
+        <p:nvPr/>
+      </p:nvGrpSpPr>
+      <p:grpSpPr>
+        <a:xfrm>
+          <a:off x="0" y="0"/>
+          <a:ext cx="0" cy="0"/>
+          <a:chOff x="0" y="0"/>
+          <a:chExt cx="0" cy="0"/>
+        </a:xfrm>
+      </p:grpSpPr>
+      <p:sp>
+        <p:nvSpPr>
+          <p:cNvPr id="4" name="직사각형 3">
+            <a:extLst>
+              <a:ext uri="{FF2B5EF4-FFF2-40B4-BE49-F238E27FC236}">
+                <a16:creationId xmlns:a16="http://schemas.microsoft.com/office/drawing/2014/main" id="{19FA7B82-AF7C-48F0-B705-E85FD054C016}"/>
+              </a:ext>
+            </a:extLst>
+          </p:cNvPr>
+          <p:cNvSpPr/>
+          <p:nvPr/>
+        </p:nvSpPr>
+        <p:spPr>
+          <a:xfrm>
+            <a:off x="3467354" y="914400"/>
+            <a:ext cx="1219200" cy="1320800"/>
+          </a:xfrm>
+          <a:prstGeom prst="rect">
+            <a:avLst/>
+          </a:prstGeom>
+        </p:spPr>
+        <p:style>
+          <a:lnRef idx="2">
+            <a:schemeClr val="dk1"/>
+          </a:lnRef>
+          <a:fillRef idx="1">
+            <a:schemeClr val="lt1"/>
+          </a:fillRef>
+          <a:effectRef idx="0">
+            <a:schemeClr val="dk1"/>
+          </a:effectRef>
+          <a:fontRef idx="minor">
+            <a:schemeClr val="dk1"/>
+          </a:fontRef>
+        </p:style>
+        <p:txBody>
+          <a:bodyPr rtlCol="0" anchor="ctr"/>
+          <a:lstStyle/>
+          <a:p>
+            <a:pPr algn="ctr"/>
+            <a:endParaRPr lang="en-US"/>
+          </a:p>
+        </p:txBody>
+      </p:sp>
+      <p:cxnSp>
+        <p:nvCxnSpPr>
+          <p:cNvPr id="5" name="직선 연결선 4">
+            <a:extLst>
+              <a:ext uri="{FF2B5EF4-FFF2-40B4-BE49-F238E27FC236}">
+                <a16:creationId xmlns:a16="http://schemas.microsoft.com/office/drawing/2014/main" id="{4A221C2D-03F0-420D-A5A1-C042DCFF1F38}"/>
+              </a:ext>
+            </a:extLst>
+          </p:cNvPr>
+          <p:cNvCxnSpPr/>
+          <p:nvPr/>
+        </p:nvCxnSpPr>
+        <p:spPr>
+          <a:xfrm flipV="1">
+            <a:off x="3467354" y="914400"/>
+            <a:ext cx="1219200" cy="1320800"/>
+          </a:xfrm>
+          <a:prstGeom prst="line">
+            <a:avLst/>
+          </a:prstGeom>
+        </p:spPr>
+        <p:style>
+          <a:lnRef idx="1">
+            <a:schemeClr val="accent1"/>
+          </a:lnRef>
+          <a:fillRef idx="0">
+            <a:schemeClr val="accent1"/>
+          </a:fillRef>
+          <a:effectRef idx="0">
+            <a:schemeClr val="accent1"/>
+          </a:effectRef>
+          <a:fontRef idx="minor">
+            <a:schemeClr val="tx1"/>
+          </a:fontRef>
+        </p:style>
+      </p:cxnSp>
+      <p:sp>
+        <p:nvSpPr>
+          <p:cNvPr id="6" name="TextBox 5">
+            <a:extLst>
+              <a:ext uri="{FF2B5EF4-FFF2-40B4-BE49-F238E27FC236}">
+                <a16:creationId xmlns:a16="http://schemas.microsoft.com/office/drawing/2014/main" id="{8C2BC323-1E63-440F-8181-D3DCEA17DF49}"/>
+              </a:ext>
+            </a:extLst>
+          </p:cNvPr>
+          <p:cNvSpPr txBox="1"/>
+          <p:nvPr/>
+        </p:nvSpPr>
+        <p:spPr>
+          <a:xfrm>
+            <a:off x="3802680" y="545068"/>
+            <a:ext cx="548548" cy="369332"/>
+          </a:xfrm>
+          <a:prstGeom prst="rect">
+            <a:avLst/>
+          </a:prstGeom>
+          <a:noFill/>
+        </p:spPr>
+        <p:txBody>
+          <a:bodyPr wrap="none" rtlCol="0">
+            <a:spAutoFit/>
+          </a:bodyPr>
+          <a:lstStyle/>
+          <a:p>
+            <a:r>
+              <a:rPr lang="en-US"/>
+              <a:t>A</a:t>
+            </a:r>
+            <a:r>
+              <a:rPr lang="ko-KR" altLang="en-US" dirty="0"/>
+              <a:t>주</a:t>
+            </a:r>
+            <a:endParaRPr lang="en-US" dirty="0"/>
+          </a:p>
+        </p:txBody>
+      </p:sp>
+      <p:sp>
+        <p:nvSpPr>
+          <p:cNvPr id="7" name="직사각형 6">
+            <a:extLst>
+              <a:ext uri="{FF2B5EF4-FFF2-40B4-BE49-F238E27FC236}">
+                <a16:creationId xmlns:a16="http://schemas.microsoft.com/office/drawing/2014/main" id="{F1F9B2BD-0CDC-47A6-9B15-C4B9F9D74C03}"/>
+              </a:ext>
+            </a:extLst>
+          </p:cNvPr>
+          <p:cNvSpPr/>
+          <p:nvPr/>
+        </p:nvSpPr>
+        <p:spPr>
+          <a:xfrm>
+            <a:off x="5106809" y="914400"/>
+            <a:ext cx="1219200" cy="1320800"/>
+          </a:xfrm>
+          <a:prstGeom prst="rect">
+            <a:avLst/>
+          </a:prstGeom>
+        </p:spPr>
+        <p:style>
+          <a:lnRef idx="2">
+            <a:schemeClr val="dk1"/>
+          </a:lnRef>
+          <a:fillRef idx="1">
+            <a:schemeClr val="lt1"/>
+          </a:fillRef>
+          <a:effectRef idx="0">
+            <a:schemeClr val="dk1"/>
+          </a:effectRef>
+          <a:fontRef idx="minor">
+            <a:schemeClr val="dk1"/>
+          </a:fontRef>
+        </p:style>
+        <p:txBody>
+          <a:bodyPr rtlCol="0" anchor="ctr"/>
+          <a:lstStyle/>
+          <a:p>
+            <a:pPr algn="ctr"/>
+            <a:endParaRPr lang="en-US"/>
+          </a:p>
+        </p:txBody>
+      </p:sp>
+      <p:cxnSp>
+        <p:nvCxnSpPr>
+          <p:cNvPr id="8" name="직선 연결선 7">
+            <a:extLst>
+              <a:ext uri="{FF2B5EF4-FFF2-40B4-BE49-F238E27FC236}">
+                <a16:creationId xmlns:a16="http://schemas.microsoft.com/office/drawing/2014/main" id="{2A92C5F1-763B-4318-A090-D874EE3FEF05}"/>
+              </a:ext>
+            </a:extLst>
+          </p:cNvPr>
+          <p:cNvCxnSpPr>
+            <a:cxnSpLocks/>
+            <a:endCxn id="7" idx="3"/>
+          </p:cNvCxnSpPr>
+          <p:nvPr/>
+        </p:nvCxnSpPr>
+        <p:spPr>
+          <a:xfrm flipV="1">
+            <a:off x="5106809" y="1574800"/>
+            <a:ext cx="1219200" cy="660400"/>
+          </a:xfrm>
+          <a:prstGeom prst="line">
+            <a:avLst/>
+          </a:prstGeom>
+        </p:spPr>
+        <p:style>
+          <a:lnRef idx="1">
+            <a:schemeClr val="accent1"/>
+          </a:lnRef>
+          <a:fillRef idx="0">
+            <a:schemeClr val="accent1"/>
+          </a:fillRef>
+          <a:effectRef idx="0">
+            <a:schemeClr val="accent1"/>
+          </a:effectRef>
+          <a:fontRef idx="minor">
+            <a:schemeClr val="tx1"/>
+          </a:fontRef>
+        </p:style>
+      </p:cxnSp>
+      <p:sp>
+        <p:nvSpPr>
+          <p:cNvPr id="9" name="TextBox 8">
+            <a:extLst>
+              <a:ext uri="{FF2B5EF4-FFF2-40B4-BE49-F238E27FC236}">
+                <a16:creationId xmlns:a16="http://schemas.microsoft.com/office/drawing/2014/main" id="{49E09C37-2C22-4FB3-B577-A2F66EFD1A50}"/>
+              </a:ext>
+            </a:extLst>
+          </p:cNvPr>
+          <p:cNvSpPr txBox="1"/>
+          <p:nvPr/>
+        </p:nvSpPr>
+        <p:spPr>
+          <a:xfrm>
+            <a:off x="5442135" y="545068"/>
+            <a:ext cx="540533" cy="369332"/>
+          </a:xfrm>
+          <a:prstGeom prst="rect">
+            <a:avLst/>
+          </a:prstGeom>
+          <a:noFill/>
+        </p:spPr>
+        <p:txBody>
+          <a:bodyPr wrap="none" rtlCol="0">
+            <a:spAutoFit/>
+          </a:bodyPr>
+          <a:lstStyle/>
+          <a:p>
+            <a:r>
+              <a:rPr lang="en-US" altLang="ko-KR" dirty="0"/>
+              <a:t>B</a:t>
+            </a:r>
+            <a:r>
+              <a:rPr lang="ko-KR" altLang="en-US" dirty="0"/>
+              <a:t>주</a:t>
+            </a:r>
+            <a:endParaRPr lang="en-US" dirty="0"/>
+          </a:p>
+        </p:txBody>
+      </p:sp>
+      <p:sp>
+        <p:nvSpPr>
+          <p:cNvPr id="10" name="직사각형 9">
+            <a:extLst>
+              <a:ext uri="{FF2B5EF4-FFF2-40B4-BE49-F238E27FC236}">
+                <a16:creationId xmlns:a16="http://schemas.microsoft.com/office/drawing/2014/main" id="{33D87AAA-B809-4D5A-A6F7-6783CDF6CBAC}"/>
+              </a:ext>
+            </a:extLst>
+          </p:cNvPr>
+          <p:cNvSpPr/>
+          <p:nvPr/>
+        </p:nvSpPr>
+        <p:spPr>
+          <a:xfrm>
+            <a:off x="7975600" y="914400"/>
+            <a:ext cx="1219200" cy="1320800"/>
+          </a:xfrm>
+          <a:prstGeom prst="rect">
+            <a:avLst/>
+          </a:prstGeom>
+        </p:spPr>
+        <p:style>
+          <a:lnRef idx="2">
+            <a:schemeClr val="dk1"/>
+          </a:lnRef>
+          <a:fillRef idx="1">
+            <a:schemeClr val="lt1"/>
+          </a:fillRef>
+          <a:effectRef idx="0">
+            <a:schemeClr val="dk1"/>
+          </a:effectRef>
+          <a:fontRef idx="minor">
+            <a:schemeClr val="dk1"/>
+          </a:fontRef>
+        </p:style>
+        <p:txBody>
+          <a:bodyPr rtlCol="0" anchor="ctr"/>
+          <a:lstStyle/>
+          <a:p>
+            <a:pPr algn="ctr"/>
+            <a:endParaRPr lang="en-US"/>
+          </a:p>
+        </p:txBody>
+      </p:sp>
+      <p:cxnSp>
+        <p:nvCxnSpPr>
+          <p:cNvPr id="11" name="직선 연결선 10">
+            <a:extLst>
+              <a:ext uri="{FF2B5EF4-FFF2-40B4-BE49-F238E27FC236}">
+                <a16:creationId xmlns:a16="http://schemas.microsoft.com/office/drawing/2014/main" id="{2DC31DA8-8ECF-46D0-9F19-DF285AC672BA}"/>
+              </a:ext>
+            </a:extLst>
+          </p:cNvPr>
+          <p:cNvCxnSpPr/>
+          <p:nvPr/>
+        </p:nvCxnSpPr>
+        <p:spPr>
+          <a:xfrm flipV="1">
+            <a:off x="7975600" y="914400"/>
+            <a:ext cx="1219200" cy="1320800"/>
+          </a:xfrm>
+          <a:prstGeom prst="line">
+            <a:avLst/>
+          </a:prstGeom>
+        </p:spPr>
+        <p:style>
+          <a:lnRef idx="1">
+            <a:schemeClr val="accent1"/>
+          </a:lnRef>
+          <a:fillRef idx="0">
+            <a:schemeClr val="accent1"/>
+          </a:fillRef>
+          <a:effectRef idx="0">
+            <a:schemeClr val="accent1"/>
+          </a:effectRef>
+          <a:fontRef idx="minor">
+            <a:schemeClr val="tx1"/>
+          </a:fontRef>
+        </p:style>
+      </p:cxnSp>
+      <p:sp>
+        <p:nvSpPr>
+          <p:cNvPr id="12" name="TextBox 11">
+            <a:extLst>
+              <a:ext uri="{FF2B5EF4-FFF2-40B4-BE49-F238E27FC236}">
+                <a16:creationId xmlns:a16="http://schemas.microsoft.com/office/drawing/2014/main" id="{32D188B6-8325-4438-8A67-45C49005220C}"/>
+              </a:ext>
+            </a:extLst>
+          </p:cNvPr>
+          <p:cNvSpPr txBox="1"/>
+          <p:nvPr/>
+        </p:nvSpPr>
+        <p:spPr>
+          <a:xfrm>
+            <a:off x="8310926" y="545068"/>
+            <a:ext cx="548548" cy="369332"/>
+          </a:xfrm>
+          <a:prstGeom prst="rect">
+            <a:avLst/>
+          </a:prstGeom>
+          <a:noFill/>
+        </p:spPr>
+        <p:txBody>
+          <a:bodyPr wrap="none" rtlCol="0">
+            <a:spAutoFit/>
+          </a:bodyPr>
+          <a:lstStyle/>
+          <a:p>
+            <a:r>
+              <a:rPr lang="en-US" dirty="0"/>
+              <a:t>C</a:t>
+            </a:r>
+            <a:r>
+              <a:rPr lang="ko-KR" altLang="en-US" dirty="0"/>
+              <a:t>주</a:t>
+            </a:r>
+            <a:endParaRPr lang="en-US" dirty="0"/>
+          </a:p>
+        </p:txBody>
+      </p:sp>
+      <p:sp>
+        <p:nvSpPr>
+          <p:cNvPr id="13" name="TextBox 12">
+            <a:extLst>
+              <a:ext uri="{FF2B5EF4-FFF2-40B4-BE49-F238E27FC236}">
+                <a16:creationId xmlns:a16="http://schemas.microsoft.com/office/drawing/2014/main" id="{7B0C178A-836A-41C8-B675-669DE5063E7E}"/>
+              </a:ext>
+            </a:extLst>
+          </p:cNvPr>
+          <p:cNvSpPr txBox="1"/>
+          <p:nvPr/>
+        </p:nvSpPr>
+        <p:spPr>
+          <a:xfrm>
+            <a:off x="2691500" y="1320800"/>
+            <a:ext cx="760144" cy="369332"/>
+          </a:xfrm>
+          <a:prstGeom prst="rect">
+            <a:avLst/>
+          </a:prstGeom>
+          <a:noFill/>
+        </p:spPr>
+        <p:txBody>
+          <a:bodyPr wrap="none" rtlCol="0">
+            <a:spAutoFit/>
+          </a:bodyPr>
+          <a:lstStyle/>
+          <a:p>
+            <a:r>
+              <a:rPr lang="en-US" dirty="0"/>
+              <a:t>X = 30</a:t>
+            </a:r>
+          </a:p>
+        </p:txBody>
+      </p:sp>
+      <p:sp>
+        <p:nvSpPr>
+          <p:cNvPr id="14" name="TextBox 13">
+            <a:extLst>
+              <a:ext uri="{FF2B5EF4-FFF2-40B4-BE49-F238E27FC236}">
+                <a16:creationId xmlns:a16="http://schemas.microsoft.com/office/drawing/2014/main" id="{3F786103-8346-4B25-A743-F588A738046A}"/>
+              </a:ext>
+            </a:extLst>
+          </p:cNvPr>
+          <p:cNvSpPr txBox="1"/>
+          <p:nvPr/>
+        </p:nvSpPr>
+        <p:spPr>
+          <a:xfrm>
+            <a:off x="5222524" y="1020802"/>
+            <a:ext cx="760144" cy="369332"/>
+          </a:xfrm>
+          <a:prstGeom prst="rect">
+            <a:avLst/>
+          </a:prstGeom>
+          <a:noFill/>
+        </p:spPr>
+        <p:txBody>
+          <a:bodyPr wrap="none" rtlCol="0">
+            <a:spAutoFit/>
+          </a:bodyPr>
+          <a:lstStyle/>
+          <a:p>
+            <a:r>
+              <a:rPr lang="en-US" dirty="0"/>
+              <a:t>X = 60</a:t>
+            </a:r>
+          </a:p>
+        </p:txBody>
+      </p:sp>
+      <p:sp>
+        <p:nvSpPr>
+          <p:cNvPr id="15" name="TextBox 14">
+            <a:extLst>
+              <a:ext uri="{FF2B5EF4-FFF2-40B4-BE49-F238E27FC236}">
+                <a16:creationId xmlns:a16="http://schemas.microsoft.com/office/drawing/2014/main" id="{E41811E6-E590-40BB-AEC7-42CF67E88764}"/>
+              </a:ext>
+            </a:extLst>
+          </p:cNvPr>
+          <p:cNvSpPr txBox="1"/>
+          <p:nvPr/>
+        </p:nvSpPr>
+        <p:spPr>
+          <a:xfrm>
+            <a:off x="7975600" y="1099066"/>
+            <a:ext cx="760144" cy="369332"/>
+          </a:xfrm>
+          <a:prstGeom prst="rect">
+            <a:avLst/>
+          </a:prstGeom>
+          <a:noFill/>
+        </p:spPr>
+        <p:txBody>
+          <a:bodyPr wrap="none" rtlCol="0">
+            <a:spAutoFit/>
+          </a:bodyPr>
+          <a:lstStyle/>
+          <a:p>
+            <a:r>
+              <a:rPr lang="en-US" dirty="0"/>
+              <a:t>X = 30</a:t>
+            </a:r>
+          </a:p>
+        </p:txBody>
+      </p:sp>
+      <p:sp>
+        <p:nvSpPr>
+          <p:cNvPr id="16" name="직사각형 15">
+            <a:extLst>
+              <a:ext uri="{FF2B5EF4-FFF2-40B4-BE49-F238E27FC236}">
+                <a16:creationId xmlns:a16="http://schemas.microsoft.com/office/drawing/2014/main" id="{26F33CAB-BD48-4B01-8B15-DF9843559A66}"/>
+              </a:ext>
+            </a:extLst>
+          </p:cNvPr>
+          <p:cNvSpPr/>
+          <p:nvPr/>
+        </p:nvSpPr>
+        <p:spPr>
+          <a:xfrm>
+            <a:off x="3467354" y="4114800"/>
+            <a:ext cx="1219200" cy="1320800"/>
+          </a:xfrm>
+          <a:prstGeom prst="rect">
+            <a:avLst/>
+          </a:prstGeom>
+        </p:spPr>
+        <p:style>
+          <a:lnRef idx="2">
+            <a:schemeClr val="dk1"/>
+          </a:lnRef>
+          <a:fillRef idx="1">
+            <a:schemeClr val="lt1"/>
+          </a:fillRef>
+          <a:effectRef idx="0">
+            <a:schemeClr val="dk1"/>
+          </a:effectRef>
+          <a:fontRef idx="minor">
+            <a:schemeClr val="dk1"/>
+          </a:fontRef>
+        </p:style>
+        <p:txBody>
+          <a:bodyPr rtlCol="0" anchor="ctr"/>
+          <a:lstStyle/>
+          <a:p>
+            <a:pPr algn="ctr"/>
+            <a:endParaRPr lang="en-US"/>
+          </a:p>
+        </p:txBody>
+      </p:sp>
+      <p:cxnSp>
+        <p:nvCxnSpPr>
+          <p:cNvPr id="17" name="직선 연결선 16">
+            <a:extLst>
+              <a:ext uri="{FF2B5EF4-FFF2-40B4-BE49-F238E27FC236}">
+                <a16:creationId xmlns:a16="http://schemas.microsoft.com/office/drawing/2014/main" id="{3548601A-8E55-48E3-B308-21D8EF77853D}"/>
+              </a:ext>
+            </a:extLst>
+          </p:cNvPr>
+          <p:cNvCxnSpPr>
+            <a:cxnSpLocks/>
+            <a:endCxn id="16" idx="3"/>
+          </p:cNvCxnSpPr>
+          <p:nvPr/>
+        </p:nvCxnSpPr>
+        <p:spPr>
+          <a:xfrm flipV="1">
+            <a:off x="3467354" y="4775200"/>
+            <a:ext cx="1219200" cy="660400"/>
+          </a:xfrm>
+          <a:prstGeom prst="line">
+            <a:avLst/>
+          </a:prstGeom>
+        </p:spPr>
+        <p:style>
+          <a:lnRef idx="1">
+            <a:schemeClr val="accent1"/>
+          </a:lnRef>
+          <a:fillRef idx="0">
+            <a:schemeClr val="accent1"/>
+          </a:fillRef>
+          <a:effectRef idx="0">
+            <a:schemeClr val="accent1"/>
+          </a:effectRef>
+          <a:fontRef idx="minor">
+            <a:schemeClr val="tx1"/>
+          </a:fontRef>
+        </p:style>
+      </p:cxnSp>
+      <p:sp>
+        <p:nvSpPr>
+          <p:cNvPr id="18" name="TextBox 17">
+            <a:extLst>
+              <a:ext uri="{FF2B5EF4-FFF2-40B4-BE49-F238E27FC236}">
+                <a16:creationId xmlns:a16="http://schemas.microsoft.com/office/drawing/2014/main" id="{67BDACD5-D8CD-4A9D-9169-7B75B12E0E03}"/>
+              </a:ext>
+            </a:extLst>
+          </p:cNvPr>
+          <p:cNvSpPr txBox="1"/>
+          <p:nvPr/>
+        </p:nvSpPr>
+        <p:spPr>
+          <a:xfrm>
+            <a:off x="3802680" y="3745468"/>
+            <a:ext cx="548548" cy="369332"/>
+          </a:xfrm>
+          <a:prstGeom prst="rect">
+            <a:avLst/>
+          </a:prstGeom>
+          <a:noFill/>
+        </p:spPr>
+        <p:txBody>
+          <a:bodyPr wrap="none" rtlCol="0">
+            <a:spAutoFit/>
+          </a:bodyPr>
+          <a:lstStyle/>
+          <a:p>
+            <a:r>
+              <a:rPr lang="en-US"/>
+              <a:t>A</a:t>
+            </a:r>
+            <a:r>
+              <a:rPr lang="ko-KR" altLang="en-US" dirty="0"/>
+              <a:t>주</a:t>
+            </a:r>
+            <a:endParaRPr lang="en-US" dirty="0"/>
+          </a:p>
+        </p:txBody>
+      </p:sp>
+      <p:sp>
+        <p:nvSpPr>
+          <p:cNvPr id="19" name="직사각형 18">
+            <a:extLst>
+              <a:ext uri="{FF2B5EF4-FFF2-40B4-BE49-F238E27FC236}">
+                <a16:creationId xmlns:a16="http://schemas.microsoft.com/office/drawing/2014/main" id="{C908A45B-9D1A-418C-A5CA-CA621D7AFEB8}"/>
+              </a:ext>
+            </a:extLst>
+          </p:cNvPr>
+          <p:cNvSpPr/>
+          <p:nvPr/>
+        </p:nvSpPr>
+        <p:spPr>
+          <a:xfrm>
+            <a:off x="5106809" y="4114800"/>
+            <a:ext cx="1219200" cy="1320800"/>
+          </a:xfrm>
+          <a:prstGeom prst="rect">
+            <a:avLst/>
+          </a:prstGeom>
+        </p:spPr>
+        <p:style>
+          <a:lnRef idx="2">
+            <a:schemeClr val="dk1"/>
+          </a:lnRef>
+          <a:fillRef idx="1">
+            <a:schemeClr val="lt1"/>
+          </a:fillRef>
+          <a:effectRef idx="0">
+            <a:schemeClr val="dk1"/>
+          </a:effectRef>
+          <a:fontRef idx="minor">
+            <a:schemeClr val="dk1"/>
+          </a:fontRef>
+        </p:style>
+        <p:txBody>
+          <a:bodyPr rtlCol="0" anchor="ctr"/>
+          <a:lstStyle/>
+          <a:p>
+            <a:pPr algn="ctr"/>
+            <a:endParaRPr lang="en-US"/>
+          </a:p>
+        </p:txBody>
+      </p:sp>
+      <p:cxnSp>
+        <p:nvCxnSpPr>
+          <p:cNvPr id="20" name="직선 연결선 19">
+            <a:extLst>
+              <a:ext uri="{FF2B5EF4-FFF2-40B4-BE49-F238E27FC236}">
+                <a16:creationId xmlns:a16="http://schemas.microsoft.com/office/drawing/2014/main" id="{B398DF3B-39F3-47F4-80A1-DCE3797ACAC9}"/>
+              </a:ext>
+            </a:extLst>
+          </p:cNvPr>
+          <p:cNvCxnSpPr>
+            <a:cxnSpLocks/>
+            <a:endCxn id="19" idx="3"/>
+          </p:cNvCxnSpPr>
+          <p:nvPr/>
+        </p:nvCxnSpPr>
+        <p:spPr>
+          <a:xfrm flipV="1">
+            <a:off x="5106809" y="4775200"/>
+            <a:ext cx="1219200" cy="660400"/>
+          </a:xfrm>
+          <a:prstGeom prst="line">
+            <a:avLst/>
+          </a:prstGeom>
+        </p:spPr>
+        <p:style>
+          <a:lnRef idx="1">
+            <a:schemeClr val="accent1"/>
+          </a:lnRef>
+          <a:fillRef idx="0">
+            <a:schemeClr val="accent1"/>
+          </a:fillRef>
+          <a:effectRef idx="0">
+            <a:schemeClr val="accent1"/>
+          </a:effectRef>
+          <a:fontRef idx="minor">
+            <a:schemeClr val="tx1"/>
+          </a:fontRef>
+        </p:style>
+      </p:cxnSp>
+      <p:sp>
+        <p:nvSpPr>
+          <p:cNvPr id="21" name="TextBox 20">
+            <a:extLst>
+              <a:ext uri="{FF2B5EF4-FFF2-40B4-BE49-F238E27FC236}">
+                <a16:creationId xmlns:a16="http://schemas.microsoft.com/office/drawing/2014/main" id="{BD8EA7E8-C4D1-4D4D-9F30-7A27FB2C5E9C}"/>
+              </a:ext>
+            </a:extLst>
+          </p:cNvPr>
+          <p:cNvSpPr txBox="1"/>
+          <p:nvPr/>
+        </p:nvSpPr>
+        <p:spPr>
+          <a:xfrm>
+            <a:off x="5442135" y="3745468"/>
+            <a:ext cx="540533" cy="369332"/>
+          </a:xfrm>
+          <a:prstGeom prst="rect">
+            <a:avLst/>
+          </a:prstGeom>
+          <a:noFill/>
+        </p:spPr>
+        <p:txBody>
+          <a:bodyPr wrap="none" rtlCol="0">
+            <a:spAutoFit/>
+          </a:bodyPr>
+          <a:lstStyle/>
+          <a:p>
+            <a:r>
+              <a:rPr lang="en-US" altLang="ko-KR" dirty="0"/>
+              <a:t>B</a:t>
+            </a:r>
+            <a:r>
+              <a:rPr lang="ko-KR" altLang="en-US" dirty="0"/>
+              <a:t>주</a:t>
+            </a:r>
+            <a:endParaRPr lang="en-US" dirty="0"/>
+          </a:p>
+        </p:txBody>
+      </p:sp>
+      <p:sp>
+        <p:nvSpPr>
+          <p:cNvPr id="22" name="직사각형 21">
+            <a:extLst>
+              <a:ext uri="{FF2B5EF4-FFF2-40B4-BE49-F238E27FC236}">
+                <a16:creationId xmlns:a16="http://schemas.microsoft.com/office/drawing/2014/main" id="{9CAAA0CC-2DA4-4596-94D8-323E33875ADD}"/>
+              </a:ext>
+            </a:extLst>
+          </p:cNvPr>
+          <p:cNvSpPr/>
+          <p:nvPr/>
+        </p:nvSpPr>
+        <p:spPr>
+          <a:xfrm>
+            <a:off x="7975600" y="4114800"/>
+            <a:ext cx="1219200" cy="1320800"/>
+          </a:xfrm>
+          <a:prstGeom prst="rect">
+            <a:avLst/>
+          </a:prstGeom>
+        </p:spPr>
+        <p:style>
+          <a:lnRef idx="2">
+            <a:schemeClr val="dk1"/>
+          </a:lnRef>
+          <a:fillRef idx="1">
+            <a:schemeClr val="lt1"/>
+          </a:fillRef>
+          <a:effectRef idx="0">
+            <a:schemeClr val="dk1"/>
+          </a:effectRef>
+          <a:fontRef idx="minor">
+            <a:schemeClr val="dk1"/>
+          </a:fontRef>
+        </p:style>
+        <p:txBody>
+          <a:bodyPr rtlCol="0" anchor="ctr"/>
+          <a:lstStyle/>
+          <a:p>
+            <a:pPr algn="ctr"/>
+            <a:endParaRPr lang="en-US"/>
+          </a:p>
+        </p:txBody>
+      </p:sp>
+      <p:cxnSp>
+        <p:nvCxnSpPr>
+          <p:cNvPr id="23" name="직선 연결선 22">
+            <a:extLst>
+              <a:ext uri="{FF2B5EF4-FFF2-40B4-BE49-F238E27FC236}">
+                <a16:creationId xmlns:a16="http://schemas.microsoft.com/office/drawing/2014/main" id="{21122B11-34FD-421F-9A39-84EA29377A91}"/>
+              </a:ext>
+            </a:extLst>
+          </p:cNvPr>
+          <p:cNvCxnSpPr>
+            <a:cxnSpLocks/>
+          </p:cNvCxnSpPr>
+          <p:nvPr/>
+        </p:nvCxnSpPr>
+        <p:spPr>
+          <a:xfrm flipV="1">
+            <a:off x="7975600" y="4114800"/>
+            <a:ext cx="1219200" cy="1320800"/>
+          </a:xfrm>
+          <a:prstGeom prst="line">
+            <a:avLst/>
+          </a:prstGeom>
+        </p:spPr>
+        <p:style>
+          <a:lnRef idx="1">
+            <a:schemeClr val="accent1"/>
+          </a:lnRef>
+          <a:fillRef idx="0">
+            <a:schemeClr val="accent1"/>
+          </a:fillRef>
+          <a:effectRef idx="0">
+            <a:schemeClr val="accent1"/>
+          </a:effectRef>
+          <a:fontRef idx="minor">
+            <a:schemeClr val="tx1"/>
+          </a:fontRef>
+        </p:style>
+      </p:cxnSp>
+      <p:sp>
+        <p:nvSpPr>
+          <p:cNvPr id="24" name="TextBox 23">
+            <a:extLst>
+              <a:ext uri="{FF2B5EF4-FFF2-40B4-BE49-F238E27FC236}">
+                <a16:creationId xmlns:a16="http://schemas.microsoft.com/office/drawing/2014/main" id="{817F19D3-7B5A-4735-8B67-9C7C96A38058}"/>
+              </a:ext>
+            </a:extLst>
+          </p:cNvPr>
+          <p:cNvSpPr txBox="1"/>
+          <p:nvPr/>
+        </p:nvSpPr>
+        <p:spPr>
+          <a:xfrm>
+            <a:off x="8310926" y="3745468"/>
+            <a:ext cx="548548" cy="369332"/>
+          </a:xfrm>
+          <a:prstGeom prst="rect">
+            <a:avLst/>
+          </a:prstGeom>
+          <a:noFill/>
+        </p:spPr>
+        <p:txBody>
+          <a:bodyPr wrap="none" rtlCol="0">
+            <a:spAutoFit/>
+          </a:bodyPr>
+          <a:lstStyle/>
+          <a:p>
+            <a:r>
+              <a:rPr lang="en-US" dirty="0"/>
+              <a:t>C</a:t>
+            </a:r>
+            <a:r>
+              <a:rPr lang="ko-KR" altLang="en-US" dirty="0"/>
+              <a:t>주</a:t>
+            </a:r>
+            <a:endParaRPr lang="en-US" dirty="0"/>
+          </a:p>
+        </p:txBody>
+      </p:sp>
+      <p:sp>
+        <p:nvSpPr>
+          <p:cNvPr id="25" name="TextBox 24">
+            <a:extLst>
+              <a:ext uri="{FF2B5EF4-FFF2-40B4-BE49-F238E27FC236}">
+                <a16:creationId xmlns:a16="http://schemas.microsoft.com/office/drawing/2014/main" id="{E220705A-A951-474C-9FF8-D60800578DCD}"/>
+              </a:ext>
+            </a:extLst>
+          </p:cNvPr>
+          <p:cNvSpPr txBox="1"/>
+          <p:nvPr/>
+        </p:nvSpPr>
+        <p:spPr>
+          <a:xfrm>
+            <a:off x="2691500" y="4521200"/>
+            <a:ext cx="760144" cy="369332"/>
+          </a:xfrm>
+          <a:prstGeom prst="rect">
+            <a:avLst/>
+          </a:prstGeom>
+          <a:noFill/>
+        </p:spPr>
+        <p:txBody>
+          <a:bodyPr wrap="none" rtlCol="0">
+            <a:spAutoFit/>
+          </a:bodyPr>
+          <a:lstStyle/>
+          <a:p>
+            <a:r>
+              <a:rPr lang="en-US" dirty="0"/>
+              <a:t>X = 30</a:t>
+            </a:r>
+          </a:p>
+        </p:txBody>
+      </p:sp>
+      <p:sp>
+        <p:nvSpPr>
+          <p:cNvPr id="26" name="TextBox 25">
+            <a:extLst>
+              <a:ext uri="{FF2B5EF4-FFF2-40B4-BE49-F238E27FC236}">
+                <a16:creationId xmlns:a16="http://schemas.microsoft.com/office/drawing/2014/main" id="{670F6F19-A7B0-44C9-B715-591BA3E47D34}"/>
+              </a:ext>
+            </a:extLst>
+          </p:cNvPr>
+          <p:cNvSpPr txBox="1"/>
+          <p:nvPr/>
+        </p:nvSpPr>
+        <p:spPr>
+          <a:xfrm>
+            <a:off x="5222524" y="4221202"/>
+            <a:ext cx="760144" cy="369332"/>
+          </a:xfrm>
+          <a:prstGeom prst="rect">
+            <a:avLst/>
+          </a:prstGeom>
+          <a:noFill/>
+        </p:spPr>
+        <p:txBody>
+          <a:bodyPr wrap="none" rtlCol="0">
+            <a:spAutoFit/>
+          </a:bodyPr>
+          <a:lstStyle/>
+          <a:p>
+            <a:r>
+              <a:rPr lang="en-US" dirty="0"/>
+              <a:t>X = 60</a:t>
+            </a:r>
+          </a:p>
+        </p:txBody>
+      </p:sp>
+      <p:sp>
+        <p:nvSpPr>
+          <p:cNvPr id="27" name="TextBox 26">
+            <a:extLst>
+              <a:ext uri="{FF2B5EF4-FFF2-40B4-BE49-F238E27FC236}">
+                <a16:creationId xmlns:a16="http://schemas.microsoft.com/office/drawing/2014/main" id="{0DEDA248-B338-4E74-9E32-77613B9B8758}"/>
+              </a:ext>
+            </a:extLst>
+          </p:cNvPr>
+          <p:cNvSpPr txBox="1"/>
+          <p:nvPr/>
+        </p:nvSpPr>
+        <p:spPr>
+          <a:xfrm>
+            <a:off x="7975600" y="4299466"/>
+            <a:ext cx="760144" cy="369332"/>
+          </a:xfrm>
+          <a:prstGeom prst="rect">
+            <a:avLst/>
+          </a:prstGeom>
+          <a:noFill/>
+        </p:spPr>
+        <p:txBody>
+          <a:bodyPr wrap="none" rtlCol="0">
+            <a:spAutoFit/>
+          </a:bodyPr>
+          <a:lstStyle/>
+          <a:p>
+            <a:r>
+              <a:rPr lang="en-US" dirty="0"/>
+              <a:t>X = 30</a:t>
+            </a:r>
+          </a:p>
+        </p:txBody>
+      </p:sp>
+      <p:sp>
+        <p:nvSpPr>
+          <p:cNvPr id="33" name="Rectangle 1">
+            <a:extLst>
+              <a:ext uri="{FF2B5EF4-FFF2-40B4-BE49-F238E27FC236}">
+                <a16:creationId xmlns:a16="http://schemas.microsoft.com/office/drawing/2014/main" id="{6A80DA99-B972-4D0A-8647-30157FD5169F}"/>
+              </a:ext>
+            </a:extLst>
+          </p:cNvPr>
+          <p:cNvSpPr>
+            <a:spLocks noChangeArrowheads="1"/>
+          </p:cNvSpPr>
+          <p:nvPr/>
+        </p:nvSpPr>
+        <p:spPr bwMode="auto">
+          <a:xfrm>
+            <a:off x="97499" y="2547778"/>
+            <a:ext cx="11987766" cy="492443"/>
+          </a:xfrm>
+          <a:prstGeom prst="rect">
+            <a:avLst/>
+          </a:prstGeom>
+          <a:solidFill>
+            <a:srgbClr val="FFFFFF"/>
+          </a:solidFill>
+          <a:ln>
+            <a:noFill/>
+          </a:ln>
+          <a:effectLst/>
+          <a:extLst>
+            <a:ext uri="{91240B29-F687-4F45-9708-019B960494DF}">
+              <a14:hiddenLine xmlns:a14="http://schemas.microsoft.com/office/drawing/2010/main" w="9525">
+                <a:solidFill>
+                  <a:schemeClr val="tx1"/>
+                </a:solidFill>
+                <a:miter lim="800000"/>
+                <a:headEnd/>
+                <a:tailEnd/>
+              </a14:hiddenLine>
+            </a:ext>
+            <a:ext uri="{AF507438-7753-43E0-B8FC-AC1667EBCBE1}">
+              <a14:hiddenEffects xmlns:a14="http://schemas.microsoft.com/office/drawing/2010/main">
+                <a:effectLst>
+                  <a:outerShdw dist="35921" dir="2700000" algn="ctr" rotWithShape="0">
+                    <a:schemeClr val="bg2"/>
+                  </a:outerShdw>
+                </a:effectLst>
+              </a14:hiddenEffects>
+            </a:ext>
+          </a:extLst>
+        </p:spPr>
+        <p:txBody>
+          <a:bodyPr vert="horz" wrap="square" lIns="91440" tIns="45720" rIns="91440" bIns="45720" numCol="1" anchor="ctr" anchorCtr="0" compatLnSpc="1">
+            <a:prstTxWarp prst="textNoShape">
+              <a:avLst/>
+            </a:prstTxWarp>
+            <a:spAutoFit/>
+          </a:bodyPr>
+          <a:lstStyle/>
+          <a:p>
+            <a:pPr marL="0" marR="0" lvl="0" indent="0" algn="l" defTabSz="914400" rtl="0" eaLnBrk="0" fontAlgn="base" latinLnBrk="0" hangingPunct="0">
+              <a:lnSpc>
+                <a:spcPct val="100000"/>
+              </a:lnSpc>
+              <a:spcBef>
+                <a:spcPct val="0"/>
+              </a:spcBef>
+              <a:spcAft>
+                <a:spcPct val="0"/>
+              </a:spcAft>
+              <a:buClrTx/>
+              <a:buSzTx/>
+              <a:buFontTx/>
+              <a:buNone/>
+              <a:tabLst/>
+            </a:pPr>
+            <a:r>
+              <a:rPr kumimoji="0" lang="en-US" altLang="en-US" sz="1300" b="1" i="0" u="none" strike="noStrike" cap="none" normalizeH="0" baseline="0" dirty="0">
+                <a:ln>
+                  <a:noFill/>
+                </a:ln>
+                <a:solidFill>
+                  <a:srgbClr val="008080"/>
+                </a:solidFill>
+                <a:effectLst/>
+                <a:latin typeface="Consolas" panose="020B0609020204030204" pitchFamily="49" charset="0"/>
+              </a:rPr>
+              <a:t>'lag_1_ratio_cc'</a:t>
+            </a:r>
+            <a:r>
+              <a:rPr kumimoji="0" lang="en-US" altLang="en-US" sz="1300" b="0" i="0" u="none" strike="noStrike" cap="none" normalizeH="0" baseline="0" dirty="0">
+                <a:ln>
+                  <a:noFill/>
+                </a:ln>
+                <a:solidFill>
+                  <a:srgbClr val="000000"/>
+                </a:solidFill>
+                <a:effectLst/>
+                <a:latin typeface="Consolas" panose="020B0609020204030204" pitchFamily="49" charset="0"/>
+              </a:rPr>
+              <a:t>, </a:t>
+            </a:r>
+            <a:r>
+              <a:rPr kumimoji="0" lang="en-US" altLang="en-US" sz="1300" b="1" i="0" u="none" strike="noStrike" cap="none" normalizeH="0" baseline="0" dirty="0">
+                <a:ln>
+                  <a:noFill/>
+                </a:ln>
+                <a:solidFill>
+                  <a:srgbClr val="008080"/>
+                </a:solidFill>
+                <a:effectLst/>
+                <a:latin typeface="Consolas" panose="020B0609020204030204" pitchFamily="49" charset="0"/>
+              </a:rPr>
+              <a:t>'</a:t>
+            </a:r>
+            <a:r>
+              <a:rPr kumimoji="0" lang="en-US" altLang="en-US" sz="1300" b="1" i="0" u="none" strike="noStrike" cap="none" normalizeH="0" baseline="0" dirty="0" err="1">
+                <a:ln>
+                  <a:noFill/>
+                </a:ln>
+                <a:solidFill>
+                  <a:srgbClr val="008080"/>
+                </a:solidFill>
+                <a:effectLst/>
+                <a:latin typeface="Consolas" panose="020B0609020204030204" pitchFamily="49" charset="0"/>
+              </a:rPr>
+              <a:t>SeniorPopulation</a:t>
+            </a:r>
+            <a:r>
+              <a:rPr kumimoji="0" lang="en-US" altLang="en-US" sz="1300" b="1" i="0" u="none" strike="noStrike" cap="none" normalizeH="0" baseline="0" dirty="0">
+                <a:ln>
+                  <a:noFill/>
+                </a:ln>
+                <a:solidFill>
+                  <a:srgbClr val="008080"/>
+                </a:solidFill>
+                <a:effectLst/>
+                <a:latin typeface="Consolas" panose="020B0609020204030204" pitchFamily="49" charset="0"/>
+              </a:rPr>
+              <a:t>'</a:t>
+            </a:r>
+            <a:r>
+              <a:rPr kumimoji="0" lang="en-US" altLang="en-US" sz="1300" b="0" i="0" u="none" strike="noStrike" cap="none" normalizeH="0" baseline="0" dirty="0">
+                <a:ln>
+                  <a:noFill/>
+                </a:ln>
+                <a:solidFill>
+                  <a:srgbClr val="000000"/>
+                </a:solidFill>
+                <a:effectLst/>
+                <a:latin typeface="Consolas" panose="020B0609020204030204" pitchFamily="49" charset="0"/>
+              </a:rPr>
+              <a:t>, </a:t>
+            </a:r>
+            <a:r>
+              <a:rPr kumimoji="0" lang="en-US" altLang="en-US" sz="1300" b="1" i="0" u="none" strike="noStrike" cap="none" normalizeH="0" baseline="0" dirty="0">
+                <a:ln>
+                  <a:noFill/>
+                </a:ln>
+                <a:solidFill>
+                  <a:srgbClr val="008080"/>
+                </a:solidFill>
+                <a:effectLst/>
+                <a:latin typeface="Consolas" panose="020B0609020204030204" pitchFamily="49" charset="0"/>
+              </a:rPr>
+              <a:t>'</a:t>
+            </a:r>
+            <a:r>
+              <a:rPr kumimoji="0" lang="en-US" altLang="en-US" sz="1300" b="1" i="0" u="none" strike="noStrike" cap="none" normalizeH="0" baseline="0" dirty="0" err="1">
+                <a:ln>
+                  <a:noFill/>
+                </a:ln>
+                <a:solidFill>
+                  <a:srgbClr val="008080"/>
+                </a:solidFill>
+                <a:effectLst/>
+                <a:latin typeface="Consolas" panose="020B0609020204030204" pitchFamily="49" charset="0"/>
+              </a:rPr>
+              <a:t>FoodStamp</a:t>
+            </a:r>
+            <a:r>
+              <a:rPr kumimoji="0" lang="en-US" altLang="en-US" sz="1300" b="1" i="0" u="none" strike="noStrike" cap="none" normalizeH="0" baseline="0" dirty="0">
+                <a:ln>
+                  <a:noFill/>
+                </a:ln>
+                <a:solidFill>
+                  <a:srgbClr val="008080"/>
+                </a:solidFill>
+                <a:effectLst/>
+                <a:latin typeface="Consolas" panose="020B0609020204030204" pitchFamily="49" charset="0"/>
+              </a:rPr>
+              <a:t>'</a:t>
+            </a:r>
+            <a:r>
+              <a:rPr kumimoji="0" lang="en-US" altLang="en-US" sz="1300" b="0" i="0" u="none" strike="noStrike" cap="none" normalizeH="0" baseline="0" dirty="0">
+                <a:ln>
+                  <a:noFill/>
+                </a:ln>
+                <a:solidFill>
+                  <a:srgbClr val="000000"/>
+                </a:solidFill>
+                <a:effectLst/>
+                <a:latin typeface="Consolas" panose="020B0609020204030204" pitchFamily="49" charset="0"/>
+              </a:rPr>
+              <a:t>, </a:t>
+            </a:r>
+            <a:r>
+              <a:rPr kumimoji="0" lang="en-US" altLang="en-US" sz="1300" b="1" i="0" u="none" strike="noStrike" cap="none" normalizeH="0" baseline="0" dirty="0">
+                <a:ln>
+                  <a:noFill/>
+                </a:ln>
+                <a:solidFill>
+                  <a:srgbClr val="008080"/>
+                </a:solidFill>
+                <a:effectLst/>
+                <a:latin typeface="Consolas" panose="020B0609020204030204" pitchFamily="49" charset="0"/>
+              </a:rPr>
+              <a:t>'</a:t>
+            </a:r>
+            <a:r>
+              <a:rPr kumimoji="0" lang="en-US" altLang="en-US" sz="1300" b="1" i="0" u="none" strike="noStrike" cap="none" normalizeH="0" baseline="0" dirty="0" err="1">
+                <a:ln>
+                  <a:noFill/>
+                </a:ln>
+                <a:solidFill>
+                  <a:srgbClr val="008080"/>
+                </a:solidFill>
+                <a:effectLst/>
+                <a:latin typeface="Consolas" panose="020B0609020204030204" pitchFamily="49" charset="0"/>
+              </a:rPr>
+              <a:t>NoHealthIns</a:t>
+            </a:r>
+            <a:r>
+              <a:rPr kumimoji="0" lang="en-US" altLang="en-US" sz="1300" b="1" i="0" u="none" strike="noStrike" cap="none" normalizeH="0" baseline="0" dirty="0">
+                <a:ln>
+                  <a:noFill/>
+                </a:ln>
+                <a:solidFill>
+                  <a:srgbClr val="008080"/>
+                </a:solidFill>
+                <a:effectLst/>
+                <a:latin typeface="Consolas" panose="020B0609020204030204" pitchFamily="49" charset="0"/>
+              </a:rPr>
+              <a:t>'</a:t>
+            </a:r>
+            <a:r>
+              <a:rPr kumimoji="0" lang="en-US" altLang="en-US" sz="1300" b="0" i="0" u="none" strike="noStrike" cap="none" normalizeH="0" baseline="0" dirty="0">
+                <a:ln>
+                  <a:noFill/>
+                </a:ln>
+                <a:solidFill>
+                  <a:srgbClr val="000000"/>
+                </a:solidFill>
+                <a:effectLst/>
+                <a:latin typeface="Consolas" panose="020B0609020204030204" pitchFamily="49" charset="0"/>
+              </a:rPr>
+              <a:t>, </a:t>
+            </a:r>
+            <a:r>
+              <a:rPr kumimoji="0" lang="en-US" altLang="en-US" sz="1300" b="1" i="0" u="none" strike="noStrike" cap="none" normalizeH="0" baseline="0" dirty="0">
+                <a:ln>
+                  <a:noFill/>
+                </a:ln>
+                <a:solidFill>
+                  <a:srgbClr val="008080"/>
+                </a:solidFill>
+                <a:effectLst/>
+                <a:latin typeface="Consolas" panose="020B0609020204030204" pitchFamily="49" charset="0"/>
+              </a:rPr>
+              <a:t>'</a:t>
+            </a:r>
+            <a:r>
+              <a:rPr kumimoji="0" lang="en-US" altLang="en-US" sz="1300" b="1" i="0" u="none" strike="noStrike" cap="none" normalizeH="0" baseline="0" dirty="0" err="1">
+                <a:ln>
+                  <a:noFill/>
+                </a:ln>
+                <a:solidFill>
+                  <a:srgbClr val="008080"/>
+                </a:solidFill>
+                <a:effectLst/>
+                <a:latin typeface="Consolas" panose="020B0609020204030204" pitchFamily="49" charset="0"/>
+              </a:rPr>
+              <a:t>PovertyLevel</a:t>
+            </a:r>
+            <a:r>
+              <a:rPr kumimoji="0" lang="en-US" altLang="en-US" sz="1300" b="1" i="0" u="none" strike="noStrike" cap="none" normalizeH="0" baseline="0" dirty="0">
+                <a:ln>
+                  <a:noFill/>
+                </a:ln>
+                <a:solidFill>
+                  <a:srgbClr val="008080"/>
+                </a:solidFill>
+                <a:effectLst/>
+                <a:latin typeface="Consolas" panose="020B0609020204030204" pitchFamily="49" charset="0"/>
+              </a:rPr>
+              <a:t>’</a:t>
+            </a:r>
+            <a:r>
+              <a:rPr kumimoji="0" lang="en-US" altLang="en-US" sz="1300" b="0" i="0" u="none" strike="noStrike" cap="none" normalizeH="0" baseline="0" dirty="0">
+                <a:ln>
+                  <a:noFill/>
+                </a:ln>
+                <a:solidFill>
+                  <a:srgbClr val="000000"/>
+                </a:solidFill>
+                <a:effectLst/>
+                <a:latin typeface="Consolas" panose="020B0609020204030204" pitchFamily="49" charset="0"/>
+              </a:rPr>
+              <a:t>, </a:t>
+            </a:r>
+            <a:r>
+              <a:rPr kumimoji="0" lang="en-US" altLang="en-US" sz="1300" b="1" i="0" u="none" strike="noStrike" cap="none" normalizeH="0" baseline="0" dirty="0">
+                <a:ln>
+                  <a:noFill/>
+                </a:ln>
+                <a:solidFill>
+                  <a:srgbClr val="008080"/>
+                </a:solidFill>
+                <a:effectLst/>
+                <a:latin typeface="Consolas" panose="020B0609020204030204" pitchFamily="49" charset="0"/>
+              </a:rPr>
+              <a:t>'</a:t>
+            </a:r>
+            <a:r>
+              <a:rPr kumimoji="0" lang="en-US" altLang="en-US" sz="1300" b="1" i="0" u="none" strike="noStrike" cap="none" normalizeH="0" baseline="0" dirty="0" err="1">
+                <a:ln>
+                  <a:noFill/>
+                </a:ln>
+                <a:solidFill>
+                  <a:srgbClr val="008080"/>
+                </a:solidFill>
+                <a:effectLst/>
+                <a:latin typeface="Consolas" panose="020B0609020204030204" pitchFamily="49" charset="0"/>
+              </a:rPr>
+              <a:t>MeanTravelTime</a:t>
+            </a:r>
+            <a:r>
+              <a:rPr kumimoji="0" lang="en-US" altLang="en-US" sz="1300" b="1" i="0" u="none" strike="noStrike" cap="none" normalizeH="0" baseline="0" dirty="0">
+                <a:ln>
+                  <a:noFill/>
+                </a:ln>
+                <a:solidFill>
+                  <a:srgbClr val="008080"/>
+                </a:solidFill>
+                <a:effectLst/>
+                <a:latin typeface="Consolas" panose="020B0609020204030204" pitchFamily="49" charset="0"/>
+              </a:rPr>
+              <a:t>'</a:t>
+            </a:r>
+            <a:r>
+              <a:rPr kumimoji="0" lang="en-US" altLang="en-US" sz="1300" b="0" i="0" u="none" strike="noStrike" cap="none" normalizeH="0" baseline="0" dirty="0">
+                <a:ln>
+                  <a:noFill/>
+                </a:ln>
+                <a:solidFill>
+                  <a:srgbClr val="000000"/>
+                </a:solidFill>
+                <a:effectLst/>
+                <a:latin typeface="Consolas" panose="020B0609020204030204" pitchFamily="49" charset="0"/>
+              </a:rPr>
+              <a:t>, </a:t>
+            </a:r>
+            <a:r>
+              <a:rPr kumimoji="0" lang="en-US" altLang="en-US" sz="1300" b="1" i="0" u="none" strike="noStrike" cap="none" normalizeH="0" baseline="0" dirty="0">
+                <a:ln>
+                  <a:noFill/>
+                </a:ln>
+                <a:solidFill>
+                  <a:srgbClr val="008080"/>
+                </a:solidFill>
+                <a:effectLst/>
+                <a:latin typeface="Consolas" panose="020B0609020204030204" pitchFamily="49" charset="0"/>
+              </a:rPr>
+              <a:t>'</a:t>
+            </a:r>
+            <a:r>
+              <a:rPr kumimoji="0" lang="en-US" altLang="en-US" sz="1300" b="1" i="0" u="none" strike="noStrike" cap="none" normalizeH="0" baseline="0" dirty="0" err="1">
+                <a:ln>
+                  <a:noFill/>
+                </a:ln>
+                <a:solidFill>
+                  <a:srgbClr val="008080"/>
+                </a:solidFill>
+                <a:effectLst/>
+                <a:latin typeface="Consolas" panose="020B0609020204030204" pitchFamily="49" charset="0"/>
+              </a:rPr>
+              <a:t>SeniorMalePopulation</a:t>
+            </a:r>
+            <a:r>
+              <a:rPr kumimoji="0" lang="en-US" altLang="en-US" sz="1300" b="1" i="0" u="none" strike="noStrike" cap="none" normalizeH="0" baseline="0" dirty="0">
+                <a:ln>
+                  <a:noFill/>
+                </a:ln>
+                <a:solidFill>
+                  <a:srgbClr val="008080"/>
+                </a:solidFill>
+                <a:effectLst/>
+                <a:latin typeface="Consolas" panose="020B0609020204030204" pitchFamily="49" charset="0"/>
+              </a:rPr>
+              <a:t>'</a:t>
+            </a:r>
+            <a:r>
+              <a:rPr kumimoji="0" lang="en-US" altLang="en-US" sz="1300" b="0" i="0" u="none" strike="noStrike" cap="none" normalizeH="0" baseline="0" dirty="0">
+                <a:ln>
+                  <a:noFill/>
+                </a:ln>
+                <a:solidFill>
+                  <a:srgbClr val="000000"/>
+                </a:solidFill>
+                <a:effectLst/>
+                <a:latin typeface="Consolas" panose="020B0609020204030204" pitchFamily="49" charset="0"/>
+              </a:rPr>
+              <a:t>, </a:t>
+            </a:r>
+            <a:r>
+              <a:rPr kumimoji="0" lang="en-US" altLang="en-US" sz="1300" b="1" i="0" u="none" strike="noStrike" cap="none" normalizeH="0" baseline="0" dirty="0">
+                <a:ln>
+                  <a:noFill/>
+                </a:ln>
+                <a:solidFill>
+                  <a:srgbClr val="008080"/>
+                </a:solidFill>
+                <a:effectLst/>
+                <a:latin typeface="Consolas" panose="020B0609020204030204" pitchFamily="49" charset="0"/>
+              </a:rPr>
+              <a:t>'</a:t>
+            </a:r>
+            <a:r>
+              <a:rPr kumimoji="0" lang="en-US" altLang="en-US" sz="1300" b="1" i="0" u="none" strike="noStrike" cap="none" normalizeH="0" baseline="0" dirty="0" err="1">
+                <a:ln>
+                  <a:noFill/>
+                </a:ln>
+                <a:solidFill>
+                  <a:srgbClr val="008080"/>
+                </a:solidFill>
+                <a:effectLst/>
+                <a:latin typeface="Consolas" panose="020B0609020204030204" pitchFamily="49" charset="0"/>
+              </a:rPr>
+              <a:t>PublicTransportationP</a:t>
+            </a:r>
+            <a:r>
+              <a:rPr kumimoji="0" lang="en-US" altLang="en-US" sz="1300" b="1" i="0" u="none" strike="noStrike" cap="none" normalizeH="0" baseline="0" dirty="0">
+                <a:ln>
+                  <a:noFill/>
+                </a:ln>
+                <a:solidFill>
+                  <a:srgbClr val="008080"/>
+                </a:solidFill>
+                <a:effectLst/>
+                <a:latin typeface="Consolas" panose="020B0609020204030204" pitchFamily="49" charset="0"/>
+              </a:rPr>
+              <a:t>'</a:t>
+            </a:r>
+            <a:r>
+              <a:rPr kumimoji="0" lang="en-US" altLang="en-US" sz="1300" b="0" i="0" u="none" strike="noStrike" cap="none" normalizeH="0" baseline="0" dirty="0">
+                <a:ln>
+                  <a:noFill/>
+                </a:ln>
+                <a:solidFill>
+                  <a:srgbClr val="000000"/>
+                </a:solidFill>
+                <a:effectLst/>
+                <a:latin typeface="Consolas" panose="020B0609020204030204" pitchFamily="49" charset="0"/>
+              </a:rPr>
+              <a:t>, </a:t>
+            </a:r>
+            <a:r>
+              <a:rPr kumimoji="0" lang="en-US" altLang="en-US" sz="1300" b="1" i="0" u="none" strike="noStrike" cap="none" normalizeH="0" baseline="0" dirty="0">
+                <a:ln>
+                  <a:noFill/>
+                </a:ln>
+                <a:solidFill>
+                  <a:srgbClr val="008080"/>
+                </a:solidFill>
+                <a:effectLst/>
+                <a:latin typeface="Consolas" panose="020B0609020204030204" pitchFamily="49" charset="0"/>
+              </a:rPr>
+              <a:t>'Household'</a:t>
+            </a:r>
+            <a:r>
+              <a:rPr kumimoji="0" lang="en-US" altLang="en-US" sz="1300" b="0" i="0" u="none" strike="noStrike" cap="none" normalizeH="0" baseline="0" dirty="0">
+                <a:ln>
+                  <a:noFill/>
+                </a:ln>
+                <a:solidFill>
+                  <a:srgbClr val="000000"/>
+                </a:solidFill>
+                <a:effectLst/>
+                <a:latin typeface="Consolas" panose="020B0609020204030204" pitchFamily="49" charset="0"/>
+              </a:rPr>
+              <a:t>, </a:t>
+            </a:r>
+            <a:r>
+              <a:rPr kumimoji="0" lang="en-US" altLang="en-US" sz="1300" b="1" i="0" u="none" strike="noStrike" cap="none" normalizeH="0" baseline="0" dirty="0">
+                <a:ln>
+                  <a:noFill/>
+                </a:ln>
+                <a:solidFill>
+                  <a:srgbClr val="008080"/>
+                </a:solidFill>
+                <a:effectLst/>
+                <a:latin typeface="Consolas" panose="020B0609020204030204" pitchFamily="49" charset="0"/>
+              </a:rPr>
+              <a:t>'Income’ </a:t>
+            </a:r>
+            <a:endParaRPr kumimoji="0" lang="en-US" altLang="en-US" sz="1800" b="0" i="0" u="none" strike="noStrike" cap="none" normalizeH="0" baseline="0" dirty="0">
+              <a:ln>
+                <a:noFill/>
+              </a:ln>
+              <a:solidFill>
+                <a:schemeClr val="tx1"/>
+              </a:solidFill>
+              <a:effectLst/>
+              <a:latin typeface="Arial" panose="020B0604020202020204" pitchFamily="34" charset="0"/>
+            </a:endParaRPr>
+          </a:p>
+        </p:txBody>
+      </p:sp>
+      <p:sp>
+        <p:nvSpPr>
+          <p:cNvPr id="35" name="TextBox 34">
+            <a:extLst>
+              <a:ext uri="{FF2B5EF4-FFF2-40B4-BE49-F238E27FC236}">
+                <a16:creationId xmlns:a16="http://schemas.microsoft.com/office/drawing/2014/main" id="{5AB8D0A7-972A-46DF-B3B5-80FD997D4740}"/>
+              </a:ext>
+            </a:extLst>
+          </p:cNvPr>
+          <p:cNvSpPr txBox="1"/>
+          <p:nvPr/>
+        </p:nvSpPr>
+        <p:spPr>
+          <a:xfrm>
+            <a:off x="64655" y="32756"/>
+            <a:ext cx="12053454" cy="369332"/>
+          </a:xfrm>
+          <a:prstGeom prst="rect">
+            <a:avLst/>
+          </a:prstGeom>
+          <a:noFill/>
+        </p:spPr>
+        <p:txBody>
+          <a:bodyPr wrap="square">
+            <a:spAutoFit/>
+          </a:bodyPr>
+          <a:lstStyle/>
+          <a:p>
+            <a:r>
+              <a:rPr kumimoji="0" lang="en-US" altLang="en-US" sz="1800" b="1" i="0" u="none" strike="noStrike" cap="none" normalizeH="0" baseline="0" dirty="0">
+                <a:ln>
+                  <a:noFill/>
+                </a:ln>
+                <a:solidFill>
+                  <a:srgbClr val="008080"/>
+                </a:solidFill>
+                <a:effectLst/>
+                <a:latin typeface="Consolas" panose="020B0609020204030204" pitchFamily="49" charset="0"/>
+              </a:rPr>
+              <a:t>LSTM</a:t>
+            </a:r>
+            <a:endParaRPr lang="en-US" dirty="0"/>
+          </a:p>
+        </p:txBody>
+      </p:sp>
+    </p:spTree>
+    <p:extLst>
+      <p:ext uri="{BB962C8B-B14F-4D97-AF65-F5344CB8AC3E}">
+        <p14:creationId xmlns:p14="http://schemas.microsoft.com/office/powerpoint/2010/main" val="1845082762"/>
       </p:ext>
     </p:extLst>
   </p:cSld>
